--- a/01 Classes/Aula 12 e 13 Desenvolvimento Web PHP - PHP.pptx
+++ b/01 Classes/Aula 12 e 13 Desenvolvimento Web PHP - PHP.pptx
@@ -5,7 +5,7 @@
     <p:sldMasterId id="2147483648" r:id="rId1"/>
   </p:sldMasterIdLst>
   <p:notesMasterIdLst>
-    <p:notesMasterId r:id="rId59"/>
+    <p:notesMasterId r:id="rId64"/>
   </p:notesMasterIdLst>
   <p:sldIdLst>
     <p:sldId id="256" r:id="rId2"/>
@@ -55,16 +55,21 @@
     <p:sldId id="417" r:id="rId46"/>
     <p:sldId id="422" r:id="rId47"/>
     <p:sldId id="400" r:id="rId48"/>
-    <p:sldId id="418" r:id="rId49"/>
-    <p:sldId id="445" r:id="rId50"/>
-    <p:sldId id="420" r:id="rId51"/>
-    <p:sldId id="421" r:id="rId52"/>
-    <p:sldId id="419" r:id="rId53"/>
-    <p:sldId id="333" r:id="rId54"/>
-    <p:sldId id="323" r:id="rId55"/>
-    <p:sldId id="334" r:id="rId56"/>
-    <p:sldId id="337" r:id="rId57"/>
-    <p:sldId id="309" r:id="rId58"/>
+    <p:sldId id="419" r:id="rId49"/>
+    <p:sldId id="446" r:id="rId50"/>
+    <p:sldId id="450" r:id="rId51"/>
+    <p:sldId id="447" r:id="rId52"/>
+    <p:sldId id="449" r:id="rId53"/>
+    <p:sldId id="421" r:id="rId54"/>
+    <p:sldId id="445" r:id="rId55"/>
+    <p:sldId id="420" r:id="rId56"/>
+    <p:sldId id="418" r:id="rId57"/>
+    <p:sldId id="451" r:id="rId58"/>
+    <p:sldId id="333" r:id="rId59"/>
+    <p:sldId id="323" r:id="rId60"/>
+    <p:sldId id="334" r:id="rId61"/>
+    <p:sldId id="337" r:id="rId62"/>
+    <p:sldId id="309" r:id="rId63"/>
   </p:sldIdLst>
   <p:sldSz cx="9144000" cy="5143500" type="screen16x9"/>
   <p:notesSz cx="6858000" cy="9144000"/>
@@ -3246,7 +3251,7 @@
     </p:spTree>
     <p:extLst>
       <p:ext uri="{BB962C8B-B14F-4D97-AF65-F5344CB8AC3E}">
-        <p14:creationId xmlns:p14="http://schemas.microsoft.com/office/powerpoint/2010/main" val="2978299195"/>
+        <p14:creationId xmlns:p14="http://schemas.microsoft.com/office/powerpoint/2010/main" val="2676787490"/>
       </p:ext>
     </p:extLst>
   </p:cSld>
@@ -3312,7 +3317,7 @@
     </p:spTree>
     <p:extLst>
       <p:ext uri="{BB962C8B-B14F-4D97-AF65-F5344CB8AC3E}">
-        <p14:creationId xmlns:p14="http://schemas.microsoft.com/office/powerpoint/2010/main" val="1073509240"/>
+        <p14:creationId xmlns:p14="http://schemas.microsoft.com/office/powerpoint/2010/main" val="20492190"/>
       </p:ext>
     </p:extLst>
   </p:cSld>
@@ -3378,7 +3383,7 @@
     </p:spTree>
     <p:extLst>
       <p:ext uri="{BB962C8B-B14F-4D97-AF65-F5344CB8AC3E}">
-        <p14:creationId xmlns:p14="http://schemas.microsoft.com/office/powerpoint/2010/main" val="4044526132"/>
+        <p14:creationId xmlns:p14="http://schemas.microsoft.com/office/powerpoint/2010/main" val="4162243292"/>
       </p:ext>
     </p:extLst>
   </p:cSld>
@@ -3444,7 +3449,7 @@
     </p:spTree>
     <p:extLst>
       <p:ext uri="{BB962C8B-B14F-4D97-AF65-F5344CB8AC3E}">
-        <p14:creationId xmlns:p14="http://schemas.microsoft.com/office/powerpoint/2010/main" val="4191191229"/>
+        <p14:creationId xmlns:p14="http://schemas.microsoft.com/office/powerpoint/2010/main" val="486074019"/>
       </p:ext>
     </p:extLst>
   </p:cSld>
@@ -3576,7 +3581,7 @@
     </p:spTree>
     <p:extLst>
       <p:ext uri="{BB962C8B-B14F-4D97-AF65-F5344CB8AC3E}">
-        <p14:creationId xmlns:p14="http://schemas.microsoft.com/office/powerpoint/2010/main" val="2676787490"/>
+        <p14:creationId xmlns:p14="http://schemas.microsoft.com/office/powerpoint/2010/main" val="3397339591"/>
       </p:ext>
     </p:extLst>
   </p:cSld>
@@ -3642,7 +3647,7 @@
     </p:spTree>
     <p:extLst>
       <p:ext uri="{BB962C8B-B14F-4D97-AF65-F5344CB8AC3E}">
-        <p14:creationId xmlns:p14="http://schemas.microsoft.com/office/powerpoint/2010/main" val="585304384"/>
+        <p14:creationId xmlns:p14="http://schemas.microsoft.com/office/powerpoint/2010/main" val="4191191229"/>
       </p:ext>
     </p:extLst>
   </p:cSld>
@@ -3708,7 +3713,7 @@
     </p:spTree>
     <p:extLst>
       <p:ext uri="{BB962C8B-B14F-4D97-AF65-F5344CB8AC3E}">
-        <p14:creationId xmlns:p14="http://schemas.microsoft.com/office/powerpoint/2010/main" val="2709569597"/>
+        <p14:creationId xmlns:p14="http://schemas.microsoft.com/office/powerpoint/2010/main" val="1073509240"/>
       </p:ext>
     </p:extLst>
   </p:cSld>
@@ -3774,6 +3779,336 @@
     </p:spTree>
     <p:extLst>
       <p:ext uri="{BB962C8B-B14F-4D97-AF65-F5344CB8AC3E}">
+        <p14:creationId xmlns:p14="http://schemas.microsoft.com/office/powerpoint/2010/main" val="4044526132"/>
+      </p:ext>
+    </p:extLst>
+  </p:cSld>
+  <p:clrMapOvr>
+    <a:masterClrMapping/>
+  </p:clrMapOvr>
+</p:notes>
+</file>
+
+<file path=ppt/notesSlides/notesSlide54.xml><?xml version="1.0" encoding="utf-8"?>
+<p:notes xmlns:a="http://schemas.openxmlformats.org/drawingml/2006/main" xmlns:r="http://schemas.openxmlformats.org/officeDocument/2006/relationships" xmlns:p="http://schemas.openxmlformats.org/presentationml/2006/main">
+  <p:cSld>
+    <p:spTree>
+      <p:nvGrpSpPr>
+        <p:cNvPr id="1" name=""/>
+        <p:cNvGrpSpPr/>
+        <p:nvPr/>
+      </p:nvGrpSpPr>
+      <p:grpSpPr>
+        <a:xfrm>
+          <a:off x="0" y="0"/>
+          <a:ext cx="0" cy="0"/>
+          <a:chOff x="0" y="0"/>
+          <a:chExt cx="0" cy="0"/>
+        </a:xfrm>
+      </p:grpSpPr>
+      <p:sp>
+        <p:nvSpPr>
+          <p:cNvPr id="2" name="Espaço Reservado para Imagem de Slide 1"/>
+          <p:cNvSpPr>
+            <a:spLocks noGrp="1" noRot="1" noChangeAspect="1"/>
+          </p:cNvSpPr>
+          <p:nvPr>
+            <p:ph type="sldImg"/>
+          </p:nvPr>
+        </p:nvSpPr>
+        <p:spPr>
+          <a:xfrm>
+            <a:off x="381000" y="685800"/>
+            <a:ext cx="6096000" cy="3429000"/>
+          </a:xfrm>
+        </p:spPr>
+      </p:sp>
+      <p:sp>
+        <p:nvSpPr>
+          <p:cNvPr id="3" name="Espaço Reservado para Anotações 2"/>
+          <p:cNvSpPr>
+            <a:spLocks noGrp="1"/>
+          </p:cNvSpPr>
+          <p:nvPr>
+            <p:ph type="body" idx="1"/>
+          </p:nvPr>
+        </p:nvSpPr>
+        <p:spPr/>
+        <p:txBody>
+          <a:bodyPr/>
+          <a:lstStyle/>
+          <a:p>
+            <a:endParaRPr lang="pt-BR" dirty="0"/>
+          </a:p>
+        </p:txBody>
+      </p:sp>
+    </p:spTree>
+    <p:extLst>
+      <p:ext uri="{BB962C8B-B14F-4D97-AF65-F5344CB8AC3E}">
+        <p14:creationId xmlns:p14="http://schemas.microsoft.com/office/powerpoint/2010/main" val="2978299195"/>
+      </p:ext>
+    </p:extLst>
+  </p:cSld>
+  <p:clrMapOvr>
+    <a:masterClrMapping/>
+  </p:clrMapOvr>
+</p:notes>
+</file>
+
+<file path=ppt/notesSlides/notesSlide55.xml><?xml version="1.0" encoding="utf-8"?>
+<p:notes xmlns:a="http://schemas.openxmlformats.org/drawingml/2006/main" xmlns:r="http://schemas.openxmlformats.org/officeDocument/2006/relationships" xmlns:p="http://schemas.openxmlformats.org/presentationml/2006/main">
+  <p:cSld>
+    <p:spTree>
+      <p:nvGrpSpPr>
+        <p:cNvPr id="1" name=""/>
+        <p:cNvGrpSpPr/>
+        <p:nvPr/>
+      </p:nvGrpSpPr>
+      <p:grpSpPr>
+        <a:xfrm>
+          <a:off x="0" y="0"/>
+          <a:ext cx="0" cy="0"/>
+          <a:chOff x="0" y="0"/>
+          <a:chExt cx="0" cy="0"/>
+        </a:xfrm>
+      </p:grpSpPr>
+      <p:sp>
+        <p:nvSpPr>
+          <p:cNvPr id="2" name="Espaço Reservado para Imagem de Slide 1"/>
+          <p:cNvSpPr>
+            <a:spLocks noGrp="1" noRot="1" noChangeAspect="1"/>
+          </p:cNvSpPr>
+          <p:nvPr>
+            <p:ph type="sldImg"/>
+          </p:nvPr>
+        </p:nvSpPr>
+        <p:spPr>
+          <a:xfrm>
+            <a:off x="381000" y="685800"/>
+            <a:ext cx="6096000" cy="3429000"/>
+          </a:xfrm>
+        </p:spPr>
+      </p:sp>
+      <p:sp>
+        <p:nvSpPr>
+          <p:cNvPr id="3" name="Espaço Reservado para Anotações 2"/>
+          <p:cNvSpPr>
+            <a:spLocks noGrp="1"/>
+          </p:cNvSpPr>
+          <p:nvPr>
+            <p:ph type="body" idx="1"/>
+          </p:nvPr>
+        </p:nvSpPr>
+        <p:spPr/>
+        <p:txBody>
+          <a:bodyPr/>
+          <a:lstStyle/>
+          <a:p>
+            <a:endParaRPr lang="pt-BR" dirty="0"/>
+          </a:p>
+        </p:txBody>
+      </p:sp>
+    </p:spTree>
+    <p:extLst>
+      <p:ext uri="{BB962C8B-B14F-4D97-AF65-F5344CB8AC3E}">
+        <p14:creationId xmlns:p14="http://schemas.microsoft.com/office/powerpoint/2010/main" val="40756885"/>
+      </p:ext>
+    </p:extLst>
+  </p:cSld>
+  <p:clrMapOvr>
+    <a:masterClrMapping/>
+  </p:clrMapOvr>
+</p:notes>
+</file>
+
+<file path=ppt/notesSlides/notesSlide56.xml><?xml version="1.0" encoding="utf-8"?>
+<p:notes xmlns:a="http://schemas.openxmlformats.org/drawingml/2006/main" xmlns:r="http://schemas.openxmlformats.org/officeDocument/2006/relationships" xmlns:p="http://schemas.openxmlformats.org/presentationml/2006/main">
+  <p:cSld>
+    <p:spTree>
+      <p:nvGrpSpPr>
+        <p:cNvPr id="1" name=""/>
+        <p:cNvGrpSpPr/>
+        <p:nvPr/>
+      </p:nvGrpSpPr>
+      <p:grpSpPr>
+        <a:xfrm>
+          <a:off x="0" y="0"/>
+          <a:ext cx="0" cy="0"/>
+          <a:chOff x="0" y="0"/>
+          <a:chExt cx="0" cy="0"/>
+        </a:xfrm>
+      </p:grpSpPr>
+      <p:sp>
+        <p:nvSpPr>
+          <p:cNvPr id="2" name="Espaço Reservado para Imagem de Slide 1"/>
+          <p:cNvSpPr>
+            <a:spLocks noGrp="1" noRot="1" noChangeAspect="1"/>
+          </p:cNvSpPr>
+          <p:nvPr>
+            <p:ph type="sldImg"/>
+          </p:nvPr>
+        </p:nvSpPr>
+        <p:spPr>
+          <a:xfrm>
+            <a:off x="381000" y="685800"/>
+            <a:ext cx="6096000" cy="3429000"/>
+          </a:xfrm>
+        </p:spPr>
+      </p:sp>
+      <p:sp>
+        <p:nvSpPr>
+          <p:cNvPr id="3" name="Espaço Reservado para Anotações 2"/>
+          <p:cNvSpPr>
+            <a:spLocks noGrp="1"/>
+          </p:cNvSpPr>
+          <p:nvPr>
+            <p:ph type="body" idx="1"/>
+          </p:nvPr>
+        </p:nvSpPr>
+        <p:spPr/>
+        <p:txBody>
+          <a:bodyPr/>
+          <a:lstStyle/>
+          <a:p>
+            <a:endParaRPr lang="pt-BR" dirty="0"/>
+          </a:p>
+        </p:txBody>
+      </p:sp>
+    </p:spTree>
+    <p:extLst>
+      <p:ext uri="{BB962C8B-B14F-4D97-AF65-F5344CB8AC3E}">
+        <p14:creationId xmlns:p14="http://schemas.microsoft.com/office/powerpoint/2010/main" val="585304384"/>
+      </p:ext>
+    </p:extLst>
+  </p:cSld>
+  <p:clrMapOvr>
+    <a:masterClrMapping/>
+  </p:clrMapOvr>
+</p:notes>
+</file>
+
+<file path=ppt/notesSlides/notesSlide57.xml><?xml version="1.0" encoding="utf-8"?>
+<p:notes xmlns:a="http://schemas.openxmlformats.org/drawingml/2006/main" xmlns:r="http://schemas.openxmlformats.org/officeDocument/2006/relationships" xmlns:p="http://schemas.openxmlformats.org/presentationml/2006/main">
+  <p:cSld>
+    <p:spTree>
+      <p:nvGrpSpPr>
+        <p:cNvPr id="1" name=""/>
+        <p:cNvGrpSpPr/>
+        <p:nvPr/>
+      </p:nvGrpSpPr>
+      <p:grpSpPr>
+        <a:xfrm>
+          <a:off x="0" y="0"/>
+          <a:ext cx="0" cy="0"/>
+          <a:chOff x="0" y="0"/>
+          <a:chExt cx="0" cy="0"/>
+        </a:xfrm>
+      </p:grpSpPr>
+      <p:sp>
+        <p:nvSpPr>
+          <p:cNvPr id="2" name="Espaço Reservado para Imagem de Slide 1"/>
+          <p:cNvSpPr>
+            <a:spLocks noGrp="1" noRot="1" noChangeAspect="1"/>
+          </p:cNvSpPr>
+          <p:nvPr>
+            <p:ph type="sldImg"/>
+          </p:nvPr>
+        </p:nvSpPr>
+        <p:spPr>
+          <a:xfrm>
+            <a:off x="381000" y="685800"/>
+            <a:ext cx="6096000" cy="3429000"/>
+          </a:xfrm>
+        </p:spPr>
+      </p:sp>
+      <p:sp>
+        <p:nvSpPr>
+          <p:cNvPr id="3" name="Espaço Reservado para Anotações 2"/>
+          <p:cNvSpPr>
+            <a:spLocks noGrp="1"/>
+          </p:cNvSpPr>
+          <p:nvPr>
+            <p:ph type="body" idx="1"/>
+          </p:nvPr>
+        </p:nvSpPr>
+        <p:spPr/>
+        <p:txBody>
+          <a:bodyPr/>
+          <a:lstStyle/>
+          <a:p>
+            <a:endParaRPr lang="pt-BR" dirty="0"/>
+          </a:p>
+        </p:txBody>
+      </p:sp>
+    </p:spTree>
+    <p:extLst>
+      <p:ext uri="{BB962C8B-B14F-4D97-AF65-F5344CB8AC3E}">
+        <p14:creationId xmlns:p14="http://schemas.microsoft.com/office/powerpoint/2010/main" val="2709569597"/>
+      </p:ext>
+    </p:extLst>
+  </p:cSld>
+  <p:clrMapOvr>
+    <a:masterClrMapping/>
+  </p:clrMapOvr>
+</p:notes>
+</file>
+
+<file path=ppt/notesSlides/notesSlide58.xml><?xml version="1.0" encoding="utf-8"?>
+<p:notes xmlns:a="http://schemas.openxmlformats.org/drawingml/2006/main" xmlns:r="http://schemas.openxmlformats.org/officeDocument/2006/relationships" xmlns:p="http://schemas.openxmlformats.org/presentationml/2006/main">
+  <p:cSld>
+    <p:spTree>
+      <p:nvGrpSpPr>
+        <p:cNvPr id="1" name=""/>
+        <p:cNvGrpSpPr/>
+        <p:nvPr/>
+      </p:nvGrpSpPr>
+      <p:grpSpPr>
+        <a:xfrm>
+          <a:off x="0" y="0"/>
+          <a:ext cx="0" cy="0"/>
+          <a:chOff x="0" y="0"/>
+          <a:chExt cx="0" cy="0"/>
+        </a:xfrm>
+      </p:grpSpPr>
+      <p:sp>
+        <p:nvSpPr>
+          <p:cNvPr id="2" name="Espaço Reservado para Imagem de Slide 1"/>
+          <p:cNvSpPr>
+            <a:spLocks noGrp="1" noRot="1" noChangeAspect="1"/>
+          </p:cNvSpPr>
+          <p:nvPr>
+            <p:ph type="sldImg"/>
+          </p:nvPr>
+        </p:nvSpPr>
+        <p:spPr>
+          <a:xfrm>
+            <a:off x="381000" y="685800"/>
+            <a:ext cx="6096000" cy="3429000"/>
+          </a:xfrm>
+        </p:spPr>
+      </p:sp>
+      <p:sp>
+        <p:nvSpPr>
+          <p:cNvPr id="3" name="Espaço Reservado para Anotações 2"/>
+          <p:cNvSpPr>
+            <a:spLocks noGrp="1"/>
+          </p:cNvSpPr>
+          <p:nvPr>
+            <p:ph type="body" idx="1"/>
+          </p:nvPr>
+        </p:nvSpPr>
+        <p:spPr/>
+        <p:txBody>
+          <a:bodyPr/>
+          <a:lstStyle/>
+          <a:p>
+            <a:endParaRPr lang="pt-BR" dirty="0"/>
+          </a:p>
+        </p:txBody>
+      </p:sp>
+    </p:spTree>
+    <p:extLst>
+      <p:ext uri="{BB962C8B-B14F-4D97-AF65-F5344CB8AC3E}">
         <p14:creationId xmlns:p14="http://schemas.microsoft.com/office/powerpoint/2010/main" val="2296249050"/>
       </p:ext>
     </p:extLst>
@@ -3784,7 +4119,7 @@
 </p:notes>
 </file>
 
-<file path=ppt/notesSlides/notesSlide54.xml><?xml version="1.0" encoding="utf-8"?>
+<file path=ppt/notesSlides/notesSlide59.xml><?xml version="1.0" encoding="utf-8"?>
 <p:notes xmlns:a="http://schemas.openxmlformats.org/drawingml/2006/main" xmlns:r="http://schemas.openxmlformats.org/officeDocument/2006/relationships" xmlns:p="http://schemas.openxmlformats.org/presentationml/2006/main">
   <p:cSld>
     <p:spTree>
@@ -28465,7 +28800,39 @@
                   <a:srgbClr val="0070C0"/>
                 </a:solidFill>
               </a:rPr>
-              <a:t>PHP – BD MySQL</a:t>
+              <a:t>PHP – </a:t>
+            </a:r>
+            <a:r>
+              <a:rPr lang="en-US" b="1" dirty="0" err="1">
+                <a:solidFill>
+                  <a:srgbClr val="0070C0"/>
+                </a:solidFill>
+              </a:rPr>
+              <a:t>Tratamento</a:t>
+            </a:r>
+            <a:r>
+              <a:rPr lang="en-US" b="1" dirty="0">
+                <a:solidFill>
+                  <a:srgbClr val="0070C0"/>
+                </a:solidFill>
+              </a:rPr>
+              <a:t> de </a:t>
+            </a:r>
+            <a:r>
+              <a:rPr lang="en-US" b="1" dirty="0" err="1">
+                <a:solidFill>
+                  <a:srgbClr val="0070C0"/>
+                </a:solidFill>
+              </a:rPr>
+              <a:t>Exceção</a:t>
+            </a:r>
+            <a:r>
+              <a:rPr lang="en-US" b="1" dirty="0">
+                <a:solidFill>
+                  <a:srgbClr val="0070C0"/>
+                </a:solidFill>
+              </a:rPr>
+              <a:t> Try</a:t>
             </a:r>
           </a:p>
         </p:txBody>
@@ -28503,638 +28870,13 @@
                 <a:latin typeface="Times New Roman" panose="02020603050405020304" pitchFamily="18" charset="0"/>
                 <a:cs typeface="Times New Roman" panose="02020603050405020304" pitchFamily="18" charset="0"/>
               </a:rPr>
-              <a:t>$</a:t>
-            </a:r>
-            <a:r>
-              <a:rPr lang="pt-BR" sz="2400" dirty="0" err="1">
-                <a:solidFill>
-                  <a:schemeClr val="tx1"/>
-                </a:solidFill>
-                <a:latin typeface="Times New Roman" panose="02020603050405020304" pitchFamily="18" charset="0"/>
-                <a:cs typeface="Times New Roman" panose="02020603050405020304" pitchFamily="18" charset="0"/>
-              </a:rPr>
-              <a:t>hostname</a:t>
-            </a:r>
-            <a:r>
-              <a:rPr lang="pt-BR" sz="2400" dirty="0">
-                <a:solidFill>
-                  <a:schemeClr val="tx1"/>
-                </a:solidFill>
-                <a:latin typeface="Times New Roman" panose="02020603050405020304" pitchFamily="18" charset="0"/>
-                <a:cs typeface="Times New Roman" panose="02020603050405020304" pitchFamily="18" charset="0"/>
-              </a:rPr>
-              <a:t> = “</a:t>
-            </a:r>
-            <a:r>
-              <a:rPr lang="pt-BR" sz="2400" dirty="0" err="1">
-                <a:solidFill>
-                  <a:schemeClr val="tx1"/>
-                </a:solidFill>
-                <a:latin typeface="Times New Roman" panose="02020603050405020304" pitchFamily="18" charset="0"/>
-                <a:cs typeface="Times New Roman" panose="02020603050405020304" pitchFamily="18" charset="0"/>
-              </a:rPr>
-              <a:t>localhost</a:t>
-            </a:r>
-            <a:r>
-              <a:rPr lang="pt-BR" sz="2400" dirty="0">
-                <a:solidFill>
-                  <a:schemeClr val="tx1"/>
-                </a:solidFill>
-                <a:latin typeface="Times New Roman" panose="02020603050405020304" pitchFamily="18" charset="0"/>
-                <a:cs typeface="Times New Roman" panose="02020603050405020304" pitchFamily="18" charset="0"/>
-              </a:rPr>
-              <a:t>”; // “</a:t>
-            </a:r>
-            <a:r>
-              <a:rPr lang="pt-BR" sz="2400" b="1" dirty="0">
-                <a:solidFill>
-                  <a:srgbClr val="FF0000"/>
-                </a:solidFill>
-                <a:latin typeface="Times New Roman" panose="02020603050405020304" pitchFamily="18" charset="0"/>
-                <a:cs typeface="Times New Roman" panose="02020603050405020304" pitchFamily="18" charset="0"/>
-              </a:rPr>
-              <a:t>mysql.hostgator.com</a:t>
-            </a:r>
-            <a:r>
-              <a:rPr lang="pt-BR" sz="2400" dirty="0">
-                <a:solidFill>
-                  <a:schemeClr val="tx1"/>
-                </a:solidFill>
-                <a:latin typeface="Times New Roman" panose="02020603050405020304" pitchFamily="18" charset="0"/>
-                <a:cs typeface="Times New Roman" panose="02020603050405020304" pitchFamily="18" charset="0"/>
-              </a:rPr>
-              <a:t>”</a:t>
-            </a:r>
-          </a:p>
-          <a:p>
-            <a:pPr marL="0" indent="0" algn="just">
-              <a:buNone/>
-            </a:pPr>
-            <a:r>
-              <a:rPr lang="pt-BR" sz="2400" dirty="0">
-                <a:solidFill>
-                  <a:schemeClr val="tx1"/>
-                </a:solidFill>
-                <a:latin typeface="Times New Roman" panose="02020603050405020304" pitchFamily="18" charset="0"/>
-                <a:cs typeface="Times New Roman" panose="02020603050405020304" pitchFamily="18" charset="0"/>
-              </a:rPr>
-              <a:t>$</a:t>
-            </a:r>
-            <a:r>
-              <a:rPr lang="pt-BR" sz="2400" dirty="0" err="1">
-                <a:solidFill>
-                  <a:schemeClr val="tx1"/>
-                </a:solidFill>
-                <a:latin typeface="Times New Roman" panose="02020603050405020304" pitchFamily="18" charset="0"/>
-                <a:cs typeface="Times New Roman" panose="02020603050405020304" pitchFamily="18" charset="0"/>
-              </a:rPr>
-              <a:t>bancodedados</a:t>
-            </a:r>
-            <a:r>
-              <a:rPr lang="pt-BR" sz="2400" dirty="0">
-                <a:solidFill>
-                  <a:schemeClr val="tx1"/>
-                </a:solidFill>
-                <a:latin typeface="Times New Roman" panose="02020603050405020304" pitchFamily="18" charset="0"/>
-                <a:cs typeface="Times New Roman" panose="02020603050405020304" pitchFamily="18" charset="0"/>
-              </a:rPr>
-              <a:t> = “</a:t>
-            </a:r>
-            <a:r>
-              <a:rPr lang="pt-BR" sz="2400" dirty="0" err="1">
-                <a:solidFill>
-                  <a:schemeClr val="tx1"/>
-                </a:solidFill>
-                <a:latin typeface="Times New Roman" panose="02020603050405020304" pitchFamily="18" charset="0"/>
-                <a:cs typeface="Times New Roman" panose="02020603050405020304" pitchFamily="18" charset="0"/>
-              </a:rPr>
-              <a:t>bancodedados</a:t>
-            </a:r>
-            <a:r>
-              <a:rPr lang="pt-BR" sz="2400" dirty="0">
-                <a:solidFill>
-                  <a:schemeClr val="tx1"/>
-                </a:solidFill>
-                <a:latin typeface="Times New Roman" panose="02020603050405020304" pitchFamily="18" charset="0"/>
-                <a:cs typeface="Times New Roman" panose="02020603050405020304" pitchFamily="18" charset="0"/>
-              </a:rPr>
-              <a:t>”; // </a:t>
-            </a:r>
-            <a:r>
-              <a:rPr lang="pt-BR" sz="2400" b="1" dirty="0">
-                <a:solidFill>
-                  <a:srgbClr val="FF0000"/>
-                </a:solidFill>
-                <a:latin typeface="Times New Roman" panose="02020603050405020304" pitchFamily="18" charset="0"/>
-                <a:cs typeface="Times New Roman" panose="02020603050405020304" pitchFamily="18" charset="0"/>
-              </a:rPr>
-              <a:t>nome BD</a:t>
-            </a:r>
-          </a:p>
-          <a:p>
-            <a:pPr marL="0" indent="0" algn="just">
-              <a:buNone/>
-            </a:pPr>
-            <a:r>
-              <a:rPr lang="pt-BR" sz="2400" dirty="0">
-                <a:solidFill>
-                  <a:schemeClr val="tx1"/>
-                </a:solidFill>
-                <a:latin typeface="Times New Roman" panose="02020603050405020304" pitchFamily="18" charset="0"/>
-                <a:cs typeface="Times New Roman" panose="02020603050405020304" pitchFamily="18" charset="0"/>
-              </a:rPr>
-              <a:t>$</a:t>
-            </a:r>
-            <a:r>
-              <a:rPr lang="pt-BR" sz="2400" dirty="0" err="1">
-                <a:solidFill>
-                  <a:schemeClr val="tx1"/>
-                </a:solidFill>
-                <a:latin typeface="Times New Roman" panose="02020603050405020304" pitchFamily="18" charset="0"/>
-                <a:cs typeface="Times New Roman" panose="02020603050405020304" pitchFamily="18" charset="0"/>
-              </a:rPr>
-              <a:t>usuario</a:t>
-            </a:r>
-            <a:r>
-              <a:rPr lang="pt-BR" sz="2400" dirty="0">
-                <a:solidFill>
-                  <a:schemeClr val="tx1"/>
-                </a:solidFill>
-                <a:latin typeface="Times New Roman" panose="02020603050405020304" pitchFamily="18" charset="0"/>
-                <a:cs typeface="Times New Roman" panose="02020603050405020304" pitchFamily="18" charset="0"/>
-              </a:rPr>
-              <a:t> = “</a:t>
-            </a:r>
-            <a:r>
-              <a:rPr lang="pt-BR" sz="2400" dirty="0" err="1">
-                <a:solidFill>
-                  <a:schemeClr val="tx1"/>
-                </a:solidFill>
-                <a:latin typeface="Times New Roman" panose="02020603050405020304" pitchFamily="18" charset="0"/>
-                <a:cs typeface="Times New Roman" panose="02020603050405020304" pitchFamily="18" charset="0"/>
-              </a:rPr>
-              <a:t>usuario</a:t>
-            </a:r>
-            <a:r>
-              <a:rPr lang="pt-BR" sz="2400" dirty="0">
-                <a:solidFill>
-                  <a:schemeClr val="tx1"/>
-                </a:solidFill>
-                <a:latin typeface="Times New Roman" panose="02020603050405020304" pitchFamily="18" charset="0"/>
-                <a:cs typeface="Times New Roman" panose="02020603050405020304" pitchFamily="18" charset="0"/>
-              </a:rPr>
-              <a:t>”; // </a:t>
-            </a:r>
-            <a:r>
-              <a:rPr lang="pt-BR" sz="2400" b="1" dirty="0">
-                <a:solidFill>
-                  <a:srgbClr val="FF0000"/>
-                </a:solidFill>
-                <a:latin typeface="Times New Roman" panose="02020603050405020304" pitchFamily="18" charset="0"/>
-                <a:cs typeface="Times New Roman" panose="02020603050405020304" pitchFamily="18" charset="0"/>
-              </a:rPr>
-              <a:t>root</a:t>
-            </a:r>
-          </a:p>
-          <a:p>
-            <a:pPr marL="0" indent="0" algn="just">
-              <a:buNone/>
-            </a:pPr>
-            <a:r>
-              <a:rPr lang="pt-BR" sz="2400" dirty="0">
-                <a:solidFill>
-                  <a:schemeClr val="tx1"/>
-                </a:solidFill>
-                <a:latin typeface="Times New Roman" panose="02020603050405020304" pitchFamily="18" charset="0"/>
-                <a:cs typeface="Times New Roman" panose="02020603050405020304" pitchFamily="18" charset="0"/>
-              </a:rPr>
-              <a:t>$senha = “senha”; // </a:t>
-            </a:r>
-            <a:r>
-              <a:rPr lang="pt-BR" sz="2400" b="1" dirty="0" err="1">
-                <a:solidFill>
-                  <a:srgbClr val="FF0000"/>
-                </a:solidFill>
-                <a:latin typeface="Times New Roman" panose="02020603050405020304" pitchFamily="18" charset="0"/>
-                <a:cs typeface="Times New Roman" panose="02020603050405020304" pitchFamily="18" charset="0"/>
-              </a:rPr>
-              <a:t>pwd</a:t>
-            </a:r>
-            <a:r>
-              <a:rPr lang="pt-BR" sz="2400" b="1" dirty="0">
-                <a:solidFill>
-                  <a:srgbClr val="FF0000"/>
-                </a:solidFill>
-                <a:latin typeface="Times New Roman" panose="02020603050405020304" pitchFamily="18" charset="0"/>
-                <a:cs typeface="Times New Roman" panose="02020603050405020304" pitchFamily="18" charset="0"/>
-              </a:rPr>
-              <a:t>=???</a:t>
-            </a:r>
-          </a:p>
-          <a:p>
-            <a:pPr marL="0" indent="0" algn="just">
-              <a:buNone/>
-            </a:pPr>
-            <a:r>
-              <a:rPr lang="pt-BR" sz="2400" b="1" dirty="0">
-                <a:solidFill>
-                  <a:schemeClr val="tx1"/>
-                </a:solidFill>
-                <a:latin typeface="Times New Roman" panose="02020603050405020304" pitchFamily="18" charset="0"/>
-                <a:cs typeface="Times New Roman" panose="02020603050405020304" pitchFamily="18" charset="0"/>
-              </a:rPr>
-              <a:t>$</a:t>
-            </a:r>
-            <a:r>
-              <a:rPr lang="pt-BR" sz="2400" b="1" dirty="0" err="1">
-                <a:solidFill>
-                  <a:schemeClr val="tx1"/>
-                </a:solidFill>
-                <a:latin typeface="Times New Roman" panose="02020603050405020304" pitchFamily="18" charset="0"/>
-                <a:cs typeface="Times New Roman" panose="02020603050405020304" pitchFamily="18" charset="0"/>
-              </a:rPr>
-              <a:t>mysqli</a:t>
-            </a:r>
-            <a:r>
-              <a:rPr lang="pt-BR" sz="2400" dirty="0">
-                <a:solidFill>
-                  <a:schemeClr val="tx1"/>
-                </a:solidFill>
-                <a:latin typeface="Times New Roman" panose="02020603050405020304" pitchFamily="18" charset="0"/>
-                <a:cs typeface="Times New Roman" panose="02020603050405020304" pitchFamily="18" charset="0"/>
-              </a:rPr>
-              <a:t> = </a:t>
-            </a:r>
-            <a:r>
-              <a:rPr lang="pt-BR" sz="2400" b="1" dirty="0">
-                <a:solidFill>
-                  <a:srgbClr val="FF0000"/>
-                </a:solidFill>
-                <a:latin typeface="Times New Roman" panose="02020603050405020304" pitchFamily="18" charset="0"/>
-                <a:cs typeface="Times New Roman" panose="02020603050405020304" pitchFamily="18" charset="0"/>
-              </a:rPr>
-              <a:t>new</a:t>
-            </a:r>
-            <a:r>
-              <a:rPr lang="pt-BR" sz="2400" dirty="0">
-                <a:solidFill>
-                  <a:schemeClr val="tx1"/>
-                </a:solidFill>
-                <a:latin typeface="Times New Roman" panose="02020603050405020304" pitchFamily="18" charset="0"/>
-                <a:cs typeface="Times New Roman" panose="02020603050405020304" pitchFamily="18" charset="0"/>
-              </a:rPr>
-              <a:t> </a:t>
-            </a:r>
-            <a:r>
-              <a:rPr lang="pt-BR" sz="2400" b="1" dirty="0" err="1">
-                <a:solidFill>
-                  <a:schemeClr val="tx1"/>
-                </a:solidFill>
-                <a:latin typeface="Times New Roman" panose="02020603050405020304" pitchFamily="18" charset="0"/>
-                <a:cs typeface="Times New Roman" panose="02020603050405020304" pitchFamily="18" charset="0"/>
-              </a:rPr>
-              <a:t>mysqli</a:t>
-            </a:r>
-            <a:r>
-              <a:rPr lang="pt-BR" sz="2400" dirty="0">
-                <a:solidFill>
-                  <a:schemeClr val="tx1"/>
-                </a:solidFill>
-                <a:latin typeface="Times New Roman" panose="02020603050405020304" pitchFamily="18" charset="0"/>
-                <a:cs typeface="Times New Roman" panose="02020603050405020304" pitchFamily="18" charset="0"/>
-              </a:rPr>
-              <a:t>($</a:t>
-            </a:r>
-            <a:r>
-              <a:rPr lang="pt-BR" sz="2400" dirty="0" err="1">
-                <a:solidFill>
-                  <a:schemeClr val="tx1"/>
-                </a:solidFill>
-                <a:latin typeface="Times New Roman" panose="02020603050405020304" pitchFamily="18" charset="0"/>
-                <a:cs typeface="Times New Roman" panose="02020603050405020304" pitchFamily="18" charset="0"/>
-              </a:rPr>
-              <a:t>hostname</a:t>
-            </a:r>
-            <a:r>
-              <a:rPr lang="pt-BR" sz="2400" dirty="0">
-                <a:solidFill>
-                  <a:schemeClr val="tx1"/>
-                </a:solidFill>
-                <a:latin typeface="Times New Roman" panose="02020603050405020304" pitchFamily="18" charset="0"/>
-                <a:cs typeface="Times New Roman" panose="02020603050405020304" pitchFamily="18" charset="0"/>
-              </a:rPr>
-              <a:t>, $</a:t>
-            </a:r>
-            <a:r>
-              <a:rPr lang="pt-BR" sz="2400" dirty="0" err="1">
-                <a:solidFill>
-                  <a:schemeClr val="tx1"/>
-                </a:solidFill>
-                <a:latin typeface="Times New Roman" panose="02020603050405020304" pitchFamily="18" charset="0"/>
-                <a:cs typeface="Times New Roman" panose="02020603050405020304" pitchFamily="18" charset="0"/>
-              </a:rPr>
-              <a:t>bancodedados</a:t>
-            </a:r>
-            <a:r>
-              <a:rPr lang="pt-BR" sz="2400" dirty="0">
-                <a:solidFill>
-                  <a:schemeClr val="tx1"/>
-                </a:solidFill>
-                <a:latin typeface="Times New Roman" panose="02020603050405020304" pitchFamily="18" charset="0"/>
-                <a:cs typeface="Times New Roman" panose="02020603050405020304" pitchFamily="18" charset="0"/>
-              </a:rPr>
-              <a:t>, $usuário, $senha); </a:t>
-            </a:r>
-          </a:p>
-          <a:p>
-            <a:pPr marL="0" indent="0" algn="just">
-              <a:buNone/>
-            </a:pPr>
-            <a:r>
-              <a:rPr lang="pt-BR" sz="2400" dirty="0" err="1">
-                <a:solidFill>
-                  <a:schemeClr val="tx1"/>
-                </a:solidFill>
-                <a:latin typeface="Times New Roman" panose="02020603050405020304" pitchFamily="18" charset="0"/>
-                <a:cs typeface="Times New Roman" panose="02020603050405020304" pitchFamily="18" charset="0"/>
-              </a:rPr>
-              <a:t>if</a:t>
-            </a:r>
-            <a:r>
-              <a:rPr lang="pt-BR" sz="2400" dirty="0">
-                <a:solidFill>
-                  <a:schemeClr val="tx1"/>
-                </a:solidFill>
-                <a:latin typeface="Times New Roman" panose="02020603050405020304" pitchFamily="18" charset="0"/>
-                <a:cs typeface="Times New Roman" panose="02020603050405020304" pitchFamily="18" charset="0"/>
-              </a:rPr>
-              <a:t> (</a:t>
-            </a:r>
-            <a:r>
-              <a:rPr lang="pt-BR" sz="2400" b="1" dirty="0">
-                <a:solidFill>
-                  <a:schemeClr val="tx1"/>
-                </a:solidFill>
-                <a:latin typeface="Times New Roman" panose="02020603050405020304" pitchFamily="18" charset="0"/>
-                <a:cs typeface="Times New Roman" panose="02020603050405020304" pitchFamily="18" charset="0"/>
-              </a:rPr>
-              <a:t>$</a:t>
-            </a:r>
-            <a:r>
-              <a:rPr lang="pt-BR" sz="2400" b="1" dirty="0" err="1">
-                <a:solidFill>
-                  <a:schemeClr val="tx1"/>
-                </a:solidFill>
-                <a:latin typeface="Times New Roman" panose="02020603050405020304" pitchFamily="18" charset="0"/>
-                <a:cs typeface="Times New Roman" panose="02020603050405020304" pitchFamily="18" charset="0"/>
-              </a:rPr>
-              <a:t>mysqli</a:t>
-            </a:r>
-            <a:r>
-              <a:rPr lang="pt-BR" sz="2400" dirty="0">
-                <a:solidFill>
-                  <a:schemeClr val="tx1"/>
-                </a:solidFill>
-                <a:latin typeface="Times New Roman" panose="02020603050405020304" pitchFamily="18" charset="0"/>
-                <a:cs typeface="Times New Roman" panose="02020603050405020304" pitchFamily="18" charset="0"/>
-              </a:rPr>
-              <a:t> -&gt; </a:t>
-            </a:r>
-            <a:r>
-              <a:rPr lang="pt-BR" sz="2400" dirty="0" err="1">
-                <a:solidFill>
-                  <a:schemeClr val="tx1"/>
-                </a:solidFill>
-                <a:latin typeface="Times New Roman" panose="02020603050405020304" pitchFamily="18" charset="0"/>
-                <a:cs typeface="Times New Roman" panose="02020603050405020304" pitchFamily="18" charset="0"/>
-              </a:rPr>
-              <a:t>connect_errno</a:t>
-            </a:r>
-            <a:r>
-              <a:rPr lang="pt-BR" sz="2400" dirty="0">
-                <a:solidFill>
-                  <a:schemeClr val="tx1"/>
-                </a:solidFill>
-                <a:latin typeface="Times New Roman" panose="02020603050405020304" pitchFamily="18" charset="0"/>
-                <a:cs typeface="Times New Roman" panose="02020603050405020304" pitchFamily="18" charset="0"/>
-              </a:rPr>
-              <a:t>) {</a:t>
-            </a:r>
-          </a:p>
-          <a:p>
-            <a:pPr marL="0" indent="0" algn="just">
-              <a:buNone/>
-            </a:pPr>
-            <a:r>
-              <a:rPr lang="pt-BR" sz="2400" dirty="0">
-                <a:solidFill>
-                  <a:schemeClr val="tx1"/>
-                </a:solidFill>
-                <a:latin typeface="Times New Roman" panose="02020603050405020304" pitchFamily="18" charset="0"/>
-                <a:cs typeface="Times New Roman" panose="02020603050405020304" pitchFamily="18" charset="0"/>
-              </a:rPr>
-              <a:t>	</a:t>
-            </a:r>
-            <a:r>
-              <a:rPr lang="pt-BR" sz="2400" b="1" dirty="0" err="1">
-                <a:solidFill>
-                  <a:schemeClr val="tx1"/>
-                </a:solidFill>
-                <a:latin typeface="Times New Roman" panose="02020603050405020304" pitchFamily="18" charset="0"/>
-                <a:cs typeface="Times New Roman" panose="02020603050405020304" pitchFamily="18" charset="0"/>
-              </a:rPr>
-              <a:t>echo</a:t>
-            </a:r>
-            <a:r>
-              <a:rPr lang="pt-BR" sz="2400" dirty="0">
-                <a:solidFill>
-                  <a:schemeClr val="tx1"/>
-                </a:solidFill>
-                <a:latin typeface="Times New Roman" panose="02020603050405020304" pitchFamily="18" charset="0"/>
-                <a:cs typeface="Times New Roman" panose="02020603050405020304" pitchFamily="18" charset="0"/>
-              </a:rPr>
-              <a:t> “falha ao conectar no BD: (“</a:t>
-            </a:r>
-            <a:r>
-              <a:rPr lang="pt-BR" sz="2400" b="1" dirty="0">
-                <a:solidFill>
-                  <a:schemeClr val="tx1"/>
-                </a:solidFill>
-                <a:latin typeface="Times New Roman" panose="02020603050405020304" pitchFamily="18" charset="0"/>
-                <a:cs typeface="Times New Roman" panose="02020603050405020304" pitchFamily="18" charset="0"/>
-              </a:rPr>
-              <a:t>. $</a:t>
-            </a:r>
-            <a:r>
-              <a:rPr lang="pt-BR" sz="2400" b="1" dirty="0" err="1">
-                <a:solidFill>
-                  <a:schemeClr val="tx1"/>
-                </a:solidFill>
-                <a:latin typeface="Times New Roman" panose="02020603050405020304" pitchFamily="18" charset="0"/>
-                <a:cs typeface="Times New Roman" panose="02020603050405020304" pitchFamily="18" charset="0"/>
-              </a:rPr>
-              <a:t>mysqli</a:t>
-            </a:r>
-            <a:r>
-              <a:rPr lang="pt-BR" sz="2400" dirty="0">
-                <a:solidFill>
-                  <a:schemeClr val="tx1"/>
-                </a:solidFill>
-                <a:latin typeface="Times New Roman" panose="02020603050405020304" pitchFamily="18" charset="0"/>
-                <a:cs typeface="Times New Roman" panose="02020603050405020304" pitchFamily="18" charset="0"/>
-              </a:rPr>
-              <a:t> -&gt; </a:t>
-            </a:r>
-            <a:r>
-              <a:rPr lang="pt-BR" sz="2400" dirty="0" err="1">
-                <a:solidFill>
-                  <a:schemeClr val="tx1"/>
-                </a:solidFill>
-                <a:latin typeface="Times New Roman" panose="02020603050405020304" pitchFamily="18" charset="0"/>
-                <a:cs typeface="Times New Roman" panose="02020603050405020304" pitchFamily="18" charset="0"/>
-              </a:rPr>
-              <a:t>connect_errno</a:t>
-            </a:r>
-            <a:r>
-              <a:rPr lang="pt-BR" sz="2400" dirty="0">
-                <a:solidFill>
-                  <a:schemeClr val="tx1"/>
-                </a:solidFill>
-                <a:latin typeface="Times New Roman" panose="02020603050405020304" pitchFamily="18" charset="0"/>
-                <a:cs typeface="Times New Roman" panose="02020603050405020304" pitchFamily="18" charset="0"/>
-              </a:rPr>
-              <a:t>.”)”.</a:t>
-            </a:r>
-          </a:p>
-          <a:p>
-            <a:pPr marL="0" indent="0" algn="just">
-              <a:buNone/>
-            </a:pPr>
-            <a:r>
-              <a:rPr lang="pt-BR" sz="2400" dirty="0">
-                <a:solidFill>
-                  <a:schemeClr val="tx1"/>
-                </a:solidFill>
-                <a:latin typeface="Times New Roman" panose="02020603050405020304" pitchFamily="18" charset="0"/>
-                <a:cs typeface="Times New Roman" panose="02020603050405020304" pitchFamily="18" charset="0"/>
-              </a:rPr>
-              <a:t>			</a:t>
-            </a:r>
-            <a:r>
-              <a:rPr lang="pt-BR" sz="2400" b="1" dirty="0">
-                <a:solidFill>
-                  <a:schemeClr val="tx1"/>
-                </a:solidFill>
-                <a:latin typeface="Times New Roman" panose="02020603050405020304" pitchFamily="18" charset="0"/>
-                <a:cs typeface="Times New Roman" panose="02020603050405020304" pitchFamily="18" charset="0"/>
-              </a:rPr>
-              <a:t>$</a:t>
-            </a:r>
-            <a:r>
-              <a:rPr lang="pt-BR" sz="2400" b="1" dirty="0" err="1">
-                <a:solidFill>
-                  <a:schemeClr val="tx1"/>
-                </a:solidFill>
-                <a:latin typeface="Times New Roman" panose="02020603050405020304" pitchFamily="18" charset="0"/>
-                <a:cs typeface="Times New Roman" panose="02020603050405020304" pitchFamily="18" charset="0"/>
-              </a:rPr>
-              <a:t>mysqli</a:t>
-            </a:r>
-            <a:r>
-              <a:rPr lang="pt-BR" sz="2400" dirty="0">
-                <a:solidFill>
-                  <a:schemeClr val="tx1"/>
-                </a:solidFill>
-                <a:latin typeface="Times New Roman" panose="02020603050405020304" pitchFamily="18" charset="0"/>
-                <a:cs typeface="Times New Roman" panose="02020603050405020304" pitchFamily="18" charset="0"/>
-              </a:rPr>
-              <a:t> -&gt; </a:t>
-            </a:r>
-            <a:r>
-              <a:rPr lang="pt-BR" sz="2400" dirty="0" err="1">
-                <a:solidFill>
-                  <a:schemeClr val="tx1"/>
-                </a:solidFill>
-                <a:latin typeface="Times New Roman" panose="02020603050405020304" pitchFamily="18" charset="0"/>
-                <a:cs typeface="Times New Roman" panose="02020603050405020304" pitchFamily="18" charset="0"/>
-              </a:rPr>
-              <a:t>connect_errno</a:t>
-            </a:r>
-            <a:r>
-              <a:rPr lang="pt-BR" sz="2400" dirty="0">
-                <a:solidFill>
-                  <a:schemeClr val="tx1"/>
-                </a:solidFill>
-                <a:latin typeface="Times New Roman" panose="02020603050405020304" pitchFamily="18" charset="0"/>
-                <a:cs typeface="Times New Roman" panose="02020603050405020304" pitchFamily="18" charset="0"/>
-              </a:rPr>
-              <a:t>;</a:t>
-            </a:r>
-          </a:p>
-          <a:p>
-            <a:pPr marL="0" indent="0" algn="just">
-              <a:buNone/>
-            </a:pPr>
-            <a:r>
-              <a:rPr lang="pt-BR" sz="2400" dirty="0">
-                <a:solidFill>
-                  <a:schemeClr val="tx1"/>
-                </a:solidFill>
-                <a:latin typeface="Times New Roman" panose="02020603050405020304" pitchFamily="18" charset="0"/>
-                <a:cs typeface="Times New Roman" panose="02020603050405020304" pitchFamily="18" charset="0"/>
-              </a:rPr>
-              <a:t>} </a:t>
-            </a:r>
-            <a:r>
-              <a:rPr lang="pt-BR" sz="2400" dirty="0" err="1">
-                <a:solidFill>
-                  <a:schemeClr val="tx1"/>
-                </a:solidFill>
-                <a:latin typeface="Times New Roman" panose="02020603050405020304" pitchFamily="18" charset="0"/>
-                <a:cs typeface="Times New Roman" panose="02020603050405020304" pitchFamily="18" charset="0"/>
-              </a:rPr>
-              <a:t>else</a:t>
-            </a:r>
-            <a:r>
-              <a:rPr lang="pt-BR" sz="2400" dirty="0">
-                <a:solidFill>
-                  <a:schemeClr val="tx1"/>
-                </a:solidFill>
-                <a:latin typeface="Times New Roman" panose="02020603050405020304" pitchFamily="18" charset="0"/>
-                <a:cs typeface="Times New Roman" panose="02020603050405020304" pitchFamily="18" charset="0"/>
-              </a:rPr>
-              <a:t> { </a:t>
-            </a:r>
-            <a:r>
-              <a:rPr lang="pt-BR" sz="2400" b="1" dirty="0" err="1">
-                <a:solidFill>
-                  <a:schemeClr val="tx1"/>
-                </a:solidFill>
-                <a:latin typeface="Times New Roman" panose="02020603050405020304" pitchFamily="18" charset="0"/>
-                <a:cs typeface="Times New Roman" panose="02020603050405020304" pitchFamily="18" charset="0"/>
-              </a:rPr>
-              <a:t>echo</a:t>
-            </a:r>
-            <a:r>
-              <a:rPr lang="pt-BR" sz="2400" dirty="0">
-                <a:solidFill>
-                  <a:schemeClr val="tx1"/>
-                </a:solidFill>
-                <a:latin typeface="Times New Roman" panose="02020603050405020304" pitchFamily="18" charset="0"/>
-                <a:cs typeface="Times New Roman" panose="02020603050405020304" pitchFamily="18" charset="0"/>
-              </a:rPr>
-              <a:t> “conectado com </a:t>
-            </a:r>
-            <a:r>
-              <a:rPr lang="pt-BR" sz="2400">
-                <a:solidFill>
-                  <a:schemeClr val="tx1"/>
-                </a:solidFill>
-                <a:latin typeface="Times New Roman" panose="02020603050405020304" pitchFamily="18" charset="0"/>
-                <a:cs typeface="Times New Roman" panose="02020603050405020304" pitchFamily="18" charset="0"/>
-              </a:rPr>
-              <a:t>sucesso!!!”;}</a:t>
-            </a:r>
+              <a:t>Permite capturar erros ocorridos durante à execução de um programa. </a:t>
+            </a:r>
+          </a:p>
+          <a:p>
+            <a:pPr marL="0" indent="0" algn="just">
+              <a:buNone/>
+            </a:pPr>
             <a:endParaRPr lang="pt-BR" sz="2400" dirty="0">
               <a:solidFill>
                 <a:schemeClr val="tx1"/>
@@ -29147,6 +28889,101 @@
             <a:pPr marL="0" indent="0" algn="just">
               <a:buNone/>
             </a:pPr>
+            <a:r>
+              <a:rPr lang="pt-BR" sz="2400" dirty="0">
+                <a:solidFill>
+                  <a:schemeClr val="tx1"/>
+                </a:solidFill>
+                <a:latin typeface="Times New Roman" panose="02020603050405020304" pitchFamily="18" charset="0"/>
+                <a:cs typeface="Times New Roman" panose="02020603050405020304" pitchFamily="18" charset="0"/>
+              </a:rPr>
+              <a:t>Podemos dizer que o bloco </a:t>
+            </a:r>
+            <a:r>
+              <a:rPr lang="pt-BR" sz="2400" dirty="0" err="1">
+                <a:solidFill>
+                  <a:schemeClr val="tx1"/>
+                </a:solidFill>
+                <a:latin typeface="Times New Roman" panose="02020603050405020304" pitchFamily="18" charset="0"/>
+                <a:cs typeface="Times New Roman" panose="02020603050405020304" pitchFamily="18" charset="0"/>
+              </a:rPr>
+              <a:t>Try</a:t>
+            </a:r>
+            <a:r>
+              <a:rPr lang="pt-BR" sz="2400" dirty="0">
+                <a:solidFill>
+                  <a:schemeClr val="tx1"/>
+                </a:solidFill>
+                <a:latin typeface="Times New Roman" panose="02020603050405020304" pitchFamily="18" charset="0"/>
+                <a:cs typeface="Times New Roman" panose="02020603050405020304" pitchFamily="18" charset="0"/>
+              </a:rPr>
+              <a:t> é um bloco protegido, pois, caso ocorra algum problema, à execução do código será direcionado ao bloco catch correspondente. (Fatal </a:t>
+            </a:r>
+            <a:r>
+              <a:rPr lang="pt-BR" sz="2400" dirty="0" err="1">
+                <a:solidFill>
+                  <a:schemeClr val="tx1"/>
+                </a:solidFill>
+                <a:latin typeface="Times New Roman" panose="02020603050405020304" pitchFamily="18" charset="0"/>
+                <a:cs typeface="Times New Roman" panose="02020603050405020304" pitchFamily="18" charset="0"/>
+              </a:rPr>
+              <a:t>error</a:t>
+            </a:r>
+            <a:r>
+              <a:rPr lang="pt-BR" sz="2400" dirty="0">
+                <a:solidFill>
+                  <a:schemeClr val="tx1"/>
+                </a:solidFill>
+                <a:latin typeface="Times New Roman" panose="02020603050405020304" pitchFamily="18" charset="0"/>
+                <a:cs typeface="Times New Roman" panose="02020603050405020304" pitchFamily="18" charset="0"/>
+              </a:rPr>
+              <a:t>: </a:t>
+            </a:r>
+            <a:r>
+              <a:rPr lang="pt-BR" sz="2400" b="1" dirty="0" err="1">
+                <a:solidFill>
+                  <a:srgbClr val="FF0000"/>
+                </a:solidFill>
+                <a:latin typeface="Times New Roman" panose="02020603050405020304" pitchFamily="18" charset="0"/>
+                <a:cs typeface="Times New Roman" panose="02020603050405020304" pitchFamily="18" charset="0"/>
+              </a:rPr>
+              <a:t>Uncaught</a:t>
+            </a:r>
+            <a:r>
+              <a:rPr lang="pt-BR" sz="2400" b="1" dirty="0">
+                <a:solidFill>
+                  <a:srgbClr val="FF0000"/>
+                </a:solidFill>
+                <a:latin typeface="Times New Roman" panose="02020603050405020304" pitchFamily="18" charset="0"/>
+                <a:cs typeface="Times New Roman" panose="02020603050405020304" pitchFamily="18" charset="0"/>
+              </a:rPr>
+              <a:t> </a:t>
+            </a:r>
+            <a:r>
+              <a:rPr lang="pt-BR" sz="2400" b="1" dirty="0" err="1">
+                <a:solidFill>
+                  <a:srgbClr val="FF0000"/>
+                </a:solidFill>
+                <a:latin typeface="Times New Roman" panose="02020603050405020304" pitchFamily="18" charset="0"/>
+                <a:cs typeface="Times New Roman" panose="02020603050405020304" pitchFamily="18" charset="0"/>
+              </a:rPr>
+              <a:t>Exception</a:t>
+            </a:r>
+            <a:r>
+              <a:rPr lang="pt-BR" sz="2400" dirty="0">
+                <a:solidFill>
+                  <a:schemeClr val="tx1"/>
+                </a:solidFill>
+                <a:latin typeface="Times New Roman" panose="02020603050405020304" pitchFamily="18" charset="0"/>
+                <a:cs typeface="Times New Roman" panose="02020603050405020304" pitchFamily="18" charset="0"/>
+              </a:rPr>
+              <a:t>.)</a:t>
+            </a:r>
+          </a:p>
+          <a:p>
+            <a:pPr marL="0" indent="0" algn="just">
+              <a:buNone/>
+            </a:pPr>
             <a:endParaRPr lang="pt-BR" sz="2400" dirty="0">
               <a:solidFill>
                 <a:schemeClr val="tx1"/>
@@ -29155,12 +28992,211 @@
               <a:cs typeface="Times New Roman" panose="02020603050405020304" pitchFamily="18" charset="0"/>
             </a:endParaRPr>
           </a:p>
+          <a:p>
+            <a:pPr marL="0" indent="0" algn="just">
+              <a:buNone/>
+            </a:pPr>
+            <a:r>
+              <a:rPr lang="pt-BR" sz="2400" b="1" dirty="0">
+                <a:solidFill>
+                  <a:srgbClr val="FF0000"/>
+                </a:solidFill>
+                <a:latin typeface="Times New Roman" panose="02020603050405020304" pitchFamily="18" charset="0"/>
+                <a:cs typeface="Times New Roman" panose="02020603050405020304" pitchFamily="18" charset="0"/>
+              </a:rPr>
+              <a:t>Formas</a:t>
+            </a:r>
+            <a:r>
+              <a:rPr lang="pt-BR" sz="2400" dirty="0">
+                <a:solidFill>
+                  <a:schemeClr val="tx1"/>
+                </a:solidFill>
+                <a:latin typeface="Times New Roman" panose="02020603050405020304" pitchFamily="18" charset="0"/>
+                <a:cs typeface="Times New Roman" panose="02020603050405020304" pitchFamily="18" charset="0"/>
+              </a:rPr>
+              <a:t>: Uma exceção pode ser </a:t>
+            </a:r>
+            <a:r>
+              <a:rPr lang="pt-BR" sz="2400" b="1" dirty="0">
+                <a:solidFill>
+                  <a:srgbClr val="FF0000"/>
+                </a:solidFill>
+                <a:latin typeface="Times New Roman" panose="02020603050405020304" pitchFamily="18" charset="0"/>
+                <a:cs typeface="Times New Roman" panose="02020603050405020304" pitchFamily="18" charset="0"/>
+              </a:rPr>
+              <a:t>lançada</a:t>
+            </a:r>
+            <a:r>
+              <a:rPr lang="pt-BR" sz="2400" dirty="0">
+                <a:solidFill>
+                  <a:schemeClr val="tx1"/>
+                </a:solidFill>
+                <a:latin typeface="Times New Roman" panose="02020603050405020304" pitchFamily="18" charset="0"/>
+                <a:cs typeface="Times New Roman" panose="02020603050405020304" pitchFamily="18" charset="0"/>
+              </a:rPr>
+              <a:t>(</a:t>
+            </a:r>
+            <a:r>
+              <a:rPr lang="pt-BR" sz="2400" b="1" dirty="0" err="1">
+                <a:solidFill>
+                  <a:schemeClr val="tx1"/>
+                </a:solidFill>
+                <a:latin typeface="Times New Roman" panose="02020603050405020304" pitchFamily="18" charset="0"/>
+                <a:cs typeface="Times New Roman" panose="02020603050405020304" pitchFamily="18" charset="0"/>
+              </a:rPr>
+              <a:t>throw</a:t>
+            </a:r>
+            <a:r>
+              <a:rPr lang="pt-BR" sz="2400" dirty="0">
+                <a:solidFill>
+                  <a:schemeClr val="tx1"/>
+                </a:solidFill>
+                <a:latin typeface="Times New Roman" panose="02020603050405020304" pitchFamily="18" charset="0"/>
+                <a:cs typeface="Times New Roman" panose="02020603050405020304" pitchFamily="18" charset="0"/>
+              </a:rPr>
+              <a:t>) e </a:t>
+            </a:r>
+            <a:r>
+              <a:rPr lang="pt-BR" sz="2400" b="1" dirty="0">
+                <a:solidFill>
+                  <a:srgbClr val="FF0000"/>
+                </a:solidFill>
+                <a:latin typeface="Times New Roman" panose="02020603050405020304" pitchFamily="18" charset="0"/>
+                <a:cs typeface="Times New Roman" panose="02020603050405020304" pitchFamily="18" charset="0"/>
+              </a:rPr>
+              <a:t>capturada</a:t>
+            </a:r>
+            <a:r>
+              <a:rPr lang="pt-BR" sz="2400" dirty="0">
+                <a:solidFill>
+                  <a:schemeClr val="tx1"/>
+                </a:solidFill>
+                <a:latin typeface="Times New Roman" panose="02020603050405020304" pitchFamily="18" charset="0"/>
+                <a:cs typeface="Times New Roman" panose="02020603050405020304" pitchFamily="18" charset="0"/>
+              </a:rPr>
+              <a:t>(</a:t>
+            </a:r>
+            <a:r>
+              <a:rPr lang="pt-BR" sz="2400" b="1" dirty="0">
+                <a:solidFill>
+                  <a:schemeClr val="tx1"/>
+                </a:solidFill>
+                <a:latin typeface="Times New Roman" panose="02020603050405020304" pitchFamily="18" charset="0"/>
+                <a:cs typeface="Times New Roman" panose="02020603050405020304" pitchFamily="18" charset="0"/>
+              </a:rPr>
+              <a:t>catch</a:t>
+            </a:r>
+            <a:r>
+              <a:rPr lang="pt-BR" sz="2400" dirty="0">
+                <a:solidFill>
+                  <a:schemeClr val="tx1"/>
+                </a:solidFill>
+                <a:latin typeface="Times New Roman" panose="02020603050405020304" pitchFamily="18" charset="0"/>
+                <a:cs typeface="Times New Roman" panose="02020603050405020304" pitchFamily="18" charset="0"/>
+              </a:rPr>
+              <a:t>).</a:t>
+            </a:r>
+          </a:p>
+          <a:p>
+            <a:pPr marL="447675" lvl="1" indent="0" algn="just">
+              <a:buNone/>
+            </a:pPr>
+            <a:r>
+              <a:rPr lang="pt-BR" sz="2400" dirty="0">
+                <a:solidFill>
+                  <a:schemeClr val="tx1"/>
+                </a:solidFill>
+                <a:latin typeface="Times New Roman" panose="02020603050405020304" pitchFamily="18" charset="0"/>
+                <a:cs typeface="Times New Roman" panose="02020603050405020304" pitchFamily="18" charset="0"/>
+              </a:rPr>
+              <a:t>		   Exceção irá "desempilhar" o </a:t>
+            </a:r>
+            <a:r>
+              <a:rPr lang="pt-BR" sz="2400" b="1" dirty="0" err="1">
+                <a:solidFill>
+                  <a:schemeClr val="tx1"/>
+                </a:solidFill>
+                <a:latin typeface="Times New Roman" panose="02020603050405020304" pitchFamily="18" charset="0"/>
+                <a:cs typeface="Times New Roman" panose="02020603050405020304" pitchFamily="18" charset="0"/>
+              </a:rPr>
+              <a:t>call</a:t>
+            </a:r>
+            <a:r>
+              <a:rPr lang="pt-BR" sz="2400" b="1" dirty="0">
+                <a:solidFill>
+                  <a:schemeClr val="tx1"/>
+                </a:solidFill>
+                <a:latin typeface="Times New Roman" panose="02020603050405020304" pitchFamily="18" charset="0"/>
+                <a:cs typeface="Times New Roman" panose="02020603050405020304" pitchFamily="18" charset="0"/>
+              </a:rPr>
+              <a:t> </a:t>
+            </a:r>
+            <a:r>
+              <a:rPr lang="pt-BR" sz="2400" b="1" dirty="0" err="1">
+                <a:solidFill>
+                  <a:schemeClr val="tx1"/>
+                </a:solidFill>
+                <a:latin typeface="Times New Roman" panose="02020603050405020304" pitchFamily="18" charset="0"/>
+                <a:cs typeface="Times New Roman" panose="02020603050405020304" pitchFamily="18" charset="0"/>
+              </a:rPr>
+              <a:t>stack</a:t>
+            </a:r>
+            <a:r>
+              <a:rPr lang="pt-BR" sz="2400" b="1" dirty="0">
+                <a:solidFill>
+                  <a:schemeClr val="tx1"/>
+                </a:solidFill>
+                <a:latin typeface="Times New Roman" panose="02020603050405020304" pitchFamily="18" charset="0"/>
+                <a:cs typeface="Times New Roman" panose="02020603050405020304" pitchFamily="18" charset="0"/>
+              </a:rPr>
+              <a:t>.</a:t>
+            </a:r>
+            <a:endParaRPr lang="en-US" sz="2400" b="1" dirty="0">
+              <a:solidFill>
+                <a:schemeClr val="tx1"/>
+              </a:solidFill>
+              <a:latin typeface="Times New Roman" panose="02020603050405020304" pitchFamily="18" charset="0"/>
+              <a:cs typeface="Times New Roman" panose="02020603050405020304" pitchFamily="18" charset="0"/>
+            </a:endParaRPr>
+          </a:p>
+          <a:p>
+            <a:pPr marL="0" indent="0" algn="just">
+              <a:buNone/>
+            </a:pPr>
+            <a:r>
+              <a:rPr lang="en-US" sz="2400" dirty="0">
+                <a:solidFill>
+                  <a:schemeClr val="tx1"/>
+                </a:solidFill>
+                <a:latin typeface="Times New Roman" panose="02020603050405020304" pitchFamily="18" charset="0"/>
+                <a:cs typeface="Times New Roman" panose="02020603050405020304" pitchFamily="18" charset="0"/>
+              </a:rPr>
+              <a:t>   </a:t>
+            </a:r>
+            <a:r>
+              <a:rPr lang="en-US" sz="2400" b="1" dirty="0">
+                <a:solidFill>
+                  <a:srgbClr val="0070C0"/>
+                </a:solidFill>
+                <a:latin typeface="Times New Roman" panose="02020603050405020304" pitchFamily="18" charset="0"/>
+                <a:cs typeface="Times New Roman" panose="02020603050405020304" pitchFamily="18" charset="0"/>
+              </a:rPr>
+              <a:t>1. try...catch 	2. try...finally		3.try...catch...finally</a:t>
+            </a:r>
+            <a:endParaRPr lang="pt-BR" sz="2400" b="1" dirty="0">
+              <a:solidFill>
+                <a:srgbClr val="0070C0"/>
+              </a:solidFill>
+              <a:latin typeface="Times New Roman" panose="02020603050405020304" pitchFamily="18" charset="0"/>
+              <a:cs typeface="Times New Roman" panose="02020603050405020304" pitchFamily="18" charset="0"/>
+            </a:endParaRPr>
+          </a:p>
         </p:txBody>
       </p:sp>
     </p:spTree>
     <p:extLst>
       <p:ext uri="{BB962C8B-B14F-4D97-AF65-F5344CB8AC3E}">
-        <p14:creationId xmlns:p14="http://schemas.microsoft.com/office/powerpoint/2010/main" val="1235422409"/>
+        <p14:creationId xmlns:p14="http://schemas.microsoft.com/office/powerpoint/2010/main" val="492692185"/>
       </p:ext>
     </p:extLst>
   </p:cSld>
@@ -29216,7 +29252,39 @@
                   <a:srgbClr val="0070C0"/>
                 </a:solidFill>
               </a:rPr>
-              <a:t>PHP – BD MySQL com PDO</a:t>
+              <a:t>PHP – </a:t>
+            </a:r>
+            <a:r>
+              <a:rPr lang="en-US" b="1" dirty="0" err="1">
+                <a:solidFill>
+                  <a:srgbClr val="0070C0"/>
+                </a:solidFill>
+              </a:rPr>
+              <a:t>Tratamento</a:t>
+            </a:r>
+            <a:r>
+              <a:rPr lang="en-US" b="1" dirty="0">
+                <a:solidFill>
+                  <a:srgbClr val="0070C0"/>
+                </a:solidFill>
+              </a:rPr>
+              <a:t> de </a:t>
+            </a:r>
+            <a:r>
+              <a:rPr lang="en-US" b="1" dirty="0" err="1">
+                <a:solidFill>
+                  <a:srgbClr val="0070C0"/>
+                </a:solidFill>
+              </a:rPr>
+              <a:t>Exceção</a:t>
+            </a:r>
+            <a:r>
+              <a:rPr lang="en-US" b="1" dirty="0">
+                <a:solidFill>
+                  <a:srgbClr val="0070C0"/>
+                </a:solidFill>
+              </a:rPr>
+              <a:t> Try</a:t>
             </a:r>
           </a:p>
         </p:txBody>
@@ -29247,16 +29315,26 @@
               <a:buNone/>
             </a:pPr>
             <a:r>
-              <a:rPr lang="pt-BR" sz="2400" dirty="0">
-                <a:solidFill>
-                  <a:schemeClr val="tx1"/>
-                </a:solidFill>
-                <a:latin typeface="Times New Roman" panose="02020603050405020304" pitchFamily="18" charset="0"/>
-                <a:cs typeface="Times New Roman" panose="02020603050405020304" pitchFamily="18" charset="0"/>
-              </a:rPr>
-              <a:t>1. </a:t>
-            </a:r>
-            <a:endParaRPr lang="pt-BR" sz="2400" b="1" dirty="0">
+              <a:rPr lang="en-US" sz="2000" dirty="0">
+                <a:solidFill>
+                  <a:schemeClr val="tx1"/>
+                </a:solidFill>
+                <a:latin typeface="Times New Roman" panose="02020603050405020304" pitchFamily="18" charset="0"/>
+                <a:cs typeface="Times New Roman" panose="02020603050405020304" pitchFamily="18" charset="0"/>
+              </a:rPr>
+              <a:t>&lt;?</a:t>
+            </a:r>
+            <a:r>
+              <a:rPr lang="en-US" sz="2000" b="1" dirty="0" err="1">
+                <a:solidFill>
+                  <a:schemeClr val="tx1"/>
+                </a:solidFill>
+                <a:latin typeface="Times New Roman" panose="02020603050405020304" pitchFamily="18" charset="0"/>
+                <a:cs typeface="Times New Roman" panose="02020603050405020304" pitchFamily="18" charset="0"/>
+              </a:rPr>
+              <a:t>php</a:t>
+            </a:r>
+            <a:endParaRPr lang="en-US" sz="2000" b="1" dirty="0">
               <a:solidFill>
                 <a:schemeClr val="tx1"/>
               </a:solidFill>
@@ -29265,10 +29343,235 @@
             </a:endParaRPr>
           </a:p>
           <a:p>
-            <a:pPr marL="0" indent="0" algn="just">
-              <a:buNone/>
-            </a:pPr>
-            <a:endParaRPr lang="pt-BR" sz="2400" dirty="0">
+            <a:pPr marL="447675" lvl="1" indent="0" algn="just">
+              <a:buNone/>
+            </a:pPr>
+            <a:r>
+              <a:rPr lang="pt-BR" sz="2000" b="1" dirty="0" err="1">
+                <a:solidFill>
+                  <a:schemeClr val="tx1"/>
+                </a:solidFill>
+                <a:latin typeface="Times New Roman" panose="02020603050405020304" pitchFamily="18" charset="0"/>
+                <a:cs typeface="Times New Roman" panose="02020603050405020304" pitchFamily="18" charset="0"/>
+              </a:rPr>
+              <a:t>try</a:t>
+            </a:r>
+            <a:r>
+              <a:rPr lang="pt-BR" sz="2000" dirty="0">
+                <a:solidFill>
+                  <a:schemeClr val="tx1"/>
+                </a:solidFill>
+                <a:latin typeface="Times New Roman" panose="02020603050405020304" pitchFamily="18" charset="0"/>
+                <a:cs typeface="Times New Roman" panose="02020603050405020304" pitchFamily="18" charset="0"/>
+              </a:rPr>
+              <a:t> {</a:t>
+            </a:r>
+          </a:p>
+          <a:p>
+            <a:pPr marL="447675" lvl="1" indent="0" algn="just">
+              <a:buNone/>
+            </a:pPr>
+            <a:r>
+              <a:rPr lang="pt-BR" sz="2000" dirty="0">
+                <a:solidFill>
+                  <a:schemeClr val="tx1"/>
+                </a:solidFill>
+                <a:latin typeface="Times New Roman" panose="02020603050405020304" pitchFamily="18" charset="0"/>
+                <a:cs typeface="Times New Roman" panose="02020603050405020304" pitchFamily="18" charset="0"/>
+              </a:rPr>
+              <a:t>    </a:t>
+            </a:r>
+            <a:r>
+              <a:rPr lang="pt-BR" sz="2000" b="1" dirty="0" err="1">
+                <a:solidFill>
+                  <a:srgbClr val="FF0000"/>
+                </a:solidFill>
+                <a:latin typeface="Times New Roman" panose="02020603050405020304" pitchFamily="18" charset="0"/>
+                <a:cs typeface="Times New Roman" panose="02020603050405020304" pitchFamily="18" charset="0"/>
+              </a:rPr>
+              <a:t>throw</a:t>
+            </a:r>
+            <a:r>
+              <a:rPr lang="pt-BR" sz="2000" dirty="0">
+                <a:solidFill>
+                  <a:srgbClr val="FF0000"/>
+                </a:solidFill>
+                <a:latin typeface="Times New Roman" panose="02020603050405020304" pitchFamily="18" charset="0"/>
+                <a:cs typeface="Times New Roman" panose="02020603050405020304" pitchFamily="18" charset="0"/>
+              </a:rPr>
+              <a:t> </a:t>
+            </a:r>
+            <a:r>
+              <a:rPr lang="pt-BR" sz="2000" b="1" dirty="0">
+                <a:solidFill>
+                  <a:srgbClr val="FF0000"/>
+                </a:solidFill>
+                <a:latin typeface="Times New Roman" panose="02020603050405020304" pitchFamily="18" charset="0"/>
+                <a:cs typeface="Times New Roman" panose="02020603050405020304" pitchFamily="18" charset="0"/>
+              </a:rPr>
+              <a:t>new</a:t>
+            </a:r>
+            <a:r>
+              <a:rPr lang="pt-BR" sz="2000" dirty="0">
+                <a:solidFill>
+                  <a:srgbClr val="FF0000"/>
+                </a:solidFill>
+                <a:latin typeface="Times New Roman" panose="02020603050405020304" pitchFamily="18" charset="0"/>
+                <a:cs typeface="Times New Roman" panose="02020603050405020304" pitchFamily="18" charset="0"/>
+              </a:rPr>
+              <a:t> </a:t>
+            </a:r>
+            <a:r>
+              <a:rPr lang="pt-BR" sz="2000" b="1" dirty="0" err="1">
+                <a:solidFill>
+                  <a:srgbClr val="FF0000"/>
+                </a:solidFill>
+                <a:latin typeface="Times New Roman" panose="02020603050405020304" pitchFamily="18" charset="0"/>
+                <a:cs typeface="Times New Roman" panose="02020603050405020304" pitchFamily="18" charset="0"/>
+              </a:rPr>
+              <a:t>Exception</a:t>
+            </a:r>
+            <a:r>
+              <a:rPr lang="pt-BR" sz="2000" dirty="0">
+                <a:solidFill>
+                  <a:schemeClr val="tx1"/>
+                </a:solidFill>
+                <a:latin typeface="Times New Roman" panose="02020603050405020304" pitchFamily="18" charset="0"/>
+                <a:cs typeface="Times New Roman" panose="02020603050405020304" pitchFamily="18" charset="0"/>
+              </a:rPr>
+              <a:t>("Erro ao fazer operação no banco de dados", 1);</a:t>
+            </a:r>
+          </a:p>
+          <a:p>
+            <a:pPr marL="447675" lvl="1" indent="0" algn="just">
+              <a:buNone/>
+            </a:pPr>
+            <a:r>
+              <a:rPr lang="pt-BR" sz="2000" dirty="0">
+                <a:solidFill>
+                  <a:schemeClr val="tx1"/>
+                </a:solidFill>
+                <a:latin typeface="Times New Roman" panose="02020603050405020304" pitchFamily="18" charset="0"/>
+                <a:cs typeface="Times New Roman" panose="02020603050405020304" pitchFamily="18" charset="0"/>
+              </a:rPr>
+              <a:t>}</a:t>
+            </a:r>
+            <a:r>
+              <a:rPr lang="pt-BR" sz="2000" b="1" dirty="0">
+                <a:solidFill>
+                  <a:schemeClr val="tx1"/>
+                </a:solidFill>
+                <a:latin typeface="Times New Roman" panose="02020603050405020304" pitchFamily="18" charset="0"/>
+                <a:cs typeface="Times New Roman" panose="02020603050405020304" pitchFamily="18" charset="0"/>
+              </a:rPr>
+              <a:t>catch</a:t>
+            </a:r>
+            <a:r>
+              <a:rPr lang="pt-BR" sz="2000" dirty="0">
+                <a:solidFill>
+                  <a:schemeClr val="tx1"/>
+                </a:solidFill>
+                <a:latin typeface="Times New Roman" panose="02020603050405020304" pitchFamily="18" charset="0"/>
+                <a:cs typeface="Times New Roman" panose="02020603050405020304" pitchFamily="18" charset="0"/>
+              </a:rPr>
+              <a:t>(</a:t>
+            </a:r>
+            <a:r>
+              <a:rPr lang="pt-BR" sz="2000" b="1" dirty="0" err="1">
+                <a:solidFill>
+                  <a:srgbClr val="FF0000"/>
+                </a:solidFill>
+                <a:latin typeface="Times New Roman" panose="02020603050405020304" pitchFamily="18" charset="0"/>
+                <a:cs typeface="Times New Roman" panose="02020603050405020304" pitchFamily="18" charset="0"/>
+              </a:rPr>
+              <a:t>Exception</a:t>
+            </a:r>
+            <a:r>
+              <a:rPr lang="pt-BR" sz="2000" dirty="0">
+                <a:solidFill>
+                  <a:schemeClr val="tx1"/>
+                </a:solidFill>
+                <a:latin typeface="Times New Roman" panose="02020603050405020304" pitchFamily="18" charset="0"/>
+                <a:cs typeface="Times New Roman" panose="02020603050405020304" pitchFamily="18" charset="0"/>
+              </a:rPr>
+              <a:t> $e){</a:t>
+            </a:r>
+          </a:p>
+          <a:p>
+            <a:pPr marL="447675" lvl="1" indent="0" algn="just">
+              <a:buNone/>
+            </a:pPr>
+            <a:r>
+              <a:rPr lang="pt-BR" sz="2000" dirty="0">
+                <a:solidFill>
+                  <a:schemeClr val="tx1"/>
+                </a:solidFill>
+                <a:latin typeface="Times New Roman" panose="02020603050405020304" pitchFamily="18" charset="0"/>
+                <a:cs typeface="Times New Roman" panose="02020603050405020304" pitchFamily="18" charset="0"/>
+              </a:rPr>
+              <a:t>    </a:t>
+            </a:r>
+            <a:r>
+              <a:rPr lang="pt-BR" sz="2000" b="1" dirty="0" err="1">
+                <a:solidFill>
+                  <a:schemeClr val="tx1"/>
+                </a:solidFill>
+                <a:latin typeface="Times New Roman" panose="02020603050405020304" pitchFamily="18" charset="0"/>
+                <a:cs typeface="Times New Roman" panose="02020603050405020304" pitchFamily="18" charset="0"/>
+              </a:rPr>
+              <a:t>echo</a:t>
+            </a:r>
+            <a:r>
+              <a:rPr lang="pt-BR" sz="2000" b="1" dirty="0">
+                <a:solidFill>
+                  <a:schemeClr val="tx1"/>
+                </a:solidFill>
+                <a:latin typeface="Times New Roman" panose="02020603050405020304" pitchFamily="18" charset="0"/>
+                <a:cs typeface="Times New Roman" panose="02020603050405020304" pitchFamily="18" charset="0"/>
+              </a:rPr>
+              <a:t> </a:t>
+            </a:r>
+            <a:r>
+              <a:rPr lang="pt-BR" sz="2000" b="1" dirty="0">
+                <a:solidFill>
+                  <a:srgbClr val="FF0000"/>
+                </a:solidFill>
+                <a:latin typeface="Times New Roman" panose="02020603050405020304" pitchFamily="18" charset="0"/>
+                <a:cs typeface="Times New Roman" panose="02020603050405020304" pitchFamily="18" charset="0"/>
+              </a:rPr>
+              <a:t>$e-&gt;</a:t>
+            </a:r>
+            <a:r>
+              <a:rPr lang="pt-BR" sz="2000" b="1" dirty="0" err="1">
+                <a:solidFill>
+                  <a:srgbClr val="FF0000"/>
+                </a:solidFill>
+                <a:latin typeface="Times New Roman" panose="02020603050405020304" pitchFamily="18" charset="0"/>
+                <a:cs typeface="Times New Roman" panose="02020603050405020304" pitchFamily="18" charset="0"/>
+              </a:rPr>
+              <a:t>getMessage</a:t>
+            </a:r>
+            <a:r>
+              <a:rPr lang="pt-BR" sz="2000" b="1" dirty="0">
+                <a:solidFill>
+                  <a:srgbClr val="FF0000"/>
+                </a:solidFill>
+                <a:latin typeface="Times New Roman" panose="02020603050405020304" pitchFamily="18" charset="0"/>
+                <a:cs typeface="Times New Roman" panose="02020603050405020304" pitchFamily="18" charset="0"/>
+              </a:rPr>
+              <a:t>()</a:t>
+            </a:r>
+            <a:r>
+              <a:rPr lang="pt-BR" sz="2000" b="1" dirty="0">
+                <a:solidFill>
+                  <a:schemeClr val="tx1"/>
+                </a:solidFill>
+                <a:latin typeface="Times New Roman" panose="02020603050405020304" pitchFamily="18" charset="0"/>
+                <a:cs typeface="Times New Roman" panose="02020603050405020304" pitchFamily="18" charset="0"/>
+              </a:rPr>
+              <a:t>, "\n";</a:t>
+            </a:r>
+            <a:endParaRPr lang="pt-BR" sz="2000" dirty="0">
               <a:solidFill>
                 <a:schemeClr val="tx1"/>
               </a:solidFill>
@@ -29276,12 +29579,112 @@
               <a:cs typeface="Times New Roman" panose="02020603050405020304" pitchFamily="18" charset="0"/>
             </a:endParaRPr>
           </a:p>
+          <a:p>
+            <a:pPr marL="447675" lvl="1" indent="0" algn="just">
+              <a:buNone/>
+            </a:pPr>
+            <a:r>
+              <a:rPr lang="pt-BR" sz="2000" dirty="0">
+                <a:solidFill>
+                  <a:schemeClr val="tx1"/>
+                </a:solidFill>
+                <a:latin typeface="Times New Roman" panose="02020603050405020304" pitchFamily="18" charset="0"/>
+                <a:cs typeface="Times New Roman" panose="02020603050405020304" pitchFamily="18" charset="0"/>
+              </a:rPr>
+              <a:t>}</a:t>
+            </a:r>
+          </a:p>
+          <a:p>
+            <a:pPr marL="447675" lvl="1" indent="0" algn="just">
+              <a:buNone/>
+            </a:pPr>
+            <a:r>
+              <a:rPr lang="pt-BR" sz="2000" b="1" dirty="0" err="1">
+                <a:solidFill>
+                  <a:schemeClr val="tx1"/>
+                </a:solidFill>
+                <a:latin typeface="Times New Roman" panose="02020603050405020304" pitchFamily="18" charset="0"/>
+                <a:cs typeface="Times New Roman" panose="02020603050405020304" pitchFamily="18" charset="0"/>
+              </a:rPr>
+              <a:t>finally</a:t>
+            </a:r>
+            <a:r>
+              <a:rPr lang="pt-BR" sz="2000" dirty="0">
+                <a:solidFill>
+                  <a:schemeClr val="tx1"/>
+                </a:solidFill>
+                <a:latin typeface="Times New Roman" panose="02020603050405020304" pitchFamily="18" charset="0"/>
+                <a:cs typeface="Times New Roman" panose="02020603050405020304" pitchFamily="18" charset="0"/>
+              </a:rPr>
+              <a:t>{</a:t>
+            </a:r>
+          </a:p>
+          <a:p>
+            <a:pPr marL="447675" lvl="1" indent="0" algn="just">
+              <a:buNone/>
+            </a:pPr>
+            <a:r>
+              <a:rPr lang="pt-BR" sz="2000" dirty="0">
+                <a:solidFill>
+                  <a:schemeClr val="tx1"/>
+                </a:solidFill>
+                <a:latin typeface="Times New Roman" panose="02020603050405020304" pitchFamily="18" charset="0"/>
+                <a:cs typeface="Times New Roman" panose="02020603050405020304" pitchFamily="18" charset="0"/>
+              </a:rPr>
+              <a:t>    </a:t>
+            </a:r>
+            <a:r>
+              <a:rPr lang="pt-BR" sz="2000" b="1" dirty="0" err="1">
+                <a:solidFill>
+                  <a:schemeClr val="tx1"/>
+                </a:solidFill>
+                <a:latin typeface="Times New Roman" panose="02020603050405020304" pitchFamily="18" charset="0"/>
+                <a:cs typeface="Times New Roman" panose="02020603050405020304" pitchFamily="18" charset="0"/>
+              </a:rPr>
+              <a:t>echo</a:t>
+            </a:r>
+            <a:r>
+              <a:rPr lang="pt-BR" sz="2000" dirty="0">
+                <a:solidFill>
+                  <a:schemeClr val="tx1"/>
+                </a:solidFill>
+                <a:latin typeface="Times New Roman" panose="02020603050405020304" pitchFamily="18" charset="0"/>
+                <a:cs typeface="Times New Roman" panose="02020603050405020304" pitchFamily="18" charset="0"/>
+              </a:rPr>
+              <a:t> "Fechou a conexão com o banco de dados\n";</a:t>
+            </a:r>
+          </a:p>
+          <a:p>
+            <a:pPr marL="447675" lvl="1" indent="0" algn="just">
+              <a:buNone/>
+            </a:pPr>
+            <a:r>
+              <a:rPr lang="pt-BR" sz="2000" dirty="0">
+                <a:solidFill>
+                  <a:schemeClr val="tx1"/>
+                </a:solidFill>
+                <a:latin typeface="Times New Roman" panose="02020603050405020304" pitchFamily="18" charset="0"/>
+                <a:cs typeface="Times New Roman" panose="02020603050405020304" pitchFamily="18" charset="0"/>
+              </a:rPr>
+              <a:t>}</a:t>
+            </a:r>
+            <a:r>
+              <a:rPr lang="en-US" sz="2000" dirty="0">
+                <a:solidFill>
+                  <a:schemeClr val="tx1"/>
+                </a:solidFill>
+                <a:latin typeface="Times New Roman" panose="02020603050405020304" pitchFamily="18" charset="0"/>
+                <a:cs typeface="Times New Roman" panose="02020603050405020304" pitchFamily="18" charset="0"/>
+              </a:rPr>
+              <a:t>?&gt;</a:t>
+            </a:r>
+          </a:p>
         </p:txBody>
       </p:sp>
     </p:spTree>
     <p:extLst>
       <p:ext uri="{BB962C8B-B14F-4D97-AF65-F5344CB8AC3E}">
-        <p14:creationId xmlns:p14="http://schemas.microsoft.com/office/powerpoint/2010/main" val="3090959292"/>
+        <p14:creationId xmlns:p14="http://schemas.microsoft.com/office/powerpoint/2010/main" val="2234698079"/>
       </p:ext>
     </p:extLst>
   </p:cSld>
@@ -29856,7 +30259,7 @@
                   <a:srgbClr val="0070C0"/>
                 </a:solidFill>
               </a:rPr>
-              <a:t>Seções</a:t>
+              <a:t>Tratamento</a:t>
             </a:r>
             <a:r>
               <a:rPr lang="en-US" b="1" dirty="0">
@@ -29864,7 +30267,23 @@
                   <a:srgbClr val="0070C0"/>
                 </a:solidFill>
               </a:rPr>
-              <a:t>/Cookies</a:t>
+              <a:t> de </a:t>
+            </a:r>
+            <a:r>
+              <a:rPr lang="en-US" b="1" dirty="0" err="1">
+                <a:solidFill>
+                  <a:srgbClr val="0070C0"/>
+                </a:solidFill>
+              </a:rPr>
+              <a:t>Exceção</a:t>
+            </a:r>
+            <a:r>
+              <a:rPr lang="en-US" b="1" dirty="0">
+                <a:solidFill>
+                  <a:srgbClr val="0070C0"/>
+                </a:solidFill>
+              </a:rPr>
+              <a:t> Try</a:t>
             </a:r>
           </a:p>
         </p:txBody>
@@ -29895,16 +30314,51 @@
               <a:buNone/>
             </a:pPr>
             <a:r>
-              <a:rPr lang="pt-BR" sz="2400" dirty="0">
-                <a:solidFill>
-                  <a:schemeClr val="tx1"/>
-                </a:solidFill>
-                <a:latin typeface="Times New Roman" panose="02020603050405020304" pitchFamily="18" charset="0"/>
-                <a:cs typeface="Times New Roman" panose="02020603050405020304" pitchFamily="18" charset="0"/>
-              </a:rPr>
-              <a:t>1. </a:t>
-            </a:r>
-            <a:endParaRPr lang="pt-BR" sz="2400" b="1" dirty="0">
+              <a:rPr lang="pt-BR" sz="2000" b="1" dirty="0">
+                <a:solidFill>
+                  <a:srgbClr val="FF0000"/>
+                </a:solidFill>
+                <a:latin typeface="Times New Roman" panose="02020603050405020304" pitchFamily="18" charset="0"/>
+                <a:cs typeface="Times New Roman" panose="02020603050405020304" pitchFamily="18" charset="0"/>
+              </a:rPr>
+              <a:t>Exemplo 1</a:t>
+            </a:r>
+            <a:r>
+              <a:rPr lang="pt-BR" sz="2000" dirty="0">
+                <a:solidFill>
+                  <a:schemeClr val="tx1"/>
+                </a:solidFill>
+                <a:latin typeface="Times New Roman" panose="02020603050405020304" pitchFamily="18" charset="0"/>
+                <a:cs typeface="Times New Roman" panose="02020603050405020304" pitchFamily="18" charset="0"/>
+              </a:rPr>
+              <a:t>:</a:t>
+            </a:r>
+          </a:p>
+          <a:p>
+            <a:pPr marL="0" indent="0" algn="just">
+              <a:buNone/>
+            </a:pPr>
+            <a:r>
+              <a:rPr lang="en-US" sz="2000" dirty="0">
+                <a:solidFill>
+                  <a:schemeClr val="tx1"/>
+                </a:solidFill>
+                <a:latin typeface="Times New Roman" panose="02020603050405020304" pitchFamily="18" charset="0"/>
+                <a:cs typeface="Times New Roman" panose="02020603050405020304" pitchFamily="18" charset="0"/>
+              </a:rPr>
+              <a:t>&lt;?</a:t>
+            </a:r>
+            <a:r>
+              <a:rPr lang="en-US" sz="2000" b="1" dirty="0" err="1">
+                <a:solidFill>
+                  <a:schemeClr val="tx1"/>
+                </a:solidFill>
+                <a:latin typeface="Times New Roman" panose="02020603050405020304" pitchFamily="18" charset="0"/>
+                <a:cs typeface="Times New Roman" panose="02020603050405020304" pitchFamily="18" charset="0"/>
+              </a:rPr>
+              <a:t>php</a:t>
+            </a:r>
+            <a:endParaRPr lang="en-US" sz="2000" b="1" dirty="0">
               <a:solidFill>
                 <a:schemeClr val="tx1"/>
               </a:solidFill>
@@ -29913,10 +30367,330 @@
             </a:endParaRPr>
           </a:p>
           <a:p>
-            <a:pPr marL="0" indent="0" algn="just">
-              <a:buNone/>
-            </a:pPr>
-            <a:endParaRPr lang="pt-BR" sz="2400" dirty="0">
+            <a:pPr marL="447675" lvl="1" indent="0" algn="just">
+              <a:buNone/>
+            </a:pPr>
+            <a:r>
+              <a:rPr lang="en-US" sz="2000" b="1" dirty="0">
+                <a:solidFill>
+                  <a:schemeClr val="tx1"/>
+                </a:solidFill>
+                <a:latin typeface="Times New Roman" panose="02020603050405020304" pitchFamily="18" charset="0"/>
+                <a:cs typeface="Times New Roman" panose="02020603050405020304" pitchFamily="18" charset="0"/>
+              </a:rPr>
+              <a:t>function</a:t>
+            </a:r>
+            <a:r>
+              <a:rPr lang="en-US" sz="2000" dirty="0">
+                <a:solidFill>
+                  <a:schemeClr val="tx1"/>
+                </a:solidFill>
+                <a:latin typeface="Times New Roman" panose="02020603050405020304" pitchFamily="18" charset="0"/>
+                <a:cs typeface="Times New Roman" panose="02020603050405020304" pitchFamily="18" charset="0"/>
+              </a:rPr>
+              <a:t> </a:t>
+            </a:r>
+            <a:r>
+              <a:rPr lang="en-US" sz="2000" dirty="0" err="1">
+                <a:solidFill>
+                  <a:schemeClr val="tx1"/>
+                </a:solidFill>
+                <a:latin typeface="Times New Roman" panose="02020603050405020304" pitchFamily="18" charset="0"/>
+                <a:cs typeface="Times New Roman" panose="02020603050405020304" pitchFamily="18" charset="0"/>
+              </a:rPr>
+              <a:t>dividir</a:t>
+            </a:r>
+            <a:r>
+              <a:rPr lang="en-US" sz="2000" dirty="0">
+                <a:solidFill>
+                  <a:schemeClr val="tx1"/>
+                </a:solidFill>
+                <a:latin typeface="Times New Roman" panose="02020603050405020304" pitchFamily="18" charset="0"/>
+                <a:cs typeface="Times New Roman" panose="02020603050405020304" pitchFamily="18" charset="0"/>
+              </a:rPr>
+              <a:t>($x, $y) {</a:t>
+            </a:r>
+          </a:p>
+          <a:p>
+            <a:pPr marL="891540" lvl="2" indent="0" algn="just">
+              <a:buNone/>
+            </a:pPr>
+            <a:r>
+              <a:rPr lang="en-US" sz="2000" dirty="0">
+                <a:solidFill>
+                  <a:schemeClr val="tx1"/>
+                </a:solidFill>
+                <a:latin typeface="Times New Roman" panose="02020603050405020304" pitchFamily="18" charset="0"/>
+                <a:cs typeface="Times New Roman" panose="02020603050405020304" pitchFamily="18" charset="0"/>
+              </a:rPr>
+              <a:t>  $</a:t>
+            </a:r>
+            <a:r>
+              <a:rPr lang="en-US" sz="2000" dirty="0" err="1">
+                <a:solidFill>
+                  <a:schemeClr val="tx1"/>
+                </a:solidFill>
+                <a:latin typeface="Times New Roman" panose="02020603050405020304" pitchFamily="18" charset="0"/>
+                <a:cs typeface="Times New Roman" panose="02020603050405020304" pitchFamily="18" charset="0"/>
+              </a:rPr>
+              <a:t>resultado</a:t>
+            </a:r>
+            <a:r>
+              <a:rPr lang="en-US" sz="2000" dirty="0">
+                <a:solidFill>
+                  <a:schemeClr val="tx1"/>
+                </a:solidFill>
+                <a:latin typeface="Times New Roman" panose="02020603050405020304" pitchFamily="18" charset="0"/>
+                <a:cs typeface="Times New Roman" panose="02020603050405020304" pitchFamily="18" charset="0"/>
+              </a:rPr>
+              <a:t> = $x / $y;</a:t>
+            </a:r>
+          </a:p>
+          <a:p>
+            <a:pPr marL="891540" lvl="2" indent="0" algn="just">
+              <a:buNone/>
+            </a:pPr>
+            <a:r>
+              <a:rPr lang="en-US" sz="2000" dirty="0">
+                <a:solidFill>
+                  <a:schemeClr val="tx1"/>
+                </a:solidFill>
+                <a:latin typeface="Times New Roman" panose="02020603050405020304" pitchFamily="18" charset="0"/>
+                <a:cs typeface="Times New Roman" panose="02020603050405020304" pitchFamily="18" charset="0"/>
+              </a:rPr>
+              <a:t>  </a:t>
+            </a:r>
+            <a:r>
+              <a:rPr lang="en-US" sz="2000" b="1" dirty="0">
+                <a:solidFill>
+                  <a:schemeClr val="tx1"/>
+                </a:solidFill>
+                <a:latin typeface="Times New Roman" panose="02020603050405020304" pitchFamily="18" charset="0"/>
+                <a:cs typeface="Times New Roman" panose="02020603050405020304" pitchFamily="18" charset="0"/>
+              </a:rPr>
+              <a:t>throw</a:t>
+            </a:r>
+            <a:r>
+              <a:rPr lang="en-US" sz="2000" dirty="0">
+                <a:solidFill>
+                  <a:schemeClr val="tx1"/>
+                </a:solidFill>
+                <a:latin typeface="Times New Roman" panose="02020603050405020304" pitchFamily="18" charset="0"/>
+                <a:cs typeface="Times New Roman" panose="02020603050405020304" pitchFamily="18" charset="0"/>
+              </a:rPr>
+              <a:t> </a:t>
+            </a:r>
+            <a:r>
+              <a:rPr lang="en-US" sz="2000" b="1" dirty="0">
+                <a:solidFill>
+                  <a:srgbClr val="FF0000"/>
+                </a:solidFill>
+                <a:latin typeface="Times New Roman" panose="02020603050405020304" pitchFamily="18" charset="0"/>
+                <a:cs typeface="Times New Roman" panose="02020603050405020304" pitchFamily="18" charset="0"/>
+              </a:rPr>
+              <a:t>new</a:t>
+            </a:r>
+            <a:r>
+              <a:rPr lang="en-US" sz="2000" dirty="0">
+                <a:solidFill>
+                  <a:schemeClr val="tx1"/>
+                </a:solidFill>
+                <a:latin typeface="Times New Roman" panose="02020603050405020304" pitchFamily="18" charset="0"/>
+                <a:cs typeface="Times New Roman" panose="02020603050405020304" pitchFamily="18" charset="0"/>
+              </a:rPr>
+              <a:t> </a:t>
+            </a:r>
+            <a:r>
+              <a:rPr lang="en-US" sz="2000" b="1" dirty="0">
+                <a:solidFill>
+                  <a:srgbClr val="FF0000"/>
+                </a:solidFill>
+                <a:latin typeface="Times New Roman" panose="02020603050405020304" pitchFamily="18" charset="0"/>
+                <a:cs typeface="Times New Roman" panose="02020603050405020304" pitchFamily="18" charset="0"/>
+              </a:rPr>
+              <a:t>Exception</a:t>
+            </a:r>
+            <a:r>
+              <a:rPr lang="en-US" sz="2000" dirty="0">
+                <a:solidFill>
+                  <a:schemeClr val="tx1"/>
+                </a:solidFill>
+                <a:latin typeface="Times New Roman" panose="02020603050405020304" pitchFamily="18" charset="0"/>
+                <a:cs typeface="Times New Roman" panose="02020603050405020304" pitchFamily="18" charset="0"/>
+              </a:rPr>
+              <a:t>('</a:t>
+            </a:r>
+            <a:r>
+              <a:rPr lang="en-US" sz="2000" dirty="0" err="1">
+                <a:solidFill>
+                  <a:schemeClr val="tx1"/>
+                </a:solidFill>
+                <a:latin typeface="Times New Roman" panose="02020603050405020304" pitchFamily="18" charset="0"/>
+                <a:cs typeface="Times New Roman" panose="02020603050405020304" pitchFamily="18" charset="0"/>
+              </a:rPr>
+              <a:t>Não</a:t>
+            </a:r>
+            <a:r>
+              <a:rPr lang="en-US" sz="2000" dirty="0">
+                <a:solidFill>
+                  <a:schemeClr val="tx1"/>
+                </a:solidFill>
+                <a:latin typeface="Times New Roman" panose="02020603050405020304" pitchFamily="18" charset="0"/>
+                <a:cs typeface="Times New Roman" panose="02020603050405020304" pitchFamily="18" charset="0"/>
+              </a:rPr>
+              <a:t> é </a:t>
+            </a:r>
+            <a:r>
+              <a:rPr lang="en-US" sz="2000" dirty="0" err="1">
+                <a:solidFill>
+                  <a:schemeClr val="tx1"/>
+                </a:solidFill>
+                <a:latin typeface="Times New Roman" panose="02020603050405020304" pitchFamily="18" charset="0"/>
+                <a:cs typeface="Times New Roman" panose="02020603050405020304" pitchFamily="18" charset="0"/>
+              </a:rPr>
+              <a:t>possível</a:t>
+            </a:r>
+            <a:r>
+              <a:rPr lang="en-US" sz="2000" dirty="0">
+                <a:solidFill>
+                  <a:schemeClr val="tx1"/>
+                </a:solidFill>
+                <a:latin typeface="Times New Roman" panose="02020603050405020304" pitchFamily="18" charset="0"/>
+                <a:cs typeface="Times New Roman" panose="02020603050405020304" pitchFamily="18" charset="0"/>
+              </a:rPr>
+              <a:t> </a:t>
+            </a:r>
+            <a:r>
+              <a:rPr lang="en-US" sz="2000" dirty="0" err="1">
+                <a:solidFill>
+                  <a:schemeClr val="tx1"/>
+                </a:solidFill>
+                <a:latin typeface="Times New Roman" panose="02020603050405020304" pitchFamily="18" charset="0"/>
+                <a:cs typeface="Times New Roman" panose="02020603050405020304" pitchFamily="18" charset="0"/>
+              </a:rPr>
+              <a:t>realizar</a:t>
+            </a:r>
+            <a:r>
+              <a:rPr lang="en-US" sz="2000" dirty="0">
+                <a:solidFill>
+                  <a:schemeClr val="tx1"/>
+                </a:solidFill>
+                <a:latin typeface="Times New Roman" panose="02020603050405020304" pitchFamily="18" charset="0"/>
+                <a:cs typeface="Times New Roman" panose="02020603050405020304" pitchFamily="18" charset="0"/>
+              </a:rPr>
+              <a:t> </a:t>
+            </a:r>
+            <a:r>
+              <a:rPr lang="en-US" sz="2000" dirty="0" err="1">
+                <a:solidFill>
+                  <a:schemeClr val="tx1"/>
+                </a:solidFill>
+                <a:latin typeface="Times New Roman" panose="02020603050405020304" pitchFamily="18" charset="0"/>
+                <a:cs typeface="Times New Roman" panose="02020603050405020304" pitchFamily="18" charset="0"/>
+              </a:rPr>
+              <a:t>uma</a:t>
+            </a:r>
+            <a:r>
+              <a:rPr lang="en-US" sz="2000" dirty="0">
+                <a:solidFill>
+                  <a:schemeClr val="tx1"/>
+                </a:solidFill>
+                <a:latin typeface="Times New Roman" panose="02020603050405020304" pitchFamily="18" charset="0"/>
+                <a:cs typeface="Times New Roman" panose="02020603050405020304" pitchFamily="18" charset="0"/>
+              </a:rPr>
+              <a:t> </a:t>
+            </a:r>
+            <a:r>
+              <a:rPr lang="en-US" sz="2000" dirty="0" err="1">
+                <a:solidFill>
+                  <a:schemeClr val="tx1"/>
+                </a:solidFill>
+                <a:latin typeface="Times New Roman" panose="02020603050405020304" pitchFamily="18" charset="0"/>
+                <a:cs typeface="Times New Roman" panose="02020603050405020304" pitchFamily="18" charset="0"/>
+              </a:rPr>
+              <a:t>divisão</a:t>
+            </a:r>
+            <a:r>
+              <a:rPr lang="en-US" sz="2000" dirty="0">
+                <a:solidFill>
+                  <a:schemeClr val="tx1"/>
+                </a:solidFill>
+                <a:latin typeface="Times New Roman" panose="02020603050405020304" pitchFamily="18" charset="0"/>
+                <a:cs typeface="Times New Roman" panose="02020603050405020304" pitchFamily="18" charset="0"/>
+              </a:rPr>
+              <a:t> </a:t>
+            </a:r>
+            <a:r>
+              <a:rPr lang="en-US" sz="2000" dirty="0" err="1">
+                <a:solidFill>
+                  <a:schemeClr val="tx1"/>
+                </a:solidFill>
+                <a:latin typeface="Times New Roman" panose="02020603050405020304" pitchFamily="18" charset="0"/>
+                <a:cs typeface="Times New Roman" panose="02020603050405020304" pitchFamily="18" charset="0"/>
+              </a:rPr>
+              <a:t>por</a:t>
+            </a:r>
+            <a:r>
+              <a:rPr lang="en-US" sz="2000" dirty="0">
+                <a:solidFill>
+                  <a:schemeClr val="tx1"/>
+                </a:solidFill>
+                <a:latin typeface="Times New Roman" panose="02020603050405020304" pitchFamily="18" charset="0"/>
+                <a:cs typeface="Times New Roman" panose="02020603050405020304" pitchFamily="18" charset="0"/>
+              </a:rPr>
+              <a:t> zero’);</a:t>
+            </a:r>
+          </a:p>
+          <a:p>
+            <a:pPr marL="891540" lvl="2" indent="0" algn="just">
+              <a:buNone/>
+            </a:pPr>
+            <a:r>
+              <a:rPr lang="en-US" sz="2000" b="1" dirty="0">
+                <a:solidFill>
+                  <a:schemeClr val="tx1"/>
+                </a:solidFill>
+                <a:latin typeface="Times New Roman" panose="02020603050405020304" pitchFamily="18" charset="0"/>
+                <a:cs typeface="Times New Roman" panose="02020603050405020304" pitchFamily="18" charset="0"/>
+              </a:rPr>
+              <a:t>  return</a:t>
+            </a:r>
+            <a:r>
+              <a:rPr lang="en-US" sz="2000" dirty="0">
+                <a:solidFill>
+                  <a:schemeClr val="tx1"/>
+                </a:solidFill>
+                <a:latin typeface="Times New Roman" panose="02020603050405020304" pitchFamily="18" charset="0"/>
+                <a:cs typeface="Times New Roman" panose="02020603050405020304" pitchFamily="18" charset="0"/>
+              </a:rPr>
+              <a:t> $</a:t>
+            </a:r>
+            <a:r>
+              <a:rPr lang="en-US" sz="2000" dirty="0" err="1">
+                <a:solidFill>
+                  <a:schemeClr val="tx1"/>
+                </a:solidFill>
+                <a:latin typeface="Times New Roman" panose="02020603050405020304" pitchFamily="18" charset="0"/>
+                <a:cs typeface="Times New Roman" panose="02020603050405020304" pitchFamily="18" charset="0"/>
+              </a:rPr>
+              <a:t>resultado</a:t>
+            </a:r>
+            <a:r>
+              <a:rPr lang="en-US" sz="2000" dirty="0">
+                <a:solidFill>
+                  <a:schemeClr val="tx1"/>
+                </a:solidFill>
+                <a:latin typeface="Times New Roman" panose="02020603050405020304" pitchFamily="18" charset="0"/>
+                <a:cs typeface="Times New Roman" panose="02020603050405020304" pitchFamily="18" charset="0"/>
+              </a:rPr>
+              <a:t>;  };</a:t>
+            </a:r>
+          </a:p>
+          <a:p>
+            <a:pPr marL="0" indent="0" algn="just">
+              <a:buNone/>
+            </a:pPr>
+            <a:endParaRPr lang="en-US" sz="2000" dirty="0">
               <a:solidFill>
                 <a:schemeClr val="tx1"/>
               </a:solidFill>
@@ -29924,12 +30698,247 @@
               <a:cs typeface="Times New Roman" panose="02020603050405020304" pitchFamily="18" charset="0"/>
             </a:endParaRPr>
           </a:p>
+          <a:p>
+            <a:pPr marL="0" indent="0" algn="just">
+              <a:buNone/>
+            </a:pPr>
+            <a:r>
+              <a:rPr lang="en-US" sz="2000" b="1" dirty="0">
+                <a:solidFill>
+                  <a:schemeClr val="tx1"/>
+                </a:solidFill>
+                <a:latin typeface="Times New Roman" panose="02020603050405020304" pitchFamily="18" charset="0"/>
+                <a:cs typeface="Times New Roman" panose="02020603050405020304" pitchFamily="18" charset="0"/>
+              </a:rPr>
+              <a:t>	try</a:t>
+            </a:r>
+            <a:r>
+              <a:rPr lang="en-US" sz="2000" dirty="0">
+                <a:solidFill>
+                  <a:schemeClr val="tx1"/>
+                </a:solidFill>
+                <a:latin typeface="Times New Roman" panose="02020603050405020304" pitchFamily="18" charset="0"/>
+                <a:cs typeface="Times New Roman" panose="02020603050405020304" pitchFamily="18" charset="0"/>
+              </a:rPr>
+              <a:t> { echo </a:t>
+            </a:r>
+            <a:r>
+              <a:rPr lang="en-US" sz="2000" b="1" dirty="0" err="1">
+                <a:solidFill>
+                  <a:schemeClr val="tx1"/>
+                </a:solidFill>
+                <a:latin typeface="Times New Roman" panose="02020603050405020304" pitchFamily="18" charset="0"/>
+                <a:cs typeface="Times New Roman" panose="02020603050405020304" pitchFamily="18" charset="0"/>
+              </a:rPr>
+              <a:t>dividir</a:t>
+            </a:r>
+            <a:r>
+              <a:rPr lang="en-US" sz="2000" dirty="0">
+                <a:solidFill>
+                  <a:schemeClr val="tx1"/>
+                </a:solidFill>
+                <a:latin typeface="Times New Roman" panose="02020603050405020304" pitchFamily="18" charset="0"/>
+                <a:cs typeface="Times New Roman" panose="02020603050405020304" pitchFamily="18" charset="0"/>
+              </a:rPr>
+              <a:t>(5, 0) . "&lt;</a:t>
+            </a:r>
+            <a:r>
+              <a:rPr lang="en-US" sz="2000" dirty="0" err="1">
+                <a:solidFill>
+                  <a:schemeClr val="tx1"/>
+                </a:solidFill>
+                <a:latin typeface="Times New Roman" panose="02020603050405020304" pitchFamily="18" charset="0"/>
+                <a:cs typeface="Times New Roman" panose="02020603050405020304" pitchFamily="18" charset="0"/>
+              </a:rPr>
+              <a:t>br</a:t>
+            </a:r>
+            <a:r>
+              <a:rPr lang="en-US" sz="2000" dirty="0">
+                <a:solidFill>
+                  <a:schemeClr val="tx1"/>
+                </a:solidFill>
+                <a:latin typeface="Times New Roman" panose="02020603050405020304" pitchFamily="18" charset="0"/>
+                <a:cs typeface="Times New Roman" panose="02020603050405020304" pitchFamily="18" charset="0"/>
+              </a:rPr>
+              <a:t>/&gt;";</a:t>
+            </a:r>
+          </a:p>
+          <a:p>
+            <a:pPr marL="0" indent="0" algn="just">
+              <a:buNone/>
+            </a:pPr>
+            <a:r>
+              <a:rPr lang="en-US" sz="2000" dirty="0">
+                <a:solidFill>
+                  <a:schemeClr val="tx1"/>
+                </a:solidFill>
+                <a:latin typeface="Times New Roman" panose="02020603050405020304" pitchFamily="18" charset="0"/>
+                <a:cs typeface="Times New Roman" panose="02020603050405020304" pitchFamily="18" charset="0"/>
+              </a:rPr>
+              <a:t>	} </a:t>
+            </a:r>
+            <a:r>
+              <a:rPr lang="en-US" sz="2000" b="1" dirty="0">
+                <a:solidFill>
+                  <a:schemeClr val="tx1"/>
+                </a:solidFill>
+                <a:latin typeface="Times New Roman" panose="02020603050405020304" pitchFamily="18" charset="0"/>
+                <a:cs typeface="Times New Roman" panose="02020603050405020304" pitchFamily="18" charset="0"/>
+              </a:rPr>
+              <a:t>catch</a:t>
+            </a:r>
+            <a:r>
+              <a:rPr lang="en-US" sz="2000" dirty="0">
+                <a:solidFill>
+                  <a:schemeClr val="tx1"/>
+                </a:solidFill>
+                <a:latin typeface="Times New Roman" panose="02020603050405020304" pitchFamily="18" charset="0"/>
+                <a:cs typeface="Times New Roman" panose="02020603050405020304" pitchFamily="18" charset="0"/>
+              </a:rPr>
+              <a:t> (</a:t>
+            </a:r>
+            <a:r>
+              <a:rPr lang="en-US" sz="2000" b="1" dirty="0">
+                <a:solidFill>
+                  <a:srgbClr val="FF0000"/>
+                </a:solidFill>
+                <a:latin typeface="Times New Roman" panose="02020603050405020304" pitchFamily="18" charset="0"/>
+                <a:cs typeface="Times New Roman" panose="02020603050405020304" pitchFamily="18" charset="0"/>
+              </a:rPr>
+              <a:t>Exception $e</a:t>
+            </a:r>
+            <a:r>
+              <a:rPr lang="en-US" sz="2000" dirty="0">
+                <a:solidFill>
+                  <a:schemeClr val="tx1"/>
+                </a:solidFill>
+                <a:latin typeface="Times New Roman" panose="02020603050405020304" pitchFamily="18" charset="0"/>
+                <a:cs typeface="Times New Roman" panose="02020603050405020304" pitchFamily="18" charset="0"/>
+              </a:rPr>
+              <a:t>) { </a:t>
+            </a:r>
+            <a:r>
+              <a:rPr lang="en-US" sz="2000" b="1" dirty="0">
+                <a:solidFill>
+                  <a:schemeClr val="tx1"/>
+                </a:solidFill>
+                <a:latin typeface="Times New Roman" panose="02020603050405020304" pitchFamily="18" charset="0"/>
+                <a:cs typeface="Times New Roman" panose="02020603050405020304" pitchFamily="18" charset="0"/>
+              </a:rPr>
+              <a:t>echo</a:t>
+            </a:r>
+            <a:r>
+              <a:rPr lang="en-US" sz="2000" dirty="0">
+                <a:solidFill>
+                  <a:schemeClr val="tx1"/>
+                </a:solidFill>
+                <a:latin typeface="Times New Roman" panose="02020603050405020304" pitchFamily="18" charset="0"/>
+                <a:cs typeface="Times New Roman" panose="02020603050405020304" pitchFamily="18" charset="0"/>
+              </a:rPr>
+              <a:t> '</a:t>
+            </a:r>
+            <a:r>
+              <a:rPr lang="en-US" sz="2000" dirty="0" err="1">
+                <a:solidFill>
+                  <a:schemeClr val="tx1"/>
+                </a:solidFill>
+                <a:latin typeface="Times New Roman" panose="02020603050405020304" pitchFamily="18" charset="0"/>
+                <a:cs typeface="Times New Roman" panose="02020603050405020304" pitchFamily="18" charset="0"/>
+              </a:rPr>
+              <a:t>Exceção</a:t>
+            </a:r>
+            <a:r>
+              <a:rPr lang="en-US" sz="2000" dirty="0">
+                <a:solidFill>
+                  <a:schemeClr val="tx1"/>
+                </a:solidFill>
+                <a:latin typeface="Times New Roman" panose="02020603050405020304" pitchFamily="18" charset="0"/>
+                <a:cs typeface="Times New Roman" panose="02020603050405020304" pitchFamily="18" charset="0"/>
+              </a:rPr>
+              <a:t> </a:t>
+            </a:r>
+            <a:r>
+              <a:rPr lang="en-US" sz="2000" dirty="0" err="1">
+                <a:solidFill>
+                  <a:schemeClr val="tx1"/>
+                </a:solidFill>
+                <a:latin typeface="Times New Roman" panose="02020603050405020304" pitchFamily="18" charset="0"/>
+                <a:cs typeface="Times New Roman" panose="02020603050405020304" pitchFamily="18" charset="0"/>
+              </a:rPr>
+              <a:t>capturada</a:t>
+            </a:r>
+            <a:r>
+              <a:rPr lang="en-US" sz="2000" dirty="0">
+                <a:solidFill>
+                  <a:schemeClr val="tx1"/>
+                </a:solidFill>
+                <a:latin typeface="Times New Roman" panose="02020603050405020304" pitchFamily="18" charset="0"/>
+                <a:cs typeface="Times New Roman" panose="02020603050405020304" pitchFamily="18" charset="0"/>
+              </a:rPr>
+              <a:t>: ',  </a:t>
+            </a:r>
+            <a:r>
+              <a:rPr lang="en-US" sz="2000" b="1" dirty="0">
+                <a:solidFill>
+                  <a:srgbClr val="FF0000"/>
+                </a:solidFill>
+                <a:latin typeface="Times New Roman" panose="02020603050405020304" pitchFamily="18" charset="0"/>
+                <a:cs typeface="Times New Roman" panose="02020603050405020304" pitchFamily="18" charset="0"/>
+              </a:rPr>
+              <a:t>$e</a:t>
+            </a:r>
+            <a:r>
+              <a:rPr lang="en-US" sz="2000" dirty="0">
+                <a:solidFill>
+                  <a:schemeClr val="tx1"/>
+                </a:solidFill>
+                <a:latin typeface="Times New Roman" panose="02020603050405020304" pitchFamily="18" charset="0"/>
+                <a:cs typeface="Times New Roman" panose="02020603050405020304" pitchFamily="18" charset="0"/>
+              </a:rPr>
+              <a:t>-&gt;</a:t>
+            </a:r>
+            <a:r>
+              <a:rPr lang="en-US" sz="2000" dirty="0" err="1">
+                <a:solidFill>
+                  <a:schemeClr val="tx1"/>
+                </a:solidFill>
+                <a:latin typeface="Times New Roman" panose="02020603050405020304" pitchFamily="18" charset="0"/>
+                <a:cs typeface="Times New Roman" panose="02020603050405020304" pitchFamily="18" charset="0"/>
+              </a:rPr>
+              <a:t>getMessage</a:t>
+            </a:r>
+            <a:r>
+              <a:rPr lang="en-US" sz="2000" dirty="0">
+                <a:solidFill>
+                  <a:schemeClr val="tx1"/>
+                </a:solidFill>
+                <a:latin typeface="Times New Roman" panose="02020603050405020304" pitchFamily="18" charset="0"/>
+                <a:cs typeface="Times New Roman" panose="02020603050405020304" pitchFamily="18" charset="0"/>
+              </a:rPr>
+              <a:t>(), "\n";}</a:t>
+            </a:r>
+          </a:p>
+          <a:p>
+            <a:pPr marL="0" indent="0" algn="just">
+              <a:buNone/>
+            </a:pPr>
+            <a:r>
+              <a:rPr lang="en-US" sz="2000" dirty="0">
+                <a:solidFill>
+                  <a:schemeClr val="tx1"/>
+                </a:solidFill>
+                <a:latin typeface="Times New Roman" panose="02020603050405020304" pitchFamily="18" charset="0"/>
+                <a:cs typeface="Times New Roman" panose="02020603050405020304" pitchFamily="18" charset="0"/>
+              </a:rPr>
+              <a:t>?&gt;</a:t>
+            </a:r>
+          </a:p>
         </p:txBody>
       </p:sp>
     </p:spTree>
     <p:extLst>
       <p:ext uri="{BB962C8B-B14F-4D97-AF65-F5344CB8AC3E}">
-        <p14:creationId xmlns:p14="http://schemas.microsoft.com/office/powerpoint/2010/main" val="2842231583"/>
+        <p14:creationId xmlns:p14="http://schemas.microsoft.com/office/powerpoint/2010/main" val="2069275791"/>
       </p:ext>
     </p:extLst>
   </p:cSld>
@@ -29985,7 +30994,39 @@
                   <a:srgbClr val="0070C0"/>
                 </a:solidFill>
               </a:rPr>
-              <a:t>PHP – Namespaces</a:t>
+              <a:t>PHP – </a:t>
+            </a:r>
+            <a:r>
+              <a:rPr lang="en-US" b="1" dirty="0" err="1">
+                <a:solidFill>
+                  <a:srgbClr val="0070C0"/>
+                </a:solidFill>
+              </a:rPr>
+              <a:t>Tratamento</a:t>
+            </a:r>
+            <a:r>
+              <a:rPr lang="en-US" b="1" dirty="0">
+                <a:solidFill>
+                  <a:srgbClr val="0070C0"/>
+                </a:solidFill>
+              </a:rPr>
+              <a:t> de </a:t>
+            </a:r>
+            <a:r>
+              <a:rPr lang="en-US" b="1" dirty="0" err="1">
+                <a:solidFill>
+                  <a:srgbClr val="0070C0"/>
+                </a:solidFill>
+              </a:rPr>
+              <a:t>Exceção</a:t>
+            </a:r>
+            <a:r>
+              <a:rPr lang="en-US" b="1" dirty="0">
+                <a:solidFill>
+                  <a:srgbClr val="0070C0"/>
+                </a:solidFill>
+              </a:rPr>
+              <a:t> Try</a:t>
             </a:r>
           </a:p>
         </p:txBody>
@@ -30002,8 +31043,8 @@
         </p:nvSpPr>
         <p:spPr>
           <a:xfrm>
-            <a:off x="142865" y="1037312"/>
-            <a:ext cx="8865056" cy="3900208"/>
+            <a:off x="142865" y="1037311"/>
+            <a:ext cx="8865056" cy="3973099"/>
           </a:xfrm>
         </p:spPr>
         <p:txBody>
@@ -30016,41 +31057,542 @@
               <a:buNone/>
             </a:pPr>
             <a:r>
-              <a:rPr lang="pt-BR" sz="2400" dirty="0">
-                <a:solidFill>
-                  <a:schemeClr val="tx1"/>
-                </a:solidFill>
-                <a:latin typeface="Times New Roman" panose="02020603050405020304" pitchFamily="18" charset="0"/>
-                <a:cs typeface="Times New Roman" panose="02020603050405020304" pitchFamily="18" charset="0"/>
-              </a:rPr>
-              <a:t>1. </a:t>
-            </a:r>
-            <a:endParaRPr lang="pt-BR" sz="2400" b="1" dirty="0">
-              <a:solidFill>
-                <a:schemeClr val="tx1"/>
-              </a:solidFill>
-              <a:latin typeface="Times New Roman" panose="02020603050405020304" pitchFamily="18" charset="0"/>
-              <a:cs typeface="Times New Roman" panose="02020603050405020304" pitchFamily="18" charset="0"/>
-            </a:endParaRPr>
-          </a:p>
-          <a:p>
-            <a:pPr marL="0" indent="0" algn="just">
-              <a:buNone/>
-            </a:pPr>
-            <a:endParaRPr lang="pt-BR" sz="2400" dirty="0">
-              <a:solidFill>
-                <a:schemeClr val="tx1"/>
-              </a:solidFill>
-              <a:latin typeface="Times New Roman" panose="02020603050405020304" pitchFamily="18" charset="0"/>
-              <a:cs typeface="Times New Roman" panose="02020603050405020304" pitchFamily="18" charset="0"/>
-            </a:endParaRPr>
+              <a:rPr lang="pt-BR" sz="2400" b="1" dirty="0">
+                <a:solidFill>
+                  <a:srgbClr val="FF0000"/>
+                </a:solidFill>
+                <a:latin typeface="Times New Roman" panose="02020603050405020304" pitchFamily="18" charset="0"/>
+                <a:cs typeface="Times New Roman" panose="02020603050405020304" pitchFamily="18" charset="0"/>
+              </a:rPr>
+              <a:t>Exemplo 2</a:t>
+            </a:r>
+            <a:r>
+              <a:rPr lang="pt-BR" sz="2400" dirty="0">
+                <a:solidFill>
+                  <a:schemeClr val="tx1"/>
+                </a:solidFill>
+                <a:latin typeface="Times New Roman" panose="02020603050405020304" pitchFamily="18" charset="0"/>
+                <a:cs typeface="Times New Roman" panose="02020603050405020304" pitchFamily="18" charset="0"/>
+              </a:rPr>
+              <a:t>: </a:t>
+            </a:r>
+            <a:r>
+              <a:rPr lang="en-US" sz="2400" b="1" dirty="0">
+                <a:solidFill>
+                  <a:schemeClr val="tx1"/>
+                </a:solidFill>
+                <a:latin typeface="Times New Roman" panose="02020603050405020304" pitchFamily="18" charset="0"/>
+                <a:cs typeface="Times New Roman" panose="02020603050405020304" pitchFamily="18" charset="0"/>
+              </a:rPr>
+              <a:t>&lt;?</a:t>
+            </a:r>
+            <a:r>
+              <a:rPr lang="en-US" sz="2400" b="1" dirty="0" err="1">
+                <a:solidFill>
+                  <a:schemeClr val="tx1"/>
+                </a:solidFill>
+                <a:latin typeface="Times New Roman" panose="02020603050405020304" pitchFamily="18" charset="0"/>
+                <a:cs typeface="Times New Roman" panose="02020603050405020304" pitchFamily="18" charset="0"/>
+              </a:rPr>
+              <a:t>php</a:t>
+            </a:r>
+            <a:r>
+              <a:rPr lang="en-US" sz="2400" b="1" dirty="0">
+                <a:solidFill>
+                  <a:schemeClr val="tx1"/>
+                </a:solidFill>
+                <a:latin typeface="Times New Roman" panose="02020603050405020304" pitchFamily="18" charset="0"/>
+                <a:cs typeface="Times New Roman" panose="02020603050405020304" pitchFamily="18" charset="0"/>
+              </a:rPr>
+              <a:t> function </a:t>
+            </a:r>
+            <a:r>
+              <a:rPr lang="en-US" sz="2400" b="1" dirty="0" err="1">
+                <a:solidFill>
+                  <a:schemeClr val="tx1"/>
+                </a:solidFill>
+                <a:latin typeface="Times New Roman" panose="02020603050405020304" pitchFamily="18" charset="0"/>
+                <a:cs typeface="Times New Roman" panose="02020603050405020304" pitchFamily="18" charset="0"/>
+              </a:rPr>
+              <a:t>dividir</a:t>
+            </a:r>
+            <a:r>
+              <a:rPr lang="en-US" sz="2400" b="1" dirty="0">
+                <a:solidFill>
+                  <a:schemeClr val="tx1"/>
+                </a:solidFill>
+                <a:latin typeface="Times New Roman" panose="02020603050405020304" pitchFamily="18" charset="0"/>
+                <a:cs typeface="Times New Roman" panose="02020603050405020304" pitchFamily="18" charset="0"/>
+              </a:rPr>
+              <a:t> ($x, $y) { …</a:t>
+            </a:r>
+            <a:r>
+              <a:rPr lang="en-US" sz="2400" dirty="0">
+                <a:solidFill>
+                  <a:schemeClr val="tx1"/>
+                </a:solidFill>
+                <a:latin typeface="Times New Roman" panose="02020603050405020304" pitchFamily="18" charset="0"/>
+                <a:cs typeface="Times New Roman" panose="02020603050405020304" pitchFamily="18" charset="0"/>
+              </a:rPr>
+              <a:t>	</a:t>
+            </a:r>
+          </a:p>
+          <a:p>
+            <a:pPr marL="447675" lvl="1" indent="0" algn="just">
+              <a:buNone/>
+            </a:pPr>
+            <a:r>
+              <a:rPr lang="en-US" sz="2400" b="1" dirty="0">
+                <a:solidFill>
+                  <a:schemeClr val="tx1"/>
+                </a:solidFill>
+                <a:latin typeface="Times New Roman" panose="02020603050405020304" pitchFamily="18" charset="0"/>
+                <a:cs typeface="Times New Roman" panose="02020603050405020304" pitchFamily="18" charset="0"/>
+              </a:rPr>
+              <a:t>try</a:t>
+            </a:r>
+            <a:r>
+              <a:rPr lang="en-US" sz="2400" dirty="0">
+                <a:solidFill>
+                  <a:schemeClr val="tx1"/>
+                </a:solidFill>
+                <a:latin typeface="Times New Roman" panose="02020603050405020304" pitchFamily="18" charset="0"/>
+                <a:cs typeface="Times New Roman" panose="02020603050405020304" pitchFamily="18" charset="0"/>
+              </a:rPr>
+              <a:t> {</a:t>
+            </a:r>
+          </a:p>
+          <a:p>
+            <a:pPr marL="891540" lvl="2" indent="0" algn="just">
+              <a:buNone/>
+            </a:pPr>
+            <a:r>
+              <a:rPr lang="en-US" sz="2400" dirty="0">
+                <a:solidFill>
+                  <a:schemeClr val="tx1"/>
+                </a:solidFill>
+                <a:latin typeface="Times New Roman" panose="02020603050405020304" pitchFamily="18" charset="0"/>
+                <a:cs typeface="Times New Roman" panose="02020603050405020304" pitchFamily="18" charset="0"/>
+              </a:rPr>
+              <a:t>  </a:t>
+            </a:r>
+            <a:r>
+              <a:rPr lang="en-US" sz="2400" b="1" dirty="0">
+                <a:solidFill>
+                  <a:schemeClr val="tx1"/>
+                </a:solidFill>
+                <a:latin typeface="Times New Roman" panose="02020603050405020304" pitchFamily="18" charset="0"/>
+                <a:cs typeface="Times New Roman" panose="02020603050405020304" pitchFamily="18" charset="0"/>
+              </a:rPr>
+              <a:t>echo</a:t>
+            </a:r>
+            <a:r>
+              <a:rPr lang="en-US" sz="2400" dirty="0">
+                <a:solidFill>
+                  <a:schemeClr val="tx1"/>
+                </a:solidFill>
+                <a:latin typeface="Times New Roman" panose="02020603050405020304" pitchFamily="18" charset="0"/>
+                <a:cs typeface="Times New Roman" panose="02020603050405020304" pitchFamily="18" charset="0"/>
+              </a:rPr>
+              <a:t> </a:t>
+            </a:r>
+            <a:r>
+              <a:rPr lang="en-US" sz="2400" dirty="0" err="1">
+                <a:solidFill>
+                  <a:schemeClr val="tx1"/>
+                </a:solidFill>
+                <a:latin typeface="Times New Roman" panose="02020603050405020304" pitchFamily="18" charset="0"/>
+                <a:cs typeface="Times New Roman" panose="02020603050405020304" pitchFamily="18" charset="0"/>
+              </a:rPr>
+              <a:t>dividir</a:t>
+            </a:r>
+            <a:r>
+              <a:rPr lang="en-US" sz="2400" dirty="0">
+                <a:solidFill>
+                  <a:schemeClr val="tx1"/>
+                </a:solidFill>
+                <a:latin typeface="Times New Roman" panose="02020603050405020304" pitchFamily="18" charset="0"/>
+                <a:cs typeface="Times New Roman" panose="02020603050405020304" pitchFamily="18" charset="0"/>
+              </a:rPr>
+              <a:t>(10, 2) . "&lt;</a:t>
+            </a:r>
+            <a:r>
+              <a:rPr lang="en-US" sz="2400" dirty="0" err="1">
+                <a:solidFill>
+                  <a:schemeClr val="tx1"/>
+                </a:solidFill>
+                <a:latin typeface="Times New Roman" panose="02020603050405020304" pitchFamily="18" charset="0"/>
+                <a:cs typeface="Times New Roman" panose="02020603050405020304" pitchFamily="18" charset="0"/>
+              </a:rPr>
+              <a:t>br</a:t>
+            </a:r>
+            <a:r>
+              <a:rPr lang="en-US" sz="2400" dirty="0">
+                <a:solidFill>
+                  <a:schemeClr val="tx1"/>
+                </a:solidFill>
+                <a:latin typeface="Times New Roman" panose="02020603050405020304" pitchFamily="18" charset="0"/>
+                <a:cs typeface="Times New Roman" panose="02020603050405020304" pitchFamily="18" charset="0"/>
+              </a:rPr>
+              <a:t>/&gt;";</a:t>
+            </a:r>
+          </a:p>
+          <a:p>
+            <a:pPr marL="891540" lvl="2" indent="0" algn="just">
+              <a:buNone/>
+            </a:pPr>
+            <a:r>
+              <a:rPr lang="en-US" sz="2400" dirty="0">
+                <a:solidFill>
+                  <a:schemeClr val="tx1"/>
+                </a:solidFill>
+                <a:latin typeface="Times New Roman" panose="02020603050405020304" pitchFamily="18" charset="0"/>
+                <a:cs typeface="Times New Roman" panose="02020603050405020304" pitchFamily="18" charset="0"/>
+              </a:rPr>
+              <a:t>  </a:t>
+            </a:r>
+            <a:r>
+              <a:rPr lang="en-US" sz="2400" b="1" dirty="0">
+                <a:solidFill>
+                  <a:schemeClr val="tx1"/>
+                </a:solidFill>
+                <a:latin typeface="Times New Roman" panose="02020603050405020304" pitchFamily="18" charset="0"/>
+                <a:cs typeface="Times New Roman" panose="02020603050405020304" pitchFamily="18" charset="0"/>
+              </a:rPr>
+              <a:t>echo</a:t>
+            </a:r>
+            <a:r>
+              <a:rPr lang="en-US" sz="2400" dirty="0">
+                <a:solidFill>
+                  <a:schemeClr val="tx1"/>
+                </a:solidFill>
+                <a:latin typeface="Times New Roman" panose="02020603050405020304" pitchFamily="18" charset="0"/>
+                <a:cs typeface="Times New Roman" panose="02020603050405020304" pitchFamily="18" charset="0"/>
+              </a:rPr>
+              <a:t> </a:t>
+            </a:r>
+            <a:r>
+              <a:rPr lang="en-US" sz="2400" dirty="0" err="1">
+                <a:solidFill>
+                  <a:schemeClr val="tx1"/>
+                </a:solidFill>
+                <a:latin typeface="Times New Roman" panose="02020603050405020304" pitchFamily="18" charset="0"/>
+                <a:cs typeface="Times New Roman" panose="02020603050405020304" pitchFamily="18" charset="0"/>
+              </a:rPr>
+              <a:t>dividir</a:t>
+            </a:r>
+            <a:r>
+              <a:rPr lang="en-US" sz="2400" dirty="0">
+                <a:solidFill>
+                  <a:schemeClr val="tx1"/>
+                </a:solidFill>
+                <a:latin typeface="Times New Roman" panose="02020603050405020304" pitchFamily="18" charset="0"/>
+                <a:cs typeface="Times New Roman" panose="02020603050405020304" pitchFamily="18" charset="0"/>
+              </a:rPr>
+              <a:t>(5, 0) . "&lt;</a:t>
+            </a:r>
+            <a:r>
+              <a:rPr lang="en-US" sz="2400" dirty="0" err="1">
+                <a:solidFill>
+                  <a:schemeClr val="tx1"/>
+                </a:solidFill>
+                <a:latin typeface="Times New Roman" panose="02020603050405020304" pitchFamily="18" charset="0"/>
+                <a:cs typeface="Times New Roman" panose="02020603050405020304" pitchFamily="18" charset="0"/>
+              </a:rPr>
+              <a:t>br</a:t>
+            </a:r>
+            <a:r>
+              <a:rPr lang="en-US" sz="2400" dirty="0">
+                <a:solidFill>
+                  <a:schemeClr val="tx1"/>
+                </a:solidFill>
+                <a:latin typeface="Times New Roman" panose="02020603050405020304" pitchFamily="18" charset="0"/>
+                <a:cs typeface="Times New Roman" panose="02020603050405020304" pitchFamily="18" charset="0"/>
+              </a:rPr>
+              <a:t>/&gt;";</a:t>
+            </a:r>
+          </a:p>
+          <a:p>
+            <a:pPr marL="447675" lvl="1" indent="0" algn="just">
+              <a:buNone/>
+            </a:pPr>
+            <a:r>
+              <a:rPr lang="en-US" sz="2400" dirty="0">
+                <a:solidFill>
+                  <a:schemeClr val="tx1"/>
+                </a:solidFill>
+                <a:latin typeface="Times New Roman" panose="02020603050405020304" pitchFamily="18" charset="0"/>
+                <a:cs typeface="Times New Roman" panose="02020603050405020304" pitchFamily="18" charset="0"/>
+              </a:rPr>
+              <a:t>} </a:t>
+            </a:r>
+            <a:r>
+              <a:rPr lang="en-US" sz="2400" b="1" dirty="0">
+                <a:solidFill>
+                  <a:schemeClr val="tx1"/>
+                </a:solidFill>
+                <a:latin typeface="Times New Roman" panose="02020603050405020304" pitchFamily="18" charset="0"/>
+                <a:cs typeface="Times New Roman" panose="02020603050405020304" pitchFamily="18" charset="0"/>
+              </a:rPr>
+              <a:t>catch</a:t>
+            </a:r>
+            <a:r>
+              <a:rPr lang="en-US" sz="2400" dirty="0">
+                <a:solidFill>
+                  <a:schemeClr val="tx1"/>
+                </a:solidFill>
+                <a:latin typeface="Times New Roman" panose="02020603050405020304" pitchFamily="18" charset="0"/>
+                <a:cs typeface="Times New Roman" panose="02020603050405020304" pitchFamily="18" charset="0"/>
+              </a:rPr>
+              <a:t> (</a:t>
+            </a:r>
+            <a:r>
+              <a:rPr lang="en-US" sz="2400" b="1" dirty="0">
+                <a:solidFill>
+                  <a:srgbClr val="FF0000"/>
+                </a:solidFill>
+                <a:latin typeface="Times New Roman" panose="02020603050405020304" pitchFamily="18" charset="0"/>
+                <a:cs typeface="Times New Roman" panose="02020603050405020304" pitchFamily="18" charset="0"/>
+              </a:rPr>
+              <a:t>Exception $e</a:t>
+            </a:r>
+            <a:r>
+              <a:rPr lang="en-US" sz="2400" dirty="0">
+                <a:solidFill>
+                  <a:schemeClr val="tx1"/>
+                </a:solidFill>
+                <a:latin typeface="Times New Roman" panose="02020603050405020304" pitchFamily="18" charset="0"/>
+                <a:cs typeface="Times New Roman" panose="02020603050405020304" pitchFamily="18" charset="0"/>
+              </a:rPr>
+              <a:t>) {</a:t>
+            </a:r>
+          </a:p>
+          <a:p>
+            <a:pPr marL="447675" lvl="1" indent="0" algn="just">
+              <a:buNone/>
+            </a:pPr>
+            <a:r>
+              <a:rPr lang="en-US" sz="2400" dirty="0">
+                <a:solidFill>
+                  <a:schemeClr val="tx1"/>
+                </a:solidFill>
+                <a:latin typeface="Times New Roman" panose="02020603050405020304" pitchFamily="18" charset="0"/>
+                <a:cs typeface="Times New Roman" panose="02020603050405020304" pitchFamily="18" charset="0"/>
+              </a:rPr>
+              <a:t>  	</a:t>
+            </a:r>
+            <a:r>
+              <a:rPr lang="en-US" sz="2400" b="1" dirty="0">
+                <a:solidFill>
+                  <a:schemeClr val="tx1"/>
+                </a:solidFill>
+                <a:latin typeface="Times New Roman" panose="02020603050405020304" pitchFamily="18" charset="0"/>
+                <a:cs typeface="Times New Roman" panose="02020603050405020304" pitchFamily="18" charset="0"/>
+              </a:rPr>
+              <a:t>echo</a:t>
+            </a:r>
+            <a:r>
+              <a:rPr lang="en-US" sz="2400" dirty="0">
+                <a:solidFill>
+                  <a:schemeClr val="tx1"/>
+                </a:solidFill>
+                <a:latin typeface="Times New Roman" panose="02020603050405020304" pitchFamily="18" charset="0"/>
+                <a:cs typeface="Times New Roman" panose="02020603050405020304" pitchFamily="18" charset="0"/>
+              </a:rPr>
+              <a:t> '</a:t>
+            </a:r>
+            <a:r>
+              <a:rPr lang="en-US" sz="2400" dirty="0" err="1">
+                <a:solidFill>
+                  <a:schemeClr val="tx1"/>
+                </a:solidFill>
+                <a:latin typeface="Times New Roman" panose="02020603050405020304" pitchFamily="18" charset="0"/>
+                <a:cs typeface="Times New Roman" panose="02020603050405020304" pitchFamily="18" charset="0"/>
+              </a:rPr>
+              <a:t>Exceção</a:t>
+            </a:r>
+            <a:r>
+              <a:rPr lang="en-US" sz="2400" dirty="0">
+                <a:solidFill>
+                  <a:schemeClr val="tx1"/>
+                </a:solidFill>
+                <a:latin typeface="Times New Roman" panose="02020603050405020304" pitchFamily="18" charset="0"/>
+                <a:cs typeface="Times New Roman" panose="02020603050405020304" pitchFamily="18" charset="0"/>
+              </a:rPr>
+              <a:t> </a:t>
+            </a:r>
+            <a:r>
+              <a:rPr lang="en-US" sz="2400" dirty="0" err="1">
+                <a:solidFill>
+                  <a:schemeClr val="tx1"/>
+                </a:solidFill>
+                <a:latin typeface="Times New Roman" panose="02020603050405020304" pitchFamily="18" charset="0"/>
+                <a:cs typeface="Times New Roman" panose="02020603050405020304" pitchFamily="18" charset="0"/>
+              </a:rPr>
+              <a:t>capturada</a:t>
+            </a:r>
+            <a:r>
+              <a:rPr lang="en-US" sz="2400" dirty="0">
+                <a:solidFill>
+                  <a:schemeClr val="tx1"/>
+                </a:solidFill>
+                <a:latin typeface="Times New Roman" panose="02020603050405020304" pitchFamily="18" charset="0"/>
+                <a:cs typeface="Times New Roman" panose="02020603050405020304" pitchFamily="18" charset="0"/>
+              </a:rPr>
+              <a:t>: ',  $e-&gt;</a:t>
+            </a:r>
+            <a:r>
+              <a:rPr lang="en-US" sz="2400" b="1" dirty="0" err="1">
+                <a:solidFill>
+                  <a:schemeClr val="tx1"/>
+                </a:solidFill>
+                <a:latin typeface="Times New Roman" panose="02020603050405020304" pitchFamily="18" charset="0"/>
+                <a:cs typeface="Times New Roman" panose="02020603050405020304" pitchFamily="18" charset="0"/>
+              </a:rPr>
+              <a:t>getMessage</a:t>
+            </a:r>
+            <a:r>
+              <a:rPr lang="en-US" sz="2400" dirty="0">
+                <a:solidFill>
+                  <a:schemeClr val="tx1"/>
+                </a:solidFill>
+                <a:latin typeface="Times New Roman" panose="02020603050405020304" pitchFamily="18" charset="0"/>
+                <a:cs typeface="Times New Roman" panose="02020603050405020304" pitchFamily="18" charset="0"/>
+              </a:rPr>
+              <a:t>(), "\n";</a:t>
+            </a:r>
+          </a:p>
+          <a:p>
+            <a:pPr marL="447675" lvl="1" indent="0" algn="just">
+              <a:buNone/>
+            </a:pPr>
+            <a:r>
+              <a:rPr lang="en-US" sz="2400" dirty="0">
+                <a:solidFill>
+                  <a:schemeClr val="tx1"/>
+                </a:solidFill>
+                <a:latin typeface="Times New Roman" panose="02020603050405020304" pitchFamily="18" charset="0"/>
+                <a:cs typeface="Times New Roman" panose="02020603050405020304" pitchFamily="18" charset="0"/>
+              </a:rPr>
+              <a:t>} </a:t>
+            </a:r>
+            <a:r>
+              <a:rPr lang="en-US" sz="2400" b="1" dirty="0">
+                <a:solidFill>
+                  <a:srgbClr val="FF0000"/>
+                </a:solidFill>
+                <a:latin typeface="Times New Roman" panose="02020603050405020304" pitchFamily="18" charset="0"/>
+                <a:cs typeface="Times New Roman" panose="02020603050405020304" pitchFamily="18" charset="0"/>
+              </a:rPr>
+              <a:t>finally</a:t>
+            </a:r>
+            <a:r>
+              <a:rPr lang="en-US" sz="2400" dirty="0">
+                <a:solidFill>
+                  <a:schemeClr val="tx1"/>
+                </a:solidFill>
+                <a:latin typeface="Times New Roman" panose="02020603050405020304" pitchFamily="18" charset="0"/>
+                <a:cs typeface="Times New Roman" panose="02020603050405020304" pitchFamily="18" charset="0"/>
+              </a:rPr>
+              <a:t> {</a:t>
+            </a:r>
+          </a:p>
+          <a:p>
+            <a:pPr marL="447675" lvl="1" indent="0" algn="just">
+              <a:buNone/>
+            </a:pPr>
+            <a:r>
+              <a:rPr lang="en-US" sz="2400" dirty="0">
+                <a:solidFill>
+                  <a:schemeClr val="tx1"/>
+                </a:solidFill>
+                <a:latin typeface="Times New Roman" panose="02020603050405020304" pitchFamily="18" charset="0"/>
+                <a:cs typeface="Times New Roman" panose="02020603050405020304" pitchFamily="18" charset="0"/>
+              </a:rPr>
+              <a:t>  	</a:t>
+            </a:r>
+            <a:r>
+              <a:rPr lang="en-US" sz="2400" b="1" dirty="0">
+                <a:solidFill>
+                  <a:schemeClr val="tx1"/>
+                </a:solidFill>
+                <a:latin typeface="Times New Roman" panose="02020603050405020304" pitchFamily="18" charset="0"/>
+                <a:cs typeface="Times New Roman" panose="02020603050405020304" pitchFamily="18" charset="0"/>
+              </a:rPr>
+              <a:t>echo</a:t>
+            </a:r>
+            <a:r>
+              <a:rPr lang="en-US" sz="2400" dirty="0">
+                <a:solidFill>
+                  <a:schemeClr val="tx1"/>
+                </a:solidFill>
+                <a:latin typeface="Times New Roman" panose="02020603050405020304" pitchFamily="18" charset="0"/>
+                <a:cs typeface="Times New Roman" panose="02020603050405020304" pitchFamily="18" charset="0"/>
+              </a:rPr>
+              <a:t> "&lt;</a:t>
+            </a:r>
+            <a:r>
+              <a:rPr lang="en-US" sz="2400" dirty="0" err="1">
+                <a:solidFill>
+                  <a:schemeClr val="tx1"/>
+                </a:solidFill>
+                <a:latin typeface="Times New Roman" panose="02020603050405020304" pitchFamily="18" charset="0"/>
+                <a:cs typeface="Times New Roman" panose="02020603050405020304" pitchFamily="18" charset="0"/>
+              </a:rPr>
+              <a:t>br</a:t>
+            </a:r>
+            <a:r>
+              <a:rPr lang="en-US" sz="2400" dirty="0">
+                <a:solidFill>
+                  <a:schemeClr val="tx1"/>
+                </a:solidFill>
+                <a:latin typeface="Times New Roman" panose="02020603050405020304" pitchFamily="18" charset="0"/>
+                <a:cs typeface="Times New Roman" panose="02020603050405020304" pitchFamily="18" charset="0"/>
+              </a:rPr>
+              <a:t>&gt; </a:t>
+            </a:r>
+            <a:r>
+              <a:rPr lang="en-US" sz="2400" dirty="0" err="1">
+                <a:solidFill>
+                  <a:schemeClr val="tx1"/>
+                </a:solidFill>
+                <a:latin typeface="Times New Roman" panose="02020603050405020304" pitchFamily="18" charset="0"/>
+                <a:cs typeface="Times New Roman" panose="02020603050405020304" pitchFamily="18" charset="0"/>
+              </a:rPr>
+              <a:t>Finalizado</a:t>
+            </a:r>
+            <a:r>
+              <a:rPr lang="en-US" sz="2400" dirty="0">
+                <a:solidFill>
+                  <a:schemeClr val="tx1"/>
+                </a:solidFill>
+                <a:latin typeface="Times New Roman" panose="02020603050405020304" pitchFamily="18" charset="0"/>
+                <a:cs typeface="Times New Roman" panose="02020603050405020304" pitchFamily="18" charset="0"/>
+              </a:rPr>
+              <a:t>.";</a:t>
+            </a:r>
+          </a:p>
+          <a:p>
+            <a:pPr marL="447675" lvl="1" indent="0" algn="just">
+              <a:buNone/>
+            </a:pPr>
+            <a:r>
+              <a:rPr lang="en-US" sz="2400" dirty="0">
+                <a:solidFill>
+                  <a:schemeClr val="tx1"/>
+                </a:solidFill>
+                <a:latin typeface="Times New Roman" panose="02020603050405020304" pitchFamily="18" charset="0"/>
+                <a:cs typeface="Times New Roman" panose="02020603050405020304" pitchFamily="18" charset="0"/>
+              </a:rPr>
+              <a:t>}</a:t>
+            </a:r>
           </a:p>
         </p:txBody>
       </p:sp>
     </p:spTree>
     <p:extLst>
       <p:ext uri="{BB962C8B-B14F-4D97-AF65-F5344CB8AC3E}">
-        <p14:creationId xmlns:p14="http://schemas.microsoft.com/office/powerpoint/2010/main" val="76520187"/>
+        <p14:creationId xmlns:p14="http://schemas.microsoft.com/office/powerpoint/2010/main" val="3482042555"/>
       </p:ext>
     </p:extLst>
   </p:cSld>
@@ -30132,11 +31674,14 @@
               </a:rPr>
               <a:t>Exceção</a:t>
             </a:r>
-            <a:endParaRPr lang="en-US" b="1" dirty="0">
-              <a:solidFill>
-                <a:srgbClr val="0070C0"/>
-              </a:solidFill>
-            </a:endParaRPr>
+            <a:r>
+              <a:rPr lang="en-US" b="1" dirty="0">
+                <a:solidFill>
+                  <a:srgbClr val="0070C0"/>
+                </a:solidFill>
+              </a:rPr>
+              <a:t> Try</a:t>
+            </a:r>
           </a:p>
         </p:txBody>
       </p:sp>
@@ -30152,8 +31697,8 @@
         </p:nvSpPr>
         <p:spPr>
           <a:xfrm>
-            <a:off x="142865" y="1037312"/>
-            <a:ext cx="8865056" cy="3900208"/>
+            <a:off x="142865" y="1037311"/>
+            <a:ext cx="8865056" cy="3973099"/>
           </a:xfrm>
         </p:spPr>
         <p:txBody>
@@ -30166,16 +31711,76 @@
               <a:buNone/>
             </a:pPr>
             <a:r>
-              <a:rPr lang="pt-BR" sz="2400" dirty="0">
-                <a:solidFill>
-                  <a:schemeClr val="tx1"/>
-                </a:solidFill>
-                <a:latin typeface="Times New Roman" panose="02020603050405020304" pitchFamily="18" charset="0"/>
-                <a:cs typeface="Times New Roman" panose="02020603050405020304" pitchFamily="18" charset="0"/>
-              </a:rPr>
-              <a:t>1. </a:t>
-            </a:r>
-            <a:endParaRPr lang="pt-BR" sz="2400" b="1" dirty="0">
+              <a:rPr lang="pt-BR" sz="2400" b="1" dirty="0">
+                <a:solidFill>
+                  <a:srgbClr val="FF0000"/>
+                </a:solidFill>
+                <a:latin typeface="Times New Roman" panose="02020603050405020304" pitchFamily="18" charset="0"/>
+                <a:cs typeface="Times New Roman" panose="02020603050405020304" pitchFamily="18" charset="0"/>
+              </a:rPr>
+              <a:t>Exemplo 3</a:t>
+            </a:r>
+            <a:r>
+              <a:rPr lang="pt-BR" sz="2400" dirty="0">
+                <a:solidFill>
+                  <a:schemeClr val="tx1"/>
+                </a:solidFill>
+                <a:latin typeface="Times New Roman" panose="02020603050405020304" pitchFamily="18" charset="0"/>
+                <a:cs typeface="Times New Roman" panose="02020603050405020304" pitchFamily="18" charset="0"/>
+              </a:rPr>
+              <a:t>: </a:t>
+            </a:r>
+            <a:r>
+              <a:rPr lang="en-US" sz="2400" b="1" dirty="0">
+                <a:solidFill>
+                  <a:schemeClr val="tx1"/>
+                </a:solidFill>
+                <a:latin typeface="Times New Roman" panose="02020603050405020304" pitchFamily="18" charset="0"/>
+                <a:cs typeface="Times New Roman" panose="02020603050405020304" pitchFamily="18" charset="0"/>
+              </a:rPr>
+              <a:t>&lt;?</a:t>
+            </a:r>
+            <a:r>
+              <a:rPr lang="en-US" sz="2400" b="1" dirty="0" err="1">
+                <a:solidFill>
+                  <a:schemeClr val="tx1"/>
+                </a:solidFill>
+                <a:latin typeface="Times New Roman" panose="02020603050405020304" pitchFamily="18" charset="0"/>
+                <a:cs typeface="Times New Roman" panose="02020603050405020304" pitchFamily="18" charset="0"/>
+              </a:rPr>
+              <a:t>php</a:t>
+            </a:r>
+            <a:r>
+              <a:rPr lang="en-US" sz="2400" b="1" dirty="0">
+                <a:solidFill>
+                  <a:schemeClr val="tx1"/>
+                </a:solidFill>
+                <a:latin typeface="Times New Roman" panose="02020603050405020304" pitchFamily="18" charset="0"/>
+                <a:cs typeface="Times New Roman" panose="02020603050405020304" pitchFamily="18" charset="0"/>
+              </a:rPr>
+              <a:t> function </a:t>
+            </a:r>
+            <a:r>
+              <a:rPr lang="en-US" sz="2400" b="1" dirty="0" err="1">
+                <a:solidFill>
+                  <a:schemeClr val="tx1"/>
+                </a:solidFill>
+                <a:latin typeface="Times New Roman" panose="02020603050405020304" pitchFamily="18" charset="0"/>
+                <a:cs typeface="Times New Roman" panose="02020603050405020304" pitchFamily="18" charset="0"/>
+              </a:rPr>
+              <a:t>dividir</a:t>
+            </a:r>
+            <a:r>
+              <a:rPr lang="en-US" sz="2400" b="1" dirty="0">
+                <a:solidFill>
+                  <a:schemeClr val="tx1"/>
+                </a:solidFill>
+                <a:latin typeface="Times New Roman" panose="02020603050405020304" pitchFamily="18" charset="0"/>
+                <a:cs typeface="Times New Roman" panose="02020603050405020304" pitchFamily="18" charset="0"/>
+              </a:rPr>
+              <a:t> ($x, $y) { …</a:t>
+            </a:r>
+            <a:endParaRPr lang="en-US" sz="2400" dirty="0">
               <a:solidFill>
                 <a:schemeClr val="tx1"/>
               </a:solidFill>
@@ -30184,10 +31789,10 @@
             </a:endParaRPr>
           </a:p>
           <a:p>
-            <a:pPr marL="0" indent="0" algn="just">
-              <a:buNone/>
-            </a:pPr>
-            <a:endParaRPr lang="pt-BR" sz="2400" dirty="0">
+            <a:pPr marL="447675" lvl="1" indent="0" algn="just">
+              <a:buNone/>
+            </a:pPr>
+            <a:endParaRPr lang="en-US" sz="2400" b="1" dirty="0">
               <a:solidFill>
                 <a:schemeClr val="tx1"/>
               </a:solidFill>
@@ -30195,12 +31800,237 @@
               <a:cs typeface="Times New Roman" panose="02020603050405020304" pitchFamily="18" charset="0"/>
             </a:endParaRPr>
           </a:p>
+          <a:p>
+            <a:pPr marL="447675" lvl="1" indent="0" algn="just">
+              <a:buNone/>
+            </a:pPr>
+            <a:r>
+              <a:rPr lang="en-US" sz="2400" b="1" dirty="0">
+                <a:solidFill>
+                  <a:schemeClr val="tx1"/>
+                </a:solidFill>
+                <a:latin typeface="Times New Roman" panose="02020603050405020304" pitchFamily="18" charset="0"/>
+                <a:cs typeface="Times New Roman" panose="02020603050405020304" pitchFamily="18" charset="0"/>
+              </a:rPr>
+              <a:t>try</a:t>
+            </a:r>
+            <a:r>
+              <a:rPr lang="en-US" sz="2400" dirty="0">
+                <a:solidFill>
+                  <a:schemeClr val="tx1"/>
+                </a:solidFill>
+                <a:latin typeface="Times New Roman" panose="02020603050405020304" pitchFamily="18" charset="0"/>
+                <a:cs typeface="Times New Roman" panose="02020603050405020304" pitchFamily="18" charset="0"/>
+              </a:rPr>
+              <a:t> {</a:t>
+            </a:r>
+          </a:p>
+          <a:p>
+            <a:pPr marL="891540" lvl="2" indent="0" algn="just">
+              <a:buNone/>
+            </a:pPr>
+            <a:r>
+              <a:rPr lang="en-US" sz="2400" dirty="0">
+                <a:solidFill>
+                  <a:schemeClr val="tx1"/>
+                </a:solidFill>
+                <a:latin typeface="Times New Roman" panose="02020603050405020304" pitchFamily="18" charset="0"/>
+                <a:cs typeface="Times New Roman" panose="02020603050405020304" pitchFamily="18" charset="0"/>
+              </a:rPr>
+              <a:t>  </a:t>
+            </a:r>
+            <a:r>
+              <a:rPr lang="en-US" sz="2400" b="1" dirty="0">
+                <a:solidFill>
+                  <a:schemeClr val="tx1"/>
+                </a:solidFill>
+                <a:latin typeface="Times New Roman" panose="02020603050405020304" pitchFamily="18" charset="0"/>
+                <a:cs typeface="Times New Roman" panose="02020603050405020304" pitchFamily="18" charset="0"/>
+              </a:rPr>
+              <a:t>echo</a:t>
+            </a:r>
+            <a:r>
+              <a:rPr lang="en-US" sz="2400" dirty="0">
+                <a:solidFill>
+                  <a:schemeClr val="tx1"/>
+                </a:solidFill>
+                <a:latin typeface="Times New Roman" panose="02020603050405020304" pitchFamily="18" charset="0"/>
+                <a:cs typeface="Times New Roman" panose="02020603050405020304" pitchFamily="18" charset="0"/>
+              </a:rPr>
+              <a:t> </a:t>
+            </a:r>
+            <a:r>
+              <a:rPr lang="en-US" sz="2400" dirty="0" err="1">
+                <a:solidFill>
+                  <a:schemeClr val="tx1"/>
+                </a:solidFill>
+                <a:latin typeface="Times New Roman" panose="02020603050405020304" pitchFamily="18" charset="0"/>
+                <a:cs typeface="Times New Roman" panose="02020603050405020304" pitchFamily="18" charset="0"/>
+              </a:rPr>
+              <a:t>dividir</a:t>
+            </a:r>
+            <a:r>
+              <a:rPr lang="en-US" sz="2400" dirty="0">
+                <a:solidFill>
+                  <a:schemeClr val="tx1"/>
+                </a:solidFill>
+                <a:latin typeface="Times New Roman" panose="02020603050405020304" pitchFamily="18" charset="0"/>
+                <a:cs typeface="Times New Roman" panose="02020603050405020304" pitchFamily="18" charset="0"/>
+              </a:rPr>
+              <a:t>(10, 2) . "&lt;</a:t>
+            </a:r>
+            <a:r>
+              <a:rPr lang="en-US" sz="2400" dirty="0" err="1">
+                <a:solidFill>
+                  <a:schemeClr val="tx1"/>
+                </a:solidFill>
+                <a:latin typeface="Times New Roman" panose="02020603050405020304" pitchFamily="18" charset="0"/>
+                <a:cs typeface="Times New Roman" panose="02020603050405020304" pitchFamily="18" charset="0"/>
+              </a:rPr>
+              <a:t>br</a:t>
+            </a:r>
+            <a:r>
+              <a:rPr lang="en-US" sz="2400" dirty="0">
+                <a:solidFill>
+                  <a:schemeClr val="tx1"/>
+                </a:solidFill>
+                <a:latin typeface="Times New Roman" panose="02020603050405020304" pitchFamily="18" charset="0"/>
+                <a:cs typeface="Times New Roman" panose="02020603050405020304" pitchFamily="18" charset="0"/>
+              </a:rPr>
+              <a:t>/&gt;";</a:t>
+            </a:r>
+          </a:p>
+          <a:p>
+            <a:pPr marL="447675" lvl="1" indent="0" algn="just">
+              <a:buNone/>
+            </a:pPr>
+            <a:r>
+              <a:rPr lang="en-US" sz="2400" dirty="0">
+                <a:solidFill>
+                  <a:schemeClr val="tx1"/>
+                </a:solidFill>
+                <a:latin typeface="Times New Roman" panose="02020603050405020304" pitchFamily="18" charset="0"/>
+                <a:cs typeface="Times New Roman" panose="02020603050405020304" pitchFamily="18" charset="0"/>
+              </a:rPr>
+              <a:t>} </a:t>
+            </a:r>
+            <a:r>
+              <a:rPr lang="en-US" sz="2400" b="1" dirty="0">
+                <a:solidFill>
+                  <a:srgbClr val="FF0000"/>
+                </a:solidFill>
+                <a:latin typeface="Times New Roman" panose="02020603050405020304" pitchFamily="18" charset="0"/>
+                <a:cs typeface="Times New Roman" panose="02020603050405020304" pitchFamily="18" charset="0"/>
+              </a:rPr>
+              <a:t>finally</a:t>
+            </a:r>
+            <a:r>
+              <a:rPr lang="en-US" sz="2400" dirty="0">
+                <a:solidFill>
+                  <a:schemeClr val="tx1"/>
+                </a:solidFill>
+                <a:latin typeface="Times New Roman" panose="02020603050405020304" pitchFamily="18" charset="0"/>
+                <a:cs typeface="Times New Roman" panose="02020603050405020304" pitchFamily="18" charset="0"/>
+              </a:rPr>
+              <a:t> {</a:t>
+            </a:r>
+          </a:p>
+          <a:p>
+            <a:pPr marL="447675" lvl="1" indent="0" algn="just">
+              <a:buNone/>
+            </a:pPr>
+            <a:r>
+              <a:rPr lang="en-US" sz="2400" dirty="0">
+                <a:solidFill>
+                  <a:schemeClr val="tx1"/>
+                </a:solidFill>
+                <a:latin typeface="Times New Roman" panose="02020603050405020304" pitchFamily="18" charset="0"/>
+                <a:cs typeface="Times New Roman" panose="02020603050405020304" pitchFamily="18" charset="0"/>
+              </a:rPr>
+              <a:t>  	</a:t>
+            </a:r>
+            <a:r>
+              <a:rPr lang="en-US" sz="2400" b="1" dirty="0">
+                <a:solidFill>
+                  <a:schemeClr val="tx1"/>
+                </a:solidFill>
+                <a:latin typeface="Times New Roman" panose="02020603050405020304" pitchFamily="18" charset="0"/>
+                <a:cs typeface="Times New Roman" panose="02020603050405020304" pitchFamily="18" charset="0"/>
+              </a:rPr>
+              <a:t>echo</a:t>
+            </a:r>
+            <a:r>
+              <a:rPr lang="en-US" sz="2400" dirty="0">
+                <a:solidFill>
+                  <a:schemeClr val="tx1"/>
+                </a:solidFill>
+                <a:latin typeface="Times New Roman" panose="02020603050405020304" pitchFamily="18" charset="0"/>
+                <a:cs typeface="Times New Roman" panose="02020603050405020304" pitchFamily="18" charset="0"/>
+              </a:rPr>
+              <a:t> "&lt;</a:t>
+            </a:r>
+            <a:r>
+              <a:rPr lang="en-US" sz="2400" dirty="0" err="1">
+                <a:solidFill>
+                  <a:schemeClr val="tx1"/>
+                </a:solidFill>
+                <a:latin typeface="Times New Roman" panose="02020603050405020304" pitchFamily="18" charset="0"/>
+                <a:cs typeface="Times New Roman" panose="02020603050405020304" pitchFamily="18" charset="0"/>
+              </a:rPr>
+              <a:t>br</a:t>
+            </a:r>
+            <a:r>
+              <a:rPr lang="en-US" sz="2400" dirty="0">
+                <a:solidFill>
+                  <a:schemeClr val="tx1"/>
+                </a:solidFill>
+                <a:latin typeface="Times New Roman" panose="02020603050405020304" pitchFamily="18" charset="0"/>
+                <a:cs typeface="Times New Roman" panose="02020603050405020304" pitchFamily="18" charset="0"/>
+              </a:rPr>
+              <a:t>&gt; </a:t>
+            </a:r>
+            <a:r>
+              <a:rPr lang="en-US" sz="2400" dirty="0" err="1">
+                <a:solidFill>
+                  <a:schemeClr val="tx1"/>
+                </a:solidFill>
+                <a:latin typeface="Times New Roman" panose="02020603050405020304" pitchFamily="18" charset="0"/>
+                <a:cs typeface="Times New Roman" panose="02020603050405020304" pitchFamily="18" charset="0"/>
+              </a:rPr>
+              <a:t>Finalizado</a:t>
+            </a:r>
+            <a:r>
+              <a:rPr lang="en-US" sz="2400" dirty="0">
+                <a:solidFill>
+                  <a:schemeClr val="tx1"/>
+                </a:solidFill>
+                <a:latin typeface="Times New Roman" panose="02020603050405020304" pitchFamily="18" charset="0"/>
+                <a:cs typeface="Times New Roman" panose="02020603050405020304" pitchFamily="18" charset="0"/>
+              </a:rPr>
+              <a:t>.";</a:t>
+            </a:r>
+          </a:p>
+          <a:p>
+            <a:pPr marL="447675" lvl="1" indent="0" algn="just">
+              <a:buNone/>
+            </a:pPr>
+            <a:r>
+              <a:rPr lang="en-US" sz="2400" dirty="0">
+                <a:solidFill>
+                  <a:schemeClr val="tx1"/>
+                </a:solidFill>
+                <a:latin typeface="Times New Roman" panose="02020603050405020304" pitchFamily="18" charset="0"/>
+                <a:cs typeface="Times New Roman" panose="02020603050405020304" pitchFamily="18" charset="0"/>
+              </a:rPr>
+              <a:t>}</a:t>
+            </a:r>
+          </a:p>
         </p:txBody>
       </p:sp>
     </p:spTree>
     <p:extLst>
       <p:ext uri="{BB962C8B-B14F-4D97-AF65-F5344CB8AC3E}">
-        <p14:creationId xmlns:p14="http://schemas.microsoft.com/office/powerpoint/2010/main" val="492692185"/>
+        <p14:creationId xmlns:p14="http://schemas.microsoft.com/office/powerpoint/2010/main" val="2195592077"/>
       </p:ext>
     </p:extLst>
   </p:cSld>
@@ -30251,34 +32081,13 @@
           <a:lstStyle/>
           <a:p>
             <a:r>
-              <a:rPr lang="en-US" b="1" dirty="0" err="1">
+              <a:rPr lang="en-US" b="1" dirty="0">
                 <a:solidFill>
                   <a:srgbClr val="0070C0"/>
                 </a:solidFill>
               </a:rPr>
-              <a:t>Leitura</a:t>
-            </a:r>
-            <a:r>
-              <a:rPr lang="en-US" b="1" dirty="0">
-                <a:solidFill>
-                  <a:srgbClr val="0070C0"/>
-                </a:solidFill>
-              </a:rPr>
-              <a:t> </a:t>
-            </a:r>
-            <a:r>
-              <a:rPr lang="en-US" b="1" dirty="0" err="1">
-                <a:solidFill>
-                  <a:srgbClr val="0070C0"/>
-                </a:solidFill>
-              </a:rPr>
-              <a:t>Específica</a:t>
-            </a:r>
-            <a:endParaRPr lang="en-US" b="1" dirty="0">
-              <a:solidFill>
-                <a:srgbClr val="0070C0"/>
-              </a:solidFill>
-            </a:endParaRPr>
+              <a:t>PHP – Namespaces</a:t>
+            </a:r>
           </a:p>
         </p:txBody>
       </p:sp>
@@ -30294,8 +32103,8 @@
         </p:nvSpPr>
         <p:spPr>
           <a:xfrm>
-            <a:off x="142865" y="1012261"/>
-            <a:ext cx="8865056" cy="3835312"/>
+            <a:off x="142865" y="1037312"/>
+            <a:ext cx="8865056" cy="3900208"/>
           </a:xfrm>
         </p:spPr>
         <p:txBody>
@@ -30307,7 +32116,25 @@
             <a:pPr marL="0" indent="0" algn="just">
               <a:buNone/>
             </a:pPr>
-            <a:endParaRPr lang="pt-BR" sz="2000" dirty="0">
+            <a:r>
+              <a:rPr lang="pt-BR" sz="2100" dirty="0">
+                <a:solidFill>
+                  <a:schemeClr val="tx1"/>
+                </a:solidFill>
+                <a:latin typeface="Times New Roman" panose="02020603050405020304" pitchFamily="18" charset="0"/>
+                <a:cs typeface="Times New Roman" panose="02020603050405020304" pitchFamily="18" charset="0"/>
+              </a:rPr>
+              <a:t>São uma forma de encapsular itens, ou seja, agrupar classes, interfaces, funções e constantes relacionadas.</a:t>
+            </a:r>
+          </a:p>
+          <a:p>
+            <a:pPr marL="0" indent="0" algn="just">
+              <a:buNone/>
+            </a:pPr>
+            <a:endParaRPr lang="pt-BR" sz="2100" b="1" dirty="0">
+              <a:solidFill>
+                <a:srgbClr val="FF0000"/>
+              </a:solidFill>
               <a:latin typeface="Times New Roman" panose="02020603050405020304" pitchFamily="18" charset="0"/>
               <a:cs typeface="Times New Roman" panose="02020603050405020304" pitchFamily="18" charset="0"/>
             </a:endParaRPr>
@@ -30317,47 +32144,54 @@
               <a:buNone/>
             </a:pPr>
             <a:r>
-              <a:rPr lang="pt-BR" sz="2000" dirty="0">
-                <a:latin typeface="Times New Roman" panose="02020603050405020304" pitchFamily="18" charset="0"/>
-                <a:cs typeface="Times New Roman" panose="02020603050405020304" pitchFamily="18" charset="0"/>
-              </a:rPr>
-              <a:t>[1] </a:t>
-            </a:r>
-            <a:r>
-              <a:rPr lang="pt-BR" sz="2000" b="1" dirty="0">
-                <a:latin typeface="Times New Roman" panose="02020603050405020304" pitchFamily="18" charset="0"/>
-                <a:cs typeface="Times New Roman" panose="02020603050405020304" pitchFamily="18" charset="0"/>
-              </a:rPr>
-              <a:t>PHP</a:t>
-            </a:r>
-          </a:p>
-          <a:p>
-            <a:pPr marL="0" indent="0" algn="just">
-              <a:buNone/>
-            </a:pPr>
-            <a:r>
-              <a:rPr lang="pt-BR" sz="2000" b="1" dirty="0">
-                <a:latin typeface="Times New Roman" panose="02020603050405020304" pitchFamily="18" charset="0"/>
-                <a:cs typeface="Times New Roman" panose="02020603050405020304" pitchFamily="18" charset="0"/>
-              </a:rPr>
-              <a:t>	Disponível em</a:t>
-            </a:r>
-            <a:r>
-              <a:rPr lang="pt-BR" sz="2000" dirty="0">
-                <a:latin typeface="Times New Roman" panose="02020603050405020304" pitchFamily="18" charset="0"/>
-                <a:cs typeface="Times New Roman" panose="02020603050405020304" pitchFamily="18" charset="0"/>
-              </a:rPr>
-              <a:t>: </a:t>
-            </a:r>
-            <a:r>
-              <a:rPr lang="pt-BR" sz="2000" dirty="0">
-                <a:latin typeface="Times New Roman" panose="02020603050405020304" pitchFamily="18" charset="0"/>
-                <a:cs typeface="Times New Roman" panose="02020603050405020304" pitchFamily="18" charset="0"/>
-                <a:hlinkClick r:id="rId3"/>
-              </a:rPr>
-              <a:t>https://www.php.net/</a:t>
-            </a:r>
-            <a:endParaRPr lang="pt-BR" sz="2000" dirty="0">
+              <a:rPr lang="pt-BR" sz="2100" b="1" dirty="0" err="1">
+                <a:solidFill>
+                  <a:srgbClr val="FF0000"/>
+                </a:solidFill>
+                <a:latin typeface="Times New Roman" panose="02020603050405020304" pitchFamily="18" charset="0"/>
+                <a:cs typeface="Times New Roman" panose="02020603050405020304" pitchFamily="18" charset="0"/>
+              </a:rPr>
+              <a:t>Namespaces</a:t>
+            </a:r>
+            <a:r>
+              <a:rPr lang="pt-BR" sz="2100" dirty="0">
+                <a:solidFill>
+                  <a:schemeClr val="tx1"/>
+                </a:solidFill>
+                <a:latin typeface="Times New Roman" panose="02020603050405020304" pitchFamily="18" charset="0"/>
+                <a:cs typeface="Times New Roman" panose="02020603050405020304" pitchFamily="18" charset="0"/>
+              </a:rPr>
+              <a:t> são declarados utilizando a palavra-chave </a:t>
+            </a:r>
+            <a:r>
+              <a:rPr lang="pt-BR" sz="2100" b="1" dirty="0" err="1">
+                <a:solidFill>
+                  <a:schemeClr val="tx1"/>
+                </a:solidFill>
+                <a:latin typeface="Times New Roman" panose="02020603050405020304" pitchFamily="18" charset="0"/>
+                <a:cs typeface="Times New Roman" panose="02020603050405020304" pitchFamily="18" charset="0"/>
+              </a:rPr>
+              <a:t>namespace</a:t>
+            </a:r>
+            <a:r>
+              <a:rPr lang="pt-BR" sz="2100" dirty="0">
+                <a:solidFill>
+                  <a:schemeClr val="tx1"/>
+                </a:solidFill>
+                <a:latin typeface="Times New Roman" panose="02020603050405020304" pitchFamily="18" charset="0"/>
+                <a:cs typeface="Times New Roman" panose="02020603050405020304" pitchFamily="18" charset="0"/>
+              </a:rPr>
+              <a:t>. </a:t>
+            </a:r>
+          </a:p>
+          <a:p>
+            <a:pPr marL="0" indent="0" algn="just">
+              <a:buNone/>
+            </a:pPr>
+            <a:endParaRPr lang="pt-BR" sz="2100" dirty="0">
+              <a:solidFill>
+                <a:schemeClr val="tx1"/>
+              </a:solidFill>
               <a:latin typeface="Times New Roman" panose="02020603050405020304" pitchFamily="18" charset="0"/>
               <a:cs typeface="Times New Roman" panose="02020603050405020304" pitchFamily="18" charset="0"/>
             </a:endParaRPr>
@@ -30366,7 +32200,45 @@
             <a:pPr marL="0" indent="0" algn="just">
               <a:buNone/>
             </a:pPr>
-            <a:endParaRPr lang="pt-BR" sz="2000" dirty="0">
+            <a:r>
+              <a:rPr lang="pt-BR" sz="2100" dirty="0">
+                <a:solidFill>
+                  <a:schemeClr val="tx1"/>
+                </a:solidFill>
+                <a:latin typeface="Times New Roman" panose="02020603050405020304" pitchFamily="18" charset="0"/>
+                <a:cs typeface="Times New Roman" panose="02020603050405020304" pitchFamily="18" charset="0"/>
+              </a:rPr>
+              <a:t>Um arquivo que contenha </a:t>
+            </a:r>
+            <a:r>
+              <a:rPr lang="pt-BR" sz="2100" b="1" dirty="0" err="1">
+                <a:solidFill>
+                  <a:schemeClr val="tx1"/>
+                </a:solidFill>
+                <a:latin typeface="Times New Roman" panose="02020603050405020304" pitchFamily="18" charset="0"/>
+                <a:cs typeface="Times New Roman" panose="02020603050405020304" pitchFamily="18" charset="0"/>
+              </a:rPr>
+              <a:t>namespace</a:t>
+            </a:r>
+            <a:r>
+              <a:rPr lang="pt-BR" sz="2100" dirty="0">
+                <a:solidFill>
+                  <a:schemeClr val="tx1"/>
+                </a:solidFill>
+                <a:latin typeface="Times New Roman" panose="02020603050405020304" pitchFamily="18" charset="0"/>
+                <a:cs typeface="Times New Roman" panose="02020603050405020304" pitchFamily="18" charset="0"/>
+              </a:rPr>
+              <a:t> deve realizar a declaração do mesmo logo no inicio, antes de qualquer código.</a:t>
+            </a:r>
+          </a:p>
+          <a:p>
+            <a:pPr marL="0" indent="0" algn="just">
+              <a:buNone/>
+            </a:pPr>
+            <a:endParaRPr lang="pt-BR" sz="2100" dirty="0">
+              <a:solidFill>
+                <a:schemeClr val="tx1"/>
+              </a:solidFill>
               <a:latin typeface="Times New Roman" panose="02020603050405020304" pitchFamily="18" charset="0"/>
               <a:cs typeface="Times New Roman" panose="02020603050405020304" pitchFamily="18" charset="0"/>
             </a:endParaRPr>
@@ -30375,7 +32247,105 @@
             <a:pPr marL="0" indent="0" algn="just">
               <a:buNone/>
             </a:pPr>
-            <a:endParaRPr lang="pt-BR" sz="2000" dirty="0">
+            <a:r>
+              <a:rPr lang="pt-BR" sz="2100" b="1" dirty="0">
+                <a:solidFill>
+                  <a:srgbClr val="FF0000"/>
+                </a:solidFill>
+                <a:latin typeface="Times New Roman" panose="02020603050405020304" pitchFamily="18" charset="0"/>
+                <a:cs typeface="Times New Roman" panose="02020603050405020304" pitchFamily="18" charset="0"/>
+              </a:rPr>
+              <a:t>Exemplo</a:t>
+            </a:r>
+            <a:r>
+              <a:rPr lang="pt-BR" sz="2100" dirty="0">
+                <a:solidFill>
+                  <a:schemeClr val="tx1"/>
+                </a:solidFill>
+                <a:latin typeface="Times New Roman" panose="02020603050405020304" pitchFamily="18" charset="0"/>
+                <a:cs typeface="Times New Roman" panose="02020603050405020304" pitchFamily="18" charset="0"/>
+              </a:rPr>
+              <a:t>: </a:t>
+            </a:r>
+            <a:r>
+              <a:rPr lang="pt-BR" sz="2100" b="1" dirty="0" err="1">
+                <a:solidFill>
+                  <a:schemeClr val="tx1"/>
+                </a:solidFill>
+                <a:latin typeface="Times New Roman" panose="02020603050405020304" pitchFamily="18" charset="0"/>
+                <a:cs typeface="Times New Roman" panose="02020603050405020304" pitchFamily="18" charset="0"/>
+              </a:rPr>
+              <a:t>namespace</a:t>
+            </a:r>
+            <a:r>
+              <a:rPr lang="pt-BR" sz="2100" b="1" dirty="0">
+                <a:solidFill>
+                  <a:schemeClr val="tx1"/>
+                </a:solidFill>
+                <a:latin typeface="Times New Roman" panose="02020603050405020304" pitchFamily="18" charset="0"/>
+                <a:cs typeface="Times New Roman" panose="02020603050405020304" pitchFamily="18" charset="0"/>
+              </a:rPr>
+              <a:t> </a:t>
+            </a:r>
+            <a:r>
+              <a:rPr lang="pt-BR" sz="2100" b="1" dirty="0">
+                <a:solidFill>
+                  <a:srgbClr val="FF0000"/>
+                </a:solidFill>
+                <a:latin typeface="Times New Roman" panose="02020603050405020304" pitchFamily="18" charset="0"/>
+                <a:cs typeface="Times New Roman" panose="02020603050405020304" pitchFamily="18" charset="0"/>
+              </a:rPr>
+              <a:t>Modulo // </a:t>
+            </a:r>
+            <a:r>
+              <a:rPr lang="pt-BR" sz="2100" dirty="0" err="1">
+                <a:solidFill>
+                  <a:srgbClr val="FF0000"/>
+                </a:solidFill>
+                <a:latin typeface="Times New Roman" panose="02020603050405020304" pitchFamily="18" charset="0"/>
+                <a:cs typeface="Times New Roman" panose="02020603050405020304" pitchFamily="18" charset="0"/>
+              </a:rPr>
+              <a:t>namespace</a:t>
+            </a:r>
+            <a:r>
+              <a:rPr lang="pt-BR" sz="2100" dirty="0">
+                <a:solidFill>
+                  <a:srgbClr val="FF0000"/>
+                </a:solidFill>
+                <a:latin typeface="Times New Roman" panose="02020603050405020304" pitchFamily="18" charset="0"/>
+                <a:cs typeface="Times New Roman" panose="02020603050405020304" pitchFamily="18" charset="0"/>
+              </a:rPr>
+              <a:t> alias; </a:t>
+            </a:r>
+            <a:r>
+              <a:rPr lang="pt-BR" sz="2100" b="1" dirty="0">
+                <a:solidFill>
+                  <a:schemeClr val="tx1"/>
+                </a:solidFill>
+                <a:latin typeface="Times New Roman" panose="02020603050405020304" pitchFamily="18" charset="0"/>
+                <a:cs typeface="Times New Roman" panose="02020603050405020304" pitchFamily="18" charset="0"/>
+              </a:rPr>
+              <a:t>use</a:t>
+            </a:r>
+            <a:r>
+              <a:rPr lang="pt-BR" sz="2100" dirty="0">
+                <a:solidFill>
+                  <a:srgbClr val="FF0000"/>
+                </a:solidFill>
+                <a:latin typeface="Times New Roman" panose="02020603050405020304" pitchFamily="18" charset="0"/>
+                <a:cs typeface="Times New Roman" panose="02020603050405020304" pitchFamily="18" charset="0"/>
+              </a:rPr>
+              <a:t> Modulo as M;</a:t>
+            </a:r>
+          </a:p>
+          <a:p>
+            <a:pPr marL="0" indent="0" algn="just">
+              <a:buNone/>
+            </a:pPr>
+            <a:endParaRPr lang="pt-BR" sz="2100" dirty="0">
+              <a:solidFill>
+                <a:schemeClr val="tx1"/>
+              </a:solidFill>
               <a:latin typeface="Times New Roman" panose="02020603050405020304" pitchFamily="18" charset="0"/>
               <a:cs typeface="Times New Roman" panose="02020603050405020304" pitchFamily="18" charset="0"/>
             </a:endParaRPr>
@@ -30384,64 +32354,10 @@
             <a:pPr marL="0" indent="0" algn="just">
               <a:buNone/>
             </a:pPr>
-            <a:r>
-              <a:rPr lang="pt-BR" sz="2000" dirty="0">
-                <a:latin typeface="Times New Roman" panose="02020603050405020304" pitchFamily="18" charset="0"/>
-                <a:cs typeface="Times New Roman" panose="02020603050405020304" pitchFamily="18" charset="0"/>
-              </a:rPr>
-              <a:t>[2] </a:t>
-            </a:r>
-            <a:r>
-              <a:rPr lang="pt-BR" sz="2000" b="1" dirty="0">
-                <a:latin typeface="Times New Roman" panose="02020603050405020304" pitchFamily="18" charset="0"/>
-                <a:cs typeface="Times New Roman" panose="02020603050405020304" pitchFamily="18" charset="0"/>
-              </a:rPr>
-              <a:t>W3Schools</a:t>
-            </a:r>
-          </a:p>
-          <a:p>
-            <a:pPr marL="0" indent="0" algn="just">
-              <a:buNone/>
-            </a:pPr>
-            <a:r>
-              <a:rPr lang="pt-BR" sz="2000" dirty="0">
-                <a:latin typeface="Times New Roman" panose="02020603050405020304" pitchFamily="18" charset="0"/>
-                <a:cs typeface="Times New Roman" panose="02020603050405020304" pitchFamily="18" charset="0"/>
-              </a:rPr>
-              <a:t>	</a:t>
-            </a:r>
-            <a:r>
-              <a:rPr lang="pt-BR" sz="2000" b="1" dirty="0">
-                <a:latin typeface="Times New Roman" panose="02020603050405020304" pitchFamily="18" charset="0"/>
-                <a:cs typeface="Times New Roman" panose="02020603050405020304" pitchFamily="18" charset="0"/>
-              </a:rPr>
-              <a:t> Disponível em</a:t>
-            </a:r>
-            <a:r>
-              <a:rPr lang="pt-BR" sz="2000" dirty="0">
-                <a:latin typeface="Times New Roman" panose="02020603050405020304" pitchFamily="18" charset="0"/>
-                <a:cs typeface="Times New Roman" panose="02020603050405020304" pitchFamily="18" charset="0"/>
-              </a:rPr>
-              <a:t>: </a:t>
-            </a:r>
-            <a:r>
-              <a:rPr lang="pt-BR" sz="2000" dirty="0">
-                <a:latin typeface="Times New Roman" panose="02020603050405020304" pitchFamily="18" charset="0"/>
-                <a:cs typeface="Times New Roman" panose="02020603050405020304" pitchFamily="18" charset="0"/>
-                <a:hlinkClick r:id="rId4"/>
-              </a:rPr>
-              <a:t>https://www.w3schools.com/php/default.asp</a:t>
-            </a:r>
-            <a:endParaRPr lang="pt-BR" sz="2000" dirty="0">
-              <a:latin typeface="Times New Roman" panose="02020603050405020304" pitchFamily="18" charset="0"/>
-              <a:cs typeface="Times New Roman" panose="02020603050405020304" pitchFamily="18" charset="0"/>
-            </a:endParaRPr>
-          </a:p>
-          <a:p>
-            <a:pPr marL="0" indent="0" algn="just">
-              <a:buNone/>
-            </a:pPr>
-            <a:endParaRPr lang="pt-BR" sz="2000" dirty="0">
+            <a:endParaRPr lang="pt-BR" sz="2100" dirty="0">
+              <a:solidFill>
+                <a:schemeClr val="tx1"/>
+              </a:solidFill>
               <a:latin typeface="Times New Roman" panose="02020603050405020304" pitchFamily="18" charset="0"/>
               <a:cs typeface="Times New Roman" panose="02020603050405020304" pitchFamily="18" charset="0"/>
             </a:endParaRPr>
@@ -30451,7 +32367,7 @@
     </p:spTree>
     <p:extLst>
       <p:ext uri="{BB962C8B-B14F-4D97-AF65-F5344CB8AC3E}">
-        <p14:creationId xmlns:p14="http://schemas.microsoft.com/office/powerpoint/2010/main" val="3680270425"/>
+        <p14:creationId xmlns:p14="http://schemas.microsoft.com/office/powerpoint/2010/main" val="76520187"/>
       </p:ext>
     </p:extLst>
   </p:cSld>
@@ -30502,20 +32418,12 @@
           <a:lstStyle/>
           <a:p>
             <a:r>
-              <a:rPr lang="en-US" b="1" dirty="0" err="1">
+              <a:rPr lang="en-US" b="1" dirty="0">
                 <a:solidFill>
                   <a:srgbClr val="0070C0"/>
                 </a:solidFill>
               </a:rPr>
-              <a:t>Aprenda</a:t>
-            </a:r>
-            <a:r>
-              <a:rPr lang="en-US" b="1" dirty="0">
-                <a:solidFill>
-                  <a:srgbClr val="0070C0"/>
-                </a:solidFill>
-              </a:rPr>
-              <a:t>+</a:t>
+              <a:t>PHP – BD MySQL com PDO</a:t>
             </a:r>
           </a:p>
         </p:txBody>
@@ -30532,8 +32440,8 @@
         </p:nvSpPr>
         <p:spPr>
           <a:xfrm>
-            <a:off x="142865" y="1200151"/>
-            <a:ext cx="8865056" cy="3394472"/>
+            <a:off x="142865" y="1037312"/>
+            <a:ext cx="8865056" cy="3900208"/>
           </a:xfrm>
         </p:spPr>
         <p:txBody>
@@ -30545,7 +32453,125 @@
             <a:pPr marL="0" indent="0" algn="just">
               <a:buNone/>
             </a:pPr>
-            <a:endParaRPr lang="pt-BR" sz="2400" dirty="0">
+            <a:r>
+              <a:rPr lang="pt-BR" sz="2000" b="1" dirty="0">
+                <a:solidFill>
+                  <a:schemeClr val="tx1"/>
+                </a:solidFill>
+                <a:latin typeface="Times New Roman" panose="02020603050405020304" pitchFamily="18" charset="0"/>
+                <a:cs typeface="Times New Roman" panose="02020603050405020304" pitchFamily="18" charset="0"/>
+              </a:rPr>
+              <a:t>PDO</a:t>
+            </a:r>
+            <a:r>
+              <a:rPr lang="pt-BR" sz="2000" dirty="0">
+                <a:solidFill>
+                  <a:schemeClr val="tx1"/>
+                </a:solidFill>
+                <a:latin typeface="Times New Roman" panose="02020603050405020304" pitchFamily="18" charset="0"/>
+                <a:cs typeface="Times New Roman" panose="02020603050405020304" pitchFamily="18" charset="0"/>
+              </a:rPr>
+              <a:t>(</a:t>
+            </a:r>
+            <a:r>
+              <a:rPr lang="pt-BR" sz="2000" b="1" dirty="0">
+                <a:solidFill>
+                  <a:srgbClr val="FF0000"/>
+                </a:solidFill>
+                <a:latin typeface="Times New Roman" panose="02020603050405020304" pitchFamily="18" charset="0"/>
+                <a:cs typeface="Times New Roman" panose="02020603050405020304" pitchFamily="18" charset="0"/>
+              </a:rPr>
+              <a:t>PHP Data </a:t>
+            </a:r>
+            <a:r>
+              <a:rPr lang="pt-BR" sz="2000" b="1" dirty="0" err="1">
+                <a:solidFill>
+                  <a:srgbClr val="FF0000"/>
+                </a:solidFill>
+                <a:latin typeface="Times New Roman" panose="02020603050405020304" pitchFamily="18" charset="0"/>
+                <a:cs typeface="Times New Roman" panose="02020603050405020304" pitchFamily="18" charset="0"/>
+              </a:rPr>
+              <a:t>Objects</a:t>
+            </a:r>
+            <a:r>
+              <a:rPr lang="pt-BR" sz="2000" dirty="0">
+                <a:solidFill>
+                  <a:schemeClr val="tx1"/>
+                </a:solidFill>
+                <a:latin typeface="Times New Roman" panose="02020603050405020304" pitchFamily="18" charset="0"/>
+                <a:cs typeface="Times New Roman" panose="02020603050405020304" pitchFamily="18" charset="0"/>
+              </a:rPr>
+              <a:t>) é um módulo de </a:t>
+            </a:r>
+            <a:r>
+              <a:rPr lang="pt-BR" sz="2000" b="1" dirty="0">
+                <a:solidFill>
+                  <a:schemeClr val="tx1"/>
+                </a:solidFill>
+                <a:latin typeface="Times New Roman" panose="02020603050405020304" pitchFamily="18" charset="0"/>
+                <a:cs typeface="Times New Roman" panose="02020603050405020304" pitchFamily="18" charset="0"/>
+              </a:rPr>
+              <a:t>PHP</a:t>
+            </a:r>
+            <a:r>
+              <a:rPr lang="pt-BR" sz="2000" dirty="0">
+                <a:solidFill>
+                  <a:schemeClr val="tx1"/>
+                </a:solidFill>
+                <a:latin typeface="Times New Roman" panose="02020603050405020304" pitchFamily="18" charset="0"/>
+                <a:cs typeface="Times New Roman" panose="02020603050405020304" pitchFamily="18" charset="0"/>
+              </a:rPr>
+              <a:t> montado sob o </a:t>
+            </a:r>
+            <a:r>
+              <a:rPr lang="pt-BR" sz="2000" b="1" dirty="0">
+                <a:solidFill>
+                  <a:schemeClr val="tx1"/>
+                </a:solidFill>
+                <a:latin typeface="Times New Roman" panose="02020603050405020304" pitchFamily="18" charset="0"/>
+                <a:cs typeface="Times New Roman" panose="02020603050405020304" pitchFamily="18" charset="0"/>
+              </a:rPr>
+              <a:t>paradigma Orientado a Objetos</a:t>
+            </a:r>
+            <a:r>
+              <a:rPr lang="pt-BR" sz="2000" dirty="0">
+                <a:solidFill>
+                  <a:schemeClr val="tx1"/>
+                </a:solidFill>
+                <a:latin typeface="Times New Roman" panose="02020603050405020304" pitchFamily="18" charset="0"/>
+                <a:cs typeface="Times New Roman" panose="02020603050405020304" pitchFamily="18" charset="0"/>
+              </a:rPr>
+              <a:t>, cujo objetivo é prover uma padronização da forma com que </a:t>
+            </a:r>
+            <a:r>
+              <a:rPr lang="pt-BR" sz="2000" b="1" dirty="0">
+                <a:solidFill>
+                  <a:schemeClr val="tx1"/>
+                </a:solidFill>
+                <a:latin typeface="Times New Roman" panose="02020603050405020304" pitchFamily="18" charset="0"/>
+                <a:cs typeface="Times New Roman" panose="02020603050405020304" pitchFamily="18" charset="0"/>
+              </a:rPr>
+              <a:t>PHP</a:t>
+            </a:r>
+            <a:r>
+              <a:rPr lang="pt-BR" sz="2000" dirty="0">
+                <a:solidFill>
+                  <a:schemeClr val="tx1"/>
+                </a:solidFill>
+                <a:latin typeface="Times New Roman" panose="02020603050405020304" pitchFamily="18" charset="0"/>
+                <a:cs typeface="Times New Roman" panose="02020603050405020304" pitchFamily="18" charset="0"/>
+              </a:rPr>
+              <a:t> se comunica com um banco de dados relacional.</a:t>
+            </a:r>
+          </a:p>
+          <a:p>
+            <a:pPr marL="0" indent="0" algn="just">
+              <a:buNone/>
+            </a:pPr>
+            <a:endParaRPr lang="pt-BR" sz="2000" dirty="0">
+              <a:solidFill>
+                <a:schemeClr val="tx1"/>
+              </a:solidFill>
               <a:latin typeface="Times New Roman" panose="02020603050405020304" pitchFamily="18" charset="0"/>
               <a:cs typeface="Times New Roman" panose="02020603050405020304" pitchFamily="18" charset="0"/>
             </a:endParaRPr>
@@ -30555,33 +32581,24 @@
               <a:buNone/>
             </a:pPr>
             <a:r>
-              <a:rPr lang="pt-BR" sz="2400" dirty="0">
-                <a:latin typeface="Times New Roman" panose="02020603050405020304" pitchFamily="18" charset="0"/>
-                <a:cs typeface="Times New Roman" panose="02020603050405020304" pitchFamily="18" charset="0"/>
-              </a:rPr>
-              <a:t>[1] Construindo classes no PHP orientado a objetos</a:t>
-            </a:r>
-          </a:p>
-          <a:p>
-            <a:pPr marL="0" indent="0" algn="just">
-              <a:buNone/>
-            </a:pPr>
-            <a:r>
-              <a:rPr lang="pt-BR" sz="2400" dirty="0">
-                <a:latin typeface="Times New Roman" panose="02020603050405020304" pitchFamily="18" charset="0"/>
-                <a:cs typeface="Times New Roman" panose="02020603050405020304" pitchFamily="18" charset="0"/>
-              </a:rPr>
-              <a:t>	</a:t>
-            </a:r>
-            <a:r>
-              <a:rPr lang="pt-BR" sz="2400" dirty="0">
-                <a:latin typeface="Times New Roman" panose="02020603050405020304" pitchFamily="18" charset="0"/>
-                <a:cs typeface="Times New Roman" panose="02020603050405020304" pitchFamily="18" charset="0"/>
-                <a:hlinkClick r:id="rId3"/>
-              </a:rPr>
-              <a:t>https://www.youtube.com/watch?v=xoH1WDI9l0I</a:t>
-            </a:r>
-            <a:endParaRPr lang="pt-BR" sz="2400" dirty="0">
+              <a:rPr lang="pt-BR" sz="2000" dirty="0">
+                <a:solidFill>
+                  <a:schemeClr val="tx1"/>
+                </a:solidFill>
+                <a:latin typeface="Times New Roman" panose="02020603050405020304" pitchFamily="18" charset="0"/>
+                <a:cs typeface="Times New Roman" panose="02020603050405020304" pitchFamily="18" charset="0"/>
+              </a:rPr>
+              <a:t>Poderá fazer consultas e disparar comandos utilizando classes e métodos.</a:t>
+            </a:r>
+          </a:p>
+          <a:p>
+            <a:pPr marL="0" indent="0" algn="just">
+              <a:buNone/>
+            </a:pPr>
+            <a:endParaRPr lang="pt-BR" sz="2000" dirty="0">
+              <a:solidFill>
+                <a:schemeClr val="tx1"/>
+              </a:solidFill>
               <a:latin typeface="Times New Roman" panose="02020603050405020304" pitchFamily="18" charset="0"/>
               <a:cs typeface="Times New Roman" panose="02020603050405020304" pitchFamily="18" charset="0"/>
             </a:endParaRPr>
@@ -30590,7 +32607,145 @@
             <a:pPr marL="0" indent="0" algn="just">
               <a:buNone/>
             </a:pPr>
-            <a:endParaRPr lang="pt-BR" sz="2400" dirty="0">
+            <a:r>
+              <a:rPr lang="pt-BR" sz="2000" dirty="0">
+                <a:solidFill>
+                  <a:schemeClr val="tx1"/>
+                </a:solidFill>
+                <a:latin typeface="Times New Roman" panose="02020603050405020304" pitchFamily="18" charset="0"/>
+                <a:cs typeface="Times New Roman" panose="02020603050405020304" pitchFamily="18" charset="0"/>
+              </a:rPr>
+              <a:t>A principal vantagem do </a:t>
+            </a:r>
+            <a:r>
+              <a:rPr lang="pt-BR" sz="2000" b="1" dirty="0">
+                <a:solidFill>
+                  <a:schemeClr val="tx1"/>
+                </a:solidFill>
+                <a:latin typeface="Times New Roman" panose="02020603050405020304" pitchFamily="18" charset="0"/>
+                <a:cs typeface="Times New Roman" panose="02020603050405020304" pitchFamily="18" charset="0"/>
+              </a:rPr>
+              <a:t>PDO</a:t>
+            </a:r>
+            <a:r>
+              <a:rPr lang="pt-BR" sz="2000" dirty="0">
+                <a:solidFill>
+                  <a:schemeClr val="tx1"/>
+                </a:solidFill>
+                <a:latin typeface="Times New Roman" panose="02020603050405020304" pitchFamily="18" charset="0"/>
+                <a:cs typeface="Times New Roman" panose="02020603050405020304" pitchFamily="18" charset="0"/>
+              </a:rPr>
+              <a:t> sobre o </a:t>
+            </a:r>
+            <a:r>
+              <a:rPr lang="pt-BR" sz="2000" b="1" dirty="0" err="1">
+                <a:solidFill>
+                  <a:schemeClr val="tx1"/>
+                </a:solidFill>
+                <a:latin typeface="Times New Roman" panose="02020603050405020304" pitchFamily="18" charset="0"/>
+                <a:cs typeface="Times New Roman" panose="02020603050405020304" pitchFamily="18" charset="0"/>
+              </a:rPr>
+              <a:t>MySQLi</a:t>
+            </a:r>
+            <a:r>
+              <a:rPr lang="pt-BR" sz="2000" dirty="0">
+                <a:solidFill>
+                  <a:schemeClr val="tx1"/>
+                </a:solidFill>
+                <a:latin typeface="Times New Roman" panose="02020603050405020304" pitchFamily="18" charset="0"/>
+                <a:cs typeface="Times New Roman" panose="02020603050405020304" pitchFamily="18" charset="0"/>
+              </a:rPr>
+              <a:t> está no suporte ao </a:t>
+            </a:r>
+            <a:r>
+              <a:rPr lang="pt-BR" sz="2000" b="1" dirty="0">
+                <a:solidFill>
+                  <a:srgbClr val="FF0000"/>
+                </a:solidFill>
+                <a:latin typeface="Times New Roman" panose="02020603050405020304" pitchFamily="18" charset="0"/>
+                <a:cs typeface="Times New Roman" panose="02020603050405020304" pitchFamily="18" charset="0"/>
+              </a:rPr>
+              <a:t>banco de dados</a:t>
+            </a:r>
+            <a:r>
+              <a:rPr lang="pt-BR" sz="2000" dirty="0">
+                <a:solidFill>
+                  <a:schemeClr val="tx1"/>
+                </a:solidFill>
+                <a:latin typeface="Times New Roman" panose="02020603050405020304" pitchFamily="18" charset="0"/>
+                <a:cs typeface="Times New Roman" panose="02020603050405020304" pitchFamily="18" charset="0"/>
+              </a:rPr>
+              <a:t>. O </a:t>
+            </a:r>
+            <a:r>
+              <a:rPr lang="pt-BR" sz="2000" b="1" dirty="0">
+                <a:solidFill>
+                  <a:schemeClr val="tx1"/>
+                </a:solidFill>
+                <a:latin typeface="Times New Roman" panose="02020603050405020304" pitchFamily="18" charset="0"/>
+                <a:cs typeface="Times New Roman" panose="02020603050405020304" pitchFamily="18" charset="0"/>
+              </a:rPr>
+              <a:t>PDO</a:t>
+            </a:r>
+            <a:r>
+              <a:rPr lang="pt-BR" sz="2000" dirty="0">
+                <a:solidFill>
+                  <a:schemeClr val="tx1"/>
+                </a:solidFill>
+                <a:latin typeface="Times New Roman" panose="02020603050405020304" pitchFamily="18" charset="0"/>
+                <a:cs typeface="Times New Roman" panose="02020603050405020304" pitchFamily="18" charset="0"/>
+              </a:rPr>
+              <a:t> suporta 12 diferentes tipos de banco de dados, em oposição ao </a:t>
+            </a:r>
+            <a:r>
+              <a:rPr lang="pt-BR" sz="2000" b="1" dirty="0" err="1">
+                <a:solidFill>
+                  <a:schemeClr val="tx1"/>
+                </a:solidFill>
+                <a:latin typeface="Times New Roman" panose="02020603050405020304" pitchFamily="18" charset="0"/>
+                <a:cs typeface="Times New Roman" panose="02020603050405020304" pitchFamily="18" charset="0"/>
+              </a:rPr>
+              <a:t>MySQLi</a:t>
+            </a:r>
+            <a:r>
+              <a:rPr lang="pt-BR" sz="2000" dirty="0">
+                <a:solidFill>
+                  <a:schemeClr val="tx1"/>
+                </a:solidFill>
+                <a:latin typeface="Times New Roman" panose="02020603050405020304" pitchFamily="18" charset="0"/>
+                <a:cs typeface="Times New Roman" panose="02020603050405020304" pitchFamily="18" charset="0"/>
+              </a:rPr>
+              <a:t>, que suporta apenas </a:t>
+            </a:r>
+            <a:r>
+              <a:rPr lang="pt-BR" sz="2000" b="1" dirty="0">
+                <a:solidFill>
+                  <a:schemeClr val="tx1"/>
+                </a:solidFill>
+                <a:latin typeface="Times New Roman" panose="02020603050405020304" pitchFamily="18" charset="0"/>
+                <a:cs typeface="Times New Roman" panose="02020603050405020304" pitchFamily="18" charset="0"/>
+              </a:rPr>
+              <a:t>MySQL</a:t>
+            </a:r>
+            <a:r>
+              <a:rPr lang="pt-BR" sz="2000" dirty="0">
+                <a:solidFill>
+                  <a:schemeClr val="tx1"/>
+                </a:solidFill>
+                <a:latin typeface="Times New Roman" panose="02020603050405020304" pitchFamily="18" charset="0"/>
+                <a:cs typeface="Times New Roman" panose="02020603050405020304" pitchFamily="18" charset="0"/>
+              </a:rPr>
+              <a:t>.</a:t>
+            </a:r>
+          </a:p>
+          <a:p>
+            <a:pPr marL="0" indent="0" algn="just">
+              <a:buNone/>
+            </a:pPr>
+            <a:endParaRPr lang="pt-BR" sz="2000" dirty="0">
+              <a:solidFill>
+                <a:schemeClr val="tx1"/>
+              </a:solidFill>
               <a:latin typeface="Times New Roman" panose="02020603050405020304" pitchFamily="18" charset="0"/>
               <a:cs typeface="Times New Roman" panose="02020603050405020304" pitchFamily="18" charset="0"/>
             </a:endParaRPr>
@@ -30600,120 +32755,31 @@
               <a:buNone/>
             </a:pPr>
             <a:r>
-              <a:rPr lang="pt-BR" sz="2400" dirty="0">
-                <a:latin typeface="Times New Roman" panose="02020603050405020304" pitchFamily="18" charset="0"/>
-                <a:cs typeface="Times New Roman" panose="02020603050405020304" pitchFamily="18" charset="0"/>
-              </a:rPr>
-              <a:t>[2] </a:t>
-            </a:r>
-            <a:r>
-              <a:rPr lang="pt-BR" sz="2400" dirty="0" err="1">
-                <a:latin typeface="Times New Roman" panose="02020603050405020304" pitchFamily="18" charset="0"/>
-                <a:cs typeface="Times New Roman" panose="02020603050405020304" pitchFamily="18" charset="0"/>
-              </a:rPr>
-              <a:t>Creating</a:t>
-            </a:r>
-            <a:r>
-              <a:rPr lang="pt-BR" sz="2400" dirty="0">
-                <a:latin typeface="Times New Roman" panose="02020603050405020304" pitchFamily="18" charset="0"/>
-                <a:cs typeface="Times New Roman" panose="02020603050405020304" pitchFamily="18" charset="0"/>
-              </a:rPr>
-              <a:t> classes, </a:t>
-            </a:r>
-            <a:r>
-              <a:rPr lang="pt-BR" sz="2400" dirty="0" err="1">
-                <a:latin typeface="Times New Roman" panose="02020603050405020304" pitchFamily="18" charset="0"/>
-                <a:cs typeface="Times New Roman" panose="02020603050405020304" pitchFamily="18" charset="0"/>
-              </a:rPr>
-              <a:t>properties</a:t>
-            </a:r>
-            <a:r>
-              <a:rPr lang="pt-BR" sz="2400" dirty="0">
-                <a:latin typeface="Times New Roman" panose="02020603050405020304" pitchFamily="18" charset="0"/>
-                <a:cs typeface="Times New Roman" panose="02020603050405020304" pitchFamily="18" charset="0"/>
-              </a:rPr>
-              <a:t>, </a:t>
-            </a:r>
-            <a:r>
-              <a:rPr lang="pt-BR" sz="2400" dirty="0" err="1">
-                <a:latin typeface="Times New Roman" panose="02020603050405020304" pitchFamily="18" charset="0"/>
-                <a:cs typeface="Times New Roman" panose="02020603050405020304" pitchFamily="18" charset="0"/>
-              </a:rPr>
-              <a:t>methods</a:t>
-            </a:r>
-            <a:r>
-              <a:rPr lang="pt-BR" sz="2400" dirty="0">
-                <a:latin typeface="Times New Roman" panose="02020603050405020304" pitchFamily="18" charset="0"/>
-                <a:cs typeface="Times New Roman" panose="02020603050405020304" pitchFamily="18" charset="0"/>
-              </a:rPr>
-              <a:t> - OOP in PHP – Part 1</a:t>
-            </a:r>
-          </a:p>
-          <a:p>
-            <a:pPr marL="0" indent="0" algn="just">
-              <a:buNone/>
-            </a:pPr>
-            <a:r>
-              <a:rPr lang="pt-BR" sz="2400" dirty="0">
-                <a:latin typeface="Times New Roman" panose="02020603050405020304" pitchFamily="18" charset="0"/>
-                <a:cs typeface="Times New Roman" panose="02020603050405020304" pitchFamily="18" charset="0"/>
-              </a:rPr>
-              <a:t>	</a:t>
-            </a:r>
-            <a:r>
-              <a:rPr lang="pt-BR" sz="2400" dirty="0">
-                <a:latin typeface="Times New Roman" panose="02020603050405020304" pitchFamily="18" charset="0"/>
-                <a:cs typeface="Times New Roman" panose="02020603050405020304" pitchFamily="18" charset="0"/>
-                <a:hlinkClick r:id="rId4"/>
-              </a:rPr>
-              <a:t>https://www.youtube.com/watch?v=4xvCT7UPY3k</a:t>
-            </a:r>
-            <a:endParaRPr lang="pt-BR" sz="2400" dirty="0">
-              <a:latin typeface="Times New Roman" panose="02020603050405020304" pitchFamily="18" charset="0"/>
-              <a:cs typeface="Times New Roman" panose="02020603050405020304" pitchFamily="18" charset="0"/>
-            </a:endParaRPr>
-          </a:p>
-          <a:p>
-            <a:pPr marL="0" indent="0" algn="just">
-              <a:buNone/>
-            </a:pPr>
-            <a:endParaRPr lang="pt-BR" sz="2400" dirty="0">
-              <a:latin typeface="Times New Roman" panose="02020603050405020304" pitchFamily="18" charset="0"/>
-              <a:cs typeface="Times New Roman" panose="02020603050405020304" pitchFamily="18" charset="0"/>
-            </a:endParaRPr>
-          </a:p>
-          <a:p>
-            <a:pPr marL="0" indent="0" algn="just">
-              <a:buNone/>
-            </a:pPr>
-            <a:endParaRPr lang="pt-BR" sz="2400" dirty="0">
-              <a:latin typeface="Times New Roman" panose="02020603050405020304" pitchFamily="18" charset="0"/>
-              <a:cs typeface="Times New Roman" panose="02020603050405020304" pitchFamily="18" charset="0"/>
-            </a:endParaRPr>
-          </a:p>
-          <a:p>
-            <a:pPr marL="0" indent="0" algn="just">
-              <a:buNone/>
-            </a:pPr>
-            <a:endParaRPr lang="pt-BR" sz="2400" dirty="0">
-              <a:latin typeface="Times New Roman" panose="02020603050405020304" pitchFamily="18" charset="0"/>
-              <a:cs typeface="Times New Roman" panose="02020603050405020304" pitchFamily="18" charset="0"/>
-            </a:endParaRPr>
-          </a:p>
-          <a:p>
-            <a:pPr marL="0" indent="0" algn="just">
-              <a:buNone/>
-            </a:pPr>
-            <a:endParaRPr lang="pt-BR" sz="2400" dirty="0">
-              <a:latin typeface="Times New Roman" panose="02020603050405020304" pitchFamily="18" charset="0"/>
-              <a:cs typeface="Times New Roman" panose="02020603050405020304" pitchFamily="18" charset="0"/>
-            </a:endParaRPr>
-          </a:p>
-          <a:p>
-            <a:pPr marL="0" indent="0" algn="just">
-              <a:buNone/>
-            </a:pPr>
-            <a:endParaRPr lang="pt-BR" sz="2400" dirty="0">
+              <a:rPr lang="pt-BR" sz="2000" dirty="0">
+                <a:solidFill>
+                  <a:schemeClr val="tx1"/>
+                </a:solidFill>
+                <a:latin typeface="Times New Roman" panose="02020603050405020304" pitchFamily="18" charset="0"/>
+                <a:cs typeface="Times New Roman" panose="02020603050405020304" pitchFamily="18" charset="0"/>
+                <a:hlinkClick r:id="rId3"/>
+              </a:rPr>
+              <a:t>https://www.devmedia.com.br/php-pdo-como-criar-sua-primeira-conexao</a:t>
+            </a:r>
+            <a:r>
+              <a:rPr lang="pt-BR" sz="2000">
+                <a:solidFill>
+                  <a:schemeClr val="tx1"/>
+                </a:solidFill>
+                <a:latin typeface="Times New Roman" panose="02020603050405020304" pitchFamily="18" charset="0"/>
+                <a:cs typeface="Times New Roman" panose="02020603050405020304" pitchFamily="18" charset="0"/>
+                <a:hlinkClick r:id="rId3"/>
+              </a:rPr>
+              <a:t>/39007</a:t>
+            </a:r>
+            <a:endParaRPr lang="pt-BR" sz="2000" dirty="0">
+              <a:solidFill>
+                <a:schemeClr val="tx1"/>
+              </a:solidFill>
               <a:latin typeface="Times New Roman" panose="02020603050405020304" pitchFamily="18" charset="0"/>
               <a:cs typeface="Times New Roman" panose="02020603050405020304" pitchFamily="18" charset="0"/>
             </a:endParaRPr>
@@ -30723,7 +32789,7 @@
     </p:spTree>
     <p:extLst>
       <p:ext uri="{BB962C8B-B14F-4D97-AF65-F5344CB8AC3E}">
-        <p14:creationId xmlns:p14="http://schemas.microsoft.com/office/powerpoint/2010/main" val="2747596967"/>
+        <p14:creationId xmlns:p14="http://schemas.microsoft.com/office/powerpoint/2010/main" val="3090959292"/>
       </p:ext>
     </p:extLst>
   </p:cSld>
@@ -30774,12 +32840,20 @@
           <a:lstStyle/>
           <a:p>
             <a:r>
+              <a:rPr lang="en-US" b="1" dirty="0">
+                <a:solidFill>
+                  <a:srgbClr val="0070C0"/>
+                </a:solidFill>
+              </a:rPr>
+              <a:t>PHP – </a:t>
+            </a:r>
+            <a:r>
               <a:rPr lang="en-US" b="1" dirty="0" err="1">
                 <a:solidFill>
                   <a:srgbClr val="0070C0"/>
                 </a:solidFill>
               </a:rPr>
-              <a:t>Dinâmica</a:t>
+              <a:t>Seções</a:t>
             </a:r>
             <a:r>
               <a:rPr lang="en-US" b="1" dirty="0">
@@ -30787,21 +32861,8 @@
                   <a:srgbClr val="0070C0"/>
                 </a:solidFill>
               </a:rPr>
-              <a:t>/</a:t>
-            </a:r>
-            <a:r>
-              <a:rPr lang="en-US" b="1" dirty="0" err="1">
-                <a:solidFill>
-                  <a:srgbClr val="0070C0"/>
-                </a:solidFill>
-              </a:rPr>
-              <a:t>Atividades</a:t>
-            </a:r>
-            <a:endParaRPr lang="en-US" b="1" dirty="0">
-              <a:solidFill>
-                <a:srgbClr val="0070C0"/>
-              </a:solidFill>
-            </a:endParaRPr>
+              <a:t>/Cookies</a:t>
+            </a:r>
           </a:p>
         </p:txBody>
       </p:sp>
@@ -30817,8 +32878,8 @@
         </p:nvSpPr>
         <p:spPr>
           <a:xfrm>
-            <a:off x="139472" y="1063230"/>
-            <a:ext cx="8865056" cy="3606305"/>
+            <a:off x="142865" y="1037312"/>
+            <a:ext cx="8865056" cy="3900208"/>
           </a:xfrm>
         </p:spPr>
         <p:txBody>
@@ -30827,105 +32888,38 @@
           </a:bodyPr>
           <a:lstStyle/>
           <a:p>
-            <a:pPr algn="just">
-              <a:buFontTx/>
-              <a:buChar char="-"/>
-            </a:pPr>
-            <a:r>
-              <a:rPr lang="pt-BR" dirty="0">
-                <a:latin typeface="Times New Roman" panose="02020603050405020304" pitchFamily="18" charset="0"/>
-                <a:cs typeface="Times New Roman" panose="02020603050405020304" pitchFamily="18" charset="0"/>
-              </a:rPr>
-              <a:t>Exercícios de Fixação </a:t>
-            </a:r>
-            <a:r>
-              <a:rPr lang="pt-BR" b="1" dirty="0">
-                <a:latin typeface="Times New Roman" panose="02020603050405020304" pitchFamily="18" charset="0"/>
-                <a:cs typeface="Times New Roman" panose="02020603050405020304" pitchFamily="18" charset="0"/>
-              </a:rPr>
-              <a:t>PHP</a:t>
-            </a:r>
-          </a:p>
-          <a:p>
-            <a:pPr marL="0" indent="0" algn="just">
-              <a:buNone/>
-            </a:pPr>
-            <a:r>
-              <a:rPr lang="pt-BR" dirty="0">
-                <a:latin typeface="Times New Roman" panose="02020603050405020304" pitchFamily="18" charset="0"/>
-                <a:cs typeface="Times New Roman" panose="02020603050405020304" pitchFamily="18" charset="0"/>
-              </a:rPr>
-              <a:t>	</a:t>
-            </a:r>
-            <a:r>
-              <a:rPr lang="pt-BR" b="1" dirty="0">
+            <a:pPr marL="0" indent="0" algn="just">
+              <a:buNone/>
+            </a:pPr>
+            <a:r>
+              <a:rPr lang="pt-BR" sz="2400" b="1" dirty="0">
                 <a:solidFill>
                   <a:srgbClr val="FF0000"/>
                 </a:solidFill>
                 <a:latin typeface="Times New Roman" panose="02020603050405020304" pitchFamily="18" charset="0"/>
                 <a:cs typeface="Times New Roman" panose="02020603050405020304" pitchFamily="18" charset="0"/>
               </a:rPr>
-              <a:t>Desafio em Sala de Aula</a:t>
-            </a:r>
-            <a:r>
-              <a:rPr lang="pt-BR" dirty="0">
-                <a:latin typeface="Times New Roman" panose="02020603050405020304" pitchFamily="18" charset="0"/>
-                <a:cs typeface="Times New Roman" panose="02020603050405020304" pitchFamily="18" charset="0"/>
-              </a:rPr>
-              <a:t>.</a:t>
-            </a:r>
-          </a:p>
-          <a:p>
-            <a:pPr marL="0" indent="0" algn="just">
-              <a:buNone/>
-            </a:pPr>
-            <a:r>
-              <a:rPr lang="pt-BR" dirty="0">
-                <a:latin typeface="Times New Roman" panose="02020603050405020304" pitchFamily="18" charset="0"/>
-                <a:cs typeface="Times New Roman" panose="02020603050405020304" pitchFamily="18" charset="0"/>
-              </a:rPr>
-              <a:t>		</a:t>
-            </a:r>
-          </a:p>
-          <a:p>
-            <a:pPr marL="0" indent="0" algn="just">
-              <a:buNone/>
-            </a:pPr>
-            <a:r>
-              <a:rPr lang="es-ES" dirty="0">
-                <a:latin typeface="Times New Roman" panose="02020603050405020304" pitchFamily="18" charset="0"/>
-                <a:cs typeface="Times New Roman" panose="02020603050405020304" pitchFamily="18" charset="0"/>
-              </a:rPr>
-              <a:t>- </a:t>
-            </a:r>
-            <a:r>
-              <a:rPr lang="es-ES" b="1" dirty="0">
-                <a:latin typeface="Times New Roman" panose="02020603050405020304" pitchFamily="18" charset="0"/>
-                <a:cs typeface="Times New Roman" panose="02020603050405020304" pitchFamily="18" charset="0"/>
-              </a:rPr>
-              <a:t>Quiz</a:t>
-            </a:r>
-            <a:r>
-              <a:rPr lang="es-ES" dirty="0">
-                <a:latin typeface="Times New Roman" panose="02020603050405020304" pitchFamily="18" charset="0"/>
-                <a:cs typeface="Times New Roman" panose="02020603050405020304" pitchFamily="18" charset="0"/>
-              </a:rPr>
-              <a:t> PHP</a:t>
-            </a:r>
-          </a:p>
-          <a:p>
-            <a:pPr marL="0" indent="0" algn="just">
-              <a:buNone/>
-            </a:pPr>
-            <a:r>
-              <a:rPr lang="es-ES" dirty="0">
-                <a:latin typeface="Times New Roman" panose="02020603050405020304" pitchFamily="18" charset="0"/>
-                <a:cs typeface="Times New Roman" panose="02020603050405020304" pitchFamily="18" charset="0"/>
-                <a:hlinkClick r:id="rId3"/>
-              </a:rPr>
-              <a:t>https://www.w3schools.com/php/php_quiz.asp</a:t>
-            </a:r>
-            <a:endParaRPr lang="es-ES" dirty="0">
+              <a:t>Sessões(server) e cookies(browser) </a:t>
+            </a:r>
+            <a:r>
+              <a:rPr lang="pt-BR" sz="2400" dirty="0">
+                <a:solidFill>
+                  <a:schemeClr val="tx1"/>
+                </a:solidFill>
+                <a:latin typeface="Times New Roman" panose="02020603050405020304" pitchFamily="18" charset="0"/>
+                <a:cs typeface="Times New Roman" panose="02020603050405020304" pitchFamily="18" charset="0"/>
+              </a:rPr>
+              <a:t>permitem que dados sejam persistentes entre várias requisições de usuários.</a:t>
+            </a:r>
+          </a:p>
+          <a:p>
+            <a:pPr marL="0" indent="0" algn="just">
+              <a:buNone/>
+            </a:pPr>
+            <a:endParaRPr lang="pt-BR" sz="2400" dirty="0">
+              <a:solidFill>
+                <a:schemeClr val="tx1"/>
+              </a:solidFill>
               <a:latin typeface="Times New Roman" panose="02020603050405020304" pitchFamily="18" charset="0"/>
               <a:cs typeface="Times New Roman" panose="02020603050405020304" pitchFamily="18" charset="0"/>
             </a:endParaRPr>
@@ -30934,8 +32928,114 @@
             <a:pPr marL="0" indent="0" algn="just">
               <a:buNone/>
             </a:pPr>
-            <a:endParaRPr lang="pt-BR" dirty="0">
-              <a:latin typeface="Calibri" panose="020F0502020204030204" pitchFamily="34" charset="0"/>
+            <a:r>
+              <a:rPr lang="pt-BR" sz="2400" b="1" dirty="0">
+                <a:solidFill>
+                  <a:srgbClr val="FF0000"/>
+                </a:solidFill>
+                <a:latin typeface="Times New Roman" panose="02020603050405020304" pitchFamily="18" charset="0"/>
+                <a:cs typeface="Times New Roman" panose="02020603050405020304" pitchFamily="18" charset="0"/>
+              </a:rPr>
+              <a:t>Sessões</a:t>
+            </a:r>
+            <a:r>
+              <a:rPr lang="pt-BR" sz="2400" dirty="0">
+                <a:solidFill>
+                  <a:schemeClr val="tx1"/>
+                </a:solidFill>
+                <a:latin typeface="Times New Roman" panose="02020603050405020304" pitchFamily="18" charset="0"/>
+                <a:cs typeface="Times New Roman" panose="02020603050405020304" pitchFamily="18" charset="0"/>
+              </a:rPr>
+              <a:t> são persistências dependentes de </a:t>
+            </a:r>
+            <a:r>
+              <a:rPr lang="pt-BR" sz="2400" b="1" dirty="0">
+                <a:solidFill>
+                  <a:schemeClr val="tx1"/>
+                </a:solidFill>
+                <a:latin typeface="Times New Roman" panose="02020603050405020304" pitchFamily="18" charset="0"/>
+                <a:cs typeface="Times New Roman" panose="02020603050405020304" pitchFamily="18" charset="0"/>
+              </a:rPr>
+              <a:t>cookies</a:t>
+            </a:r>
+            <a:r>
+              <a:rPr lang="pt-BR" sz="2400" dirty="0">
+                <a:solidFill>
+                  <a:schemeClr val="tx1"/>
+                </a:solidFill>
+                <a:latin typeface="Times New Roman" panose="02020603050405020304" pitchFamily="18" charset="0"/>
+                <a:cs typeface="Times New Roman" panose="02020603050405020304" pitchFamily="18" charset="0"/>
+              </a:rPr>
+              <a:t>, mas realizadas no lado do </a:t>
+            </a:r>
+            <a:r>
+              <a:rPr lang="pt-BR" sz="2400" b="1" dirty="0">
+                <a:solidFill>
+                  <a:schemeClr val="tx1"/>
+                </a:solidFill>
+                <a:latin typeface="Times New Roman" panose="02020603050405020304" pitchFamily="18" charset="0"/>
+                <a:cs typeface="Times New Roman" panose="02020603050405020304" pitchFamily="18" charset="0"/>
+              </a:rPr>
+              <a:t>servidor</a:t>
+            </a:r>
+          </a:p>
+          <a:p>
+            <a:pPr marL="0" indent="0" algn="just">
+              <a:buNone/>
+            </a:pPr>
+            <a:endParaRPr lang="pt-BR" sz="2400" dirty="0">
+              <a:solidFill>
+                <a:schemeClr val="tx1"/>
+              </a:solidFill>
+              <a:latin typeface="Times New Roman" panose="02020603050405020304" pitchFamily="18" charset="0"/>
+              <a:cs typeface="Times New Roman" panose="02020603050405020304" pitchFamily="18" charset="0"/>
+            </a:endParaRPr>
+          </a:p>
+          <a:p>
+            <a:pPr marL="0" indent="0" algn="just">
+              <a:buNone/>
+            </a:pPr>
+            <a:r>
+              <a:rPr lang="pt-BR" sz="2400" dirty="0">
+                <a:solidFill>
+                  <a:schemeClr val="tx1"/>
+                </a:solidFill>
+                <a:latin typeface="Times New Roman" panose="02020603050405020304" pitchFamily="18" charset="0"/>
+                <a:cs typeface="Times New Roman" panose="02020603050405020304" pitchFamily="18" charset="0"/>
+              </a:rPr>
+              <a:t>No PHP puro você pode acessá-los através das variáveis globais </a:t>
+            </a:r>
+            <a:r>
+              <a:rPr lang="pt-BR" sz="2400" b="1" dirty="0">
+                <a:solidFill>
+                  <a:schemeClr val="tx1"/>
+                </a:solidFill>
+                <a:latin typeface="Times New Roman" panose="02020603050405020304" pitchFamily="18" charset="0"/>
+                <a:cs typeface="Times New Roman" panose="02020603050405020304" pitchFamily="18" charset="0"/>
+              </a:rPr>
+              <a:t>$_SESSION e $_COOKIE</a:t>
+            </a:r>
+            <a:r>
+              <a:rPr lang="pt-BR" sz="2400" dirty="0">
+                <a:solidFill>
+                  <a:schemeClr val="tx1"/>
+                </a:solidFill>
+                <a:latin typeface="Times New Roman" panose="02020603050405020304" pitchFamily="18" charset="0"/>
+                <a:cs typeface="Times New Roman" panose="02020603050405020304" pitchFamily="18" charset="0"/>
+              </a:rPr>
+              <a:t>, respectivamente.</a:t>
+            </a:r>
+          </a:p>
+          <a:p>
+            <a:pPr marL="0" indent="0" algn="just">
+              <a:buNone/>
+            </a:pPr>
+            <a:endParaRPr lang="pt-BR" sz="2400" dirty="0">
+              <a:solidFill>
+                <a:schemeClr val="tx1"/>
+              </a:solidFill>
+              <a:latin typeface="Times New Roman" panose="02020603050405020304" pitchFamily="18" charset="0"/>
+              <a:cs typeface="Times New Roman" panose="02020603050405020304" pitchFamily="18" charset="0"/>
             </a:endParaRPr>
           </a:p>
         </p:txBody>
@@ -30943,7 +33043,7 @@
     </p:spTree>
     <p:extLst>
       <p:ext uri="{BB962C8B-B14F-4D97-AF65-F5344CB8AC3E}">
-        <p14:creationId xmlns:p14="http://schemas.microsoft.com/office/powerpoint/2010/main" val="2470652989"/>
+        <p14:creationId xmlns:p14="http://schemas.microsoft.com/office/powerpoint/2010/main" val="2842231583"/>
       </p:ext>
     </p:extLst>
   </p:cSld>
@@ -30994,6 +33094,2194 @@
           <a:lstStyle/>
           <a:p>
             <a:r>
+              <a:rPr lang="en-US" b="1" dirty="0">
+                <a:solidFill>
+                  <a:srgbClr val="0070C0"/>
+                </a:solidFill>
+              </a:rPr>
+              <a:t>PHP – BD MySQL</a:t>
+            </a:r>
+          </a:p>
+        </p:txBody>
+      </p:sp>
+      <p:sp>
+        <p:nvSpPr>
+          <p:cNvPr id="8" name="Text Placeholder 2"/>
+          <p:cNvSpPr>
+            <a:spLocks noGrp="1"/>
+          </p:cNvSpPr>
+          <p:nvPr>
+            <p:ph type="body" sz="half" idx="1"/>
+          </p:nvPr>
+        </p:nvSpPr>
+        <p:spPr>
+          <a:xfrm>
+            <a:off x="142865" y="1037312"/>
+            <a:ext cx="8865056" cy="3900208"/>
+          </a:xfrm>
+        </p:spPr>
+        <p:txBody>
+          <a:bodyPr>
+            <a:noAutofit/>
+          </a:bodyPr>
+          <a:lstStyle/>
+          <a:p>
+            <a:pPr marL="0" indent="0" algn="just">
+              <a:buNone/>
+            </a:pPr>
+            <a:r>
+              <a:rPr lang="pt-BR" sz="2400" dirty="0">
+                <a:solidFill>
+                  <a:schemeClr val="tx1"/>
+                </a:solidFill>
+                <a:latin typeface="Times New Roman" panose="02020603050405020304" pitchFamily="18" charset="0"/>
+                <a:cs typeface="Times New Roman" panose="02020603050405020304" pitchFamily="18" charset="0"/>
+              </a:rPr>
+              <a:t>$</a:t>
+            </a:r>
+            <a:r>
+              <a:rPr lang="pt-BR" sz="2400" dirty="0" err="1">
+                <a:solidFill>
+                  <a:schemeClr val="tx1"/>
+                </a:solidFill>
+                <a:latin typeface="Times New Roman" panose="02020603050405020304" pitchFamily="18" charset="0"/>
+                <a:cs typeface="Times New Roman" panose="02020603050405020304" pitchFamily="18" charset="0"/>
+              </a:rPr>
+              <a:t>hostname</a:t>
+            </a:r>
+            <a:r>
+              <a:rPr lang="pt-BR" sz="2400" dirty="0">
+                <a:solidFill>
+                  <a:schemeClr val="tx1"/>
+                </a:solidFill>
+                <a:latin typeface="Times New Roman" panose="02020603050405020304" pitchFamily="18" charset="0"/>
+                <a:cs typeface="Times New Roman" panose="02020603050405020304" pitchFamily="18" charset="0"/>
+              </a:rPr>
+              <a:t> = “</a:t>
+            </a:r>
+            <a:r>
+              <a:rPr lang="pt-BR" sz="2400" dirty="0" err="1">
+                <a:solidFill>
+                  <a:schemeClr val="tx1"/>
+                </a:solidFill>
+                <a:latin typeface="Times New Roman" panose="02020603050405020304" pitchFamily="18" charset="0"/>
+                <a:cs typeface="Times New Roman" panose="02020603050405020304" pitchFamily="18" charset="0"/>
+              </a:rPr>
+              <a:t>localhost</a:t>
+            </a:r>
+            <a:r>
+              <a:rPr lang="pt-BR" sz="2400" dirty="0">
+                <a:solidFill>
+                  <a:schemeClr val="tx1"/>
+                </a:solidFill>
+                <a:latin typeface="Times New Roman" panose="02020603050405020304" pitchFamily="18" charset="0"/>
+                <a:cs typeface="Times New Roman" panose="02020603050405020304" pitchFamily="18" charset="0"/>
+              </a:rPr>
+              <a:t>”; // “</a:t>
+            </a:r>
+            <a:r>
+              <a:rPr lang="pt-BR" sz="2400" b="1" dirty="0">
+                <a:solidFill>
+                  <a:srgbClr val="FF0000"/>
+                </a:solidFill>
+                <a:latin typeface="Times New Roman" panose="02020603050405020304" pitchFamily="18" charset="0"/>
+                <a:cs typeface="Times New Roman" panose="02020603050405020304" pitchFamily="18" charset="0"/>
+              </a:rPr>
+              <a:t>mysql.hostgator.com</a:t>
+            </a:r>
+            <a:r>
+              <a:rPr lang="pt-BR" sz="2400" dirty="0">
+                <a:solidFill>
+                  <a:schemeClr val="tx1"/>
+                </a:solidFill>
+                <a:latin typeface="Times New Roman" panose="02020603050405020304" pitchFamily="18" charset="0"/>
+                <a:cs typeface="Times New Roman" panose="02020603050405020304" pitchFamily="18" charset="0"/>
+              </a:rPr>
+              <a:t>”</a:t>
+            </a:r>
+          </a:p>
+          <a:p>
+            <a:pPr marL="0" indent="0" algn="just">
+              <a:buNone/>
+            </a:pPr>
+            <a:r>
+              <a:rPr lang="pt-BR" sz="2400" dirty="0">
+                <a:solidFill>
+                  <a:schemeClr val="tx1"/>
+                </a:solidFill>
+                <a:latin typeface="Times New Roman" panose="02020603050405020304" pitchFamily="18" charset="0"/>
+                <a:cs typeface="Times New Roman" panose="02020603050405020304" pitchFamily="18" charset="0"/>
+              </a:rPr>
+              <a:t>$</a:t>
+            </a:r>
+            <a:r>
+              <a:rPr lang="pt-BR" sz="2400" dirty="0" err="1">
+                <a:solidFill>
+                  <a:schemeClr val="tx1"/>
+                </a:solidFill>
+                <a:latin typeface="Times New Roman" panose="02020603050405020304" pitchFamily="18" charset="0"/>
+                <a:cs typeface="Times New Roman" panose="02020603050405020304" pitchFamily="18" charset="0"/>
+              </a:rPr>
+              <a:t>bancodedados</a:t>
+            </a:r>
+            <a:r>
+              <a:rPr lang="pt-BR" sz="2400" dirty="0">
+                <a:solidFill>
+                  <a:schemeClr val="tx1"/>
+                </a:solidFill>
+                <a:latin typeface="Times New Roman" panose="02020603050405020304" pitchFamily="18" charset="0"/>
+                <a:cs typeface="Times New Roman" panose="02020603050405020304" pitchFamily="18" charset="0"/>
+              </a:rPr>
+              <a:t> = “</a:t>
+            </a:r>
+            <a:r>
+              <a:rPr lang="pt-BR" sz="2400" dirty="0" err="1">
+                <a:solidFill>
+                  <a:schemeClr val="tx1"/>
+                </a:solidFill>
+                <a:latin typeface="Times New Roman" panose="02020603050405020304" pitchFamily="18" charset="0"/>
+                <a:cs typeface="Times New Roman" panose="02020603050405020304" pitchFamily="18" charset="0"/>
+              </a:rPr>
+              <a:t>bancodedados</a:t>
+            </a:r>
+            <a:r>
+              <a:rPr lang="pt-BR" sz="2400" dirty="0">
+                <a:solidFill>
+                  <a:schemeClr val="tx1"/>
+                </a:solidFill>
+                <a:latin typeface="Times New Roman" panose="02020603050405020304" pitchFamily="18" charset="0"/>
+                <a:cs typeface="Times New Roman" panose="02020603050405020304" pitchFamily="18" charset="0"/>
+              </a:rPr>
+              <a:t>”; // </a:t>
+            </a:r>
+            <a:r>
+              <a:rPr lang="pt-BR" sz="2400" b="1" dirty="0">
+                <a:solidFill>
+                  <a:srgbClr val="FF0000"/>
+                </a:solidFill>
+                <a:latin typeface="Times New Roman" panose="02020603050405020304" pitchFamily="18" charset="0"/>
+                <a:cs typeface="Times New Roman" panose="02020603050405020304" pitchFamily="18" charset="0"/>
+              </a:rPr>
+              <a:t>nome BD</a:t>
+            </a:r>
+          </a:p>
+          <a:p>
+            <a:pPr marL="0" indent="0" algn="just">
+              <a:buNone/>
+            </a:pPr>
+            <a:r>
+              <a:rPr lang="pt-BR" sz="2400" dirty="0">
+                <a:solidFill>
+                  <a:schemeClr val="tx1"/>
+                </a:solidFill>
+                <a:latin typeface="Times New Roman" panose="02020603050405020304" pitchFamily="18" charset="0"/>
+                <a:cs typeface="Times New Roman" panose="02020603050405020304" pitchFamily="18" charset="0"/>
+              </a:rPr>
+              <a:t>$</a:t>
+            </a:r>
+            <a:r>
+              <a:rPr lang="pt-BR" sz="2400" dirty="0" err="1">
+                <a:solidFill>
+                  <a:schemeClr val="tx1"/>
+                </a:solidFill>
+                <a:latin typeface="Times New Roman" panose="02020603050405020304" pitchFamily="18" charset="0"/>
+                <a:cs typeface="Times New Roman" panose="02020603050405020304" pitchFamily="18" charset="0"/>
+              </a:rPr>
+              <a:t>usuario</a:t>
+            </a:r>
+            <a:r>
+              <a:rPr lang="pt-BR" sz="2400" dirty="0">
+                <a:solidFill>
+                  <a:schemeClr val="tx1"/>
+                </a:solidFill>
+                <a:latin typeface="Times New Roman" panose="02020603050405020304" pitchFamily="18" charset="0"/>
+                <a:cs typeface="Times New Roman" panose="02020603050405020304" pitchFamily="18" charset="0"/>
+              </a:rPr>
+              <a:t> = “</a:t>
+            </a:r>
+            <a:r>
+              <a:rPr lang="pt-BR" sz="2400" dirty="0" err="1">
+                <a:solidFill>
+                  <a:schemeClr val="tx1"/>
+                </a:solidFill>
+                <a:latin typeface="Times New Roman" panose="02020603050405020304" pitchFamily="18" charset="0"/>
+                <a:cs typeface="Times New Roman" panose="02020603050405020304" pitchFamily="18" charset="0"/>
+              </a:rPr>
+              <a:t>usuario</a:t>
+            </a:r>
+            <a:r>
+              <a:rPr lang="pt-BR" sz="2400" dirty="0">
+                <a:solidFill>
+                  <a:schemeClr val="tx1"/>
+                </a:solidFill>
+                <a:latin typeface="Times New Roman" panose="02020603050405020304" pitchFamily="18" charset="0"/>
+                <a:cs typeface="Times New Roman" panose="02020603050405020304" pitchFamily="18" charset="0"/>
+              </a:rPr>
+              <a:t>”; // </a:t>
+            </a:r>
+            <a:r>
+              <a:rPr lang="pt-BR" sz="2400" b="1" dirty="0">
+                <a:solidFill>
+                  <a:srgbClr val="FF0000"/>
+                </a:solidFill>
+                <a:latin typeface="Times New Roman" panose="02020603050405020304" pitchFamily="18" charset="0"/>
+                <a:cs typeface="Times New Roman" panose="02020603050405020304" pitchFamily="18" charset="0"/>
+              </a:rPr>
+              <a:t>root</a:t>
+            </a:r>
+          </a:p>
+          <a:p>
+            <a:pPr marL="0" indent="0" algn="just">
+              <a:buNone/>
+            </a:pPr>
+            <a:r>
+              <a:rPr lang="pt-BR" sz="2400" dirty="0">
+                <a:solidFill>
+                  <a:schemeClr val="tx1"/>
+                </a:solidFill>
+                <a:latin typeface="Times New Roman" panose="02020603050405020304" pitchFamily="18" charset="0"/>
+                <a:cs typeface="Times New Roman" panose="02020603050405020304" pitchFamily="18" charset="0"/>
+              </a:rPr>
+              <a:t>$senha = “senha”; // </a:t>
+            </a:r>
+            <a:r>
+              <a:rPr lang="pt-BR" sz="2400" b="1" dirty="0" err="1">
+                <a:solidFill>
+                  <a:srgbClr val="FF0000"/>
+                </a:solidFill>
+                <a:latin typeface="Times New Roman" panose="02020603050405020304" pitchFamily="18" charset="0"/>
+                <a:cs typeface="Times New Roman" panose="02020603050405020304" pitchFamily="18" charset="0"/>
+              </a:rPr>
+              <a:t>pwd</a:t>
+            </a:r>
+            <a:r>
+              <a:rPr lang="pt-BR" sz="2400" b="1" dirty="0">
+                <a:solidFill>
+                  <a:srgbClr val="FF0000"/>
+                </a:solidFill>
+                <a:latin typeface="Times New Roman" panose="02020603050405020304" pitchFamily="18" charset="0"/>
+                <a:cs typeface="Times New Roman" panose="02020603050405020304" pitchFamily="18" charset="0"/>
+              </a:rPr>
+              <a:t>=???</a:t>
+            </a:r>
+          </a:p>
+          <a:p>
+            <a:pPr marL="0" indent="0" algn="just">
+              <a:buNone/>
+            </a:pPr>
+            <a:r>
+              <a:rPr lang="pt-BR" sz="2400" b="1" dirty="0">
+                <a:solidFill>
+                  <a:schemeClr val="tx1"/>
+                </a:solidFill>
+                <a:latin typeface="Times New Roman" panose="02020603050405020304" pitchFamily="18" charset="0"/>
+                <a:cs typeface="Times New Roman" panose="02020603050405020304" pitchFamily="18" charset="0"/>
+              </a:rPr>
+              <a:t>$</a:t>
+            </a:r>
+            <a:r>
+              <a:rPr lang="pt-BR" sz="2400" b="1" dirty="0" err="1">
+                <a:solidFill>
+                  <a:schemeClr val="tx1"/>
+                </a:solidFill>
+                <a:latin typeface="Times New Roman" panose="02020603050405020304" pitchFamily="18" charset="0"/>
+                <a:cs typeface="Times New Roman" panose="02020603050405020304" pitchFamily="18" charset="0"/>
+              </a:rPr>
+              <a:t>mysqli</a:t>
+            </a:r>
+            <a:r>
+              <a:rPr lang="pt-BR" sz="2400" dirty="0">
+                <a:solidFill>
+                  <a:schemeClr val="tx1"/>
+                </a:solidFill>
+                <a:latin typeface="Times New Roman" panose="02020603050405020304" pitchFamily="18" charset="0"/>
+                <a:cs typeface="Times New Roman" panose="02020603050405020304" pitchFamily="18" charset="0"/>
+              </a:rPr>
+              <a:t> = </a:t>
+            </a:r>
+            <a:r>
+              <a:rPr lang="pt-BR" sz="2400" b="1" dirty="0">
+                <a:solidFill>
+                  <a:srgbClr val="FF0000"/>
+                </a:solidFill>
+                <a:latin typeface="Times New Roman" panose="02020603050405020304" pitchFamily="18" charset="0"/>
+                <a:cs typeface="Times New Roman" panose="02020603050405020304" pitchFamily="18" charset="0"/>
+              </a:rPr>
+              <a:t>new</a:t>
+            </a:r>
+            <a:r>
+              <a:rPr lang="pt-BR" sz="2400" dirty="0">
+                <a:solidFill>
+                  <a:schemeClr val="tx1"/>
+                </a:solidFill>
+                <a:latin typeface="Times New Roman" panose="02020603050405020304" pitchFamily="18" charset="0"/>
+                <a:cs typeface="Times New Roman" panose="02020603050405020304" pitchFamily="18" charset="0"/>
+              </a:rPr>
+              <a:t> </a:t>
+            </a:r>
+            <a:r>
+              <a:rPr lang="pt-BR" sz="2400" b="1" dirty="0" err="1">
+                <a:solidFill>
+                  <a:schemeClr val="tx1"/>
+                </a:solidFill>
+                <a:latin typeface="Times New Roman" panose="02020603050405020304" pitchFamily="18" charset="0"/>
+                <a:cs typeface="Times New Roman" panose="02020603050405020304" pitchFamily="18" charset="0"/>
+              </a:rPr>
+              <a:t>mysqli</a:t>
+            </a:r>
+            <a:r>
+              <a:rPr lang="pt-BR" sz="2400" dirty="0">
+                <a:solidFill>
+                  <a:schemeClr val="tx1"/>
+                </a:solidFill>
+                <a:latin typeface="Times New Roman" panose="02020603050405020304" pitchFamily="18" charset="0"/>
+                <a:cs typeface="Times New Roman" panose="02020603050405020304" pitchFamily="18" charset="0"/>
+              </a:rPr>
+              <a:t>($</a:t>
+            </a:r>
+            <a:r>
+              <a:rPr lang="pt-BR" sz="2400" dirty="0" err="1">
+                <a:solidFill>
+                  <a:schemeClr val="tx1"/>
+                </a:solidFill>
+                <a:latin typeface="Times New Roman" panose="02020603050405020304" pitchFamily="18" charset="0"/>
+                <a:cs typeface="Times New Roman" panose="02020603050405020304" pitchFamily="18" charset="0"/>
+              </a:rPr>
+              <a:t>hostname</a:t>
+            </a:r>
+            <a:r>
+              <a:rPr lang="pt-BR" sz="2400" dirty="0">
+                <a:solidFill>
+                  <a:schemeClr val="tx1"/>
+                </a:solidFill>
+                <a:latin typeface="Times New Roman" panose="02020603050405020304" pitchFamily="18" charset="0"/>
+                <a:cs typeface="Times New Roman" panose="02020603050405020304" pitchFamily="18" charset="0"/>
+              </a:rPr>
+              <a:t>, $</a:t>
+            </a:r>
+            <a:r>
+              <a:rPr lang="pt-BR" sz="2400" dirty="0" err="1">
+                <a:solidFill>
+                  <a:schemeClr val="tx1"/>
+                </a:solidFill>
+                <a:latin typeface="Times New Roman" panose="02020603050405020304" pitchFamily="18" charset="0"/>
+                <a:cs typeface="Times New Roman" panose="02020603050405020304" pitchFamily="18" charset="0"/>
+              </a:rPr>
+              <a:t>bancodedados</a:t>
+            </a:r>
+            <a:r>
+              <a:rPr lang="pt-BR" sz="2400" dirty="0">
+                <a:solidFill>
+                  <a:schemeClr val="tx1"/>
+                </a:solidFill>
+                <a:latin typeface="Times New Roman" panose="02020603050405020304" pitchFamily="18" charset="0"/>
+                <a:cs typeface="Times New Roman" panose="02020603050405020304" pitchFamily="18" charset="0"/>
+              </a:rPr>
+              <a:t>, $usuário, $senha); </a:t>
+            </a:r>
+          </a:p>
+          <a:p>
+            <a:pPr marL="0" indent="0" algn="just">
+              <a:buNone/>
+            </a:pPr>
+            <a:r>
+              <a:rPr lang="pt-BR" sz="2400" dirty="0" err="1">
+                <a:solidFill>
+                  <a:schemeClr val="tx1"/>
+                </a:solidFill>
+                <a:latin typeface="Times New Roman" panose="02020603050405020304" pitchFamily="18" charset="0"/>
+                <a:cs typeface="Times New Roman" panose="02020603050405020304" pitchFamily="18" charset="0"/>
+              </a:rPr>
+              <a:t>if</a:t>
+            </a:r>
+            <a:r>
+              <a:rPr lang="pt-BR" sz="2400" dirty="0">
+                <a:solidFill>
+                  <a:schemeClr val="tx1"/>
+                </a:solidFill>
+                <a:latin typeface="Times New Roman" panose="02020603050405020304" pitchFamily="18" charset="0"/>
+                <a:cs typeface="Times New Roman" panose="02020603050405020304" pitchFamily="18" charset="0"/>
+              </a:rPr>
+              <a:t> (</a:t>
+            </a:r>
+            <a:r>
+              <a:rPr lang="pt-BR" sz="2400" b="1" dirty="0">
+                <a:solidFill>
+                  <a:schemeClr val="tx1"/>
+                </a:solidFill>
+                <a:latin typeface="Times New Roman" panose="02020603050405020304" pitchFamily="18" charset="0"/>
+                <a:cs typeface="Times New Roman" panose="02020603050405020304" pitchFamily="18" charset="0"/>
+              </a:rPr>
+              <a:t>$</a:t>
+            </a:r>
+            <a:r>
+              <a:rPr lang="pt-BR" sz="2400" b="1" dirty="0" err="1">
+                <a:solidFill>
+                  <a:schemeClr val="tx1"/>
+                </a:solidFill>
+                <a:latin typeface="Times New Roman" panose="02020603050405020304" pitchFamily="18" charset="0"/>
+                <a:cs typeface="Times New Roman" panose="02020603050405020304" pitchFamily="18" charset="0"/>
+              </a:rPr>
+              <a:t>mysqli</a:t>
+            </a:r>
+            <a:r>
+              <a:rPr lang="pt-BR" sz="2400" dirty="0">
+                <a:solidFill>
+                  <a:schemeClr val="tx1"/>
+                </a:solidFill>
+                <a:latin typeface="Times New Roman" panose="02020603050405020304" pitchFamily="18" charset="0"/>
+                <a:cs typeface="Times New Roman" panose="02020603050405020304" pitchFamily="18" charset="0"/>
+              </a:rPr>
+              <a:t> -&gt; </a:t>
+            </a:r>
+            <a:r>
+              <a:rPr lang="pt-BR" sz="2400" dirty="0" err="1">
+                <a:solidFill>
+                  <a:schemeClr val="tx1"/>
+                </a:solidFill>
+                <a:latin typeface="Times New Roman" panose="02020603050405020304" pitchFamily="18" charset="0"/>
+                <a:cs typeface="Times New Roman" panose="02020603050405020304" pitchFamily="18" charset="0"/>
+              </a:rPr>
+              <a:t>connect_errno</a:t>
+            </a:r>
+            <a:r>
+              <a:rPr lang="pt-BR" sz="2400" dirty="0">
+                <a:solidFill>
+                  <a:schemeClr val="tx1"/>
+                </a:solidFill>
+                <a:latin typeface="Times New Roman" panose="02020603050405020304" pitchFamily="18" charset="0"/>
+                <a:cs typeface="Times New Roman" panose="02020603050405020304" pitchFamily="18" charset="0"/>
+              </a:rPr>
+              <a:t>) {</a:t>
+            </a:r>
+          </a:p>
+          <a:p>
+            <a:pPr marL="0" indent="0" algn="just">
+              <a:buNone/>
+            </a:pPr>
+            <a:r>
+              <a:rPr lang="pt-BR" sz="2400" dirty="0">
+                <a:solidFill>
+                  <a:schemeClr val="tx1"/>
+                </a:solidFill>
+                <a:latin typeface="Times New Roman" panose="02020603050405020304" pitchFamily="18" charset="0"/>
+                <a:cs typeface="Times New Roman" panose="02020603050405020304" pitchFamily="18" charset="0"/>
+              </a:rPr>
+              <a:t>	</a:t>
+            </a:r>
+            <a:r>
+              <a:rPr lang="pt-BR" sz="2400" b="1" dirty="0" err="1">
+                <a:solidFill>
+                  <a:schemeClr val="tx1"/>
+                </a:solidFill>
+                <a:latin typeface="Times New Roman" panose="02020603050405020304" pitchFamily="18" charset="0"/>
+                <a:cs typeface="Times New Roman" panose="02020603050405020304" pitchFamily="18" charset="0"/>
+              </a:rPr>
+              <a:t>echo</a:t>
+            </a:r>
+            <a:r>
+              <a:rPr lang="pt-BR" sz="2400" dirty="0">
+                <a:solidFill>
+                  <a:schemeClr val="tx1"/>
+                </a:solidFill>
+                <a:latin typeface="Times New Roman" panose="02020603050405020304" pitchFamily="18" charset="0"/>
+                <a:cs typeface="Times New Roman" panose="02020603050405020304" pitchFamily="18" charset="0"/>
+              </a:rPr>
+              <a:t> “falha ao conectar no BD: (“</a:t>
+            </a:r>
+            <a:r>
+              <a:rPr lang="pt-BR" sz="2400" b="1" dirty="0">
+                <a:solidFill>
+                  <a:schemeClr val="tx1"/>
+                </a:solidFill>
+                <a:latin typeface="Times New Roman" panose="02020603050405020304" pitchFamily="18" charset="0"/>
+                <a:cs typeface="Times New Roman" panose="02020603050405020304" pitchFamily="18" charset="0"/>
+              </a:rPr>
+              <a:t>. $</a:t>
+            </a:r>
+            <a:r>
+              <a:rPr lang="pt-BR" sz="2400" b="1" dirty="0" err="1">
+                <a:solidFill>
+                  <a:schemeClr val="tx1"/>
+                </a:solidFill>
+                <a:latin typeface="Times New Roman" panose="02020603050405020304" pitchFamily="18" charset="0"/>
+                <a:cs typeface="Times New Roman" panose="02020603050405020304" pitchFamily="18" charset="0"/>
+              </a:rPr>
+              <a:t>mysqli</a:t>
+            </a:r>
+            <a:r>
+              <a:rPr lang="pt-BR" sz="2400" dirty="0">
+                <a:solidFill>
+                  <a:schemeClr val="tx1"/>
+                </a:solidFill>
+                <a:latin typeface="Times New Roman" panose="02020603050405020304" pitchFamily="18" charset="0"/>
+                <a:cs typeface="Times New Roman" panose="02020603050405020304" pitchFamily="18" charset="0"/>
+              </a:rPr>
+              <a:t> -&gt; </a:t>
+            </a:r>
+            <a:r>
+              <a:rPr lang="pt-BR" sz="2400" dirty="0" err="1">
+                <a:solidFill>
+                  <a:schemeClr val="tx1"/>
+                </a:solidFill>
+                <a:latin typeface="Times New Roman" panose="02020603050405020304" pitchFamily="18" charset="0"/>
+                <a:cs typeface="Times New Roman" panose="02020603050405020304" pitchFamily="18" charset="0"/>
+              </a:rPr>
+              <a:t>connect_errno</a:t>
+            </a:r>
+            <a:r>
+              <a:rPr lang="pt-BR" sz="2400" dirty="0">
+                <a:solidFill>
+                  <a:schemeClr val="tx1"/>
+                </a:solidFill>
+                <a:latin typeface="Times New Roman" panose="02020603050405020304" pitchFamily="18" charset="0"/>
+                <a:cs typeface="Times New Roman" panose="02020603050405020304" pitchFamily="18" charset="0"/>
+              </a:rPr>
+              <a:t>.”)”.</a:t>
+            </a:r>
+          </a:p>
+          <a:p>
+            <a:pPr marL="0" indent="0" algn="just">
+              <a:buNone/>
+            </a:pPr>
+            <a:r>
+              <a:rPr lang="pt-BR" sz="2400" dirty="0">
+                <a:solidFill>
+                  <a:schemeClr val="tx1"/>
+                </a:solidFill>
+                <a:latin typeface="Times New Roman" panose="02020603050405020304" pitchFamily="18" charset="0"/>
+                <a:cs typeface="Times New Roman" panose="02020603050405020304" pitchFamily="18" charset="0"/>
+              </a:rPr>
+              <a:t>			</a:t>
+            </a:r>
+            <a:r>
+              <a:rPr lang="pt-BR" sz="2400" b="1" dirty="0">
+                <a:solidFill>
+                  <a:schemeClr val="tx1"/>
+                </a:solidFill>
+                <a:latin typeface="Times New Roman" panose="02020603050405020304" pitchFamily="18" charset="0"/>
+                <a:cs typeface="Times New Roman" panose="02020603050405020304" pitchFamily="18" charset="0"/>
+              </a:rPr>
+              <a:t>$</a:t>
+            </a:r>
+            <a:r>
+              <a:rPr lang="pt-BR" sz="2400" b="1" dirty="0" err="1">
+                <a:solidFill>
+                  <a:schemeClr val="tx1"/>
+                </a:solidFill>
+                <a:latin typeface="Times New Roman" panose="02020603050405020304" pitchFamily="18" charset="0"/>
+                <a:cs typeface="Times New Roman" panose="02020603050405020304" pitchFamily="18" charset="0"/>
+              </a:rPr>
+              <a:t>mysqli</a:t>
+            </a:r>
+            <a:r>
+              <a:rPr lang="pt-BR" sz="2400" dirty="0">
+                <a:solidFill>
+                  <a:schemeClr val="tx1"/>
+                </a:solidFill>
+                <a:latin typeface="Times New Roman" panose="02020603050405020304" pitchFamily="18" charset="0"/>
+                <a:cs typeface="Times New Roman" panose="02020603050405020304" pitchFamily="18" charset="0"/>
+              </a:rPr>
+              <a:t> -&gt; </a:t>
+            </a:r>
+            <a:r>
+              <a:rPr lang="pt-BR" sz="2400" dirty="0" err="1">
+                <a:solidFill>
+                  <a:schemeClr val="tx1"/>
+                </a:solidFill>
+                <a:latin typeface="Times New Roman" panose="02020603050405020304" pitchFamily="18" charset="0"/>
+                <a:cs typeface="Times New Roman" panose="02020603050405020304" pitchFamily="18" charset="0"/>
+              </a:rPr>
+              <a:t>connect_errno</a:t>
+            </a:r>
+            <a:r>
+              <a:rPr lang="pt-BR" sz="2400" dirty="0">
+                <a:solidFill>
+                  <a:schemeClr val="tx1"/>
+                </a:solidFill>
+                <a:latin typeface="Times New Roman" panose="02020603050405020304" pitchFamily="18" charset="0"/>
+                <a:cs typeface="Times New Roman" panose="02020603050405020304" pitchFamily="18" charset="0"/>
+              </a:rPr>
+              <a:t>;</a:t>
+            </a:r>
+          </a:p>
+          <a:p>
+            <a:pPr marL="0" indent="0" algn="just">
+              <a:buNone/>
+            </a:pPr>
+            <a:r>
+              <a:rPr lang="pt-BR" sz="2400" dirty="0">
+                <a:solidFill>
+                  <a:schemeClr val="tx1"/>
+                </a:solidFill>
+                <a:latin typeface="Times New Roman" panose="02020603050405020304" pitchFamily="18" charset="0"/>
+                <a:cs typeface="Times New Roman" panose="02020603050405020304" pitchFamily="18" charset="0"/>
+              </a:rPr>
+              <a:t>} </a:t>
+            </a:r>
+            <a:r>
+              <a:rPr lang="pt-BR" sz="2400" dirty="0" err="1">
+                <a:solidFill>
+                  <a:schemeClr val="tx1"/>
+                </a:solidFill>
+                <a:latin typeface="Times New Roman" panose="02020603050405020304" pitchFamily="18" charset="0"/>
+                <a:cs typeface="Times New Roman" panose="02020603050405020304" pitchFamily="18" charset="0"/>
+              </a:rPr>
+              <a:t>else</a:t>
+            </a:r>
+            <a:r>
+              <a:rPr lang="pt-BR" sz="2400" dirty="0">
+                <a:solidFill>
+                  <a:schemeClr val="tx1"/>
+                </a:solidFill>
+                <a:latin typeface="Times New Roman" panose="02020603050405020304" pitchFamily="18" charset="0"/>
+                <a:cs typeface="Times New Roman" panose="02020603050405020304" pitchFamily="18" charset="0"/>
+              </a:rPr>
+              <a:t> { </a:t>
+            </a:r>
+            <a:r>
+              <a:rPr lang="pt-BR" sz="2400" b="1" dirty="0" err="1">
+                <a:solidFill>
+                  <a:schemeClr val="tx1"/>
+                </a:solidFill>
+                <a:latin typeface="Times New Roman" panose="02020603050405020304" pitchFamily="18" charset="0"/>
+                <a:cs typeface="Times New Roman" panose="02020603050405020304" pitchFamily="18" charset="0"/>
+              </a:rPr>
+              <a:t>echo</a:t>
+            </a:r>
+            <a:r>
+              <a:rPr lang="pt-BR" sz="2400" dirty="0">
+                <a:solidFill>
+                  <a:schemeClr val="tx1"/>
+                </a:solidFill>
+                <a:latin typeface="Times New Roman" panose="02020603050405020304" pitchFamily="18" charset="0"/>
+                <a:cs typeface="Times New Roman" panose="02020603050405020304" pitchFamily="18" charset="0"/>
+              </a:rPr>
+              <a:t> “conectado com sucesso!!!”;}</a:t>
+            </a:r>
+          </a:p>
+          <a:p>
+            <a:pPr marL="0" indent="0" algn="just">
+              <a:buNone/>
+            </a:pPr>
+            <a:endParaRPr lang="pt-BR" sz="2400" dirty="0">
+              <a:solidFill>
+                <a:schemeClr val="tx1"/>
+              </a:solidFill>
+              <a:latin typeface="Times New Roman" panose="02020603050405020304" pitchFamily="18" charset="0"/>
+              <a:cs typeface="Times New Roman" panose="02020603050405020304" pitchFamily="18" charset="0"/>
+            </a:endParaRPr>
+          </a:p>
+        </p:txBody>
+      </p:sp>
+    </p:spTree>
+    <p:extLst>
+      <p:ext uri="{BB962C8B-B14F-4D97-AF65-F5344CB8AC3E}">
+        <p14:creationId xmlns:p14="http://schemas.microsoft.com/office/powerpoint/2010/main" val="1235422409"/>
+      </p:ext>
+    </p:extLst>
+  </p:cSld>
+  <p:clrMapOvr>
+    <a:masterClrMapping/>
+  </p:clrMapOvr>
+  <p:transition spd="med"/>
+</p:sld>
+</file>
+
+<file path=ppt/slides/slide57.xml><?xml version="1.0" encoding="utf-8"?>
+<p:sld xmlns:a="http://schemas.openxmlformats.org/drawingml/2006/main" xmlns:r="http://schemas.openxmlformats.org/officeDocument/2006/relationships" xmlns:p="http://schemas.openxmlformats.org/presentationml/2006/main">
+  <p:cSld>
+    <p:spTree>
+      <p:nvGrpSpPr>
+        <p:cNvPr id="1" name=""/>
+        <p:cNvGrpSpPr/>
+        <p:nvPr/>
+      </p:nvGrpSpPr>
+      <p:grpSpPr>
+        <a:xfrm>
+          <a:off x="0" y="0"/>
+          <a:ext cx="0" cy="0"/>
+          <a:chOff x="0" y="0"/>
+          <a:chExt cx="0" cy="0"/>
+        </a:xfrm>
+      </p:grpSpPr>
+      <p:sp>
+        <p:nvSpPr>
+          <p:cNvPr id="6" name="Title 1"/>
+          <p:cNvSpPr>
+            <a:spLocks noGrp="1"/>
+          </p:cNvSpPr>
+          <p:nvPr>
+            <p:ph type="title"/>
+          </p:nvPr>
+        </p:nvSpPr>
+        <p:spPr>
+          <a:xfrm>
+            <a:off x="457200" y="205980"/>
+            <a:ext cx="8229600" cy="857251"/>
+          </a:xfrm>
+        </p:spPr>
+        <p:txBody>
+          <a:bodyPr>
+            <a:normAutofit/>
+          </a:bodyPr>
+          <a:lstStyle/>
+          <a:p>
+            <a:r>
+              <a:rPr lang="en-US" b="1" dirty="0">
+                <a:solidFill>
+                  <a:srgbClr val="0070C0"/>
+                </a:solidFill>
+              </a:rPr>
+              <a:t>PHP – BD MySQL </a:t>
+            </a:r>
+            <a:r>
+              <a:rPr lang="en-US" b="1" dirty="0" err="1">
+                <a:solidFill>
+                  <a:srgbClr val="0070C0"/>
+                </a:solidFill>
+              </a:rPr>
+              <a:t>Transações</a:t>
+            </a:r>
+            <a:endParaRPr lang="en-US" b="1" dirty="0">
+              <a:solidFill>
+                <a:srgbClr val="0070C0"/>
+              </a:solidFill>
+            </a:endParaRPr>
+          </a:p>
+        </p:txBody>
+      </p:sp>
+      <p:sp>
+        <p:nvSpPr>
+          <p:cNvPr id="8" name="Text Placeholder 2"/>
+          <p:cNvSpPr>
+            <a:spLocks noGrp="1"/>
+          </p:cNvSpPr>
+          <p:nvPr>
+            <p:ph type="body" sz="half" idx="1"/>
+          </p:nvPr>
+        </p:nvSpPr>
+        <p:spPr>
+          <a:xfrm>
+            <a:off x="142865" y="1037312"/>
+            <a:ext cx="8865056" cy="3900208"/>
+          </a:xfrm>
+        </p:spPr>
+        <p:txBody>
+          <a:bodyPr>
+            <a:noAutofit/>
+          </a:bodyPr>
+          <a:lstStyle/>
+          <a:p>
+            <a:pPr marL="0" indent="0" algn="just">
+              <a:buNone/>
+            </a:pPr>
+            <a:r>
+              <a:rPr lang="pt-BR" sz="2400" b="1" dirty="0">
+                <a:solidFill>
+                  <a:schemeClr val="tx1"/>
+                </a:solidFill>
+                <a:latin typeface="Times New Roman" panose="02020603050405020304" pitchFamily="18" charset="0"/>
+                <a:cs typeface="Times New Roman" panose="02020603050405020304" pitchFamily="18" charset="0"/>
+              </a:rPr>
+              <a:t>CRUD</a:t>
+            </a:r>
+            <a:endParaRPr lang="pt-BR" sz="2400" dirty="0">
+              <a:solidFill>
+                <a:schemeClr val="tx1"/>
+              </a:solidFill>
+              <a:latin typeface="Times New Roman" panose="02020603050405020304" pitchFamily="18" charset="0"/>
+              <a:cs typeface="Times New Roman" panose="02020603050405020304" pitchFamily="18" charset="0"/>
+            </a:endParaRPr>
+          </a:p>
+          <a:p>
+            <a:pPr marL="0" indent="0" algn="just">
+              <a:buNone/>
+            </a:pPr>
+            <a:endParaRPr lang="pt-BR" sz="2400" dirty="0">
+              <a:solidFill>
+                <a:schemeClr val="tx1"/>
+              </a:solidFill>
+              <a:latin typeface="Times New Roman" panose="02020603050405020304" pitchFamily="18" charset="0"/>
+              <a:cs typeface="Times New Roman" panose="02020603050405020304" pitchFamily="18" charset="0"/>
+            </a:endParaRPr>
+          </a:p>
+          <a:p>
+            <a:pPr marL="0" indent="0" algn="just">
+              <a:buNone/>
+            </a:pPr>
+            <a:endParaRPr lang="pt-BR" sz="2400" dirty="0">
+              <a:solidFill>
+                <a:schemeClr val="tx1"/>
+              </a:solidFill>
+              <a:latin typeface="Times New Roman" panose="02020603050405020304" pitchFamily="18" charset="0"/>
+              <a:cs typeface="Times New Roman" panose="02020603050405020304" pitchFamily="18" charset="0"/>
+            </a:endParaRPr>
+          </a:p>
+          <a:p>
+            <a:pPr marL="0" indent="0" algn="just">
+              <a:buNone/>
+            </a:pPr>
+            <a:endParaRPr lang="pt-BR" sz="2400" dirty="0">
+              <a:solidFill>
+                <a:schemeClr val="tx1"/>
+              </a:solidFill>
+              <a:latin typeface="Times New Roman" panose="02020603050405020304" pitchFamily="18" charset="0"/>
+              <a:cs typeface="Times New Roman" panose="02020603050405020304" pitchFamily="18" charset="0"/>
+            </a:endParaRPr>
+          </a:p>
+        </p:txBody>
+      </p:sp>
+    </p:spTree>
+    <p:extLst>
+      <p:ext uri="{BB962C8B-B14F-4D97-AF65-F5344CB8AC3E}">
+        <p14:creationId xmlns:p14="http://schemas.microsoft.com/office/powerpoint/2010/main" val="1423707929"/>
+      </p:ext>
+    </p:extLst>
+  </p:cSld>
+  <p:clrMapOvr>
+    <a:masterClrMapping/>
+  </p:clrMapOvr>
+  <p:transition spd="med"/>
+</p:sld>
+</file>
+
+<file path=ppt/slides/slide58.xml><?xml version="1.0" encoding="utf-8"?>
+<p:sld xmlns:a="http://schemas.openxmlformats.org/drawingml/2006/main" xmlns:r="http://schemas.openxmlformats.org/officeDocument/2006/relationships" xmlns:p="http://schemas.openxmlformats.org/presentationml/2006/main">
+  <p:cSld>
+    <p:spTree>
+      <p:nvGrpSpPr>
+        <p:cNvPr id="1" name=""/>
+        <p:cNvGrpSpPr/>
+        <p:nvPr/>
+      </p:nvGrpSpPr>
+      <p:grpSpPr>
+        <a:xfrm>
+          <a:off x="0" y="0"/>
+          <a:ext cx="0" cy="0"/>
+          <a:chOff x="0" y="0"/>
+          <a:chExt cx="0" cy="0"/>
+        </a:xfrm>
+      </p:grpSpPr>
+      <p:sp>
+        <p:nvSpPr>
+          <p:cNvPr id="6" name="Title 1"/>
+          <p:cNvSpPr>
+            <a:spLocks noGrp="1"/>
+          </p:cNvSpPr>
+          <p:nvPr>
+            <p:ph type="title"/>
+          </p:nvPr>
+        </p:nvSpPr>
+        <p:spPr>
+          <a:xfrm>
+            <a:off x="457200" y="205980"/>
+            <a:ext cx="8229600" cy="857251"/>
+          </a:xfrm>
+        </p:spPr>
+        <p:txBody>
+          <a:bodyPr>
+            <a:normAutofit/>
+          </a:bodyPr>
+          <a:lstStyle/>
+          <a:p>
+            <a:r>
+              <a:rPr lang="en-US" b="1" dirty="0" err="1">
+                <a:solidFill>
+                  <a:srgbClr val="0070C0"/>
+                </a:solidFill>
+              </a:rPr>
+              <a:t>Leitura</a:t>
+            </a:r>
+            <a:r>
+              <a:rPr lang="en-US" b="1" dirty="0">
+                <a:solidFill>
+                  <a:srgbClr val="0070C0"/>
+                </a:solidFill>
+              </a:rPr>
+              <a:t> </a:t>
+            </a:r>
+            <a:r>
+              <a:rPr lang="en-US" b="1" dirty="0" err="1">
+                <a:solidFill>
+                  <a:srgbClr val="0070C0"/>
+                </a:solidFill>
+              </a:rPr>
+              <a:t>Específica</a:t>
+            </a:r>
+            <a:endParaRPr lang="en-US" b="1" dirty="0">
+              <a:solidFill>
+                <a:srgbClr val="0070C0"/>
+              </a:solidFill>
+            </a:endParaRPr>
+          </a:p>
+        </p:txBody>
+      </p:sp>
+      <p:sp>
+        <p:nvSpPr>
+          <p:cNvPr id="8" name="Text Placeholder 2"/>
+          <p:cNvSpPr>
+            <a:spLocks noGrp="1"/>
+          </p:cNvSpPr>
+          <p:nvPr>
+            <p:ph type="body" sz="half" idx="1"/>
+          </p:nvPr>
+        </p:nvSpPr>
+        <p:spPr>
+          <a:xfrm>
+            <a:off x="142865" y="1012261"/>
+            <a:ext cx="8865056" cy="3835312"/>
+          </a:xfrm>
+        </p:spPr>
+        <p:txBody>
+          <a:bodyPr>
+            <a:noAutofit/>
+          </a:bodyPr>
+          <a:lstStyle/>
+          <a:p>
+            <a:pPr marL="0" indent="0" algn="just">
+              <a:buNone/>
+            </a:pPr>
+            <a:endParaRPr lang="pt-BR" sz="2000" dirty="0">
+              <a:latin typeface="Times New Roman" panose="02020603050405020304" pitchFamily="18" charset="0"/>
+              <a:cs typeface="Times New Roman" panose="02020603050405020304" pitchFamily="18" charset="0"/>
+            </a:endParaRPr>
+          </a:p>
+          <a:p>
+            <a:pPr marL="0" indent="0" algn="just">
+              <a:buNone/>
+            </a:pPr>
+            <a:r>
+              <a:rPr lang="pt-BR" sz="2000" dirty="0">
+                <a:latin typeface="Times New Roman" panose="02020603050405020304" pitchFamily="18" charset="0"/>
+                <a:cs typeface="Times New Roman" panose="02020603050405020304" pitchFamily="18" charset="0"/>
+              </a:rPr>
+              <a:t>[1] </a:t>
+            </a:r>
+            <a:r>
+              <a:rPr lang="pt-BR" sz="2000" b="1" dirty="0">
+                <a:latin typeface="Times New Roman" panose="02020603050405020304" pitchFamily="18" charset="0"/>
+                <a:cs typeface="Times New Roman" panose="02020603050405020304" pitchFamily="18" charset="0"/>
+              </a:rPr>
+              <a:t>PHP</a:t>
+            </a:r>
+          </a:p>
+          <a:p>
+            <a:pPr marL="0" indent="0" algn="just">
+              <a:buNone/>
+            </a:pPr>
+            <a:r>
+              <a:rPr lang="pt-BR" sz="2000" b="1" dirty="0">
+                <a:latin typeface="Times New Roman" panose="02020603050405020304" pitchFamily="18" charset="0"/>
+                <a:cs typeface="Times New Roman" panose="02020603050405020304" pitchFamily="18" charset="0"/>
+              </a:rPr>
+              <a:t>	Disponível em</a:t>
+            </a:r>
+            <a:r>
+              <a:rPr lang="pt-BR" sz="2000" dirty="0">
+                <a:latin typeface="Times New Roman" panose="02020603050405020304" pitchFamily="18" charset="0"/>
+                <a:cs typeface="Times New Roman" panose="02020603050405020304" pitchFamily="18" charset="0"/>
+              </a:rPr>
+              <a:t>: </a:t>
+            </a:r>
+            <a:r>
+              <a:rPr lang="pt-BR" sz="2000" dirty="0">
+                <a:latin typeface="Times New Roman" panose="02020603050405020304" pitchFamily="18" charset="0"/>
+                <a:cs typeface="Times New Roman" panose="02020603050405020304" pitchFamily="18" charset="0"/>
+                <a:hlinkClick r:id="rId3"/>
+              </a:rPr>
+              <a:t>https://www.php.net/</a:t>
+            </a:r>
+            <a:endParaRPr lang="pt-BR" sz="2000" dirty="0">
+              <a:latin typeface="Times New Roman" panose="02020603050405020304" pitchFamily="18" charset="0"/>
+              <a:cs typeface="Times New Roman" panose="02020603050405020304" pitchFamily="18" charset="0"/>
+            </a:endParaRPr>
+          </a:p>
+          <a:p>
+            <a:pPr marL="0" indent="0" algn="just">
+              <a:buNone/>
+            </a:pPr>
+            <a:endParaRPr lang="pt-BR" sz="2000" dirty="0">
+              <a:latin typeface="Times New Roman" panose="02020603050405020304" pitchFamily="18" charset="0"/>
+              <a:cs typeface="Times New Roman" panose="02020603050405020304" pitchFamily="18" charset="0"/>
+            </a:endParaRPr>
+          </a:p>
+          <a:p>
+            <a:pPr marL="0" indent="0" algn="just">
+              <a:buNone/>
+            </a:pPr>
+            <a:endParaRPr lang="pt-BR" sz="2000" dirty="0">
+              <a:latin typeface="Times New Roman" panose="02020603050405020304" pitchFamily="18" charset="0"/>
+              <a:cs typeface="Times New Roman" panose="02020603050405020304" pitchFamily="18" charset="0"/>
+            </a:endParaRPr>
+          </a:p>
+          <a:p>
+            <a:pPr marL="0" indent="0" algn="just">
+              <a:buNone/>
+            </a:pPr>
+            <a:r>
+              <a:rPr lang="pt-BR" sz="2000" dirty="0">
+                <a:latin typeface="Times New Roman" panose="02020603050405020304" pitchFamily="18" charset="0"/>
+                <a:cs typeface="Times New Roman" panose="02020603050405020304" pitchFamily="18" charset="0"/>
+              </a:rPr>
+              <a:t>[2] </a:t>
+            </a:r>
+            <a:r>
+              <a:rPr lang="pt-BR" sz="2000" b="1" dirty="0">
+                <a:latin typeface="Times New Roman" panose="02020603050405020304" pitchFamily="18" charset="0"/>
+                <a:cs typeface="Times New Roman" panose="02020603050405020304" pitchFamily="18" charset="0"/>
+              </a:rPr>
+              <a:t>W3Schools</a:t>
+            </a:r>
+          </a:p>
+          <a:p>
+            <a:pPr marL="0" indent="0" algn="just">
+              <a:buNone/>
+            </a:pPr>
+            <a:r>
+              <a:rPr lang="pt-BR" sz="2000" dirty="0">
+                <a:latin typeface="Times New Roman" panose="02020603050405020304" pitchFamily="18" charset="0"/>
+                <a:cs typeface="Times New Roman" panose="02020603050405020304" pitchFamily="18" charset="0"/>
+              </a:rPr>
+              <a:t>	</a:t>
+            </a:r>
+            <a:r>
+              <a:rPr lang="pt-BR" sz="2000" b="1" dirty="0">
+                <a:latin typeface="Times New Roman" panose="02020603050405020304" pitchFamily="18" charset="0"/>
+                <a:cs typeface="Times New Roman" panose="02020603050405020304" pitchFamily="18" charset="0"/>
+              </a:rPr>
+              <a:t> Disponível em</a:t>
+            </a:r>
+            <a:r>
+              <a:rPr lang="pt-BR" sz="2000" dirty="0">
+                <a:latin typeface="Times New Roman" panose="02020603050405020304" pitchFamily="18" charset="0"/>
+                <a:cs typeface="Times New Roman" panose="02020603050405020304" pitchFamily="18" charset="0"/>
+              </a:rPr>
+              <a:t>: </a:t>
+            </a:r>
+            <a:r>
+              <a:rPr lang="pt-BR" sz="2000" dirty="0">
+                <a:latin typeface="Times New Roman" panose="02020603050405020304" pitchFamily="18" charset="0"/>
+                <a:cs typeface="Times New Roman" panose="02020603050405020304" pitchFamily="18" charset="0"/>
+                <a:hlinkClick r:id="rId4"/>
+              </a:rPr>
+              <a:t>https://www.w3schools.com/php/default.asp</a:t>
+            </a:r>
+            <a:endParaRPr lang="pt-BR" sz="2000" dirty="0">
+              <a:latin typeface="Times New Roman" panose="02020603050405020304" pitchFamily="18" charset="0"/>
+              <a:cs typeface="Times New Roman" panose="02020603050405020304" pitchFamily="18" charset="0"/>
+            </a:endParaRPr>
+          </a:p>
+          <a:p>
+            <a:pPr marL="0" indent="0" algn="just">
+              <a:buNone/>
+            </a:pPr>
+            <a:endParaRPr lang="pt-BR" sz="2000" dirty="0">
+              <a:latin typeface="Times New Roman" panose="02020603050405020304" pitchFamily="18" charset="0"/>
+              <a:cs typeface="Times New Roman" panose="02020603050405020304" pitchFamily="18" charset="0"/>
+            </a:endParaRPr>
+          </a:p>
+        </p:txBody>
+      </p:sp>
+    </p:spTree>
+    <p:extLst>
+      <p:ext uri="{BB962C8B-B14F-4D97-AF65-F5344CB8AC3E}">
+        <p14:creationId xmlns:p14="http://schemas.microsoft.com/office/powerpoint/2010/main" val="3680270425"/>
+      </p:ext>
+    </p:extLst>
+  </p:cSld>
+  <p:clrMapOvr>
+    <a:masterClrMapping/>
+  </p:clrMapOvr>
+  <p:transition spd="med"/>
+</p:sld>
+</file>
+
+<file path=ppt/slides/slide59.xml><?xml version="1.0" encoding="utf-8"?>
+<p:sld xmlns:a="http://schemas.openxmlformats.org/drawingml/2006/main" xmlns:r="http://schemas.openxmlformats.org/officeDocument/2006/relationships" xmlns:p="http://schemas.openxmlformats.org/presentationml/2006/main">
+  <p:cSld>
+    <p:spTree>
+      <p:nvGrpSpPr>
+        <p:cNvPr id="1" name=""/>
+        <p:cNvGrpSpPr/>
+        <p:nvPr/>
+      </p:nvGrpSpPr>
+      <p:grpSpPr>
+        <a:xfrm>
+          <a:off x="0" y="0"/>
+          <a:ext cx="0" cy="0"/>
+          <a:chOff x="0" y="0"/>
+          <a:chExt cx="0" cy="0"/>
+        </a:xfrm>
+      </p:grpSpPr>
+      <p:sp>
+        <p:nvSpPr>
+          <p:cNvPr id="6" name="Title 1"/>
+          <p:cNvSpPr>
+            <a:spLocks noGrp="1"/>
+          </p:cNvSpPr>
+          <p:nvPr>
+            <p:ph type="title"/>
+          </p:nvPr>
+        </p:nvSpPr>
+        <p:spPr>
+          <a:xfrm>
+            <a:off x="457200" y="205980"/>
+            <a:ext cx="8229600" cy="857251"/>
+          </a:xfrm>
+        </p:spPr>
+        <p:txBody>
+          <a:bodyPr>
+            <a:normAutofit/>
+          </a:bodyPr>
+          <a:lstStyle/>
+          <a:p>
+            <a:r>
+              <a:rPr lang="en-US" b="1" dirty="0" err="1">
+                <a:solidFill>
+                  <a:srgbClr val="0070C0"/>
+                </a:solidFill>
+              </a:rPr>
+              <a:t>Aprenda</a:t>
+            </a:r>
+            <a:r>
+              <a:rPr lang="en-US" b="1" dirty="0">
+                <a:solidFill>
+                  <a:srgbClr val="0070C0"/>
+                </a:solidFill>
+              </a:rPr>
+              <a:t>+</a:t>
+            </a:r>
+          </a:p>
+        </p:txBody>
+      </p:sp>
+      <p:sp>
+        <p:nvSpPr>
+          <p:cNvPr id="8" name="Text Placeholder 2"/>
+          <p:cNvSpPr>
+            <a:spLocks noGrp="1"/>
+          </p:cNvSpPr>
+          <p:nvPr>
+            <p:ph type="body" sz="half" idx="1"/>
+          </p:nvPr>
+        </p:nvSpPr>
+        <p:spPr>
+          <a:xfrm>
+            <a:off x="142865" y="1200151"/>
+            <a:ext cx="8865056" cy="3394472"/>
+          </a:xfrm>
+        </p:spPr>
+        <p:txBody>
+          <a:bodyPr>
+            <a:noAutofit/>
+          </a:bodyPr>
+          <a:lstStyle/>
+          <a:p>
+            <a:pPr marL="0" indent="0" algn="just">
+              <a:buNone/>
+            </a:pPr>
+            <a:endParaRPr lang="pt-BR" sz="2400" dirty="0">
+              <a:latin typeface="Times New Roman" panose="02020603050405020304" pitchFamily="18" charset="0"/>
+              <a:cs typeface="Times New Roman" panose="02020603050405020304" pitchFamily="18" charset="0"/>
+            </a:endParaRPr>
+          </a:p>
+          <a:p>
+            <a:pPr marL="0" indent="0" algn="just">
+              <a:buNone/>
+            </a:pPr>
+            <a:r>
+              <a:rPr lang="pt-BR" sz="2400" dirty="0">
+                <a:latin typeface="Times New Roman" panose="02020603050405020304" pitchFamily="18" charset="0"/>
+                <a:cs typeface="Times New Roman" panose="02020603050405020304" pitchFamily="18" charset="0"/>
+              </a:rPr>
+              <a:t>[1] Construindo classes no PHP orientado a objetos</a:t>
+            </a:r>
+          </a:p>
+          <a:p>
+            <a:pPr marL="0" indent="0" algn="just">
+              <a:buNone/>
+            </a:pPr>
+            <a:r>
+              <a:rPr lang="pt-BR" sz="2400" dirty="0">
+                <a:latin typeface="Times New Roman" panose="02020603050405020304" pitchFamily="18" charset="0"/>
+                <a:cs typeface="Times New Roman" panose="02020603050405020304" pitchFamily="18" charset="0"/>
+              </a:rPr>
+              <a:t>	</a:t>
+            </a:r>
+            <a:r>
+              <a:rPr lang="pt-BR" sz="2400" dirty="0">
+                <a:latin typeface="Times New Roman" panose="02020603050405020304" pitchFamily="18" charset="0"/>
+                <a:cs typeface="Times New Roman" panose="02020603050405020304" pitchFamily="18" charset="0"/>
+                <a:hlinkClick r:id="rId3"/>
+              </a:rPr>
+              <a:t>https://www.youtube.com/watch?v=xoH1WDI9l0I</a:t>
+            </a:r>
+            <a:endParaRPr lang="pt-BR" sz="2400" dirty="0">
+              <a:latin typeface="Times New Roman" panose="02020603050405020304" pitchFamily="18" charset="0"/>
+              <a:cs typeface="Times New Roman" panose="02020603050405020304" pitchFamily="18" charset="0"/>
+            </a:endParaRPr>
+          </a:p>
+          <a:p>
+            <a:pPr marL="0" indent="0" algn="just">
+              <a:buNone/>
+            </a:pPr>
+            <a:endParaRPr lang="pt-BR" sz="2400" dirty="0">
+              <a:latin typeface="Times New Roman" panose="02020603050405020304" pitchFamily="18" charset="0"/>
+              <a:cs typeface="Times New Roman" panose="02020603050405020304" pitchFamily="18" charset="0"/>
+            </a:endParaRPr>
+          </a:p>
+          <a:p>
+            <a:pPr marL="0" indent="0" algn="just">
+              <a:buNone/>
+            </a:pPr>
+            <a:r>
+              <a:rPr lang="pt-BR" sz="2400" dirty="0">
+                <a:latin typeface="Times New Roman" panose="02020603050405020304" pitchFamily="18" charset="0"/>
+                <a:cs typeface="Times New Roman" panose="02020603050405020304" pitchFamily="18" charset="0"/>
+              </a:rPr>
+              <a:t>[2] </a:t>
+            </a:r>
+            <a:r>
+              <a:rPr lang="pt-BR" sz="2400" dirty="0" err="1">
+                <a:latin typeface="Times New Roman" panose="02020603050405020304" pitchFamily="18" charset="0"/>
+                <a:cs typeface="Times New Roman" panose="02020603050405020304" pitchFamily="18" charset="0"/>
+              </a:rPr>
+              <a:t>Creating</a:t>
+            </a:r>
+            <a:r>
+              <a:rPr lang="pt-BR" sz="2400" dirty="0">
+                <a:latin typeface="Times New Roman" panose="02020603050405020304" pitchFamily="18" charset="0"/>
+                <a:cs typeface="Times New Roman" panose="02020603050405020304" pitchFamily="18" charset="0"/>
+              </a:rPr>
+              <a:t> classes, </a:t>
+            </a:r>
+            <a:r>
+              <a:rPr lang="pt-BR" sz="2400" dirty="0" err="1">
+                <a:latin typeface="Times New Roman" panose="02020603050405020304" pitchFamily="18" charset="0"/>
+                <a:cs typeface="Times New Roman" panose="02020603050405020304" pitchFamily="18" charset="0"/>
+              </a:rPr>
+              <a:t>properties</a:t>
+            </a:r>
+            <a:r>
+              <a:rPr lang="pt-BR" sz="2400" dirty="0">
+                <a:latin typeface="Times New Roman" panose="02020603050405020304" pitchFamily="18" charset="0"/>
+                <a:cs typeface="Times New Roman" panose="02020603050405020304" pitchFamily="18" charset="0"/>
+              </a:rPr>
+              <a:t>, </a:t>
+            </a:r>
+            <a:r>
+              <a:rPr lang="pt-BR" sz="2400" dirty="0" err="1">
+                <a:latin typeface="Times New Roman" panose="02020603050405020304" pitchFamily="18" charset="0"/>
+                <a:cs typeface="Times New Roman" panose="02020603050405020304" pitchFamily="18" charset="0"/>
+              </a:rPr>
+              <a:t>methods</a:t>
+            </a:r>
+            <a:r>
+              <a:rPr lang="pt-BR" sz="2400" dirty="0">
+                <a:latin typeface="Times New Roman" panose="02020603050405020304" pitchFamily="18" charset="0"/>
+                <a:cs typeface="Times New Roman" panose="02020603050405020304" pitchFamily="18" charset="0"/>
+              </a:rPr>
+              <a:t> - OOP in PHP – Part 1</a:t>
+            </a:r>
+          </a:p>
+          <a:p>
+            <a:pPr marL="0" indent="0" algn="just">
+              <a:buNone/>
+            </a:pPr>
+            <a:r>
+              <a:rPr lang="pt-BR" sz="2400" dirty="0">
+                <a:latin typeface="Times New Roman" panose="02020603050405020304" pitchFamily="18" charset="0"/>
+                <a:cs typeface="Times New Roman" panose="02020603050405020304" pitchFamily="18" charset="0"/>
+              </a:rPr>
+              <a:t>	</a:t>
+            </a:r>
+            <a:r>
+              <a:rPr lang="pt-BR" sz="2400" dirty="0">
+                <a:latin typeface="Times New Roman" panose="02020603050405020304" pitchFamily="18" charset="0"/>
+                <a:cs typeface="Times New Roman" panose="02020603050405020304" pitchFamily="18" charset="0"/>
+                <a:hlinkClick r:id="rId4"/>
+              </a:rPr>
+              <a:t>https://www.youtube.com/watch?v=4xvCT7UPY3k</a:t>
+            </a:r>
+            <a:endParaRPr lang="pt-BR" sz="2400" dirty="0">
+              <a:latin typeface="Times New Roman" panose="02020603050405020304" pitchFamily="18" charset="0"/>
+              <a:cs typeface="Times New Roman" panose="02020603050405020304" pitchFamily="18" charset="0"/>
+            </a:endParaRPr>
+          </a:p>
+          <a:p>
+            <a:pPr marL="0" indent="0" algn="just">
+              <a:buNone/>
+            </a:pPr>
+            <a:endParaRPr lang="pt-BR" sz="2400" dirty="0">
+              <a:latin typeface="Times New Roman" panose="02020603050405020304" pitchFamily="18" charset="0"/>
+              <a:cs typeface="Times New Roman" panose="02020603050405020304" pitchFamily="18" charset="0"/>
+            </a:endParaRPr>
+          </a:p>
+          <a:p>
+            <a:pPr marL="0" indent="0" algn="just">
+              <a:buNone/>
+            </a:pPr>
+            <a:endParaRPr lang="pt-BR" sz="2400" dirty="0">
+              <a:latin typeface="Times New Roman" panose="02020603050405020304" pitchFamily="18" charset="0"/>
+              <a:cs typeface="Times New Roman" panose="02020603050405020304" pitchFamily="18" charset="0"/>
+            </a:endParaRPr>
+          </a:p>
+          <a:p>
+            <a:pPr marL="0" indent="0" algn="just">
+              <a:buNone/>
+            </a:pPr>
+            <a:endParaRPr lang="pt-BR" sz="2400" dirty="0">
+              <a:latin typeface="Times New Roman" panose="02020603050405020304" pitchFamily="18" charset="0"/>
+              <a:cs typeface="Times New Roman" panose="02020603050405020304" pitchFamily="18" charset="0"/>
+            </a:endParaRPr>
+          </a:p>
+          <a:p>
+            <a:pPr marL="0" indent="0" algn="just">
+              <a:buNone/>
+            </a:pPr>
+            <a:endParaRPr lang="pt-BR" sz="2400" dirty="0">
+              <a:latin typeface="Times New Roman" panose="02020603050405020304" pitchFamily="18" charset="0"/>
+              <a:cs typeface="Times New Roman" panose="02020603050405020304" pitchFamily="18" charset="0"/>
+            </a:endParaRPr>
+          </a:p>
+          <a:p>
+            <a:pPr marL="0" indent="0" algn="just">
+              <a:buNone/>
+            </a:pPr>
+            <a:endParaRPr lang="pt-BR" sz="2400" dirty="0">
+              <a:latin typeface="Times New Roman" panose="02020603050405020304" pitchFamily="18" charset="0"/>
+              <a:cs typeface="Times New Roman" panose="02020603050405020304" pitchFamily="18" charset="0"/>
+            </a:endParaRPr>
+          </a:p>
+        </p:txBody>
+      </p:sp>
+    </p:spTree>
+    <p:extLst>
+      <p:ext uri="{BB962C8B-B14F-4D97-AF65-F5344CB8AC3E}">
+        <p14:creationId xmlns:p14="http://schemas.microsoft.com/office/powerpoint/2010/main" val="2747596967"/>
+      </p:ext>
+    </p:extLst>
+  </p:cSld>
+  <p:clrMapOvr>
+    <a:masterClrMapping/>
+  </p:clrMapOvr>
+  <p:transition spd="med"/>
+</p:sld>
+</file>
+
+<file path=ppt/slides/slide6.xml><?xml version="1.0" encoding="utf-8"?>
+<p:sld xmlns:a="http://schemas.openxmlformats.org/drawingml/2006/main" xmlns:r="http://schemas.openxmlformats.org/officeDocument/2006/relationships" xmlns:p="http://schemas.openxmlformats.org/presentationml/2006/main">
+  <p:cSld>
+    <p:spTree>
+      <p:nvGrpSpPr>
+        <p:cNvPr id="1" name=""/>
+        <p:cNvGrpSpPr/>
+        <p:nvPr/>
+      </p:nvGrpSpPr>
+      <p:grpSpPr>
+        <a:xfrm>
+          <a:off x="0" y="0"/>
+          <a:ext cx="0" cy="0"/>
+          <a:chOff x="0" y="0"/>
+          <a:chExt cx="0" cy="0"/>
+        </a:xfrm>
+      </p:grpSpPr>
+      <p:sp>
+        <p:nvSpPr>
+          <p:cNvPr id="6" name="Title 1"/>
+          <p:cNvSpPr>
+            <a:spLocks noGrp="1"/>
+          </p:cNvSpPr>
+          <p:nvPr>
+            <p:ph type="title"/>
+          </p:nvPr>
+        </p:nvSpPr>
+        <p:spPr>
+          <a:xfrm>
+            <a:off x="457200" y="155876"/>
+            <a:ext cx="8229600" cy="857251"/>
+          </a:xfrm>
+        </p:spPr>
+        <p:txBody>
+          <a:bodyPr>
+            <a:normAutofit/>
+          </a:bodyPr>
+          <a:lstStyle/>
+          <a:p>
+            <a:r>
+              <a:rPr lang="en-US" b="1" dirty="0">
+                <a:solidFill>
+                  <a:srgbClr val="0070C0"/>
+                </a:solidFill>
+              </a:rPr>
+              <a:t>PHP – </a:t>
+            </a:r>
+            <a:r>
+              <a:rPr lang="en-US" b="1" dirty="0" err="1">
+                <a:solidFill>
+                  <a:srgbClr val="0070C0"/>
+                </a:solidFill>
+              </a:rPr>
+              <a:t>Ambiente</a:t>
+            </a:r>
+            <a:r>
+              <a:rPr lang="en-US" b="1" dirty="0">
+                <a:solidFill>
+                  <a:srgbClr val="0070C0"/>
+                </a:solidFill>
+              </a:rPr>
+              <a:t> VS Code</a:t>
+            </a:r>
+          </a:p>
+        </p:txBody>
+      </p:sp>
+      <p:sp>
+        <p:nvSpPr>
+          <p:cNvPr id="8" name="Text Placeholder 2"/>
+          <p:cNvSpPr>
+            <a:spLocks noGrp="1"/>
+          </p:cNvSpPr>
+          <p:nvPr>
+            <p:ph type="body" sz="half" idx="1"/>
+          </p:nvPr>
+        </p:nvSpPr>
+        <p:spPr>
+          <a:xfrm>
+            <a:off x="142865" y="1037311"/>
+            <a:ext cx="8865056" cy="3950313"/>
+          </a:xfrm>
+        </p:spPr>
+        <p:txBody>
+          <a:bodyPr>
+            <a:noAutofit/>
+          </a:bodyPr>
+          <a:lstStyle/>
+          <a:p>
+            <a:pPr marL="0" indent="0" algn="just">
+              <a:buNone/>
+            </a:pPr>
+            <a:r>
+              <a:rPr lang="pt-BR" sz="2400" b="1" dirty="0">
+                <a:solidFill>
+                  <a:srgbClr val="FF0000"/>
+                </a:solidFill>
+                <a:latin typeface="Times New Roman" panose="02020603050405020304" pitchFamily="18" charset="0"/>
+                <a:cs typeface="Times New Roman" panose="02020603050405020304" pitchFamily="18" charset="0"/>
+              </a:rPr>
+              <a:t>- IDE</a:t>
+            </a:r>
+            <a:r>
+              <a:rPr lang="pt-BR" sz="2400" b="1" dirty="0">
+                <a:solidFill>
+                  <a:schemeClr val="tx1"/>
+                </a:solidFill>
+                <a:latin typeface="Times New Roman" panose="02020603050405020304" pitchFamily="18" charset="0"/>
+                <a:cs typeface="Times New Roman" panose="02020603050405020304" pitchFamily="18" charset="0"/>
+              </a:rPr>
+              <a:t>: </a:t>
+            </a:r>
+            <a:r>
+              <a:rPr lang="pt-BR" sz="2400" dirty="0" err="1">
+                <a:solidFill>
+                  <a:schemeClr val="tx1"/>
+                </a:solidFill>
+                <a:latin typeface="Times New Roman" panose="02020603050405020304" pitchFamily="18" charset="0"/>
+                <a:cs typeface="Times New Roman" panose="02020603050405020304" pitchFamily="18" charset="0"/>
+              </a:rPr>
+              <a:t>VSCode</a:t>
+            </a:r>
+            <a:r>
+              <a:rPr lang="pt-BR" sz="2400" dirty="0">
+                <a:solidFill>
+                  <a:schemeClr val="tx1"/>
+                </a:solidFill>
+                <a:latin typeface="Times New Roman" panose="02020603050405020304" pitchFamily="18" charset="0"/>
+                <a:cs typeface="Times New Roman" panose="02020603050405020304" pitchFamily="18" charset="0"/>
+              </a:rPr>
+              <a:t> (</a:t>
+            </a:r>
+            <a:r>
+              <a:rPr lang="pt-BR" sz="2400" b="1" dirty="0">
+                <a:solidFill>
+                  <a:schemeClr val="tx1"/>
+                </a:solidFill>
+                <a:latin typeface="Times New Roman" panose="02020603050405020304" pitchFamily="18" charset="0"/>
+                <a:cs typeface="Times New Roman" panose="02020603050405020304" pitchFamily="18" charset="0"/>
+              </a:rPr>
+              <a:t>Editor de código</a:t>
+            </a:r>
+            <a:r>
+              <a:rPr lang="pt-BR" sz="2400" dirty="0">
+                <a:solidFill>
+                  <a:schemeClr val="tx1"/>
+                </a:solidFill>
+                <a:latin typeface="Times New Roman" panose="02020603050405020304" pitchFamily="18" charset="0"/>
+                <a:cs typeface="Times New Roman" panose="02020603050405020304" pitchFamily="18" charset="0"/>
+              </a:rPr>
+              <a:t>)</a:t>
+            </a:r>
+          </a:p>
+          <a:p>
+            <a:pPr marL="0" indent="0" algn="just">
+              <a:buNone/>
+            </a:pPr>
+            <a:endParaRPr lang="pt-BR" sz="2400" b="1" dirty="0">
+              <a:solidFill>
+                <a:schemeClr val="tx1"/>
+              </a:solidFill>
+              <a:latin typeface="Times New Roman" panose="02020603050405020304" pitchFamily="18" charset="0"/>
+              <a:cs typeface="Times New Roman" panose="02020603050405020304" pitchFamily="18" charset="0"/>
+            </a:endParaRPr>
+          </a:p>
+          <a:p>
+            <a:pPr marL="0" indent="0" algn="just">
+              <a:buNone/>
+            </a:pPr>
+            <a:r>
+              <a:rPr lang="pt-BR" sz="2400" b="1" dirty="0">
+                <a:solidFill>
+                  <a:schemeClr val="tx1"/>
+                </a:solidFill>
+                <a:latin typeface="Times New Roman" panose="02020603050405020304" pitchFamily="18" charset="0"/>
+                <a:cs typeface="Times New Roman" panose="02020603050405020304" pitchFamily="18" charset="0"/>
+              </a:rPr>
+              <a:t>	1. </a:t>
+            </a:r>
+            <a:r>
+              <a:rPr lang="pt-BR" sz="2400" b="1" dirty="0">
+                <a:solidFill>
+                  <a:srgbClr val="FF0000"/>
+                </a:solidFill>
+                <a:latin typeface="Times New Roman" panose="02020603050405020304" pitchFamily="18" charset="0"/>
+                <a:cs typeface="Times New Roman" panose="02020603050405020304" pitchFamily="18" charset="0"/>
+              </a:rPr>
+              <a:t>Extensões Gerais</a:t>
+            </a:r>
+            <a:r>
+              <a:rPr lang="pt-BR" sz="2400" b="1" dirty="0">
+                <a:solidFill>
+                  <a:schemeClr val="tx1"/>
+                </a:solidFill>
+                <a:latin typeface="Times New Roman" panose="02020603050405020304" pitchFamily="18" charset="0"/>
+                <a:cs typeface="Times New Roman" panose="02020603050405020304" pitchFamily="18" charset="0"/>
+              </a:rPr>
+              <a:t>: </a:t>
+            </a:r>
+          </a:p>
+          <a:p>
+            <a:pPr marL="0" indent="0" algn="just">
+              <a:buNone/>
+            </a:pPr>
+            <a:r>
+              <a:rPr lang="pt-BR" sz="2400" b="1" dirty="0">
+                <a:solidFill>
+                  <a:schemeClr val="tx1"/>
+                </a:solidFill>
+                <a:latin typeface="Times New Roman" panose="02020603050405020304" pitchFamily="18" charset="0"/>
+                <a:cs typeface="Times New Roman" panose="02020603050405020304" pitchFamily="18" charset="0"/>
+              </a:rPr>
+              <a:t>	    </a:t>
+            </a:r>
+            <a:r>
+              <a:rPr lang="pt-BR" sz="2400" b="1" dirty="0" err="1">
+                <a:solidFill>
+                  <a:schemeClr val="tx1"/>
+                </a:solidFill>
+                <a:latin typeface="Times New Roman" panose="02020603050405020304" pitchFamily="18" charset="0"/>
+                <a:cs typeface="Times New Roman" panose="02020603050405020304" pitchFamily="18" charset="0"/>
+              </a:rPr>
+              <a:t>code</a:t>
+            </a:r>
+            <a:r>
+              <a:rPr lang="pt-BR" sz="2400" b="1" dirty="0">
+                <a:solidFill>
+                  <a:schemeClr val="tx1"/>
+                </a:solidFill>
+                <a:latin typeface="Times New Roman" panose="02020603050405020304" pitchFamily="18" charset="0"/>
+                <a:cs typeface="Times New Roman" panose="02020603050405020304" pitchFamily="18" charset="0"/>
+              </a:rPr>
+              <a:t> </a:t>
+            </a:r>
+            <a:r>
+              <a:rPr lang="pt-BR" sz="2400" b="1" dirty="0" err="1">
+                <a:solidFill>
+                  <a:schemeClr val="tx1"/>
+                </a:solidFill>
+                <a:latin typeface="Times New Roman" panose="02020603050405020304" pitchFamily="18" charset="0"/>
+                <a:cs typeface="Times New Roman" panose="02020603050405020304" pitchFamily="18" charset="0"/>
+              </a:rPr>
+              <a:t>Runner</a:t>
+            </a:r>
+            <a:r>
+              <a:rPr lang="pt-BR" sz="2400" b="1" dirty="0">
+                <a:solidFill>
+                  <a:schemeClr val="tx1"/>
+                </a:solidFill>
+                <a:latin typeface="Times New Roman" panose="02020603050405020304" pitchFamily="18" charset="0"/>
+                <a:cs typeface="Times New Roman" panose="02020603050405020304" pitchFamily="18" charset="0"/>
+              </a:rPr>
+              <a:t>; </a:t>
+            </a:r>
+            <a:r>
+              <a:rPr lang="pt-BR" sz="2400" b="1" dirty="0" err="1">
+                <a:solidFill>
+                  <a:schemeClr val="tx1"/>
+                </a:solidFill>
+                <a:latin typeface="Times New Roman" panose="02020603050405020304" pitchFamily="18" charset="0"/>
+                <a:cs typeface="Times New Roman" panose="02020603050405020304" pitchFamily="18" charset="0"/>
+              </a:rPr>
+              <a:t>DotEnv</a:t>
+            </a:r>
+            <a:r>
+              <a:rPr lang="pt-BR" sz="2400" b="1" dirty="0">
+                <a:solidFill>
+                  <a:schemeClr val="tx1"/>
+                </a:solidFill>
+                <a:latin typeface="Times New Roman" panose="02020603050405020304" pitchFamily="18" charset="0"/>
+                <a:cs typeface="Times New Roman" panose="02020603050405020304" pitchFamily="18" charset="0"/>
+              </a:rPr>
+              <a:t> (.</a:t>
+            </a:r>
+            <a:r>
+              <a:rPr lang="pt-BR" sz="2400" b="1" dirty="0" err="1">
+                <a:solidFill>
+                  <a:schemeClr val="tx1"/>
+                </a:solidFill>
+                <a:latin typeface="Times New Roman" panose="02020603050405020304" pitchFamily="18" charset="0"/>
+                <a:cs typeface="Times New Roman" panose="02020603050405020304" pitchFamily="18" charset="0"/>
+              </a:rPr>
+              <a:t>env</a:t>
+            </a:r>
+            <a:r>
+              <a:rPr lang="pt-BR" sz="2400" b="1" dirty="0">
+                <a:solidFill>
+                  <a:schemeClr val="tx1"/>
+                </a:solidFill>
+                <a:latin typeface="Times New Roman" panose="02020603050405020304" pitchFamily="18" charset="0"/>
+                <a:cs typeface="Times New Roman" panose="02020603050405020304" pitchFamily="18" charset="0"/>
+              </a:rPr>
+              <a:t> = </a:t>
+            </a:r>
+            <a:r>
+              <a:rPr lang="pt-BR" sz="2400" dirty="0">
+                <a:solidFill>
+                  <a:schemeClr val="tx1"/>
+                </a:solidFill>
+                <a:latin typeface="Times New Roman" panose="02020603050405020304" pitchFamily="18" charset="0"/>
+                <a:cs typeface="Times New Roman" panose="02020603050405020304" pitchFamily="18" charset="0"/>
+              </a:rPr>
+              <a:t>variáveis de ambiente</a:t>
+            </a:r>
+            <a:r>
+              <a:rPr lang="pt-BR" sz="2400" b="1" dirty="0">
+                <a:solidFill>
+                  <a:schemeClr val="tx1"/>
+                </a:solidFill>
+                <a:latin typeface="Times New Roman" panose="02020603050405020304" pitchFamily="18" charset="0"/>
+                <a:cs typeface="Times New Roman" panose="02020603050405020304" pitchFamily="18" charset="0"/>
+              </a:rPr>
+              <a:t>); </a:t>
+            </a:r>
+            <a:r>
+              <a:rPr lang="pt-BR" sz="2400" b="1" dirty="0" err="1">
+                <a:solidFill>
+                  <a:schemeClr val="tx1"/>
+                </a:solidFill>
+                <a:latin typeface="Times New Roman" panose="02020603050405020304" pitchFamily="18" charset="0"/>
+                <a:cs typeface="Times New Roman" panose="02020603050405020304" pitchFamily="18" charset="0"/>
+              </a:rPr>
+              <a:t>EditorConfig</a:t>
+            </a:r>
+            <a:r>
+              <a:rPr lang="pt-BR" sz="2400" b="1" dirty="0">
+                <a:solidFill>
+                  <a:schemeClr val="tx1"/>
+                </a:solidFill>
+                <a:latin typeface="Times New Roman" panose="02020603050405020304" pitchFamily="18" charset="0"/>
+                <a:cs typeface="Times New Roman" panose="02020603050405020304" pitchFamily="18" charset="0"/>
+              </a:rPr>
+              <a:t> for VS </a:t>
+            </a:r>
+            <a:r>
+              <a:rPr lang="pt-BR" sz="2400" b="1" dirty="0" err="1">
+                <a:solidFill>
+                  <a:schemeClr val="tx1"/>
+                </a:solidFill>
+                <a:latin typeface="Times New Roman" panose="02020603050405020304" pitchFamily="18" charset="0"/>
+                <a:cs typeface="Times New Roman" panose="02020603050405020304" pitchFamily="18" charset="0"/>
+              </a:rPr>
+              <a:t>Code</a:t>
+            </a:r>
+            <a:r>
+              <a:rPr lang="pt-BR" sz="2400" b="1" dirty="0">
+                <a:solidFill>
+                  <a:schemeClr val="tx1"/>
+                </a:solidFill>
+                <a:latin typeface="Times New Roman" panose="02020603050405020304" pitchFamily="18" charset="0"/>
+                <a:cs typeface="Times New Roman" panose="02020603050405020304" pitchFamily="18" charset="0"/>
+              </a:rPr>
+              <a:t> (</a:t>
+            </a:r>
+            <a:r>
+              <a:rPr lang="pt-BR" sz="2400" dirty="0">
+                <a:solidFill>
+                  <a:schemeClr val="tx1"/>
+                </a:solidFill>
+                <a:latin typeface="Times New Roman" panose="02020603050405020304" pitchFamily="18" charset="0"/>
+                <a:cs typeface="Times New Roman" panose="02020603050405020304" pitchFamily="18" charset="0"/>
+              </a:rPr>
+              <a:t>.</a:t>
+            </a:r>
+            <a:r>
+              <a:rPr lang="pt-BR" sz="2400" dirty="0" err="1">
+                <a:solidFill>
+                  <a:schemeClr val="tx1"/>
+                </a:solidFill>
+                <a:latin typeface="Times New Roman" panose="02020603050405020304" pitchFamily="18" charset="0"/>
+                <a:cs typeface="Times New Roman" panose="02020603050405020304" pitchFamily="18" charset="0"/>
+              </a:rPr>
+              <a:t>editorconfig</a:t>
+            </a:r>
+            <a:r>
+              <a:rPr lang="pt-BR" sz="2400" b="1" dirty="0">
+                <a:solidFill>
+                  <a:schemeClr val="tx1"/>
+                </a:solidFill>
+                <a:latin typeface="Times New Roman" panose="02020603050405020304" pitchFamily="18" charset="0"/>
+                <a:cs typeface="Times New Roman" panose="02020603050405020304" pitchFamily="18" charset="0"/>
+              </a:rPr>
+              <a:t>)</a:t>
+            </a:r>
+          </a:p>
+          <a:p>
+            <a:pPr marL="0" indent="0" algn="just">
+              <a:buNone/>
+            </a:pPr>
+            <a:endParaRPr lang="pt-BR" sz="2400" b="1" dirty="0">
+              <a:solidFill>
+                <a:schemeClr val="tx1"/>
+              </a:solidFill>
+              <a:latin typeface="Times New Roman" panose="02020603050405020304" pitchFamily="18" charset="0"/>
+              <a:cs typeface="Times New Roman" panose="02020603050405020304" pitchFamily="18" charset="0"/>
+            </a:endParaRPr>
+          </a:p>
+          <a:p>
+            <a:pPr marL="0" indent="0" algn="just">
+              <a:buNone/>
+            </a:pPr>
+            <a:r>
+              <a:rPr lang="pt-BR" sz="2400" b="1" dirty="0">
+                <a:solidFill>
+                  <a:srgbClr val="FF0000"/>
+                </a:solidFill>
+                <a:latin typeface="Times New Roman" panose="02020603050405020304" pitchFamily="18" charset="0"/>
+                <a:cs typeface="Times New Roman" panose="02020603050405020304" pitchFamily="18" charset="0"/>
+              </a:rPr>
+              <a:t> 	2. Extensões Gerais PHP:</a:t>
+            </a:r>
+          </a:p>
+          <a:p>
+            <a:pPr marL="0" indent="0" algn="just">
+              <a:buNone/>
+            </a:pPr>
+            <a:r>
+              <a:rPr lang="pt-BR" sz="2400" b="1" dirty="0">
+                <a:solidFill>
+                  <a:srgbClr val="FF0000"/>
+                </a:solidFill>
+                <a:latin typeface="Times New Roman" panose="02020603050405020304" pitchFamily="18" charset="0"/>
+                <a:cs typeface="Times New Roman" panose="02020603050405020304" pitchFamily="18" charset="0"/>
+              </a:rPr>
+              <a:t>	    </a:t>
+            </a:r>
+            <a:r>
+              <a:rPr lang="pt-BR" sz="2400" b="1" dirty="0">
+                <a:solidFill>
+                  <a:schemeClr val="tx1"/>
+                </a:solidFill>
+                <a:latin typeface="Times New Roman" panose="02020603050405020304" pitchFamily="18" charset="0"/>
+                <a:cs typeface="Times New Roman" panose="02020603050405020304" pitchFamily="18" charset="0"/>
+              </a:rPr>
+              <a:t>PHP</a:t>
+            </a:r>
+            <a:r>
+              <a:rPr lang="pt-BR" sz="2400" dirty="0">
+                <a:solidFill>
+                  <a:schemeClr val="tx1"/>
+                </a:solidFill>
+                <a:latin typeface="Times New Roman" panose="02020603050405020304" pitchFamily="18" charset="0"/>
+                <a:cs typeface="Times New Roman" panose="02020603050405020304" pitchFamily="18" charset="0"/>
+              </a:rPr>
+              <a:t> </a:t>
+            </a:r>
+            <a:r>
+              <a:rPr lang="pt-BR" sz="2400" b="1" dirty="0" err="1">
+                <a:solidFill>
+                  <a:srgbClr val="FF0000"/>
+                </a:solidFill>
+                <a:latin typeface="Times New Roman" panose="02020603050405020304" pitchFamily="18" charset="0"/>
+                <a:cs typeface="Times New Roman" panose="02020603050405020304" pitchFamily="18" charset="0"/>
+              </a:rPr>
+              <a:t>Intelephense</a:t>
+            </a:r>
+            <a:r>
+              <a:rPr lang="pt-BR" sz="2400" b="1" dirty="0">
+                <a:solidFill>
+                  <a:srgbClr val="FF0000"/>
+                </a:solidFill>
+                <a:latin typeface="Times New Roman" panose="02020603050405020304" pitchFamily="18" charset="0"/>
+                <a:cs typeface="Times New Roman" panose="02020603050405020304" pitchFamily="18" charset="0"/>
+              </a:rPr>
+              <a:t>;</a:t>
+            </a:r>
+            <a:r>
+              <a:rPr lang="pt-BR" sz="2400" b="1" dirty="0">
+                <a:solidFill>
+                  <a:schemeClr val="tx1"/>
+                </a:solidFill>
+                <a:latin typeface="Times New Roman" panose="02020603050405020304" pitchFamily="18" charset="0"/>
+                <a:cs typeface="Times New Roman" panose="02020603050405020304" pitchFamily="18" charset="0"/>
+              </a:rPr>
+              <a:t> PHP Debug; PHP </a:t>
+            </a:r>
+            <a:r>
+              <a:rPr lang="pt-BR" sz="2400" b="1" dirty="0" err="1">
+                <a:solidFill>
+                  <a:schemeClr val="tx1"/>
+                </a:solidFill>
+                <a:latin typeface="Times New Roman" panose="02020603050405020304" pitchFamily="18" charset="0"/>
+                <a:cs typeface="Times New Roman" panose="02020603050405020304" pitchFamily="18" charset="0"/>
+              </a:rPr>
+              <a:t>Getters</a:t>
+            </a:r>
+            <a:r>
+              <a:rPr lang="pt-BR" sz="2400" b="1" dirty="0">
+                <a:solidFill>
+                  <a:schemeClr val="tx1"/>
+                </a:solidFill>
+                <a:latin typeface="Times New Roman" panose="02020603050405020304" pitchFamily="18" charset="0"/>
+                <a:cs typeface="Times New Roman" panose="02020603050405020304" pitchFamily="18" charset="0"/>
+              </a:rPr>
+              <a:t> e </a:t>
+            </a:r>
+            <a:r>
+              <a:rPr lang="pt-BR" sz="2400" b="1" dirty="0" err="1">
+                <a:solidFill>
+                  <a:schemeClr val="tx1"/>
+                </a:solidFill>
+                <a:latin typeface="Times New Roman" panose="02020603050405020304" pitchFamily="18" charset="0"/>
+                <a:cs typeface="Times New Roman" panose="02020603050405020304" pitchFamily="18" charset="0"/>
+              </a:rPr>
+              <a:t>Setters</a:t>
+            </a:r>
+            <a:endParaRPr lang="pt-BR" sz="2400" dirty="0">
+              <a:solidFill>
+                <a:schemeClr val="tx1"/>
+              </a:solidFill>
+              <a:latin typeface="Times New Roman" panose="02020603050405020304" pitchFamily="18" charset="0"/>
+              <a:cs typeface="Times New Roman" panose="02020603050405020304" pitchFamily="18" charset="0"/>
+            </a:endParaRPr>
+          </a:p>
+          <a:p>
+            <a:pPr marL="0" indent="0" algn="just">
+              <a:buNone/>
+            </a:pPr>
+            <a:endParaRPr lang="pt-BR" sz="2400" dirty="0">
+              <a:solidFill>
+                <a:schemeClr val="tx1"/>
+              </a:solidFill>
+              <a:latin typeface="Times New Roman" panose="02020603050405020304" pitchFamily="18" charset="0"/>
+              <a:cs typeface="Times New Roman" panose="02020603050405020304" pitchFamily="18" charset="0"/>
+            </a:endParaRPr>
+          </a:p>
+          <a:p>
+            <a:pPr marL="0" indent="0" algn="just">
+              <a:buNone/>
+            </a:pPr>
+            <a:endParaRPr lang="pt-BR" sz="2400" dirty="0">
+              <a:solidFill>
+                <a:schemeClr val="tx1"/>
+              </a:solidFill>
+              <a:latin typeface="Times New Roman" panose="02020603050405020304" pitchFamily="18" charset="0"/>
+              <a:cs typeface="Times New Roman" panose="02020603050405020304" pitchFamily="18" charset="0"/>
+            </a:endParaRPr>
+          </a:p>
+        </p:txBody>
+      </p:sp>
+    </p:spTree>
+    <p:extLst>
+      <p:ext uri="{BB962C8B-B14F-4D97-AF65-F5344CB8AC3E}">
+        <p14:creationId xmlns:p14="http://schemas.microsoft.com/office/powerpoint/2010/main" val="3722562167"/>
+      </p:ext>
+    </p:extLst>
+  </p:cSld>
+  <p:clrMapOvr>
+    <a:masterClrMapping/>
+  </p:clrMapOvr>
+  <p:transition spd="med"/>
+</p:sld>
+</file>
+
+<file path=ppt/slides/slide60.xml><?xml version="1.0" encoding="utf-8"?>
+<p:sld xmlns:a="http://schemas.openxmlformats.org/drawingml/2006/main" xmlns:r="http://schemas.openxmlformats.org/officeDocument/2006/relationships" xmlns:p="http://schemas.openxmlformats.org/presentationml/2006/main">
+  <p:cSld>
+    <p:spTree>
+      <p:nvGrpSpPr>
+        <p:cNvPr id="1" name=""/>
+        <p:cNvGrpSpPr/>
+        <p:nvPr/>
+      </p:nvGrpSpPr>
+      <p:grpSpPr>
+        <a:xfrm>
+          <a:off x="0" y="0"/>
+          <a:ext cx="0" cy="0"/>
+          <a:chOff x="0" y="0"/>
+          <a:chExt cx="0" cy="0"/>
+        </a:xfrm>
+      </p:grpSpPr>
+      <p:sp>
+        <p:nvSpPr>
+          <p:cNvPr id="6" name="Title 1"/>
+          <p:cNvSpPr>
+            <a:spLocks noGrp="1"/>
+          </p:cNvSpPr>
+          <p:nvPr>
+            <p:ph type="title"/>
+          </p:nvPr>
+        </p:nvSpPr>
+        <p:spPr>
+          <a:xfrm>
+            <a:off x="457200" y="205980"/>
+            <a:ext cx="8229600" cy="857251"/>
+          </a:xfrm>
+        </p:spPr>
+        <p:txBody>
+          <a:bodyPr>
+            <a:normAutofit/>
+          </a:bodyPr>
+          <a:lstStyle/>
+          <a:p>
+            <a:r>
+              <a:rPr lang="en-US" b="1" dirty="0" err="1">
+                <a:solidFill>
+                  <a:srgbClr val="0070C0"/>
+                </a:solidFill>
+              </a:rPr>
+              <a:t>Dinâmica</a:t>
+            </a:r>
+            <a:r>
+              <a:rPr lang="en-US" b="1" dirty="0">
+                <a:solidFill>
+                  <a:srgbClr val="0070C0"/>
+                </a:solidFill>
+              </a:rPr>
+              <a:t>/</a:t>
+            </a:r>
+            <a:r>
+              <a:rPr lang="en-US" b="1" dirty="0" err="1">
+                <a:solidFill>
+                  <a:srgbClr val="0070C0"/>
+                </a:solidFill>
+              </a:rPr>
+              <a:t>Atividades</a:t>
+            </a:r>
+            <a:endParaRPr lang="en-US" b="1" dirty="0">
+              <a:solidFill>
+                <a:srgbClr val="0070C0"/>
+              </a:solidFill>
+            </a:endParaRPr>
+          </a:p>
+        </p:txBody>
+      </p:sp>
+      <p:sp>
+        <p:nvSpPr>
+          <p:cNvPr id="8" name="Text Placeholder 2"/>
+          <p:cNvSpPr>
+            <a:spLocks noGrp="1"/>
+          </p:cNvSpPr>
+          <p:nvPr>
+            <p:ph type="body" sz="half" idx="1"/>
+          </p:nvPr>
+        </p:nvSpPr>
+        <p:spPr>
+          <a:xfrm>
+            <a:off x="139472" y="1063230"/>
+            <a:ext cx="8865056" cy="3606305"/>
+          </a:xfrm>
+        </p:spPr>
+        <p:txBody>
+          <a:bodyPr>
+            <a:noAutofit/>
+          </a:bodyPr>
+          <a:lstStyle/>
+          <a:p>
+            <a:pPr algn="just">
+              <a:buFontTx/>
+              <a:buChar char="-"/>
+            </a:pPr>
+            <a:r>
+              <a:rPr lang="pt-BR" dirty="0">
+                <a:latin typeface="Times New Roman" panose="02020603050405020304" pitchFamily="18" charset="0"/>
+                <a:cs typeface="Times New Roman" panose="02020603050405020304" pitchFamily="18" charset="0"/>
+              </a:rPr>
+              <a:t>Exercícios de Fixação </a:t>
+            </a:r>
+            <a:r>
+              <a:rPr lang="pt-BR" b="1" dirty="0">
+                <a:latin typeface="Times New Roman" panose="02020603050405020304" pitchFamily="18" charset="0"/>
+                <a:cs typeface="Times New Roman" panose="02020603050405020304" pitchFamily="18" charset="0"/>
+              </a:rPr>
+              <a:t>PHP</a:t>
+            </a:r>
+          </a:p>
+          <a:p>
+            <a:pPr marL="0" indent="0" algn="just">
+              <a:buNone/>
+            </a:pPr>
+            <a:r>
+              <a:rPr lang="pt-BR" dirty="0">
+                <a:latin typeface="Times New Roman" panose="02020603050405020304" pitchFamily="18" charset="0"/>
+                <a:cs typeface="Times New Roman" panose="02020603050405020304" pitchFamily="18" charset="0"/>
+              </a:rPr>
+              <a:t>	</a:t>
+            </a:r>
+            <a:r>
+              <a:rPr lang="pt-BR" b="1" dirty="0">
+                <a:solidFill>
+                  <a:srgbClr val="FF0000"/>
+                </a:solidFill>
+                <a:latin typeface="Times New Roman" panose="02020603050405020304" pitchFamily="18" charset="0"/>
+                <a:cs typeface="Times New Roman" panose="02020603050405020304" pitchFamily="18" charset="0"/>
+              </a:rPr>
+              <a:t>Desafio em Sala de Aula</a:t>
+            </a:r>
+            <a:r>
+              <a:rPr lang="pt-BR" dirty="0">
+                <a:latin typeface="Times New Roman" panose="02020603050405020304" pitchFamily="18" charset="0"/>
+                <a:cs typeface="Times New Roman" panose="02020603050405020304" pitchFamily="18" charset="0"/>
+              </a:rPr>
+              <a:t>.</a:t>
+            </a:r>
+          </a:p>
+          <a:p>
+            <a:pPr marL="0" indent="0" algn="just">
+              <a:buNone/>
+            </a:pPr>
+            <a:r>
+              <a:rPr lang="pt-BR" dirty="0">
+                <a:latin typeface="Times New Roman" panose="02020603050405020304" pitchFamily="18" charset="0"/>
+                <a:cs typeface="Times New Roman" panose="02020603050405020304" pitchFamily="18" charset="0"/>
+              </a:rPr>
+              <a:t>		</a:t>
+            </a:r>
+          </a:p>
+          <a:p>
+            <a:pPr marL="0" indent="0" algn="just">
+              <a:buNone/>
+            </a:pPr>
+            <a:r>
+              <a:rPr lang="es-ES" dirty="0">
+                <a:latin typeface="Times New Roman" panose="02020603050405020304" pitchFamily="18" charset="0"/>
+                <a:cs typeface="Times New Roman" panose="02020603050405020304" pitchFamily="18" charset="0"/>
+              </a:rPr>
+              <a:t>- </a:t>
+            </a:r>
+            <a:r>
+              <a:rPr lang="es-ES" b="1" dirty="0">
+                <a:latin typeface="Times New Roman" panose="02020603050405020304" pitchFamily="18" charset="0"/>
+                <a:cs typeface="Times New Roman" panose="02020603050405020304" pitchFamily="18" charset="0"/>
+              </a:rPr>
+              <a:t>Quiz</a:t>
+            </a:r>
+            <a:r>
+              <a:rPr lang="es-ES" dirty="0">
+                <a:latin typeface="Times New Roman" panose="02020603050405020304" pitchFamily="18" charset="0"/>
+                <a:cs typeface="Times New Roman" panose="02020603050405020304" pitchFamily="18" charset="0"/>
+              </a:rPr>
+              <a:t> PHP</a:t>
+            </a:r>
+          </a:p>
+          <a:p>
+            <a:pPr marL="0" indent="0" algn="just">
+              <a:buNone/>
+            </a:pPr>
+            <a:r>
+              <a:rPr lang="es-ES" dirty="0">
+                <a:latin typeface="Times New Roman" panose="02020603050405020304" pitchFamily="18" charset="0"/>
+                <a:cs typeface="Times New Roman" panose="02020603050405020304" pitchFamily="18" charset="0"/>
+                <a:hlinkClick r:id="rId3"/>
+              </a:rPr>
+              <a:t>https://www.w3schools.com/php/php_quiz.asp</a:t>
+            </a:r>
+            <a:endParaRPr lang="es-ES" dirty="0">
+              <a:latin typeface="Times New Roman" panose="02020603050405020304" pitchFamily="18" charset="0"/>
+              <a:cs typeface="Times New Roman" panose="02020603050405020304" pitchFamily="18" charset="0"/>
+            </a:endParaRPr>
+          </a:p>
+          <a:p>
+            <a:pPr marL="0" indent="0" algn="just">
+              <a:buNone/>
+            </a:pPr>
+            <a:endParaRPr lang="pt-BR" dirty="0">
+              <a:latin typeface="Calibri" panose="020F0502020204030204" pitchFamily="34" charset="0"/>
+            </a:endParaRPr>
+          </a:p>
+        </p:txBody>
+      </p:sp>
+    </p:spTree>
+    <p:extLst>
+      <p:ext uri="{BB962C8B-B14F-4D97-AF65-F5344CB8AC3E}">
+        <p14:creationId xmlns:p14="http://schemas.microsoft.com/office/powerpoint/2010/main" val="2470652989"/>
+      </p:ext>
+    </p:extLst>
+  </p:cSld>
+  <p:clrMapOvr>
+    <a:masterClrMapping/>
+  </p:clrMapOvr>
+  <p:transition spd="med"/>
+</p:sld>
+</file>
+
+<file path=ppt/slides/slide61.xml><?xml version="1.0" encoding="utf-8"?>
+<p:sld xmlns:a="http://schemas.openxmlformats.org/drawingml/2006/main" xmlns:r="http://schemas.openxmlformats.org/officeDocument/2006/relationships" xmlns:p="http://schemas.openxmlformats.org/presentationml/2006/main">
+  <p:cSld>
+    <p:spTree>
+      <p:nvGrpSpPr>
+        <p:cNvPr id="1" name=""/>
+        <p:cNvGrpSpPr/>
+        <p:nvPr/>
+      </p:nvGrpSpPr>
+      <p:grpSpPr>
+        <a:xfrm>
+          <a:off x="0" y="0"/>
+          <a:ext cx="0" cy="0"/>
+          <a:chOff x="0" y="0"/>
+          <a:chExt cx="0" cy="0"/>
+        </a:xfrm>
+      </p:grpSpPr>
+      <p:sp>
+        <p:nvSpPr>
+          <p:cNvPr id="6" name="Title 1"/>
+          <p:cNvSpPr>
+            <a:spLocks noGrp="1"/>
+          </p:cNvSpPr>
+          <p:nvPr>
+            <p:ph type="title"/>
+          </p:nvPr>
+        </p:nvSpPr>
+        <p:spPr>
+          <a:xfrm>
+            <a:off x="457200" y="205980"/>
+            <a:ext cx="8229600" cy="857251"/>
+          </a:xfrm>
+        </p:spPr>
+        <p:txBody>
+          <a:bodyPr>
+            <a:normAutofit/>
+          </a:bodyPr>
+          <a:lstStyle/>
+          <a:p>
+            <a:r>
               <a:rPr lang="en-US" b="1" dirty="0" err="1">
                 <a:solidFill>
                   <a:srgbClr val="0070C0"/>
@@ -31344,7 +35632,7 @@
 </p:sld>
 </file>
 
-<file path=ppt/slides/slide57.xml><?xml version="1.0" encoding="utf-8"?>
+<file path=ppt/slides/slide62.xml><?xml version="1.0" encoding="utf-8"?>
 <p:sld xmlns:a="http://schemas.openxmlformats.org/drawingml/2006/main" xmlns:r="http://schemas.openxmlformats.org/officeDocument/2006/relationships" xmlns:p="http://schemas.openxmlformats.org/presentationml/2006/main">
   <p:cSld>
     <p:spTree>
@@ -31802,559 +36090,6 @@
         </p:txBody>
       </p:sp>
     </p:spTree>
-  </p:cSld>
-  <p:clrMapOvr>
-    <a:masterClrMapping/>
-  </p:clrMapOvr>
-  <p:transition spd="med"/>
-</p:sld>
-</file>
-
-<file path=ppt/slides/slide6.xml><?xml version="1.0" encoding="utf-8"?>
-<p:sld xmlns:a="http://schemas.openxmlformats.org/drawingml/2006/main" xmlns:r="http://schemas.openxmlformats.org/officeDocument/2006/relationships" xmlns:p="http://schemas.openxmlformats.org/presentationml/2006/main">
-  <p:cSld>
-    <p:spTree>
-      <p:nvGrpSpPr>
-        <p:cNvPr id="1" name=""/>
-        <p:cNvGrpSpPr/>
-        <p:nvPr/>
-      </p:nvGrpSpPr>
-      <p:grpSpPr>
-        <a:xfrm>
-          <a:off x="0" y="0"/>
-          <a:ext cx="0" cy="0"/>
-          <a:chOff x="0" y="0"/>
-          <a:chExt cx="0" cy="0"/>
-        </a:xfrm>
-      </p:grpSpPr>
-      <p:sp>
-        <p:nvSpPr>
-          <p:cNvPr id="6" name="Title 1"/>
-          <p:cNvSpPr>
-            <a:spLocks noGrp="1"/>
-          </p:cNvSpPr>
-          <p:nvPr>
-            <p:ph type="title"/>
-          </p:nvPr>
-        </p:nvSpPr>
-        <p:spPr>
-          <a:xfrm>
-            <a:off x="457200" y="155876"/>
-            <a:ext cx="8229600" cy="857251"/>
-          </a:xfrm>
-        </p:spPr>
-        <p:txBody>
-          <a:bodyPr>
-            <a:normAutofit/>
-          </a:bodyPr>
-          <a:lstStyle/>
-          <a:p>
-            <a:r>
-              <a:rPr lang="en-US" b="1" dirty="0">
-                <a:solidFill>
-                  <a:srgbClr val="0070C0"/>
-                </a:solidFill>
-              </a:rPr>
-              <a:t>PHP – </a:t>
-            </a:r>
-            <a:r>
-              <a:rPr lang="en-US" b="1" dirty="0" err="1">
-                <a:solidFill>
-                  <a:srgbClr val="0070C0"/>
-                </a:solidFill>
-              </a:rPr>
-              <a:t>Ambiente</a:t>
-            </a:r>
-            <a:r>
-              <a:rPr lang="en-US" b="1" dirty="0">
-                <a:solidFill>
-                  <a:srgbClr val="0070C0"/>
-                </a:solidFill>
-              </a:rPr>
-              <a:t> VS Code</a:t>
-            </a:r>
-          </a:p>
-        </p:txBody>
-      </p:sp>
-      <p:sp>
-        <p:nvSpPr>
-          <p:cNvPr id="8" name="Text Placeholder 2"/>
-          <p:cNvSpPr>
-            <a:spLocks noGrp="1"/>
-          </p:cNvSpPr>
-          <p:nvPr>
-            <p:ph type="body" sz="half" idx="1"/>
-          </p:nvPr>
-        </p:nvSpPr>
-        <p:spPr>
-          <a:xfrm>
-            <a:off x="142865" y="1037311"/>
-            <a:ext cx="8865056" cy="3950313"/>
-          </a:xfrm>
-        </p:spPr>
-        <p:txBody>
-          <a:bodyPr>
-            <a:noAutofit/>
-          </a:bodyPr>
-          <a:lstStyle/>
-          <a:p>
-            <a:pPr marL="0" indent="0" algn="just">
-              <a:buNone/>
-            </a:pPr>
-            <a:r>
-              <a:rPr lang="pt-BR" sz="2400" b="1" dirty="0">
-                <a:solidFill>
-                  <a:srgbClr val="FF0000"/>
-                </a:solidFill>
-                <a:latin typeface="Times New Roman" panose="02020603050405020304" pitchFamily="18" charset="0"/>
-                <a:cs typeface="Times New Roman" panose="02020603050405020304" pitchFamily="18" charset="0"/>
-              </a:rPr>
-              <a:t>- IDE</a:t>
-            </a:r>
-            <a:r>
-              <a:rPr lang="pt-BR" sz="2400" b="1" dirty="0">
-                <a:solidFill>
-                  <a:schemeClr val="tx1"/>
-                </a:solidFill>
-                <a:latin typeface="Times New Roman" panose="02020603050405020304" pitchFamily="18" charset="0"/>
-                <a:cs typeface="Times New Roman" panose="02020603050405020304" pitchFamily="18" charset="0"/>
-              </a:rPr>
-              <a:t>: </a:t>
-            </a:r>
-            <a:r>
-              <a:rPr lang="pt-BR" sz="2400" dirty="0" err="1">
-                <a:solidFill>
-                  <a:schemeClr val="tx1"/>
-                </a:solidFill>
-                <a:latin typeface="Times New Roman" panose="02020603050405020304" pitchFamily="18" charset="0"/>
-                <a:cs typeface="Times New Roman" panose="02020603050405020304" pitchFamily="18" charset="0"/>
-              </a:rPr>
-              <a:t>VSCode</a:t>
-            </a:r>
-            <a:r>
-              <a:rPr lang="pt-BR" sz="2400" dirty="0">
-                <a:solidFill>
-                  <a:schemeClr val="tx1"/>
-                </a:solidFill>
-                <a:latin typeface="Times New Roman" panose="02020603050405020304" pitchFamily="18" charset="0"/>
-                <a:cs typeface="Times New Roman" panose="02020603050405020304" pitchFamily="18" charset="0"/>
-              </a:rPr>
-              <a:t> (</a:t>
-            </a:r>
-            <a:r>
-              <a:rPr lang="pt-BR" sz="2400" b="1" dirty="0">
-                <a:solidFill>
-                  <a:schemeClr val="tx1"/>
-                </a:solidFill>
-                <a:latin typeface="Times New Roman" panose="02020603050405020304" pitchFamily="18" charset="0"/>
-                <a:cs typeface="Times New Roman" panose="02020603050405020304" pitchFamily="18" charset="0"/>
-              </a:rPr>
-              <a:t>Editor de código</a:t>
-            </a:r>
-            <a:r>
-              <a:rPr lang="pt-BR" sz="2400" dirty="0">
-                <a:solidFill>
-                  <a:schemeClr val="tx1"/>
-                </a:solidFill>
-                <a:latin typeface="Times New Roman" panose="02020603050405020304" pitchFamily="18" charset="0"/>
-                <a:cs typeface="Times New Roman" panose="02020603050405020304" pitchFamily="18" charset="0"/>
-              </a:rPr>
-              <a:t>)</a:t>
-            </a:r>
-          </a:p>
-          <a:p>
-            <a:pPr marL="0" indent="0" algn="just">
-              <a:buNone/>
-            </a:pPr>
-            <a:endParaRPr lang="pt-BR" sz="2400" b="1" dirty="0">
-              <a:solidFill>
-                <a:schemeClr val="tx1"/>
-              </a:solidFill>
-              <a:latin typeface="Times New Roman" panose="02020603050405020304" pitchFamily="18" charset="0"/>
-              <a:cs typeface="Times New Roman" panose="02020603050405020304" pitchFamily="18" charset="0"/>
-            </a:endParaRPr>
-          </a:p>
-          <a:p>
-            <a:pPr marL="0" indent="0" algn="just">
-              <a:buNone/>
-            </a:pPr>
-            <a:r>
-              <a:rPr lang="pt-BR" sz="2400" b="1" dirty="0">
-                <a:solidFill>
-                  <a:schemeClr val="tx1"/>
-                </a:solidFill>
-                <a:latin typeface="Times New Roman" panose="02020603050405020304" pitchFamily="18" charset="0"/>
-                <a:cs typeface="Times New Roman" panose="02020603050405020304" pitchFamily="18" charset="0"/>
-              </a:rPr>
-              <a:t>	1. </a:t>
-            </a:r>
-            <a:r>
-              <a:rPr lang="pt-BR" sz="2400" b="1" dirty="0">
-                <a:solidFill>
-                  <a:srgbClr val="FF0000"/>
-                </a:solidFill>
-                <a:latin typeface="Times New Roman" panose="02020603050405020304" pitchFamily="18" charset="0"/>
-                <a:cs typeface="Times New Roman" panose="02020603050405020304" pitchFamily="18" charset="0"/>
-              </a:rPr>
-              <a:t>Extensões Gerais</a:t>
-            </a:r>
-            <a:r>
-              <a:rPr lang="pt-BR" sz="2400" b="1" dirty="0">
-                <a:solidFill>
-                  <a:schemeClr val="tx1"/>
-                </a:solidFill>
-                <a:latin typeface="Times New Roman" panose="02020603050405020304" pitchFamily="18" charset="0"/>
-                <a:cs typeface="Times New Roman" panose="02020603050405020304" pitchFamily="18" charset="0"/>
-              </a:rPr>
-              <a:t>: </a:t>
-            </a:r>
-          </a:p>
-          <a:p>
-            <a:pPr marL="0" indent="0" algn="just">
-              <a:buNone/>
-            </a:pPr>
-            <a:r>
-              <a:rPr lang="pt-BR" sz="2400" b="1" dirty="0">
-                <a:solidFill>
-                  <a:schemeClr val="tx1"/>
-                </a:solidFill>
-                <a:latin typeface="Times New Roman" panose="02020603050405020304" pitchFamily="18" charset="0"/>
-                <a:cs typeface="Times New Roman" panose="02020603050405020304" pitchFamily="18" charset="0"/>
-              </a:rPr>
-              <a:t>	    </a:t>
-            </a:r>
-            <a:r>
-              <a:rPr lang="pt-BR" sz="2400" b="1" dirty="0" err="1">
-                <a:solidFill>
-                  <a:schemeClr val="tx1"/>
-                </a:solidFill>
-                <a:latin typeface="Times New Roman" panose="02020603050405020304" pitchFamily="18" charset="0"/>
-                <a:cs typeface="Times New Roman" panose="02020603050405020304" pitchFamily="18" charset="0"/>
-              </a:rPr>
-              <a:t>code</a:t>
-            </a:r>
-            <a:r>
-              <a:rPr lang="pt-BR" sz="2400" b="1" dirty="0">
-                <a:solidFill>
-                  <a:schemeClr val="tx1"/>
-                </a:solidFill>
-                <a:latin typeface="Times New Roman" panose="02020603050405020304" pitchFamily="18" charset="0"/>
-                <a:cs typeface="Times New Roman" panose="02020603050405020304" pitchFamily="18" charset="0"/>
-              </a:rPr>
-              <a:t> </a:t>
-            </a:r>
-            <a:r>
-              <a:rPr lang="pt-BR" sz="2400" b="1" dirty="0" err="1">
-                <a:solidFill>
-                  <a:schemeClr val="tx1"/>
-                </a:solidFill>
-                <a:latin typeface="Times New Roman" panose="02020603050405020304" pitchFamily="18" charset="0"/>
-                <a:cs typeface="Times New Roman" panose="02020603050405020304" pitchFamily="18" charset="0"/>
-              </a:rPr>
-              <a:t>Runner</a:t>
-            </a:r>
-            <a:r>
-              <a:rPr lang="pt-BR" sz="2400" b="1" dirty="0">
-                <a:solidFill>
-                  <a:schemeClr val="tx1"/>
-                </a:solidFill>
-                <a:latin typeface="Times New Roman" panose="02020603050405020304" pitchFamily="18" charset="0"/>
-                <a:cs typeface="Times New Roman" panose="02020603050405020304" pitchFamily="18" charset="0"/>
-              </a:rPr>
-              <a:t>; </a:t>
-            </a:r>
-            <a:r>
-              <a:rPr lang="pt-BR" sz="2400" b="1" dirty="0" err="1">
-                <a:solidFill>
-                  <a:schemeClr val="tx1"/>
-                </a:solidFill>
-                <a:latin typeface="Times New Roman" panose="02020603050405020304" pitchFamily="18" charset="0"/>
-                <a:cs typeface="Times New Roman" panose="02020603050405020304" pitchFamily="18" charset="0"/>
-              </a:rPr>
-              <a:t>DotEnv</a:t>
-            </a:r>
-            <a:r>
-              <a:rPr lang="pt-BR" sz="2400" b="1" dirty="0">
-                <a:solidFill>
-                  <a:schemeClr val="tx1"/>
-                </a:solidFill>
-                <a:latin typeface="Times New Roman" panose="02020603050405020304" pitchFamily="18" charset="0"/>
-                <a:cs typeface="Times New Roman" panose="02020603050405020304" pitchFamily="18" charset="0"/>
-              </a:rPr>
-              <a:t> (.</a:t>
-            </a:r>
-            <a:r>
-              <a:rPr lang="pt-BR" sz="2400" b="1" dirty="0" err="1">
-                <a:solidFill>
-                  <a:schemeClr val="tx1"/>
-                </a:solidFill>
-                <a:latin typeface="Times New Roman" panose="02020603050405020304" pitchFamily="18" charset="0"/>
-                <a:cs typeface="Times New Roman" panose="02020603050405020304" pitchFamily="18" charset="0"/>
-              </a:rPr>
-              <a:t>env</a:t>
-            </a:r>
-            <a:r>
-              <a:rPr lang="pt-BR" sz="2400" b="1" dirty="0">
-                <a:solidFill>
-                  <a:schemeClr val="tx1"/>
-                </a:solidFill>
-                <a:latin typeface="Times New Roman" panose="02020603050405020304" pitchFamily="18" charset="0"/>
-                <a:cs typeface="Times New Roman" panose="02020603050405020304" pitchFamily="18" charset="0"/>
-              </a:rPr>
-              <a:t> = </a:t>
-            </a:r>
-            <a:r>
-              <a:rPr lang="pt-BR" sz="2400" dirty="0">
-                <a:solidFill>
-                  <a:schemeClr val="tx1"/>
-                </a:solidFill>
-                <a:latin typeface="Times New Roman" panose="02020603050405020304" pitchFamily="18" charset="0"/>
-                <a:cs typeface="Times New Roman" panose="02020603050405020304" pitchFamily="18" charset="0"/>
-              </a:rPr>
-              <a:t>variáveis de ambiente</a:t>
-            </a:r>
-            <a:r>
-              <a:rPr lang="pt-BR" sz="2400" b="1" dirty="0">
-                <a:solidFill>
-                  <a:schemeClr val="tx1"/>
-                </a:solidFill>
-                <a:latin typeface="Times New Roman" panose="02020603050405020304" pitchFamily="18" charset="0"/>
-                <a:cs typeface="Times New Roman" panose="02020603050405020304" pitchFamily="18" charset="0"/>
-              </a:rPr>
-              <a:t>); </a:t>
-            </a:r>
-            <a:r>
-              <a:rPr lang="pt-BR" sz="2400" b="1" dirty="0" err="1">
-                <a:solidFill>
-                  <a:schemeClr val="tx1"/>
-                </a:solidFill>
-                <a:latin typeface="Times New Roman" panose="02020603050405020304" pitchFamily="18" charset="0"/>
-                <a:cs typeface="Times New Roman" panose="02020603050405020304" pitchFamily="18" charset="0"/>
-              </a:rPr>
-              <a:t>EditorConfig</a:t>
-            </a:r>
-            <a:r>
-              <a:rPr lang="pt-BR" sz="2400" b="1" dirty="0">
-                <a:solidFill>
-                  <a:schemeClr val="tx1"/>
-                </a:solidFill>
-                <a:latin typeface="Times New Roman" panose="02020603050405020304" pitchFamily="18" charset="0"/>
-                <a:cs typeface="Times New Roman" panose="02020603050405020304" pitchFamily="18" charset="0"/>
-              </a:rPr>
-              <a:t> for VS </a:t>
-            </a:r>
-            <a:r>
-              <a:rPr lang="pt-BR" sz="2400" b="1" dirty="0" err="1">
-                <a:solidFill>
-                  <a:schemeClr val="tx1"/>
-                </a:solidFill>
-                <a:latin typeface="Times New Roman" panose="02020603050405020304" pitchFamily="18" charset="0"/>
-                <a:cs typeface="Times New Roman" panose="02020603050405020304" pitchFamily="18" charset="0"/>
-              </a:rPr>
-              <a:t>Code</a:t>
-            </a:r>
-            <a:r>
-              <a:rPr lang="pt-BR" sz="2400" b="1" dirty="0">
-                <a:solidFill>
-                  <a:schemeClr val="tx1"/>
-                </a:solidFill>
-                <a:latin typeface="Times New Roman" panose="02020603050405020304" pitchFamily="18" charset="0"/>
-                <a:cs typeface="Times New Roman" panose="02020603050405020304" pitchFamily="18" charset="0"/>
-              </a:rPr>
-              <a:t> (</a:t>
-            </a:r>
-            <a:r>
-              <a:rPr lang="pt-BR" sz="2400" dirty="0">
-                <a:solidFill>
-                  <a:schemeClr val="tx1"/>
-                </a:solidFill>
-                <a:latin typeface="Times New Roman" panose="02020603050405020304" pitchFamily="18" charset="0"/>
-                <a:cs typeface="Times New Roman" panose="02020603050405020304" pitchFamily="18" charset="0"/>
-              </a:rPr>
-              <a:t>.</a:t>
-            </a:r>
-            <a:r>
-              <a:rPr lang="pt-BR" sz="2400" dirty="0" err="1">
-                <a:solidFill>
-                  <a:schemeClr val="tx1"/>
-                </a:solidFill>
-                <a:latin typeface="Times New Roman" panose="02020603050405020304" pitchFamily="18" charset="0"/>
-                <a:cs typeface="Times New Roman" panose="02020603050405020304" pitchFamily="18" charset="0"/>
-              </a:rPr>
-              <a:t>editorconfig</a:t>
-            </a:r>
-            <a:r>
-              <a:rPr lang="pt-BR" sz="2400" b="1" dirty="0">
-                <a:solidFill>
-                  <a:schemeClr val="tx1"/>
-                </a:solidFill>
-                <a:latin typeface="Times New Roman" panose="02020603050405020304" pitchFamily="18" charset="0"/>
-                <a:cs typeface="Times New Roman" panose="02020603050405020304" pitchFamily="18" charset="0"/>
-              </a:rPr>
-              <a:t>)</a:t>
-            </a:r>
-          </a:p>
-          <a:p>
-            <a:pPr marL="0" indent="0" algn="just">
-              <a:buNone/>
-            </a:pPr>
-            <a:endParaRPr lang="pt-BR" sz="2400" b="1" dirty="0">
-              <a:solidFill>
-                <a:schemeClr val="tx1"/>
-              </a:solidFill>
-              <a:latin typeface="Times New Roman" panose="02020603050405020304" pitchFamily="18" charset="0"/>
-              <a:cs typeface="Times New Roman" panose="02020603050405020304" pitchFamily="18" charset="0"/>
-            </a:endParaRPr>
-          </a:p>
-          <a:p>
-            <a:pPr marL="0" indent="0" algn="just">
-              <a:buNone/>
-            </a:pPr>
-            <a:r>
-              <a:rPr lang="pt-BR" sz="2400" b="1" dirty="0">
-                <a:solidFill>
-                  <a:srgbClr val="FF0000"/>
-                </a:solidFill>
-                <a:latin typeface="Times New Roman" panose="02020603050405020304" pitchFamily="18" charset="0"/>
-                <a:cs typeface="Times New Roman" panose="02020603050405020304" pitchFamily="18" charset="0"/>
-              </a:rPr>
-              <a:t> 	2. Extensões Gerais PHP:</a:t>
-            </a:r>
-          </a:p>
-          <a:p>
-            <a:pPr marL="0" indent="0" algn="just">
-              <a:buNone/>
-            </a:pPr>
-            <a:r>
-              <a:rPr lang="pt-BR" sz="2400" b="1" dirty="0">
-                <a:solidFill>
-                  <a:srgbClr val="FF0000"/>
-                </a:solidFill>
-                <a:latin typeface="Times New Roman" panose="02020603050405020304" pitchFamily="18" charset="0"/>
-                <a:cs typeface="Times New Roman" panose="02020603050405020304" pitchFamily="18" charset="0"/>
-              </a:rPr>
-              <a:t>	    </a:t>
-            </a:r>
-            <a:r>
-              <a:rPr lang="pt-BR" sz="2400" b="1" dirty="0">
-                <a:solidFill>
-                  <a:schemeClr val="tx1"/>
-                </a:solidFill>
-                <a:latin typeface="Times New Roman" panose="02020603050405020304" pitchFamily="18" charset="0"/>
-                <a:cs typeface="Times New Roman" panose="02020603050405020304" pitchFamily="18" charset="0"/>
-              </a:rPr>
-              <a:t>PHP</a:t>
-            </a:r>
-            <a:r>
-              <a:rPr lang="pt-BR" sz="2400" dirty="0">
-                <a:solidFill>
-                  <a:schemeClr val="tx1"/>
-                </a:solidFill>
-                <a:latin typeface="Times New Roman" panose="02020603050405020304" pitchFamily="18" charset="0"/>
-                <a:cs typeface="Times New Roman" panose="02020603050405020304" pitchFamily="18" charset="0"/>
-              </a:rPr>
-              <a:t> </a:t>
-            </a:r>
-            <a:r>
-              <a:rPr lang="pt-BR" sz="2400" b="1" dirty="0" err="1">
-                <a:solidFill>
-                  <a:srgbClr val="FF0000"/>
-                </a:solidFill>
-                <a:latin typeface="Times New Roman" panose="02020603050405020304" pitchFamily="18" charset="0"/>
-                <a:cs typeface="Times New Roman" panose="02020603050405020304" pitchFamily="18" charset="0"/>
-              </a:rPr>
-              <a:t>Intelephense</a:t>
-            </a:r>
-            <a:r>
-              <a:rPr lang="pt-BR" sz="2400" b="1" dirty="0">
-                <a:solidFill>
-                  <a:srgbClr val="FF0000"/>
-                </a:solidFill>
-                <a:latin typeface="Times New Roman" panose="02020603050405020304" pitchFamily="18" charset="0"/>
-                <a:cs typeface="Times New Roman" panose="02020603050405020304" pitchFamily="18" charset="0"/>
-              </a:rPr>
-              <a:t>;</a:t>
-            </a:r>
-            <a:r>
-              <a:rPr lang="pt-BR" sz="2400" b="1" dirty="0">
-                <a:solidFill>
-                  <a:schemeClr val="tx1"/>
-                </a:solidFill>
-                <a:latin typeface="Times New Roman" panose="02020603050405020304" pitchFamily="18" charset="0"/>
-                <a:cs typeface="Times New Roman" panose="02020603050405020304" pitchFamily="18" charset="0"/>
-              </a:rPr>
-              <a:t> PHP Debug; PHP </a:t>
-            </a:r>
-            <a:r>
-              <a:rPr lang="pt-BR" sz="2400" b="1" dirty="0" err="1">
-                <a:solidFill>
-                  <a:schemeClr val="tx1"/>
-                </a:solidFill>
-                <a:latin typeface="Times New Roman" panose="02020603050405020304" pitchFamily="18" charset="0"/>
-                <a:cs typeface="Times New Roman" panose="02020603050405020304" pitchFamily="18" charset="0"/>
-              </a:rPr>
-              <a:t>Getters</a:t>
-            </a:r>
-            <a:r>
-              <a:rPr lang="pt-BR" sz="2400" b="1" dirty="0">
-                <a:solidFill>
-                  <a:schemeClr val="tx1"/>
-                </a:solidFill>
-                <a:latin typeface="Times New Roman" panose="02020603050405020304" pitchFamily="18" charset="0"/>
-                <a:cs typeface="Times New Roman" panose="02020603050405020304" pitchFamily="18" charset="0"/>
-              </a:rPr>
-              <a:t> e </a:t>
-            </a:r>
-            <a:r>
-              <a:rPr lang="pt-BR" sz="2400" b="1" dirty="0" err="1">
-                <a:solidFill>
-                  <a:schemeClr val="tx1"/>
-                </a:solidFill>
-                <a:latin typeface="Times New Roman" panose="02020603050405020304" pitchFamily="18" charset="0"/>
-                <a:cs typeface="Times New Roman" panose="02020603050405020304" pitchFamily="18" charset="0"/>
-              </a:rPr>
-              <a:t>Setters</a:t>
-            </a:r>
-            <a:endParaRPr lang="pt-BR" sz="2400" dirty="0">
-              <a:solidFill>
-                <a:schemeClr val="tx1"/>
-              </a:solidFill>
-              <a:latin typeface="Times New Roman" panose="02020603050405020304" pitchFamily="18" charset="0"/>
-              <a:cs typeface="Times New Roman" panose="02020603050405020304" pitchFamily="18" charset="0"/>
-            </a:endParaRPr>
-          </a:p>
-          <a:p>
-            <a:pPr marL="0" indent="0" algn="just">
-              <a:buNone/>
-            </a:pPr>
-            <a:endParaRPr lang="pt-BR" sz="2400" dirty="0">
-              <a:solidFill>
-                <a:schemeClr val="tx1"/>
-              </a:solidFill>
-              <a:latin typeface="Times New Roman" panose="02020603050405020304" pitchFamily="18" charset="0"/>
-              <a:cs typeface="Times New Roman" panose="02020603050405020304" pitchFamily="18" charset="0"/>
-            </a:endParaRPr>
-          </a:p>
-          <a:p>
-            <a:pPr marL="0" indent="0" algn="just">
-              <a:buNone/>
-            </a:pPr>
-            <a:endParaRPr lang="pt-BR" sz="2400" dirty="0">
-              <a:solidFill>
-                <a:schemeClr val="tx1"/>
-              </a:solidFill>
-              <a:latin typeface="Times New Roman" panose="02020603050405020304" pitchFamily="18" charset="0"/>
-              <a:cs typeface="Times New Roman" panose="02020603050405020304" pitchFamily="18" charset="0"/>
-            </a:endParaRPr>
-          </a:p>
-        </p:txBody>
-      </p:sp>
-    </p:spTree>
-    <p:extLst>
-      <p:ext uri="{BB962C8B-B14F-4D97-AF65-F5344CB8AC3E}">
-        <p14:creationId xmlns:p14="http://schemas.microsoft.com/office/powerpoint/2010/main" val="3722562167"/>
-      </p:ext>
-    </p:extLst>
   </p:cSld>
   <p:clrMapOvr>
     <a:masterClrMapping/>

--- a/01 Classes/Aula 12 e 13 Desenvolvimento Web PHP - PHP.pptx
+++ b/01 Classes/Aula 12 e 13 Desenvolvimento Web PHP - PHP.pptx
@@ -5,7 +5,7 @@
     <p:sldMasterId id="2147483648" r:id="rId1"/>
   </p:sldMasterIdLst>
   <p:notesMasterIdLst>
-    <p:notesMasterId r:id="rId64"/>
+    <p:notesMasterId r:id="rId69"/>
   </p:notesMasterIdLst>
   <p:sldIdLst>
     <p:sldId id="256" r:id="rId2"/>
@@ -61,15 +61,20 @@
     <p:sldId id="447" r:id="rId52"/>
     <p:sldId id="449" r:id="rId53"/>
     <p:sldId id="421" r:id="rId54"/>
-    <p:sldId id="445" r:id="rId55"/>
-    <p:sldId id="420" r:id="rId56"/>
-    <p:sldId id="418" r:id="rId57"/>
-    <p:sldId id="451" r:id="rId58"/>
-    <p:sldId id="333" r:id="rId59"/>
-    <p:sldId id="323" r:id="rId60"/>
-    <p:sldId id="334" r:id="rId61"/>
-    <p:sldId id="337" r:id="rId62"/>
-    <p:sldId id="309" r:id="rId63"/>
+    <p:sldId id="420" r:id="rId55"/>
+    <p:sldId id="445" r:id="rId56"/>
+    <p:sldId id="452" r:id="rId57"/>
+    <p:sldId id="453" r:id="rId58"/>
+    <p:sldId id="418" r:id="rId59"/>
+    <p:sldId id="451" r:id="rId60"/>
+    <p:sldId id="454" r:id="rId61"/>
+    <p:sldId id="455" r:id="rId62"/>
+    <p:sldId id="456" r:id="rId63"/>
+    <p:sldId id="333" r:id="rId64"/>
+    <p:sldId id="323" r:id="rId65"/>
+    <p:sldId id="334" r:id="rId66"/>
+    <p:sldId id="337" r:id="rId67"/>
+    <p:sldId id="309" r:id="rId68"/>
   </p:sldIdLst>
   <p:sldSz cx="9144000" cy="5143500" type="screen16x9"/>
   <p:notesSz cx="6858000" cy="9144000"/>
@@ -3713,7 +3718,7 @@
     </p:spTree>
     <p:extLst>
       <p:ext uri="{BB962C8B-B14F-4D97-AF65-F5344CB8AC3E}">
-        <p14:creationId xmlns:p14="http://schemas.microsoft.com/office/powerpoint/2010/main" val="1073509240"/>
+        <p14:creationId xmlns:p14="http://schemas.microsoft.com/office/powerpoint/2010/main" val="4044526132"/>
       </p:ext>
     </p:extLst>
   </p:cSld>
@@ -3779,7 +3784,7 @@
     </p:spTree>
     <p:extLst>
       <p:ext uri="{BB962C8B-B14F-4D97-AF65-F5344CB8AC3E}">
-        <p14:creationId xmlns:p14="http://schemas.microsoft.com/office/powerpoint/2010/main" val="4044526132"/>
+        <p14:creationId xmlns:p14="http://schemas.microsoft.com/office/powerpoint/2010/main" val="1073509240"/>
       </p:ext>
     </p:extLst>
   </p:cSld>
@@ -3845,7 +3850,7 @@
     </p:spTree>
     <p:extLst>
       <p:ext uri="{BB962C8B-B14F-4D97-AF65-F5344CB8AC3E}">
-        <p14:creationId xmlns:p14="http://schemas.microsoft.com/office/powerpoint/2010/main" val="2978299195"/>
+        <p14:creationId xmlns:p14="http://schemas.microsoft.com/office/powerpoint/2010/main" val="2645190237"/>
       </p:ext>
     </p:extLst>
   </p:cSld>
@@ -3911,7 +3916,7 @@
     </p:spTree>
     <p:extLst>
       <p:ext uri="{BB962C8B-B14F-4D97-AF65-F5344CB8AC3E}">
-        <p14:creationId xmlns:p14="http://schemas.microsoft.com/office/powerpoint/2010/main" val="40756885"/>
+        <p14:creationId xmlns:p14="http://schemas.microsoft.com/office/powerpoint/2010/main" val="1580441302"/>
       </p:ext>
     </p:extLst>
   </p:cSld>
@@ -3977,7 +3982,7 @@
     </p:spTree>
     <p:extLst>
       <p:ext uri="{BB962C8B-B14F-4D97-AF65-F5344CB8AC3E}">
-        <p14:creationId xmlns:p14="http://schemas.microsoft.com/office/powerpoint/2010/main" val="585304384"/>
+        <p14:creationId xmlns:p14="http://schemas.microsoft.com/office/powerpoint/2010/main" val="2978299195"/>
       </p:ext>
     </p:extLst>
   </p:cSld>
@@ -4043,7 +4048,7 @@
     </p:spTree>
     <p:extLst>
       <p:ext uri="{BB962C8B-B14F-4D97-AF65-F5344CB8AC3E}">
-        <p14:creationId xmlns:p14="http://schemas.microsoft.com/office/powerpoint/2010/main" val="2709569597"/>
+        <p14:creationId xmlns:p14="http://schemas.microsoft.com/office/powerpoint/2010/main" val="40756885"/>
       </p:ext>
     </p:extLst>
   </p:cSld>
@@ -4109,7 +4114,7 @@
     </p:spTree>
     <p:extLst>
       <p:ext uri="{BB962C8B-B14F-4D97-AF65-F5344CB8AC3E}">
-        <p14:creationId xmlns:p14="http://schemas.microsoft.com/office/powerpoint/2010/main" val="2296249050"/>
+        <p14:creationId xmlns:p14="http://schemas.microsoft.com/office/powerpoint/2010/main" val="69310503"/>
       </p:ext>
     </p:extLst>
   </p:cSld>
@@ -4175,7 +4180,7 @@
     </p:spTree>
     <p:extLst>
       <p:ext uri="{BB962C8B-B14F-4D97-AF65-F5344CB8AC3E}">
-        <p14:creationId xmlns:p14="http://schemas.microsoft.com/office/powerpoint/2010/main" val="4290351292"/>
+        <p14:creationId xmlns:p14="http://schemas.microsoft.com/office/powerpoint/2010/main" val="134872315"/>
       </p:ext>
     </p:extLst>
   </p:cSld>
@@ -4242,6 +4247,336 @@
     <p:extLst>
       <p:ext uri="{BB962C8B-B14F-4D97-AF65-F5344CB8AC3E}">
         <p14:creationId xmlns:p14="http://schemas.microsoft.com/office/powerpoint/2010/main" val="709776183"/>
+      </p:ext>
+    </p:extLst>
+  </p:cSld>
+  <p:clrMapOvr>
+    <a:masterClrMapping/>
+  </p:clrMapOvr>
+</p:notes>
+</file>
+
+<file path=ppt/notesSlides/notesSlide60.xml><?xml version="1.0" encoding="utf-8"?>
+<p:notes xmlns:a="http://schemas.openxmlformats.org/drawingml/2006/main" xmlns:r="http://schemas.openxmlformats.org/officeDocument/2006/relationships" xmlns:p="http://schemas.openxmlformats.org/presentationml/2006/main">
+  <p:cSld>
+    <p:spTree>
+      <p:nvGrpSpPr>
+        <p:cNvPr id="1" name=""/>
+        <p:cNvGrpSpPr/>
+        <p:nvPr/>
+      </p:nvGrpSpPr>
+      <p:grpSpPr>
+        <a:xfrm>
+          <a:off x="0" y="0"/>
+          <a:ext cx="0" cy="0"/>
+          <a:chOff x="0" y="0"/>
+          <a:chExt cx="0" cy="0"/>
+        </a:xfrm>
+      </p:grpSpPr>
+      <p:sp>
+        <p:nvSpPr>
+          <p:cNvPr id="2" name="Espaço Reservado para Imagem de Slide 1"/>
+          <p:cNvSpPr>
+            <a:spLocks noGrp="1" noRot="1" noChangeAspect="1"/>
+          </p:cNvSpPr>
+          <p:nvPr>
+            <p:ph type="sldImg"/>
+          </p:nvPr>
+        </p:nvSpPr>
+        <p:spPr>
+          <a:xfrm>
+            <a:off x="381000" y="685800"/>
+            <a:ext cx="6096000" cy="3429000"/>
+          </a:xfrm>
+        </p:spPr>
+      </p:sp>
+      <p:sp>
+        <p:nvSpPr>
+          <p:cNvPr id="3" name="Espaço Reservado para Anotações 2"/>
+          <p:cNvSpPr>
+            <a:spLocks noGrp="1"/>
+          </p:cNvSpPr>
+          <p:nvPr>
+            <p:ph type="body" idx="1"/>
+          </p:nvPr>
+        </p:nvSpPr>
+        <p:spPr/>
+        <p:txBody>
+          <a:bodyPr/>
+          <a:lstStyle/>
+          <a:p>
+            <a:endParaRPr lang="pt-BR" dirty="0"/>
+          </a:p>
+        </p:txBody>
+      </p:sp>
+    </p:spTree>
+    <p:extLst>
+      <p:ext uri="{BB962C8B-B14F-4D97-AF65-F5344CB8AC3E}">
+        <p14:creationId xmlns:p14="http://schemas.microsoft.com/office/powerpoint/2010/main" val="4273606922"/>
+      </p:ext>
+    </p:extLst>
+  </p:cSld>
+  <p:clrMapOvr>
+    <a:masterClrMapping/>
+  </p:clrMapOvr>
+</p:notes>
+</file>
+
+<file path=ppt/notesSlides/notesSlide61.xml><?xml version="1.0" encoding="utf-8"?>
+<p:notes xmlns:a="http://schemas.openxmlformats.org/drawingml/2006/main" xmlns:r="http://schemas.openxmlformats.org/officeDocument/2006/relationships" xmlns:p="http://schemas.openxmlformats.org/presentationml/2006/main">
+  <p:cSld>
+    <p:spTree>
+      <p:nvGrpSpPr>
+        <p:cNvPr id="1" name=""/>
+        <p:cNvGrpSpPr/>
+        <p:nvPr/>
+      </p:nvGrpSpPr>
+      <p:grpSpPr>
+        <a:xfrm>
+          <a:off x="0" y="0"/>
+          <a:ext cx="0" cy="0"/>
+          <a:chOff x="0" y="0"/>
+          <a:chExt cx="0" cy="0"/>
+        </a:xfrm>
+      </p:grpSpPr>
+      <p:sp>
+        <p:nvSpPr>
+          <p:cNvPr id="2" name="Espaço Reservado para Imagem de Slide 1"/>
+          <p:cNvSpPr>
+            <a:spLocks noGrp="1" noRot="1" noChangeAspect="1"/>
+          </p:cNvSpPr>
+          <p:nvPr>
+            <p:ph type="sldImg"/>
+          </p:nvPr>
+        </p:nvSpPr>
+        <p:spPr>
+          <a:xfrm>
+            <a:off x="381000" y="685800"/>
+            <a:ext cx="6096000" cy="3429000"/>
+          </a:xfrm>
+        </p:spPr>
+      </p:sp>
+      <p:sp>
+        <p:nvSpPr>
+          <p:cNvPr id="3" name="Espaço Reservado para Anotações 2"/>
+          <p:cNvSpPr>
+            <a:spLocks noGrp="1"/>
+          </p:cNvSpPr>
+          <p:nvPr>
+            <p:ph type="body" idx="1"/>
+          </p:nvPr>
+        </p:nvSpPr>
+        <p:spPr/>
+        <p:txBody>
+          <a:bodyPr/>
+          <a:lstStyle/>
+          <a:p>
+            <a:endParaRPr lang="pt-BR" dirty="0"/>
+          </a:p>
+        </p:txBody>
+      </p:sp>
+    </p:spTree>
+    <p:extLst>
+      <p:ext uri="{BB962C8B-B14F-4D97-AF65-F5344CB8AC3E}">
+        <p14:creationId xmlns:p14="http://schemas.microsoft.com/office/powerpoint/2010/main" val="585304384"/>
+      </p:ext>
+    </p:extLst>
+  </p:cSld>
+  <p:clrMapOvr>
+    <a:masterClrMapping/>
+  </p:clrMapOvr>
+</p:notes>
+</file>
+
+<file path=ppt/notesSlides/notesSlide62.xml><?xml version="1.0" encoding="utf-8"?>
+<p:notes xmlns:a="http://schemas.openxmlformats.org/drawingml/2006/main" xmlns:r="http://schemas.openxmlformats.org/officeDocument/2006/relationships" xmlns:p="http://schemas.openxmlformats.org/presentationml/2006/main">
+  <p:cSld>
+    <p:spTree>
+      <p:nvGrpSpPr>
+        <p:cNvPr id="1" name=""/>
+        <p:cNvGrpSpPr/>
+        <p:nvPr/>
+      </p:nvGrpSpPr>
+      <p:grpSpPr>
+        <a:xfrm>
+          <a:off x="0" y="0"/>
+          <a:ext cx="0" cy="0"/>
+          <a:chOff x="0" y="0"/>
+          <a:chExt cx="0" cy="0"/>
+        </a:xfrm>
+      </p:grpSpPr>
+      <p:sp>
+        <p:nvSpPr>
+          <p:cNvPr id="2" name="Espaço Reservado para Imagem de Slide 1"/>
+          <p:cNvSpPr>
+            <a:spLocks noGrp="1" noRot="1" noChangeAspect="1"/>
+          </p:cNvSpPr>
+          <p:nvPr>
+            <p:ph type="sldImg"/>
+          </p:nvPr>
+        </p:nvSpPr>
+        <p:spPr>
+          <a:xfrm>
+            <a:off x="381000" y="685800"/>
+            <a:ext cx="6096000" cy="3429000"/>
+          </a:xfrm>
+        </p:spPr>
+      </p:sp>
+      <p:sp>
+        <p:nvSpPr>
+          <p:cNvPr id="3" name="Espaço Reservado para Anotações 2"/>
+          <p:cNvSpPr>
+            <a:spLocks noGrp="1"/>
+          </p:cNvSpPr>
+          <p:nvPr>
+            <p:ph type="body" idx="1"/>
+          </p:nvPr>
+        </p:nvSpPr>
+        <p:spPr/>
+        <p:txBody>
+          <a:bodyPr/>
+          <a:lstStyle/>
+          <a:p>
+            <a:endParaRPr lang="pt-BR" dirty="0"/>
+          </a:p>
+        </p:txBody>
+      </p:sp>
+    </p:spTree>
+    <p:extLst>
+      <p:ext uri="{BB962C8B-B14F-4D97-AF65-F5344CB8AC3E}">
+        <p14:creationId xmlns:p14="http://schemas.microsoft.com/office/powerpoint/2010/main" val="2709569597"/>
+      </p:ext>
+    </p:extLst>
+  </p:cSld>
+  <p:clrMapOvr>
+    <a:masterClrMapping/>
+  </p:clrMapOvr>
+</p:notes>
+</file>
+
+<file path=ppt/notesSlides/notesSlide63.xml><?xml version="1.0" encoding="utf-8"?>
+<p:notes xmlns:a="http://schemas.openxmlformats.org/drawingml/2006/main" xmlns:r="http://schemas.openxmlformats.org/officeDocument/2006/relationships" xmlns:p="http://schemas.openxmlformats.org/presentationml/2006/main">
+  <p:cSld>
+    <p:spTree>
+      <p:nvGrpSpPr>
+        <p:cNvPr id="1" name=""/>
+        <p:cNvGrpSpPr/>
+        <p:nvPr/>
+      </p:nvGrpSpPr>
+      <p:grpSpPr>
+        <a:xfrm>
+          <a:off x="0" y="0"/>
+          <a:ext cx="0" cy="0"/>
+          <a:chOff x="0" y="0"/>
+          <a:chExt cx="0" cy="0"/>
+        </a:xfrm>
+      </p:grpSpPr>
+      <p:sp>
+        <p:nvSpPr>
+          <p:cNvPr id="2" name="Espaço Reservado para Imagem de Slide 1"/>
+          <p:cNvSpPr>
+            <a:spLocks noGrp="1" noRot="1" noChangeAspect="1"/>
+          </p:cNvSpPr>
+          <p:nvPr>
+            <p:ph type="sldImg"/>
+          </p:nvPr>
+        </p:nvSpPr>
+        <p:spPr>
+          <a:xfrm>
+            <a:off x="381000" y="685800"/>
+            <a:ext cx="6096000" cy="3429000"/>
+          </a:xfrm>
+        </p:spPr>
+      </p:sp>
+      <p:sp>
+        <p:nvSpPr>
+          <p:cNvPr id="3" name="Espaço Reservado para Anotações 2"/>
+          <p:cNvSpPr>
+            <a:spLocks noGrp="1"/>
+          </p:cNvSpPr>
+          <p:nvPr>
+            <p:ph type="body" idx="1"/>
+          </p:nvPr>
+        </p:nvSpPr>
+        <p:spPr/>
+        <p:txBody>
+          <a:bodyPr/>
+          <a:lstStyle/>
+          <a:p>
+            <a:endParaRPr lang="pt-BR" dirty="0"/>
+          </a:p>
+        </p:txBody>
+      </p:sp>
+    </p:spTree>
+    <p:extLst>
+      <p:ext uri="{BB962C8B-B14F-4D97-AF65-F5344CB8AC3E}">
+        <p14:creationId xmlns:p14="http://schemas.microsoft.com/office/powerpoint/2010/main" val="2296249050"/>
+      </p:ext>
+    </p:extLst>
+  </p:cSld>
+  <p:clrMapOvr>
+    <a:masterClrMapping/>
+  </p:clrMapOvr>
+</p:notes>
+</file>
+
+<file path=ppt/notesSlides/notesSlide64.xml><?xml version="1.0" encoding="utf-8"?>
+<p:notes xmlns:a="http://schemas.openxmlformats.org/drawingml/2006/main" xmlns:r="http://schemas.openxmlformats.org/officeDocument/2006/relationships" xmlns:p="http://schemas.openxmlformats.org/presentationml/2006/main">
+  <p:cSld>
+    <p:spTree>
+      <p:nvGrpSpPr>
+        <p:cNvPr id="1" name=""/>
+        <p:cNvGrpSpPr/>
+        <p:nvPr/>
+      </p:nvGrpSpPr>
+      <p:grpSpPr>
+        <a:xfrm>
+          <a:off x="0" y="0"/>
+          <a:ext cx="0" cy="0"/>
+          <a:chOff x="0" y="0"/>
+          <a:chExt cx="0" cy="0"/>
+        </a:xfrm>
+      </p:grpSpPr>
+      <p:sp>
+        <p:nvSpPr>
+          <p:cNvPr id="2" name="Espaço Reservado para Imagem de Slide 1"/>
+          <p:cNvSpPr>
+            <a:spLocks noGrp="1" noRot="1" noChangeAspect="1"/>
+          </p:cNvSpPr>
+          <p:nvPr>
+            <p:ph type="sldImg"/>
+          </p:nvPr>
+        </p:nvSpPr>
+        <p:spPr>
+          <a:xfrm>
+            <a:off x="381000" y="685800"/>
+            <a:ext cx="6096000" cy="3429000"/>
+          </a:xfrm>
+        </p:spPr>
+      </p:sp>
+      <p:sp>
+        <p:nvSpPr>
+          <p:cNvPr id="3" name="Espaço Reservado para Anotações 2"/>
+          <p:cNvSpPr>
+            <a:spLocks noGrp="1"/>
+          </p:cNvSpPr>
+          <p:nvPr>
+            <p:ph type="body" idx="1"/>
+          </p:nvPr>
+        </p:nvSpPr>
+        <p:spPr/>
+        <p:txBody>
+          <a:bodyPr/>
+          <a:lstStyle/>
+          <a:p>
+            <a:endParaRPr lang="pt-BR" dirty="0"/>
+          </a:p>
+        </p:txBody>
+      </p:sp>
+    </p:spTree>
+    <p:extLst>
+      <p:ext uri="{BB962C8B-B14F-4D97-AF65-F5344CB8AC3E}">
+        <p14:creationId xmlns:p14="http://schemas.microsoft.com/office/powerpoint/2010/main" val="4290351292"/>
       </p:ext>
     </p:extLst>
   </p:cSld>
@@ -29889,6 +30224,41 @@
             </a:endParaRPr>
           </a:p>
           <a:p>
+            <a:pPr marL="0" indent="0" algn="just">
+              <a:buNone/>
+            </a:pPr>
+            <a:r>
+              <a:rPr lang="pt-BR" sz="2400" dirty="0">
+                <a:solidFill>
+                  <a:schemeClr val="tx1"/>
+                </a:solidFill>
+                <a:latin typeface="Times New Roman" panose="02020603050405020304" pitchFamily="18" charset="0"/>
+                <a:cs typeface="Times New Roman" panose="02020603050405020304" pitchFamily="18" charset="0"/>
+              </a:rPr>
+              <a:t>	Ou </a:t>
+            </a:r>
+            <a:r>
+              <a:rPr lang="pt-BR" sz="2400" b="1" dirty="0">
+                <a:solidFill>
+                  <a:schemeClr val="tx1"/>
+                </a:solidFill>
+                <a:latin typeface="Times New Roman" panose="02020603050405020304" pitchFamily="18" charset="0"/>
+                <a:cs typeface="Times New Roman" panose="02020603050405020304" pitchFamily="18" charset="0"/>
+              </a:rPr>
+              <a:t>Interpretador: </a:t>
+            </a:r>
+            <a:r>
+              <a:rPr lang="pt-BR" sz="2400" dirty="0">
+                <a:solidFill>
+                  <a:schemeClr val="tx1"/>
+                </a:solidFill>
+                <a:latin typeface="Times New Roman" panose="02020603050405020304" pitchFamily="18" charset="0"/>
+                <a:cs typeface="Times New Roman" panose="02020603050405020304" pitchFamily="18" charset="0"/>
+              </a:rPr>
+              <a:t>PHP</a:t>
+            </a:r>
+          </a:p>
+          <a:p>
             <a:pPr marL="457200" indent="-457200" algn="just">
               <a:buFont typeface="+mj-lt"/>
               <a:buAutoNum type="arabicPeriod" startAt="2"/>
@@ -29968,32 +30338,6 @@
                 <a:cs typeface="Times New Roman" panose="02020603050405020304" pitchFamily="18" charset="0"/>
               </a:rPr>
               <a:t>)</a:t>
-            </a:r>
-          </a:p>
-          <a:p>
-            <a:pPr marL="457200" indent="-457200" algn="just">
-              <a:buFont typeface="+mj-lt"/>
-              <a:buAutoNum type="arabicPeriod" startAt="2"/>
-            </a:pPr>
-            <a:r>
-              <a:rPr lang="pt-BR" sz="2400" b="1" dirty="0">
-                <a:solidFill>
-                  <a:schemeClr val="tx1"/>
-                </a:solidFill>
-                <a:latin typeface="Times New Roman" panose="02020603050405020304" pitchFamily="18" charset="0"/>
-                <a:cs typeface="Times New Roman" panose="02020603050405020304" pitchFamily="18" charset="0"/>
-              </a:rPr>
-              <a:t>Interpretador: </a:t>
-            </a:r>
-            <a:r>
-              <a:rPr lang="pt-BR" sz="2400" dirty="0">
-                <a:solidFill>
-                  <a:schemeClr val="tx1"/>
-                </a:solidFill>
-                <a:latin typeface="Times New Roman" panose="02020603050405020304" pitchFamily="18" charset="0"/>
-                <a:cs typeface="Times New Roman" panose="02020603050405020304" pitchFamily="18" charset="0"/>
-              </a:rPr>
-              <a:t>PHP</a:t>
             </a:r>
           </a:p>
           <a:p>
@@ -32423,7 +32767,23 @@
                   <a:srgbClr val="0070C0"/>
                 </a:solidFill>
               </a:rPr>
-              <a:t>PHP – BD MySQL com PDO</a:t>
+              <a:t>PHP – </a:t>
+            </a:r>
+            <a:r>
+              <a:rPr lang="en-US" b="1" dirty="0" err="1">
+                <a:solidFill>
+                  <a:srgbClr val="0070C0"/>
+                </a:solidFill>
+              </a:rPr>
+              <a:t>Seções</a:t>
+            </a:r>
+            <a:r>
+              <a:rPr lang="en-US" b="1" dirty="0">
+                <a:solidFill>
+                  <a:srgbClr val="0070C0"/>
+                </a:solidFill>
+              </a:rPr>
+              <a:t>/Cookies</a:t>
             </a:r>
           </a:p>
         </p:txBody>
@@ -32454,121 +32814,31 @@
               <a:buNone/>
             </a:pPr>
             <a:r>
-              <a:rPr lang="pt-BR" sz="2000" b="1" dirty="0">
-                <a:solidFill>
-                  <a:schemeClr val="tx1"/>
-                </a:solidFill>
-                <a:latin typeface="Times New Roman" panose="02020603050405020304" pitchFamily="18" charset="0"/>
-                <a:cs typeface="Times New Roman" panose="02020603050405020304" pitchFamily="18" charset="0"/>
-              </a:rPr>
-              <a:t>PDO</a:t>
-            </a:r>
-            <a:r>
-              <a:rPr lang="pt-BR" sz="2000" dirty="0">
-                <a:solidFill>
-                  <a:schemeClr val="tx1"/>
-                </a:solidFill>
-                <a:latin typeface="Times New Roman" panose="02020603050405020304" pitchFamily="18" charset="0"/>
-                <a:cs typeface="Times New Roman" panose="02020603050405020304" pitchFamily="18" charset="0"/>
-              </a:rPr>
-              <a:t>(</a:t>
-            </a:r>
-            <a:r>
-              <a:rPr lang="pt-BR" sz="2000" b="1" dirty="0">
+              <a:rPr lang="pt-BR" sz="2400" b="1" dirty="0">
                 <a:solidFill>
                   <a:srgbClr val="FF0000"/>
                 </a:solidFill>
                 <a:latin typeface="Times New Roman" panose="02020603050405020304" pitchFamily="18" charset="0"/>
                 <a:cs typeface="Times New Roman" panose="02020603050405020304" pitchFamily="18" charset="0"/>
               </a:rPr>
-              <a:t>PHP Data </a:t>
-            </a:r>
-            <a:r>
-              <a:rPr lang="pt-BR" sz="2000" b="1" dirty="0" err="1">
-                <a:solidFill>
-                  <a:srgbClr val="FF0000"/>
-                </a:solidFill>
-                <a:latin typeface="Times New Roman" panose="02020603050405020304" pitchFamily="18" charset="0"/>
-                <a:cs typeface="Times New Roman" panose="02020603050405020304" pitchFamily="18" charset="0"/>
-              </a:rPr>
-              <a:t>Objects</a:t>
-            </a:r>
-            <a:r>
-              <a:rPr lang="pt-BR" sz="2000" dirty="0">
-                <a:solidFill>
-                  <a:schemeClr val="tx1"/>
-                </a:solidFill>
-                <a:latin typeface="Times New Roman" panose="02020603050405020304" pitchFamily="18" charset="0"/>
-                <a:cs typeface="Times New Roman" panose="02020603050405020304" pitchFamily="18" charset="0"/>
-              </a:rPr>
-              <a:t>) é um módulo de </a:t>
-            </a:r>
-            <a:r>
-              <a:rPr lang="pt-BR" sz="2000" b="1" dirty="0">
-                <a:solidFill>
-                  <a:schemeClr val="tx1"/>
-                </a:solidFill>
-                <a:latin typeface="Times New Roman" panose="02020603050405020304" pitchFamily="18" charset="0"/>
-                <a:cs typeface="Times New Roman" panose="02020603050405020304" pitchFamily="18" charset="0"/>
-              </a:rPr>
-              <a:t>PHP</a:t>
-            </a:r>
-            <a:r>
-              <a:rPr lang="pt-BR" sz="2000" dirty="0">
-                <a:solidFill>
-                  <a:schemeClr val="tx1"/>
-                </a:solidFill>
-                <a:latin typeface="Times New Roman" panose="02020603050405020304" pitchFamily="18" charset="0"/>
-                <a:cs typeface="Times New Roman" panose="02020603050405020304" pitchFamily="18" charset="0"/>
-              </a:rPr>
-              <a:t> montado sob o </a:t>
-            </a:r>
-            <a:r>
-              <a:rPr lang="pt-BR" sz="2000" b="1" dirty="0">
-                <a:solidFill>
-                  <a:schemeClr val="tx1"/>
-                </a:solidFill>
-                <a:latin typeface="Times New Roman" panose="02020603050405020304" pitchFamily="18" charset="0"/>
-                <a:cs typeface="Times New Roman" panose="02020603050405020304" pitchFamily="18" charset="0"/>
-              </a:rPr>
-              <a:t>paradigma Orientado a Objetos</a:t>
-            </a:r>
-            <a:r>
-              <a:rPr lang="pt-BR" sz="2000" dirty="0">
-                <a:solidFill>
-                  <a:schemeClr val="tx1"/>
-                </a:solidFill>
-                <a:latin typeface="Times New Roman" panose="02020603050405020304" pitchFamily="18" charset="0"/>
-                <a:cs typeface="Times New Roman" panose="02020603050405020304" pitchFamily="18" charset="0"/>
-              </a:rPr>
-              <a:t>, cujo objetivo é prover uma padronização da forma com que </a:t>
-            </a:r>
-            <a:r>
-              <a:rPr lang="pt-BR" sz="2000" b="1" dirty="0">
-                <a:solidFill>
-                  <a:schemeClr val="tx1"/>
-                </a:solidFill>
-                <a:latin typeface="Times New Roman" panose="02020603050405020304" pitchFamily="18" charset="0"/>
-                <a:cs typeface="Times New Roman" panose="02020603050405020304" pitchFamily="18" charset="0"/>
-              </a:rPr>
-              <a:t>PHP</a:t>
-            </a:r>
-            <a:r>
-              <a:rPr lang="pt-BR" sz="2000" dirty="0">
-                <a:solidFill>
-                  <a:schemeClr val="tx1"/>
-                </a:solidFill>
-                <a:latin typeface="Times New Roman" panose="02020603050405020304" pitchFamily="18" charset="0"/>
-                <a:cs typeface="Times New Roman" panose="02020603050405020304" pitchFamily="18" charset="0"/>
-              </a:rPr>
-              <a:t> se comunica com um banco de dados relacional.</a:t>
-            </a:r>
-          </a:p>
-          <a:p>
-            <a:pPr marL="0" indent="0" algn="just">
-              <a:buNone/>
-            </a:pPr>
-            <a:endParaRPr lang="pt-BR" sz="2000" dirty="0">
+              <a:t>Sessões(server) e cookies(browser) </a:t>
+            </a:r>
+            <a:r>
+              <a:rPr lang="pt-BR" sz="2400" dirty="0">
+                <a:solidFill>
+                  <a:schemeClr val="tx1"/>
+                </a:solidFill>
+                <a:latin typeface="Times New Roman" panose="02020603050405020304" pitchFamily="18" charset="0"/>
+                <a:cs typeface="Times New Roman" panose="02020603050405020304" pitchFamily="18" charset="0"/>
+              </a:rPr>
+              <a:t>permitem que dados sejam persistentes entre várias requisições de usuários.</a:t>
+            </a:r>
+          </a:p>
+          <a:p>
+            <a:pPr marL="0" indent="0" algn="just">
+              <a:buNone/>
+            </a:pPr>
+            <a:endParaRPr lang="pt-BR" sz="2400" dirty="0">
               <a:solidFill>
                 <a:schemeClr val="tx1"/>
               </a:solidFill>
@@ -32581,21 +32851,61 @@
               <a:buNone/>
             </a:pPr>
             <a:r>
-              <a:rPr lang="pt-BR" sz="2000" dirty="0">
-                <a:solidFill>
-                  <a:schemeClr val="tx1"/>
-                </a:solidFill>
-                <a:latin typeface="Times New Roman" panose="02020603050405020304" pitchFamily="18" charset="0"/>
-                <a:cs typeface="Times New Roman" panose="02020603050405020304" pitchFamily="18" charset="0"/>
-              </a:rPr>
-              <a:t>Poderá fazer consultas e disparar comandos utilizando classes e métodos.</a:t>
-            </a:r>
-          </a:p>
-          <a:p>
-            <a:pPr marL="0" indent="0" algn="just">
-              <a:buNone/>
-            </a:pPr>
-            <a:endParaRPr lang="pt-BR" sz="2000" dirty="0">
+              <a:rPr lang="pt-BR" sz="2400" b="1" dirty="0">
+                <a:solidFill>
+                  <a:srgbClr val="FF0000"/>
+                </a:solidFill>
+                <a:latin typeface="Times New Roman" panose="02020603050405020304" pitchFamily="18" charset="0"/>
+                <a:cs typeface="Times New Roman" panose="02020603050405020304" pitchFamily="18" charset="0"/>
+              </a:rPr>
+              <a:t>Sessões</a:t>
+            </a:r>
+            <a:r>
+              <a:rPr lang="pt-BR" sz="2400" dirty="0">
+                <a:solidFill>
+                  <a:schemeClr val="tx1"/>
+                </a:solidFill>
+                <a:latin typeface="Times New Roman" panose="02020603050405020304" pitchFamily="18" charset="0"/>
+                <a:cs typeface="Times New Roman" panose="02020603050405020304" pitchFamily="18" charset="0"/>
+              </a:rPr>
+              <a:t> são persistências dependentes de </a:t>
+            </a:r>
+            <a:r>
+              <a:rPr lang="pt-BR" sz="2400" b="1" dirty="0">
+                <a:solidFill>
+                  <a:schemeClr val="tx1"/>
+                </a:solidFill>
+                <a:latin typeface="Times New Roman" panose="02020603050405020304" pitchFamily="18" charset="0"/>
+                <a:cs typeface="Times New Roman" panose="02020603050405020304" pitchFamily="18" charset="0"/>
+              </a:rPr>
+              <a:t>cookies</a:t>
+            </a:r>
+            <a:r>
+              <a:rPr lang="pt-BR" sz="2400" dirty="0">
+                <a:solidFill>
+                  <a:schemeClr val="tx1"/>
+                </a:solidFill>
+                <a:latin typeface="Times New Roman" panose="02020603050405020304" pitchFamily="18" charset="0"/>
+                <a:cs typeface="Times New Roman" panose="02020603050405020304" pitchFamily="18" charset="0"/>
+              </a:rPr>
+              <a:t>, mas realizadas no lado do </a:t>
+            </a:r>
+            <a:r>
+              <a:rPr lang="pt-BR" sz="2400" b="1" dirty="0">
+                <a:solidFill>
+                  <a:schemeClr val="tx1"/>
+                </a:solidFill>
+                <a:latin typeface="Times New Roman" panose="02020603050405020304" pitchFamily="18" charset="0"/>
+                <a:cs typeface="Times New Roman" panose="02020603050405020304" pitchFamily="18" charset="0"/>
+              </a:rPr>
+              <a:t>servidor</a:t>
+            </a:r>
+          </a:p>
+          <a:p>
+            <a:pPr marL="0" indent="0" algn="just">
+              <a:buNone/>
+            </a:pPr>
+            <a:endParaRPr lang="pt-BR" sz="2400" dirty="0">
               <a:solidFill>
                 <a:schemeClr val="tx1"/>
               </a:solidFill>
@@ -32608,141 +32918,41 @@
               <a:buNone/>
             </a:pPr>
             <a:r>
-              <a:rPr lang="pt-BR" sz="2000" dirty="0">
-                <a:solidFill>
-                  <a:schemeClr val="tx1"/>
-                </a:solidFill>
-                <a:latin typeface="Times New Roman" panose="02020603050405020304" pitchFamily="18" charset="0"/>
-                <a:cs typeface="Times New Roman" panose="02020603050405020304" pitchFamily="18" charset="0"/>
-              </a:rPr>
-              <a:t>A principal vantagem do </a:t>
-            </a:r>
-            <a:r>
-              <a:rPr lang="pt-BR" sz="2000" b="1" dirty="0">
-                <a:solidFill>
-                  <a:schemeClr val="tx1"/>
-                </a:solidFill>
-                <a:latin typeface="Times New Roman" panose="02020603050405020304" pitchFamily="18" charset="0"/>
-                <a:cs typeface="Times New Roman" panose="02020603050405020304" pitchFamily="18" charset="0"/>
-              </a:rPr>
-              <a:t>PDO</a:t>
-            </a:r>
-            <a:r>
-              <a:rPr lang="pt-BR" sz="2000" dirty="0">
-                <a:solidFill>
-                  <a:schemeClr val="tx1"/>
-                </a:solidFill>
-                <a:latin typeface="Times New Roman" panose="02020603050405020304" pitchFamily="18" charset="0"/>
-                <a:cs typeface="Times New Roman" panose="02020603050405020304" pitchFamily="18" charset="0"/>
-              </a:rPr>
-              <a:t> sobre o </a:t>
-            </a:r>
-            <a:r>
-              <a:rPr lang="pt-BR" sz="2000" b="1" dirty="0" err="1">
-                <a:solidFill>
-                  <a:schemeClr val="tx1"/>
-                </a:solidFill>
-                <a:latin typeface="Times New Roman" panose="02020603050405020304" pitchFamily="18" charset="0"/>
-                <a:cs typeface="Times New Roman" panose="02020603050405020304" pitchFamily="18" charset="0"/>
-              </a:rPr>
-              <a:t>MySQLi</a:t>
-            </a:r>
-            <a:r>
-              <a:rPr lang="pt-BR" sz="2000" dirty="0">
-                <a:solidFill>
-                  <a:schemeClr val="tx1"/>
-                </a:solidFill>
-                <a:latin typeface="Times New Roman" panose="02020603050405020304" pitchFamily="18" charset="0"/>
-                <a:cs typeface="Times New Roman" panose="02020603050405020304" pitchFamily="18" charset="0"/>
-              </a:rPr>
-              <a:t> está no suporte ao </a:t>
-            </a:r>
-            <a:r>
-              <a:rPr lang="pt-BR" sz="2000" b="1" dirty="0">
-                <a:solidFill>
-                  <a:srgbClr val="FF0000"/>
-                </a:solidFill>
-                <a:latin typeface="Times New Roman" panose="02020603050405020304" pitchFamily="18" charset="0"/>
-                <a:cs typeface="Times New Roman" panose="02020603050405020304" pitchFamily="18" charset="0"/>
-              </a:rPr>
-              <a:t>banco de dados</a:t>
-            </a:r>
-            <a:r>
-              <a:rPr lang="pt-BR" sz="2000" dirty="0">
-                <a:solidFill>
-                  <a:schemeClr val="tx1"/>
-                </a:solidFill>
-                <a:latin typeface="Times New Roman" panose="02020603050405020304" pitchFamily="18" charset="0"/>
-                <a:cs typeface="Times New Roman" panose="02020603050405020304" pitchFamily="18" charset="0"/>
-              </a:rPr>
-              <a:t>. O </a:t>
-            </a:r>
-            <a:r>
-              <a:rPr lang="pt-BR" sz="2000" b="1" dirty="0">
-                <a:solidFill>
-                  <a:schemeClr val="tx1"/>
-                </a:solidFill>
-                <a:latin typeface="Times New Roman" panose="02020603050405020304" pitchFamily="18" charset="0"/>
-                <a:cs typeface="Times New Roman" panose="02020603050405020304" pitchFamily="18" charset="0"/>
-              </a:rPr>
-              <a:t>PDO</a:t>
-            </a:r>
-            <a:r>
-              <a:rPr lang="pt-BR" sz="2000" dirty="0">
-                <a:solidFill>
-                  <a:schemeClr val="tx1"/>
-                </a:solidFill>
-                <a:latin typeface="Times New Roman" panose="02020603050405020304" pitchFamily="18" charset="0"/>
-                <a:cs typeface="Times New Roman" panose="02020603050405020304" pitchFamily="18" charset="0"/>
-              </a:rPr>
-              <a:t> suporta 12 diferentes tipos de banco de dados, em oposição ao </a:t>
-            </a:r>
-            <a:r>
-              <a:rPr lang="pt-BR" sz="2000" b="1" dirty="0" err="1">
-                <a:solidFill>
-                  <a:schemeClr val="tx1"/>
-                </a:solidFill>
-                <a:latin typeface="Times New Roman" panose="02020603050405020304" pitchFamily="18" charset="0"/>
-                <a:cs typeface="Times New Roman" panose="02020603050405020304" pitchFamily="18" charset="0"/>
-              </a:rPr>
-              <a:t>MySQLi</a:t>
-            </a:r>
-            <a:r>
-              <a:rPr lang="pt-BR" sz="2000" dirty="0">
-                <a:solidFill>
-                  <a:schemeClr val="tx1"/>
-                </a:solidFill>
-                <a:latin typeface="Times New Roman" panose="02020603050405020304" pitchFamily="18" charset="0"/>
-                <a:cs typeface="Times New Roman" panose="02020603050405020304" pitchFamily="18" charset="0"/>
-              </a:rPr>
-              <a:t>, que suporta apenas </a:t>
-            </a:r>
-            <a:r>
-              <a:rPr lang="pt-BR" sz="2000" b="1" dirty="0">
-                <a:solidFill>
-                  <a:schemeClr val="tx1"/>
-                </a:solidFill>
-                <a:latin typeface="Times New Roman" panose="02020603050405020304" pitchFamily="18" charset="0"/>
-                <a:cs typeface="Times New Roman" panose="02020603050405020304" pitchFamily="18" charset="0"/>
-              </a:rPr>
-              <a:t>MySQL</a:t>
-            </a:r>
-            <a:r>
-              <a:rPr lang="pt-BR" sz="2000" dirty="0">
-                <a:solidFill>
-                  <a:schemeClr val="tx1"/>
-                </a:solidFill>
-                <a:latin typeface="Times New Roman" panose="02020603050405020304" pitchFamily="18" charset="0"/>
-                <a:cs typeface="Times New Roman" panose="02020603050405020304" pitchFamily="18" charset="0"/>
-              </a:rPr>
-              <a:t>.</a:t>
-            </a:r>
-          </a:p>
-          <a:p>
-            <a:pPr marL="0" indent="0" algn="just">
-              <a:buNone/>
-            </a:pPr>
-            <a:endParaRPr lang="pt-BR" sz="2000" dirty="0">
+              <a:rPr lang="pt-BR" sz="2400" dirty="0">
+                <a:solidFill>
+                  <a:schemeClr val="tx1"/>
+                </a:solidFill>
+                <a:latin typeface="Times New Roman" panose="02020603050405020304" pitchFamily="18" charset="0"/>
+                <a:cs typeface="Times New Roman" panose="02020603050405020304" pitchFamily="18" charset="0"/>
+              </a:rPr>
+              <a:t>No PHP puro você pode acessá-los através das variáveis globais </a:t>
+            </a:r>
+            <a:r>
+              <a:rPr lang="pt-BR" sz="2400" b="1" dirty="0">
+                <a:solidFill>
+                  <a:schemeClr val="tx1"/>
+                </a:solidFill>
+                <a:latin typeface="Times New Roman" panose="02020603050405020304" pitchFamily="18" charset="0"/>
+                <a:cs typeface="Times New Roman" panose="02020603050405020304" pitchFamily="18" charset="0"/>
+              </a:rPr>
+              <a:t>$_SESSION e $_COOKIE</a:t>
+            </a:r>
+            <a:r>
+              <a:rPr lang="pt-BR" sz="2400" dirty="0">
+                <a:solidFill>
+                  <a:schemeClr val="tx1"/>
+                </a:solidFill>
+                <a:latin typeface="Times New Roman" panose="02020603050405020304" pitchFamily="18" charset="0"/>
+                <a:cs typeface="Times New Roman" panose="02020603050405020304" pitchFamily="18" charset="0"/>
+              </a:rPr>
+              <a:t>, respectivamente.</a:t>
+            </a:r>
+          </a:p>
+          <a:p>
+            <a:pPr marL="0" indent="0" algn="just">
+              <a:buNone/>
+            </a:pPr>
+            <a:endParaRPr lang="pt-BR" sz="2400" dirty="0">
               <a:solidFill>
                 <a:schemeClr val="tx1"/>
               </a:solidFill>
@@ -32750,46 +32960,12 @@
               <a:cs typeface="Times New Roman" panose="02020603050405020304" pitchFamily="18" charset="0"/>
             </a:endParaRPr>
           </a:p>
-          <a:p>
-            <a:pPr marL="0" indent="0" algn="just">
-              <a:buNone/>
-            </a:pPr>
-            <a:r>
-              <a:rPr lang="pt-BR" sz="2000" dirty="0">
-                <a:solidFill>
-                  <a:schemeClr val="tx1"/>
-                </a:solidFill>
-                <a:latin typeface="Times New Roman" panose="02020603050405020304" pitchFamily="18" charset="0"/>
-                <a:cs typeface="Times New Roman" panose="02020603050405020304" pitchFamily="18" charset="0"/>
-                <a:hlinkClick r:id="rId3"/>
-              </a:rPr>
-              <a:t>https://www.devmedia.com.br/php-pdo-como-criar-sua-primeira-conexao</a:t>
-            </a:r>
-            <a:r>
-              <a:rPr lang="pt-BR" sz="2000">
-                <a:solidFill>
-                  <a:schemeClr val="tx1"/>
-                </a:solidFill>
-                <a:latin typeface="Times New Roman" panose="02020603050405020304" pitchFamily="18" charset="0"/>
-                <a:cs typeface="Times New Roman" panose="02020603050405020304" pitchFamily="18" charset="0"/>
-                <a:hlinkClick r:id="rId3"/>
-              </a:rPr>
-              <a:t>/39007</a:t>
-            </a:r>
-            <a:endParaRPr lang="pt-BR" sz="2000" dirty="0">
-              <a:solidFill>
-                <a:schemeClr val="tx1"/>
-              </a:solidFill>
-              <a:latin typeface="Times New Roman" panose="02020603050405020304" pitchFamily="18" charset="0"/>
-              <a:cs typeface="Times New Roman" panose="02020603050405020304" pitchFamily="18" charset="0"/>
-            </a:endParaRPr>
-          </a:p>
         </p:txBody>
       </p:sp>
     </p:spTree>
     <p:extLst>
       <p:ext uri="{BB962C8B-B14F-4D97-AF65-F5344CB8AC3E}">
-        <p14:creationId xmlns:p14="http://schemas.microsoft.com/office/powerpoint/2010/main" val="3090959292"/>
+        <p14:creationId xmlns:p14="http://schemas.microsoft.com/office/powerpoint/2010/main" val="2842231583"/>
       </p:ext>
     </p:extLst>
   </p:cSld>
@@ -32853,7 +33029,7 @@
                   <a:srgbClr val="0070C0"/>
                 </a:solidFill>
               </a:rPr>
-              <a:t>Seções</a:t>
+              <a:t>Conexão</a:t>
             </a:r>
             <a:r>
               <a:rPr lang="en-US" b="1" dirty="0">
@@ -32861,7 +33037,7 @@
                   <a:srgbClr val="0070C0"/>
                 </a:solidFill>
               </a:rPr>
-              <a:t>/Cookies</a:t>
+              <a:t> com BD</a:t>
             </a:r>
           </a:p>
         </p:txBody>
@@ -32891,31 +33067,6 @@
             <a:pPr marL="0" indent="0" algn="just">
               <a:buNone/>
             </a:pPr>
-            <a:r>
-              <a:rPr lang="pt-BR" sz="2400" b="1" dirty="0">
-                <a:solidFill>
-                  <a:srgbClr val="FF0000"/>
-                </a:solidFill>
-                <a:latin typeface="Times New Roman" panose="02020603050405020304" pitchFamily="18" charset="0"/>
-                <a:cs typeface="Times New Roman" panose="02020603050405020304" pitchFamily="18" charset="0"/>
-              </a:rPr>
-              <a:t>Sessões(server) e cookies(browser) </a:t>
-            </a:r>
-            <a:r>
-              <a:rPr lang="pt-BR" sz="2400" dirty="0">
-                <a:solidFill>
-                  <a:schemeClr val="tx1"/>
-                </a:solidFill>
-                <a:latin typeface="Times New Roman" panose="02020603050405020304" pitchFamily="18" charset="0"/>
-                <a:cs typeface="Times New Roman" panose="02020603050405020304" pitchFamily="18" charset="0"/>
-              </a:rPr>
-              <a:t>permitem que dados sejam persistentes entre várias requisições de usuários.</a:t>
-            </a:r>
-          </a:p>
-          <a:p>
-            <a:pPr marL="0" indent="0" algn="just">
-              <a:buNone/>
-            </a:pPr>
             <a:endParaRPr lang="pt-BR" sz="2400" dirty="0">
               <a:solidFill>
                 <a:schemeClr val="tx1"/>
@@ -32929,6 +33080,16 @@
               <a:buNone/>
             </a:pPr>
             <a:r>
+              <a:rPr lang="pt-BR" sz="2400" dirty="0">
+                <a:solidFill>
+                  <a:schemeClr val="tx1"/>
+                </a:solidFill>
+                <a:latin typeface="Times New Roman" panose="02020603050405020304" pitchFamily="18" charset="0"/>
+                <a:cs typeface="Times New Roman" panose="02020603050405020304" pitchFamily="18" charset="0"/>
+              </a:rPr>
+              <a:t>Duas Maneiras de Conectar um Script PHP com </a:t>
+            </a:r>
+            <a:r>
               <a:rPr lang="pt-BR" sz="2400" b="1" dirty="0">
                 <a:solidFill>
                   <a:srgbClr val="FF0000"/>
@@ -32936,47 +33097,17 @@
                 <a:latin typeface="Times New Roman" panose="02020603050405020304" pitchFamily="18" charset="0"/>
                 <a:cs typeface="Times New Roman" panose="02020603050405020304" pitchFamily="18" charset="0"/>
               </a:rPr>
-              <a:t>Sessões</a:t>
-            </a:r>
-            <a:r>
-              <a:rPr lang="pt-BR" sz="2400" dirty="0">
-                <a:solidFill>
-                  <a:schemeClr val="tx1"/>
-                </a:solidFill>
-                <a:latin typeface="Times New Roman" panose="02020603050405020304" pitchFamily="18" charset="0"/>
-                <a:cs typeface="Times New Roman" panose="02020603050405020304" pitchFamily="18" charset="0"/>
-              </a:rPr>
-              <a:t> são persistências dependentes de </a:t>
-            </a:r>
-            <a:r>
-              <a:rPr lang="pt-BR" sz="2400" b="1" dirty="0">
-                <a:solidFill>
-                  <a:schemeClr val="tx1"/>
-                </a:solidFill>
-                <a:latin typeface="Times New Roman" panose="02020603050405020304" pitchFamily="18" charset="0"/>
-                <a:cs typeface="Times New Roman" panose="02020603050405020304" pitchFamily="18" charset="0"/>
-              </a:rPr>
-              <a:t>cookies</a:t>
-            </a:r>
-            <a:r>
-              <a:rPr lang="pt-BR" sz="2400" dirty="0">
-                <a:solidFill>
-                  <a:schemeClr val="tx1"/>
-                </a:solidFill>
-                <a:latin typeface="Times New Roman" panose="02020603050405020304" pitchFamily="18" charset="0"/>
-                <a:cs typeface="Times New Roman" panose="02020603050405020304" pitchFamily="18" charset="0"/>
-              </a:rPr>
-              <a:t>, mas realizadas no lado do </a:t>
-            </a:r>
-            <a:r>
-              <a:rPr lang="pt-BR" sz="2400" b="1" dirty="0">
-                <a:solidFill>
-                  <a:schemeClr val="tx1"/>
-                </a:solidFill>
-                <a:latin typeface="Times New Roman" panose="02020603050405020304" pitchFamily="18" charset="0"/>
-                <a:cs typeface="Times New Roman" panose="02020603050405020304" pitchFamily="18" charset="0"/>
-              </a:rPr>
-              <a:t>servidor</a:t>
+              <a:t>MySQL</a:t>
+            </a:r>
+            <a:r>
+              <a:rPr lang="pt-BR" sz="2400" dirty="0">
+                <a:solidFill>
+                  <a:schemeClr val="tx1"/>
+                </a:solidFill>
+                <a:latin typeface="Times New Roman" panose="02020603050405020304" pitchFamily="18" charset="0"/>
+                <a:cs typeface="Times New Roman" panose="02020603050405020304" pitchFamily="18" charset="0"/>
+              </a:rPr>
+              <a:t>:</a:t>
             </a:r>
           </a:p>
           <a:p>
@@ -32992,43 +33123,63 @@
             </a:endParaRPr>
           </a:p>
           <a:p>
-            <a:pPr marL="0" indent="0" algn="just">
-              <a:buNone/>
-            </a:pPr>
-            <a:r>
-              <a:rPr lang="pt-BR" sz="2400" dirty="0">
-                <a:solidFill>
-                  <a:schemeClr val="tx1"/>
-                </a:solidFill>
-                <a:latin typeface="Times New Roman" panose="02020603050405020304" pitchFamily="18" charset="0"/>
-                <a:cs typeface="Times New Roman" panose="02020603050405020304" pitchFamily="18" charset="0"/>
-              </a:rPr>
-              <a:t>No PHP puro você pode acessá-los através das variáveis globais </a:t>
+            <a:pPr marL="457200" indent="-457200" algn="just">
+              <a:buAutoNum type="arabicPeriod"/>
+            </a:pPr>
+            <a:r>
+              <a:rPr lang="pt-BR" sz="2400" b="1" dirty="0" err="1">
+                <a:solidFill>
+                  <a:srgbClr val="FF0000"/>
+                </a:solidFill>
+                <a:latin typeface="Times New Roman" panose="02020603050405020304" pitchFamily="18" charset="0"/>
+                <a:cs typeface="Times New Roman" panose="02020603050405020304" pitchFamily="18" charset="0"/>
+              </a:rPr>
+              <a:t>MySQLi</a:t>
             </a:r>
             <a:r>
               <a:rPr lang="pt-BR" sz="2400" b="1" dirty="0">
                 <a:solidFill>
-                  <a:schemeClr val="tx1"/>
-                </a:solidFill>
-                <a:latin typeface="Times New Roman" panose="02020603050405020304" pitchFamily="18" charset="0"/>
-                <a:cs typeface="Times New Roman" panose="02020603050405020304" pitchFamily="18" charset="0"/>
-              </a:rPr>
-              <a:t>$_SESSION e $_COOKIE</a:t>
-            </a:r>
-            <a:r>
-              <a:rPr lang="pt-BR" sz="2400" dirty="0">
-                <a:solidFill>
-                  <a:schemeClr val="tx1"/>
-                </a:solidFill>
-                <a:latin typeface="Times New Roman" panose="02020603050405020304" pitchFamily="18" charset="0"/>
-                <a:cs typeface="Times New Roman" panose="02020603050405020304" pitchFamily="18" charset="0"/>
-              </a:rPr>
-              <a:t>, respectivamente.</a:t>
-            </a:r>
-          </a:p>
-          <a:p>
-            <a:pPr marL="0" indent="0" algn="just">
-              <a:buNone/>
+                  <a:srgbClr val="FF0000"/>
+                </a:solidFill>
+                <a:latin typeface="Times New Roman" panose="02020603050405020304" pitchFamily="18" charset="0"/>
+                <a:cs typeface="Times New Roman" panose="02020603050405020304" pitchFamily="18" charset="0"/>
+              </a:rPr>
+              <a:t> </a:t>
+            </a:r>
+            <a:r>
+              <a:rPr lang="pt-BR" sz="2400" dirty="0">
+                <a:solidFill>
+                  <a:schemeClr val="tx1"/>
+                </a:solidFill>
+                <a:latin typeface="Times New Roman" panose="02020603050405020304" pitchFamily="18" charset="0"/>
+                <a:cs typeface="Times New Roman" panose="02020603050405020304" pitchFamily="18" charset="0"/>
+              </a:rPr>
+              <a:t>(Biblioteca exclusiva para </a:t>
+            </a:r>
+            <a:r>
+              <a:rPr lang="pt-BR" sz="2400" b="1" dirty="0">
+                <a:solidFill>
+                  <a:schemeClr val="tx1"/>
+                </a:solidFill>
+                <a:latin typeface="Times New Roman" panose="02020603050405020304" pitchFamily="18" charset="0"/>
+                <a:cs typeface="Times New Roman" panose="02020603050405020304" pitchFamily="18" charset="0"/>
+              </a:rPr>
+              <a:t>MYSQL</a:t>
+            </a:r>
+            <a:r>
+              <a:rPr lang="pt-BR" sz="2400" dirty="0">
+                <a:solidFill>
+                  <a:schemeClr val="tx1"/>
+                </a:solidFill>
+                <a:latin typeface="Times New Roman" panose="02020603050405020304" pitchFamily="18" charset="0"/>
+                <a:cs typeface="Times New Roman" panose="02020603050405020304" pitchFamily="18" charset="0"/>
+              </a:rPr>
+              <a:t>);</a:t>
+            </a:r>
+          </a:p>
+          <a:p>
+            <a:pPr marL="457200" indent="-457200" algn="just">
+              <a:buAutoNum type="arabicPeriod"/>
             </a:pPr>
             <a:endParaRPr lang="pt-BR" sz="2400" dirty="0">
               <a:solidFill>
@@ -33038,12 +33189,114 @@
               <a:cs typeface="Times New Roman" panose="02020603050405020304" pitchFamily="18" charset="0"/>
             </a:endParaRPr>
           </a:p>
+          <a:p>
+            <a:pPr marL="457200" indent="-457200" algn="just">
+              <a:buAutoNum type="arabicPeriod"/>
+            </a:pPr>
+            <a:r>
+              <a:rPr lang="pt-BR" sz="2400" b="1" dirty="0">
+                <a:solidFill>
+                  <a:srgbClr val="FF0000"/>
+                </a:solidFill>
+                <a:latin typeface="Times New Roman" panose="02020603050405020304" pitchFamily="18" charset="0"/>
+                <a:cs typeface="Times New Roman" panose="02020603050405020304" pitchFamily="18" charset="0"/>
+              </a:rPr>
+              <a:t>PDO</a:t>
+            </a:r>
+            <a:r>
+              <a:rPr lang="pt-BR" sz="2400" dirty="0">
+                <a:solidFill>
+                  <a:schemeClr val="tx1"/>
+                </a:solidFill>
+                <a:latin typeface="Times New Roman" panose="02020603050405020304" pitchFamily="18" charset="0"/>
+                <a:cs typeface="Times New Roman" panose="02020603050405020304" pitchFamily="18" charset="0"/>
+              </a:rPr>
+              <a:t> (PHP Data </a:t>
+            </a:r>
+            <a:r>
+              <a:rPr lang="pt-BR" sz="2400" dirty="0" err="1">
+                <a:solidFill>
+                  <a:schemeClr val="tx1"/>
+                </a:solidFill>
+                <a:latin typeface="Times New Roman" panose="02020603050405020304" pitchFamily="18" charset="0"/>
+                <a:cs typeface="Times New Roman" panose="02020603050405020304" pitchFamily="18" charset="0"/>
+              </a:rPr>
+              <a:t>Objects</a:t>
+            </a:r>
+            <a:r>
+              <a:rPr lang="pt-BR" sz="2400">
+                <a:solidFill>
+                  <a:schemeClr val="tx1"/>
+                </a:solidFill>
+                <a:latin typeface="Times New Roman" panose="02020603050405020304" pitchFamily="18" charset="0"/>
+                <a:cs typeface="Times New Roman" panose="02020603050405020304" pitchFamily="18" charset="0"/>
+              </a:rPr>
+              <a:t>) </a:t>
+            </a:r>
+            <a:r>
+              <a:rPr lang="pt-BR" sz="2400" dirty="0">
+                <a:solidFill>
+                  <a:schemeClr val="tx1"/>
+                </a:solidFill>
+                <a:latin typeface="Times New Roman" panose="02020603050405020304" pitchFamily="18" charset="0"/>
+                <a:cs typeface="Times New Roman" panose="02020603050405020304" pitchFamily="18" charset="0"/>
+              </a:rPr>
+              <a:t>(Conexão com vários banco de dados).</a:t>
+            </a:r>
+          </a:p>
+          <a:p>
+            <a:pPr marL="0" indent="0" algn="just">
+              <a:buNone/>
+            </a:pPr>
+            <a:endParaRPr lang="pt-BR" sz="2400" dirty="0">
+              <a:solidFill>
+                <a:schemeClr val="tx1"/>
+              </a:solidFill>
+              <a:latin typeface="Times New Roman" panose="02020603050405020304" pitchFamily="18" charset="0"/>
+              <a:cs typeface="Times New Roman" panose="02020603050405020304" pitchFamily="18" charset="0"/>
+            </a:endParaRPr>
+          </a:p>
+          <a:p>
+            <a:pPr marL="0" indent="0" algn="just">
+              <a:buNone/>
+            </a:pPr>
+            <a:r>
+              <a:rPr lang="pt-BR" sz="2400" dirty="0">
+                <a:solidFill>
+                  <a:schemeClr val="tx1"/>
+                </a:solidFill>
+                <a:latin typeface="Times New Roman" panose="02020603050405020304" pitchFamily="18" charset="0"/>
+                <a:cs typeface="Times New Roman" panose="02020603050405020304" pitchFamily="18" charset="0"/>
+                <a:hlinkClick r:id="rId3"/>
+              </a:rPr>
+              <a:t>https://www.hostinger.com.br/tutoriais/como-conectar-php-com-mysql/</a:t>
+            </a:r>
+            <a:endParaRPr lang="pt-BR" sz="2400" dirty="0">
+              <a:solidFill>
+                <a:schemeClr val="tx1"/>
+              </a:solidFill>
+              <a:latin typeface="Times New Roman" panose="02020603050405020304" pitchFamily="18" charset="0"/>
+              <a:cs typeface="Times New Roman" panose="02020603050405020304" pitchFamily="18" charset="0"/>
+            </a:endParaRPr>
+          </a:p>
+          <a:p>
+            <a:pPr marL="0" indent="0" algn="just">
+              <a:buNone/>
+            </a:pPr>
+            <a:endParaRPr lang="pt-BR" sz="2400" dirty="0">
+              <a:solidFill>
+                <a:schemeClr val="tx1"/>
+              </a:solidFill>
+              <a:latin typeface="Times New Roman" panose="02020603050405020304" pitchFamily="18" charset="0"/>
+              <a:cs typeface="Times New Roman" panose="02020603050405020304" pitchFamily="18" charset="0"/>
+            </a:endParaRPr>
+          </a:p>
         </p:txBody>
       </p:sp>
     </p:spTree>
     <p:extLst>
       <p:ext uri="{BB962C8B-B14F-4D97-AF65-F5344CB8AC3E}">
-        <p14:creationId xmlns:p14="http://schemas.microsoft.com/office/powerpoint/2010/main" val="2842231583"/>
+        <p14:creationId xmlns:p14="http://schemas.microsoft.com/office/powerpoint/2010/main" val="3090959292"/>
       </p:ext>
     </p:extLst>
   </p:cSld>
@@ -33099,7 +33352,7 @@
                   <a:srgbClr val="0070C0"/>
                 </a:solidFill>
               </a:rPr>
-              <a:t>PHP – BD MySQL</a:t>
+              <a:t>PHP – BD MySQL com PDO</a:t>
             </a:r>
           </a:p>
         </p:txBody>
@@ -33130,641 +33383,121 @@
               <a:buNone/>
             </a:pPr>
             <a:r>
-              <a:rPr lang="pt-BR" sz="2400" dirty="0">
-                <a:solidFill>
-                  <a:schemeClr val="tx1"/>
-                </a:solidFill>
-                <a:latin typeface="Times New Roman" panose="02020603050405020304" pitchFamily="18" charset="0"/>
-                <a:cs typeface="Times New Roman" panose="02020603050405020304" pitchFamily="18" charset="0"/>
-              </a:rPr>
-              <a:t>$</a:t>
-            </a:r>
-            <a:r>
-              <a:rPr lang="pt-BR" sz="2400" dirty="0" err="1">
-                <a:solidFill>
-                  <a:schemeClr val="tx1"/>
-                </a:solidFill>
-                <a:latin typeface="Times New Roman" panose="02020603050405020304" pitchFamily="18" charset="0"/>
-                <a:cs typeface="Times New Roman" panose="02020603050405020304" pitchFamily="18" charset="0"/>
-              </a:rPr>
-              <a:t>hostname</a:t>
-            </a:r>
-            <a:r>
-              <a:rPr lang="pt-BR" sz="2400" dirty="0">
-                <a:solidFill>
-                  <a:schemeClr val="tx1"/>
-                </a:solidFill>
-                <a:latin typeface="Times New Roman" panose="02020603050405020304" pitchFamily="18" charset="0"/>
-                <a:cs typeface="Times New Roman" panose="02020603050405020304" pitchFamily="18" charset="0"/>
-              </a:rPr>
-              <a:t> = “</a:t>
-            </a:r>
-            <a:r>
-              <a:rPr lang="pt-BR" sz="2400" dirty="0" err="1">
-                <a:solidFill>
-                  <a:schemeClr val="tx1"/>
-                </a:solidFill>
-                <a:latin typeface="Times New Roman" panose="02020603050405020304" pitchFamily="18" charset="0"/>
-                <a:cs typeface="Times New Roman" panose="02020603050405020304" pitchFamily="18" charset="0"/>
-              </a:rPr>
-              <a:t>localhost</a:t>
-            </a:r>
-            <a:r>
-              <a:rPr lang="pt-BR" sz="2400" dirty="0">
-                <a:solidFill>
-                  <a:schemeClr val="tx1"/>
-                </a:solidFill>
-                <a:latin typeface="Times New Roman" panose="02020603050405020304" pitchFamily="18" charset="0"/>
-                <a:cs typeface="Times New Roman" panose="02020603050405020304" pitchFamily="18" charset="0"/>
-              </a:rPr>
-              <a:t>”; // “</a:t>
-            </a:r>
-            <a:r>
-              <a:rPr lang="pt-BR" sz="2400" b="1" dirty="0">
+              <a:rPr lang="pt-BR" sz="2000" b="1" dirty="0">
+                <a:solidFill>
+                  <a:schemeClr val="tx1"/>
+                </a:solidFill>
+                <a:latin typeface="Times New Roman" panose="02020603050405020304" pitchFamily="18" charset="0"/>
+                <a:cs typeface="Times New Roman" panose="02020603050405020304" pitchFamily="18" charset="0"/>
+              </a:rPr>
+              <a:t>PDO</a:t>
+            </a:r>
+            <a:r>
+              <a:rPr lang="pt-BR" sz="2000" dirty="0">
+                <a:solidFill>
+                  <a:schemeClr val="tx1"/>
+                </a:solidFill>
+                <a:latin typeface="Times New Roman" panose="02020603050405020304" pitchFamily="18" charset="0"/>
+                <a:cs typeface="Times New Roman" panose="02020603050405020304" pitchFamily="18" charset="0"/>
+              </a:rPr>
+              <a:t>(</a:t>
+            </a:r>
+            <a:r>
+              <a:rPr lang="pt-BR" sz="2000" b="1" dirty="0">
                 <a:solidFill>
                   <a:srgbClr val="FF0000"/>
                 </a:solidFill>
                 <a:latin typeface="Times New Roman" panose="02020603050405020304" pitchFamily="18" charset="0"/>
                 <a:cs typeface="Times New Roman" panose="02020603050405020304" pitchFamily="18" charset="0"/>
               </a:rPr>
-              <a:t>mysql.hostgator.com</a:t>
-            </a:r>
-            <a:r>
-              <a:rPr lang="pt-BR" sz="2400" dirty="0">
-                <a:solidFill>
-                  <a:schemeClr val="tx1"/>
-                </a:solidFill>
-                <a:latin typeface="Times New Roman" panose="02020603050405020304" pitchFamily="18" charset="0"/>
-                <a:cs typeface="Times New Roman" panose="02020603050405020304" pitchFamily="18" charset="0"/>
-              </a:rPr>
-              <a:t>”</a:t>
-            </a:r>
-          </a:p>
-          <a:p>
-            <a:pPr marL="0" indent="0" algn="just">
-              <a:buNone/>
-            </a:pPr>
-            <a:r>
-              <a:rPr lang="pt-BR" sz="2400" dirty="0">
-                <a:solidFill>
-                  <a:schemeClr val="tx1"/>
-                </a:solidFill>
-                <a:latin typeface="Times New Roman" panose="02020603050405020304" pitchFamily="18" charset="0"/>
-                <a:cs typeface="Times New Roman" panose="02020603050405020304" pitchFamily="18" charset="0"/>
-              </a:rPr>
-              <a:t>$</a:t>
-            </a:r>
-            <a:r>
-              <a:rPr lang="pt-BR" sz="2400" dirty="0" err="1">
-                <a:solidFill>
-                  <a:schemeClr val="tx1"/>
-                </a:solidFill>
-                <a:latin typeface="Times New Roman" panose="02020603050405020304" pitchFamily="18" charset="0"/>
-                <a:cs typeface="Times New Roman" panose="02020603050405020304" pitchFamily="18" charset="0"/>
-              </a:rPr>
-              <a:t>bancodedados</a:t>
-            </a:r>
-            <a:r>
-              <a:rPr lang="pt-BR" sz="2400" dirty="0">
-                <a:solidFill>
-                  <a:schemeClr val="tx1"/>
-                </a:solidFill>
-                <a:latin typeface="Times New Roman" panose="02020603050405020304" pitchFamily="18" charset="0"/>
-                <a:cs typeface="Times New Roman" panose="02020603050405020304" pitchFamily="18" charset="0"/>
-              </a:rPr>
-              <a:t> = “</a:t>
-            </a:r>
-            <a:r>
-              <a:rPr lang="pt-BR" sz="2400" dirty="0" err="1">
-                <a:solidFill>
-                  <a:schemeClr val="tx1"/>
-                </a:solidFill>
-                <a:latin typeface="Times New Roman" panose="02020603050405020304" pitchFamily="18" charset="0"/>
-                <a:cs typeface="Times New Roman" panose="02020603050405020304" pitchFamily="18" charset="0"/>
-              </a:rPr>
-              <a:t>bancodedados</a:t>
-            </a:r>
-            <a:r>
-              <a:rPr lang="pt-BR" sz="2400" dirty="0">
-                <a:solidFill>
-                  <a:schemeClr val="tx1"/>
-                </a:solidFill>
-                <a:latin typeface="Times New Roman" panose="02020603050405020304" pitchFamily="18" charset="0"/>
-                <a:cs typeface="Times New Roman" panose="02020603050405020304" pitchFamily="18" charset="0"/>
-              </a:rPr>
-              <a:t>”; // </a:t>
-            </a:r>
-            <a:r>
-              <a:rPr lang="pt-BR" sz="2400" b="1" dirty="0">
+              <a:t>PHP Data </a:t>
+            </a:r>
+            <a:r>
+              <a:rPr lang="pt-BR" sz="2000" b="1" dirty="0" err="1">
                 <a:solidFill>
                   <a:srgbClr val="FF0000"/>
                 </a:solidFill>
                 <a:latin typeface="Times New Roman" panose="02020603050405020304" pitchFamily="18" charset="0"/>
                 <a:cs typeface="Times New Roman" panose="02020603050405020304" pitchFamily="18" charset="0"/>
               </a:rPr>
-              <a:t>nome BD</a:t>
-            </a:r>
-          </a:p>
-          <a:p>
-            <a:pPr marL="0" indent="0" algn="just">
-              <a:buNone/>
-            </a:pPr>
-            <a:r>
-              <a:rPr lang="pt-BR" sz="2400" dirty="0">
-                <a:solidFill>
-                  <a:schemeClr val="tx1"/>
-                </a:solidFill>
-                <a:latin typeface="Times New Roman" panose="02020603050405020304" pitchFamily="18" charset="0"/>
-                <a:cs typeface="Times New Roman" panose="02020603050405020304" pitchFamily="18" charset="0"/>
-              </a:rPr>
-              <a:t>$</a:t>
-            </a:r>
-            <a:r>
-              <a:rPr lang="pt-BR" sz="2400" dirty="0" err="1">
-                <a:solidFill>
-                  <a:schemeClr val="tx1"/>
-                </a:solidFill>
-                <a:latin typeface="Times New Roman" panose="02020603050405020304" pitchFamily="18" charset="0"/>
-                <a:cs typeface="Times New Roman" panose="02020603050405020304" pitchFamily="18" charset="0"/>
-              </a:rPr>
-              <a:t>usuario</a:t>
-            </a:r>
-            <a:r>
-              <a:rPr lang="pt-BR" sz="2400" dirty="0">
-                <a:solidFill>
-                  <a:schemeClr val="tx1"/>
-                </a:solidFill>
-                <a:latin typeface="Times New Roman" panose="02020603050405020304" pitchFamily="18" charset="0"/>
-                <a:cs typeface="Times New Roman" panose="02020603050405020304" pitchFamily="18" charset="0"/>
-              </a:rPr>
-              <a:t> = “</a:t>
-            </a:r>
-            <a:r>
-              <a:rPr lang="pt-BR" sz="2400" dirty="0" err="1">
-                <a:solidFill>
-                  <a:schemeClr val="tx1"/>
-                </a:solidFill>
-                <a:latin typeface="Times New Roman" panose="02020603050405020304" pitchFamily="18" charset="0"/>
-                <a:cs typeface="Times New Roman" panose="02020603050405020304" pitchFamily="18" charset="0"/>
-              </a:rPr>
-              <a:t>usuario</a:t>
-            </a:r>
-            <a:r>
-              <a:rPr lang="pt-BR" sz="2400" dirty="0">
-                <a:solidFill>
-                  <a:schemeClr val="tx1"/>
-                </a:solidFill>
-                <a:latin typeface="Times New Roman" panose="02020603050405020304" pitchFamily="18" charset="0"/>
-                <a:cs typeface="Times New Roman" panose="02020603050405020304" pitchFamily="18" charset="0"/>
-              </a:rPr>
-              <a:t>”; // </a:t>
-            </a:r>
-            <a:r>
-              <a:rPr lang="pt-BR" sz="2400" b="1" dirty="0">
-                <a:solidFill>
-                  <a:srgbClr val="FF0000"/>
-                </a:solidFill>
-                <a:latin typeface="Times New Roman" panose="02020603050405020304" pitchFamily="18" charset="0"/>
-                <a:cs typeface="Times New Roman" panose="02020603050405020304" pitchFamily="18" charset="0"/>
-              </a:rPr>
-              <a:t>root</a:t>
-            </a:r>
-          </a:p>
-          <a:p>
-            <a:pPr marL="0" indent="0" algn="just">
-              <a:buNone/>
-            </a:pPr>
-            <a:r>
-              <a:rPr lang="pt-BR" sz="2400" dirty="0">
-                <a:solidFill>
-                  <a:schemeClr val="tx1"/>
-                </a:solidFill>
-                <a:latin typeface="Times New Roman" panose="02020603050405020304" pitchFamily="18" charset="0"/>
-                <a:cs typeface="Times New Roman" panose="02020603050405020304" pitchFamily="18" charset="0"/>
-              </a:rPr>
-              <a:t>$senha = “senha”; // </a:t>
-            </a:r>
-            <a:r>
-              <a:rPr lang="pt-BR" sz="2400" b="1" dirty="0" err="1">
-                <a:solidFill>
-                  <a:srgbClr val="FF0000"/>
-                </a:solidFill>
-                <a:latin typeface="Times New Roman" panose="02020603050405020304" pitchFamily="18" charset="0"/>
-                <a:cs typeface="Times New Roman" panose="02020603050405020304" pitchFamily="18" charset="0"/>
-              </a:rPr>
-              <a:t>pwd</a:t>
-            </a:r>
-            <a:r>
-              <a:rPr lang="pt-BR" sz="2400" b="1" dirty="0">
-                <a:solidFill>
-                  <a:srgbClr val="FF0000"/>
-                </a:solidFill>
-                <a:latin typeface="Times New Roman" panose="02020603050405020304" pitchFamily="18" charset="0"/>
-                <a:cs typeface="Times New Roman" panose="02020603050405020304" pitchFamily="18" charset="0"/>
-              </a:rPr>
-              <a:t>=???</a:t>
-            </a:r>
-          </a:p>
-          <a:p>
-            <a:pPr marL="0" indent="0" algn="just">
-              <a:buNone/>
-            </a:pPr>
-            <a:r>
-              <a:rPr lang="pt-BR" sz="2400" b="1" dirty="0">
-                <a:solidFill>
-                  <a:schemeClr val="tx1"/>
-                </a:solidFill>
-                <a:latin typeface="Times New Roman" panose="02020603050405020304" pitchFamily="18" charset="0"/>
-                <a:cs typeface="Times New Roman" panose="02020603050405020304" pitchFamily="18" charset="0"/>
-              </a:rPr>
-              <a:t>$</a:t>
-            </a:r>
-            <a:r>
-              <a:rPr lang="pt-BR" sz="2400" b="1" dirty="0" err="1">
-                <a:solidFill>
-                  <a:schemeClr val="tx1"/>
-                </a:solidFill>
-                <a:latin typeface="Times New Roman" panose="02020603050405020304" pitchFamily="18" charset="0"/>
-                <a:cs typeface="Times New Roman" panose="02020603050405020304" pitchFamily="18" charset="0"/>
-              </a:rPr>
-              <a:t>mysqli</a:t>
-            </a:r>
-            <a:r>
-              <a:rPr lang="pt-BR" sz="2400" dirty="0">
-                <a:solidFill>
-                  <a:schemeClr val="tx1"/>
-                </a:solidFill>
-                <a:latin typeface="Times New Roman" panose="02020603050405020304" pitchFamily="18" charset="0"/>
-                <a:cs typeface="Times New Roman" panose="02020603050405020304" pitchFamily="18" charset="0"/>
-              </a:rPr>
-              <a:t> = </a:t>
-            </a:r>
-            <a:r>
-              <a:rPr lang="pt-BR" sz="2400" b="1" dirty="0">
-                <a:solidFill>
-                  <a:srgbClr val="FF0000"/>
-                </a:solidFill>
-                <a:latin typeface="Times New Roman" panose="02020603050405020304" pitchFamily="18" charset="0"/>
-                <a:cs typeface="Times New Roman" panose="02020603050405020304" pitchFamily="18" charset="0"/>
-              </a:rPr>
-              <a:t>new</a:t>
-            </a:r>
-            <a:r>
-              <a:rPr lang="pt-BR" sz="2400" dirty="0">
-                <a:solidFill>
-                  <a:schemeClr val="tx1"/>
-                </a:solidFill>
-                <a:latin typeface="Times New Roman" panose="02020603050405020304" pitchFamily="18" charset="0"/>
-                <a:cs typeface="Times New Roman" panose="02020603050405020304" pitchFamily="18" charset="0"/>
-              </a:rPr>
-              <a:t> </a:t>
-            </a:r>
-            <a:r>
-              <a:rPr lang="pt-BR" sz="2400" b="1" dirty="0" err="1">
-                <a:solidFill>
-                  <a:schemeClr val="tx1"/>
-                </a:solidFill>
-                <a:latin typeface="Times New Roman" panose="02020603050405020304" pitchFamily="18" charset="0"/>
-                <a:cs typeface="Times New Roman" panose="02020603050405020304" pitchFamily="18" charset="0"/>
-              </a:rPr>
-              <a:t>mysqli</a:t>
-            </a:r>
-            <a:r>
-              <a:rPr lang="pt-BR" sz="2400" dirty="0">
-                <a:solidFill>
-                  <a:schemeClr val="tx1"/>
-                </a:solidFill>
-                <a:latin typeface="Times New Roman" panose="02020603050405020304" pitchFamily="18" charset="0"/>
-                <a:cs typeface="Times New Roman" panose="02020603050405020304" pitchFamily="18" charset="0"/>
-              </a:rPr>
-              <a:t>($</a:t>
-            </a:r>
-            <a:r>
-              <a:rPr lang="pt-BR" sz="2400" dirty="0" err="1">
-                <a:solidFill>
-                  <a:schemeClr val="tx1"/>
-                </a:solidFill>
-                <a:latin typeface="Times New Roman" panose="02020603050405020304" pitchFamily="18" charset="0"/>
-                <a:cs typeface="Times New Roman" panose="02020603050405020304" pitchFamily="18" charset="0"/>
-              </a:rPr>
-              <a:t>hostname</a:t>
-            </a:r>
-            <a:r>
-              <a:rPr lang="pt-BR" sz="2400" dirty="0">
-                <a:solidFill>
-                  <a:schemeClr val="tx1"/>
-                </a:solidFill>
-                <a:latin typeface="Times New Roman" panose="02020603050405020304" pitchFamily="18" charset="0"/>
-                <a:cs typeface="Times New Roman" panose="02020603050405020304" pitchFamily="18" charset="0"/>
-              </a:rPr>
-              <a:t>, $</a:t>
-            </a:r>
-            <a:r>
-              <a:rPr lang="pt-BR" sz="2400" dirty="0" err="1">
-                <a:solidFill>
-                  <a:schemeClr val="tx1"/>
-                </a:solidFill>
-                <a:latin typeface="Times New Roman" panose="02020603050405020304" pitchFamily="18" charset="0"/>
-                <a:cs typeface="Times New Roman" panose="02020603050405020304" pitchFamily="18" charset="0"/>
-              </a:rPr>
-              <a:t>bancodedados</a:t>
-            </a:r>
-            <a:r>
-              <a:rPr lang="pt-BR" sz="2400" dirty="0">
-                <a:solidFill>
-                  <a:schemeClr val="tx1"/>
-                </a:solidFill>
-                <a:latin typeface="Times New Roman" panose="02020603050405020304" pitchFamily="18" charset="0"/>
-                <a:cs typeface="Times New Roman" panose="02020603050405020304" pitchFamily="18" charset="0"/>
-              </a:rPr>
-              <a:t>, $usuário, $senha); </a:t>
-            </a:r>
-          </a:p>
-          <a:p>
-            <a:pPr marL="0" indent="0" algn="just">
-              <a:buNone/>
-            </a:pPr>
-            <a:r>
-              <a:rPr lang="pt-BR" sz="2400" dirty="0" err="1">
-                <a:solidFill>
-                  <a:schemeClr val="tx1"/>
-                </a:solidFill>
-                <a:latin typeface="Times New Roman" panose="02020603050405020304" pitchFamily="18" charset="0"/>
-                <a:cs typeface="Times New Roman" panose="02020603050405020304" pitchFamily="18" charset="0"/>
-              </a:rPr>
-              <a:t>if</a:t>
-            </a:r>
-            <a:r>
-              <a:rPr lang="pt-BR" sz="2400" dirty="0">
-                <a:solidFill>
-                  <a:schemeClr val="tx1"/>
-                </a:solidFill>
-                <a:latin typeface="Times New Roman" panose="02020603050405020304" pitchFamily="18" charset="0"/>
-                <a:cs typeface="Times New Roman" panose="02020603050405020304" pitchFamily="18" charset="0"/>
-              </a:rPr>
-              <a:t> (</a:t>
-            </a:r>
-            <a:r>
-              <a:rPr lang="pt-BR" sz="2400" b="1" dirty="0">
-                <a:solidFill>
-                  <a:schemeClr val="tx1"/>
-                </a:solidFill>
-                <a:latin typeface="Times New Roman" panose="02020603050405020304" pitchFamily="18" charset="0"/>
-                <a:cs typeface="Times New Roman" panose="02020603050405020304" pitchFamily="18" charset="0"/>
-              </a:rPr>
-              <a:t>$</a:t>
-            </a:r>
-            <a:r>
-              <a:rPr lang="pt-BR" sz="2400" b="1" dirty="0" err="1">
-                <a:solidFill>
-                  <a:schemeClr val="tx1"/>
-                </a:solidFill>
-                <a:latin typeface="Times New Roman" panose="02020603050405020304" pitchFamily="18" charset="0"/>
-                <a:cs typeface="Times New Roman" panose="02020603050405020304" pitchFamily="18" charset="0"/>
-              </a:rPr>
-              <a:t>mysqli</a:t>
-            </a:r>
-            <a:r>
-              <a:rPr lang="pt-BR" sz="2400" dirty="0">
-                <a:solidFill>
-                  <a:schemeClr val="tx1"/>
-                </a:solidFill>
-                <a:latin typeface="Times New Roman" panose="02020603050405020304" pitchFamily="18" charset="0"/>
-                <a:cs typeface="Times New Roman" panose="02020603050405020304" pitchFamily="18" charset="0"/>
-              </a:rPr>
-              <a:t> -&gt; </a:t>
-            </a:r>
-            <a:r>
-              <a:rPr lang="pt-BR" sz="2400" dirty="0" err="1">
-                <a:solidFill>
-                  <a:schemeClr val="tx1"/>
-                </a:solidFill>
-                <a:latin typeface="Times New Roman" panose="02020603050405020304" pitchFamily="18" charset="0"/>
-                <a:cs typeface="Times New Roman" panose="02020603050405020304" pitchFamily="18" charset="0"/>
-              </a:rPr>
-              <a:t>connect_errno</a:t>
-            </a:r>
-            <a:r>
-              <a:rPr lang="pt-BR" sz="2400" dirty="0">
-                <a:solidFill>
-                  <a:schemeClr val="tx1"/>
-                </a:solidFill>
-                <a:latin typeface="Times New Roman" panose="02020603050405020304" pitchFamily="18" charset="0"/>
-                <a:cs typeface="Times New Roman" panose="02020603050405020304" pitchFamily="18" charset="0"/>
-              </a:rPr>
-              <a:t>) {</a:t>
-            </a:r>
-          </a:p>
-          <a:p>
-            <a:pPr marL="0" indent="0" algn="just">
-              <a:buNone/>
-            </a:pPr>
-            <a:r>
-              <a:rPr lang="pt-BR" sz="2400" dirty="0">
-                <a:solidFill>
-                  <a:schemeClr val="tx1"/>
-                </a:solidFill>
-                <a:latin typeface="Times New Roman" panose="02020603050405020304" pitchFamily="18" charset="0"/>
-                <a:cs typeface="Times New Roman" panose="02020603050405020304" pitchFamily="18" charset="0"/>
-              </a:rPr>
-              <a:t>	</a:t>
-            </a:r>
-            <a:r>
-              <a:rPr lang="pt-BR" sz="2400" b="1" dirty="0" err="1">
-                <a:solidFill>
-                  <a:schemeClr val="tx1"/>
-                </a:solidFill>
-                <a:latin typeface="Times New Roman" panose="02020603050405020304" pitchFamily="18" charset="0"/>
-                <a:cs typeface="Times New Roman" panose="02020603050405020304" pitchFamily="18" charset="0"/>
-              </a:rPr>
-              <a:t>echo</a:t>
-            </a:r>
-            <a:r>
-              <a:rPr lang="pt-BR" sz="2400" dirty="0">
-                <a:solidFill>
-                  <a:schemeClr val="tx1"/>
-                </a:solidFill>
-                <a:latin typeface="Times New Roman" panose="02020603050405020304" pitchFamily="18" charset="0"/>
-                <a:cs typeface="Times New Roman" panose="02020603050405020304" pitchFamily="18" charset="0"/>
-              </a:rPr>
-              <a:t> “falha ao conectar no BD: (“</a:t>
-            </a:r>
-            <a:r>
-              <a:rPr lang="pt-BR" sz="2400" b="1" dirty="0">
-                <a:solidFill>
-                  <a:schemeClr val="tx1"/>
-                </a:solidFill>
-                <a:latin typeface="Times New Roman" panose="02020603050405020304" pitchFamily="18" charset="0"/>
-                <a:cs typeface="Times New Roman" panose="02020603050405020304" pitchFamily="18" charset="0"/>
-              </a:rPr>
-              <a:t>. $</a:t>
-            </a:r>
-            <a:r>
-              <a:rPr lang="pt-BR" sz="2400" b="1" dirty="0" err="1">
-                <a:solidFill>
-                  <a:schemeClr val="tx1"/>
-                </a:solidFill>
-                <a:latin typeface="Times New Roman" panose="02020603050405020304" pitchFamily="18" charset="0"/>
-                <a:cs typeface="Times New Roman" panose="02020603050405020304" pitchFamily="18" charset="0"/>
-              </a:rPr>
-              <a:t>mysqli</a:t>
-            </a:r>
-            <a:r>
-              <a:rPr lang="pt-BR" sz="2400" dirty="0">
-                <a:solidFill>
-                  <a:schemeClr val="tx1"/>
-                </a:solidFill>
-                <a:latin typeface="Times New Roman" panose="02020603050405020304" pitchFamily="18" charset="0"/>
-                <a:cs typeface="Times New Roman" panose="02020603050405020304" pitchFamily="18" charset="0"/>
-              </a:rPr>
-              <a:t> -&gt; </a:t>
-            </a:r>
-            <a:r>
-              <a:rPr lang="pt-BR" sz="2400" dirty="0" err="1">
-                <a:solidFill>
-                  <a:schemeClr val="tx1"/>
-                </a:solidFill>
-                <a:latin typeface="Times New Roman" panose="02020603050405020304" pitchFamily="18" charset="0"/>
-                <a:cs typeface="Times New Roman" panose="02020603050405020304" pitchFamily="18" charset="0"/>
-              </a:rPr>
-              <a:t>connect_errno</a:t>
-            </a:r>
-            <a:r>
-              <a:rPr lang="pt-BR" sz="2400" dirty="0">
-                <a:solidFill>
-                  <a:schemeClr val="tx1"/>
-                </a:solidFill>
-                <a:latin typeface="Times New Roman" panose="02020603050405020304" pitchFamily="18" charset="0"/>
-                <a:cs typeface="Times New Roman" panose="02020603050405020304" pitchFamily="18" charset="0"/>
-              </a:rPr>
-              <a:t>.”)”.</a:t>
-            </a:r>
-          </a:p>
-          <a:p>
-            <a:pPr marL="0" indent="0" algn="just">
-              <a:buNone/>
-            </a:pPr>
-            <a:r>
-              <a:rPr lang="pt-BR" sz="2400" dirty="0">
-                <a:solidFill>
-                  <a:schemeClr val="tx1"/>
-                </a:solidFill>
-                <a:latin typeface="Times New Roman" panose="02020603050405020304" pitchFamily="18" charset="0"/>
-                <a:cs typeface="Times New Roman" panose="02020603050405020304" pitchFamily="18" charset="0"/>
-              </a:rPr>
-              <a:t>			</a:t>
-            </a:r>
-            <a:r>
-              <a:rPr lang="pt-BR" sz="2400" b="1" dirty="0">
-                <a:solidFill>
-                  <a:schemeClr val="tx1"/>
-                </a:solidFill>
-                <a:latin typeface="Times New Roman" panose="02020603050405020304" pitchFamily="18" charset="0"/>
-                <a:cs typeface="Times New Roman" panose="02020603050405020304" pitchFamily="18" charset="0"/>
-              </a:rPr>
-              <a:t>$</a:t>
-            </a:r>
-            <a:r>
-              <a:rPr lang="pt-BR" sz="2400" b="1" dirty="0" err="1">
-                <a:solidFill>
-                  <a:schemeClr val="tx1"/>
-                </a:solidFill>
-                <a:latin typeface="Times New Roman" panose="02020603050405020304" pitchFamily="18" charset="0"/>
-                <a:cs typeface="Times New Roman" panose="02020603050405020304" pitchFamily="18" charset="0"/>
-              </a:rPr>
-              <a:t>mysqli</a:t>
-            </a:r>
-            <a:r>
-              <a:rPr lang="pt-BR" sz="2400" dirty="0">
-                <a:solidFill>
-                  <a:schemeClr val="tx1"/>
-                </a:solidFill>
-                <a:latin typeface="Times New Roman" panose="02020603050405020304" pitchFamily="18" charset="0"/>
-                <a:cs typeface="Times New Roman" panose="02020603050405020304" pitchFamily="18" charset="0"/>
-              </a:rPr>
-              <a:t> -&gt; </a:t>
-            </a:r>
-            <a:r>
-              <a:rPr lang="pt-BR" sz="2400" dirty="0" err="1">
-                <a:solidFill>
-                  <a:schemeClr val="tx1"/>
-                </a:solidFill>
-                <a:latin typeface="Times New Roman" panose="02020603050405020304" pitchFamily="18" charset="0"/>
-                <a:cs typeface="Times New Roman" panose="02020603050405020304" pitchFamily="18" charset="0"/>
-              </a:rPr>
-              <a:t>connect_errno</a:t>
-            </a:r>
-            <a:r>
-              <a:rPr lang="pt-BR" sz="2400" dirty="0">
-                <a:solidFill>
-                  <a:schemeClr val="tx1"/>
-                </a:solidFill>
-                <a:latin typeface="Times New Roman" panose="02020603050405020304" pitchFamily="18" charset="0"/>
-                <a:cs typeface="Times New Roman" panose="02020603050405020304" pitchFamily="18" charset="0"/>
-              </a:rPr>
-              <a:t>;</a:t>
-            </a:r>
-          </a:p>
-          <a:p>
-            <a:pPr marL="0" indent="0" algn="just">
-              <a:buNone/>
-            </a:pPr>
-            <a:r>
-              <a:rPr lang="pt-BR" sz="2400" dirty="0">
-                <a:solidFill>
-                  <a:schemeClr val="tx1"/>
-                </a:solidFill>
-                <a:latin typeface="Times New Roman" panose="02020603050405020304" pitchFamily="18" charset="0"/>
-                <a:cs typeface="Times New Roman" panose="02020603050405020304" pitchFamily="18" charset="0"/>
-              </a:rPr>
-              <a:t>} </a:t>
-            </a:r>
-            <a:r>
-              <a:rPr lang="pt-BR" sz="2400" dirty="0" err="1">
-                <a:solidFill>
-                  <a:schemeClr val="tx1"/>
-                </a:solidFill>
-                <a:latin typeface="Times New Roman" panose="02020603050405020304" pitchFamily="18" charset="0"/>
-                <a:cs typeface="Times New Roman" panose="02020603050405020304" pitchFamily="18" charset="0"/>
-              </a:rPr>
-              <a:t>else</a:t>
-            </a:r>
-            <a:r>
-              <a:rPr lang="pt-BR" sz="2400" dirty="0">
-                <a:solidFill>
-                  <a:schemeClr val="tx1"/>
-                </a:solidFill>
-                <a:latin typeface="Times New Roman" panose="02020603050405020304" pitchFamily="18" charset="0"/>
-                <a:cs typeface="Times New Roman" panose="02020603050405020304" pitchFamily="18" charset="0"/>
-              </a:rPr>
-              <a:t> { </a:t>
-            </a:r>
-            <a:r>
-              <a:rPr lang="pt-BR" sz="2400" b="1" dirty="0" err="1">
-                <a:solidFill>
-                  <a:schemeClr val="tx1"/>
-                </a:solidFill>
-                <a:latin typeface="Times New Roman" panose="02020603050405020304" pitchFamily="18" charset="0"/>
-                <a:cs typeface="Times New Roman" panose="02020603050405020304" pitchFamily="18" charset="0"/>
-              </a:rPr>
-              <a:t>echo</a:t>
-            </a:r>
-            <a:r>
-              <a:rPr lang="pt-BR" sz="2400" dirty="0">
-                <a:solidFill>
-                  <a:schemeClr val="tx1"/>
-                </a:solidFill>
-                <a:latin typeface="Times New Roman" panose="02020603050405020304" pitchFamily="18" charset="0"/>
-                <a:cs typeface="Times New Roman" panose="02020603050405020304" pitchFamily="18" charset="0"/>
-              </a:rPr>
-              <a:t> “conectado com sucesso!!!”;}</a:t>
-            </a:r>
-          </a:p>
-          <a:p>
-            <a:pPr marL="0" indent="0" algn="just">
-              <a:buNone/>
-            </a:pPr>
-            <a:endParaRPr lang="pt-BR" sz="2400" dirty="0">
+              <a:t>Objects</a:t>
+            </a:r>
+            <a:r>
+              <a:rPr lang="pt-BR" sz="2000" dirty="0">
+                <a:solidFill>
+                  <a:schemeClr val="tx1"/>
+                </a:solidFill>
+                <a:latin typeface="Times New Roman" panose="02020603050405020304" pitchFamily="18" charset="0"/>
+                <a:cs typeface="Times New Roman" panose="02020603050405020304" pitchFamily="18" charset="0"/>
+              </a:rPr>
+              <a:t>) é um módulo de </a:t>
+            </a:r>
+            <a:r>
+              <a:rPr lang="pt-BR" sz="2000" b="1" dirty="0">
+                <a:solidFill>
+                  <a:schemeClr val="tx1"/>
+                </a:solidFill>
+                <a:latin typeface="Times New Roman" panose="02020603050405020304" pitchFamily="18" charset="0"/>
+                <a:cs typeface="Times New Roman" panose="02020603050405020304" pitchFamily="18" charset="0"/>
+              </a:rPr>
+              <a:t>PHP</a:t>
+            </a:r>
+            <a:r>
+              <a:rPr lang="pt-BR" sz="2000" dirty="0">
+                <a:solidFill>
+                  <a:schemeClr val="tx1"/>
+                </a:solidFill>
+                <a:latin typeface="Times New Roman" panose="02020603050405020304" pitchFamily="18" charset="0"/>
+                <a:cs typeface="Times New Roman" panose="02020603050405020304" pitchFamily="18" charset="0"/>
+              </a:rPr>
+              <a:t> montado sob o </a:t>
+            </a:r>
+            <a:r>
+              <a:rPr lang="pt-BR" sz="2000" b="1" dirty="0">
+                <a:solidFill>
+                  <a:schemeClr val="tx1"/>
+                </a:solidFill>
+                <a:latin typeface="Times New Roman" panose="02020603050405020304" pitchFamily="18" charset="0"/>
+                <a:cs typeface="Times New Roman" panose="02020603050405020304" pitchFamily="18" charset="0"/>
+              </a:rPr>
+              <a:t>paradigma Orientado a Objetos</a:t>
+            </a:r>
+            <a:r>
+              <a:rPr lang="pt-BR" sz="2000" dirty="0">
+                <a:solidFill>
+                  <a:schemeClr val="tx1"/>
+                </a:solidFill>
+                <a:latin typeface="Times New Roman" panose="02020603050405020304" pitchFamily="18" charset="0"/>
+                <a:cs typeface="Times New Roman" panose="02020603050405020304" pitchFamily="18" charset="0"/>
+              </a:rPr>
+              <a:t>, cujo objetivo é prover uma padronização da forma com que </a:t>
+            </a:r>
+            <a:r>
+              <a:rPr lang="pt-BR" sz="2000" b="1" dirty="0">
+                <a:solidFill>
+                  <a:schemeClr val="tx1"/>
+                </a:solidFill>
+                <a:latin typeface="Times New Roman" panose="02020603050405020304" pitchFamily="18" charset="0"/>
+                <a:cs typeface="Times New Roman" panose="02020603050405020304" pitchFamily="18" charset="0"/>
+              </a:rPr>
+              <a:t>PHP</a:t>
+            </a:r>
+            <a:r>
+              <a:rPr lang="pt-BR" sz="2000" dirty="0">
+                <a:solidFill>
+                  <a:schemeClr val="tx1"/>
+                </a:solidFill>
+                <a:latin typeface="Times New Roman" panose="02020603050405020304" pitchFamily="18" charset="0"/>
+                <a:cs typeface="Times New Roman" panose="02020603050405020304" pitchFamily="18" charset="0"/>
+              </a:rPr>
+              <a:t> se comunica com um banco de dados relacional.</a:t>
+            </a:r>
+          </a:p>
+          <a:p>
+            <a:pPr marL="0" indent="0" algn="just">
+              <a:buNone/>
+            </a:pPr>
+            <a:endParaRPr lang="pt-BR" sz="2000" dirty="0">
               <a:solidFill>
                 <a:schemeClr val="tx1"/>
               </a:solidFill>
@@ -33772,12 +33505,209 @@
               <a:cs typeface="Times New Roman" panose="02020603050405020304" pitchFamily="18" charset="0"/>
             </a:endParaRPr>
           </a:p>
+          <a:p>
+            <a:pPr marL="0" indent="0" algn="just">
+              <a:buNone/>
+            </a:pPr>
+            <a:r>
+              <a:rPr lang="pt-BR" sz="2000" dirty="0">
+                <a:solidFill>
+                  <a:schemeClr val="tx1"/>
+                </a:solidFill>
+                <a:latin typeface="Times New Roman" panose="02020603050405020304" pitchFamily="18" charset="0"/>
+                <a:cs typeface="Times New Roman" panose="02020603050405020304" pitchFamily="18" charset="0"/>
+              </a:rPr>
+              <a:t>Poderá fazer consultas e disparar comandos utilizando classes e métodos.</a:t>
+            </a:r>
+          </a:p>
+          <a:p>
+            <a:pPr marL="0" indent="0" algn="just">
+              <a:buNone/>
+            </a:pPr>
+            <a:endParaRPr lang="pt-BR" sz="2000" dirty="0">
+              <a:solidFill>
+                <a:schemeClr val="tx1"/>
+              </a:solidFill>
+              <a:latin typeface="Times New Roman" panose="02020603050405020304" pitchFamily="18" charset="0"/>
+              <a:cs typeface="Times New Roman" panose="02020603050405020304" pitchFamily="18" charset="0"/>
+            </a:endParaRPr>
+          </a:p>
+          <a:p>
+            <a:pPr marL="0" indent="0" algn="just">
+              <a:buNone/>
+            </a:pPr>
+            <a:r>
+              <a:rPr lang="pt-BR" sz="2000" dirty="0">
+                <a:solidFill>
+                  <a:schemeClr val="tx1"/>
+                </a:solidFill>
+                <a:latin typeface="Times New Roman" panose="02020603050405020304" pitchFamily="18" charset="0"/>
+                <a:cs typeface="Times New Roman" panose="02020603050405020304" pitchFamily="18" charset="0"/>
+              </a:rPr>
+              <a:t>A principal vantagem do </a:t>
+            </a:r>
+            <a:r>
+              <a:rPr lang="pt-BR" sz="2000" b="1" dirty="0">
+                <a:solidFill>
+                  <a:schemeClr val="tx1"/>
+                </a:solidFill>
+                <a:latin typeface="Times New Roman" panose="02020603050405020304" pitchFamily="18" charset="0"/>
+                <a:cs typeface="Times New Roman" panose="02020603050405020304" pitchFamily="18" charset="0"/>
+              </a:rPr>
+              <a:t>PDO</a:t>
+            </a:r>
+            <a:r>
+              <a:rPr lang="pt-BR" sz="2000" dirty="0">
+                <a:solidFill>
+                  <a:schemeClr val="tx1"/>
+                </a:solidFill>
+                <a:latin typeface="Times New Roman" panose="02020603050405020304" pitchFamily="18" charset="0"/>
+                <a:cs typeface="Times New Roman" panose="02020603050405020304" pitchFamily="18" charset="0"/>
+              </a:rPr>
+              <a:t> sobre o </a:t>
+            </a:r>
+            <a:r>
+              <a:rPr lang="pt-BR" sz="2000" b="1" dirty="0" err="1">
+                <a:solidFill>
+                  <a:schemeClr val="tx1"/>
+                </a:solidFill>
+                <a:latin typeface="Times New Roman" panose="02020603050405020304" pitchFamily="18" charset="0"/>
+                <a:cs typeface="Times New Roman" panose="02020603050405020304" pitchFamily="18" charset="0"/>
+              </a:rPr>
+              <a:t>MySQLi</a:t>
+            </a:r>
+            <a:r>
+              <a:rPr lang="pt-BR" sz="2000" dirty="0">
+                <a:solidFill>
+                  <a:schemeClr val="tx1"/>
+                </a:solidFill>
+                <a:latin typeface="Times New Roman" panose="02020603050405020304" pitchFamily="18" charset="0"/>
+                <a:cs typeface="Times New Roman" panose="02020603050405020304" pitchFamily="18" charset="0"/>
+              </a:rPr>
+              <a:t> está no suporte ao </a:t>
+            </a:r>
+            <a:r>
+              <a:rPr lang="pt-BR" sz="2000" b="1" dirty="0">
+                <a:solidFill>
+                  <a:srgbClr val="FF0000"/>
+                </a:solidFill>
+                <a:latin typeface="Times New Roman" panose="02020603050405020304" pitchFamily="18" charset="0"/>
+                <a:cs typeface="Times New Roman" panose="02020603050405020304" pitchFamily="18" charset="0"/>
+              </a:rPr>
+              <a:t>banco de dados</a:t>
+            </a:r>
+            <a:r>
+              <a:rPr lang="pt-BR" sz="2000" dirty="0">
+                <a:solidFill>
+                  <a:schemeClr val="tx1"/>
+                </a:solidFill>
+                <a:latin typeface="Times New Roman" panose="02020603050405020304" pitchFamily="18" charset="0"/>
+                <a:cs typeface="Times New Roman" panose="02020603050405020304" pitchFamily="18" charset="0"/>
+              </a:rPr>
+              <a:t>. O </a:t>
+            </a:r>
+            <a:r>
+              <a:rPr lang="pt-BR" sz="2000" b="1" dirty="0">
+                <a:solidFill>
+                  <a:schemeClr val="tx1"/>
+                </a:solidFill>
+                <a:latin typeface="Times New Roman" panose="02020603050405020304" pitchFamily="18" charset="0"/>
+                <a:cs typeface="Times New Roman" panose="02020603050405020304" pitchFamily="18" charset="0"/>
+              </a:rPr>
+              <a:t>PDO</a:t>
+            </a:r>
+            <a:r>
+              <a:rPr lang="pt-BR" sz="2000" dirty="0">
+                <a:solidFill>
+                  <a:schemeClr val="tx1"/>
+                </a:solidFill>
+                <a:latin typeface="Times New Roman" panose="02020603050405020304" pitchFamily="18" charset="0"/>
+                <a:cs typeface="Times New Roman" panose="02020603050405020304" pitchFamily="18" charset="0"/>
+              </a:rPr>
+              <a:t> suporta 12 diferentes tipos de banco de dados, em oposição ao </a:t>
+            </a:r>
+            <a:r>
+              <a:rPr lang="pt-BR" sz="2000" b="1" dirty="0" err="1">
+                <a:solidFill>
+                  <a:schemeClr val="tx1"/>
+                </a:solidFill>
+                <a:latin typeface="Times New Roman" panose="02020603050405020304" pitchFamily="18" charset="0"/>
+                <a:cs typeface="Times New Roman" panose="02020603050405020304" pitchFamily="18" charset="0"/>
+              </a:rPr>
+              <a:t>MySQLi</a:t>
+            </a:r>
+            <a:r>
+              <a:rPr lang="pt-BR" sz="2000" dirty="0">
+                <a:solidFill>
+                  <a:schemeClr val="tx1"/>
+                </a:solidFill>
+                <a:latin typeface="Times New Roman" panose="02020603050405020304" pitchFamily="18" charset="0"/>
+                <a:cs typeface="Times New Roman" panose="02020603050405020304" pitchFamily="18" charset="0"/>
+              </a:rPr>
+              <a:t>, que suporta apenas </a:t>
+            </a:r>
+            <a:r>
+              <a:rPr lang="pt-BR" sz="2000" b="1" dirty="0">
+                <a:solidFill>
+                  <a:schemeClr val="tx1"/>
+                </a:solidFill>
+                <a:latin typeface="Times New Roman" panose="02020603050405020304" pitchFamily="18" charset="0"/>
+                <a:cs typeface="Times New Roman" panose="02020603050405020304" pitchFamily="18" charset="0"/>
+              </a:rPr>
+              <a:t>MySQL</a:t>
+            </a:r>
+            <a:r>
+              <a:rPr lang="pt-BR" sz="2000" dirty="0">
+                <a:solidFill>
+                  <a:schemeClr val="tx1"/>
+                </a:solidFill>
+                <a:latin typeface="Times New Roman" panose="02020603050405020304" pitchFamily="18" charset="0"/>
+                <a:cs typeface="Times New Roman" panose="02020603050405020304" pitchFamily="18" charset="0"/>
+              </a:rPr>
+              <a:t>.</a:t>
+            </a:r>
+          </a:p>
+          <a:p>
+            <a:pPr marL="0" indent="0" algn="just">
+              <a:buNone/>
+            </a:pPr>
+            <a:endParaRPr lang="pt-BR" sz="2000" dirty="0">
+              <a:solidFill>
+                <a:schemeClr val="tx1"/>
+              </a:solidFill>
+              <a:latin typeface="Times New Roman" panose="02020603050405020304" pitchFamily="18" charset="0"/>
+              <a:cs typeface="Times New Roman" panose="02020603050405020304" pitchFamily="18" charset="0"/>
+            </a:endParaRPr>
+          </a:p>
+          <a:p>
+            <a:pPr marL="0" indent="0" algn="just">
+              <a:buNone/>
+            </a:pPr>
+            <a:r>
+              <a:rPr lang="pt-BR" sz="2000" dirty="0">
+                <a:solidFill>
+                  <a:schemeClr val="tx1"/>
+                </a:solidFill>
+                <a:latin typeface="Times New Roman" panose="02020603050405020304" pitchFamily="18" charset="0"/>
+                <a:cs typeface="Times New Roman" panose="02020603050405020304" pitchFamily="18" charset="0"/>
+                <a:hlinkClick r:id="rId3"/>
+              </a:rPr>
+              <a:t>https://www.devmedia.com.br/php-pdo-como-criar-sua-primeira-conexao/39007</a:t>
+            </a:r>
+            <a:endParaRPr lang="pt-BR" sz="2000" dirty="0">
+              <a:solidFill>
+                <a:schemeClr val="tx1"/>
+              </a:solidFill>
+              <a:latin typeface="Times New Roman" panose="02020603050405020304" pitchFamily="18" charset="0"/>
+              <a:cs typeface="Times New Roman" panose="02020603050405020304" pitchFamily="18" charset="0"/>
+            </a:endParaRPr>
+          </a:p>
         </p:txBody>
       </p:sp>
     </p:spTree>
     <p:extLst>
       <p:ext uri="{BB962C8B-B14F-4D97-AF65-F5344CB8AC3E}">
-        <p14:creationId xmlns:p14="http://schemas.microsoft.com/office/powerpoint/2010/main" val="1235422409"/>
+        <p14:creationId xmlns:p14="http://schemas.microsoft.com/office/powerpoint/2010/main" val="21833500"/>
       </p:ext>
     </p:extLst>
   </p:cSld>
@@ -33841,13 +33771,16 @@
                   <a:srgbClr val="0070C0"/>
                 </a:solidFill>
               </a:rPr>
-              <a:t>Transações</a:t>
-            </a:r>
-            <a:endParaRPr lang="en-US" b="1" dirty="0">
-              <a:solidFill>
-                <a:srgbClr val="0070C0"/>
-              </a:solidFill>
-            </a:endParaRPr>
+              <a:t>Opção</a:t>
+            </a:r>
+            <a:r>
+              <a:rPr lang="en-US" b="1" dirty="0">
+                <a:solidFill>
+                  <a:srgbClr val="0070C0"/>
+                </a:solidFill>
+              </a:rPr>
+              <a:t> 1</a:t>
+            </a:r>
           </a:p>
         </p:txBody>
       </p:sp>
@@ -33877,16 +33810,228 @@
               <a:buNone/>
             </a:pPr>
             <a:r>
-              <a:rPr lang="pt-BR" sz="2400" b="1" dirty="0">
-                <a:solidFill>
-                  <a:schemeClr val="tx1"/>
-                </a:solidFill>
-                <a:latin typeface="Times New Roman" panose="02020603050405020304" pitchFamily="18" charset="0"/>
-                <a:cs typeface="Times New Roman" panose="02020603050405020304" pitchFamily="18" charset="0"/>
-              </a:rPr>
-              <a:t>CRUD</a:t>
-            </a:r>
-            <a:endParaRPr lang="pt-BR" sz="2400" dirty="0">
+              <a:rPr lang="pt-BR" sz="2000" dirty="0">
+                <a:solidFill>
+                  <a:schemeClr val="tx1"/>
+                </a:solidFill>
+                <a:latin typeface="Times New Roman" panose="02020603050405020304" pitchFamily="18" charset="0"/>
+                <a:cs typeface="Times New Roman" panose="02020603050405020304" pitchFamily="18" charset="0"/>
+              </a:rPr>
+              <a:t>&lt;?</a:t>
+            </a:r>
+            <a:r>
+              <a:rPr lang="pt-BR" sz="2000" b="1" dirty="0" err="1">
+                <a:solidFill>
+                  <a:srgbClr val="0070C0"/>
+                </a:solidFill>
+                <a:latin typeface="Times New Roman" panose="02020603050405020304" pitchFamily="18" charset="0"/>
+                <a:cs typeface="Times New Roman" panose="02020603050405020304" pitchFamily="18" charset="0"/>
+              </a:rPr>
+              <a:t>php</a:t>
+            </a:r>
+            <a:endParaRPr lang="pt-BR" sz="2000" b="1" dirty="0">
+              <a:solidFill>
+                <a:srgbClr val="0070C0"/>
+              </a:solidFill>
+              <a:latin typeface="Times New Roman" panose="02020603050405020304" pitchFamily="18" charset="0"/>
+              <a:cs typeface="Times New Roman" panose="02020603050405020304" pitchFamily="18" charset="0"/>
+            </a:endParaRPr>
+          </a:p>
+          <a:p>
+            <a:pPr marL="0" indent="0" algn="just">
+              <a:buNone/>
+            </a:pPr>
+            <a:r>
+              <a:rPr lang="pt-BR" sz="2000" dirty="0">
+                <a:solidFill>
+                  <a:schemeClr val="tx1"/>
+                </a:solidFill>
+                <a:latin typeface="Times New Roman" panose="02020603050405020304" pitchFamily="18" charset="0"/>
+                <a:cs typeface="Times New Roman" panose="02020603050405020304" pitchFamily="18" charset="0"/>
+              </a:rPr>
+              <a:t>$</a:t>
+            </a:r>
+            <a:r>
+              <a:rPr lang="pt-BR" sz="2000" b="1" dirty="0" err="1">
+                <a:solidFill>
+                  <a:schemeClr val="tx1"/>
+                </a:solidFill>
+                <a:latin typeface="Times New Roman" panose="02020603050405020304" pitchFamily="18" charset="0"/>
+                <a:cs typeface="Times New Roman" panose="02020603050405020304" pitchFamily="18" charset="0"/>
+              </a:rPr>
+              <a:t>hostname</a:t>
+            </a:r>
+            <a:r>
+              <a:rPr lang="pt-BR" sz="2000" dirty="0">
+                <a:solidFill>
+                  <a:schemeClr val="tx1"/>
+                </a:solidFill>
+                <a:latin typeface="Times New Roman" panose="02020603050405020304" pitchFamily="18" charset="0"/>
+                <a:cs typeface="Times New Roman" panose="02020603050405020304" pitchFamily="18" charset="0"/>
+              </a:rPr>
+              <a:t> = "</a:t>
+            </a:r>
+            <a:r>
+              <a:rPr lang="pt-BR" sz="2000" b="1" dirty="0" err="1">
+                <a:solidFill>
+                  <a:srgbClr val="FF0000"/>
+                </a:solidFill>
+                <a:latin typeface="Times New Roman" panose="02020603050405020304" pitchFamily="18" charset="0"/>
+                <a:cs typeface="Times New Roman" panose="02020603050405020304" pitchFamily="18" charset="0"/>
+              </a:rPr>
+              <a:t>localhost</a:t>
+            </a:r>
+            <a:r>
+              <a:rPr lang="pt-BR" sz="2000" dirty="0">
+                <a:solidFill>
+                  <a:schemeClr val="tx1"/>
+                </a:solidFill>
+                <a:latin typeface="Times New Roman" panose="02020603050405020304" pitchFamily="18" charset="0"/>
+                <a:cs typeface="Times New Roman" panose="02020603050405020304" pitchFamily="18" charset="0"/>
+              </a:rPr>
+              <a:t>"; $</a:t>
+            </a:r>
+            <a:r>
+              <a:rPr lang="pt-BR" sz="2000" b="1" dirty="0" err="1">
+                <a:solidFill>
+                  <a:schemeClr val="tx1"/>
+                </a:solidFill>
+                <a:latin typeface="Times New Roman" panose="02020603050405020304" pitchFamily="18" charset="0"/>
+                <a:cs typeface="Times New Roman" panose="02020603050405020304" pitchFamily="18" charset="0"/>
+              </a:rPr>
+              <a:t>database</a:t>
+            </a:r>
+            <a:r>
+              <a:rPr lang="pt-BR" sz="2000" dirty="0">
+                <a:solidFill>
+                  <a:schemeClr val="tx1"/>
+                </a:solidFill>
+                <a:latin typeface="Times New Roman" panose="02020603050405020304" pitchFamily="18" charset="0"/>
+                <a:cs typeface="Times New Roman" panose="02020603050405020304" pitchFamily="18" charset="0"/>
+              </a:rPr>
+              <a:t> = “</a:t>
+            </a:r>
+            <a:r>
+              <a:rPr lang="pt-BR" sz="2000" b="1" dirty="0" err="1">
+                <a:solidFill>
+                  <a:srgbClr val="FF0000"/>
+                </a:solidFill>
+                <a:latin typeface="Times New Roman" panose="02020603050405020304" pitchFamily="18" charset="0"/>
+                <a:cs typeface="Times New Roman" panose="02020603050405020304" pitchFamily="18" charset="0"/>
+              </a:rPr>
+              <a:t>acadCIEL</a:t>
+            </a:r>
+            <a:r>
+              <a:rPr lang="pt-BR" sz="2000" dirty="0">
+                <a:solidFill>
+                  <a:schemeClr val="tx1"/>
+                </a:solidFill>
+                <a:latin typeface="Times New Roman" panose="02020603050405020304" pitchFamily="18" charset="0"/>
+                <a:cs typeface="Times New Roman" panose="02020603050405020304" pitchFamily="18" charset="0"/>
+              </a:rPr>
+              <a:t>"; $</a:t>
+            </a:r>
+            <a:r>
+              <a:rPr lang="pt-BR" sz="2000" b="1" dirty="0" err="1">
+                <a:solidFill>
+                  <a:schemeClr val="tx1"/>
+                </a:solidFill>
+                <a:latin typeface="Times New Roman" panose="02020603050405020304" pitchFamily="18" charset="0"/>
+                <a:cs typeface="Times New Roman" panose="02020603050405020304" pitchFamily="18" charset="0"/>
+              </a:rPr>
+              <a:t>username</a:t>
+            </a:r>
+            <a:r>
+              <a:rPr lang="pt-BR" sz="2000" dirty="0">
+                <a:solidFill>
+                  <a:schemeClr val="tx1"/>
+                </a:solidFill>
+                <a:latin typeface="Times New Roman" panose="02020603050405020304" pitchFamily="18" charset="0"/>
+                <a:cs typeface="Times New Roman" panose="02020603050405020304" pitchFamily="18" charset="0"/>
+              </a:rPr>
+              <a:t> = “</a:t>
+            </a:r>
+            <a:r>
+              <a:rPr lang="pt-BR" sz="2000" b="1" dirty="0">
+                <a:solidFill>
+                  <a:srgbClr val="FF0000"/>
+                </a:solidFill>
+                <a:latin typeface="Times New Roman" panose="02020603050405020304" pitchFamily="18" charset="0"/>
+                <a:cs typeface="Times New Roman" panose="02020603050405020304" pitchFamily="18" charset="0"/>
+              </a:rPr>
+              <a:t>???</a:t>
+            </a:r>
+            <a:r>
+              <a:rPr lang="pt-BR" sz="2000" dirty="0">
+                <a:solidFill>
+                  <a:schemeClr val="tx1"/>
+                </a:solidFill>
+                <a:latin typeface="Times New Roman" panose="02020603050405020304" pitchFamily="18" charset="0"/>
+                <a:cs typeface="Times New Roman" panose="02020603050405020304" pitchFamily="18" charset="0"/>
+              </a:rPr>
+              <a:t>";</a:t>
+            </a:r>
+          </a:p>
+          <a:p>
+            <a:pPr marL="0" indent="0" algn="just">
+              <a:buNone/>
+            </a:pPr>
+            <a:r>
+              <a:rPr lang="pt-BR" sz="2000" dirty="0">
+                <a:solidFill>
+                  <a:schemeClr val="tx1"/>
+                </a:solidFill>
+                <a:latin typeface="Times New Roman" panose="02020603050405020304" pitchFamily="18" charset="0"/>
+                <a:cs typeface="Times New Roman" panose="02020603050405020304" pitchFamily="18" charset="0"/>
+              </a:rPr>
+              <a:t>$</a:t>
+            </a:r>
+            <a:r>
+              <a:rPr lang="pt-BR" sz="2000" b="1" dirty="0" err="1">
+                <a:solidFill>
+                  <a:schemeClr val="tx1"/>
+                </a:solidFill>
+                <a:latin typeface="Times New Roman" panose="02020603050405020304" pitchFamily="18" charset="0"/>
+                <a:cs typeface="Times New Roman" panose="02020603050405020304" pitchFamily="18" charset="0"/>
+              </a:rPr>
+              <a:t>password</a:t>
+            </a:r>
+            <a:r>
+              <a:rPr lang="pt-BR" sz="2000" dirty="0">
+                <a:solidFill>
+                  <a:schemeClr val="tx1"/>
+                </a:solidFill>
+                <a:latin typeface="Times New Roman" panose="02020603050405020304" pitchFamily="18" charset="0"/>
+                <a:cs typeface="Times New Roman" panose="02020603050405020304" pitchFamily="18" charset="0"/>
+              </a:rPr>
+              <a:t> = “</a:t>
+            </a:r>
+            <a:r>
+              <a:rPr lang="pt-BR" sz="2000" b="1" dirty="0">
+                <a:solidFill>
+                  <a:srgbClr val="FF0000"/>
+                </a:solidFill>
+                <a:latin typeface="Times New Roman" panose="02020603050405020304" pitchFamily="18" charset="0"/>
+                <a:cs typeface="Times New Roman" panose="02020603050405020304" pitchFamily="18" charset="0"/>
+              </a:rPr>
+              <a:t>???</a:t>
+            </a:r>
+            <a:r>
+              <a:rPr lang="pt-BR" sz="2000" dirty="0">
+                <a:solidFill>
+                  <a:schemeClr val="tx1"/>
+                </a:solidFill>
+                <a:latin typeface="Times New Roman" panose="02020603050405020304" pitchFamily="18" charset="0"/>
+                <a:cs typeface="Times New Roman" panose="02020603050405020304" pitchFamily="18" charset="0"/>
+              </a:rPr>
+              <a:t>";</a:t>
+            </a:r>
+          </a:p>
+          <a:p>
+            <a:pPr marL="0" indent="0" algn="just">
+              <a:buNone/>
+            </a:pPr>
+            <a:endParaRPr lang="pt-BR" sz="2000" dirty="0">
               <a:solidFill>
                 <a:schemeClr val="tx1"/>
               </a:solidFill>
@@ -33898,7 +34043,177 @@
             <a:pPr marL="0" indent="0" algn="just">
               <a:buNone/>
             </a:pPr>
-            <a:endParaRPr lang="pt-BR" sz="2400" dirty="0">
+            <a:r>
+              <a:rPr lang="pt-BR" sz="2000" dirty="0">
+                <a:solidFill>
+                  <a:schemeClr val="tx1"/>
+                </a:solidFill>
+                <a:latin typeface="Times New Roman" panose="02020603050405020304" pitchFamily="18" charset="0"/>
+                <a:cs typeface="Times New Roman" panose="02020603050405020304" pitchFamily="18" charset="0"/>
+              </a:rPr>
+              <a:t>// </a:t>
+            </a:r>
+            <a:r>
+              <a:rPr lang="pt-BR" sz="2000" b="1" dirty="0" err="1">
+                <a:solidFill>
+                  <a:schemeClr val="tx1"/>
+                </a:solidFill>
+                <a:latin typeface="Times New Roman" panose="02020603050405020304" pitchFamily="18" charset="0"/>
+                <a:cs typeface="Times New Roman" panose="02020603050405020304" pitchFamily="18" charset="0"/>
+              </a:rPr>
+              <a:t>Create</a:t>
+            </a:r>
+            <a:r>
+              <a:rPr lang="pt-BR" sz="2000" b="1" dirty="0">
+                <a:solidFill>
+                  <a:schemeClr val="tx1"/>
+                </a:solidFill>
+                <a:latin typeface="Times New Roman" panose="02020603050405020304" pitchFamily="18" charset="0"/>
+                <a:cs typeface="Times New Roman" panose="02020603050405020304" pitchFamily="18" charset="0"/>
+              </a:rPr>
+              <a:t> connection</a:t>
+            </a:r>
+          </a:p>
+          <a:p>
+            <a:pPr marL="0" indent="0" algn="just">
+              <a:buNone/>
+            </a:pPr>
+            <a:r>
+              <a:rPr lang="pt-BR" sz="2000" dirty="0">
+                <a:solidFill>
+                  <a:schemeClr val="tx1"/>
+                </a:solidFill>
+                <a:latin typeface="Times New Roman" panose="02020603050405020304" pitchFamily="18" charset="0"/>
+                <a:cs typeface="Times New Roman" panose="02020603050405020304" pitchFamily="18" charset="0"/>
+              </a:rPr>
+              <a:t>$</a:t>
+            </a:r>
+            <a:r>
+              <a:rPr lang="pt-BR" sz="2000" b="1" dirty="0" err="1">
+                <a:solidFill>
+                  <a:schemeClr val="tx1"/>
+                </a:solidFill>
+                <a:latin typeface="Times New Roman" panose="02020603050405020304" pitchFamily="18" charset="0"/>
+                <a:cs typeface="Times New Roman" panose="02020603050405020304" pitchFamily="18" charset="0"/>
+              </a:rPr>
+              <a:t>conn</a:t>
+            </a:r>
+            <a:r>
+              <a:rPr lang="pt-BR" sz="2000" dirty="0">
+                <a:solidFill>
+                  <a:schemeClr val="tx1"/>
+                </a:solidFill>
+                <a:latin typeface="Times New Roman" panose="02020603050405020304" pitchFamily="18" charset="0"/>
+                <a:cs typeface="Times New Roman" panose="02020603050405020304" pitchFamily="18" charset="0"/>
+              </a:rPr>
+              <a:t> = </a:t>
+            </a:r>
+            <a:r>
+              <a:rPr lang="pt-BR" sz="2000" b="1" dirty="0" err="1">
+                <a:solidFill>
+                  <a:srgbClr val="FF0000"/>
+                </a:solidFill>
+                <a:latin typeface="Times New Roman" panose="02020603050405020304" pitchFamily="18" charset="0"/>
+                <a:cs typeface="Times New Roman" panose="02020603050405020304" pitchFamily="18" charset="0"/>
+              </a:rPr>
+              <a:t>mysqli_connect</a:t>
+            </a:r>
+            <a:r>
+              <a:rPr lang="pt-BR" sz="2000" dirty="0">
+                <a:solidFill>
+                  <a:schemeClr val="tx1"/>
+                </a:solidFill>
+                <a:latin typeface="Times New Roman" panose="02020603050405020304" pitchFamily="18" charset="0"/>
+                <a:cs typeface="Times New Roman" panose="02020603050405020304" pitchFamily="18" charset="0"/>
+              </a:rPr>
+              <a:t>($</a:t>
+            </a:r>
+            <a:r>
+              <a:rPr lang="pt-BR" sz="2000" b="1" dirty="0" err="1">
+                <a:solidFill>
+                  <a:schemeClr val="tx1"/>
+                </a:solidFill>
+                <a:latin typeface="Times New Roman" panose="02020603050405020304" pitchFamily="18" charset="0"/>
+                <a:cs typeface="Times New Roman" panose="02020603050405020304" pitchFamily="18" charset="0"/>
+              </a:rPr>
+              <a:t>hostname</a:t>
+            </a:r>
+            <a:r>
+              <a:rPr lang="pt-BR" sz="2000" dirty="0">
+                <a:solidFill>
+                  <a:schemeClr val="tx1"/>
+                </a:solidFill>
+                <a:latin typeface="Times New Roman" panose="02020603050405020304" pitchFamily="18" charset="0"/>
+                <a:cs typeface="Times New Roman" panose="02020603050405020304" pitchFamily="18" charset="0"/>
+              </a:rPr>
+              <a:t>, $</a:t>
+            </a:r>
+            <a:r>
+              <a:rPr lang="pt-BR" sz="2000" b="1" dirty="0" err="1">
+                <a:solidFill>
+                  <a:schemeClr val="tx1"/>
+                </a:solidFill>
+                <a:latin typeface="Times New Roman" panose="02020603050405020304" pitchFamily="18" charset="0"/>
+                <a:cs typeface="Times New Roman" panose="02020603050405020304" pitchFamily="18" charset="0"/>
+              </a:rPr>
+              <a:t>username</a:t>
+            </a:r>
+            <a:r>
+              <a:rPr lang="pt-BR" sz="2000" dirty="0">
+                <a:solidFill>
+                  <a:schemeClr val="tx1"/>
+                </a:solidFill>
+                <a:latin typeface="Times New Roman" panose="02020603050405020304" pitchFamily="18" charset="0"/>
+                <a:cs typeface="Times New Roman" panose="02020603050405020304" pitchFamily="18" charset="0"/>
+              </a:rPr>
+              <a:t>, $</a:t>
+            </a:r>
+            <a:r>
+              <a:rPr lang="pt-BR" sz="2000" b="1" dirty="0" err="1">
+                <a:solidFill>
+                  <a:schemeClr val="tx1"/>
+                </a:solidFill>
+                <a:latin typeface="Times New Roman" panose="02020603050405020304" pitchFamily="18" charset="0"/>
+                <a:cs typeface="Times New Roman" panose="02020603050405020304" pitchFamily="18" charset="0"/>
+              </a:rPr>
+              <a:t>password</a:t>
+            </a:r>
+            <a:r>
+              <a:rPr lang="pt-BR" sz="2000" dirty="0">
+                <a:solidFill>
+                  <a:schemeClr val="tx1"/>
+                </a:solidFill>
+                <a:latin typeface="Times New Roman" panose="02020603050405020304" pitchFamily="18" charset="0"/>
+                <a:cs typeface="Times New Roman" panose="02020603050405020304" pitchFamily="18" charset="0"/>
+              </a:rPr>
+              <a:t>, $</a:t>
+            </a:r>
+            <a:r>
+              <a:rPr lang="pt-BR" sz="2000" b="1" dirty="0" err="1">
+                <a:solidFill>
+                  <a:schemeClr val="tx1"/>
+                </a:solidFill>
+                <a:latin typeface="Times New Roman" panose="02020603050405020304" pitchFamily="18" charset="0"/>
+                <a:cs typeface="Times New Roman" panose="02020603050405020304" pitchFamily="18" charset="0"/>
+              </a:rPr>
+              <a:t>database</a:t>
+            </a:r>
+            <a:r>
+              <a:rPr lang="pt-BR" sz="2000" dirty="0">
+                <a:solidFill>
+                  <a:schemeClr val="tx1"/>
+                </a:solidFill>
+                <a:latin typeface="Times New Roman" panose="02020603050405020304" pitchFamily="18" charset="0"/>
+                <a:cs typeface="Times New Roman" panose="02020603050405020304" pitchFamily="18" charset="0"/>
+              </a:rPr>
+              <a:t>);</a:t>
+            </a:r>
+          </a:p>
+          <a:p>
+            <a:pPr marL="0" indent="0" algn="just">
+              <a:buNone/>
+            </a:pPr>
+            <a:endParaRPr lang="pt-BR" sz="2000" dirty="0">
               <a:solidFill>
                 <a:schemeClr val="tx1"/>
               </a:solidFill>
@@ -33910,7 +34225,152 @@
             <a:pPr marL="0" indent="0" algn="just">
               <a:buNone/>
             </a:pPr>
-            <a:endParaRPr lang="pt-BR" sz="2400" dirty="0">
+            <a:r>
+              <a:rPr lang="pt-BR" sz="2000" dirty="0" err="1">
+                <a:solidFill>
+                  <a:schemeClr val="tx1"/>
+                </a:solidFill>
+                <a:latin typeface="Times New Roman" panose="02020603050405020304" pitchFamily="18" charset="0"/>
+                <a:cs typeface="Times New Roman" panose="02020603050405020304" pitchFamily="18" charset="0"/>
+              </a:rPr>
+              <a:t>if</a:t>
+            </a:r>
+            <a:r>
+              <a:rPr lang="pt-BR" sz="2000" dirty="0">
+                <a:solidFill>
+                  <a:schemeClr val="tx1"/>
+                </a:solidFill>
+                <a:latin typeface="Times New Roman" panose="02020603050405020304" pitchFamily="18" charset="0"/>
+                <a:cs typeface="Times New Roman" panose="02020603050405020304" pitchFamily="18" charset="0"/>
+              </a:rPr>
+              <a:t> (!$</a:t>
+            </a:r>
+            <a:r>
+              <a:rPr lang="pt-BR" sz="2000" b="1" dirty="0" err="1">
+                <a:solidFill>
+                  <a:schemeClr val="tx1"/>
+                </a:solidFill>
+                <a:latin typeface="Times New Roman" panose="02020603050405020304" pitchFamily="18" charset="0"/>
+                <a:cs typeface="Times New Roman" panose="02020603050405020304" pitchFamily="18" charset="0"/>
+              </a:rPr>
+              <a:t>conn</a:t>
+            </a:r>
+            <a:r>
+              <a:rPr lang="pt-BR" sz="2000" dirty="0">
+                <a:solidFill>
+                  <a:schemeClr val="tx1"/>
+                </a:solidFill>
+                <a:latin typeface="Times New Roman" panose="02020603050405020304" pitchFamily="18" charset="0"/>
+                <a:cs typeface="Times New Roman" panose="02020603050405020304" pitchFamily="18" charset="0"/>
+              </a:rPr>
+              <a:t>) { // </a:t>
+            </a:r>
+            <a:r>
+              <a:rPr lang="pt-BR" sz="2000" b="1" dirty="0" err="1">
+                <a:solidFill>
+                  <a:schemeClr val="tx1"/>
+                </a:solidFill>
+                <a:latin typeface="Times New Roman" panose="02020603050405020304" pitchFamily="18" charset="0"/>
+                <a:cs typeface="Times New Roman" panose="02020603050405020304" pitchFamily="18" charset="0"/>
+              </a:rPr>
+              <a:t>Check</a:t>
+            </a:r>
+            <a:r>
+              <a:rPr lang="pt-BR" sz="2000" b="1" dirty="0">
+                <a:solidFill>
+                  <a:schemeClr val="tx1"/>
+                </a:solidFill>
+                <a:latin typeface="Times New Roman" panose="02020603050405020304" pitchFamily="18" charset="0"/>
+                <a:cs typeface="Times New Roman" panose="02020603050405020304" pitchFamily="18" charset="0"/>
+              </a:rPr>
+              <a:t> connection</a:t>
+            </a:r>
+          </a:p>
+          <a:p>
+            <a:pPr marL="0" indent="0" algn="just">
+              <a:buNone/>
+            </a:pPr>
+            <a:r>
+              <a:rPr lang="pt-BR" sz="2000" dirty="0">
+                <a:solidFill>
+                  <a:schemeClr val="tx1"/>
+                </a:solidFill>
+                <a:latin typeface="Times New Roman" panose="02020603050405020304" pitchFamily="18" charset="0"/>
+                <a:cs typeface="Times New Roman" panose="02020603050405020304" pitchFamily="18" charset="0"/>
+              </a:rPr>
+              <a:t>  </a:t>
+            </a:r>
+            <a:r>
+              <a:rPr lang="pt-BR" sz="2000" b="1" dirty="0">
+                <a:solidFill>
+                  <a:schemeClr val="tx1"/>
+                </a:solidFill>
+                <a:latin typeface="Times New Roman" panose="02020603050405020304" pitchFamily="18" charset="0"/>
+                <a:cs typeface="Times New Roman" panose="02020603050405020304" pitchFamily="18" charset="0"/>
+              </a:rPr>
+              <a:t>die</a:t>
+            </a:r>
+            <a:r>
+              <a:rPr lang="pt-BR" sz="2000" dirty="0">
+                <a:solidFill>
+                  <a:schemeClr val="tx1"/>
+                </a:solidFill>
+                <a:latin typeface="Times New Roman" panose="02020603050405020304" pitchFamily="18" charset="0"/>
+                <a:cs typeface="Times New Roman" panose="02020603050405020304" pitchFamily="18" charset="0"/>
+              </a:rPr>
+              <a:t>(“Falha na Conexão: " . </a:t>
+            </a:r>
+            <a:r>
+              <a:rPr lang="pt-BR" sz="2000" b="1" dirty="0" err="1">
+                <a:solidFill>
+                  <a:srgbClr val="FF0000"/>
+                </a:solidFill>
+                <a:latin typeface="Times New Roman" panose="02020603050405020304" pitchFamily="18" charset="0"/>
+                <a:cs typeface="Times New Roman" panose="02020603050405020304" pitchFamily="18" charset="0"/>
+              </a:rPr>
+              <a:t>mysqli_connect_error</a:t>
+            </a:r>
+            <a:r>
+              <a:rPr lang="pt-BR" sz="2000" dirty="0">
+                <a:solidFill>
+                  <a:schemeClr val="tx1"/>
+                </a:solidFill>
+                <a:latin typeface="Times New Roman" panose="02020603050405020304" pitchFamily="18" charset="0"/>
+                <a:cs typeface="Times New Roman" panose="02020603050405020304" pitchFamily="18" charset="0"/>
+              </a:rPr>
+              <a:t>()); }</a:t>
+            </a:r>
+          </a:p>
+          <a:p>
+            <a:pPr marL="0" indent="0" algn="just">
+              <a:buNone/>
+            </a:pPr>
+            <a:r>
+              <a:rPr lang="pt-BR" sz="2000" b="1" dirty="0" err="1">
+                <a:solidFill>
+                  <a:schemeClr val="tx1"/>
+                </a:solidFill>
+                <a:latin typeface="Times New Roman" panose="02020603050405020304" pitchFamily="18" charset="0"/>
+                <a:cs typeface="Times New Roman" panose="02020603050405020304" pitchFamily="18" charset="0"/>
+              </a:rPr>
+              <a:t>echo</a:t>
+            </a:r>
+            <a:r>
+              <a:rPr lang="pt-BR" sz="2000" dirty="0">
+                <a:solidFill>
+                  <a:schemeClr val="tx1"/>
+                </a:solidFill>
+                <a:latin typeface="Times New Roman" panose="02020603050405020304" pitchFamily="18" charset="0"/>
+                <a:cs typeface="Times New Roman" panose="02020603050405020304" pitchFamily="18" charset="0"/>
+              </a:rPr>
+              <a:t> "Conectado com sucesso!!!";</a:t>
+            </a:r>
+          </a:p>
+          <a:p>
+            <a:pPr marL="0" indent="0" algn="just">
+              <a:buNone/>
+            </a:pPr>
+            <a:endParaRPr lang="pt-BR" sz="2000" dirty="0">
               <a:solidFill>
                 <a:schemeClr val="tx1"/>
               </a:solidFill>
@@ -33918,24 +34378,12 @@
               <a:cs typeface="Times New Roman" panose="02020603050405020304" pitchFamily="18" charset="0"/>
             </a:endParaRPr>
           </a:p>
-          <a:p>
-            <a:pPr marL="0" indent="0" algn="just">
-              <a:buNone/>
-            </a:pPr>
-            <a:endParaRPr lang="pt-BR" sz="2400" dirty="0">
-              <a:solidFill>
-                <a:schemeClr val="tx1"/>
-              </a:solidFill>
-              <a:latin typeface="Times New Roman" panose="02020603050405020304" pitchFamily="18" charset="0"/>
-              <a:cs typeface="Times New Roman" panose="02020603050405020304" pitchFamily="18" charset="0"/>
-            </a:endParaRPr>
-          </a:p>
         </p:txBody>
       </p:sp>
     </p:spTree>
     <p:extLst>
       <p:ext uri="{BB962C8B-B14F-4D97-AF65-F5344CB8AC3E}">
-        <p14:creationId xmlns:p14="http://schemas.microsoft.com/office/powerpoint/2010/main" val="1423707929"/>
+        <p14:creationId xmlns:p14="http://schemas.microsoft.com/office/powerpoint/2010/main" val="3409876642"/>
       </p:ext>
     </p:extLst>
   </p:cSld>
@@ -33986,12 +34434,20 @@
           <a:lstStyle/>
           <a:p>
             <a:r>
+              <a:rPr lang="en-US" b="1" dirty="0">
+                <a:solidFill>
+                  <a:srgbClr val="0070C0"/>
+                </a:solidFill>
+              </a:rPr>
+              <a:t>PHP – BD MySQL </a:t>
+            </a:r>
+            <a:r>
               <a:rPr lang="en-US" b="1" dirty="0" err="1">
                 <a:solidFill>
                   <a:srgbClr val="0070C0"/>
                 </a:solidFill>
               </a:rPr>
-              <a:t>Leitura</a:t>
+              <a:t>Opção</a:t>
             </a:r>
             <a:r>
               <a:rPr lang="en-US" b="1" dirty="0">
@@ -33999,21 +34455,8 @@
                   <a:srgbClr val="0070C0"/>
                 </a:solidFill>
               </a:rPr>
-              <a:t> </a:t>
-            </a:r>
-            <a:r>
-              <a:rPr lang="en-US" b="1" dirty="0" err="1">
-                <a:solidFill>
-                  <a:srgbClr val="0070C0"/>
-                </a:solidFill>
-              </a:rPr>
-              <a:t>Específica</a:t>
-            </a:r>
-            <a:endParaRPr lang="en-US" b="1" dirty="0">
-              <a:solidFill>
-                <a:srgbClr val="0070C0"/>
-              </a:solidFill>
-            </a:endParaRPr>
+              <a:t> 2</a:t>
+            </a:r>
           </a:p>
         </p:txBody>
       </p:sp>
@@ -34029,8 +34472,8 @@
         </p:nvSpPr>
         <p:spPr>
           <a:xfrm>
-            <a:off x="142865" y="1012261"/>
-            <a:ext cx="8865056" cy="3835312"/>
+            <a:off x="142865" y="1037312"/>
+            <a:ext cx="8865056" cy="3900208"/>
           </a:xfrm>
         </p:spPr>
         <p:txBody>
@@ -34042,7 +34485,30 @@
             <a:pPr marL="0" indent="0" algn="just">
               <a:buNone/>
             </a:pPr>
-            <a:endParaRPr lang="pt-BR" sz="2000" dirty="0">
+            <a:r>
+              <a:rPr lang="pt-BR" sz="2000" dirty="0">
+                <a:solidFill>
+                  <a:schemeClr val="tx1"/>
+                </a:solidFill>
+                <a:latin typeface="Times New Roman" panose="02020603050405020304" pitchFamily="18" charset="0"/>
+                <a:cs typeface="Times New Roman" panose="02020603050405020304" pitchFamily="18" charset="0"/>
+              </a:rPr>
+              <a:t>&lt;?</a:t>
+            </a:r>
+            <a:r>
+              <a:rPr lang="pt-BR" sz="2000" b="1" dirty="0" err="1">
+                <a:solidFill>
+                  <a:srgbClr val="0070C0"/>
+                </a:solidFill>
+                <a:latin typeface="Times New Roman" panose="02020603050405020304" pitchFamily="18" charset="0"/>
+                <a:cs typeface="Times New Roman" panose="02020603050405020304" pitchFamily="18" charset="0"/>
+              </a:rPr>
+              <a:t>php</a:t>
+            </a:r>
+            <a:endParaRPr lang="pt-BR" sz="2000" b="1" dirty="0">
+              <a:solidFill>
+                <a:srgbClr val="0070C0"/>
+              </a:solidFill>
               <a:latin typeface="Times New Roman" panose="02020603050405020304" pitchFamily="18" charset="0"/>
               <a:cs typeface="Times New Roman" panose="02020603050405020304" pitchFamily="18" charset="0"/>
             </a:endParaRPr>
@@ -34053,46 +34519,413 @@
             </a:pPr>
             <a:r>
               <a:rPr lang="pt-BR" sz="2000" dirty="0">
-                <a:latin typeface="Times New Roman" panose="02020603050405020304" pitchFamily="18" charset="0"/>
-                <a:cs typeface="Times New Roman" panose="02020603050405020304" pitchFamily="18" charset="0"/>
-              </a:rPr>
-              <a:t>[1] </a:t>
+                <a:solidFill>
+                  <a:schemeClr val="tx1"/>
+                </a:solidFill>
+                <a:latin typeface="Times New Roman" panose="02020603050405020304" pitchFamily="18" charset="0"/>
+                <a:cs typeface="Times New Roman" panose="02020603050405020304" pitchFamily="18" charset="0"/>
+              </a:rPr>
+              <a:t>$</a:t>
+            </a:r>
+            <a:r>
+              <a:rPr lang="pt-BR" sz="2000" b="1" dirty="0" err="1">
+                <a:solidFill>
+                  <a:schemeClr val="tx1"/>
+                </a:solidFill>
+                <a:latin typeface="Times New Roman" panose="02020603050405020304" pitchFamily="18" charset="0"/>
+                <a:cs typeface="Times New Roman" panose="02020603050405020304" pitchFamily="18" charset="0"/>
+              </a:rPr>
+              <a:t>hostname</a:t>
+            </a:r>
+            <a:r>
+              <a:rPr lang="pt-BR" sz="2000" dirty="0">
+                <a:solidFill>
+                  <a:schemeClr val="tx1"/>
+                </a:solidFill>
+                <a:latin typeface="Times New Roman" panose="02020603050405020304" pitchFamily="18" charset="0"/>
+                <a:cs typeface="Times New Roman" panose="02020603050405020304" pitchFamily="18" charset="0"/>
+              </a:rPr>
+              <a:t> = "</a:t>
+            </a:r>
+            <a:r>
+              <a:rPr lang="pt-BR" sz="2000" dirty="0" err="1">
+                <a:solidFill>
+                  <a:schemeClr val="tx1"/>
+                </a:solidFill>
+                <a:latin typeface="Times New Roman" panose="02020603050405020304" pitchFamily="18" charset="0"/>
+                <a:cs typeface="Times New Roman" panose="02020603050405020304" pitchFamily="18" charset="0"/>
+              </a:rPr>
+              <a:t>localhost</a:t>
+            </a:r>
+            <a:r>
+              <a:rPr lang="pt-BR" sz="2000" dirty="0">
+                <a:solidFill>
+                  <a:schemeClr val="tx1"/>
+                </a:solidFill>
+                <a:latin typeface="Times New Roman" panose="02020603050405020304" pitchFamily="18" charset="0"/>
+                <a:cs typeface="Times New Roman" panose="02020603050405020304" pitchFamily="18" charset="0"/>
+              </a:rPr>
+              <a:t>"; $</a:t>
+            </a:r>
+            <a:r>
+              <a:rPr lang="pt-BR" sz="2000" b="1" dirty="0" err="1">
+                <a:solidFill>
+                  <a:schemeClr val="tx1"/>
+                </a:solidFill>
+                <a:latin typeface="Times New Roman" panose="02020603050405020304" pitchFamily="18" charset="0"/>
+                <a:cs typeface="Times New Roman" panose="02020603050405020304" pitchFamily="18" charset="0"/>
+              </a:rPr>
+              <a:t>bd</a:t>
+            </a:r>
+            <a:r>
+              <a:rPr lang="pt-BR" sz="2000" dirty="0">
+                <a:solidFill>
+                  <a:schemeClr val="tx1"/>
+                </a:solidFill>
+                <a:latin typeface="Times New Roman" panose="02020603050405020304" pitchFamily="18" charset="0"/>
+                <a:cs typeface="Times New Roman" panose="02020603050405020304" pitchFamily="18" charset="0"/>
+              </a:rPr>
+              <a:t> = "</a:t>
+            </a:r>
+            <a:r>
+              <a:rPr lang="pt-BR" sz="2000" dirty="0" err="1">
+                <a:solidFill>
+                  <a:schemeClr val="tx1"/>
+                </a:solidFill>
+                <a:latin typeface="Times New Roman" panose="02020603050405020304" pitchFamily="18" charset="0"/>
+                <a:cs typeface="Times New Roman" panose="02020603050405020304" pitchFamily="18" charset="0"/>
+              </a:rPr>
+              <a:t>coursejdbc</a:t>
+            </a:r>
+            <a:r>
+              <a:rPr lang="pt-BR" sz="2000" dirty="0">
+                <a:solidFill>
+                  <a:schemeClr val="tx1"/>
+                </a:solidFill>
+                <a:latin typeface="Times New Roman" panose="02020603050405020304" pitchFamily="18" charset="0"/>
+                <a:cs typeface="Times New Roman" panose="02020603050405020304" pitchFamily="18" charset="0"/>
+              </a:rPr>
+              <a:t>"; $</a:t>
+            </a:r>
+            <a:r>
+              <a:rPr lang="pt-BR" sz="2000" b="1" dirty="0" err="1">
+                <a:solidFill>
+                  <a:schemeClr val="tx1"/>
+                </a:solidFill>
+                <a:latin typeface="Times New Roman" panose="02020603050405020304" pitchFamily="18" charset="0"/>
+                <a:cs typeface="Times New Roman" panose="02020603050405020304" pitchFamily="18" charset="0"/>
+              </a:rPr>
+              <a:t>user</a:t>
+            </a:r>
+            <a:r>
+              <a:rPr lang="pt-BR" sz="2000" dirty="0">
+                <a:solidFill>
+                  <a:schemeClr val="tx1"/>
+                </a:solidFill>
+                <a:latin typeface="Times New Roman" panose="02020603050405020304" pitchFamily="18" charset="0"/>
+                <a:cs typeface="Times New Roman" panose="02020603050405020304" pitchFamily="18" charset="0"/>
+              </a:rPr>
+              <a:t> = “???"; $</a:t>
+            </a:r>
+            <a:r>
+              <a:rPr lang="pt-BR" sz="2000" b="1" dirty="0" err="1">
+                <a:solidFill>
+                  <a:schemeClr val="tx1"/>
+                </a:solidFill>
+                <a:latin typeface="Times New Roman" panose="02020603050405020304" pitchFamily="18" charset="0"/>
+                <a:cs typeface="Times New Roman" panose="02020603050405020304" pitchFamily="18" charset="0"/>
+              </a:rPr>
+              <a:t>pwd</a:t>
+            </a:r>
+            <a:r>
+              <a:rPr lang="pt-BR" sz="2000" dirty="0">
+                <a:solidFill>
+                  <a:schemeClr val="tx1"/>
+                </a:solidFill>
+                <a:latin typeface="Times New Roman" panose="02020603050405020304" pitchFamily="18" charset="0"/>
+                <a:cs typeface="Times New Roman" panose="02020603050405020304" pitchFamily="18" charset="0"/>
+              </a:rPr>
+              <a:t> = “???";</a:t>
+            </a:r>
+          </a:p>
+          <a:p>
+            <a:pPr marL="0" indent="0" algn="just">
+              <a:buNone/>
+            </a:pPr>
+            <a:r>
+              <a:rPr lang="pt-BR" sz="2000" dirty="0">
+                <a:solidFill>
+                  <a:schemeClr val="tx1"/>
+                </a:solidFill>
+                <a:latin typeface="Times New Roman" panose="02020603050405020304" pitchFamily="18" charset="0"/>
+                <a:cs typeface="Times New Roman" panose="02020603050405020304" pitchFamily="18" charset="0"/>
+              </a:rPr>
+              <a:t>$</a:t>
+            </a:r>
+            <a:r>
+              <a:rPr lang="pt-BR" sz="2000" b="1" dirty="0" err="1">
+                <a:solidFill>
+                  <a:schemeClr val="tx1"/>
+                </a:solidFill>
+                <a:latin typeface="Times New Roman" panose="02020603050405020304" pitchFamily="18" charset="0"/>
+                <a:cs typeface="Times New Roman" panose="02020603050405020304" pitchFamily="18" charset="0"/>
+              </a:rPr>
+              <a:t>mysqli</a:t>
+            </a:r>
+            <a:r>
+              <a:rPr lang="pt-BR" sz="2000" dirty="0">
+                <a:solidFill>
+                  <a:schemeClr val="tx1"/>
+                </a:solidFill>
+                <a:latin typeface="Times New Roman" panose="02020603050405020304" pitchFamily="18" charset="0"/>
+                <a:cs typeface="Times New Roman" panose="02020603050405020304" pitchFamily="18" charset="0"/>
+              </a:rPr>
+              <a:t> = </a:t>
             </a:r>
             <a:r>
               <a:rPr lang="pt-BR" sz="2000" b="1" dirty="0">
-                <a:latin typeface="Times New Roman" panose="02020603050405020304" pitchFamily="18" charset="0"/>
-                <a:cs typeface="Times New Roman" panose="02020603050405020304" pitchFamily="18" charset="0"/>
-              </a:rPr>
-              <a:t>PHP</a:t>
-            </a:r>
-          </a:p>
-          <a:p>
-            <a:pPr marL="0" indent="0" algn="just">
-              <a:buNone/>
-            </a:pPr>
+                <a:solidFill>
+                  <a:srgbClr val="FF0000"/>
+                </a:solidFill>
+                <a:latin typeface="Times New Roman" panose="02020603050405020304" pitchFamily="18" charset="0"/>
+                <a:cs typeface="Times New Roman" panose="02020603050405020304" pitchFamily="18" charset="0"/>
+              </a:rPr>
+              <a:t>new </a:t>
+            </a:r>
+            <a:r>
+              <a:rPr lang="pt-BR" sz="2000" b="1" dirty="0" err="1">
+                <a:solidFill>
+                  <a:srgbClr val="FF0000"/>
+                </a:solidFill>
+                <a:latin typeface="Times New Roman" panose="02020603050405020304" pitchFamily="18" charset="0"/>
+                <a:cs typeface="Times New Roman" panose="02020603050405020304" pitchFamily="18" charset="0"/>
+              </a:rPr>
+              <a:t>mysqli</a:t>
+            </a:r>
+            <a:r>
+              <a:rPr lang="pt-BR" sz="2000" dirty="0">
+                <a:solidFill>
+                  <a:schemeClr val="tx1"/>
+                </a:solidFill>
+                <a:latin typeface="Times New Roman" panose="02020603050405020304" pitchFamily="18" charset="0"/>
+                <a:cs typeface="Times New Roman" panose="02020603050405020304" pitchFamily="18" charset="0"/>
+              </a:rPr>
+              <a:t>($</a:t>
+            </a:r>
+            <a:r>
+              <a:rPr lang="pt-BR" sz="2000" b="1" dirty="0" err="1">
+                <a:solidFill>
+                  <a:schemeClr val="tx1"/>
+                </a:solidFill>
+                <a:latin typeface="Times New Roman" panose="02020603050405020304" pitchFamily="18" charset="0"/>
+                <a:cs typeface="Times New Roman" panose="02020603050405020304" pitchFamily="18" charset="0"/>
+              </a:rPr>
+              <a:t>hostname</a:t>
+            </a:r>
+            <a:r>
+              <a:rPr lang="pt-BR" sz="2000" dirty="0">
+                <a:solidFill>
+                  <a:schemeClr val="tx1"/>
+                </a:solidFill>
+                <a:latin typeface="Times New Roman" panose="02020603050405020304" pitchFamily="18" charset="0"/>
+                <a:cs typeface="Times New Roman" panose="02020603050405020304" pitchFamily="18" charset="0"/>
+              </a:rPr>
+              <a:t>, $</a:t>
+            </a:r>
+            <a:r>
+              <a:rPr lang="pt-BR" sz="2000" b="1" dirty="0" err="1">
+                <a:solidFill>
+                  <a:schemeClr val="tx1"/>
+                </a:solidFill>
+                <a:latin typeface="Times New Roman" panose="02020603050405020304" pitchFamily="18" charset="0"/>
+                <a:cs typeface="Times New Roman" panose="02020603050405020304" pitchFamily="18" charset="0"/>
+              </a:rPr>
+              <a:t>user</a:t>
+            </a:r>
+            <a:r>
+              <a:rPr lang="pt-BR" sz="2000" dirty="0">
+                <a:solidFill>
+                  <a:schemeClr val="tx1"/>
+                </a:solidFill>
+                <a:latin typeface="Times New Roman" panose="02020603050405020304" pitchFamily="18" charset="0"/>
+                <a:cs typeface="Times New Roman" panose="02020603050405020304" pitchFamily="18" charset="0"/>
+              </a:rPr>
+              <a:t>, $</a:t>
+            </a:r>
+            <a:r>
+              <a:rPr lang="pt-BR" sz="2000" b="1" dirty="0" err="1">
+                <a:solidFill>
+                  <a:schemeClr val="tx1"/>
+                </a:solidFill>
+                <a:latin typeface="Times New Roman" panose="02020603050405020304" pitchFamily="18" charset="0"/>
+                <a:cs typeface="Times New Roman" panose="02020603050405020304" pitchFamily="18" charset="0"/>
+              </a:rPr>
+              <a:t>pwd</a:t>
+            </a:r>
+            <a:r>
+              <a:rPr lang="pt-BR" sz="2000" dirty="0">
+                <a:solidFill>
+                  <a:schemeClr val="tx1"/>
+                </a:solidFill>
+                <a:latin typeface="Times New Roman" panose="02020603050405020304" pitchFamily="18" charset="0"/>
+                <a:cs typeface="Times New Roman" panose="02020603050405020304" pitchFamily="18" charset="0"/>
+              </a:rPr>
+              <a:t>, $</a:t>
+            </a:r>
+            <a:r>
+              <a:rPr lang="pt-BR" sz="2000" b="1" dirty="0" err="1">
+                <a:solidFill>
+                  <a:schemeClr val="tx1"/>
+                </a:solidFill>
+                <a:latin typeface="Times New Roman" panose="02020603050405020304" pitchFamily="18" charset="0"/>
+                <a:cs typeface="Times New Roman" panose="02020603050405020304" pitchFamily="18" charset="0"/>
+              </a:rPr>
+              <a:t>bd</a:t>
+            </a:r>
+            <a:r>
+              <a:rPr lang="pt-BR" sz="2000" dirty="0">
+                <a:solidFill>
+                  <a:schemeClr val="tx1"/>
+                </a:solidFill>
+                <a:latin typeface="Times New Roman" panose="02020603050405020304" pitchFamily="18" charset="0"/>
+                <a:cs typeface="Times New Roman" panose="02020603050405020304" pitchFamily="18" charset="0"/>
+              </a:rPr>
+              <a:t>);</a:t>
+            </a:r>
+          </a:p>
+          <a:p>
+            <a:pPr marL="0" indent="0" algn="just">
+              <a:buNone/>
+            </a:pPr>
+            <a:r>
+              <a:rPr lang="pt-BR" sz="2000" dirty="0">
+                <a:solidFill>
+                  <a:schemeClr val="tx1"/>
+                </a:solidFill>
+                <a:latin typeface="Times New Roman" panose="02020603050405020304" pitchFamily="18" charset="0"/>
+                <a:cs typeface="Times New Roman" panose="02020603050405020304" pitchFamily="18" charset="0"/>
+              </a:rPr>
+              <a:t>$</a:t>
+            </a:r>
+            <a:r>
+              <a:rPr lang="pt-BR" sz="2000" b="1" dirty="0" err="1">
+                <a:solidFill>
+                  <a:schemeClr val="tx1"/>
+                </a:solidFill>
+                <a:latin typeface="Times New Roman" panose="02020603050405020304" pitchFamily="18" charset="0"/>
+                <a:cs typeface="Times New Roman" panose="02020603050405020304" pitchFamily="18" charset="0"/>
+              </a:rPr>
+              <a:t>mysqli</a:t>
+            </a:r>
             <a:r>
               <a:rPr lang="pt-BR" sz="2000" b="1" dirty="0">
-                <a:latin typeface="Times New Roman" panose="02020603050405020304" pitchFamily="18" charset="0"/>
-                <a:cs typeface="Times New Roman" panose="02020603050405020304" pitchFamily="18" charset="0"/>
-              </a:rPr>
-              <a:t>	Disponível em</a:t>
+                <a:solidFill>
+                  <a:schemeClr val="tx1"/>
+                </a:solidFill>
+                <a:latin typeface="Times New Roman" panose="02020603050405020304" pitchFamily="18" charset="0"/>
+                <a:cs typeface="Times New Roman" panose="02020603050405020304" pitchFamily="18" charset="0"/>
+              </a:rPr>
+              <a:t> </a:t>
             </a:r>
             <a:r>
               <a:rPr lang="pt-BR" sz="2000" dirty="0">
-                <a:latin typeface="Times New Roman" panose="02020603050405020304" pitchFamily="18" charset="0"/>
-                <a:cs typeface="Times New Roman" panose="02020603050405020304" pitchFamily="18" charset="0"/>
-              </a:rPr>
-              <a:t>: </a:t>
+                <a:solidFill>
+                  <a:schemeClr val="tx1"/>
+                </a:solidFill>
+                <a:latin typeface="Times New Roman" panose="02020603050405020304" pitchFamily="18" charset="0"/>
+                <a:cs typeface="Times New Roman" panose="02020603050405020304" pitchFamily="18" charset="0"/>
+              </a:rPr>
+              <a:t>-&gt; </a:t>
+            </a:r>
+            <a:r>
+              <a:rPr lang="pt-BR" sz="2000" b="1" dirty="0" err="1">
+                <a:solidFill>
+                  <a:srgbClr val="0070C0"/>
+                </a:solidFill>
+                <a:latin typeface="Times New Roman" panose="02020603050405020304" pitchFamily="18" charset="0"/>
+                <a:cs typeface="Times New Roman" panose="02020603050405020304" pitchFamily="18" charset="0"/>
+              </a:rPr>
+              <a:t>set_charset</a:t>
             </a:r>
             <a:r>
               <a:rPr lang="pt-BR" sz="2000" dirty="0">
-                <a:latin typeface="Times New Roman" panose="02020603050405020304" pitchFamily="18" charset="0"/>
-                <a:cs typeface="Times New Roman" panose="02020603050405020304" pitchFamily="18" charset="0"/>
-                <a:hlinkClick r:id="rId3"/>
-              </a:rPr>
-              <a:t>https://www.php.net/</a:t>
-            </a:r>
+                <a:solidFill>
+                  <a:schemeClr val="tx1"/>
+                </a:solidFill>
+                <a:latin typeface="Times New Roman" panose="02020603050405020304" pitchFamily="18" charset="0"/>
+                <a:cs typeface="Times New Roman" panose="02020603050405020304" pitchFamily="18" charset="0"/>
+              </a:rPr>
+              <a:t>(</a:t>
+            </a:r>
+            <a:r>
+              <a:rPr lang="pt-BR" sz="2000" b="1" dirty="0">
+                <a:solidFill>
+                  <a:srgbClr val="FF0000"/>
+                </a:solidFill>
+                <a:latin typeface="Times New Roman" panose="02020603050405020304" pitchFamily="18" charset="0"/>
+                <a:cs typeface="Times New Roman" panose="02020603050405020304" pitchFamily="18" charset="0"/>
+              </a:rPr>
+              <a:t>'utf8</a:t>
+            </a:r>
+            <a:r>
+              <a:rPr lang="pt-BR" sz="2000" dirty="0">
+                <a:solidFill>
+                  <a:schemeClr val="tx1"/>
+                </a:solidFill>
+                <a:latin typeface="Times New Roman" panose="02020603050405020304" pitchFamily="18" charset="0"/>
+                <a:cs typeface="Times New Roman" panose="02020603050405020304" pitchFamily="18" charset="0"/>
+              </a:rPr>
+              <a:t>’); // </a:t>
+            </a:r>
+            <a:r>
+              <a:rPr lang="pt-BR" sz="2000" b="1" dirty="0" err="1">
+                <a:solidFill>
+                  <a:srgbClr val="FF0000"/>
+                </a:solidFill>
+                <a:latin typeface="Times New Roman" panose="02020603050405020304" pitchFamily="18" charset="0"/>
+                <a:cs typeface="Times New Roman" panose="02020603050405020304" pitchFamily="18" charset="0"/>
+              </a:rPr>
+              <a:t>var_dump</a:t>
+            </a:r>
+            <a:r>
+              <a:rPr lang="pt-BR" sz="2000" dirty="0">
+                <a:solidFill>
+                  <a:schemeClr val="tx1"/>
+                </a:solidFill>
+                <a:latin typeface="Times New Roman" panose="02020603050405020304" pitchFamily="18" charset="0"/>
+                <a:cs typeface="Times New Roman" panose="02020603050405020304" pitchFamily="18" charset="0"/>
+              </a:rPr>
+              <a:t>($</a:t>
+            </a:r>
+            <a:r>
+              <a:rPr lang="pt-BR" sz="2000" b="1" dirty="0" err="1">
+                <a:solidFill>
+                  <a:schemeClr val="tx1"/>
+                </a:solidFill>
+                <a:latin typeface="Times New Roman" panose="02020603050405020304" pitchFamily="18" charset="0"/>
+                <a:cs typeface="Times New Roman" panose="02020603050405020304" pitchFamily="18" charset="0"/>
+              </a:rPr>
+              <a:t>mysqli</a:t>
+            </a:r>
+            <a:r>
+              <a:rPr lang="pt-BR" sz="2000" dirty="0">
+                <a:solidFill>
+                  <a:schemeClr val="tx1"/>
+                </a:solidFill>
+                <a:latin typeface="Times New Roman" panose="02020603050405020304" pitchFamily="18" charset="0"/>
+                <a:cs typeface="Times New Roman" panose="02020603050405020304" pitchFamily="18" charset="0"/>
+              </a:rPr>
+              <a:t>);</a:t>
+            </a:r>
+          </a:p>
+          <a:p>
+            <a:pPr marL="0" indent="0" algn="just">
+              <a:buNone/>
+            </a:pPr>
             <a:endParaRPr lang="pt-BR" sz="2000" dirty="0">
+              <a:solidFill>
+                <a:schemeClr val="tx1"/>
+              </a:solidFill>
               <a:latin typeface="Times New Roman" panose="02020603050405020304" pitchFamily="18" charset="0"/>
               <a:cs typeface="Times New Roman" panose="02020603050405020304" pitchFamily="18" charset="0"/>
             </a:endParaRPr>
@@ -34101,92 +34934,423 @@
             <a:pPr marL="0" indent="0" algn="just">
               <a:buNone/>
             </a:pPr>
-            <a:endParaRPr lang="pt-BR" sz="2000" dirty="0">
-              <a:latin typeface="Times New Roman" panose="02020603050405020304" pitchFamily="18" charset="0"/>
-              <a:cs typeface="Times New Roman" panose="02020603050405020304" pitchFamily="18" charset="0"/>
-            </a:endParaRPr>
-          </a:p>
-          <a:p>
-            <a:pPr marL="0" indent="0" algn="just">
-              <a:buNone/>
-            </a:pPr>
-            <a:endParaRPr lang="pt-BR" sz="2000" dirty="0">
-              <a:latin typeface="Times New Roman" panose="02020603050405020304" pitchFamily="18" charset="0"/>
-              <a:cs typeface="Times New Roman" panose="02020603050405020304" pitchFamily="18" charset="0"/>
-            </a:endParaRPr>
-          </a:p>
-          <a:p>
-            <a:pPr marL="0" indent="0" algn="just">
-              <a:buNone/>
-            </a:pPr>
+            <a:r>
+              <a:rPr lang="pt-BR" sz="2000" b="1" dirty="0" err="1">
+                <a:solidFill>
+                  <a:schemeClr val="tx1"/>
+                </a:solidFill>
+                <a:latin typeface="Times New Roman" panose="02020603050405020304" pitchFamily="18" charset="0"/>
+                <a:cs typeface="Times New Roman" panose="02020603050405020304" pitchFamily="18" charset="0"/>
+              </a:rPr>
+              <a:t>try</a:t>
+            </a:r>
             <a:r>
               <a:rPr lang="pt-BR" sz="2000" dirty="0">
-                <a:latin typeface="Times New Roman" panose="02020603050405020304" pitchFamily="18" charset="0"/>
-                <a:cs typeface="Times New Roman" panose="02020603050405020304" pitchFamily="18" charset="0"/>
-              </a:rPr>
-              <a:t>[2] </a:t>
+                <a:solidFill>
+                  <a:schemeClr val="tx1"/>
+                </a:solidFill>
+                <a:latin typeface="Times New Roman" panose="02020603050405020304" pitchFamily="18" charset="0"/>
+                <a:cs typeface="Times New Roman" panose="02020603050405020304" pitchFamily="18" charset="0"/>
+              </a:rPr>
+              <a:t> {</a:t>
+            </a:r>
+          </a:p>
+          <a:p>
+            <a:pPr marL="0" indent="0" algn="just">
+              <a:buNone/>
+            </a:pPr>
+            <a:r>
+              <a:rPr lang="pt-BR" sz="2000" dirty="0">
+                <a:solidFill>
+                  <a:schemeClr val="tx1"/>
+                </a:solidFill>
+                <a:latin typeface="Times New Roman" panose="02020603050405020304" pitchFamily="18" charset="0"/>
+                <a:cs typeface="Times New Roman" panose="02020603050405020304" pitchFamily="18" charset="0"/>
+              </a:rPr>
+              <a:t>    </a:t>
+            </a:r>
+            <a:r>
+              <a:rPr lang="pt-BR" sz="2000" b="1" dirty="0" err="1">
+                <a:solidFill>
+                  <a:schemeClr val="tx1"/>
+                </a:solidFill>
+                <a:latin typeface="Times New Roman" panose="02020603050405020304" pitchFamily="18" charset="0"/>
+                <a:cs typeface="Times New Roman" panose="02020603050405020304" pitchFamily="18" charset="0"/>
+              </a:rPr>
+              <a:t>if</a:t>
+            </a:r>
+            <a:r>
+              <a:rPr lang="pt-BR" sz="2000" dirty="0">
+                <a:solidFill>
+                  <a:schemeClr val="tx1"/>
+                </a:solidFill>
+                <a:latin typeface="Times New Roman" panose="02020603050405020304" pitchFamily="18" charset="0"/>
+                <a:cs typeface="Times New Roman" panose="02020603050405020304" pitchFamily="18" charset="0"/>
+              </a:rPr>
+              <a:t> ($</a:t>
+            </a:r>
+            <a:r>
+              <a:rPr lang="pt-BR" sz="2000" b="1" dirty="0" err="1">
+                <a:solidFill>
+                  <a:schemeClr val="tx1"/>
+                </a:solidFill>
+                <a:latin typeface="Times New Roman" panose="02020603050405020304" pitchFamily="18" charset="0"/>
+                <a:cs typeface="Times New Roman" panose="02020603050405020304" pitchFamily="18" charset="0"/>
+              </a:rPr>
+              <a:t>mysqli</a:t>
             </a:r>
             <a:r>
               <a:rPr lang="pt-BR" sz="2000" b="1" dirty="0">
-                <a:latin typeface="Times New Roman" panose="02020603050405020304" pitchFamily="18" charset="0"/>
-                <a:cs typeface="Times New Roman" panose="02020603050405020304" pitchFamily="18" charset="0"/>
-              </a:rPr>
-              <a:t>W3Schools</a:t>
-            </a:r>
-          </a:p>
-          <a:p>
-            <a:pPr marL="0" indent="0" algn="just">
-              <a:buNone/>
-            </a:pPr>
+                <a:solidFill>
+                  <a:schemeClr val="tx1"/>
+                </a:solidFill>
+                <a:latin typeface="Times New Roman" panose="02020603050405020304" pitchFamily="18" charset="0"/>
+                <a:cs typeface="Times New Roman" panose="02020603050405020304" pitchFamily="18" charset="0"/>
+              </a:rPr>
+              <a:t> </a:t>
+            </a:r>
             <a:r>
               <a:rPr lang="pt-BR" sz="2000" dirty="0">
-                <a:latin typeface="Times New Roman" panose="02020603050405020304" pitchFamily="18" charset="0"/>
-                <a:cs typeface="Times New Roman" panose="02020603050405020304" pitchFamily="18" charset="0"/>
-              </a:rPr>
-              <a:t>	</a:t>
+                <a:solidFill>
+                  <a:schemeClr val="tx1"/>
+                </a:solidFill>
+                <a:latin typeface="Times New Roman" panose="02020603050405020304" pitchFamily="18" charset="0"/>
+                <a:cs typeface="Times New Roman" panose="02020603050405020304" pitchFamily="18" charset="0"/>
+              </a:rPr>
+              <a:t>-&gt; </a:t>
+            </a:r>
+            <a:r>
+              <a:rPr lang="pt-BR" sz="2000" b="1" dirty="0" err="1">
+                <a:solidFill>
+                  <a:srgbClr val="FF0000"/>
+                </a:solidFill>
+                <a:latin typeface="Times New Roman" panose="02020603050405020304" pitchFamily="18" charset="0"/>
+                <a:cs typeface="Times New Roman" panose="02020603050405020304" pitchFamily="18" charset="0"/>
+              </a:rPr>
+              <a:t>connect_errno</a:t>
+            </a:r>
+            <a:r>
+              <a:rPr lang="pt-BR" sz="2000" dirty="0">
+                <a:solidFill>
+                  <a:schemeClr val="tx1"/>
+                </a:solidFill>
+                <a:latin typeface="Times New Roman" panose="02020603050405020304" pitchFamily="18" charset="0"/>
+                <a:cs typeface="Times New Roman" panose="02020603050405020304" pitchFamily="18" charset="0"/>
+              </a:rPr>
+              <a:t>) {//</a:t>
+            </a:r>
+            <a:r>
+              <a:rPr lang="pt-BR" sz="2000" dirty="0" err="1">
+                <a:solidFill>
+                  <a:schemeClr val="tx1"/>
+                </a:solidFill>
+                <a:latin typeface="Times New Roman" panose="02020603050405020304" pitchFamily="18" charset="0"/>
+                <a:cs typeface="Times New Roman" panose="02020603050405020304" pitchFamily="18" charset="0"/>
+              </a:rPr>
+              <a:t>if</a:t>
+            </a:r>
+            <a:r>
+              <a:rPr lang="pt-BR" sz="2000" dirty="0">
+                <a:solidFill>
+                  <a:schemeClr val="tx1"/>
+                </a:solidFill>
+                <a:latin typeface="Times New Roman" panose="02020603050405020304" pitchFamily="18" charset="0"/>
+                <a:cs typeface="Times New Roman" panose="02020603050405020304" pitchFamily="18" charset="0"/>
+              </a:rPr>
+              <a:t> ($</a:t>
+            </a:r>
+            <a:r>
+              <a:rPr lang="pt-BR" sz="2000" b="1" dirty="0" err="1">
+                <a:solidFill>
+                  <a:schemeClr val="tx1"/>
+                </a:solidFill>
+                <a:latin typeface="Times New Roman" panose="02020603050405020304" pitchFamily="18" charset="0"/>
+                <a:cs typeface="Times New Roman" panose="02020603050405020304" pitchFamily="18" charset="0"/>
+              </a:rPr>
+              <a:t>mysqli</a:t>
+            </a:r>
+            <a:r>
+              <a:rPr lang="pt-BR" sz="2000" dirty="0">
+                <a:solidFill>
+                  <a:schemeClr val="tx1"/>
+                </a:solidFill>
+                <a:latin typeface="Times New Roman" panose="02020603050405020304" pitchFamily="18" charset="0"/>
+                <a:cs typeface="Times New Roman" panose="02020603050405020304" pitchFamily="18" charset="0"/>
+              </a:rPr>
+              <a:t> == FALSE) {</a:t>
+            </a:r>
+          </a:p>
+          <a:p>
+            <a:pPr marL="0" indent="0" algn="just">
+              <a:buNone/>
+            </a:pPr>
+            <a:r>
+              <a:rPr lang="pt-BR" sz="2000" dirty="0">
+                <a:solidFill>
+                  <a:schemeClr val="tx1"/>
+                </a:solidFill>
+                <a:latin typeface="Times New Roman" panose="02020603050405020304" pitchFamily="18" charset="0"/>
+                <a:cs typeface="Times New Roman" panose="02020603050405020304" pitchFamily="18" charset="0"/>
+              </a:rPr>
+              <a:t>    	</a:t>
+            </a:r>
+            <a:r>
+              <a:rPr lang="pt-BR" sz="2000" b="1" dirty="0" err="1">
+                <a:solidFill>
+                  <a:schemeClr val="tx1"/>
+                </a:solidFill>
+                <a:latin typeface="Times New Roman" panose="02020603050405020304" pitchFamily="18" charset="0"/>
+                <a:cs typeface="Times New Roman" panose="02020603050405020304" pitchFamily="18" charset="0"/>
+              </a:rPr>
+              <a:t>echo</a:t>
+            </a:r>
+            <a:r>
+              <a:rPr lang="pt-BR" sz="2000" dirty="0">
+                <a:solidFill>
+                  <a:schemeClr val="tx1"/>
+                </a:solidFill>
+                <a:latin typeface="Times New Roman" panose="02020603050405020304" pitchFamily="18" charset="0"/>
+                <a:cs typeface="Times New Roman" panose="02020603050405020304" pitchFamily="18" charset="0"/>
+              </a:rPr>
+              <a:t> "falha conexão: (".$</a:t>
+            </a:r>
+            <a:r>
+              <a:rPr lang="pt-BR" sz="2000" dirty="0" err="1">
+                <a:solidFill>
+                  <a:schemeClr val="tx1"/>
+                </a:solidFill>
+                <a:latin typeface="Times New Roman" panose="02020603050405020304" pitchFamily="18" charset="0"/>
+                <a:cs typeface="Times New Roman" panose="02020603050405020304" pitchFamily="18" charset="0"/>
+              </a:rPr>
+              <a:t>mysqli</a:t>
+            </a:r>
+            <a:r>
+              <a:rPr lang="pt-BR" sz="2000" dirty="0">
+                <a:solidFill>
+                  <a:schemeClr val="tx1"/>
+                </a:solidFill>
+                <a:latin typeface="Times New Roman" panose="02020603050405020304" pitchFamily="18" charset="0"/>
+                <a:cs typeface="Times New Roman" panose="02020603050405020304" pitchFamily="18" charset="0"/>
+              </a:rPr>
+              <a:t>-&gt;</a:t>
+            </a:r>
+            <a:r>
+              <a:rPr lang="pt-BR" sz="2000" b="1" dirty="0" err="1">
+                <a:solidFill>
+                  <a:srgbClr val="FF0000"/>
+                </a:solidFill>
+                <a:latin typeface="Times New Roman" panose="02020603050405020304" pitchFamily="18" charset="0"/>
+                <a:cs typeface="Times New Roman" panose="02020603050405020304" pitchFamily="18" charset="0"/>
+              </a:rPr>
+              <a:t>connect_errno</a:t>
+            </a:r>
+            <a:r>
+              <a:rPr lang="pt-BR" sz="2000" dirty="0">
+                <a:solidFill>
+                  <a:schemeClr val="tx1"/>
+                </a:solidFill>
+                <a:latin typeface="Times New Roman" panose="02020603050405020304" pitchFamily="18" charset="0"/>
+                <a:cs typeface="Times New Roman" panose="02020603050405020304" pitchFamily="18" charset="0"/>
+              </a:rPr>
+              <a:t> . ")".$</a:t>
+            </a:r>
+            <a:r>
+              <a:rPr lang="pt-BR" sz="2000" dirty="0" err="1">
+                <a:solidFill>
+                  <a:schemeClr val="tx1"/>
+                </a:solidFill>
+                <a:latin typeface="Times New Roman" panose="02020603050405020304" pitchFamily="18" charset="0"/>
+                <a:cs typeface="Times New Roman" panose="02020603050405020304" pitchFamily="18" charset="0"/>
+              </a:rPr>
+              <a:t>mysqli</a:t>
+            </a:r>
+            <a:r>
+              <a:rPr lang="pt-BR" sz="2000" dirty="0">
+                <a:solidFill>
+                  <a:schemeClr val="tx1"/>
+                </a:solidFill>
+                <a:latin typeface="Times New Roman" panose="02020603050405020304" pitchFamily="18" charset="0"/>
+                <a:cs typeface="Times New Roman" panose="02020603050405020304" pitchFamily="18" charset="0"/>
+              </a:rPr>
+              <a:t>-&gt;</a:t>
+            </a:r>
+            <a:r>
+              <a:rPr lang="pt-BR" sz="2000" b="1" dirty="0" err="1">
+                <a:solidFill>
+                  <a:srgbClr val="FF0000"/>
+                </a:solidFill>
+                <a:latin typeface="Times New Roman" panose="02020603050405020304" pitchFamily="18" charset="0"/>
+                <a:cs typeface="Times New Roman" panose="02020603050405020304" pitchFamily="18" charset="0"/>
+              </a:rPr>
+              <a:t>connect_errno</a:t>
+            </a:r>
+            <a:r>
+              <a:rPr lang="pt-BR" sz="2000" dirty="0">
+                <a:solidFill>
+                  <a:schemeClr val="tx1"/>
+                </a:solidFill>
+                <a:latin typeface="Times New Roman" panose="02020603050405020304" pitchFamily="18" charset="0"/>
+                <a:cs typeface="Times New Roman" panose="02020603050405020304" pitchFamily="18" charset="0"/>
+              </a:rPr>
+              <a:t>;</a:t>
+            </a:r>
+          </a:p>
+          <a:p>
+            <a:pPr marL="0" indent="0" algn="just">
+              <a:buNone/>
+            </a:pPr>
+            <a:r>
+              <a:rPr lang="pt-BR" sz="2000" dirty="0">
+                <a:solidFill>
+                  <a:schemeClr val="tx1"/>
+                </a:solidFill>
+                <a:latin typeface="Times New Roman" panose="02020603050405020304" pitchFamily="18" charset="0"/>
+                <a:cs typeface="Times New Roman" panose="02020603050405020304" pitchFamily="18" charset="0"/>
+              </a:rPr>
+              <a:t>   } </a:t>
+            </a:r>
+            <a:r>
+              <a:rPr lang="pt-BR" sz="2000" b="1" dirty="0" err="1">
+                <a:solidFill>
+                  <a:schemeClr val="tx1"/>
+                </a:solidFill>
+                <a:latin typeface="Times New Roman" panose="02020603050405020304" pitchFamily="18" charset="0"/>
+                <a:cs typeface="Times New Roman" panose="02020603050405020304" pitchFamily="18" charset="0"/>
+              </a:rPr>
+              <a:t>else</a:t>
+            </a:r>
+            <a:r>
+              <a:rPr lang="pt-BR" sz="2000" dirty="0">
+                <a:solidFill>
+                  <a:schemeClr val="tx1"/>
+                </a:solidFill>
+                <a:latin typeface="Times New Roman" panose="02020603050405020304" pitchFamily="18" charset="0"/>
+                <a:cs typeface="Times New Roman" panose="02020603050405020304" pitchFamily="18" charset="0"/>
+              </a:rPr>
+              <a:t> { </a:t>
+            </a:r>
+            <a:r>
+              <a:rPr lang="pt-BR" sz="2000" b="1" dirty="0" err="1">
+                <a:solidFill>
+                  <a:schemeClr val="tx1"/>
+                </a:solidFill>
+                <a:latin typeface="Times New Roman" panose="02020603050405020304" pitchFamily="18" charset="0"/>
+                <a:cs typeface="Times New Roman" panose="02020603050405020304" pitchFamily="18" charset="0"/>
+              </a:rPr>
+              <a:t>echo</a:t>
+            </a:r>
+            <a:r>
+              <a:rPr lang="pt-BR" sz="2000" dirty="0">
+                <a:solidFill>
+                  <a:schemeClr val="tx1"/>
+                </a:solidFill>
+                <a:latin typeface="Times New Roman" panose="02020603050405020304" pitchFamily="18" charset="0"/>
+                <a:cs typeface="Times New Roman" panose="02020603050405020304" pitchFamily="18" charset="0"/>
+              </a:rPr>
+              <a:t> "BD conectado com sucesso!!!";   }</a:t>
+            </a:r>
+          </a:p>
+          <a:p>
+            <a:pPr marL="0" indent="0" algn="just">
+              <a:buNone/>
+            </a:pPr>
+            <a:r>
+              <a:rPr lang="pt-BR" sz="2000" dirty="0">
+                <a:solidFill>
+                  <a:schemeClr val="tx1"/>
+                </a:solidFill>
+                <a:latin typeface="Times New Roman" panose="02020603050405020304" pitchFamily="18" charset="0"/>
+                <a:cs typeface="Times New Roman" panose="02020603050405020304" pitchFamily="18" charset="0"/>
+              </a:rPr>
+              <a:t>} </a:t>
             </a:r>
             <a:r>
               <a:rPr lang="pt-BR" sz="2000" b="1" dirty="0">
-                <a:latin typeface="Times New Roman" panose="02020603050405020304" pitchFamily="18" charset="0"/>
-                <a:cs typeface="Times New Roman" panose="02020603050405020304" pitchFamily="18" charset="0"/>
-              </a:rPr>
-              <a:t> Disponível em</a:t>
+                <a:solidFill>
+                  <a:schemeClr val="tx1"/>
+                </a:solidFill>
+                <a:latin typeface="Times New Roman" panose="02020603050405020304" pitchFamily="18" charset="0"/>
+                <a:cs typeface="Times New Roman" panose="02020603050405020304" pitchFamily="18" charset="0"/>
+              </a:rPr>
+              <a:t>catch</a:t>
             </a:r>
             <a:r>
               <a:rPr lang="pt-BR" sz="2000" dirty="0">
-                <a:latin typeface="Times New Roman" panose="02020603050405020304" pitchFamily="18" charset="0"/>
-                <a:cs typeface="Times New Roman" panose="02020603050405020304" pitchFamily="18" charset="0"/>
-              </a:rPr>
-              <a:t>: </a:t>
+                <a:solidFill>
+                  <a:schemeClr val="tx1"/>
+                </a:solidFill>
+                <a:latin typeface="Times New Roman" panose="02020603050405020304" pitchFamily="18" charset="0"/>
+                <a:cs typeface="Times New Roman" panose="02020603050405020304" pitchFamily="18" charset="0"/>
+              </a:rPr>
+              <a:t> (</a:t>
+            </a:r>
+            <a:r>
+              <a:rPr lang="pt-BR" sz="2000" b="1" dirty="0" err="1">
+                <a:solidFill>
+                  <a:schemeClr val="tx1"/>
+                </a:solidFill>
+                <a:latin typeface="Times New Roman" panose="02020603050405020304" pitchFamily="18" charset="0"/>
+                <a:cs typeface="Times New Roman" panose="02020603050405020304" pitchFamily="18" charset="0"/>
+              </a:rPr>
+              <a:t>Exception</a:t>
             </a:r>
             <a:r>
               <a:rPr lang="pt-BR" sz="2000" dirty="0">
-                <a:latin typeface="Times New Roman" panose="02020603050405020304" pitchFamily="18" charset="0"/>
-                <a:cs typeface="Times New Roman" panose="02020603050405020304" pitchFamily="18" charset="0"/>
-                <a:hlinkClick r:id="rId4"/>
-              </a:rPr>
-              <a:t>https://www.w3schools.com/php/default.asp</a:t>
-            </a:r>
-            <a:endParaRPr lang="pt-BR" sz="2000" dirty="0">
-              <a:latin typeface="Times New Roman" panose="02020603050405020304" pitchFamily="18" charset="0"/>
-              <a:cs typeface="Times New Roman" panose="02020603050405020304" pitchFamily="18" charset="0"/>
-            </a:endParaRPr>
-          </a:p>
-          <a:p>
-            <a:pPr marL="0" indent="0" algn="just">
-              <a:buNone/>
-            </a:pPr>
-            <a:endParaRPr lang="pt-BR" sz="2000" dirty="0">
-              <a:latin typeface="Times New Roman" panose="02020603050405020304" pitchFamily="18" charset="0"/>
-              <a:cs typeface="Times New Roman" panose="02020603050405020304" pitchFamily="18" charset="0"/>
-            </a:endParaRPr>
+                <a:solidFill>
+                  <a:schemeClr val="tx1"/>
+                </a:solidFill>
+                <a:latin typeface="Times New Roman" panose="02020603050405020304" pitchFamily="18" charset="0"/>
+                <a:cs typeface="Times New Roman" panose="02020603050405020304" pitchFamily="18" charset="0"/>
+              </a:rPr>
+              <a:t> $e) { </a:t>
+            </a:r>
+            <a:r>
+              <a:rPr lang="pt-BR" sz="2000" b="1" dirty="0" err="1">
+                <a:solidFill>
+                  <a:schemeClr val="tx1"/>
+                </a:solidFill>
+                <a:latin typeface="Times New Roman" panose="02020603050405020304" pitchFamily="18" charset="0"/>
+                <a:cs typeface="Times New Roman" panose="02020603050405020304" pitchFamily="18" charset="0"/>
+              </a:rPr>
+              <a:t>echo</a:t>
+            </a:r>
+            <a:r>
+              <a:rPr lang="pt-BR" sz="2000" dirty="0">
+                <a:solidFill>
+                  <a:schemeClr val="tx1"/>
+                </a:solidFill>
+                <a:latin typeface="Times New Roman" panose="02020603050405020304" pitchFamily="18" charset="0"/>
+                <a:cs typeface="Times New Roman" panose="02020603050405020304" pitchFamily="18" charset="0"/>
+              </a:rPr>
+              <a:t> $e -&gt; </a:t>
+            </a:r>
+            <a:r>
+              <a:rPr lang="pt-BR" sz="2000" b="1" dirty="0" err="1">
+                <a:solidFill>
+                  <a:schemeClr val="tx1"/>
+                </a:solidFill>
+                <a:latin typeface="Times New Roman" panose="02020603050405020304" pitchFamily="18" charset="0"/>
+                <a:cs typeface="Times New Roman" panose="02020603050405020304" pitchFamily="18" charset="0"/>
+              </a:rPr>
+              <a:t>getMessage</a:t>
+            </a:r>
+            <a:r>
+              <a:rPr lang="pt-BR" sz="2000" dirty="0">
+                <a:solidFill>
+                  <a:schemeClr val="tx1"/>
+                </a:solidFill>
+                <a:latin typeface="Times New Roman" panose="02020603050405020304" pitchFamily="18" charset="0"/>
+                <a:cs typeface="Times New Roman" panose="02020603050405020304" pitchFamily="18" charset="0"/>
+              </a:rPr>
+              <a:t>(), "\n"; }</a:t>
+            </a:r>
           </a:p>
         </p:txBody>
       </p:sp>
     </p:spTree>
     <p:extLst>
       <p:ext uri="{BB962C8B-B14F-4D97-AF65-F5344CB8AC3E}">
-        <p14:creationId xmlns:p14="http://schemas.microsoft.com/office/powerpoint/2010/main" val="3680270425"/>
+        <p14:creationId xmlns:p14="http://schemas.microsoft.com/office/powerpoint/2010/main" val="1235422409"/>
       </p:ext>
     </p:extLst>
   </p:cSld>
@@ -34237,12 +35401,20 @@
           <a:lstStyle/>
           <a:p>
             <a:r>
+              <a:rPr lang="en-US" b="1" dirty="0">
+                <a:solidFill>
+                  <a:srgbClr val="0070C0"/>
+                </a:solidFill>
+              </a:rPr>
+              <a:t>PHP – MySQL </a:t>
+            </a:r>
+            <a:r>
               <a:rPr lang="en-US" b="1" dirty="0" err="1">
                 <a:solidFill>
                   <a:srgbClr val="0070C0"/>
                 </a:solidFill>
               </a:rPr>
-              <a:t>Aprenda</a:t>
+              <a:t>Transações</a:t>
             </a:r>
             <a:r>
               <a:rPr lang="en-US" b="1" dirty="0">
@@ -34250,7 +35422,7 @@
                   <a:srgbClr val="0070C0"/>
                 </a:solidFill>
               </a:rPr>
-              <a:t>+</a:t>
+              <a:t> Consulta</a:t>
             </a:r>
           </a:p>
         </p:txBody>
@@ -34267,8 +35439,8 @@
         </p:nvSpPr>
         <p:spPr>
           <a:xfrm>
-            <a:off x="142865" y="1200151"/>
-            <a:ext cx="8865056" cy="3394472"/>
+            <a:off x="142865" y="1037312"/>
+            <a:ext cx="8865056" cy="3900208"/>
           </a:xfrm>
         </p:spPr>
         <p:txBody>
@@ -34280,7 +35452,65 @@
             <a:pPr marL="0" indent="0" algn="just">
               <a:buNone/>
             </a:pPr>
-            <a:endParaRPr lang="pt-BR" sz="2400" dirty="0">
+            <a:r>
+              <a:rPr lang="pt-BR" sz="2000" dirty="0">
+                <a:solidFill>
+                  <a:schemeClr val="tx1"/>
+                </a:solidFill>
+                <a:latin typeface="Times New Roman" panose="02020603050405020304" pitchFamily="18" charset="0"/>
+                <a:cs typeface="Times New Roman" panose="02020603050405020304" pitchFamily="18" charset="0"/>
+              </a:rPr>
+              <a:t>&lt;!-- </a:t>
+            </a:r>
+            <a:r>
+              <a:rPr lang="pt-BR" sz="2000" b="1" dirty="0">
+                <a:solidFill>
+                  <a:schemeClr val="tx1"/>
+                </a:solidFill>
+                <a:latin typeface="Times New Roman" panose="02020603050405020304" pitchFamily="18" charset="0"/>
+                <a:cs typeface="Times New Roman" panose="02020603050405020304" pitchFamily="18" charset="0"/>
+              </a:rPr>
+              <a:t>Preenchendo a tabela com os dados do banco:</a:t>
+            </a:r>
+            <a:r>
+              <a:rPr lang="pt-BR" sz="2000" dirty="0">
+                <a:solidFill>
+                  <a:schemeClr val="tx1"/>
+                </a:solidFill>
+                <a:latin typeface="Times New Roman" panose="02020603050405020304" pitchFamily="18" charset="0"/>
+                <a:cs typeface="Times New Roman" panose="02020603050405020304" pitchFamily="18" charset="0"/>
+              </a:rPr>
+              <a:t> --&gt;</a:t>
+            </a:r>
+          </a:p>
+          <a:p>
+            <a:pPr marL="0" indent="0" algn="just">
+              <a:buNone/>
+            </a:pPr>
+            <a:r>
+              <a:rPr lang="pt-BR" sz="2000" dirty="0">
+                <a:solidFill>
+                  <a:schemeClr val="tx1"/>
+                </a:solidFill>
+                <a:latin typeface="Times New Roman" panose="02020603050405020304" pitchFamily="18" charset="0"/>
+                <a:cs typeface="Times New Roman" panose="02020603050405020304" pitchFamily="18" charset="0"/>
+              </a:rPr>
+              <a:t>&lt;?</a:t>
+            </a:r>
+            <a:r>
+              <a:rPr lang="pt-BR" sz="2000" b="1" dirty="0" err="1">
+                <a:solidFill>
+                  <a:srgbClr val="0070C0"/>
+                </a:solidFill>
+                <a:latin typeface="Times New Roman" panose="02020603050405020304" pitchFamily="18" charset="0"/>
+                <a:cs typeface="Times New Roman" panose="02020603050405020304" pitchFamily="18" charset="0"/>
+              </a:rPr>
+              <a:t>php</a:t>
+            </a:r>
+            <a:endParaRPr lang="pt-BR" sz="2000" b="1" dirty="0">
+              <a:solidFill>
+                <a:srgbClr val="0070C0"/>
+              </a:solidFill>
               <a:latin typeface="Times New Roman" panose="02020603050405020304" pitchFamily="18" charset="0"/>
               <a:cs typeface="Times New Roman" panose="02020603050405020304" pitchFamily="18" charset="0"/>
             </a:endParaRPr>
@@ -34290,33 +35520,274 @@
               <a:buNone/>
             </a:pPr>
             <a:r>
-              <a:rPr lang="pt-BR" sz="2400" dirty="0">
-                <a:latin typeface="Times New Roman" panose="02020603050405020304" pitchFamily="18" charset="0"/>
-                <a:cs typeface="Times New Roman" panose="02020603050405020304" pitchFamily="18" charset="0"/>
-              </a:rPr>
-              <a:t>[1] Construindo classes no PHP orientado a objetos</a:t>
-            </a:r>
-          </a:p>
-          <a:p>
-            <a:pPr marL="0" indent="0" algn="just">
-              <a:buNone/>
-            </a:pPr>
-            <a:r>
-              <a:rPr lang="pt-BR" sz="2400" dirty="0">
-                <a:latin typeface="Times New Roman" panose="02020603050405020304" pitchFamily="18" charset="0"/>
-                <a:cs typeface="Times New Roman" panose="02020603050405020304" pitchFamily="18" charset="0"/>
-              </a:rPr>
-              <a:t>	</a:t>
-            </a:r>
-            <a:r>
-              <a:rPr lang="pt-BR" sz="2400" dirty="0">
-                <a:latin typeface="Times New Roman" panose="02020603050405020304" pitchFamily="18" charset="0"/>
-                <a:cs typeface="Times New Roman" panose="02020603050405020304" pitchFamily="18" charset="0"/>
-                <a:hlinkClick r:id="rId3"/>
-              </a:rPr>
-              <a:t>https://www.youtube.com/watch?v=xoH1WDI9l0I</a:t>
-            </a:r>
-            <a:endParaRPr lang="pt-BR" sz="2400" dirty="0">
+              <a:rPr lang="pt-BR" sz="2000" dirty="0">
+                <a:solidFill>
+                  <a:schemeClr val="tx1"/>
+                </a:solidFill>
+                <a:latin typeface="Times New Roman" panose="02020603050405020304" pitchFamily="18" charset="0"/>
+                <a:cs typeface="Times New Roman" panose="02020603050405020304" pitchFamily="18" charset="0"/>
+              </a:rPr>
+              <a:t>    $</a:t>
+            </a:r>
+            <a:r>
+              <a:rPr lang="pt-BR" sz="2000" b="1" dirty="0" err="1">
+                <a:solidFill>
+                  <a:schemeClr val="tx1"/>
+                </a:solidFill>
+                <a:latin typeface="Times New Roman" panose="02020603050405020304" pitchFamily="18" charset="0"/>
+                <a:cs typeface="Times New Roman" panose="02020603050405020304" pitchFamily="18" charset="0"/>
+              </a:rPr>
+              <a:t>sql</a:t>
+            </a:r>
+            <a:r>
+              <a:rPr lang="pt-BR" sz="2000" dirty="0">
+                <a:solidFill>
+                  <a:schemeClr val="tx1"/>
+                </a:solidFill>
+                <a:latin typeface="Times New Roman" panose="02020603050405020304" pitchFamily="18" charset="0"/>
+                <a:cs typeface="Times New Roman" panose="02020603050405020304" pitchFamily="18" charset="0"/>
+              </a:rPr>
+              <a:t> = "</a:t>
+            </a:r>
+            <a:r>
+              <a:rPr lang="pt-BR" sz="2000" b="1" dirty="0" err="1">
+                <a:solidFill>
+                  <a:schemeClr val="tx1"/>
+                </a:solidFill>
+                <a:latin typeface="Times New Roman" panose="02020603050405020304" pitchFamily="18" charset="0"/>
+                <a:cs typeface="Times New Roman" panose="02020603050405020304" pitchFamily="18" charset="0"/>
+              </a:rPr>
+              <a:t>select</a:t>
+            </a:r>
+            <a:r>
+              <a:rPr lang="pt-BR" sz="2000" dirty="0">
+                <a:solidFill>
+                  <a:schemeClr val="tx1"/>
+                </a:solidFill>
+                <a:latin typeface="Times New Roman" panose="02020603050405020304" pitchFamily="18" charset="0"/>
+                <a:cs typeface="Times New Roman" panose="02020603050405020304" pitchFamily="18" charset="0"/>
+              </a:rPr>
+              <a:t> ID, NAME </a:t>
+            </a:r>
+            <a:r>
+              <a:rPr lang="pt-BR" sz="2000" b="1" dirty="0" err="1">
+                <a:solidFill>
+                  <a:schemeClr val="tx1"/>
+                </a:solidFill>
+                <a:latin typeface="Times New Roman" panose="02020603050405020304" pitchFamily="18" charset="0"/>
+                <a:cs typeface="Times New Roman" panose="02020603050405020304" pitchFamily="18" charset="0"/>
+              </a:rPr>
+              <a:t>from</a:t>
+            </a:r>
+            <a:r>
+              <a:rPr lang="pt-BR" sz="2000" dirty="0">
+                <a:solidFill>
+                  <a:schemeClr val="tx1"/>
+                </a:solidFill>
+                <a:latin typeface="Times New Roman" panose="02020603050405020304" pitchFamily="18" charset="0"/>
+                <a:cs typeface="Times New Roman" panose="02020603050405020304" pitchFamily="18" charset="0"/>
+              </a:rPr>
+              <a:t> </a:t>
+            </a:r>
+            <a:r>
+              <a:rPr lang="pt-BR" sz="2000" dirty="0" err="1">
+                <a:solidFill>
+                  <a:schemeClr val="tx1"/>
+                </a:solidFill>
+                <a:latin typeface="Times New Roman" panose="02020603050405020304" pitchFamily="18" charset="0"/>
+                <a:cs typeface="Times New Roman" panose="02020603050405020304" pitchFamily="18" charset="0"/>
+              </a:rPr>
+              <a:t>department</a:t>
+            </a:r>
+            <a:r>
+              <a:rPr lang="pt-BR" sz="2000" dirty="0">
+                <a:solidFill>
+                  <a:schemeClr val="tx1"/>
+                </a:solidFill>
+                <a:latin typeface="Times New Roman" panose="02020603050405020304" pitchFamily="18" charset="0"/>
+                <a:cs typeface="Times New Roman" panose="02020603050405020304" pitchFamily="18" charset="0"/>
+              </a:rPr>
+              <a:t>";</a:t>
+            </a:r>
+          </a:p>
+          <a:p>
+            <a:pPr marL="0" indent="0" algn="just">
+              <a:buNone/>
+            </a:pPr>
+            <a:r>
+              <a:rPr lang="pt-BR" sz="2000" dirty="0">
+                <a:solidFill>
+                  <a:schemeClr val="tx1"/>
+                </a:solidFill>
+                <a:latin typeface="Times New Roman" panose="02020603050405020304" pitchFamily="18" charset="0"/>
+                <a:cs typeface="Times New Roman" panose="02020603050405020304" pitchFamily="18" charset="0"/>
+              </a:rPr>
+              <a:t>    $</a:t>
+            </a:r>
+            <a:r>
+              <a:rPr lang="pt-BR" sz="2000" b="1" dirty="0">
+                <a:solidFill>
+                  <a:schemeClr val="tx1"/>
+                </a:solidFill>
+                <a:latin typeface="Times New Roman" panose="02020603050405020304" pitchFamily="18" charset="0"/>
+                <a:cs typeface="Times New Roman" panose="02020603050405020304" pitchFamily="18" charset="0"/>
+              </a:rPr>
+              <a:t>resultado</a:t>
+            </a:r>
+            <a:r>
+              <a:rPr lang="pt-BR" sz="2000" dirty="0">
+                <a:solidFill>
+                  <a:schemeClr val="tx1"/>
+                </a:solidFill>
+                <a:latin typeface="Times New Roman" panose="02020603050405020304" pitchFamily="18" charset="0"/>
+                <a:cs typeface="Times New Roman" panose="02020603050405020304" pitchFamily="18" charset="0"/>
+              </a:rPr>
+              <a:t> = </a:t>
+            </a:r>
+            <a:r>
+              <a:rPr lang="pt-BR" sz="2000" b="1" dirty="0" err="1">
+                <a:solidFill>
+                  <a:srgbClr val="FF0000"/>
+                </a:solidFill>
+                <a:latin typeface="Times New Roman" panose="02020603050405020304" pitchFamily="18" charset="0"/>
+                <a:cs typeface="Times New Roman" panose="02020603050405020304" pitchFamily="18" charset="0"/>
+              </a:rPr>
+              <a:t>mysqli_query</a:t>
+            </a:r>
+            <a:r>
+              <a:rPr lang="pt-BR" sz="2000" dirty="0">
+                <a:solidFill>
+                  <a:schemeClr val="tx1"/>
+                </a:solidFill>
+                <a:latin typeface="Times New Roman" panose="02020603050405020304" pitchFamily="18" charset="0"/>
+                <a:cs typeface="Times New Roman" panose="02020603050405020304" pitchFamily="18" charset="0"/>
+              </a:rPr>
+              <a:t>($</a:t>
+            </a:r>
+            <a:r>
+              <a:rPr lang="pt-BR" sz="2000" b="1" dirty="0" err="1">
+                <a:solidFill>
+                  <a:schemeClr val="tx1"/>
+                </a:solidFill>
+                <a:latin typeface="Times New Roman" panose="02020603050405020304" pitchFamily="18" charset="0"/>
+                <a:cs typeface="Times New Roman" panose="02020603050405020304" pitchFamily="18" charset="0"/>
+              </a:rPr>
+              <a:t>conn</a:t>
+            </a:r>
+            <a:r>
+              <a:rPr lang="pt-BR" sz="2000" dirty="0">
+                <a:solidFill>
+                  <a:schemeClr val="tx1"/>
+                </a:solidFill>
+                <a:latin typeface="Times New Roman" panose="02020603050405020304" pitchFamily="18" charset="0"/>
+                <a:cs typeface="Times New Roman" panose="02020603050405020304" pitchFamily="18" charset="0"/>
+              </a:rPr>
+              <a:t>, $</a:t>
+            </a:r>
+            <a:r>
+              <a:rPr lang="pt-BR" sz="2000" b="1" dirty="0" err="1">
+                <a:solidFill>
+                  <a:schemeClr val="tx1"/>
+                </a:solidFill>
+                <a:latin typeface="Times New Roman" panose="02020603050405020304" pitchFamily="18" charset="0"/>
+                <a:cs typeface="Times New Roman" panose="02020603050405020304" pitchFamily="18" charset="0"/>
+              </a:rPr>
+              <a:t>sql</a:t>
+            </a:r>
+            <a:r>
+              <a:rPr lang="pt-BR" sz="2000" dirty="0">
+                <a:solidFill>
+                  <a:schemeClr val="tx1"/>
+                </a:solidFill>
+                <a:latin typeface="Times New Roman" panose="02020603050405020304" pitchFamily="18" charset="0"/>
+                <a:cs typeface="Times New Roman" panose="02020603050405020304" pitchFamily="18" charset="0"/>
+              </a:rPr>
+              <a:t>) </a:t>
+            </a:r>
+            <a:r>
+              <a:rPr lang="pt-BR" sz="2000" b="1" dirty="0" err="1">
+                <a:solidFill>
+                  <a:schemeClr val="tx1"/>
+                </a:solidFill>
+                <a:latin typeface="Times New Roman" panose="02020603050405020304" pitchFamily="18" charset="0"/>
+                <a:cs typeface="Times New Roman" panose="02020603050405020304" pitchFamily="18" charset="0"/>
+              </a:rPr>
+              <a:t>or</a:t>
+            </a:r>
+            <a:r>
+              <a:rPr lang="pt-BR" sz="2000" dirty="0">
+                <a:solidFill>
+                  <a:schemeClr val="tx1"/>
+                </a:solidFill>
+                <a:latin typeface="Times New Roman" panose="02020603050405020304" pitchFamily="18" charset="0"/>
+                <a:cs typeface="Times New Roman" panose="02020603050405020304" pitchFamily="18" charset="0"/>
+              </a:rPr>
+              <a:t> </a:t>
+            </a:r>
+          </a:p>
+          <a:p>
+            <a:pPr marL="0" indent="0" algn="just">
+              <a:buNone/>
+            </a:pPr>
+            <a:r>
+              <a:rPr lang="pt-BR" sz="2000" b="1" dirty="0">
+                <a:solidFill>
+                  <a:schemeClr val="tx1"/>
+                </a:solidFill>
+                <a:latin typeface="Times New Roman" panose="02020603050405020304" pitchFamily="18" charset="0"/>
+                <a:cs typeface="Times New Roman" panose="02020603050405020304" pitchFamily="18" charset="0"/>
+              </a:rPr>
+              <a:t>				  die</a:t>
+            </a:r>
+            <a:r>
+              <a:rPr lang="pt-BR" sz="2000" dirty="0">
+                <a:solidFill>
+                  <a:schemeClr val="tx1"/>
+                </a:solidFill>
+                <a:latin typeface="Times New Roman" panose="02020603050405020304" pitchFamily="18" charset="0"/>
+                <a:cs typeface="Times New Roman" panose="02020603050405020304" pitchFamily="18" charset="0"/>
+              </a:rPr>
+              <a:t>("Erro ao retornar dados");</a:t>
+            </a:r>
+          </a:p>
+          <a:p>
+            <a:pPr marL="0" indent="0" algn="just">
+              <a:buNone/>
+            </a:pPr>
+            <a:r>
+              <a:rPr lang="pt-BR" sz="2000" dirty="0">
+                <a:solidFill>
+                  <a:schemeClr val="tx1"/>
+                </a:solidFill>
+                <a:latin typeface="Times New Roman" panose="02020603050405020304" pitchFamily="18" charset="0"/>
+                <a:cs typeface="Times New Roman" panose="02020603050405020304" pitchFamily="18" charset="0"/>
+              </a:rPr>
+              <a:t>    // </a:t>
+            </a:r>
+            <a:r>
+              <a:rPr lang="pt-BR" sz="2000" b="1" dirty="0">
+                <a:solidFill>
+                  <a:schemeClr val="tx1"/>
+                </a:solidFill>
+                <a:latin typeface="Times New Roman" panose="02020603050405020304" pitchFamily="18" charset="0"/>
+                <a:cs typeface="Times New Roman" panose="02020603050405020304" pitchFamily="18" charset="0"/>
+              </a:rPr>
+              <a:t>Obtendo os dados por meio de um loop </a:t>
+            </a:r>
+            <a:r>
+              <a:rPr lang="pt-BR" sz="2000" b="1" dirty="0" err="1">
+                <a:solidFill>
+                  <a:schemeClr val="tx1"/>
+                </a:solidFill>
+                <a:latin typeface="Times New Roman" panose="02020603050405020304" pitchFamily="18" charset="0"/>
+                <a:cs typeface="Times New Roman" panose="02020603050405020304" pitchFamily="18" charset="0"/>
+              </a:rPr>
+              <a:t>while</a:t>
+            </a:r>
+            <a:endParaRPr lang="pt-BR" sz="2000" b="1" dirty="0">
+              <a:solidFill>
+                <a:schemeClr val="tx1"/>
+              </a:solidFill>
               <a:latin typeface="Times New Roman" panose="02020603050405020304" pitchFamily="18" charset="0"/>
               <a:cs typeface="Times New Roman" panose="02020603050405020304" pitchFamily="18" charset="0"/>
             </a:endParaRPr>
@@ -34325,140 +35796,168 @@
             <a:pPr marL="0" indent="0" algn="just">
               <a:buNone/>
             </a:pPr>
-            <a:endParaRPr lang="pt-BR" sz="2400" dirty="0">
-              <a:latin typeface="Times New Roman" panose="02020603050405020304" pitchFamily="18" charset="0"/>
-              <a:cs typeface="Times New Roman" panose="02020603050405020304" pitchFamily="18" charset="0"/>
-            </a:endParaRPr>
-          </a:p>
-          <a:p>
-            <a:pPr marL="0" indent="0" algn="just">
-              <a:buNone/>
-            </a:pPr>
-            <a:r>
-              <a:rPr lang="pt-BR" sz="2400" dirty="0">
-                <a:latin typeface="Times New Roman" panose="02020603050405020304" pitchFamily="18" charset="0"/>
-                <a:cs typeface="Times New Roman" panose="02020603050405020304" pitchFamily="18" charset="0"/>
-              </a:rPr>
-              <a:t>[2] </a:t>
-            </a:r>
-            <a:r>
-              <a:rPr lang="pt-BR" sz="2400" dirty="0" err="1">
-                <a:latin typeface="Times New Roman" panose="02020603050405020304" pitchFamily="18" charset="0"/>
-                <a:cs typeface="Times New Roman" panose="02020603050405020304" pitchFamily="18" charset="0"/>
-              </a:rPr>
-              <a:t>Creating</a:t>
-            </a:r>
-            <a:r>
-              <a:rPr lang="pt-BR" sz="2400" dirty="0">
-                <a:latin typeface="Times New Roman" panose="02020603050405020304" pitchFamily="18" charset="0"/>
-                <a:cs typeface="Times New Roman" panose="02020603050405020304" pitchFamily="18" charset="0"/>
-              </a:rPr>
-              <a:t> classes, </a:t>
-            </a:r>
-            <a:r>
-              <a:rPr lang="pt-BR" sz="2400" dirty="0" err="1">
-                <a:latin typeface="Times New Roman" panose="02020603050405020304" pitchFamily="18" charset="0"/>
-                <a:cs typeface="Times New Roman" panose="02020603050405020304" pitchFamily="18" charset="0"/>
-              </a:rPr>
-              <a:t>properties</a:t>
-            </a:r>
-            <a:r>
-              <a:rPr lang="pt-BR" sz="2400" dirty="0">
-                <a:latin typeface="Times New Roman" panose="02020603050405020304" pitchFamily="18" charset="0"/>
-                <a:cs typeface="Times New Roman" panose="02020603050405020304" pitchFamily="18" charset="0"/>
-              </a:rPr>
-              <a:t>, </a:t>
-            </a:r>
-            <a:r>
-              <a:rPr lang="pt-BR" sz="2400" dirty="0" err="1">
-                <a:latin typeface="Times New Roman" panose="02020603050405020304" pitchFamily="18" charset="0"/>
-                <a:cs typeface="Times New Roman" panose="02020603050405020304" pitchFamily="18" charset="0"/>
-              </a:rPr>
-              <a:t>methods</a:t>
-            </a:r>
-            <a:r>
-              <a:rPr lang="pt-BR" sz="2400" dirty="0">
-                <a:latin typeface="Times New Roman" panose="02020603050405020304" pitchFamily="18" charset="0"/>
-                <a:cs typeface="Times New Roman" panose="02020603050405020304" pitchFamily="18" charset="0"/>
-              </a:rPr>
-              <a:t> - OOP in PHP – Part 1</a:t>
-            </a:r>
-          </a:p>
-          <a:p>
-            <a:pPr marL="0" indent="0" algn="just">
-              <a:buNone/>
-            </a:pPr>
-            <a:r>
-              <a:rPr lang="pt-BR" sz="2400" dirty="0">
-                <a:latin typeface="Times New Roman" panose="02020603050405020304" pitchFamily="18" charset="0"/>
-                <a:cs typeface="Times New Roman" panose="02020603050405020304" pitchFamily="18" charset="0"/>
-              </a:rPr>
-              <a:t>	</a:t>
-            </a:r>
-            <a:r>
-              <a:rPr lang="pt-BR" sz="2400" dirty="0">
-                <a:latin typeface="Times New Roman" panose="02020603050405020304" pitchFamily="18" charset="0"/>
-                <a:cs typeface="Times New Roman" panose="02020603050405020304" pitchFamily="18" charset="0"/>
-                <a:hlinkClick r:id="rId4"/>
-              </a:rPr>
-              <a:t>https://www.youtube.com/watch?v=4xvCT7UPY3k</a:t>
-            </a:r>
-            <a:endParaRPr lang="pt-BR" sz="2400" dirty="0">
-              <a:latin typeface="Times New Roman" panose="02020603050405020304" pitchFamily="18" charset="0"/>
-              <a:cs typeface="Times New Roman" panose="02020603050405020304" pitchFamily="18" charset="0"/>
-            </a:endParaRPr>
-          </a:p>
-          <a:p>
-            <a:pPr marL="0" indent="0" algn="just">
-              <a:buNone/>
-            </a:pPr>
-            <a:endParaRPr lang="pt-BR" sz="2400" dirty="0">
-              <a:latin typeface="Times New Roman" panose="02020603050405020304" pitchFamily="18" charset="0"/>
-              <a:cs typeface="Times New Roman" panose="02020603050405020304" pitchFamily="18" charset="0"/>
-            </a:endParaRPr>
-          </a:p>
-          <a:p>
-            <a:pPr marL="0" indent="0" algn="just">
-              <a:buNone/>
-            </a:pPr>
-            <a:endParaRPr lang="pt-BR" sz="2400" dirty="0">
-              <a:latin typeface="Times New Roman" panose="02020603050405020304" pitchFamily="18" charset="0"/>
-              <a:cs typeface="Times New Roman" panose="02020603050405020304" pitchFamily="18" charset="0"/>
-            </a:endParaRPr>
-          </a:p>
-          <a:p>
-            <a:pPr marL="0" indent="0" algn="just">
-              <a:buNone/>
-            </a:pPr>
-            <a:endParaRPr lang="pt-BR" sz="2400" dirty="0">
-              <a:latin typeface="Times New Roman" panose="02020603050405020304" pitchFamily="18" charset="0"/>
-              <a:cs typeface="Times New Roman" panose="02020603050405020304" pitchFamily="18" charset="0"/>
-            </a:endParaRPr>
-          </a:p>
-          <a:p>
-            <a:pPr marL="0" indent="0" algn="just">
-              <a:buNone/>
-            </a:pPr>
-            <a:endParaRPr lang="pt-BR" sz="2400" dirty="0">
-              <a:latin typeface="Times New Roman" panose="02020603050405020304" pitchFamily="18" charset="0"/>
-              <a:cs typeface="Times New Roman" panose="02020603050405020304" pitchFamily="18" charset="0"/>
-            </a:endParaRPr>
-          </a:p>
-          <a:p>
-            <a:pPr marL="0" indent="0" algn="just">
-              <a:buNone/>
-            </a:pPr>
-            <a:endParaRPr lang="pt-BR" sz="2400" dirty="0">
-              <a:latin typeface="Times New Roman" panose="02020603050405020304" pitchFamily="18" charset="0"/>
-              <a:cs typeface="Times New Roman" panose="02020603050405020304" pitchFamily="18" charset="0"/>
-            </a:endParaRPr>
+            <a:r>
+              <a:rPr lang="pt-BR" sz="2000" dirty="0">
+                <a:solidFill>
+                  <a:schemeClr val="tx1"/>
+                </a:solidFill>
+                <a:latin typeface="Times New Roman" panose="02020603050405020304" pitchFamily="18" charset="0"/>
+                <a:cs typeface="Times New Roman" panose="02020603050405020304" pitchFamily="18" charset="0"/>
+              </a:rPr>
+              <a:t>    </a:t>
+            </a:r>
+            <a:r>
+              <a:rPr lang="pt-BR" sz="2000" b="1" dirty="0" err="1">
+                <a:solidFill>
+                  <a:schemeClr val="tx1"/>
+                </a:solidFill>
+                <a:latin typeface="Times New Roman" panose="02020603050405020304" pitchFamily="18" charset="0"/>
+                <a:cs typeface="Times New Roman" panose="02020603050405020304" pitchFamily="18" charset="0"/>
+              </a:rPr>
+              <a:t>while</a:t>
+            </a:r>
+            <a:r>
+              <a:rPr lang="pt-BR" sz="2000" dirty="0">
+                <a:solidFill>
+                  <a:schemeClr val="tx1"/>
+                </a:solidFill>
+                <a:latin typeface="Times New Roman" panose="02020603050405020304" pitchFamily="18" charset="0"/>
+                <a:cs typeface="Times New Roman" panose="02020603050405020304" pitchFamily="18" charset="0"/>
+              </a:rPr>
+              <a:t> ($registro = </a:t>
+            </a:r>
+            <a:r>
+              <a:rPr lang="pt-BR" sz="2000" b="1" dirty="0" err="1">
+                <a:solidFill>
+                  <a:srgbClr val="FF0000"/>
+                </a:solidFill>
+                <a:latin typeface="Times New Roman" panose="02020603050405020304" pitchFamily="18" charset="0"/>
+                <a:cs typeface="Times New Roman" panose="02020603050405020304" pitchFamily="18" charset="0"/>
+              </a:rPr>
+              <a:t>mysqli_fetch_array</a:t>
+            </a:r>
+            <a:r>
+              <a:rPr lang="pt-BR" sz="2000" dirty="0">
+                <a:solidFill>
+                  <a:schemeClr val="tx1"/>
+                </a:solidFill>
+                <a:latin typeface="Times New Roman" panose="02020603050405020304" pitchFamily="18" charset="0"/>
+                <a:cs typeface="Times New Roman" panose="02020603050405020304" pitchFamily="18" charset="0"/>
+              </a:rPr>
+              <a:t>($resultado)) {</a:t>
+            </a:r>
+          </a:p>
+          <a:p>
+            <a:pPr marL="0" indent="0" algn="just">
+              <a:buNone/>
+            </a:pPr>
+            <a:r>
+              <a:rPr lang="pt-BR" sz="2000" dirty="0">
+                <a:solidFill>
+                  <a:schemeClr val="tx1"/>
+                </a:solidFill>
+                <a:latin typeface="Times New Roman" panose="02020603050405020304" pitchFamily="18" charset="0"/>
+                <a:cs typeface="Times New Roman" panose="02020603050405020304" pitchFamily="18" charset="0"/>
+              </a:rPr>
+              <a:t>      $id = $registro['ID'];</a:t>
+            </a:r>
+          </a:p>
+          <a:p>
+            <a:pPr marL="0" indent="0" algn="just">
+              <a:buNone/>
+            </a:pPr>
+            <a:r>
+              <a:rPr lang="pt-BR" sz="2000" dirty="0">
+                <a:solidFill>
+                  <a:schemeClr val="tx1"/>
+                </a:solidFill>
+                <a:latin typeface="Times New Roman" panose="02020603050405020304" pitchFamily="18" charset="0"/>
+                <a:cs typeface="Times New Roman" panose="02020603050405020304" pitchFamily="18" charset="0"/>
+              </a:rPr>
+              <a:t>      $</a:t>
+            </a:r>
+            <a:r>
+              <a:rPr lang="pt-BR" sz="2000" dirty="0" err="1">
+                <a:solidFill>
+                  <a:schemeClr val="tx1"/>
+                </a:solidFill>
+                <a:latin typeface="Times New Roman" panose="02020603050405020304" pitchFamily="18" charset="0"/>
+                <a:cs typeface="Times New Roman" panose="02020603050405020304" pitchFamily="18" charset="0"/>
+              </a:rPr>
+              <a:t>name</a:t>
+            </a:r>
+            <a:r>
+              <a:rPr lang="pt-BR" sz="2000" dirty="0">
+                <a:solidFill>
+                  <a:schemeClr val="tx1"/>
+                </a:solidFill>
+                <a:latin typeface="Times New Roman" panose="02020603050405020304" pitchFamily="18" charset="0"/>
+                <a:cs typeface="Times New Roman" panose="02020603050405020304" pitchFamily="18" charset="0"/>
+              </a:rPr>
+              <a:t> = $registro['NAME’]; </a:t>
+            </a:r>
+          </a:p>
+          <a:p>
+            <a:pPr marL="0" indent="0" algn="just">
+              <a:buNone/>
+            </a:pPr>
+            <a:r>
+              <a:rPr lang="pt-BR" sz="2000" dirty="0">
+                <a:solidFill>
+                  <a:schemeClr val="tx1"/>
+                </a:solidFill>
+                <a:latin typeface="Times New Roman" panose="02020603050405020304" pitchFamily="18" charset="0"/>
+                <a:cs typeface="Times New Roman" panose="02020603050405020304" pitchFamily="18" charset="0"/>
+              </a:rPr>
+              <a:t>    } </a:t>
+            </a:r>
+            <a:r>
+              <a:rPr lang="pt-BR" sz="2000" b="1" dirty="0" err="1">
+                <a:solidFill>
+                  <a:srgbClr val="FF0000"/>
+                </a:solidFill>
+                <a:latin typeface="Times New Roman" panose="02020603050405020304" pitchFamily="18" charset="0"/>
+                <a:cs typeface="Times New Roman" panose="02020603050405020304" pitchFamily="18" charset="0"/>
+              </a:rPr>
+              <a:t>mysqli_close</a:t>
+            </a:r>
+            <a:r>
+              <a:rPr lang="pt-BR" sz="2000" dirty="0">
+                <a:solidFill>
+                  <a:schemeClr val="tx1"/>
+                </a:solidFill>
+                <a:latin typeface="Times New Roman" panose="02020603050405020304" pitchFamily="18" charset="0"/>
+                <a:cs typeface="Times New Roman" panose="02020603050405020304" pitchFamily="18" charset="0"/>
+              </a:rPr>
+              <a:t>($</a:t>
+            </a:r>
+            <a:r>
+              <a:rPr lang="pt-BR" sz="2000" dirty="0" err="1">
+                <a:solidFill>
+                  <a:schemeClr val="tx1"/>
+                </a:solidFill>
+                <a:latin typeface="Times New Roman" panose="02020603050405020304" pitchFamily="18" charset="0"/>
+                <a:cs typeface="Times New Roman" panose="02020603050405020304" pitchFamily="18" charset="0"/>
+              </a:rPr>
+              <a:t>conn</a:t>
+            </a:r>
+            <a:r>
+              <a:rPr lang="pt-BR" sz="2000" dirty="0">
+                <a:solidFill>
+                  <a:schemeClr val="tx1"/>
+                </a:solidFill>
+                <a:latin typeface="Times New Roman" panose="02020603050405020304" pitchFamily="18" charset="0"/>
+                <a:cs typeface="Times New Roman" panose="02020603050405020304" pitchFamily="18" charset="0"/>
+              </a:rPr>
+              <a:t>);</a:t>
+            </a:r>
           </a:p>
         </p:txBody>
       </p:sp>
     </p:spTree>
     <p:extLst>
       <p:ext uri="{BB962C8B-B14F-4D97-AF65-F5344CB8AC3E}">
-        <p14:creationId xmlns:p14="http://schemas.microsoft.com/office/powerpoint/2010/main" val="2747596967"/>
+        <p14:creationId xmlns:p14="http://schemas.microsoft.com/office/powerpoint/2010/main" val="1423707929"/>
       </p:ext>
     </p:extLst>
   </p:cSld>
@@ -34561,7 +36060,7 @@
               <a:buNone/>
             </a:pPr>
             <a:r>
-              <a:rPr lang="pt-BR" sz="2400" b="1" dirty="0">
+              <a:rPr lang="pt-BR" sz="2000" b="1" dirty="0">
                 <a:solidFill>
                   <a:srgbClr val="FF0000"/>
                 </a:solidFill>
@@ -34571,7 +36070,7 @@
               <a:t>- IDE</a:t>
             </a:r>
             <a:r>
-              <a:rPr lang="pt-BR" sz="2400" b="1" dirty="0">
+              <a:rPr lang="pt-BR" sz="2000" b="1" dirty="0">
                 <a:solidFill>
                   <a:schemeClr val="tx1"/>
                 </a:solidFill>
@@ -34581,7 +36080,7 @@
               <a:t>: </a:t>
             </a:r>
             <a:r>
-              <a:rPr lang="pt-BR" sz="2400" dirty="0" err="1">
+              <a:rPr lang="pt-BR" sz="2000" dirty="0" err="1">
                 <a:solidFill>
                   <a:schemeClr val="tx1"/>
                 </a:solidFill>
@@ -34591,7 +36090,7 @@
               <a:t>VSCode</a:t>
             </a:r>
             <a:r>
-              <a:rPr lang="pt-BR" sz="2400" dirty="0">
+              <a:rPr lang="pt-BR" sz="2000" dirty="0">
                 <a:solidFill>
                   <a:schemeClr val="tx1"/>
                 </a:solidFill>
@@ -34601,7 +36100,7 @@
               <a:t> (</a:t>
             </a:r>
             <a:r>
-              <a:rPr lang="pt-BR" sz="2400" b="1" dirty="0">
+              <a:rPr lang="pt-BR" sz="2000" b="1" dirty="0">
                 <a:solidFill>
                   <a:schemeClr val="tx1"/>
                 </a:solidFill>
@@ -34611,7 +36110,7 @@
               <a:t>Editor de código</a:t>
             </a:r>
             <a:r>
-              <a:rPr lang="pt-BR" sz="2400" dirty="0">
+              <a:rPr lang="pt-BR" sz="2000" dirty="0">
                 <a:solidFill>
                   <a:schemeClr val="tx1"/>
                 </a:solidFill>
@@ -34625,7 +36124,332 @@
             <a:pPr marL="0" indent="0" algn="just">
               <a:buNone/>
             </a:pPr>
-            <a:endParaRPr lang="pt-BR" sz="2400" b="1" dirty="0">
+            <a:r>
+              <a:rPr lang="pt-BR" sz="2000" b="1" dirty="0">
+                <a:solidFill>
+                  <a:schemeClr val="tx1"/>
+                </a:solidFill>
+                <a:latin typeface="Times New Roman" panose="02020603050405020304" pitchFamily="18" charset="0"/>
+                <a:cs typeface="Times New Roman" panose="02020603050405020304" pitchFamily="18" charset="0"/>
+              </a:rPr>
+              <a:t>	1. </a:t>
+            </a:r>
+            <a:r>
+              <a:rPr lang="pt-BR" sz="2000" b="1" dirty="0">
+                <a:solidFill>
+                  <a:srgbClr val="FF0000"/>
+                </a:solidFill>
+                <a:latin typeface="Times New Roman" panose="02020603050405020304" pitchFamily="18" charset="0"/>
+                <a:cs typeface="Times New Roman" panose="02020603050405020304" pitchFamily="18" charset="0"/>
+              </a:rPr>
+              <a:t>Extensões Gerais</a:t>
+            </a:r>
+            <a:r>
+              <a:rPr lang="pt-BR" sz="2000" b="1" dirty="0">
+                <a:solidFill>
+                  <a:schemeClr val="tx1"/>
+                </a:solidFill>
+                <a:latin typeface="Times New Roman" panose="02020603050405020304" pitchFamily="18" charset="0"/>
+                <a:cs typeface="Times New Roman" panose="02020603050405020304" pitchFamily="18" charset="0"/>
+              </a:rPr>
+              <a:t>: </a:t>
+            </a:r>
+          </a:p>
+          <a:p>
+            <a:pPr marL="0" indent="0" algn="just">
+              <a:buNone/>
+            </a:pPr>
+            <a:r>
+              <a:rPr lang="pt-BR" sz="2000" b="1" dirty="0">
+                <a:solidFill>
+                  <a:schemeClr val="tx1"/>
+                </a:solidFill>
+                <a:latin typeface="Times New Roman" panose="02020603050405020304" pitchFamily="18" charset="0"/>
+                <a:cs typeface="Times New Roman" panose="02020603050405020304" pitchFamily="18" charset="0"/>
+              </a:rPr>
+              <a:t>	    </a:t>
+            </a:r>
+            <a:r>
+              <a:rPr lang="pt-BR" sz="2000" b="1" dirty="0" err="1">
+                <a:solidFill>
+                  <a:schemeClr val="tx1"/>
+                </a:solidFill>
+                <a:latin typeface="Times New Roman" panose="02020603050405020304" pitchFamily="18" charset="0"/>
+                <a:cs typeface="Times New Roman" panose="02020603050405020304" pitchFamily="18" charset="0"/>
+              </a:rPr>
+              <a:t>code</a:t>
+            </a:r>
+            <a:r>
+              <a:rPr lang="pt-BR" sz="2000" b="1" dirty="0">
+                <a:solidFill>
+                  <a:schemeClr val="tx1"/>
+                </a:solidFill>
+                <a:latin typeface="Times New Roman" panose="02020603050405020304" pitchFamily="18" charset="0"/>
+                <a:cs typeface="Times New Roman" panose="02020603050405020304" pitchFamily="18" charset="0"/>
+              </a:rPr>
+              <a:t> </a:t>
+            </a:r>
+            <a:r>
+              <a:rPr lang="pt-BR" sz="2000" b="1" dirty="0" err="1">
+                <a:solidFill>
+                  <a:schemeClr val="tx1"/>
+                </a:solidFill>
+                <a:latin typeface="Times New Roman" panose="02020603050405020304" pitchFamily="18" charset="0"/>
+                <a:cs typeface="Times New Roman" panose="02020603050405020304" pitchFamily="18" charset="0"/>
+              </a:rPr>
+              <a:t>Runner</a:t>
+            </a:r>
+            <a:r>
+              <a:rPr lang="pt-BR" sz="2000" b="1" dirty="0">
+                <a:solidFill>
+                  <a:schemeClr val="tx1"/>
+                </a:solidFill>
+                <a:latin typeface="Times New Roman" panose="02020603050405020304" pitchFamily="18" charset="0"/>
+                <a:cs typeface="Times New Roman" panose="02020603050405020304" pitchFamily="18" charset="0"/>
+              </a:rPr>
+              <a:t>; </a:t>
+            </a:r>
+            <a:r>
+              <a:rPr lang="pt-BR" sz="2000" b="1" dirty="0" err="1">
+                <a:solidFill>
+                  <a:schemeClr val="tx1"/>
+                </a:solidFill>
+                <a:latin typeface="Times New Roman" panose="02020603050405020304" pitchFamily="18" charset="0"/>
+                <a:cs typeface="Times New Roman" panose="02020603050405020304" pitchFamily="18" charset="0"/>
+              </a:rPr>
+              <a:t>DotEnv</a:t>
+            </a:r>
+            <a:r>
+              <a:rPr lang="pt-BR" sz="2000" b="1" dirty="0">
+                <a:solidFill>
+                  <a:schemeClr val="tx1"/>
+                </a:solidFill>
+                <a:latin typeface="Times New Roman" panose="02020603050405020304" pitchFamily="18" charset="0"/>
+                <a:cs typeface="Times New Roman" panose="02020603050405020304" pitchFamily="18" charset="0"/>
+              </a:rPr>
+              <a:t> (.</a:t>
+            </a:r>
+            <a:r>
+              <a:rPr lang="pt-BR" sz="2000" b="1" dirty="0" err="1">
+                <a:solidFill>
+                  <a:schemeClr val="tx1"/>
+                </a:solidFill>
+                <a:latin typeface="Times New Roman" panose="02020603050405020304" pitchFamily="18" charset="0"/>
+                <a:cs typeface="Times New Roman" panose="02020603050405020304" pitchFamily="18" charset="0"/>
+              </a:rPr>
+              <a:t>env</a:t>
+            </a:r>
+            <a:r>
+              <a:rPr lang="pt-BR" sz="2000" b="1" dirty="0">
+                <a:solidFill>
+                  <a:schemeClr val="tx1"/>
+                </a:solidFill>
+                <a:latin typeface="Times New Roman" panose="02020603050405020304" pitchFamily="18" charset="0"/>
+                <a:cs typeface="Times New Roman" panose="02020603050405020304" pitchFamily="18" charset="0"/>
+              </a:rPr>
+              <a:t> = </a:t>
+            </a:r>
+            <a:r>
+              <a:rPr lang="pt-BR" sz="2000" dirty="0">
+                <a:solidFill>
+                  <a:schemeClr val="tx1"/>
+                </a:solidFill>
+                <a:latin typeface="Times New Roman" panose="02020603050405020304" pitchFamily="18" charset="0"/>
+                <a:cs typeface="Times New Roman" panose="02020603050405020304" pitchFamily="18" charset="0"/>
+              </a:rPr>
+              <a:t>variáveis de ambiente</a:t>
+            </a:r>
+            <a:r>
+              <a:rPr lang="pt-BR" sz="2000" b="1" dirty="0">
+                <a:solidFill>
+                  <a:schemeClr val="tx1"/>
+                </a:solidFill>
+                <a:latin typeface="Times New Roman" panose="02020603050405020304" pitchFamily="18" charset="0"/>
+                <a:cs typeface="Times New Roman" panose="02020603050405020304" pitchFamily="18" charset="0"/>
+              </a:rPr>
+              <a:t>); </a:t>
+            </a:r>
+            <a:r>
+              <a:rPr lang="pt-BR" sz="2000" b="1" dirty="0" err="1">
+                <a:solidFill>
+                  <a:schemeClr val="tx1"/>
+                </a:solidFill>
+                <a:latin typeface="Times New Roman" panose="02020603050405020304" pitchFamily="18" charset="0"/>
+                <a:cs typeface="Times New Roman" panose="02020603050405020304" pitchFamily="18" charset="0"/>
+              </a:rPr>
+              <a:t>EditorConfig</a:t>
+            </a:r>
+            <a:r>
+              <a:rPr lang="pt-BR" sz="2000" b="1" dirty="0">
+                <a:solidFill>
+                  <a:schemeClr val="tx1"/>
+                </a:solidFill>
+                <a:latin typeface="Times New Roman" panose="02020603050405020304" pitchFamily="18" charset="0"/>
+                <a:cs typeface="Times New Roman" panose="02020603050405020304" pitchFamily="18" charset="0"/>
+              </a:rPr>
+              <a:t> for VS </a:t>
+            </a:r>
+            <a:r>
+              <a:rPr lang="pt-BR" sz="2000" b="1" dirty="0" err="1">
+                <a:solidFill>
+                  <a:schemeClr val="tx1"/>
+                </a:solidFill>
+                <a:latin typeface="Times New Roman" panose="02020603050405020304" pitchFamily="18" charset="0"/>
+                <a:cs typeface="Times New Roman" panose="02020603050405020304" pitchFamily="18" charset="0"/>
+              </a:rPr>
+              <a:t>Code</a:t>
+            </a:r>
+            <a:r>
+              <a:rPr lang="pt-BR" sz="2000" b="1" dirty="0">
+                <a:solidFill>
+                  <a:schemeClr val="tx1"/>
+                </a:solidFill>
+                <a:latin typeface="Times New Roman" panose="02020603050405020304" pitchFamily="18" charset="0"/>
+                <a:cs typeface="Times New Roman" panose="02020603050405020304" pitchFamily="18" charset="0"/>
+              </a:rPr>
+              <a:t> (</a:t>
+            </a:r>
+            <a:r>
+              <a:rPr lang="pt-BR" sz="2000" dirty="0">
+                <a:solidFill>
+                  <a:schemeClr val="tx1"/>
+                </a:solidFill>
+                <a:latin typeface="Times New Roman" panose="02020603050405020304" pitchFamily="18" charset="0"/>
+                <a:cs typeface="Times New Roman" panose="02020603050405020304" pitchFamily="18" charset="0"/>
+              </a:rPr>
+              <a:t>.</a:t>
+            </a:r>
+            <a:r>
+              <a:rPr lang="pt-BR" sz="2000" dirty="0" err="1">
+                <a:solidFill>
+                  <a:schemeClr val="tx1"/>
+                </a:solidFill>
+                <a:latin typeface="Times New Roman" panose="02020603050405020304" pitchFamily="18" charset="0"/>
+                <a:cs typeface="Times New Roman" panose="02020603050405020304" pitchFamily="18" charset="0"/>
+              </a:rPr>
+              <a:t>editorconfig</a:t>
+            </a:r>
+            <a:r>
+              <a:rPr lang="pt-BR" sz="2000" b="1" dirty="0">
+                <a:solidFill>
+                  <a:schemeClr val="tx1"/>
+                </a:solidFill>
+                <a:latin typeface="Times New Roman" panose="02020603050405020304" pitchFamily="18" charset="0"/>
+                <a:cs typeface="Times New Roman" panose="02020603050405020304" pitchFamily="18" charset="0"/>
+              </a:rPr>
+              <a:t>)</a:t>
+            </a:r>
+          </a:p>
+          <a:p>
+            <a:pPr marL="0" indent="0" algn="just">
+              <a:buNone/>
+            </a:pPr>
+            <a:r>
+              <a:rPr lang="pt-BR" sz="2000" b="1" dirty="0">
+                <a:solidFill>
+                  <a:srgbClr val="FF0000"/>
+                </a:solidFill>
+                <a:latin typeface="Times New Roman" panose="02020603050405020304" pitchFamily="18" charset="0"/>
+                <a:cs typeface="Times New Roman" panose="02020603050405020304" pitchFamily="18" charset="0"/>
+              </a:rPr>
+              <a:t> 	2. Extensões Gerais PHP:</a:t>
+            </a:r>
+          </a:p>
+          <a:p>
+            <a:pPr marL="0" indent="0" algn="just">
+              <a:buNone/>
+            </a:pPr>
+            <a:r>
+              <a:rPr lang="pt-BR" sz="2000" b="1" dirty="0">
+                <a:solidFill>
+                  <a:srgbClr val="FF0000"/>
+                </a:solidFill>
+                <a:latin typeface="Times New Roman" panose="02020603050405020304" pitchFamily="18" charset="0"/>
+                <a:cs typeface="Times New Roman" panose="02020603050405020304" pitchFamily="18" charset="0"/>
+              </a:rPr>
+              <a:t>	    </a:t>
+            </a:r>
+            <a:r>
+              <a:rPr lang="pt-BR" sz="2000" b="1" dirty="0">
+                <a:solidFill>
+                  <a:schemeClr val="tx1"/>
+                </a:solidFill>
+                <a:latin typeface="Times New Roman" panose="02020603050405020304" pitchFamily="18" charset="0"/>
+                <a:cs typeface="Times New Roman" panose="02020603050405020304" pitchFamily="18" charset="0"/>
+              </a:rPr>
+              <a:t>PHP</a:t>
+            </a:r>
+            <a:r>
+              <a:rPr lang="pt-BR" sz="2000" dirty="0">
+                <a:solidFill>
+                  <a:schemeClr val="tx1"/>
+                </a:solidFill>
+                <a:latin typeface="Times New Roman" panose="02020603050405020304" pitchFamily="18" charset="0"/>
+                <a:cs typeface="Times New Roman" panose="02020603050405020304" pitchFamily="18" charset="0"/>
+              </a:rPr>
+              <a:t> </a:t>
+            </a:r>
+            <a:r>
+              <a:rPr lang="pt-BR" sz="2000" b="1" dirty="0" err="1">
+                <a:solidFill>
+                  <a:srgbClr val="FF0000"/>
+                </a:solidFill>
+                <a:latin typeface="Times New Roman" panose="02020603050405020304" pitchFamily="18" charset="0"/>
+                <a:cs typeface="Times New Roman" panose="02020603050405020304" pitchFamily="18" charset="0"/>
+              </a:rPr>
+              <a:t>Intelephense</a:t>
+            </a:r>
+            <a:r>
+              <a:rPr lang="pt-BR" sz="2000" b="1" dirty="0">
+                <a:solidFill>
+                  <a:srgbClr val="FF0000"/>
+                </a:solidFill>
+                <a:latin typeface="Times New Roman" panose="02020603050405020304" pitchFamily="18" charset="0"/>
+                <a:cs typeface="Times New Roman" panose="02020603050405020304" pitchFamily="18" charset="0"/>
+              </a:rPr>
+              <a:t>;</a:t>
+            </a:r>
+            <a:r>
+              <a:rPr lang="pt-BR" sz="2000" b="1" dirty="0">
+                <a:solidFill>
+                  <a:schemeClr val="tx1"/>
+                </a:solidFill>
+                <a:latin typeface="Times New Roman" panose="02020603050405020304" pitchFamily="18" charset="0"/>
+                <a:cs typeface="Times New Roman" panose="02020603050405020304" pitchFamily="18" charset="0"/>
+              </a:rPr>
+              <a:t> PHP Debug; PHP </a:t>
+            </a:r>
+            <a:r>
+              <a:rPr lang="pt-BR" sz="2000" b="1" dirty="0" err="1">
+                <a:solidFill>
+                  <a:schemeClr val="tx1"/>
+                </a:solidFill>
+                <a:latin typeface="Times New Roman" panose="02020603050405020304" pitchFamily="18" charset="0"/>
+                <a:cs typeface="Times New Roman" panose="02020603050405020304" pitchFamily="18" charset="0"/>
+              </a:rPr>
+              <a:t>Getters</a:t>
+            </a:r>
+            <a:r>
+              <a:rPr lang="pt-BR" sz="2000" b="1" dirty="0">
+                <a:solidFill>
+                  <a:schemeClr val="tx1"/>
+                </a:solidFill>
+                <a:latin typeface="Times New Roman" panose="02020603050405020304" pitchFamily="18" charset="0"/>
+                <a:cs typeface="Times New Roman" panose="02020603050405020304" pitchFamily="18" charset="0"/>
+              </a:rPr>
+              <a:t> e </a:t>
+            </a:r>
+            <a:r>
+              <a:rPr lang="pt-BR" sz="2000" b="1" dirty="0" err="1">
+                <a:solidFill>
+                  <a:schemeClr val="tx1"/>
+                </a:solidFill>
+                <a:latin typeface="Times New Roman" panose="02020603050405020304" pitchFamily="18" charset="0"/>
+                <a:cs typeface="Times New Roman" panose="02020603050405020304" pitchFamily="18" charset="0"/>
+              </a:rPr>
+              <a:t>Setters</a:t>
+            </a:r>
+            <a:endParaRPr lang="pt-BR" sz="2000" dirty="0">
               <a:solidFill>
                 <a:schemeClr val="tx1"/>
               </a:solidFill>
@@ -34634,216 +36458,71 @@
             </a:endParaRPr>
           </a:p>
           <a:p>
-            <a:pPr marL="0" indent="0" algn="just">
-              <a:buNone/>
-            </a:pPr>
-            <a:r>
-              <a:rPr lang="pt-BR" sz="2400" b="1" dirty="0">
-                <a:solidFill>
-                  <a:schemeClr val="tx1"/>
-                </a:solidFill>
-                <a:latin typeface="Times New Roman" panose="02020603050405020304" pitchFamily="18" charset="0"/>
-                <a:cs typeface="Times New Roman" panose="02020603050405020304" pitchFamily="18" charset="0"/>
-              </a:rPr>
-              <a:t>	1. </a:t>
-            </a:r>
-            <a:r>
-              <a:rPr lang="pt-BR" sz="2400" b="1" dirty="0">
+            <a:pPr marL="447675" lvl="1" indent="0" algn="just">
+              <a:buNone/>
+            </a:pPr>
+            <a:r>
+              <a:rPr lang="pt-BR" sz="2000" dirty="0">
+                <a:solidFill>
+                  <a:schemeClr val="tx1"/>
+                </a:solidFill>
+                <a:latin typeface="Times New Roman" panose="02020603050405020304" pitchFamily="18" charset="0"/>
+                <a:cs typeface="Times New Roman" panose="02020603050405020304" pitchFamily="18" charset="0"/>
+              </a:rPr>
+              <a:t> // PHP =&gt; </a:t>
+            </a:r>
+            <a:r>
+              <a:rPr lang="pt-BR" sz="2000" dirty="0" err="1">
+                <a:solidFill>
+                  <a:schemeClr val="tx1"/>
+                </a:solidFill>
+                <a:latin typeface="Times New Roman" panose="02020603050405020304" pitchFamily="18" charset="0"/>
+                <a:cs typeface="Times New Roman" panose="02020603050405020304" pitchFamily="18" charset="0"/>
+              </a:rPr>
+              <a:t>ctrl+shift+p</a:t>
+            </a:r>
+            <a:r>
+              <a:rPr lang="pt-BR" sz="2000" dirty="0">
+                <a:solidFill>
+                  <a:schemeClr val="tx1"/>
+                </a:solidFill>
+                <a:latin typeface="Times New Roman" panose="02020603050405020304" pitchFamily="18" charset="0"/>
+                <a:cs typeface="Times New Roman" panose="02020603050405020304" pitchFamily="18" charset="0"/>
+              </a:rPr>
+              <a:t> = settings (</a:t>
+            </a:r>
+            <a:r>
+              <a:rPr lang="pt-BR" sz="2000" b="1" dirty="0">
                 <a:solidFill>
                   <a:srgbClr val="FF0000"/>
                 </a:solidFill>
                 <a:latin typeface="Times New Roman" panose="02020603050405020304" pitchFamily="18" charset="0"/>
                 <a:cs typeface="Times New Roman" panose="02020603050405020304" pitchFamily="18" charset="0"/>
               </a:rPr>
-              <a:t>Extensões Gerais</a:t>
-            </a:r>
-            <a:r>
-              <a:rPr lang="pt-BR" sz="2400" b="1" dirty="0">
-                <a:solidFill>
-                  <a:schemeClr val="tx1"/>
-                </a:solidFill>
-                <a:latin typeface="Times New Roman" panose="02020603050405020304" pitchFamily="18" charset="0"/>
-                <a:cs typeface="Times New Roman" panose="02020603050405020304" pitchFamily="18" charset="0"/>
-              </a:rPr>
-              <a:t>: </a:t>
-            </a:r>
-          </a:p>
-          <a:p>
-            <a:pPr marL="0" indent="0" algn="just">
-              <a:buNone/>
-            </a:pPr>
-            <a:r>
-              <a:rPr lang="pt-BR" sz="2400" b="1" dirty="0">
-                <a:solidFill>
-                  <a:schemeClr val="tx1"/>
-                </a:solidFill>
-                <a:latin typeface="Times New Roman" panose="02020603050405020304" pitchFamily="18" charset="0"/>
-                <a:cs typeface="Times New Roman" panose="02020603050405020304" pitchFamily="18" charset="0"/>
-              </a:rPr>
-              <a:t>	    </a:t>
-            </a:r>
-            <a:r>
-              <a:rPr lang="pt-BR" sz="2400" b="1" dirty="0" err="1">
-                <a:solidFill>
-                  <a:schemeClr val="tx1"/>
-                </a:solidFill>
-                <a:latin typeface="Times New Roman" panose="02020603050405020304" pitchFamily="18" charset="0"/>
-                <a:cs typeface="Times New Roman" panose="02020603050405020304" pitchFamily="18" charset="0"/>
-              </a:rPr>
-              <a:t>code</a:t>
-            </a:r>
-            <a:r>
-              <a:rPr lang="pt-BR" sz="2400" b="1" dirty="0">
-                <a:solidFill>
-                  <a:schemeClr val="tx1"/>
-                </a:solidFill>
-                <a:latin typeface="Times New Roman" panose="02020603050405020304" pitchFamily="18" charset="0"/>
-                <a:cs typeface="Times New Roman" panose="02020603050405020304" pitchFamily="18" charset="0"/>
-              </a:rPr>
-              <a:t> </a:t>
-            </a:r>
-            <a:r>
-              <a:rPr lang="pt-BR" sz="2400" b="1" dirty="0" err="1">
-                <a:solidFill>
-                  <a:schemeClr val="tx1"/>
-                </a:solidFill>
-                <a:latin typeface="Times New Roman" panose="02020603050405020304" pitchFamily="18" charset="0"/>
-                <a:cs typeface="Times New Roman" panose="02020603050405020304" pitchFamily="18" charset="0"/>
-              </a:rPr>
-              <a:t>Runner</a:t>
-            </a:r>
-            <a:r>
-              <a:rPr lang="pt-BR" sz="2400" b="1" dirty="0">
-                <a:solidFill>
-                  <a:schemeClr val="tx1"/>
-                </a:solidFill>
-                <a:latin typeface="Times New Roman" panose="02020603050405020304" pitchFamily="18" charset="0"/>
-                <a:cs typeface="Times New Roman" panose="02020603050405020304" pitchFamily="18" charset="0"/>
-              </a:rPr>
-              <a:t>; </a:t>
-            </a:r>
-            <a:r>
-              <a:rPr lang="pt-BR" sz="2400" b="1" dirty="0" err="1">
-                <a:solidFill>
-                  <a:schemeClr val="tx1"/>
-                </a:solidFill>
-                <a:latin typeface="Times New Roman" panose="02020603050405020304" pitchFamily="18" charset="0"/>
-                <a:cs typeface="Times New Roman" panose="02020603050405020304" pitchFamily="18" charset="0"/>
-              </a:rPr>
-              <a:t>DotEnv</a:t>
-            </a:r>
-            <a:r>
-              <a:rPr lang="pt-BR" sz="2400" b="1" dirty="0">
-                <a:solidFill>
-                  <a:schemeClr val="tx1"/>
-                </a:solidFill>
-                <a:latin typeface="Times New Roman" panose="02020603050405020304" pitchFamily="18" charset="0"/>
-                <a:cs typeface="Times New Roman" panose="02020603050405020304" pitchFamily="18" charset="0"/>
-              </a:rPr>
-              <a:t> (.</a:t>
-            </a:r>
-            <a:r>
-              <a:rPr lang="pt-BR" sz="2400" b="1" dirty="0" err="1">
-                <a:solidFill>
-                  <a:schemeClr val="tx1"/>
-                </a:solidFill>
-                <a:latin typeface="Times New Roman" panose="02020603050405020304" pitchFamily="18" charset="0"/>
-                <a:cs typeface="Times New Roman" panose="02020603050405020304" pitchFamily="18" charset="0"/>
-              </a:rPr>
-              <a:t>env</a:t>
-            </a:r>
-            <a:r>
-              <a:rPr lang="pt-BR" sz="2400" b="1" dirty="0">
-                <a:solidFill>
-                  <a:schemeClr val="tx1"/>
-                </a:solidFill>
-                <a:latin typeface="Times New Roman" panose="02020603050405020304" pitchFamily="18" charset="0"/>
-                <a:cs typeface="Times New Roman" panose="02020603050405020304" pitchFamily="18" charset="0"/>
-              </a:rPr>
-              <a:t> = </a:t>
-            </a:r>
-            <a:r>
-              <a:rPr lang="pt-BR" sz="2400" dirty="0">
-                <a:solidFill>
-                  <a:schemeClr val="tx1"/>
-                </a:solidFill>
-                <a:latin typeface="Times New Roman" panose="02020603050405020304" pitchFamily="18" charset="0"/>
-                <a:cs typeface="Times New Roman" panose="02020603050405020304" pitchFamily="18" charset="0"/>
-              </a:rPr>
-              <a:t>variáveis de ambiente</a:t>
-            </a:r>
-            <a:r>
-              <a:rPr lang="pt-BR" sz="2400" b="1" dirty="0">
-                <a:solidFill>
-                  <a:schemeClr val="tx1"/>
-                </a:solidFill>
-                <a:latin typeface="Times New Roman" panose="02020603050405020304" pitchFamily="18" charset="0"/>
-                <a:cs typeface="Times New Roman" panose="02020603050405020304" pitchFamily="18" charset="0"/>
-              </a:rPr>
-              <a:t>); </a:t>
-            </a:r>
-            <a:r>
-              <a:rPr lang="pt-BR" sz="2400" b="1" dirty="0" err="1">
-                <a:solidFill>
-                  <a:schemeClr val="tx1"/>
-                </a:solidFill>
-                <a:latin typeface="Times New Roman" panose="02020603050405020304" pitchFamily="18" charset="0"/>
-                <a:cs typeface="Times New Roman" panose="02020603050405020304" pitchFamily="18" charset="0"/>
-              </a:rPr>
-              <a:t>EditorConfig</a:t>
-            </a:r>
-            <a:r>
-              <a:rPr lang="pt-BR" sz="2400" b="1" dirty="0">
-                <a:solidFill>
-                  <a:schemeClr val="tx1"/>
-                </a:solidFill>
-                <a:latin typeface="Times New Roman" panose="02020603050405020304" pitchFamily="18" charset="0"/>
-                <a:cs typeface="Times New Roman" panose="02020603050405020304" pitchFamily="18" charset="0"/>
-              </a:rPr>
-              <a:t> for VS </a:t>
-            </a:r>
-            <a:r>
-              <a:rPr lang="pt-BR" sz="2400" b="1" dirty="0" err="1">
-                <a:solidFill>
-                  <a:schemeClr val="tx1"/>
-                </a:solidFill>
-                <a:latin typeface="Times New Roman" panose="02020603050405020304" pitchFamily="18" charset="0"/>
-                <a:cs typeface="Times New Roman" panose="02020603050405020304" pitchFamily="18" charset="0"/>
-              </a:rPr>
-              <a:t>Code</a:t>
-            </a:r>
-            <a:r>
-              <a:rPr lang="pt-BR" sz="2400" b="1" dirty="0">
-                <a:solidFill>
-                  <a:schemeClr val="tx1"/>
-                </a:solidFill>
-                <a:latin typeface="Times New Roman" panose="02020603050405020304" pitchFamily="18" charset="0"/>
-                <a:cs typeface="Times New Roman" panose="02020603050405020304" pitchFamily="18" charset="0"/>
-              </a:rPr>
-              <a:t> (</a:t>
-            </a:r>
-            <a:r>
-              <a:rPr lang="pt-BR" sz="2400" dirty="0">
-                <a:solidFill>
-                  <a:schemeClr val="tx1"/>
-                </a:solidFill>
-                <a:latin typeface="Times New Roman" panose="02020603050405020304" pitchFamily="18" charset="0"/>
-                <a:cs typeface="Times New Roman" panose="02020603050405020304" pitchFamily="18" charset="0"/>
-              </a:rPr>
-              <a:t>.</a:t>
-            </a:r>
-            <a:r>
-              <a:rPr lang="pt-BR" sz="2400" dirty="0" err="1">
-                <a:solidFill>
-                  <a:schemeClr val="tx1"/>
-                </a:solidFill>
-                <a:latin typeface="Times New Roman" panose="02020603050405020304" pitchFamily="18" charset="0"/>
-                <a:cs typeface="Times New Roman" panose="02020603050405020304" pitchFamily="18" charset="0"/>
-              </a:rPr>
-              <a:t>editorconfig</a:t>
-            </a:r>
-            <a:r>
-              <a:rPr lang="pt-BR" sz="2400" b="1" dirty="0">
+              <a:t>acrescentar</a:t>
+            </a:r>
+            <a:r>
+              <a:rPr lang="pt-BR" sz="2000" dirty="0">
+                <a:solidFill>
+                  <a:schemeClr val="tx1"/>
+                </a:solidFill>
+                <a:latin typeface="Times New Roman" panose="02020603050405020304" pitchFamily="18" charset="0"/>
+                <a:cs typeface="Times New Roman" panose="02020603050405020304" pitchFamily="18" charset="0"/>
+              </a:rPr>
+              <a:t> na configuração: </a:t>
+            </a:r>
+            <a:r>
+              <a:rPr lang="pt-BR" sz="2000" b="1" dirty="0" err="1">
+                <a:solidFill>
+                  <a:schemeClr val="tx1"/>
+                </a:solidFill>
+                <a:latin typeface="Times New Roman" panose="02020603050405020304" pitchFamily="18" charset="0"/>
+                <a:cs typeface="Times New Roman" panose="02020603050405020304" pitchFamily="18" charset="0"/>
+              </a:rPr>
+              <a:t>settings.json</a:t>
+            </a:r>
+            <a:r>
+              <a:rPr lang="pt-BR" sz="2000" dirty="0">
                 <a:solidFill>
                   <a:schemeClr val="tx1"/>
                 </a:solidFill>
@@ -34854,10 +36533,180 @@
             </a:r>
           </a:p>
           <a:p>
-            <a:pPr marL="0" indent="0" algn="just">
-              <a:buNone/>
-            </a:pPr>
-            <a:endParaRPr lang="pt-BR" sz="2400" b="1" dirty="0">
+            <a:pPr marL="447675" lvl="1" indent="0" algn="just">
+              <a:buNone/>
+            </a:pPr>
+            <a:r>
+              <a:rPr lang="pt-BR" sz="2000" dirty="0">
+                <a:solidFill>
+                  <a:schemeClr val="tx1"/>
+                </a:solidFill>
+                <a:latin typeface="Times New Roman" panose="02020603050405020304" pitchFamily="18" charset="0"/>
+                <a:cs typeface="Times New Roman" panose="02020603050405020304" pitchFamily="18" charset="0"/>
+              </a:rPr>
+              <a:t>  "</a:t>
+            </a:r>
+            <a:r>
+              <a:rPr lang="pt-BR" sz="2000" dirty="0" err="1">
+                <a:solidFill>
+                  <a:schemeClr val="tx1"/>
+                </a:solidFill>
+                <a:latin typeface="Times New Roman" panose="02020603050405020304" pitchFamily="18" charset="0"/>
+                <a:cs typeface="Times New Roman" panose="02020603050405020304" pitchFamily="18" charset="0"/>
+              </a:rPr>
+              <a:t>php.validate.executablePath</a:t>
+            </a:r>
+            <a:r>
+              <a:rPr lang="pt-BR" sz="2000" dirty="0">
+                <a:solidFill>
+                  <a:schemeClr val="tx1"/>
+                </a:solidFill>
+                <a:latin typeface="Times New Roman" panose="02020603050405020304" pitchFamily="18" charset="0"/>
+                <a:cs typeface="Times New Roman" panose="02020603050405020304" pitchFamily="18" charset="0"/>
+              </a:rPr>
+              <a:t>": </a:t>
+            </a:r>
+            <a:r>
+              <a:rPr lang="pt-BR" sz="2000">
+                <a:solidFill>
+                  <a:schemeClr val="tx1"/>
+                </a:solidFill>
+                <a:latin typeface="Times New Roman" panose="02020603050405020304" pitchFamily="18" charset="0"/>
+                <a:cs typeface="Times New Roman" panose="02020603050405020304" pitchFamily="18" charset="0"/>
+              </a:rPr>
+              <a:t>“c</a:t>
+            </a:r>
+            <a:r>
+              <a:rPr lang="pt-BR" sz="2000" b="1">
+                <a:solidFill>
+                  <a:schemeClr val="tx1"/>
+                </a:solidFill>
+                <a:latin typeface="Times New Roman" panose="02020603050405020304" pitchFamily="18" charset="0"/>
+                <a:cs typeface="Times New Roman" panose="02020603050405020304" pitchFamily="18" charset="0"/>
+              </a:rPr>
+              <a:t>:\\</a:t>
+            </a:r>
+            <a:r>
+              <a:rPr lang="pt-BR" sz="2000" b="1" dirty="0">
+                <a:solidFill>
+                  <a:schemeClr val="tx1"/>
+                </a:solidFill>
+                <a:latin typeface="Times New Roman" panose="02020603050405020304" pitchFamily="18" charset="0"/>
+                <a:cs typeface="Times New Roman" panose="02020603050405020304" pitchFamily="18" charset="0"/>
+              </a:rPr>
+              <a:t>xampp\\php\\php.exe</a:t>
+            </a:r>
+            <a:r>
+              <a:rPr lang="pt-BR" sz="2000" dirty="0">
+                <a:solidFill>
+                  <a:schemeClr val="tx1"/>
+                </a:solidFill>
+                <a:latin typeface="Times New Roman" panose="02020603050405020304" pitchFamily="18" charset="0"/>
+                <a:cs typeface="Times New Roman" panose="02020603050405020304" pitchFamily="18" charset="0"/>
+              </a:rPr>
+              <a:t>",</a:t>
+            </a:r>
+          </a:p>
+          <a:p>
+            <a:pPr marL="447675" lvl="1" indent="0" algn="just">
+              <a:buNone/>
+            </a:pPr>
+            <a:r>
+              <a:rPr lang="pt-BR" sz="2000" dirty="0">
+                <a:solidFill>
+                  <a:schemeClr val="tx1"/>
+                </a:solidFill>
+                <a:latin typeface="Times New Roman" panose="02020603050405020304" pitchFamily="18" charset="0"/>
+                <a:cs typeface="Times New Roman" panose="02020603050405020304" pitchFamily="18" charset="0"/>
+              </a:rPr>
+              <a:t>  "</a:t>
+            </a:r>
+            <a:r>
+              <a:rPr lang="pt-BR" sz="2000" dirty="0" err="1">
+                <a:solidFill>
+                  <a:schemeClr val="tx1"/>
+                </a:solidFill>
+                <a:latin typeface="Times New Roman" panose="02020603050405020304" pitchFamily="18" charset="0"/>
+                <a:cs typeface="Times New Roman" panose="02020603050405020304" pitchFamily="18" charset="0"/>
+              </a:rPr>
+              <a:t>php.suggest.basic</a:t>
+            </a:r>
+            <a:r>
+              <a:rPr lang="pt-BR" sz="2000" dirty="0">
+                <a:solidFill>
+                  <a:schemeClr val="tx1"/>
+                </a:solidFill>
+                <a:latin typeface="Times New Roman" panose="02020603050405020304" pitchFamily="18" charset="0"/>
+                <a:cs typeface="Times New Roman" panose="02020603050405020304" pitchFamily="18" charset="0"/>
+              </a:rPr>
+              <a:t>": </a:t>
+            </a:r>
+            <a:r>
+              <a:rPr lang="pt-BR" sz="2000" b="1" dirty="0">
+                <a:solidFill>
+                  <a:schemeClr val="tx1"/>
+                </a:solidFill>
+                <a:latin typeface="Times New Roman" panose="02020603050405020304" pitchFamily="18" charset="0"/>
+                <a:cs typeface="Times New Roman" panose="02020603050405020304" pitchFamily="18" charset="0"/>
+              </a:rPr>
+              <a:t>false</a:t>
+            </a:r>
+            <a:r>
+              <a:rPr lang="pt-BR" sz="2000" dirty="0">
+                <a:solidFill>
+                  <a:schemeClr val="tx1"/>
+                </a:solidFill>
+                <a:latin typeface="Times New Roman" panose="02020603050405020304" pitchFamily="18" charset="0"/>
+                <a:cs typeface="Times New Roman" panose="02020603050405020304" pitchFamily="18" charset="0"/>
+              </a:rPr>
+              <a:t>,</a:t>
+            </a:r>
+          </a:p>
+          <a:p>
+            <a:pPr marL="447675" lvl="1" indent="0" algn="just">
+              <a:buNone/>
+            </a:pPr>
+            <a:r>
+              <a:rPr lang="pt-BR" sz="2000" dirty="0">
+                <a:solidFill>
+                  <a:schemeClr val="tx1"/>
+                </a:solidFill>
+                <a:latin typeface="Times New Roman" panose="02020603050405020304" pitchFamily="18" charset="0"/>
+                <a:cs typeface="Times New Roman" panose="02020603050405020304" pitchFamily="18" charset="0"/>
+              </a:rPr>
+              <a:t>  "</a:t>
+            </a:r>
+            <a:r>
+              <a:rPr lang="pt-BR" sz="2000" dirty="0" err="1">
+                <a:solidFill>
+                  <a:schemeClr val="tx1"/>
+                </a:solidFill>
+                <a:latin typeface="Times New Roman" panose="02020603050405020304" pitchFamily="18" charset="0"/>
+                <a:cs typeface="Times New Roman" panose="02020603050405020304" pitchFamily="18" charset="0"/>
+              </a:rPr>
+              <a:t>http.proxyAuthorization</a:t>
+            </a:r>
+            <a:r>
+              <a:rPr lang="pt-BR" sz="2000" dirty="0">
+                <a:solidFill>
+                  <a:schemeClr val="tx1"/>
+                </a:solidFill>
+                <a:latin typeface="Times New Roman" panose="02020603050405020304" pitchFamily="18" charset="0"/>
+                <a:cs typeface="Times New Roman" panose="02020603050405020304" pitchFamily="18" charset="0"/>
+              </a:rPr>
+              <a:t>": </a:t>
+            </a:r>
+            <a:r>
+              <a:rPr lang="pt-BR" sz="2000" b="1" dirty="0" err="1">
+                <a:solidFill>
+                  <a:schemeClr val="tx1"/>
+                </a:solidFill>
+                <a:latin typeface="Times New Roman" panose="02020603050405020304" pitchFamily="18" charset="0"/>
+                <a:cs typeface="Times New Roman" panose="02020603050405020304" pitchFamily="18" charset="0"/>
+              </a:rPr>
+              <a:t>null</a:t>
+            </a:r>
+            <a:endParaRPr lang="pt-BR" sz="2000" b="1" dirty="0">
               <a:solidFill>
                 <a:schemeClr val="tx1"/>
               </a:solidFill>
@@ -34869,136 +36718,7 @@
             <a:pPr marL="0" indent="0" algn="just">
               <a:buNone/>
             </a:pPr>
-            <a:r>
-              <a:rPr lang="pt-BR" sz="2400" b="1" dirty="0">
-                <a:solidFill>
-                  <a:srgbClr val="FF0000"/>
-                </a:solidFill>
-                <a:latin typeface="Times New Roman" panose="02020603050405020304" pitchFamily="18" charset="0"/>
-                <a:cs typeface="Times New Roman" panose="02020603050405020304" pitchFamily="18" charset="0"/>
-              </a:rPr>
-              <a:t> 	2. Extensões Gerais PHP:</a:t>
-            </a:r>
-          </a:p>
-          <a:p>
-            <a:pPr marL="0" indent="0" algn="just">
-              <a:buNone/>
-            </a:pPr>
-            <a:r>
-              <a:rPr lang="pt-BR" sz="2400" b="1" dirty="0">
-                <a:solidFill>
-                  <a:srgbClr val="FF0000"/>
-                </a:solidFill>
-                <a:latin typeface="Times New Roman" panose="02020603050405020304" pitchFamily="18" charset="0"/>
-                <a:cs typeface="Times New Roman" panose="02020603050405020304" pitchFamily="18" charset="0"/>
-              </a:rPr>
-              <a:t>	    </a:t>
-            </a:r>
-            <a:r>
-              <a:rPr lang="pt-BR" sz="2400" b="1" dirty="0">
-                <a:solidFill>
-                  <a:schemeClr val="tx1"/>
-                </a:solidFill>
-                <a:latin typeface="Times New Roman" panose="02020603050405020304" pitchFamily="18" charset="0"/>
-                <a:cs typeface="Times New Roman" panose="02020603050405020304" pitchFamily="18" charset="0"/>
-              </a:rPr>
-              <a:t>PHP</a:t>
-            </a:r>
-            <a:r>
-              <a:rPr lang="pt-BR" sz="2400" dirty="0">
-                <a:solidFill>
-                  <a:schemeClr val="tx1"/>
-                </a:solidFill>
-                <a:latin typeface="Times New Roman" panose="02020603050405020304" pitchFamily="18" charset="0"/>
-                <a:cs typeface="Times New Roman" panose="02020603050405020304" pitchFamily="18" charset="0"/>
-              </a:rPr>
-              <a:t> </a:t>
-            </a:r>
-            <a:r>
-              <a:rPr lang="pt-BR" sz="2400" b="1" dirty="0" err="1">
-                <a:solidFill>
-                  <a:srgbClr val="FF0000"/>
-                </a:solidFill>
-                <a:latin typeface="Times New Roman" panose="02020603050405020304" pitchFamily="18" charset="0"/>
-                <a:cs typeface="Times New Roman" panose="02020603050405020304" pitchFamily="18" charset="0"/>
-              </a:rPr>
-              <a:t>Intelephense</a:t>
-            </a:r>
-            <a:r>
-              <a:rPr lang="pt-BR" sz="2400" b="1" dirty="0">
-                <a:solidFill>
-                  <a:srgbClr val="FF0000"/>
-                </a:solidFill>
-                <a:latin typeface="Times New Roman" panose="02020603050405020304" pitchFamily="18" charset="0"/>
-                <a:cs typeface="Times New Roman" panose="02020603050405020304" pitchFamily="18" charset="0"/>
-              </a:rPr>
-              <a:t>;</a:t>
-            </a:r>
-            <a:r>
-              <a:rPr lang="pt-BR" sz="2400" b="1" dirty="0">
-                <a:solidFill>
-                  <a:schemeClr val="tx1"/>
-                </a:solidFill>
-                <a:latin typeface="Times New Roman" panose="02020603050405020304" pitchFamily="18" charset="0"/>
-                <a:cs typeface="Times New Roman" panose="02020603050405020304" pitchFamily="18" charset="0"/>
-              </a:rPr>
-              <a:t> PHP Debug; PHP </a:t>
-            </a:r>
-            <a:r>
-              <a:rPr lang="pt-BR" sz="2400" b="1" dirty="0" err="1">
-                <a:solidFill>
-                  <a:schemeClr val="tx1"/>
-                </a:solidFill>
-                <a:latin typeface="Times New Roman" panose="02020603050405020304" pitchFamily="18" charset="0"/>
-                <a:cs typeface="Times New Roman" panose="02020603050405020304" pitchFamily="18" charset="0"/>
-              </a:rPr>
-              <a:t>Getters</a:t>
-            </a:r>
-            <a:r>
-              <a:rPr lang="pt-BR" sz="2400" b="1" dirty="0">
-                <a:solidFill>
-                  <a:schemeClr val="tx1"/>
-                </a:solidFill>
-                <a:latin typeface="Times New Roman" panose="02020603050405020304" pitchFamily="18" charset="0"/>
-                <a:cs typeface="Times New Roman" panose="02020603050405020304" pitchFamily="18" charset="0"/>
-              </a:rPr>
-              <a:t> e </a:t>
-            </a:r>
-            <a:r>
-              <a:rPr lang="pt-BR" sz="2400" b="1" dirty="0" err="1">
-                <a:solidFill>
-                  <a:schemeClr val="tx1"/>
-                </a:solidFill>
-                <a:latin typeface="Times New Roman" panose="02020603050405020304" pitchFamily="18" charset="0"/>
-                <a:cs typeface="Times New Roman" panose="02020603050405020304" pitchFamily="18" charset="0"/>
-              </a:rPr>
-              <a:t>Setters</a:t>
-            </a:r>
-            <a:endParaRPr lang="pt-BR" sz="2400" dirty="0">
-              <a:solidFill>
-                <a:schemeClr val="tx1"/>
-              </a:solidFill>
-              <a:latin typeface="Times New Roman" panose="02020603050405020304" pitchFamily="18" charset="0"/>
-              <a:cs typeface="Times New Roman" panose="02020603050405020304" pitchFamily="18" charset="0"/>
-            </a:endParaRPr>
-          </a:p>
-          <a:p>
-            <a:pPr marL="0" indent="0" algn="just">
-              <a:buNone/>
-            </a:pPr>
-            <a:endParaRPr lang="pt-BR" sz="2400" dirty="0">
-              <a:solidFill>
-                <a:schemeClr val="tx1"/>
-              </a:solidFill>
-              <a:latin typeface="Times New Roman" panose="02020603050405020304" pitchFamily="18" charset="0"/>
-              <a:cs typeface="Times New Roman" panose="02020603050405020304" pitchFamily="18" charset="0"/>
-            </a:endParaRPr>
-          </a:p>
-          <a:p>
-            <a:pPr marL="0" indent="0" algn="just">
-              <a:buNone/>
-            </a:pPr>
-            <a:endParaRPr lang="pt-BR" sz="2400" dirty="0">
+            <a:endParaRPr lang="pt-BR" sz="2000" dirty="0">
               <a:solidFill>
                 <a:schemeClr val="tx1"/>
               </a:solidFill>
@@ -35062,12 +36782,20 @@
           <a:lstStyle/>
           <a:p>
             <a:r>
+              <a:rPr lang="en-US" b="1" dirty="0">
+                <a:solidFill>
+                  <a:srgbClr val="0070C0"/>
+                </a:solidFill>
+              </a:rPr>
+              <a:t>PHP – MySQL </a:t>
+            </a:r>
+            <a:r>
               <a:rPr lang="en-US" b="1" dirty="0" err="1">
                 <a:solidFill>
                   <a:srgbClr val="0070C0"/>
                 </a:solidFill>
               </a:rPr>
-              <a:t>Dinâmica</a:t>
+              <a:t>Transações</a:t>
             </a:r>
             <a:r>
               <a:rPr lang="en-US" b="1" dirty="0">
@@ -35075,21 +36803,8 @@
                   <a:srgbClr val="0070C0"/>
                 </a:solidFill>
               </a:rPr>
-              <a:t>/</a:t>
-            </a:r>
-            <a:r>
-              <a:rPr lang="en-US" b="1" dirty="0" err="1">
-                <a:solidFill>
-                  <a:srgbClr val="0070C0"/>
-                </a:solidFill>
-              </a:rPr>
-              <a:t>Atividades</a:t>
-            </a:r>
-            <a:endParaRPr lang="en-US" b="1" dirty="0">
-              <a:solidFill>
-                <a:srgbClr val="0070C0"/>
-              </a:solidFill>
-            </a:endParaRPr>
+              <a:t> Insert</a:t>
+            </a:r>
           </a:p>
         </p:txBody>
       </p:sp>
@@ -35105,8 +36820,8 @@
         </p:nvSpPr>
         <p:spPr>
           <a:xfrm>
-            <a:off x="139472" y="1063230"/>
-            <a:ext cx="8865056" cy="3606305"/>
+            <a:off x="142865" y="1037312"/>
+            <a:ext cx="8865056" cy="3900208"/>
           </a:xfrm>
         </p:spPr>
         <p:txBody>
@@ -35115,105 +36830,68 @@
           </a:bodyPr>
           <a:lstStyle/>
           <a:p>
-            <a:pPr algn="just">
-              <a:buFontTx/>
-              <a:buChar char="-"/>
-            </a:pPr>
-            <a:r>
-              <a:rPr lang="pt-BR" dirty="0">
-                <a:latin typeface="Times New Roman" panose="02020603050405020304" pitchFamily="18" charset="0"/>
-                <a:cs typeface="Times New Roman" panose="02020603050405020304" pitchFamily="18" charset="0"/>
-              </a:rPr>
-              <a:t>Exercícios de Fixação </a:t>
-            </a:r>
-            <a:r>
-              <a:rPr lang="pt-BR" b="1" dirty="0">
-                <a:latin typeface="Times New Roman" panose="02020603050405020304" pitchFamily="18" charset="0"/>
-                <a:cs typeface="Times New Roman" panose="02020603050405020304" pitchFamily="18" charset="0"/>
-              </a:rPr>
-              <a:t>PHP</a:t>
-            </a:r>
-          </a:p>
-          <a:p>
-            <a:pPr marL="0" indent="0" algn="just">
-              <a:buNone/>
-            </a:pPr>
-            <a:r>
-              <a:rPr lang="pt-BR" dirty="0">
-                <a:latin typeface="Times New Roman" panose="02020603050405020304" pitchFamily="18" charset="0"/>
-                <a:cs typeface="Times New Roman" panose="02020603050405020304" pitchFamily="18" charset="0"/>
-              </a:rPr>
-              <a:t>	</a:t>
-            </a:r>
-            <a:r>
-              <a:rPr lang="pt-BR" b="1" dirty="0">
-                <a:solidFill>
-                  <a:srgbClr val="FF0000"/>
-                </a:solidFill>
-                <a:latin typeface="Times New Roman" panose="02020603050405020304" pitchFamily="18" charset="0"/>
-                <a:cs typeface="Times New Roman" panose="02020603050405020304" pitchFamily="18" charset="0"/>
-              </a:rPr>
-              <a:t>Desafio em Sala de Aula</a:t>
-            </a:r>
-            <a:r>
-              <a:rPr lang="pt-BR" dirty="0">
-                <a:latin typeface="Times New Roman" panose="02020603050405020304" pitchFamily="18" charset="0"/>
-                <a:cs typeface="Times New Roman" panose="02020603050405020304" pitchFamily="18" charset="0"/>
-              </a:rPr>
-              <a:t>.</a:t>
-            </a:r>
-          </a:p>
-          <a:p>
-            <a:pPr marL="0" indent="0" algn="just">
-              <a:buNone/>
-            </a:pPr>
-            <a:r>
-              <a:rPr lang="pt-BR" dirty="0">
-                <a:latin typeface="Times New Roman" panose="02020603050405020304" pitchFamily="18" charset="0"/>
-                <a:cs typeface="Times New Roman" panose="02020603050405020304" pitchFamily="18" charset="0"/>
-              </a:rPr>
-              <a:t>		</a:t>
-            </a:r>
-          </a:p>
-          <a:p>
-            <a:pPr marL="0" indent="0" algn="just">
-              <a:buNone/>
-            </a:pPr>
-            <a:r>
-              <a:rPr lang="es-ES" dirty="0">
-                <a:latin typeface="Times New Roman" panose="02020603050405020304" pitchFamily="18" charset="0"/>
-                <a:cs typeface="Times New Roman" panose="02020603050405020304" pitchFamily="18" charset="0"/>
-              </a:rPr>
-              <a:t>- </a:t>
-            </a:r>
-            <a:r>
-              <a:rPr lang="es-ES" b="1" dirty="0">
-                <a:latin typeface="Times New Roman" panose="02020603050405020304" pitchFamily="18" charset="0"/>
-                <a:cs typeface="Times New Roman" panose="02020603050405020304" pitchFamily="18" charset="0"/>
-              </a:rPr>
-              <a:t>Quiz</a:t>
-            </a:r>
-            <a:r>
-              <a:rPr lang="es-ES" dirty="0">
-                <a:latin typeface="Times New Roman" panose="02020603050405020304" pitchFamily="18" charset="0"/>
-                <a:cs typeface="Times New Roman" panose="02020603050405020304" pitchFamily="18" charset="0"/>
-              </a:rPr>
-              <a:t> PHP</a:t>
-            </a:r>
-          </a:p>
-          <a:p>
-            <a:pPr marL="0" indent="0" algn="just">
-              <a:buNone/>
-            </a:pPr>
-            <a:r>
-              <a:rPr lang="es-ES" dirty="0">
-                <a:latin typeface="Times New Roman" panose="02020603050405020304" pitchFamily="18" charset="0"/>
-                <a:cs typeface="Times New Roman" panose="02020603050405020304" pitchFamily="18" charset="0"/>
-                <a:hlinkClick r:id="rId3"/>
-              </a:rPr>
-              <a:t>https://www.w3schools.com/php/php_quiz.asp</a:t>
-            </a:r>
-            <a:endParaRPr lang="es-ES" dirty="0">
+            <a:pPr marL="0" indent="0" algn="just">
+              <a:buNone/>
+            </a:pPr>
+            <a:r>
+              <a:rPr lang="pt-BR" sz="2000" dirty="0">
+                <a:solidFill>
+                  <a:schemeClr val="tx1"/>
+                </a:solidFill>
+                <a:latin typeface="Times New Roman" panose="02020603050405020304" pitchFamily="18" charset="0"/>
+                <a:cs typeface="Times New Roman" panose="02020603050405020304" pitchFamily="18" charset="0"/>
+              </a:rPr>
+              <a:t>&lt;!-- </a:t>
+            </a:r>
+            <a:r>
+              <a:rPr lang="pt-BR" sz="2000" b="1" dirty="0">
+                <a:solidFill>
+                  <a:schemeClr val="tx1"/>
+                </a:solidFill>
+                <a:latin typeface="Times New Roman" panose="02020603050405020304" pitchFamily="18" charset="0"/>
+                <a:cs typeface="Times New Roman" panose="02020603050405020304" pitchFamily="18" charset="0"/>
+              </a:rPr>
+              <a:t>Preenchendo a tabela com os dados do banco:</a:t>
+            </a:r>
+            <a:r>
+              <a:rPr lang="pt-BR" sz="2000" dirty="0">
+                <a:solidFill>
+                  <a:schemeClr val="tx1"/>
+                </a:solidFill>
+                <a:latin typeface="Times New Roman" panose="02020603050405020304" pitchFamily="18" charset="0"/>
+                <a:cs typeface="Times New Roman" panose="02020603050405020304" pitchFamily="18" charset="0"/>
+              </a:rPr>
+              <a:t> --&gt;</a:t>
+            </a:r>
+          </a:p>
+          <a:p>
+            <a:pPr marL="0" indent="0" algn="just">
+              <a:buNone/>
+            </a:pPr>
+            <a:r>
+              <a:rPr lang="pt-BR" sz="2000" dirty="0">
+                <a:solidFill>
+                  <a:schemeClr val="tx1"/>
+                </a:solidFill>
+                <a:latin typeface="Times New Roman" panose="02020603050405020304" pitchFamily="18" charset="0"/>
+                <a:cs typeface="Times New Roman" panose="02020603050405020304" pitchFamily="18" charset="0"/>
+              </a:rPr>
+              <a:t>&lt;?</a:t>
+            </a:r>
+            <a:r>
+              <a:rPr lang="pt-BR" sz="2000" b="1" dirty="0" err="1">
+                <a:solidFill>
+                  <a:srgbClr val="0070C0"/>
+                </a:solidFill>
+                <a:latin typeface="Times New Roman" panose="02020603050405020304" pitchFamily="18" charset="0"/>
+                <a:cs typeface="Times New Roman" panose="02020603050405020304" pitchFamily="18" charset="0"/>
+              </a:rPr>
+              <a:t>php</a:t>
+            </a:r>
+            <a:endParaRPr lang="pt-BR" sz="2000" b="1" dirty="0">
+              <a:solidFill>
+                <a:srgbClr val="0070C0"/>
+              </a:solidFill>
               <a:latin typeface="Times New Roman" panose="02020603050405020304" pitchFamily="18" charset="0"/>
               <a:cs typeface="Times New Roman" panose="02020603050405020304" pitchFamily="18" charset="0"/>
             </a:endParaRPr>
@@ -35222,16 +36900,445 @@
             <a:pPr marL="0" indent="0" algn="just">
               <a:buNone/>
             </a:pPr>
-            <a:endParaRPr lang="pt-BR" dirty="0">
-              <a:latin typeface="Calibri" panose="020F0502020204030204" pitchFamily="34" charset="0"/>
+            <a:r>
+              <a:rPr lang="pt-BR" sz="2000" dirty="0">
+                <a:solidFill>
+                  <a:schemeClr val="tx1"/>
+                </a:solidFill>
+                <a:latin typeface="Times New Roman" panose="02020603050405020304" pitchFamily="18" charset="0"/>
+                <a:cs typeface="Times New Roman" panose="02020603050405020304" pitchFamily="18" charset="0"/>
+              </a:rPr>
+              <a:t>    $</a:t>
+            </a:r>
+            <a:r>
+              <a:rPr lang="pt-BR" sz="2000" b="1" dirty="0" err="1">
+                <a:solidFill>
+                  <a:schemeClr val="tx1"/>
+                </a:solidFill>
+                <a:latin typeface="Times New Roman" panose="02020603050405020304" pitchFamily="18" charset="0"/>
+                <a:cs typeface="Times New Roman" panose="02020603050405020304" pitchFamily="18" charset="0"/>
+              </a:rPr>
+              <a:t>sql</a:t>
+            </a:r>
+            <a:r>
+              <a:rPr lang="pt-BR" sz="2000" dirty="0">
+                <a:solidFill>
+                  <a:schemeClr val="tx1"/>
+                </a:solidFill>
+                <a:latin typeface="Times New Roman" panose="02020603050405020304" pitchFamily="18" charset="0"/>
+                <a:cs typeface="Times New Roman" panose="02020603050405020304" pitchFamily="18" charset="0"/>
+              </a:rPr>
+              <a:t> = "</a:t>
+            </a:r>
+            <a:r>
+              <a:rPr lang="pt-BR" sz="2000" b="1" dirty="0" err="1">
+                <a:solidFill>
+                  <a:schemeClr val="tx1"/>
+                </a:solidFill>
+                <a:latin typeface="Times New Roman" panose="02020603050405020304" pitchFamily="18" charset="0"/>
+                <a:cs typeface="Times New Roman" panose="02020603050405020304" pitchFamily="18" charset="0"/>
+              </a:rPr>
+              <a:t>select</a:t>
+            </a:r>
+            <a:r>
+              <a:rPr lang="pt-BR" sz="2000" dirty="0">
+                <a:solidFill>
+                  <a:schemeClr val="tx1"/>
+                </a:solidFill>
+                <a:latin typeface="Times New Roman" panose="02020603050405020304" pitchFamily="18" charset="0"/>
+                <a:cs typeface="Times New Roman" panose="02020603050405020304" pitchFamily="18" charset="0"/>
+              </a:rPr>
+              <a:t> ID, NAME </a:t>
+            </a:r>
+            <a:r>
+              <a:rPr lang="pt-BR" sz="2000" b="1" dirty="0" err="1">
+                <a:solidFill>
+                  <a:schemeClr val="tx1"/>
+                </a:solidFill>
+                <a:latin typeface="Times New Roman" panose="02020603050405020304" pitchFamily="18" charset="0"/>
+                <a:cs typeface="Times New Roman" panose="02020603050405020304" pitchFamily="18" charset="0"/>
+              </a:rPr>
+              <a:t>from</a:t>
+            </a:r>
+            <a:r>
+              <a:rPr lang="pt-BR" sz="2000" dirty="0">
+                <a:solidFill>
+                  <a:schemeClr val="tx1"/>
+                </a:solidFill>
+                <a:latin typeface="Times New Roman" panose="02020603050405020304" pitchFamily="18" charset="0"/>
+                <a:cs typeface="Times New Roman" panose="02020603050405020304" pitchFamily="18" charset="0"/>
+              </a:rPr>
+              <a:t> </a:t>
+            </a:r>
+            <a:r>
+              <a:rPr lang="pt-BR" sz="2000" dirty="0" err="1">
+                <a:solidFill>
+                  <a:schemeClr val="tx1"/>
+                </a:solidFill>
+                <a:latin typeface="Times New Roman" panose="02020603050405020304" pitchFamily="18" charset="0"/>
+                <a:cs typeface="Times New Roman" panose="02020603050405020304" pitchFamily="18" charset="0"/>
+              </a:rPr>
+              <a:t>department</a:t>
+            </a:r>
+            <a:r>
+              <a:rPr lang="pt-BR" sz="2000" dirty="0">
+                <a:solidFill>
+                  <a:schemeClr val="tx1"/>
+                </a:solidFill>
+                <a:latin typeface="Times New Roman" panose="02020603050405020304" pitchFamily="18" charset="0"/>
+                <a:cs typeface="Times New Roman" panose="02020603050405020304" pitchFamily="18" charset="0"/>
+              </a:rPr>
+              <a:t>";</a:t>
+            </a:r>
+          </a:p>
+          <a:p>
+            <a:pPr marL="0" indent="0" algn="just">
+              <a:buNone/>
+            </a:pPr>
+            <a:r>
+              <a:rPr lang="pt-BR" sz="2000" dirty="0">
+                <a:solidFill>
+                  <a:schemeClr val="tx1"/>
+                </a:solidFill>
+                <a:latin typeface="Times New Roman" panose="02020603050405020304" pitchFamily="18" charset="0"/>
+                <a:cs typeface="Times New Roman" panose="02020603050405020304" pitchFamily="18" charset="0"/>
+              </a:rPr>
+              <a:t>    $</a:t>
+            </a:r>
+            <a:r>
+              <a:rPr lang="pt-BR" sz="2000" b="1" dirty="0">
+                <a:solidFill>
+                  <a:schemeClr val="tx1"/>
+                </a:solidFill>
+                <a:latin typeface="Times New Roman" panose="02020603050405020304" pitchFamily="18" charset="0"/>
+                <a:cs typeface="Times New Roman" panose="02020603050405020304" pitchFamily="18" charset="0"/>
+              </a:rPr>
+              <a:t>resultado</a:t>
+            </a:r>
+            <a:r>
+              <a:rPr lang="pt-BR" sz="2000" dirty="0">
+                <a:solidFill>
+                  <a:schemeClr val="tx1"/>
+                </a:solidFill>
+                <a:latin typeface="Times New Roman" panose="02020603050405020304" pitchFamily="18" charset="0"/>
+                <a:cs typeface="Times New Roman" panose="02020603050405020304" pitchFamily="18" charset="0"/>
+              </a:rPr>
+              <a:t> = </a:t>
+            </a:r>
+            <a:r>
+              <a:rPr lang="pt-BR" sz="2000" b="1" dirty="0" err="1">
+                <a:solidFill>
+                  <a:srgbClr val="FF0000"/>
+                </a:solidFill>
+                <a:latin typeface="Times New Roman" panose="02020603050405020304" pitchFamily="18" charset="0"/>
+                <a:cs typeface="Times New Roman" panose="02020603050405020304" pitchFamily="18" charset="0"/>
+              </a:rPr>
+              <a:t>mysqli_query</a:t>
+            </a:r>
+            <a:r>
+              <a:rPr lang="pt-BR" sz="2000" dirty="0">
+                <a:solidFill>
+                  <a:schemeClr val="tx1"/>
+                </a:solidFill>
+                <a:latin typeface="Times New Roman" panose="02020603050405020304" pitchFamily="18" charset="0"/>
+                <a:cs typeface="Times New Roman" panose="02020603050405020304" pitchFamily="18" charset="0"/>
+              </a:rPr>
+              <a:t>($</a:t>
+            </a:r>
+            <a:r>
+              <a:rPr lang="pt-BR" sz="2000" b="1" dirty="0" err="1">
+                <a:solidFill>
+                  <a:schemeClr val="tx1"/>
+                </a:solidFill>
+                <a:latin typeface="Times New Roman" panose="02020603050405020304" pitchFamily="18" charset="0"/>
+                <a:cs typeface="Times New Roman" panose="02020603050405020304" pitchFamily="18" charset="0"/>
+              </a:rPr>
+              <a:t>conn</a:t>
+            </a:r>
+            <a:r>
+              <a:rPr lang="pt-BR" sz="2000" dirty="0">
+                <a:solidFill>
+                  <a:schemeClr val="tx1"/>
+                </a:solidFill>
+                <a:latin typeface="Times New Roman" panose="02020603050405020304" pitchFamily="18" charset="0"/>
+                <a:cs typeface="Times New Roman" panose="02020603050405020304" pitchFamily="18" charset="0"/>
+              </a:rPr>
+              <a:t>, $</a:t>
+            </a:r>
+            <a:r>
+              <a:rPr lang="pt-BR" sz="2000" b="1" dirty="0" err="1">
+                <a:solidFill>
+                  <a:schemeClr val="tx1"/>
+                </a:solidFill>
+                <a:latin typeface="Times New Roman" panose="02020603050405020304" pitchFamily="18" charset="0"/>
+                <a:cs typeface="Times New Roman" panose="02020603050405020304" pitchFamily="18" charset="0"/>
+              </a:rPr>
+              <a:t>sql</a:t>
+            </a:r>
+            <a:r>
+              <a:rPr lang="pt-BR" sz="2000" dirty="0">
+                <a:solidFill>
+                  <a:schemeClr val="tx1"/>
+                </a:solidFill>
+                <a:latin typeface="Times New Roman" panose="02020603050405020304" pitchFamily="18" charset="0"/>
+                <a:cs typeface="Times New Roman" panose="02020603050405020304" pitchFamily="18" charset="0"/>
+              </a:rPr>
+              <a:t>) </a:t>
+            </a:r>
+            <a:r>
+              <a:rPr lang="pt-BR" sz="2000" b="1" dirty="0" err="1">
+                <a:solidFill>
+                  <a:schemeClr val="tx1"/>
+                </a:solidFill>
+                <a:latin typeface="Times New Roman" panose="02020603050405020304" pitchFamily="18" charset="0"/>
+                <a:cs typeface="Times New Roman" panose="02020603050405020304" pitchFamily="18" charset="0"/>
+              </a:rPr>
+              <a:t>or</a:t>
+            </a:r>
+            <a:r>
+              <a:rPr lang="pt-BR" sz="2000" dirty="0">
+                <a:solidFill>
+                  <a:schemeClr val="tx1"/>
+                </a:solidFill>
+                <a:latin typeface="Times New Roman" panose="02020603050405020304" pitchFamily="18" charset="0"/>
+                <a:cs typeface="Times New Roman" panose="02020603050405020304" pitchFamily="18" charset="0"/>
+              </a:rPr>
+              <a:t> </a:t>
+            </a:r>
+          </a:p>
+          <a:p>
+            <a:pPr marL="0" indent="0" algn="just">
+              <a:buNone/>
+            </a:pPr>
+            <a:r>
+              <a:rPr lang="pt-BR" sz="2000" b="1" dirty="0">
+                <a:solidFill>
+                  <a:schemeClr val="tx1"/>
+                </a:solidFill>
+                <a:latin typeface="Times New Roman" panose="02020603050405020304" pitchFamily="18" charset="0"/>
+                <a:cs typeface="Times New Roman" panose="02020603050405020304" pitchFamily="18" charset="0"/>
+              </a:rPr>
+              <a:t>				  die</a:t>
+            </a:r>
+            <a:r>
+              <a:rPr lang="pt-BR" sz="2000" dirty="0">
+                <a:solidFill>
+                  <a:schemeClr val="tx1"/>
+                </a:solidFill>
+                <a:latin typeface="Times New Roman" panose="02020603050405020304" pitchFamily="18" charset="0"/>
+                <a:cs typeface="Times New Roman" panose="02020603050405020304" pitchFamily="18" charset="0"/>
+              </a:rPr>
+              <a:t>("Erro ao retornar dados");</a:t>
+            </a:r>
+          </a:p>
+          <a:p>
+            <a:pPr marL="0" indent="0" algn="just">
+              <a:buNone/>
+            </a:pPr>
+            <a:r>
+              <a:rPr lang="pt-BR" sz="2000" dirty="0">
+                <a:solidFill>
+                  <a:schemeClr val="tx1"/>
+                </a:solidFill>
+                <a:latin typeface="Times New Roman" panose="02020603050405020304" pitchFamily="18" charset="0"/>
+                <a:cs typeface="Times New Roman" panose="02020603050405020304" pitchFamily="18" charset="0"/>
+              </a:rPr>
+              <a:t>    // </a:t>
+            </a:r>
+            <a:r>
+              <a:rPr lang="pt-BR" sz="2000" b="1" dirty="0">
+                <a:solidFill>
+                  <a:schemeClr val="tx1"/>
+                </a:solidFill>
+                <a:latin typeface="Times New Roman" panose="02020603050405020304" pitchFamily="18" charset="0"/>
+                <a:cs typeface="Times New Roman" panose="02020603050405020304" pitchFamily="18" charset="0"/>
+              </a:rPr>
+              <a:t>Obtendo os dados por meio de um loop </a:t>
+            </a:r>
+            <a:r>
+              <a:rPr lang="pt-BR" sz="2000" b="1" dirty="0" err="1">
+                <a:solidFill>
+                  <a:schemeClr val="tx1"/>
+                </a:solidFill>
+                <a:latin typeface="Times New Roman" panose="02020603050405020304" pitchFamily="18" charset="0"/>
+                <a:cs typeface="Times New Roman" panose="02020603050405020304" pitchFamily="18" charset="0"/>
+              </a:rPr>
+              <a:t>while</a:t>
+            </a:r>
+            <a:endParaRPr lang="pt-BR" sz="2000" b="1" dirty="0">
+              <a:solidFill>
+                <a:schemeClr val="tx1"/>
+              </a:solidFill>
+              <a:latin typeface="Times New Roman" panose="02020603050405020304" pitchFamily="18" charset="0"/>
+              <a:cs typeface="Times New Roman" panose="02020603050405020304" pitchFamily="18" charset="0"/>
             </a:endParaRPr>
+          </a:p>
+          <a:p>
+            <a:pPr marL="0" indent="0" algn="just">
+              <a:buNone/>
+            </a:pPr>
+            <a:r>
+              <a:rPr lang="pt-BR" sz="2000" dirty="0">
+                <a:solidFill>
+                  <a:schemeClr val="tx1"/>
+                </a:solidFill>
+                <a:latin typeface="Times New Roman" panose="02020603050405020304" pitchFamily="18" charset="0"/>
+                <a:cs typeface="Times New Roman" panose="02020603050405020304" pitchFamily="18" charset="0"/>
+              </a:rPr>
+              <a:t>    </a:t>
+            </a:r>
+            <a:r>
+              <a:rPr lang="pt-BR" sz="2000" b="1" dirty="0" err="1">
+                <a:solidFill>
+                  <a:schemeClr val="tx1"/>
+                </a:solidFill>
+                <a:latin typeface="Times New Roman" panose="02020603050405020304" pitchFamily="18" charset="0"/>
+                <a:cs typeface="Times New Roman" panose="02020603050405020304" pitchFamily="18" charset="0"/>
+              </a:rPr>
+              <a:t>while</a:t>
+            </a:r>
+            <a:r>
+              <a:rPr lang="pt-BR" sz="2000" dirty="0">
+                <a:solidFill>
+                  <a:schemeClr val="tx1"/>
+                </a:solidFill>
+                <a:latin typeface="Times New Roman" panose="02020603050405020304" pitchFamily="18" charset="0"/>
+                <a:cs typeface="Times New Roman" panose="02020603050405020304" pitchFamily="18" charset="0"/>
+              </a:rPr>
+              <a:t> ($registro = </a:t>
+            </a:r>
+            <a:r>
+              <a:rPr lang="pt-BR" sz="2000" b="1" dirty="0" err="1">
+                <a:solidFill>
+                  <a:srgbClr val="FF0000"/>
+                </a:solidFill>
+                <a:latin typeface="Times New Roman" panose="02020603050405020304" pitchFamily="18" charset="0"/>
+                <a:cs typeface="Times New Roman" panose="02020603050405020304" pitchFamily="18" charset="0"/>
+              </a:rPr>
+              <a:t>mysqli_fetch_array</a:t>
+            </a:r>
+            <a:r>
+              <a:rPr lang="pt-BR" sz="2000" dirty="0">
+                <a:solidFill>
+                  <a:schemeClr val="tx1"/>
+                </a:solidFill>
+                <a:latin typeface="Times New Roman" panose="02020603050405020304" pitchFamily="18" charset="0"/>
+                <a:cs typeface="Times New Roman" panose="02020603050405020304" pitchFamily="18" charset="0"/>
+              </a:rPr>
+              <a:t>($resultado)) {</a:t>
+            </a:r>
+          </a:p>
+          <a:p>
+            <a:pPr marL="0" indent="0" algn="just">
+              <a:buNone/>
+            </a:pPr>
+            <a:r>
+              <a:rPr lang="pt-BR" sz="2000" dirty="0">
+                <a:solidFill>
+                  <a:schemeClr val="tx1"/>
+                </a:solidFill>
+                <a:latin typeface="Times New Roman" panose="02020603050405020304" pitchFamily="18" charset="0"/>
+                <a:cs typeface="Times New Roman" panose="02020603050405020304" pitchFamily="18" charset="0"/>
+              </a:rPr>
+              <a:t>      $id = $registro['ID'];</a:t>
+            </a:r>
+          </a:p>
+          <a:p>
+            <a:pPr marL="0" indent="0" algn="just">
+              <a:buNone/>
+            </a:pPr>
+            <a:r>
+              <a:rPr lang="pt-BR" sz="2000" dirty="0">
+                <a:solidFill>
+                  <a:schemeClr val="tx1"/>
+                </a:solidFill>
+                <a:latin typeface="Times New Roman" panose="02020603050405020304" pitchFamily="18" charset="0"/>
+                <a:cs typeface="Times New Roman" panose="02020603050405020304" pitchFamily="18" charset="0"/>
+              </a:rPr>
+              <a:t>      $</a:t>
+            </a:r>
+            <a:r>
+              <a:rPr lang="pt-BR" sz="2000" dirty="0" err="1">
+                <a:solidFill>
+                  <a:schemeClr val="tx1"/>
+                </a:solidFill>
+                <a:latin typeface="Times New Roman" panose="02020603050405020304" pitchFamily="18" charset="0"/>
+                <a:cs typeface="Times New Roman" panose="02020603050405020304" pitchFamily="18" charset="0"/>
+              </a:rPr>
+              <a:t>name</a:t>
+            </a:r>
+            <a:r>
+              <a:rPr lang="pt-BR" sz="2000" dirty="0">
+                <a:solidFill>
+                  <a:schemeClr val="tx1"/>
+                </a:solidFill>
+                <a:latin typeface="Times New Roman" panose="02020603050405020304" pitchFamily="18" charset="0"/>
+                <a:cs typeface="Times New Roman" panose="02020603050405020304" pitchFamily="18" charset="0"/>
+              </a:rPr>
+              <a:t> = $registro['NAME’]; </a:t>
+            </a:r>
+          </a:p>
+          <a:p>
+            <a:pPr marL="0" indent="0" algn="just">
+              <a:buNone/>
+            </a:pPr>
+            <a:r>
+              <a:rPr lang="pt-BR" sz="2000" dirty="0">
+                <a:solidFill>
+                  <a:schemeClr val="tx1"/>
+                </a:solidFill>
+                <a:latin typeface="Times New Roman" panose="02020603050405020304" pitchFamily="18" charset="0"/>
+                <a:cs typeface="Times New Roman" panose="02020603050405020304" pitchFamily="18" charset="0"/>
+              </a:rPr>
+              <a:t>    } </a:t>
+            </a:r>
+            <a:r>
+              <a:rPr lang="pt-BR" sz="2000" b="1" dirty="0" err="1">
+                <a:solidFill>
+                  <a:srgbClr val="FF0000"/>
+                </a:solidFill>
+                <a:latin typeface="Times New Roman" panose="02020603050405020304" pitchFamily="18" charset="0"/>
+                <a:cs typeface="Times New Roman" panose="02020603050405020304" pitchFamily="18" charset="0"/>
+              </a:rPr>
+              <a:t>mysqli_close</a:t>
+            </a:r>
+            <a:r>
+              <a:rPr lang="pt-BR" sz="2000" dirty="0">
+                <a:solidFill>
+                  <a:schemeClr val="tx1"/>
+                </a:solidFill>
+                <a:latin typeface="Times New Roman" panose="02020603050405020304" pitchFamily="18" charset="0"/>
+                <a:cs typeface="Times New Roman" panose="02020603050405020304" pitchFamily="18" charset="0"/>
+              </a:rPr>
+              <a:t>($</a:t>
+            </a:r>
+            <a:r>
+              <a:rPr lang="pt-BR" sz="2000" dirty="0" err="1">
+                <a:solidFill>
+                  <a:schemeClr val="tx1"/>
+                </a:solidFill>
+                <a:latin typeface="Times New Roman" panose="02020603050405020304" pitchFamily="18" charset="0"/>
+                <a:cs typeface="Times New Roman" panose="02020603050405020304" pitchFamily="18" charset="0"/>
+              </a:rPr>
+              <a:t>conn</a:t>
+            </a:r>
+            <a:r>
+              <a:rPr lang="pt-BR" sz="2000" dirty="0">
+                <a:solidFill>
+                  <a:schemeClr val="tx1"/>
+                </a:solidFill>
+                <a:latin typeface="Times New Roman" panose="02020603050405020304" pitchFamily="18" charset="0"/>
+                <a:cs typeface="Times New Roman" panose="02020603050405020304" pitchFamily="18" charset="0"/>
+              </a:rPr>
+              <a:t>);</a:t>
+            </a:r>
           </a:p>
         </p:txBody>
       </p:sp>
     </p:spTree>
     <p:extLst>
       <p:ext uri="{BB962C8B-B14F-4D97-AF65-F5344CB8AC3E}">
-        <p14:creationId xmlns:p14="http://schemas.microsoft.com/office/powerpoint/2010/main" val="2470652989"/>
+        <p14:creationId xmlns:p14="http://schemas.microsoft.com/office/powerpoint/2010/main" val="3021969552"/>
       </p:ext>
     </p:extLst>
   </p:cSld>
@@ -35282,6 +37389,1963 @@
           <a:lstStyle/>
           <a:p>
             <a:r>
+              <a:rPr lang="en-US" b="1" dirty="0">
+                <a:solidFill>
+                  <a:srgbClr val="0070C0"/>
+                </a:solidFill>
+              </a:rPr>
+              <a:t>PHP – MySQL </a:t>
+            </a:r>
+            <a:r>
+              <a:rPr lang="en-US" b="1" dirty="0" err="1">
+                <a:solidFill>
+                  <a:srgbClr val="0070C0"/>
+                </a:solidFill>
+              </a:rPr>
+              <a:t>Transações</a:t>
+            </a:r>
+            <a:r>
+              <a:rPr lang="en-US" b="1" dirty="0">
+                <a:solidFill>
+                  <a:srgbClr val="0070C0"/>
+                </a:solidFill>
+              </a:rPr>
+              <a:t> Update</a:t>
+            </a:r>
+          </a:p>
+        </p:txBody>
+      </p:sp>
+      <p:sp>
+        <p:nvSpPr>
+          <p:cNvPr id="8" name="Text Placeholder 2"/>
+          <p:cNvSpPr>
+            <a:spLocks noGrp="1"/>
+          </p:cNvSpPr>
+          <p:nvPr>
+            <p:ph type="body" sz="half" idx="1"/>
+          </p:nvPr>
+        </p:nvSpPr>
+        <p:spPr>
+          <a:xfrm>
+            <a:off x="142865" y="1037312"/>
+            <a:ext cx="8865056" cy="3900208"/>
+          </a:xfrm>
+        </p:spPr>
+        <p:txBody>
+          <a:bodyPr>
+            <a:noAutofit/>
+          </a:bodyPr>
+          <a:lstStyle/>
+          <a:p>
+            <a:pPr marL="0" indent="0" algn="just">
+              <a:buNone/>
+            </a:pPr>
+            <a:r>
+              <a:rPr lang="pt-BR" sz="2000" dirty="0">
+                <a:solidFill>
+                  <a:schemeClr val="tx1"/>
+                </a:solidFill>
+                <a:latin typeface="Times New Roman" panose="02020603050405020304" pitchFamily="18" charset="0"/>
+                <a:cs typeface="Times New Roman" panose="02020603050405020304" pitchFamily="18" charset="0"/>
+              </a:rPr>
+              <a:t>&lt;!-- </a:t>
+            </a:r>
+            <a:r>
+              <a:rPr lang="pt-BR" sz="2000" b="1" dirty="0">
+                <a:solidFill>
+                  <a:schemeClr val="tx1"/>
+                </a:solidFill>
+                <a:latin typeface="Times New Roman" panose="02020603050405020304" pitchFamily="18" charset="0"/>
+                <a:cs typeface="Times New Roman" panose="02020603050405020304" pitchFamily="18" charset="0"/>
+              </a:rPr>
+              <a:t>Preenchendo a tabela com os dados do banco:</a:t>
+            </a:r>
+            <a:r>
+              <a:rPr lang="pt-BR" sz="2000" dirty="0">
+                <a:solidFill>
+                  <a:schemeClr val="tx1"/>
+                </a:solidFill>
+                <a:latin typeface="Times New Roman" panose="02020603050405020304" pitchFamily="18" charset="0"/>
+                <a:cs typeface="Times New Roman" panose="02020603050405020304" pitchFamily="18" charset="0"/>
+              </a:rPr>
+              <a:t> --&gt;</a:t>
+            </a:r>
+          </a:p>
+          <a:p>
+            <a:pPr marL="0" indent="0" algn="just">
+              <a:buNone/>
+            </a:pPr>
+            <a:r>
+              <a:rPr lang="pt-BR" sz="2000" dirty="0">
+                <a:solidFill>
+                  <a:schemeClr val="tx1"/>
+                </a:solidFill>
+                <a:latin typeface="Times New Roman" panose="02020603050405020304" pitchFamily="18" charset="0"/>
+                <a:cs typeface="Times New Roman" panose="02020603050405020304" pitchFamily="18" charset="0"/>
+              </a:rPr>
+              <a:t>&lt;?</a:t>
+            </a:r>
+            <a:r>
+              <a:rPr lang="pt-BR" sz="2000" b="1" dirty="0" err="1">
+                <a:solidFill>
+                  <a:srgbClr val="0070C0"/>
+                </a:solidFill>
+                <a:latin typeface="Times New Roman" panose="02020603050405020304" pitchFamily="18" charset="0"/>
+                <a:cs typeface="Times New Roman" panose="02020603050405020304" pitchFamily="18" charset="0"/>
+              </a:rPr>
+              <a:t>php</a:t>
+            </a:r>
+            <a:endParaRPr lang="pt-BR" sz="2000" b="1" dirty="0">
+              <a:solidFill>
+                <a:srgbClr val="0070C0"/>
+              </a:solidFill>
+              <a:latin typeface="Times New Roman" panose="02020603050405020304" pitchFamily="18" charset="0"/>
+              <a:cs typeface="Times New Roman" panose="02020603050405020304" pitchFamily="18" charset="0"/>
+            </a:endParaRPr>
+          </a:p>
+          <a:p>
+            <a:pPr marL="0" indent="0" algn="just">
+              <a:buNone/>
+            </a:pPr>
+            <a:r>
+              <a:rPr lang="pt-BR" sz="2000" dirty="0">
+                <a:solidFill>
+                  <a:schemeClr val="tx1"/>
+                </a:solidFill>
+                <a:latin typeface="Times New Roman" panose="02020603050405020304" pitchFamily="18" charset="0"/>
+                <a:cs typeface="Times New Roman" panose="02020603050405020304" pitchFamily="18" charset="0"/>
+              </a:rPr>
+              <a:t>    $</a:t>
+            </a:r>
+            <a:r>
+              <a:rPr lang="pt-BR" sz="2000" b="1" dirty="0" err="1">
+                <a:solidFill>
+                  <a:schemeClr val="tx1"/>
+                </a:solidFill>
+                <a:latin typeface="Times New Roman" panose="02020603050405020304" pitchFamily="18" charset="0"/>
+                <a:cs typeface="Times New Roman" panose="02020603050405020304" pitchFamily="18" charset="0"/>
+              </a:rPr>
+              <a:t>sql</a:t>
+            </a:r>
+            <a:r>
+              <a:rPr lang="pt-BR" sz="2000" dirty="0">
+                <a:solidFill>
+                  <a:schemeClr val="tx1"/>
+                </a:solidFill>
+                <a:latin typeface="Times New Roman" panose="02020603050405020304" pitchFamily="18" charset="0"/>
+                <a:cs typeface="Times New Roman" panose="02020603050405020304" pitchFamily="18" charset="0"/>
+              </a:rPr>
+              <a:t> = "</a:t>
+            </a:r>
+            <a:r>
+              <a:rPr lang="pt-BR" sz="2000" b="1" dirty="0" err="1">
+                <a:solidFill>
+                  <a:schemeClr val="tx1"/>
+                </a:solidFill>
+                <a:latin typeface="Times New Roman" panose="02020603050405020304" pitchFamily="18" charset="0"/>
+                <a:cs typeface="Times New Roman" panose="02020603050405020304" pitchFamily="18" charset="0"/>
+              </a:rPr>
+              <a:t>select</a:t>
+            </a:r>
+            <a:r>
+              <a:rPr lang="pt-BR" sz="2000" dirty="0">
+                <a:solidFill>
+                  <a:schemeClr val="tx1"/>
+                </a:solidFill>
+                <a:latin typeface="Times New Roman" panose="02020603050405020304" pitchFamily="18" charset="0"/>
+                <a:cs typeface="Times New Roman" panose="02020603050405020304" pitchFamily="18" charset="0"/>
+              </a:rPr>
+              <a:t> ID, NAME </a:t>
+            </a:r>
+            <a:r>
+              <a:rPr lang="pt-BR" sz="2000" b="1" dirty="0" err="1">
+                <a:solidFill>
+                  <a:schemeClr val="tx1"/>
+                </a:solidFill>
+                <a:latin typeface="Times New Roman" panose="02020603050405020304" pitchFamily="18" charset="0"/>
+                <a:cs typeface="Times New Roman" panose="02020603050405020304" pitchFamily="18" charset="0"/>
+              </a:rPr>
+              <a:t>from</a:t>
+            </a:r>
+            <a:r>
+              <a:rPr lang="pt-BR" sz="2000" dirty="0">
+                <a:solidFill>
+                  <a:schemeClr val="tx1"/>
+                </a:solidFill>
+                <a:latin typeface="Times New Roman" panose="02020603050405020304" pitchFamily="18" charset="0"/>
+                <a:cs typeface="Times New Roman" panose="02020603050405020304" pitchFamily="18" charset="0"/>
+              </a:rPr>
+              <a:t> </a:t>
+            </a:r>
+            <a:r>
+              <a:rPr lang="pt-BR" sz="2000" dirty="0" err="1">
+                <a:solidFill>
+                  <a:schemeClr val="tx1"/>
+                </a:solidFill>
+                <a:latin typeface="Times New Roman" panose="02020603050405020304" pitchFamily="18" charset="0"/>
+                <a:cs typeface="Times New Roman" panose="02020603050405020304" pitchFamily="18" charset="0"/>
+              </a:rPr>
+              <a:t>department</a:t>
+            </a:r>
+            <a:r>
+              <a:rPr lang="pt-BR" sz="2000" dirty="0">
+                <a:solidFill>
+                  <a:schemeClr val="tx1"/>
+                </a:solidFill>
+                <a:latin typeface="Times New Roman" panose="02020603050405020304" pitchFamily="18" charset="0"/>
+                <a:cs typeface="Times New Roman" panose="02020603050405020304" pitchFamily="18" charset="0"/>
+              </a:rPr>
+              <a:t>";</a:t>
+            </a:r>
+          </a:p>
+          <a:p>
+            <a:pPr marL="0" indent="0" algn="just">
+              <a:buNone/>
+            </a:pPr>
+            <a:r>
+              <a:rPr lang="pt-BR" sz="2000" dirty="0">
+                <a:solidFill>
+                  <a:schemeClr val="tx1"/>
+                </a:solidFill>
+                <a:latin typeface="Times New Roman" panose="02020603050405020304" pitchFamily="18" charset="0"/>
+                <a:cs typeface="Times New Roman" panose="02020603050405020304" pitchFamily="18" charset="0"/>
+              </a:rPr>
+              <a:t>    $</a:t>
+            </a:r>
+            <a:r>
+              <a:rPr lang="pt-BR" sz="2000" b="1" dirty="0">
+                <a:solidFill>
+                  <a:schemeClr val="tx1"/>
+                </a:solidFill>
+                <a:latin typeface="Times New Roman" panose="02020603050405020304" pitchFamily="18" charset="0"/>
+                <a:cs typeface="Times New Roman" panose="02020603050405020304" pitchFamily="18" charset="0"/>
+              </a:rPr>
+              <a:t>resultado</a:t>
+            </a:r>
+            <a:r>
+              <a:rPr lang="pt-BR" sz="2000" dirty="0">
+                <a:solidFill>
+                  <a:schemeClr val="tx1"/>
+                </a:solidFill>
+                <a:latin typeface="Times New Roman" panose="02020603050405020304" pitchFamily="18" charset="0"/>
+                <a:cs typeface="Times New Roman" panose="02020603050405020304" pitchFamily="18" charset="0"/>
+              </a:rPr>
+              <a:t> = </a:t>
+            </a:r>
+            <a:r>
+              <a:rPr lang="pt-BR" sz="2000" b="1" dirty="0" err="1">
+                <a:solidFill>
+                  <a:srgbClr val="FF0000"/>
+                </a:solidFill>
+                <a:latin typeface="Times New Roman" panose="02020603050405020304" pitchFamily="18" charset="0"/>
+                <a:cs typeface="Times New Roman" panose="02020603050405020304" pitchFamily="18" charset="0"/>
+              </a:rPr>
+              <a:t>mysqli_query</a:t>
+            </a:r>
+            <a:r>
+              <a:rPr lang="pt-BR" sz="2000" dirty="0">
+                <a:solidFill>
+                  <a:schemeClr val="tx1"/>
+                </a:solidFill>
+                <a:latin typeface="Times New Roman" panose="02020603050405020304" pitchFamily="18" charset="0"/>
+                <a:cs typeface="Times New Roman" panose="02020603050405020304" pitchFamily="18" charset="0"/>
+              </a:rPr>
+              <a:t>($</a:t>
+            </a:r>
+            <a:r>
+              <a:rPr lang="pt-BR" sz="2000" b="1" dirty="0" err="1">
+                <a:solidFill>
+                  <a:schemeClr val="tx1"/>
+                </a:solidFill>
+                <a:latin typeface="Times New Roman" panose="02020603050405020304" pitchFamily="18" charset="0"/>
+                <a:cs typeface="Times New Roman" panose="02020603050405020304" pitchFamily="18" charset="0"/>
+              </a:rPr>
+              <a:t>conn</a:t>
+            </a:r>
+            <a:r>
+              <a:rPr lang="pt-BR" sz="2000" dirty="0">
+                <a:solidFill>
+                  <a:schemeClr val="tx1"/>
+                </a:solidFill>
+                <a:latin typeface="Times New Roman" panose="02020603050405020304" pitchFamily="18" charset="0"/>
+                <a:cs typeface="Times New Roman" panose="02020603050405020304" pitchFamily="18" charset="0"/>
+              </a:rPr>
+              <a:t>, $</a:t>
+            </a:r>
+            <a:r>
+              <a:rPr lang="pt-BR" sz="2000" b="1" dirty="0" err="1">
+                <a:solidFill>
+                  <a:schemeClr val="tx1"/>
+                </a:solidFill>
+                <a:latin typeface="Times New Roman" panose="02020603050405020304" pitchFamily="18" charset="0"/>
+                <a:cs typeface="Times New Roman" panose="02020603050405020304" pitchFamily="18" charset="0"/>
+              </a:rPr>
+              <a:t>sql</a:t>
+            </a:r>
+            <a:r>
+              <a:rPr lang="pt-BR" sz="2000" dirty="0">
+                <a:solidFill>
+                  <a:schemeClr val="tx1"/>
+                </a:solidFill>
+                <a:latin typeface="Times New Roman" panose="02020603050405020304" pitchFamily="18" charset="0"/>
+                <a:cs typeface="Times New Roman" panose="02020603050405020304" pitchFamily="18" charset="0"/>
+              </a:rPr>
+              <a:t>) </a:t>
+            </a:r>
+            <a:r>
+              <a:rPr lang="pt-BR" sz="2000" b="1" dirty="0" err="1">
+                <a:solidFill>
+                  <a:schemeClr val="tx1"/>
+                </a:solidFill>
+                <a:latin typeface="Times New Roman" panose="02020603050405020304" pitchFamily="18" charset="0"/>
+                <a:cs typeface="Times New Roman" panose="02020603050405020304" pitchFamily="18" charset="0"/>
+              </a:rPr>
+              <a:t>or</a:t>
+            </a:r>
+            <a:r>
+              <a:rPr lang="pt-BR" sz="2000" dirty="0">
+                <a:solidFill>
+                  <a:schemeClr val="tx1"/>
+                </a:solidFill>
+                <a:latin typeface="Times New Roman" panose="02020603050405020304" pitchFamily="18" charset="0"/>
+                <a:cs typeface="Times New Roman" panose="02020603050405020304" pitchFamily="18" charset="0"/>
+              </a:rPr>
+              <a:t> </a:t>
+            </a:r>
+          </a:p>
+          <a:p>
+            <a:pPr marL="0" indent="0" algn="just">
+              <a:buNone/>
+            </a:pPr>
+            <a:r>
+              <a:rPr lang="pt-BR" sz="2000" b="1" dirty="0">
+                <a:solidFill>
+                  <a:schemeClr val="tx1"/>
+                </a:solidFill>
+                <a:latin typeface="Times New Roman" panose="02020603050405020304" pitchFamily="18" charset="0"/>
+                <a:cs typeface="Times New Roman" panose="02020603050405020304" pitchFamily="18" charset="0"/>
+              </a:rPr>
+              <a:t>				  die</a:t>
+            </a:r>
+            <a:r>
+              <a:rPr lang="pt-BR" sz="2000" dirty="0">
+                <a:solidFill>
+                  <a:schemeClr val="tx1"/>
+                </a:solidFill>
+                <a:latin typeface="Times New Roman" panose="02020603050405020304" pitchFamily="18" charset="0"/>
+                <a:cs typeface="Times New Roman" panose="02020603050405020304" pitchFamily="18" charset="0"/>
+              </a:rPr>
+              <a:t>("Erro ao retornar dados");</a:t>
+            </a:r>
+          </a:p>
+          <a:p>
+            <a:pPr marL="0" indent="0" algn="just">
+              <a:buNone/>
+            </a:pPr>
+            <a:r>
+              <a:rPr lang="pt-BR" sz="2000" dirty="0">
+                <a:solidFill>
+                  <a:schemeClr val="tx1"/>
+                </a:solidFill>
+                <a:latin typeface="Times New Roman" panose="02020603050405020304" pitchFamily="18" charset="0"/>
+                <a:cs typeface="Times New Roman" panose="02020603050405020304" pitchFamily="18" charset="0"/>
+              </a:rPr>
+              <a:t>    // </a:t>
+            </a:r>
+            <a:r>
+              <a:rPr lang="pt-BR" sz="2000" b="1" dirty="0">
+                <a:solidFill>
+                  <a:schemeClr val="tx1"/>
+                </a:solidFill>
+                <a:latin typeface="Times New Roman" panose="02020603050405020304" pitchFamily="18" charset="0"/>
+                <a:cs typeface="Times New Roman" panose="02020603050405020304" pitchFamily="18" charset="0"/>
+              </a:rPr>
+              <a:t>Obtendo os dados por meio de um loop </a:t>
+            </a:r>
+            <a:r>
+              <a:rPr lang="pt-BR" sz="2000" b="1" dirty="0" err="1">
+                <a:solidFill>
+                  <a:schemeClr val="tx1"/>
+                </a:solidFill>
+                <a:latin typeface="Times New Roman" panose="02020603050405020304" pitchFamily="18" charset="0"/>
+                <a:cs typeface="Times New Roman" panose="02020603050405020304" pitchFamily="18" charset="0"/>
+              </a:rPr>
+              <a:t>while</a:t>
+            </a:r>
+            <a:endParaRPr lang="pt-BR" sz="2000" b="1" dirty="0">
+              <a:solidFill>
+                <a:schemeClr val="tx1"/>
+              </a:solidFill>
+              <a:latin typeface="Times New Roman" panose="02020603050405020304" pitchFamily="18" charset="0"/>
+              <a:cs typeface="Times New Roman" panose="02020603050405020304" pitchFamily="18" charset="0"/>
+            </a:endParaRPr>
+          </a:p>
+          <a:p>
+            <a:pPr marL="0" indent="0" algn="just">
+              <a:buNone/>
+            </a:pPr>
+            <a:r>
+              <a:rPr lang="pt-BR" sz="2000" dirty="0">
+                <a:solidFill>
+                  <a:schemeClr val="tx1"/>
+                </a:solidFill>
+                <a:latin typeface="Times New Roman" panose="02020603050405020304" pitchFamily="18" charset="0"/>
+                <a:cs typeface="Times New Roman" panose="02020603050405020304" pitchFamily="18" charset="0"/>
+              </a:rPr>
+              <a:t>    </a:t>
+            </a:r>
+            <a:r>
+              <a:rPr lang="pt-BR" sz="2000" b="1" dirty="0" err="1">
+                <a:solidFill>
+                  <a:schemeClr val="tx1"/>
+                </a:solidFill>
+                <a:latin typeface="Times New Roman" panose="02020603050405020304" pitchFamily="18" charset="0"/>
+                <a:cs typeface="Times New Roman" panose="02020603050405020304" pitchFamily="18" charset="0"/>
+              </a:rPr>
+              <a:t>while</a:t>
+            </a:r>
+            <a:r>
+              <a:rPr lang="pt-BR" sz="2000" dirty="0">
+                <a:solidFill>
+                  <a:schemeClr val="tx1"/>
+                </a:solidFill>
+                <a:latin typeface="Times New Roman" panose="02020603050405020304" pitchFamily="18" charset="0"/>
+                <a:cs typeface="Times New Roman" panose="02020603050405020304" pitchFamily="18" charset="0"/>
+              </a:rPr>
+              <a:t> ($registro = </a:t>
+            </a:r>
+            <a:r>
+              <a:rPr lang="pt-BR" sz="2000" b="1" dirty="0" err="1">
+                <a:solidFill>
+                  <a:srgbClr val="FF0000"/>
+                </a:solidFill>
+                <a:latin typeface="Times New Roman" panose="02020603050405020304" pitchFamily="18" charset="0"/>
+                <a:cs typeface="Times New Roman" panose="02020603050405020304" pitchFamily="18" charset="0"/>
+              </a:rPr>
+              <a:t>mysqli_fetch_array</a:t>
+            </a:r>
+            <a:r>
+              <a:rPr lang="pt-BR" sz="2000" dirty="0">
+                <a:solidFill>
+                  <a:schemeClr val="tx1"/>
+                </a:solidFill>
+                <a:latin typeface="Times New Roman" panose="02020603050405020304" pitchFamily="18" charset="0"/>
+                <a:cs typeface="Times New Roman" panose="02020603050405020304" pitchFamily="18" charset="0"/>
+              </a:rPr>
+              <a:t>($resultado)) {</a:t>
+            </a:r>
+          </a:p>
+          <a:p>
+            <a:pPr marL="0" indent="0" algn="just">
+              <a:buNone/>
+            </a:pPr>
+            <a:r>
+              <a:rPr lang="pt-BR" sz="2000" dirty="0">
+                <a:solidFill>
+                  <a:schemeClr val="tx1"/>
+                </a:solidFill>
+                <a:latin typeface="Times New Roman" panose="02020603050405020304" pitchFamily="18" charset="0"/>
+                <a:cs typeface="Times New Roman" panose="02020603050405020304" pitchFamily="18" charset="0"/>
+              </a:rPr>
+              <a:t>      $id = $registro['ID'];</a:t>
+            </a:r>
+          </a:p>
+          <a:p>
+            <a:pPr marL="0" indent="0" algn="just">
+              <a:buNone/>
+            </a:pPr>
+            <a:r>
+              <a:rPr lang="pt-BR" sz="2000" dirty="0">
+                <a:solidFill>
+                  <a:schemeClr val="tx1"/>
+                </a:solidFill>
+                <a:latin typeface="Times New Roman" panose="02020603050405020304" pitchFamily="18" charset="0"/>
+                <a:cs typeface="Times New Roman" panose="02020603050405020304" pitchFamily="18" charset="0"/>
+              </a:rPr>
+              <a:t>      $</a:t>
+            </a:r>
+            <a:r>
+              <a:rPr lang="pt-BR" sz="2000" dirty="0" err="1">
+                <a:solidFill>
+                  <a:schemeClr val="tx1"/>
+                </a:solidFill>
+                <a:latin typeface="Times New Roman" panose="02020603050405020304" pitchFamily="18" charset="0"/>
+                <a:cs typeface="Times New Roman" panose="02020603050405020304" pitchFamily="18" charset="0"/>
+              </a:rPr>
+              <a:t>name</a:t>
+            </a:r>
+            <a:r>
+              <a:rPr lang="pt-BR" sz="2000" dirty="0">
+                <a:solidFill>
+                  <a:schemeClr val="tx1"/>
+                </a:solidFill>
+                <a:latin typeface="Times New Roman" panose="02020603050405020304" pitchFamily="18" charset="0"/>
+                <a:cs typeface="Times New Roman" panose="02020603050405020304" pitchFamily="18" charset="0"/>
+              </a:rPr>
+              <a:t> = $registro['NAME’]; </a:t>
+            </a:r>
+          </a:p>
+          <a:p>
+            <a:pPr marL="0" indent="0" algn="just">
+              <a:buNone/>
+            </a:pPr>
+            <a:r>
+              <a:rPr lang="pt-BR" sz="2000" dirty="0">
+                <a:solidFill>
+                  <a:schemeClr val="tx1"/>
+                </a:solidFill>
+                <a:latin typeface="Times New Roman" panose="02020603050405020304" pitchFamily="18" charset="0"/>
+                <a:cs typeface="Times New Roman" panose="02020603050405020304" pitchFamily="18" charset="0"/>
+              </a:rPr>
+              <a:t>    } </a:t>
+            </a:r>
+            <a:r>
+              <a:rPr lang="pt-BR" sz="2000" b="1" dirty="0" err="1">
+                <a:solidFill>
+                  <a:srgbClr val="FF0000"/>
+                </a:solidFill>
+                <a:latin typeface="Times New Roman" panose="02020603050405020304" pitchFamily="18" charset="0"/>
+                <a:cs typeface="Times New Roman" panose="02020603050405020304" pitchFamily="18" charset="0"/>
+              </a:rPr>
+              <a:t>mysqli_close</a:t>
+            </a:r>
+            <a:r>
+              <a:rPr lang="pt-BR" sz="2000" dirty="0">
+                <a:solidFill>
+                  <a:schemeClr val="tx1"/>
+                </a:solidFill>
+                <a:latin typeface="Times New Roman" panose="02020603050405020304" pitchFamily="18" charset="0"/>
+                <a:cs typeface="Times New Roman" panose="02020603050405020304" pitchFamily="18" charset="0"/>
+              </a:rPr>
+              <a:t>($</a:t>
+            </a:r>
+            <a:r>
+              <a:rPr lang="pt-BR" sz="2000" dirty="0" err="1">
+                <a:solidFill>
+                  <a:schemeClr val="tx1"/>
+                </a:solidFill>
+                <a:latin typeface="Times New Roman" panose="02020603050405020304" pitchFamily="18" charset="0"/>
+                <a:cs typeface="Times New Roman" panose="02020603050405020304" pitchFamily="18" charset="0"/>
+              </a:rPr>
+              <a:t>conn</a:t>
+            </a:r>
+            <a:r>
+              <a:rPr lang="pt-BR" sz="2000" dirty="0">
+                <a:solidFill>
+                  <a:schemeClr val="tx1"/>
+                </a:solidFill>
+                <a:latin typeface="Times New Roman" panose="02020603050405020304" pitchFamily="18" charset="0"/>
+                <a:cs typeface="Times New Roman" panose="02020603050405020304" pitchFamily="18" charset="0"/>
+              </a:rPr>
+              <a:t>);</a:t>
+            </a:r>
+          </a:p>
+        </p:txBody>
+      </p:sp>
+    </p:spTree>
+    <p:extLst>
+      <p:ext uri="{BB962C8B-B14F-4D97-AF65-F5344CB8AC3E}">
+        <p14:creationId xmlns:p14="http://schemas.microsoft.com/office/powerpoint/2010/main" val="3592111837"/>
+      </p:ext>
+    </p:extLst>
+  </p:cSld>
+  <p:clrMapOvr>
+    <a:masterClrMapping/>
+  </p:clrMapOvr>
+  <p:transition spd="med"/>
+</p:sld>
+</file>
+
+<file path=ppt/slides/slide62.xml><?xml version="1.0" encoding="utf-8"?>
+<p:sld xmlns:a="http://schemas.openxmlformats.org/drawingml/2006/main" xmlns:r="http://schemas.openxmlformats.org/officeDocument/2006/relationships" xmlns:p="http://schemas.openxmlformats.org/presentationml/2006/main">
+  <p:cSld>
+    <p:spTree>
+      <p:nvGrpSpPr>
+        <p:cNvPr id="1" name=""/>
+        <p:cNvGrpSpPr/>
+        <p:nvPr/>
+      </p:nvGrpSpPr>
+      <p:grpSpPr>
+        <a:xfrm>
+          <a:off x="0" y="0"/>
+          <a:ext cx="0" cy="0"/>
+          <a:chOff x="0" y="0"/>
+          <a:chExt cx="0" cy="0"/>
+        </a:xfrm>
+      </p:grpSpPr>
+      <p:sp>
+        <p:nvSpPr>
+          <p:cNvPr id="6" name="Title 1"/>
+          <p:cNvSpPr>
+            <a:spLocks noGrp="1"/>
+          </p:cNvSpPr>
+          <p:nvPr>
+            <p:ph type="title"/>
+          </p:nvPr>
+        </p:nvSpPr>
+        <p:spPr>
+          <a:xfrm>
+            <a:off x="457200" y="205980"/>
+            <a:ext cx="8229600" cy="857251"/>
+          </a:xfrm>
+        </p:spPr>
+        <p:txBody>
+          <a:bodyPr>
+            <a:normAutofit/>
+          </a:bodyPr>
+          <a:lstStyle/>
+          <a:p>
+            <a:r>
+              <a:rPr lang="en-US" b="1" dirty="0">
+                <a:solidFill>
+                  <a:srgbClr val="0070C0"/>
+                </a:solidFill>
+              </a:rPr>
+              <a:t>PHP – MySQL </a:t>
+            </a:r>
+            <a:r>
+              <a:rPr lang="en-US" b="1" dirty="0" err="1">
+                <a:solidFill>
+                  <a:srgbClr val="0070C0"/>
+                </a:solidFill>
+              </a:rPr>
+              <a:t>Transações</a:t>
+            </a:r>
+            <a:r>
+              <a:rPr lang="en-US" b="1" dirty="0">
+                <a:solidFill>
+                  <a:srgbClr val="0070C0"/>
+                </a:solidFill>
+              </a:rPr>
+              <a:t> Delete</a:t>
+            </a:r>
+          </a:p>
+        </p:txBody>
+      </p:sp>
+      <p:sp>
+        <p:nvSpPr>
+          <p:cNvPr id="8" name="Text Placeholder 2"/>
+          <p:cNvSpPr>
+            <a:spLocks noGrp="1"/>
+          </p:cNvSpPr>
+          <p:nvPr>
+            <p:ph type="body" sz="half" idx="1"/>
+          </p:nvPr>
+        </p:nvSpPr>
+        <p:spPr>
+          <a:xfrm>
+            <a:off x="142865" y="1037312"/>
+            <a:ext cx="8865056" cy="3900208"/>
+          </a:xfrm>
+        </p:spPr>
+        <p:txBody>
+          <a:bodyPr>
+            <a:noAutofit/>
+          </a:bodyPr>
+          <a:lstStyle/>
+          <a:p>
+            <a:pPr marL="0" indent="0" algn="just">
+              <a:buNone/>
+            </a:pPr>
+            <a:r>
+              <a:rPr lang="pt-BR" sz="2000" dirty="0">
+                <a:solidFill>
+                  <a:schemeClr val="tx1"/>
+                </a:solidFill>
+                <a:latin typeface="Times New Roman" panose="02020603050405020304" pitchFamily="18" charset="0"/>
+                <a:cs typeface="Times New Roman" panose="02020603050405020304" pitchFamily="18" charset="0"/>
+              </a:rPr>
+              <a:t>&lt;!-- </a:t>
+            </a:r>
+            <a:r>
+              <a:rPr lang="pt-BR" sz="2000" b="1" dirty="0">
+                <a:solidFill>
+                  <a:schemeClr val="tx1"/>
+                </a:solidFill>
+                <a:latin typeface="Times New Roman" panose="02020603050405020304" pitchFamily="18" charset="0"/>
+                <a:cs typeface="Times New Roman" panose="02020603050405020304" pitchFamily="18" charset="0"/>
+              </a:rPr>
+              <a:t>Preenchendo a tabela com os dados do banco:</a:t>
+            </a:r>
+            <a:r>
+              <a:rPr lang="pt-BR" sz="2000" dirty="0">
+                <a:solidFill>
+                  <a:schemeClr val="tx1"/>
+                </a:solidFill>
+                <a:latin typeface="Times New Roman" panose="02020603050405020304" pitchFamily="18" charset="0"/>
+                <a:cs typeface="Times New Roman" panose="02020603050405020304" pitchFamily="18" charset="0"/>
+              </a:rPr>
+              <a:t> --&gt;</a:t>
+            </a:r>
+          </a:p>
+          <a:p>
+            <a:pPr marL="0" indent="0" algn="just">
+              <a:buNone/>
+            </a:pPr>
+            <a:r>
+              <a:rPr lang="pt-BR" sz="2000" dirty="0">
+                <a:solidFill>
+                  <a:schemeClr val="tx1"/>
+                </a:solidFill>
+                <a:latin typeface="Times New Roman" panose="02020603050405020304" pitchFamily="18" charset="0"/>
+                <a:cs typeface="Times New Roman" panose="02020603050405020304" pitchFamily="18" charset="0"/>
+              </a:rPr>
+              <a:t>&lt;?</a:t>
+            </a:r>
+            <a:r>
+              <a:rPr lang="pt-BR" sz="2000" b="1" dirty="0" err="1">
+                <a:solidFill>
+                  <a:srgbClr val="0070C0"/>
+                </a:solidFill>
+                <a:latin typeface="Times New Roman" panose="02020603050405020304" pitchFamily="18" charset="0"/>
+                <a:cs typeface="Times New Roman" panose="02020603050405020304" pitchFamily="18" charset="0"/>
+              </a:rPr>
+              <a:t>php</a:t>
+            </a:r>
+            <a:endParaRPr lang="pt-BR" sz="2000" b="1" dirty="0">
+              <a:solidFill>
+                <a:srgbClr val="0070C0"/>
+              </a:solidFill>
+              <a:latin typeface="Times New Roman" panose="02020603050405020304" pitchFamily="18" charset="0"/>
+              <a:cs typeface="Times New Roman" panose="02020603050405020304" pitchFamily="18" charset="0"/>
+            </a:endParaRPr>
+          </a:p>
+          <a:p>
+            <a:pPr marL="0" indent="0" algn="just">
+              <a:buNone/>
+            </a:pPr>
+            <a:r>
+              <a:rPr lang="pt-BR" sz="2000" dirty="0">
+                <a:solidFill>
+                  <a:schemeClr val="tx1"/>
+                </a:solidFill>
+                <a:latin typeface="Times New Roman" panose="02020603050405020304" pitchFamily="18" charset="0"/>
+                <a:cs typeface="Times New Roman" panose="02020603050405020304" pitchFamily="18" charset="0"/>
+              </a:rPr>
+              <a:t>    $</a:t>
+            </a:r>
+            <a:r>
+              <a:rPr lang="pt-BR" sz="2000" b="1" dirty="0" err="1">
+                <a:solidFill>
+                  <a:schemeClr val="tx1"/>
+                </a:solidFill>
+                <a:latin typeface="Times New Roman" panose="02020603050405020304" pitchFamily="18" charset="0"/>
+                <a:cs typeface="Times New Roman" panose="02020603050405020304" pitchFamily="18" charset="0"/>
+              </a:rPr>
+              <a:t>sql</a:t>
+            </a:r>
+            <a:r>
+              <a:rPr lang="pt-BR" sz="2000" dirty="0">
+                <a:solidFill>
+                  <a:schemeClr val="tx1"/>
+                </a:solidFill>
+                <a:latin typeface="Times New Roman" panose="02020603050405020304" pitchFamily="18" charset="0"/>
+                <a:cs typeface="Times New Roman" panose="02020603050405020304" pitchFamily="18" charset="0"/>
+              </a:rPr>
+              <a:t> = "</a:t>
+            </a:r>
+            <a:r>
+              <a:rPr lang="pt-BR" sz="2000" b="1" dirty="0" err="1">
+                <a:solidFill>
+                  <a:schemeClr val="tx1"/>
+                </a:solidFill>
+                <a:latin typeface="Times New Roman" panose="02020603050405020304" pitchFamily="18" charset="0"/>
+                <a:cs typeface="Times New Roman" panose="02020603050405020304" pitchFamily="18" charset="0"/>
+              </a:rPr>
+              <a:t>select</a:t>
+            </a:r>
+            <a:r>
+              <a:rPr lang="pt-BR" sz="2000" dirty="0">
+                <a:solidFill>
+                  <a:schemeClr val="tx1"/>
+                </a:solidFill>
+                <a:latin typeface="Times New Roman" panose="02020603050405020304" pitchFamily="18" charset="0"/>
+                <a:cs typeface="Times New Roman" panose="02020603050405020304" pitchFamily="18" charset="0"/>
+              </a:rPr>
+              <a:t> ID, NAME </a:t>
+            </a:r>
+            <a:r>
+              <a:rPr lang="pt-BR" sz="2000" b="1" dirty="0" err="1">
+                <a:solidFill>
+                  <a:schemeClr val="tx1"/>
+                </a:solidFill>
+                <a:latin typeface="Times New Roman" panose="02020603050405020304" pitchFamily="18" charset="0"/>
+                <a:cs typeface="Times New Roman" panose="02020603050405020304" pitchFamily="18" charset="0"/>
+              </a:rPr>
+              <a:t>from</a:t>
+            </a:r>
+            <a:r>
+              <a:rPr lang="pt-BR" sz="2000" dirty="0">
+                <a:solidFill>
+                  <a:schemeClr val="tx1"/>
+                </a:solidFill>
+                <a:latin typeface="Times New Roman" panose="02020603050405020304" pitchFamily="18" charset="0"/>
+                <a:cs typeface="Times New Roman" panose="02020603050405020304" pitchFamily="18" charset="0"/>
+              </a:rPr>
+              <a:t> </a:t>
+            </a:r>
+            <a:r>
+              <a:rPr lang="pt-BR" sz="2000" dirty="0" err="1">
+                <a:solidFill>
+                  <a:schemeClr val="tx1"/>
+                </a:solidFill>
+                <a:latin typeface="Times New Roman" panose="02020603050405020304" pitchFamily="18" charset="0"/>
+                <a:cs typeface="Times New Roman" panose="02020603050405020304" pitchFamily="18" charset="0"/>
+              </a:rPr>
+              <a:t>department</a:t>
+            </a:r>
+            <a:r>
+              <a:rPr lang="pt-BR" sz="2000" dirty="0">
+                <a:solidFill>
+                  <a:schemeClr val="tx1"/>
+                </a:solidFill>
+                <a:latin typeface="Times New Roman" panose="02020603050405020304" pitchFamily="18" charset="0"/>
+                <a:cs typeface="Times New Roman" panose="02020603050405020304" pitchFamily="18" charset="0"/>
+              </a:rPr>
+              <a:t>";</a:t>
+            </a:r>
+          </a:p>
+          <a:p>
+            <a:pPr marL="0" indent="0" algn="just">
+              <a:buNone/>
+            </a:pPr>
+            <a:r>
+              <a:rPr lang="pt-BR" sz="2000" dirty="0">
+                <a:solidFill>
+                  <a:schemeClr val="tx1"/>
+                </a:solidFill>
+                <a:latin typeface="Times New Roman" panose="02020603050405020304" pitchFamily="18" charset="0"/>
+                <a:cs typeface="Times New Roman" panose="02020603050405020304" pitchFamily="18" charset="0"/>
+              </a:rPr>
+              <a:t>    $</a:t>
+            </a:r>
+            <a:r>
+              <a:rPr lang="pt-BR" sz="2000" b="1" dirty="0">
+                <a:solidFill>
+                  <a:schemeClr val="tx1"/>
+                </a:solidFill>
+                <a:latin typeface="Times New Roman" panose="02020603050405020304" pitchFamily="18" charset="0"/>
+                <a:cs typeface="Times New Roman" panose="02020603050405020304" pitchFamily="18" charset="0"/>
+              </a:rPr>
+              <a:t>resultado</a:t>
+            </a:r>
+            <a:r>
+              <a:rPr lang="pt-BR" sz="2000" dirty="0">
+                <a:solidFill>
+                  <a:schemeClr val="tx1"/>
+                </a:solidFill>
+                <a:latin typeface="Times New Roman" panose="02020603050405020304" pitchFamily="18" charset="0"/>
+                <a:cs typeface="Times New Roman" panose="02020603050405020304" pitchFamily="18" charset="0"/>
+              </a:rPr>
+              <a:t> = </a:t>
+            </a:r>
+            <a:r>
+              <a:rPr lang="pt-BR" sz="2000" b="1" dirty="0" err="1">
+                <a:solidFill>
+                  <a:srgbClr val="FF0000"/>
+                </a:solidFill>
+                <a:latin typeface="Times New Roman" panose="02020603050405020304" pitchFamily="18" charset="0"/>
+                <a:cs typeface="Times New Roman" panose="02020603050405020304" pitchFamily="18" charset="0"/>
+              </a:rPr>
+              <a:t>mysqli_query</a:t>
+            </a:r>
+            <a:r>
+              <a:rPr lang="pt-BR" sz="2000" dirty="0">
+                <a:solidFill>
+                  <a:schemeClr val="tx1"/>
+                </a:solidFill>
+                <a:latin typeface="Times New Roman" panose="02020603050405020304" pitchFamily="18" charset="0"/>
+                <a:cs typeface="Times New Roman" panose="02020603050405020304" pitchFamily="18" charset="0"/>
+              </a:rPr>
+              <a:t>($</a:t>
+            </a:r>
+            <a:r>
+              <a:rPr lang="pt-BR" sz="2000" b="1" dirty="0" err="1">
+                <a:solidFill>
+                  <a:schemeClr val="tx1"/>
+                </a:solidFill>
+                <a:latin typeface="Times New Roman" panose="02020603050405020304" pitchFamily="18" charset="0"/>
+                <a:cs typeface="Times New Roman" panose="02020603050405020304" pitchFamily="18" charset="0"/>
+              </a:rPr>
+              <a:t>conn</a:t>
+            </a:r>
+            <a:r>
+              <a:rPr lang="pt-BR" sz="2000" dirty="0">
+                <a:solidFill>
+                  <a:schemeClr val="tx1"/>
+                </a:solidFill>
+                <a:latin typeface="Times New Roman" panose="02020603050405020304" pitchFamily="18" charset="0"/>
+                <a:cs typeface="Times New Roman" panose="02020603050405020304" pitchFamily="18" charset="0"/>
+              </a:rPr>
+              <a:t>, $</a:t>
+            </a:r>
+            <a:r>
+              <a:rPr lang="pt-BR" sz="2000" b="1" dirty="0" err="1">
+                <a:solidFill>
+                  <a:schemeClr val="tx1"/>
+                </a:solidFill>
+                <a:latin typeface="Times New Roman" panose="02020603050405020304" pitchFamily="18" charset="0"/>
+                <a:cs typeface="Times New Roman" panose="02020603050405020304" pitchFamily="18" charset="0"/>
+              </a:rPr>
+              <a:t>sql</a:t>
+            </a:r>
+            <a:r>
+              <a:rPr lang="pt-BR" sz="2000" dirty="0">
+                <a:solidFill>
+                  <a:schemeClr val="tx1"/>
+                </a:solidFill>
+                <a:latin typeface="Times New Roman" panose="02020603050405020304" pitchFamily="18" charset="0"/>
+                <a:cs typeface="Times New Roman" panose="02020603050405020304" pitchFamily="18" charset="0"/>
+              </a:rPr>
+              <a:t>) </a:t>
+            </a:r>
+            <a:r>
+              <a:rPr lang="pt-BR" sz="2000" b="1" dirty="0" err="1">
+                <a:solidFill>
+                  <a:schemeClr val="tx1"/>
+                </a:solidFill>
+                <a:latin typeface="Times New Roman" panose="02020603050405020304" pitchFamily="18" charset="0"/>
+                <a:cs typeface="Times New Roman" panose="02020603050405020304" pitchFamily="18" charset="0"/>
+              </a:rPr>
+              <a:t>or</a:t>
+            </a:r>
+            <a:r>
+              <a:rPr lang="pt-BR" sz="2000" dirty="0">
+                <a:solidFill>
+                  <a:schemeClr val="tx1"/>
+                </a:solidFill>
+                <a:latin typeface="Times New Roman" panose="02020603050405020304" pitchFamily="18" charset="0"/>
+                <a:cs typeface="Times New Roman" panose="02020603050405020304" pitchFamily="18" charset="0"/>
+              </a:rPr>
+              <a:t> </a:t>
+            </a:r>
+          </a:p>
+          <a:p>
+            <a:pPr marL="0" indent="0" algn="just">
+              <a:buNone/>
+            </a:pPr>
+            <a:r>
+              <a:rPr lang="pt-BR" sz="2000" b="1" dirty="0">
+                <a:solidFill>
+                  <a:schemeClr val="tx1"/>
+                </a:solidFill>
+                <a:latin typeface="Times New Roman" panose="02020603050405020304" pitchFamily="18" charset="0"/>
+                <a:cs typeface="Times New Roman" panose="02020603050405020304" pitchFamily="18" charset="0"/>
+              </a:rPr>
+              <a:t>				  die</a:t>
+            </a:r>
+            <a:r>
+              <a:rPr lang="pt-BR" sz="2000" dirty="0">
+                <a:solidFill>
+                  <a:schemeClr val="tx1"/>
+                </a:solidFill>
+                <a:latin typeface="Times New Roman" panose="02020603050405020304" pitchFamily="18" charset="0"/>
+                <a:cs typeface="Times New Roman" panose="02020603050405020304" pitchFamily="18" charset="0"/>
+              </a:rPr>
+              <a:t>("Erro ao retornar dados");</a:t>
+            </a:r>
+          </a:p>
+          <a:p>
+            <a:pPr marL="0" indent="0" algn="just">
+              <a:buNone/>
+            </a:pPr>
+            <a:r>
+              <a:rPr lang="pt-BR" sz="2000" dirty="0">
+                <a:solidFill>
+                  <a:schemeClr val="tx1"/>
+                </a:solidFill>
+                <a:latin typeface="Times New Roman" panose="02020603050405020304" pitchFamily="18" charset="0"/>
+                <a:cs typeface="Times New Roman" panose="02020603050405020304" pitchFamily="18" charset="0"/>
+              </a:rPr>
+              <a:t>    // </a:t>
+            </a:r>
+            <a:r>
+              <a:rPr lang="pt-BR" sz="2000" b="1" dirty="0">
+                <a:solidFill>
+                  <a:schemeClr val="tx1"/>
+                </a:solidFill>
+                <a:latin typeface="Times New Roman" panose="02020603050405020304" pitchFamily="18" charset="0"/>
+                <a:cs typeface="Times New Roman" panose="02020603050405020304" pitchFamily="18" charset="0"/>
+              </a:rPr>
+              <a:t>Obtendo os dados por meio de um loop </a:t>
+            </a:r>
+            <a:r>
+              <a:rPr lang="pt-BR" sz="2000" b="1" dirty="0" err="1">
+                <a:solidFill>
+                  <a:schemeClr val="tx1"/>
+                </a:solidFill>
+                <a:latin typeface="Times New Roman" panose="02020603050405020304" pitchFamily="18" charset="0"/>
+                <a:cs typeface="Times New Roman" panose="02020603050405020304" pitchFamily="18" charset="0"/>
+              </a:rPr>
+              <a:t>while</a:t>
+            </a:r>
+            <a:endParaRPr lang="pt-BR" sz="2000" b="1" dirty="0">
+              <a:solidFill>
+                <a:schemeClr val="tx1"/>
+              </a:solidFill>
+              <a:latin typeface="Times New Roman" panose="02020603050405020304" pitchFamily="18" charset="0"/>
+              <a:cs typeface="Times New Roman" panose="02020603050405020304" pitchFamily="18" charset="0"/>
+            </a:endParaRPr>
+          </a:p>
+          <a:p>
+            <a:pPr marL="0" indent="0" algn="just">
+              <a:buNone/>
+            </a:pPr>
+            <a:r>
+              <a:rPr lang="pt-BR" sz="2000" dirty="0">
+                <a:solidFill>
+                  <a:schemeClr val="tx1"/>
+                </a:solidFill>
+                <a:latin typeface="Times New Roman" panose="02020603050405020304" pitchFamily="18" charset="0"/>
+                <a:cs typeface="Times New Roman" panose="02020603050405020304" pitchFamily="18" charset="0"/>
+              </a:rPr>
+              <a:t>    </a:t>
+            </a:r>
+            <a:r>
+              <a:rPr lang="pt-BR" sz="2000" b="1" dirty="0" err="1">
+                <a:solidFill>
+                  <a:schemeClr val="tx1"/>
+                </a:solidFill>
+                <a:latin typeface="Times New Roman" panose="02020603050405020304" pitchFamily="18" charset="0"/>
+                <a:cs typeface="Times New Roman" panose="02020603050405020304" pitchFamily="18" charset="0"/>
+              </a:rPr>
+              <a:t>while</a:t>
+            </a:r>
+            <a:r>
+              <a:rPr lang="pt-BR" sz="2000" dirty="0">
+                <a:solidFill>
+                  <a:schemeClr val="tx1"/>
+                </a:solidFill>
+                <a:latin typeface="Times New Roman" panose="02020603050405020304" pitchFamily="18" charset="0"/>
+                <a:cs typeface="Times New Roman" panose="02020603050405020304" pitchFamily="18" charset="0"/>
+              </a:rPr>
+              <a:t> ($registro = </a:t>
+            </a:r>
+            <a:r>
+              <a:rPr lang="pt-BR" sz="2000" b="1" dirty="0" err="1">
+                <a:solidFill>
+                  <a:srgbClr val="FF0000"/>
+                </a:solidFill>
+                <a:latin typeface="Times New Roman" panose="02020603050405020304" pitchFamily="18" charset="0"/>
+                <a:cs typeface="Times New Roman" panose="02020603050405020304" pitchFamily="18" charset="0"/>
+              </a:rPr>
+              <a:t>mysqli_fetch_array</a:t>
+            </a:r>
+            <a:r>
+              <a:rPr lang="pt-BR" sz="2000" dirty="0">
+                <a:solidFill>
+                  <a:schemeClr val="tx1"/>
+                </a:solidFill>
+                <a:latin typeface="Times New Roman" panose="02020603050405020304" pitchFamily="18" charset="0"/>
+                <a:cs typeface="Times New Roman" panose="02020603050405020304" pitchFamily="18" charset="0"/>
+              </a:rPr>
+              <a:t>($resultado)) {</a:t>
+            </a:r>
+          </a:p>
+          <a:p>
+            <a:pPr marL="0" indent="0" algn="just">
+              <a:buNone/>
+            </a:pPr>
+            <a:r>
+              <a:rPr lang="pt-BR" sz="2000" dirty="0">
+                <a:solidFill>
+                  <a:schemeClr val="tx1"/>
+                </a:solidFill>
+                <a:latin typeface="Times New Roman" panose="02020603050405020304" pitchFamily="18" charset="0"/>
+                <a:cs typeface="Times New Roman" panose="02020603050405020304" pitchFamily="18" charset="0"/>
+              </a:rPr>
+              <a:t>      $id = $registro['ID'];</a:t>
+            </a:r>
+          </a:p>
+          <a:p>
+            <a:pPr marL="0" indent="0" algn="just">
+              <a:buNone/>
+            </a:pPr>
+            <a:r>
+              <a:rPr lang="pt-BR" sz="2000" dirty="0">
+                <a:solidFill>
+                  <a:schemeClr val="tx1"/>
+                </a:solidFill>
+                <a:latin typeface="Times New Roman" panose="02020603050405020304" pitchFamily="18" charset="0"/>
+                <a:cs typeface="Times New Roman" panose="02020603050405020304" pitchFamily="18" charset="0"/>
+              </a:rPr>
+              <a:t>      $</a:t>
+            </a:r>
+            <a:r>
+              <a:rPr lang="pt-BR" sz="2000" dirty="0" err="1">
+                <a:solidFill>
+                  <a:schemeClr val="tx1"/>
+                </a:solidFill>
+                <a:latin typeface="Times New Roman" panose="02020603050405020304" pitchFamily="18" charset="0"/>
+                <a:cs typeface="Times New Roman" panose="02020603050405020304" pitchFamily="18" charset="0"/>
+              </a:rPr>
+              <a:t>name</a:t>
+            </a:r>
+            <a:r>
+              <a:rPr lang="pt-BR" sz="2000" dirty="0">
+                <a:solidFill>
+                  <a:schemeClr val="tx1"/>
+                </a:solidFill>
+                <a:latin typeface="Times New Roman" panose="02020603050405020304" pitchFamily="18" charset="0"/>
+                <a:cs typeface="Times New Roman" panose="02020603050405020304" pitchFamily="18" charset="0"/>
+              </a:rPr>
+              <a:t> = $registro['NAME’]; </a:t>
+            </a:r>
+          </a:p>
+          <a:p>
+            <a:pPr marL="0" indent="0" algn="just">
+              <a:buNone/>
+            </a:pPr>
+            <a:r>
+              <a:rPr lang="pt-BR" sz="2000" dirty="0">
+                <a:solidFill>
+                  <a:schemeClr val="tx1"/>
+                </a:solidFill>
+                <a:latin typeface="Times New Roman" panose="02020603050405020304" pitchFamily="18" charset="0"/>
+                <a:cs typeface="Times New Roman" panose="02020603050405020304" pitchFamily="18" charset="0"/>
+              </a:rPr>
+              <a:t>    } </a:t>
+            </a:r>
+            <a:r>
+              <a:rPr lang="pt-BR" sz="2000" b="1" dirty="0" err="1">
+                <a:solidFill>
+                  <a:srgbClr val="FF0000"/>
+                </a:solidFill>
+                <a:latin typeface="Times New Roman" panose="02020603050405020304" pitchFamily="18" charset="0"/>
+                <a:cs typeface="Times New Roman" panose="02020603050405020304" pitchFamily="18" charset="0"/>
+              </a:rPr>
+              <a:t>mysqli_close</a:t>
+            </a:r>
+            <a:r>
+              <a:rPr lang="pt-BR" sz="2000" dirty="0">
+                <a:solidFill>
+                  <a:schemeClr val="tx1"/>
+                </a:solidFill>
+                <a:latin typeface="Times New Roman" panose="02020603050405020304" pitchFamily="18" charset="0"/>
+                <a:cs typeface="Times New Roman" panose="02020603050405020304" pitchFamily="18" charset="0"/>
+              </a:rPr>
+              <a:t>($</a:t>
+            </a:r>
+            <a:r>
+              <a:rPr lang="pt-BR" sz="2000" dirty="0" err="1">
+                <a:solidFill>
+                  <a:schemeClr val="tx1"/>
+                </a:solidFill>
+                <a:latin typeface="Times New Roman" panose="02020603050405020304" pitchFamily="18" charset="0"/>
+                <a:cs typeface="Times New Roman" panose="02020603050405020304" pitchFamily="18" charset="0"/>
+              </a:rPr>
+              <a:t>conn</a:t>
+            </a:r>
+            <a:r>
+              <a:rPr lang="pt-BR" sz="2000" dirty="0">
+                <a:solidFill>
+                  <a:schemeClr val="tx1"/>
+                </a:solidFill>
+                <a:latin typeface="Times New Roman" panose="02020603050405020304" pitchFamily="18" charset="0"/>
+                <a:cs typeface="Times New Roman" panose="02020603050405020304" pitchFamily="18" charset="0"/>
+              </a:rPr>
+              <a:t>);</a:t>
+            </a:r>
+          </a:p>
+        </p:txBody>
+      </p:sp>
+    </p:spTree>
+    <p:extLst>
+      <p:ext uri="{BB962C8B-B14F-4D97-AF65-F5344CB8AC3E}">
+        <p14:creationId xmlns:p14="http://schemas.microsoft.com/office/powerpoint/2010/main" val="3880359361"/>
+      </p:ext>
+    </p:extLst>
+  </p:cSld>
+  <p:clrMapOvr>
+    <a:masterClrMapping/>
+  </p:clrMapOvr>
+  <p:transition spd="med"/>
+</p:sld>
+</file>
+
+<file path=ppt/slides/slide63.xml><?xml version="1.0" encoding="utf-8"?>
+<p:sld xmlns:a="http://schemas.openxmlformats.org/drawingml/2006/main" xmlns:r="http://schemas.openxmlformats.org/officeDocument/2006/relationships" xmlns:p="http://schemas.openxmlformats.org/presentationml/2006/main">
+  <p:cSld>
+    <p:spTree>
+      <p:nvGrpSpPr>
+        <p:cNvPr id="1" name=""/>
+        <p:cNvGrpSpPr/>
+        <p:nvPr/>
+      </p:nvGrpSpPr>
+      <p:grpSpPr>
+        <a:xfrm>
+          <a:off x="0" y="0"/>
+          <a:ext cx="0" cy="0"/>
+          <a:chOff x="0" y="0"/>
+          <a:chExt cx="0" cy="0"/>
+        </a:xfrm>
+      </p:grpSpPr>
+      <p:sp>
+        <p:nvSpPr>
+          <p:cNvPr id="6" name="Title 1"/>
+          <p:cNvSpPr>
+            <a:spLocks noGrp="1"/>
+          </p:cNvSpPr>
+          <p:nvPr>
+            <p:ph type="title"/>
+          </p:nvPr>
+        </p:nvSpPr>
+        <p:spPr>
+          <a:xfrm>
+            <a:off x="457200" y="205980"/>
+            <a:ext cx="8229600" cy="857251"/>
+          </a:xfrm>
+        </p:spPr>
+        <p:txBody>
+          <a:bodyPr>
+            <a:normAutofit/>
+          </a:bodyPr>
+          <a:lstStyle/>
+          <a:p>
+            <a:r>
+              <a:rPr lang="en-US" b="1" dirty="0" err="1">
+                <a:solidFill>
+                  <a:srgbClr val="0070C0"/>
+                </a:solidFill>
+              </a:rPr>
+              <a:t>Leitura</a:t>
+            </a:r>
+            <a:r>
+              <a:rPr lang="en-US" b="1" dirty="0">
+                <a:solidFill>
+                  <a:srgbClr val="0070C0"/>
+                </a:solidFill>
+              </a:rPr>
+              <a:t> </a:t>
+            </a:r>
+            <a:r>
+              <a:rPr lang="en-US" b="1" dirty="0" err="1">
+                <a:solidFill>
+                  <a:srgbClr val="0070C0"/>
+                </a:solidFill>
+              </a:rPr>
+              <a:t>Específica</a:t>
+            </a:r>
+            <a:endParaRPr lang="en-US" b="1" dirty="0">
+              <a:solidFill>
+                <a:srgbClr val="0070C0"/>
+              </a:solidFill>
+            </a:endParaRPr>
+          </a:p>
+        </p:txBody>
+      </p:sp>
+      <p:sp>
+        <p:nvSpPr>
+          <p:cNvPr id="8" name="Text Placeholder 2"/>
+          <p:cNvSpPr>
+            <a:spLocks noGrp="1"/>
+          </p:cNvSpPr>
+          <p:nvPr>
+            <p:ph type="body" sz="half" idx="1"/>
+          </p:nvPr>
+        </p:nvSpPr>
+        <p:spPr>
+          <a:xfrm>
+            <a:off x="142865" y="1012261"/>
+            <a:ext cx="8865056" cy="3835312"/>
+          </a:xfrm>
+        </p:spPr>
+        <p:txBody>
+          <a:bodyPr>
+            <a:noAutofit/>
+          </a:bodyPr>
+          <a:lstStyle/>
+          <a:p>
+            <a:pPr marL="0" indent="0" algn="just">
+              <a:buNone/>
+            </a:pPr>
+            <a:endParaRPr lang="pt-BR" sz="2000" dirty="0">
+              <a:latin typeface="Times New Roman" panose="02020603050405020304" pitchFamily="18" charset="0"/>
+              <a:cs typeface="Times New Roman" panose="02020603050405020304" pitchFamily="18" charset="0"/>
+            </a:endParaRPr>
+          </a:p>
+          <a:p>
+            <a:pPr marL="0" indent="0" algn="just">
+              <a:buNone/>
+            </a:pPr>
+            <a:r>
+              <a:rPr lang="pt-BR" sz="2000" dirty="0">
+                <a:latin typeface="Times New Roman" panose="02020603050405020304" pitchFamily="18" charset="0"/>
+                <a:cs typeface="Times New Roman" panose="02020603050405020304" pitchFamily="18" charset="0"/>
+              </a:rPr>
+              <a:t>[1] </a:t>
+            </a:r>
+            <a:r>
+              <a:rPr lang="pt-BR" sz="2000" b="1" dirty="0">
+                <a:latin typeface="Times New Roman" panose="02020603050405020304" pitchFamily="18" charset="0"/>
+                <a:cs typeface="Times New Roman" panose="02020603050405020304" pitchFamily="18" charset="0"/>
+              </a:rPr>
+              <a:t>PHP</a:t>
+            </a:r>
+          </a:p>
+          <a:p>
+            <a:pPr marL="0" indent="0" algn="just">
+              <a:buNone/>
+            </a:pPr>
+            <a:r>
+              <a:rPr lang="pt-BR" sz="2000" b="1" dirty="0">
+                <a:latin typeface="Times New Roman" panose="02020603050405020304" pitchFamily="18" charset="0"/>
+                <a:cs typeface="Times New Roman" panose="02020603050405020304" pitchFamily="18" charset="0"/>
+              </a:rPr>
+              <a:t>	Disponível em</a:t>
+            </a:r>
+            <a:r>
+              <a:rPr lang="pt-BR" sz="2000" dirty="0">
+                <a:latin typeface="Times New Roman" panose="02020603050405020304" pitchFamily="18" charset="0"/>
+                <a:cs typeface="Times New Roman" panose="02020603050405020304" pitchFamily="18" charset="0"/>
+              </a:rPr>
+              <a:t>: </a:t>
+            </a:r>
+            <a:r>
+              <a:rPr lang="pt-BR" sz="2000" dirty="0">
+                <a:latin typeface="Times New Roman" panose="02020603050405020304" pitchFamily="18" charset="0"/>
+                <a:cs typeface="Times New Roman" panose="02020603050405020304" pitchFamily="18" charset="0"/>
+                <a:hlinkClick r:id="rId3"/>
+              </a:rPr>
+              <a:t>https://www.php.net/</a:t>
+            </a:r>
+            <a:endParaRPr lang="pt-BR" sz="2000" dirty="0">
+              <a:latin typeface="Times New Roman" panose="02020603050405020304" pitchFamily="18" charset="0"/>
+              <a:cs typeface="Times New Roman" panose="02020603050405020304" pitchFamily="18" charset="0"/>
+            </a:endParaRPr>
+          </a:p>
+          <a:p>
+            <a:pPr marL="0" indent="0" algn="just">
+              <a:buNone/>
+            </a:pPr>
+            <a:endParaRPr lang="pt-BR" sz="2000" dirty="0">
+              <a:latin typeface="Times New Roman" panose="02020603050405020304" pitchFamily="18" charset="0"/>
+              <a:cs typeface="Times New Roman" panose="02020603050405020304" pitchFamily="18" charset="0"/>
+            </a:endParaRPr>
+          </a:p>
+          <a:p>
+            <a:pPr marL="0" indent="0" algn="just">
+              <a:buNone/>
+            </a:pPr>
+            <a:endParaRPr lang="pt-BR" sz="2000" dirty="0">
+              <a:latin typeface="Times New Roman" panose="02020603050405020304" pitchFamily="18" charset="0"/>
+              <a:cs typeface="Times New Roman" panose="02020603050405020304" pitchFamily="18" charset="0"/>
+            </a:endParaRPr>
+          </a:p>
+          <a:p>
+            <a:pPr marL="0" indent="0" algn="just">
+              <a:buNone/>
+            </a:pPr>
+            <a:r>
+              <a:rPr lang="pt-BR" sz="2000" dirty="0">
+                <a:latin typeface="Times New Roman" panose="02020603050405020304" pitchFamily="18" charset="0"/>
+                <a:cs typeface="Times New Roman" panose="02020603050405020304" pitchFamily="18" charset="0"/>
+              </a:rPr>
+              <a:t>[2] </a:t>
+            </a:r>
+            <a:r>
+              <a:rPr lang="pt-BR" sz="2000" b="1" dirty="0">
+                <a:latin typeface="Times New Roman" panose="02020603050405020304" pitchFamily="18" charset="0"/>
+                <a:cs typeface="Times New Roman" panose="02020603050405020304" pitchFamily="18" charset="0"/>
+              </a:rPr>
+              <a:t>W3Schools</a:t>
+            </a:r>
+          </a:p>
+          <a:p>
+            <a:pPr marL="0" indent="0" algn="just">
+              <a:buNone/>
+            </a:pPr>
+            <a:r>
+              <a:rPr lang="pt-BR" sz="2000" dirty="0">
+                <a:latin typeface="Times New Roman" panose="02020603050405020304" pitchFamily="18" charset="0"/>
+                <a:cs typeface="Times New Roman" panose="02020603050405020304" pitchFamily="18" charset="0"/>
+              </a:rPr>
+              <a:t>	</a:t>
+            </a:r>
+            <a:r>
+              <a:rPr lang="pt-BR" sz="2000" b="1" dirty="0">
+                <a:latin typeface="Times New Roman" panose="02020603050405020304" pitchFamily="18" charset="0"/>
+                <a:cs typeface="Times New Roman" panose="02020603050405020304" pitchFamily="18" charset="0"/>
+              </a:rPr>
+              <a:t> Disponível em</a:t>
+            </a:r>
+            <a:r>
+              <a:rPr lang="pt-BR" sz="2000" dirty="0">
+                <a:latin typeface="Times New Roman" panose="02020603050405020304" pitchFamily="18" charset="0"/>
+                <a:cs typeface="Times New Roman" panose="02020603050405020304" pitchFamily="18" charset="0"/>
+              </a:rPr>
+              <a:t>: </a:t>
+            </a:r>
+            <a:r>
+              <a:rPr lang="pt-BR" sz="2000" dirty="0">
+                <a:latin typeface="Times New Roman" panose="02020603050405020304" pitchFamily="18" charset="0"/>
+                <a:cs typeface="Times New Roman" panose="02020603050405020304" pitchFamily="18" charset="0"/>
+                <a:hlinkClick r:id="rId4"/>
+              </a:rPr>
+              <a:t>https://www.w3schools.com/php/default.asp</a:t>
+            </a:r>
+            <a:endParaRPr lang="pt-BR" sz="2000" dirty="0">
+              <a:latin typeface="Times New Roman" panose="02020603050405020304" pitchFamily="18" charset="0"/>
+              <a:cs typeface="Times New Roman" panose="02020603050405020304" pitchFamily="18" charset="0"/>
+            </a:endParaRPr>
+          </a:p>
+          <a:p>
+            <a:pPr marL="0" indent="0" algn="just">
+              <a:buNone/>
+            </a:pPr>
+            <a:endParaRPr lang="pt-BR" sz="2000" dirty="0">
+              <a:latin typeface="Times New Roman" panose="02020603050405020304" pitchFamily="18" charset="0"/>
+              <a:cs typeface="Times New Roman" panose="02020603050405020304" pitchFamily="18" charset="0"/>
+            </a:endParaRPr>
+          </a:p>
+        </p:txBody>
+      </p:sp>
+    </p:spTree>
+    <p:extLst>
+      <p:ext uri="{BB962C8B-B14F-4D97-AF65-F5344CB8AC3E}">
+        <p14:creationId xmlns:p14="http://schemas.microsoft.com/office/powerpoint/2010/main" val="3680270425"/>
+      </p:ext>
+    </p:extLst>
+  </p:cSld>
+  <p:clrMapOvr>
+    <a:masterClrMapping/>
+  </p:clrMapOvr>
+  <p:transition spd="med"/>
+</p:sld>
+</file>
+
+<file path=ppt/slides/slide64.xml><?xml version="1.0" encoding="utf-8"?>
+<p:sld xmlns:a="http://schemas.openxmlformats.org/drawingml/2006/main" xmlns:r="http://schemas.openxmlformats.org/officeDocument/2006/relationships" xmlns:p="http://schemas.openxmlformats.org/presentationml/2006/main">
+  <p:cSld>
+    <p:spTree>
+      <p:nvGrpSpPr>
+        <p:cNvPr id="1" name=""/>
+        <p:cNvGrpSpPr/>
+        <p:nvPr/>
+      </p:nvGrpSpPr>
+      <p:grpSpPr>
+        <a:xfrm>
+          <a:off x="0" y="0"/>
+          <a:ext cx="0" cy="0"/>
+          <a:chOff x="0" y="0"/>
+          <a:chExt cx="0" cy="0"/>
+        </a:xfrm>
+      </p:grpSpPr>
+      <p:sp>
+        <p:nvSpPr>
+          <p:cNvPr id="6" name="Title 1"/>
+          <p:cNvSpPr>
+            <a:spLocks noGrp="1"/>
+          </p:cNvSpPr>
+          <p:nvPr>
+            <p:ph type="title"/>
+          </p:nvPr>
+        </p:nvSpPr>
+        <p:spPr>
+          <a:xfrm>
+            <a:off x="457200" y="205980"/>
+            <a:ext cx="8229600" cy="857251"/>
+          </a:xfrm>
+        </p:spPr>
+        <p:txBody>
+          <a:bodyPr>
+            <a:normAutofit/>
+          </a:bodyPr>
+          <a:lstStyle/>
+          <a:p>
+            <a:r>
+              <a:rPr lang="en-US" b="1" dirty="0" err="1">
+                <a:solidFill>
+                  <a:srgbClr val="0070C0"/>
+                </a:solidFill>
+              </a:rPr>
+              <a:t>Aprenda</a:t>
+            </a:r>
+            <a:r>
+              <a:rPr lang="en-US" b="1" dirty="0">
+                <a:solidFill>
+                  <a:srgbClr val="0070C0"/>
+                </a:solidFill>
+              </a:rPr>
+              <a:t>+</a:t>
+            </a:r>
+          </a:p>
+        </p:txBody>
+      </p:sp>
+      <p:sp>
+        <p:nvSpPr>
+          <p:cNvPr id="8" name="Text Placeholder 2"/>
+          <p:cNvSpPr>
+            <a:spLocks noGrp="1"/>
+          </p:cNvSpPr>
+          <p:nvPr>
+            <p:ph type="body" sz="half" idx="1"/>
+          </p:nvPr>
+        </p:nvSpPr>
+        <p:spPr>
+          <a:xfrm>
+            <a:off x="142865" y="1200151"/>
+            <a:ext cx="8865056" cy="3394472"/>
+          </a:xfrm>
+        </p:spPr>
+        <p:txBody>
+          <a:bodyPr>
+            <a:noAutofit/>
+          </a:bodyPr>
+          <a:lstStyle/>
+          <a:p>
+            <a:pPr marL="0" indent="0" algn="just">
+              <a:buNone/>
+            </a:pPr>
+            <a:endParaRPr lang="pt-BR" sz="2400" dirty="0">
+              <a:latin typeface="Times New Roman" panose="02020603050405020304" pitchFamily="18" charset="0"/>
+              <a:cs typeface="Times New Roman" panose="02020603050405020304" pitchFamily="18" charset="0"/>
+            </a:endParaRPr>
+          </a:p>
+          <a:p>
+            <a:pPr marL="0" indent="0" algn="just">
+              <a:buNone/>
+            </a:pPr>
+            <a:r>
+              <a:rPr lang="pt-BR" sz="2400" dirty="0">
+                <a:latin typeface="Times New Roman" panose="02020603050405020304" pitchFamily="18" charset="0"/>
+                <a:cs typeface="Times New Roman" panose="02020603050405020304" pitchFamily="18" charset="0"/>
+              </a:rPr>
+              <a:t>[1] Construindo classes no PHP orientado a objetos</a:t>
+            </a:r>
+          </a:p>
+          <a:p>
+            <a:pPr marL="0" indent="0" algn="just">
+              <a:buNone/>
+            </a:pPr>
+            <a:r>
+              <a:rPr lang="pt-BR" sz="2400" dirty="0">
+                <a:latin typeface="Times New Roman" panose="02020603050405020304" pitchFamily="18" charset="0"/>
+                <a:cs typeface="Times New Roman" panose="02020603050405020304" pitchFamily="18" charset="0"/>
+              </a:rPr>
+              <a:t>	</a:t>
+            </a:r>
+            <a:r>
+              <a:rPr lang="pt-BR" sz="2400" dirty="0">
+                <a:latin typeface="Times New Roman" panose="02020603050405020304" pitchFamily="18" charset="0"/>
+                <a:cs typeface="Times New Roman" panose="02020603050405020304" pitchFamily="18" charset="0"/>
+                <a:hlinkClick r:id="rId3"/>
+              </a:rPr>
+              <a:t>https://www.youtube.com/watch?v=xoH1WDI9l0I</a:t>
+            </a:r>
+            <a:endParaRPr lang="pt-BR" sz="2400" dirty="0">
+              <a:latin typeface="Times New Roman" panose="02020603050405020304" pitchFamily="18" charset="0"/>
+              <a:cs typeface="Times New Roman" panose="02020603050405020304" pitchFamily="18" charset="0"/>
+            </a:endParaRPr>
+          </a:p>
+          <a:p>
+            <a:pPr marL="0" indent="0" algn="just">
+              <a:buNone/>
+            </a:pPr>
+            <a:endParaRPr lang="pt-BR" sz="2400" dirty="0">
+              <a:latin typeface="Times New Roman" panose="02020603050405020304" pitchFamily="18" charset="0"/>
+              <a:cs typeface="Times New Roman" panose="02020603050405020304" pitchFamily="18" charset="0"/>
+            </a:endParaRPr>
+          </a:p>
+          <a:p>
+            <a:pPr marL="0" indent="0" algn="just">
+              <a:buNone/>
+            </a:pPr>
+            <a:r>
+              <a:rPr lang="pt-BR" sz="2400" dirty="0">
+                <a:latin typeface="Times New Roman" panose="02020603050405020304" pitchFamily="18" charset="0"/>
+                <a:cs typeface="Times New Roman" panose="02020603050405020304" pitchFamily="18" charset="0"/>
+              </a:rPr>
+              <a:t>[2] </a:t>
+            </a:r>
+            <a:r>
+              <a:rPr lang="pt-BR" sz="2400" dirty="0" err="1">
+                <a:latin typeface="Times New Roman" panose="02020603050405020304" pitchFamily="18" charset="0"/>
+                <a:cs typeface="Times New Roman" panose="02020603050405020304" pitchFamily="18" charset="0"/>
+              </a:rPr>
+              <a:t>Creating</a:t>
+            </a:r>
+            <a:r>
+              <a:rPr lang="pt-BR" sz="2400" dirty="0">
+                <a:latin typeface="Times New Roman" panose="02020603050405020304" pitchFamily="18" charset="0"/>
+                <a:cs typeface="Times New Roman" panose="02020603050405020304" pitchFamily="18" charset="0"/>
+              </a:rPr>
+              <a:t> classes, </a:t>
+            </a:r>
+            <a:r>
+              <a:rPr lang="pt-BR" sz="2400" dirty="0" err="1">
+                <a:latin typeface="Times New Roman" panose="02020603050405020304" pitchFamily="18" charset="0"/>
+                <a:cs typeface="Times New Roman" panose="02020603050405020304" pitchFamily="18" charset="0"/>
+              </a:rPr>
+              <a:t>properties</a:t>
+            </a:r>
+            <a:r>
+              <a:rPr lang="pt-BR" sz="2400" dirty="0">
+                <a:latin typeface="Times New Roman" panose="02020603050405020304" pitchFamily="18" charset="0"/>
+                <a:cs typeface="Times New Roman" panose="02020603050405020304" pitchFamily="18" charset="0"/>
+              </a:rPr>
+              <a:t>, </a:t>
+            </a:r>
+            <a:r>
+              <a:rPr lang="pt-BR" sz="2400" dirty="0" err="1">
+                <a:latin typeface="Times New Roman" panose="02020603050405020304" pitchFamily="18" charset="0"/>
+                <a:cs typeface="Times New Roman" panose="02020603050405020304" pitchFamily="18" charset="0"/>
+              </a:rPr>
+              <a:t>methods</a:t>
+            </a:r>
+            <a:r>
+              <a:rPr lang="pt-BR" sz="2400" dirty="0">
+                <a:latin typeface="Times New Roman" panose="02020603050405020304" pitchFamily="18" charset="0"/>
+                <a:cs typeface="Times New Roman" panose="02020603050405020304" pitchFamily="18" charset="0"/>
+              </a:rPr>
+              <a:t> - OOP in PHP – Part 1</a:t>
+            </a:r>
+          </a:p>
+          <a:p>
+            <a:pPr marL="0" indent="0" algn="just">
+              <a:buNone/>
+            </a:pPr>
+            <a:r>
+              <a:rPr lang="pt-BR" sz="2400" dirty="0">
+                <a:latin typeface="Times New Roman" panose="02020603050405020304" pitchFamily="18" charset="0"/>
+                <a:cs typeface="Times New Roman" panose="02020603050405020304" pitchFamily="18" charset="0"/>
+              </a:rPr>
+              <a:t>	</a:t>
+            </a:r>
+            <a:r>
+              <a:rPr lang="pt-BR" sz="2400" dirty="0">
+                <a:latin typeface="Times New Roman" panose="02020603050405020304" pitchFamily="18" charset="0"/>
+                <a:cs typeface="Times New Roman" panose="02020603050405020304" pitchFamily="18" charset="0"/>
+                <a:hlinkClick r:id="rId4"/>
+              </a:rPr>
+              <a:t>https://www.youtube.com/watch?v=4xvCT7UPY3k</a:t>
+            </a:r>
+            <a:endParaRPr lang="pt-BR" sz="2400" dirty="0">
+              <a:latin typeface="Times New Roman" panose="02020603050405020304" pitchFamily="18" charset="0"/>
+              <a:cs typeface="Times New Roman" panose="02020603050405020304" pitchFamily="18" charset="0"/>
+            </a:endParaRPr>
+          </a:p>
+          <a:p>
+            <a:pPr marL="0" indent="0" algn="just">
+              <a:buNone/>
+            </a:pPr>
+            <a:endParaRPr lang="pt-BR" sz="2400" dirty="0">
+              <a:latin typeface="Times New Roman" panose="02020603050405020304" pitchFamily="18" charset="0"/>
+              <a:cs typeface="Times New Roman" panose="02020603050405020304" pitchFamily="18" charset="0"/>
+            </a:endParaRPr>
+          </a:p>
+          <a:p>
+            <a:pPr marL="0" indent="0" algn="just">
+              <a:buNone/>
+            </a:pPr>
+            <a:endParaRPr lang="pt-BR" sz="2400" dirty="0">
+              <a:latin typeface="Times New Roman" panose="02020603050405020304" pitchFamily="18" charset="0"/>
+              <a:cs typeface="Times New Roman" panose="02020603050405020304" pitchFamily="18" charset="0"/>
+            </a:endParaRPr>
+          </a:p>
+          <a:p>
+            <a:pPr marL="0" indent="0" algn="just">
+              <a:buNone/>
+            </a:pPr>
+            <a:endParaRPr lang="pt-BR" sz="2400" dirty="0">
+              <a:latin typeface="Times New Roman" panose="02020603050405020304" pitchFamily="18" charset="0"/>
+              <a:cs typeface="Times New Roman" panose="02020603050405020304" pitchFamily="18" charset="0"/>
+            </a:endParaRPr>
+          </a:p>
+          <a:p>
+            <a:pPr marL="0" indent="0" algn="just">
+              <a:buNone/>
+            </a:pPr>
+            <a:endParaRPr lang="pt-BR" sz="2400" dirty="0">
+              <a:latin typeface="Times New Roman" panose="02020603050405020304" pitchFamily="18" charset="0"/>
+              <a:cs typeface="Times New Roman" panose="02020603050405020304" pitchFamily="18" charset="0"/>
+            </a:endParaRPr>
+          </a:p>
+          <a:p>
+            <a:pPr marL="0" indent="0" algn="just">
+              <a:buNone/>
+            </a:pPr>
+            <a:endParaRPr lang="pt-BR" sz="2400" dirty="0">
+              <a:latin typeface="Times New Roman" panose="02020603050405020304" pitchFamily="18" charset="0"/>
+              <a:cs typeface="Times New Roman" panose="02020603050405020304" pitchFamily="18" charset="0"/>
+            </a:endParaRPr>
+          </a:p>
+        </p:txBody>
+      </p:sp>
+    </p:spTree>
+    <p:extLst>
+      <p:ext uri="{BB962C8B-B14F-4D97-AF65-F5344CB8AC3E}">
+        <p14:creationId xmlns:p14="http://schemas.microsoft.com/office/powerpoint/2010/main" val="2747596967"/>
+      </p:ext>
+    </p:extLst>
+  </p:cSld>
+  <p:clrMapOvr>
+    <a:masterClrMapping/>
+  </p:clrMapOvr>
+  <p:transition spd="med"/>
+</p:sld>
+</file>
+
+<file path=ppt/slides/slide65.xml><?xml version="1.0" encoding="utf-8"?>
+<p:sld xmlns:a="http://schemas.openxmlformats.org/drawingml/2006/main" xmlns:r="http://schemas.openxmlformats.org/officeDocument/2006/relationships" xmlns:p="http://schemas.openxmlformats.org/presentationml/2006/main">
+  <p:cSld>
+    <p:spTree>
+      <p:nvGrpSpPr>
+        <p:cNvPr id="1" name=""/>
+        <p:cNvGrpSpPr/>
+        <p:nvPr/>
+      </p:nvGrpSpPr>
+      <p:grpSpPr>
+        <a:xfrm>
+          <a:off x="0" y="0"/>
+          <a:ext cx="0" cy="0"/>
+          <a:chOff x="0" y="0"/>
+          <a:chExt cx="0" cy="0"/>
+        </a:xfrm>
+      </p:grpSpPr>
+      <p:sp>
+        <p:nvSpPr>
+          <p:cNvPr id="6" name="Title 1"/>
+          <p:cNvSpPr>
+            <a:spLocks noGrp="1"/>
+          </p:cNvSpPr>
+          <p:nvPr>
+            <p:ph type="title"/>
+          </p:nvPr>
+        </p:nvSpPr>
+        <p:spPr>
+          <a:xfrm>
+            <a:off x="457200" y="205980"/>
+            <a:ext cx="8229600" cy="857251"/>
+          </a:xfrm>
+        </p:spPr>
+        <p:txBody>
+          <a:bodyPr>
+            <a:normAutofit/>
+          </a:bodyPr>
+          <a:lstStyle/>
+          <a:p>
+            <a:r>
+              <a:rPr lang="en-US" b="1" dirty="0" err="1">
+                <a:solidFill>
+                  <a:srgbClr val="0070C0"/>
+                </a:solidFill>
+              </a:rPr>
+              <a:t>Dinâmica</a:t>
+            </a:r>
+            <a:r>
+              <a:rPr lang="en-US" b="1" dirty="0">
+                <a:solidFill>
+                  <a:srgbClr val="0070C0"/>
+                </a:solidFill>
+              </a:rPr>
+              <a:t>/</a:t>
+            </a:r>
+            <a:r>
+              <a:rPr lang="en-US" b="1" dirty="0" err="1">
+                <a:solidFill>
+                  <a:srgbClr val="0070C0"/>
+                </a:solidFill>
+              </a:rPr>
+              <a:t>Atividades</a:t>
+            </a:r>
+            <a:endParaRPr lang="en-US" b="1" dirty="0">
+              <a:solidFill>
+                <a:srgbClr val="0070C0"/>
+              </a:solidFill>
+            </a:endParaRPr>
+          </a:p>
+        </p:txBody>
+      </p:sp>
+      <p:sp>
+        <p:nvSpPr>
+          <p:cNvPr id="8" name="Text Placeholder 2"/>
+          <p:cNvSpPr>
+            <a:spLocks noGrp="1"/>
+          </p:cNvSpPr>
+          <p:nvPr>
+            <p:ph type="body" sz="half" idx="1"/>
+          </p:nvPr>
+        </p:nvSpPr>
+        <p:spPr>
+          <a:xfrm>
+            <a:off x="139472" y="1063230"/>
+            <a:ext cx="8865056" cy="3606305"/>
+          </a:xfrm>
+        </p:spPr>
+        <p:txBody>
+          <a:bodyPr>
+            <a:noAutofit/>
+          </a:bodyPr>
+          <a:lstStyle/>
+          <a:p>
+            <a:pPr algn="just">
+              <a:buFontTx/>
+              <a:buChar char="-"/>
+            </a:pPr>
+            <a:r>
+              <a:rPr lang="pt-BR" dirty="0">
+                <a:latin typeface="Times New Roman" panose="02020603050405020304" pitchFamily="18" charset="0"/>
+                <a:cs typeface="Times New Roman" panose="02020603050405020304" pitchFamily="18" charset="0"/>
+              </a:rPr>
+              <a:t>Exercícios de Fixação </a:t>
+            </a:r>
+            <a:r>
+              <a:rPr lang="pt-BR" b="1" dirty="0">
+                <a:latin typeface="Times New Roman" panose="02020603050405020304" pitchFamily="18" charset="0"/>
+                <a:cs typeface="Times New Roman" panose="02020603050405020304" pitchFamily="18" charset="0"/>
+              </a:rPr>
+              <a:t>PHP</a:t>
+            </a:r>
+          </a:p>
+          <a:p>
+            <a:pPr marL="0" indent="0" algn="just">
+              <a:buNone/>
+            </a:pPr>
+            <a:r>
+              <a:rPr lang="pt-BR" dirty="0">
+                <a:latin typeface="Times New Roman" panose="02020603050405020304" pitchFamily="18" charset="0"/>
+                <a:cs typeface="Times New Roman" panose="02020603050405020304" pitchFamily="18" charset="0"/>
+              </a:rPr>
+              <a:t>	</a:t>
+            </a:r>
+            <a:r>
+              <a:rPr lang="pt-BR" b="1" dirty="0">
+                <a:solidFill>
+                  <a:srgbClr val="FF0000"/>
+                </a:solidFill>
+                <a:latin typeface="Times New Roman" panose="02020603050405020304" pitchFamily="18" charset="0"/>
+                <a:cs typeface="Times New Roman" panose="02020603050405020304" pitchFamily="18" charset="0"/>
+              </a:rPr>
+              <a:t>Desafio em Sala de Aula</a:t>
+            </a:r>
+            <a:r>
+              <a:rPr lang="pt-BR" dirty="0">
+                <a:latin typeface="Times New Roman" panose="02020603050405020304" pitchFamily="18" charset="0"/>
+                <a:cs typeface="Times New Roman" panose="02020603050405020304" pitchFamily="18" charset="0"/>
+              </a:rPr>
+              <a:t>.</a:t>
+            </a:r>
+          </a:p>
+          <a:p>
+            <a:pPr marL="0" indent="0" algn="just">
+              <a:buNone/>
+            </a:pPr>
+            <a:r>
+              <a:rPr lang="pt-BR" dirty="0">
+                <a:latin typeface="Times New Roman" panose="02020603050405020304" pitchFamily="18" charset="0"/>
+                <a:cs typeface="Times New Roman" panose="02020603050405020304" pitchFamily="18" charset="0"/>
+              </a:rPr>
+              <a:t>		</a:t>
+            </a:r>
+          </a:p>
+          <a:p>
+            <a:pPr marL="0" indent="0" algn="just">
+              <a:buNone/>
+            </a:pPr>
+            <a:r>
+              <a:rPr lang="es-ES" dirty="0">
+                <a:latin typeface="Times New Roman" panose="02020603050405020304" pitchFamily="18" charset="0"/>
+                <a:cs typeface="Times New Roman" panose="02020603050405020304" pitchFamily="18" charset="0"/>
+              </a:rPr>
+              <a:t>- </a:t>
+            </a:r>
+            <a:r>
+              <a:rPr lang="es-ES" b="1" dirty="0">
+                <a:latin typeface="Times New Roman" panose="02020603050405020304" pitchFamily="18" charset="0"/>
+                <a:cs typeface="Times New Roman" panose="02020603050405020304" pitchFamily="18" charset="0"/>
+              </a:rPr>
+              <a:t>Quiz</a:t>
+            </a:r>
+            <a:r>
+              <a:rPr lang="es-ES" dirty="0">
+                <a:latin typeface="Times New Roman" panose="02020603050405020304" pitchFamily="18" charset="0"/>
+                <a:cs typeface="Times New Roman" panose="02020603050405020304" pitchFamily="18" charset="0"/>
+              </a:rPr>
+              <a:t> PHP</a:t>
+            </a:r>
+          </a:p>
+          <a:p>
+            <a:pPr marL="0" indent="0" algn="just">
+              <a:buNone/>
+            </a:pPr>
+            <a:r>
+              <a:rPr lang="es-ES" dirty="0">
+                <a:latin typeface="Times New Roman" panose="02020603050405020304" pitchFamily="18" charset="0"/>
+                <a:cs typeface="Times New Roman" panose="02020603050405020304" pitchFamily="18" charset="0"/>
+                <a:hlinkClick r:id="rId3"/>
+              </a:rPr>
+              <a:t>https://www.w3schools.com/php/php_quiz.asp</a:t>
+            </a:r>
+            <a:endParaRPr lang="es-ES" dirty="0">
+              <a:latin typeface="Times New Roman" panose="02020603050405020304" pitchFamily="18" charset="0"/>
+              <a:cs typeface="Times New Roman" panose="02020603050405020304" pitchFamily="18" charset="0"/>
+            </a:endParaRPr>
+          </a:p>
+          <a:p>
+            <a:pPr marL="0" indent="0" algn="just">
+              <a:buNone/>
+            </a:pPr>
+            <a:endParaRPr lang="pt-BR" dirty="0">
+              <a:latin typeface="Calibri" panose="020F0502020204030204" pitchFamily="34" charset="0"/>
+            </a:endParaRPr>
+          </a:p>
+        </p:txBody>
+      </p:sp>
+    </p:spTree>
+    <p:extLst>
+      <p:ext uri="{BB962C8B-B14F-4D97-AF65-F5344CB8AC3E}">
+        <p14:creationId xmlns:p14="http://schemas.microsoft.com/office/powerpoint/2010/main" val="2470652989"/>
+      </p:ext>
+    </p:extLst>
+  </p:cSld>
+  <p:clrMapOvr>
+    <a:masterClrMapping/>
+  </p:clrMapOvr>
+  <p:transition spd="med"/>
+</p:sld>
+</file>
+
+<file path=ppt/slides/slide66.xml><?xml version="1.0" encoding="utf-8"?>
+<p:sld xmlns:a="http://schemas.openxmlformats.org/drawingml/2006/main" xmlns:r="http://schemas.openxmlformats.org/officeDocument/2006/relationships" xmlns:p="http://schemas.openxmlformats.org/presentationml/2006/main">
+  <p:cSld>
+    <p:spTree>
+      <p:nvGrpSpPr>
+        <p:cNvPr id="1" name=""/>
+        <p:cNvGrpSpPr/>
+        <p:nvPr/>
+      </p:nvGrpSpPr>
+      <p:grpSpPr>
+        <a:xfrm>
+          <a:off x="0" y="0"/>
+          <a:ext cx="0" cy="0"/>
+          <a:chOff x="0" y="0"/>
+          <a:chExt cx="0" cy="0"/>
+        </a:xfrm>
+      </p:grpSpPr>
+      <p:sp>
+        <p:nvSpPr>
+          <p:cNvPr id="6" name="Title 1"/>
+          <p:cNvSpPr>
+            <a:spLocks noGrp="1"/>
+          </p:cNvSpPr>
+          <p:nvPr>
+            <p:ph type="title"/>
+          </p:nvPr>
+        </p:nvSpPr>
+        <p:spPr>
+          <a:xfrm>
+            <a:off x="457200" y="205980"/>
+            <a:ext cx="8229600" cy="857251"/>
+          </a:xfrm>
+        </p:spPr>
+        <p:txBody>
+          <a:bodyPr>
+            <a:normAutofit/>
+          </a:bodyPr>
+          <a:lstStyle/>
+          <a:p>
+            <a:r>
               <a:rPr lang="en-US" b="1" dirty="0" err="1">
                 <a:solidFill>
                   <a:srgbClr val="0070C0"/>
@@ -35632,7 +39696,7 @@
 </p:sld>
 </file>
 
-<file path=ppt/slides/slide62.xml><?xml version="1.0" encoding="utf-8"?>
+<file path=ppt/slides/slide67.xml><?xml version="1.0" encoding="utf-8"?>
 <p:sld xmlns:a="http://schemas.openxmlformats.org/drawingml/2006/main" xmlns:r="http://schemas.openxmlformats.org/officeDocument/2006/relationships" xmlns:p="http://schemas.openxmlformats.org/presentationml/2006/main">
   <p:cSld>
     <p:spTree>

--- a/01 Classes/Aula 12 e 13 Desenvolvimento Web PHP - PHP.pptx
+++ b/01 Classes/Aula 12 e 13 Desenvolvimento Web PHP - PHP.pptx
@@ -5,7 +5,7 @@
     <p:sldMasterId id="2147483648" r:id="rId1"/>
   </p:sldMasterIdLst>
   <p:notesMasterIdLst>
-    <p:notesMasterId r:id="rId69"/>
+    <p:notesMasterId r:id="rId72"/>
   </p:notesMasterIdLst>
   <p:sldIdLst>
     <p:sldId id="256" r:id="rId2"/>
@@ -66,15 +66,18 @@
     <p:sldId id="452" r:id="rId57"/>
     <p:sldId id="453" r:id="rId58"/>
     <p:sldId id="418" r:id="rId59"/>
-    <p:sldId id="451" r:id="rId60"/>
-    <p:sldId id="454" r:id="rId61"/>
-    <p:sldId id="455" r:id="rId62"/>
-    <p:sldId id="456" r:id="rId63"/>
-    <p:sldId id="333" r:id="rId64"/>
-    <p:sldId id="323" r:id="rId65"/>
-    <p:sldId id="334" r:id="rId66"/>
-    <p:sldId id="337" r:id="rId67"/>
-    <p:sldId id="309" r:id="rId68"/>
+    <p:sldId id="457" r:id="rId60"/>
+    <p:sldId id="451" r:id="rId61"/>
+    <p:sldId id="458" r:id="rId62"/>
+    <p:sldId id="454" r:id="rId63"/>
+    <p:sldId id="456" r:id="rId64"/>
+    <p:sldId id="455" r:id="rId65"/>
+    <p:sldId id="333" r:id="rId66"/>
+    <p:sldId id="459" r:id="rId67"/>
+    <p:sldId id="323" r:id="rId68"/>
+    <p:sldId id="334" r:id="rId69"/>
+    <p:sldId id="337" r:id="rId70"/>
+    <p:sldId id="309" r:id="rId71"/>
   </p:sldIdLst>
   <p:sldSz cx="9144000" cy="5143500" type="screen16x9"/>
   <p:notesSz cx="6858000" cy="9144000"/>
@@ -4048,7 +4051,7 @@
     </p:spTree>
     <p:extLst>
       <p:ext uri="{BB962C8B-B14F-4D97-AF65-F5344CB8AC3E}">
-        <p14:creationId xmlns:p14="http://schemas.microsoft.com/office/powerpoint/2010/main" val="40756885"/>
+        <p14:creationId xmlns:p14="http://schemas.microsoft.com/office/powerpoint/2010/main" val="1545875336"/>
       </p:ext>
     </p:extLst>
   </p:cSld>
@@ -4114,7 +4117,7 @@
     </p:spTree>
     <p:extLst>
       <p:ext uri="{BB962C8B-B14F-4D97-AF65-F5344CB8AC3E}">
-        <p14:creationId xmlns:p14="http://schemas.microsoft.com/office/powerpoint/2010/main" val="69310503"/>
+        <p14:creationId xmlns:p14="http://schemas.microsoft.com/office/powerpoint/2010/main" val="40756885"/>
       </p:ext>
     </p:extLst>
   </p:cSld>
@@ -4180,7 +4183,7 @@
     </p:spTree>
     <p:extLst>
       <p:ext uri="{BB962C8B-B14F-4D97-AF65-F5344CB8AC3E}">
-        <p14:creationId xmlns:p14="http://schemas.microsoft.com/office/powerpoint/2010/main" val="134872315"/>
+        <p14:creationId xmlns:p14="http://schemas.microsoft.com/office/powerpoint/2010/main" val="4183119629"/>
       </p:ext>
     </p:extLst>
   </p:cSld>
@@ -4305,14 +4308,14 @@
           <a:bodyPr/>
           <a:lstStyle/>
           <a:p>
-            <a:endParaRPr lang="pt-BR" dirty="0"/>
+            <a:endParaRPr lang="pt-BR" b="1" dirty="0"/>
           </a:p>
         </p:txBody>
       </p:sp>
     </p:spTree>
     <p:extLst>
       <p:ext uri="{BB962C8B-B14F-4D97-AF65-F5344CB8AC3E}">
-        <p14:creationId xmlns:p14="http://schemas.microsoft.com/office/powerpoint/2010/main" val="4273606922"/>
+        <p14:creationId xmlns:p14="http://schemas.microsoft.com/office/powerpoint/2010/main" val="69310503"/>
       </p:ext>
     </p:extLst>
   </p:cSld>
@@ -4378,7 +4381,7 @@
     </p:spTree>
     <p:extLst>
       <p:ext uri="{BB962C8B-B14F-4D97-AF65-F5344CB8AC3E}">
-        <p14:creationId xmlns:p14="http://schemas.microsoft.com/office/powerpoint/2010/main" val="585304384"/>
+        <p14:creationId xmlns:p14="http://schemas.microsoft.com/office/powerpoint/2010/main" val="4273606922"/>
       </p:ext>
     </p:extLst>
   </p:cSld>
@@ -4444,7 +4447,7 @@
     </p:spTree>
     <p:extLst>
       <p:ext uri="{BB962C8B-B14F-4D97-AF65-F5344CB8AC3E}">
-        <p14:creationId xmlns:p14="http://schemas.microsoft.com/office/powerpoint/2010/main" val="2709569597"/>
+        <p14:creationId xmlns:p14="http://schemas.microsoft.com/office/powerpoint/2010/main" val="134872315"/>
       </p:ext>
     </p:extLst>
   </p:cSld>
@@ -4510,6 +4513,204 @@
     </p:spTree>
     <p:extLst>
       <p:ext uri="{BB962C8B-B14F-4D97-AF65-F5344CB8AC3E}">
+        <p14:creationId xmlns:p14="http://schemas.microsoft.com/office/powerpoint/2010/main" val="585304384"/>
+      </p:ext>
+    </p:extLst>
+  </p:cSld>
+  <p:clrMapOvr>
+    <a:masterClrMapping/>
+  </p:clrMapOvr>
+</p:notes>
+</file>
+
+<file path=ppt/notesSlides/notesSlide64.xml><?xml version="1.0" encoding="utf-8"?>
+<p:notes xmlns:a="http://schemas.openxmlformats.org/drawingml/2006/main" xmlns:r="http://schemas.openxmlformats.org/officeDocument/2006/relationships" xmlns:p="http://schemas.openxmlformats.org/presentationml/2006/main">
+  <p:cSld>
+    <p:spTree>
+      <p:nvGrpSpPr>
+        <p:cNvPr id="1" name=""/>
+        <p:cNvGrpSpPr/>
+        <p:nvPr/>
+      </p:nvGrpSpPr>
+      <p:grpSpPr>
+        <a:xfrm>
+          <a:off x="0" y="0"/>
+          <a:ext cx="0" cy="0"/>
+          <a:chOff x="0" y="0"/>
+          <a:chExt cx="0" cy="0"/>
+        </a:xfrm>
+      </p:grpSpPr>
+      <p:sp>
+        <p:nvSpPr>
+          <p:cNvPr id="2" name="Espaço Reservado para Imagem de Slide 1"/>
+          <p:cNvSpPr>
+            <a:spLocks noGrp="1" noRot="1" noChangeAspect="1"/>
+          </p:cNvSpPr>
+          <p:nvPr>
+            <p:ph type="sldImg"/>
+          </p:nvPr>
+        </p:nvSpPr>
+        <p:spPr>
+          <a:xfrm>
+            <a:off x="381000" y="685800"/>
+            <a:ext cx="6096000" cy="3429000"/>
+          </a:xfrm>
+        </p:spPr>
+      </p:sp>
+      <p:sp>
+        <p:nvSpPr>
+          <p:cNvPr id="3" name="Espaço Reservado para Anotações 2"/>
+          <p:cNvSpPr>
+            <a:spLocks noGrp="1"/>
+          </p:cNvSpPr>
+          <p:nvPr>
+            <p:ph type="body" idx="1"/>
+          </p:nvPr>
+        </p:nvSpPr>
+        <p:spPr/>
+        <p:txBody>
+          <a:bodyPr/>
+          <a:lstStyle/>
+          <a:p>
+            <a:endParaRPr lang="pt-BR" dirty="0"/>
+          </a:p>
+        </p:txBody>
+      </p:sp>
+    </p:spTree>
+    <p:extLst>
+      <p:ext uri="{BB962C8B-B14F-4D97-AF65-F5344CB8AC3E}">
+        <p14:creationId xmlns:p14="http://schemas.microsoft.com/office/powerpoint/2010/main" val="654888718"/>
+      </p:ext>
+    </p:extLst>
+  </p:cSld>
+  <p:clrMapOvr>
+    <a:masterClrMapping/>
+  </p:clrMapOvr>
+</p:notes>
+</file>
+
+<file path=ppt/notesSlides/notesSlide65.xml><?xml version="1.0" encoding="utf-8"?>
+<p:notes xmlns:a="http://schemas.openxmlformats.org/drawingml/2006/main" xmlns:r="http://schemas.openxmlformats.org/officeDocument/2006/relationships" xmlns:p="http://schemas.openxmlformats.org/presentationml/2006/main">
+  <p:cSld>
+    <p:spTree>
+      <p:nvGrpSpPr>
+        <p:cNvPr id="1" name=""/>
+        <p:cNvGrpSpPr/>
+        <p:nvPr/>
+      </p:nvGrpSpPr>
+      <p:grpSpPr>
+        <a:xfrm>
+          <a:off x="0" y="0"/>
+          <a:ext cx="0" cy="0"/>
+          <a:chOff x="0" y="0"/>
+          <a:chExt cx="0" cy="0"/>
+        </a:xfrm>
+      </p:grpSpPr>
+      <p:sp>
+        <p:nvSpPr>
+          <p:cNvPr id="2" name="Espaço Reservado para Imagem de Slide 1"/>
+          <p:cNvSpPr>
+            <a:spLocks noGrp="1" noRot="1" noChangeAspect="1"/>
+          </p:cNvSpPr>
+          <p:nvPr>
+            <p:ph type="sldImg"/>
+          </p:nvPr>
+        </p:nvSpPr>
+        <p:spPr>
+          <a:xfrm>
+            <a:off x="381000" y="685800"/>
+            <a:ext cx="6096000" cy="3429000"/>
+          </a:xfrm>
+        </p:spPr>
+      </p:sp>
+      <p:sp>
+        <p:nvSpPr>
+          <p:cNvPr id="3" name="Espaço Reservado para Anotações 2"/>
+          <p:cNvSpPr>
+            <a:spLocks noGrp="1"/>
+          </p:cNvSpPr>
+          <p:nvPr>
+            <p:ph type="body" idx="1"/>
+          </p:nvPr>
+        </p:nvSpPr>
+        <p:spPr/>
+        <p:txBody>
+          <a:bodyPr/>
+          <a:lstStyle/>
+          <a:p>
+            <a:endParaRPr lang="pt-BR" dirty="0"/>
+          </a:p>
+        </p:txBody>
+      </p:sp>
+    </p:spTree>
+    <p:extLst>
+      <p:ext uri="{BB962C8B-B14F-4D97-AF65-F5344CB8AC3E}">
+        <p14:creationId xmlns:p14="http://schemas.microsoft.com/office/powerpoint/2010/main" val="2709569597"/>
+      </p:ext>
+    </p:extLst>
+  </p:cSld>
+  <p:clrMapOvr>
+    <a:masterClrMapping/>
+  </p:clrMapOvr>
+</p:notes>
+</file>
+
+<file path=ppt/notesSlides/notesSlide66.xml><?xml version="1.0" encoding="utf-8"?>
+<p:notes xmlns:a="http://schemas.openxmlformats.org/drawingml/2006/main" xmlns:r="http://schemas.openxmlformats.org/officeDocument/2006/relationships" xmlns:p="http://schemas.openxmlformats.org/presentationml/2006/main">
+  <p:cSld>
+    <p:spTree>
+      <p:nvGrpSpPr>
+        <p:cNvPr id="1" name=""/>
+        <p:cNvGrpSpPr/>
+        <p:nvPr/>
+      </p:nvGrpSpPr>
+      <p:grpSpPr>
+        <a:xfrm>
+          <a:off x="0" y="0"/>
+          <a:ext cx="0" cy="0"/>
+          <a:chOff x="0" y="0"/>
+          <a:chExt cx="0" cy="0"/>
+        </a:xfrm>
+      </p:grpSpPr>
+      <p:sp>
+        <p:nvSpPr>
+          <p:cNvPr id="2" name="Espaço Reservado para Imagem de Slide 1"/>
+          <p:cNvSpPr>
+            <a:spLocks noGrp="1" noRot="1" noChangeAspect="1"/>
+          </p:cNvSpPr>
+          <p:nvPr>
+            <p:ph type="sldImg"/>
+          </p:nvPr>
+        </p:nvSpPr>
+        <p:spPr>
+          <a:xfrm>
+            <a:off x="381000" y="685800"/>
+            <a:ext cx="6096000" cy="3429000"/>
+          </a:xfrm>
+        </p:spPr>
+      </p:sp>
+      <p:sp>
+        <p:nvSpPr>
+          <p:cNvPr id="3" name="Espaço Reservado para Anotações 2"/>
+          <p:cNvSpPr>
+            <a:spLocks noGrp="1"/>
+          </p:cNvSpPr>
+          <p:nvPr>
+            <p:ph type="body" idx="1"/>
+          </p:nvPr>
+        </p:nvSpPr>
+        <p:spPr/>
+        <p:txBody>
+          <a:bodyPr/>
+          <a:lstStyle/>
+          <a:p>
+            <a:endParaRPr lang="pt-BR" dirty="0"/>
+          </a:p>
+        </p:txBody>
+      </p:sp>
+    </p:spTree>
+    <p:extLst>
+      <p:ext uri="{BB962C8B-B14F-4D97-AF65-F5344CB8AC3E}">
         <p14:creationId xmlns:p14="http://schemas.microsoft.com/office/powerpoint/2010/main" val="2296249050"/>
       </p:ext>
     </p:extLst>
@@ -4520,7 +4721,7 @@
 </p:notes>
 </file>
 
-<file path=ppt/notesSlides/notesSlide64.xml><?xml version="1.0" encoding="utf-8"?>
+<file path=ppt/notesSlides/notesSlide67.xml><?xml version="1.0" encoding="utf-8"?>
 <p:notes xmlns:a="http://schemas.openxmlformats.org/drawingml/2006/main" xmlns:r="http://schemas.openxmlformats.org/officeDocument/2006/relationships" xmlns:p="http://schemas.openxmlformats.org/presentationml/2006/main">
   <p:cSld>
     <p:spTree>
@@ -33753,7 +33954,7 @@
         </p:spPr>
         <p:txBody>
           <a:bodyPr>
-            <a:normAutofit/>
+            <a:normAutofit fontScale="90000"/>
           </a:bodyPr>
           <a:lstStyle/>
           <a:p>
@@ -33763,24 +33964,21 @@
                   <a:srgbClr val="0070C0"/>
                 </a:solidFill>
               </a:rPr>
-              <a:t>PHP – BD MySQL </a:t>
+              <a:t>PHP – BD MySQL with </a:t>
             </a:r>
             <a:r>
               <a:rPr lang="en-US" b="1" dirty="0" err="1">
                 <a:solidFill>
-                  <a:srgbClr val="0070C0"/>
-                </a:solidFill>
-              </a:rPr>
-              <a:t>Opção</a:t>
-            </a:r>
-            <a:r>
-              <a:rPr lang="en-US" b="1" dirty="0">
-                <a:solidFill>
-                  <a:srgbClr val="0070C0"/>
-                </a:solidFill>
-              </a:rPr>
-              <a:t> 1</a:t>
-            </a:r>
+                  <a:srgbClr val="FF0000"/>
+                </a:solidFill>
+              </a:rPr>
+              <a:t>mysqli_connect</a:t>
+            </a:r>
+            <a:endParaRPr lang="en-US" b="1" dirty="0">
+              <a:solidFill>
+                <a:srgbClr val="FF0000"/>
+              </a:solidFill>
+            </a:endParaRPr>
           </a:p>
         </p:txBody>
       </p:sp>
@@ -34439,24 +34637,29 @@
                   <a:srgbClr val="0070C0"/>
                 </a:solidFill>
               </a:rPr>
-              <a:t>PHP – BD MySQL </a:t>
-            </a:r>
-            <a:r>
-              <a:rPr lang="en-US" b="1" dirty="0" err="1">
-                <a:solidFill>
-                  <a:srgbClr val="0070C0"/>
-                </a:solidFill>
-              </a:rPr>
-              <a:t>Opção</a:t>
+              <a:t>PHP – BD MySQL with </a:t>
             </a:r>
             <a:r>
               <a:rPr lang="en-US" b="1" dirty="0">
                 <a:solidFill>
-                  <a:srgbClr val="0070C0"/>
-                </a:solidFill>
-              </a:rPr>
-              <a:t> 2</a:t>
-            </a:r>
+                  <a:srgbClr val="FF0000"/>
+                </a:solidFill>
+              </a:rPr>
+              <a:t>m</a:t>
+            </a:r>
+            <a:r>
+              <a:rPr lang="pt-BR" b="1" dirty="0" err="1">
+                <a:solidFill>
+                  <a:srgbClr val="FF0000"/>
+                </a:solidFill>
+              </a:rPr>
+              <a:t>ysqli</a:t>
+            </a:r>
+            <a:endParaRPr lang="en-US" b="1" dirty="0">
+              <a:solidFill>
+                <a:srgbClr val="FF0000"/>
+              </a:solidFill>
+            </a:endParaRPr>
           </a:p>
         </p:txBody>
       </p:sp>
@@ -35406,23 +35609,15 @@
                   <a:srgbClr val="0070C0"/>
                 </a:solidFill>
               </a:rPr>
-              <a:t>PHP – MySQL </a:t>
-            </a:r>
-            <a:r>
-              <a:rPr lang="en-US" b="1" dirty="0" err="1">
-                <a:solidFill>
-                  <a:srgbClr val="0070C0"/>
-                </a:solidFill>
-              </a:rPr>
-              <a:t>Transações</a:t>
+              <a:t>PHP – BD MySQL with</a:t>
             </a:r>
             <a:r>
               <a:rPr lang="en-US" b="1" dirty="0">
                 <a:solidFill>
-                  <a:srgbClr val="0070C0"/>
-                </a:solidFill>
-              </a:rPr>
-              <a:t> Consulta</a:t>
+                  <a:srgbClr val="FF0000"/>
+                </a:solidFill>
+              </a:rPr>
+              <a:t> PDO</a:t>
             </a:r>
           </a:p>
         </p:txBody>
@@ -35439,8 +35634,8 @@
         </p:nvSpPr>
         <p:spPr>
           <a:xfrm>
-            <a:off x="142865" y="1037312"/>
-            <a:ext cx="8865056" cy="3900208"/>
+            <a:off x="142865" y="1037311"/>
+            <a:ext cx="8865056" cy="4035729"/>
           </a:xfrm>
         </p:spPr>
         <p:txBody>
@@ -35453,42 +35648,7 @@
               <a:buNone/>
             </a:pPr>
             <a:r>
-              <a:rPr lang="pt-BR" sz="2000" dirty="0">
-                <a:solidFill>
-                  <a:schemeClr val="tx1"/>
-                </a:solidFill>
-                <a:latin typeface="Times New Roman" panose="02020603050405020304" pitchFamily="18" charset="0"/>
-                <a:cs typeface="Times New Roman" panose="02020603050405020304" pitchFamily="18" charset="0"/>
-              </a:rPr>
-              <a:t>&lt;!-- </a:t>
-            </a:r>
-            <a:r>
-              <a:rPr lang="pt-BR" sz="2000" b="1" dirty="0">
-                <a:solidFill>
-                  <a:schemeClr val="tx1"/>
-                </a:solidFill>
-                <a:latin typeface="Times New Roman" panose="02020603050405020304" pitchFamily="18" charset="0"/>
-                <a:cs typeface="Times New Roman" panose="02020603050405020304" pitchFamily="18" charset="0"/>
-              </a:rPr>
-              <a:t>Preenchendo a tabela com os dados do banco:</a:t>
-            </a:r>
-            <a:r>
-              <a:rPr lang="pt-BR" sz="2000" dirty="0">
-                <a:solidFill>
-                  <a:schemeClr val="tx1"/>
-                </a:solidFill>
-                <a:latin typeface="Times New Roman" panose="02020603050405020304" pitchFamily="18" charset="0"/>
-                <a:cs typeface="Times New Roman" panose="02020603050405020304" pitchFamily="18" charset="0"/>
-              </a:rPr>
-              <a:t> --&gt;</a:t>
-            </a:r>
-          </a:p>
-          <a:p>
-            <a:pPr marL="0" indent="0" algn="just">
-              <a:buNone/>
-            </a:pPr>
-            <a:r>
-              <a:rPr lang="pt-BR" sz="2000" dirty="0">
+              <a:rPr lang="pt-BR" sz="1800" dirty="0">
                 <a:solidFill>
                   <a:schemeClr val="tx1"/>
                 </a:solidFill>
@@ -35498,7 +35658,7 @@
               <a:t>&lt;?</a:t>
             </a:r>
             <a:r>
-              <a:rPr lang="pt-BR" sz="2000" b="1" dirty="0" err="1">
+              <a:rPr lang="pt-BR" sz="1800" b="1" dirty="0" err="1">
                 <a:solidFill>
                   <a:srgbClr val="0070C0"/>
                 </a:solidFill>
@@ -35507,7 +35667,7 @@
               </a:rPr>
               <a:t>php</a:t>
             </a:r>
-            <a:endParaRPr lang="pt-BR" sz="2000" b="1" dirty="0">
+            <a:endParaRPr lang="pt-BR" sz="1800" b="1" dirty="0">
               <a:solidFill>
                 <a:srgbClr val="0070C0"/>
               </a:solidFill>
@@ -35520,67 +35680,627 @@
               <a:buNone/>
             </a:pPr>
             <a:r>
-              <a:rPr lang="pt-BR" sz="2000" dirty="0">
-                <a:solidFill>
-                  <a:schemeClr val="tx1"/>
-                </a:solidFill>
-                <a:latin typeface="Times New Roman" panose="02020603050405020304" pitchFamily="18" charset="0"/>
-                <a:cs typeface="Times New Roman" panose="02020603050405020304" pitchFamily="18" charset="0"/>
-              </a:rPr>
-              <a:t>    $</a:t>
-            </a:r>
-            <a:r>
-              <a:rPr lang="pt-BR" sz="2000" b="1" dirty="0" err="1">
-                <a:solidFill>
-                  <a:schemeClr val="tx1"/>
-                </a:solidFill>
-                <a:latin typeface="Times New Roman" panose="02020603050405020304" pitchFamily="18" charset="0"/>
-                <a:cs typeface="Times New Roman" panose="02020603050405020304" pitchFamily="18" charset="0"/>
-              </a:rPr>
-              <a:t>sql</a:t>
-            </a:r>
-            <a:r>
-              <a:rPr lang="pt-BR" sz="2000" dirty="0">
-                <a:solidFill>
-                  <a:schemeClr val="tx1"/>
-                </a:solidFill>
-                <a:latin typeface="Times New Roman" panose="02020603050405020304" pitchFamily="18" charset="0"/>
-                <a:cs typeface="Times New Roman" panose="02020603050405020304" pitchFamily="18" charset="0"/>
-              </a:rPr>
-              <a:t> = "</a:t>
-            </a:r>
-            <a:r>
-              <a:rPr lang="pt-BR" sz="2000" b="1" dirty="0" err="1">
-                <a:solidFill>
-                  <a:schemeClr val="tx1"/>
-                </a:solidFill>
-                <a:latin typeface="Times New Roman" panose="02020603050405020304" pitchFamily="18" charset="0"/>
-                <a:cs typeface="Times New Roman" panose="02020603050405020304" pitchFamily="18" charset="0"/>
-              </a:rPr>
-              <a:t>select</a:t>
-            </a:r>
-            <a:r>
-              <a:rPr lang="pt-BR" sz="2000" dirty="0">
-                <a:solidFill>
-                  <a:schemeClr val="tx1"/>
-                </a:solidFill>
-                <a:latin typeface="Times New Roman" panose="02020603050405020304" pitchFamily="18" charset="0"/>
-                <a:cs typeface="Times New Roman" panose="02020603050405020304" pitchFamily="18" charset="0"/>
-              </a:rPr>
-              <a:t> ID, NAME </a:t>
-            </a:r>
-            <a:r>
-              <a:rPr lang="pt-BR" sz="2000" b="1" dirty="0" err="1">
-                <a:solidFill>
-                  <a:schemeClr val="tx1"/>
-                </a:solidFill>
-                <a:latin typeface="Times New Roman" panose="02020603050405020304" pitchFamily="18" charset="0"/>
-                <a:cs typeface="Times New Roman" panose="02020603050405020304" pitchFamily="18" charset="0"/>
-              </a:rPr>
-              <a:t>from</a:t>
-            </a:r>
-            <a:r>
-              <a:rPr lang="pt-BR" sz="2000" dirty="0">
+              <a:rPr lang="pt-BR" sz="1800" dirty="0">
+                <a:solidFill>
+                  <a:schemeClr val="tx1"/>
+                </a:solidFill>
+                <a:latin typeface="Times New Roman" panose="02020603050405020304" pitchFamily="18" charset="0"/>
+                <a:cs typeface="Times New Roman" panose="02020603050405020304" pitchFamily="18" charset="0"/>
+              </a:rPr>
+              <a:t>   $</a:t>
+            </a:r>
+            <a:r>
+              <a:rPr lang="pt-BR" sz="1800" b="1" dirty="0" err="1">
+                <a:solidFill>
+                  <a:schemeClr val="tx1"/>
+                </a:solidFill>
+                <a:latin typeface="Times New Roman" panose="02020603050405020304" pitchFamily="18" charset="0"/>
+                <a:cs typeface="Times New Roman" panose="02020603050405020304" pitchFamily="18" charset="0"/>
+              </a:rPr>
+              <a:t>database</a:t>
+            </a:r>
+            <a:r>
+              <a:rPr lang="pt-BR" sz="1800" dirty="0">
+                <a:solidFill>
+                  <a:schemeClr val="tx1"/>
+                </a:solidFill>
+                <a:latin typeface="Times New Roman" panose="02020603050405020304" pitchFamily="18" charset="0"/>
+                <a:cs typeface="Times New Roman" panose="02020603050405020304" pitchFamily="18" charset="0"/>
+              </a:rPr>
+              <a:t> = '</a:t>
+            </a:r>
+            <a:r>
+              <a:rPr lang="pt-BR" sz="1800" dirty="0" err="1">
+                <a:solidFill>
+                  <a:srgbClr val="FF0000"/>
+                </a:solidFill>
+                <a:latin typeface="Times New Roman" panose="02020603050405020304" pitchFamily="18" charset="0"/>
+                <a:cs typeface="Times New Roman" panose="02020603050405020304" pitchFamily="18" charset="0"/>
+              </a:rPr>
+              <a:t>dbname</a:t>
+            </a:r>
+            <a:r>
+              <a:rPr lang="pt-BR" sz="1800" dirty="0">
+                <a:solidFill>
+                  <a:srgbClr val="FF0000"/>
+                </a:solidFill>
+                <a:latin typeface="Times New Roman" panose="02020603050405020304" pitchFamily="18" charset="0"/>
+                <a:cs typeface="Times New Roman" panose="02020603050405020304" pitchFamily="18" charset="0"/>
+              </a:rPr>
+              <a:t>=</a:t>
+            </a:r>
+            <a:r>
+              <a:rPr lang="pt-BR" sz="1800" dirty="0" err="1">
+                <a:solidFill>
+                  <a:srgbClr val="FF0000"/>
+                </a:solidFill>
+                <a:latin typeface="Times New Roman" panose="02020603050405020304" pitchFamily="18" charset="0"/>
+                <a:cs typeface="Times New Roman" panose="02020603050405020304" pitchFamily="18" charset="0"/>
+              </a:rPr>
+              <a:t>coursejdbc</a:t>
+            </a:r>
+            <a:r>
+              <a:rPr lang="pt-BR" sz="1800" dirty="0">
+                <a:solidFill>
+                  <a:schemeClr val="tx1"/>
+                </a:solidFill>
+                <a:latin typeface="Times New Roman" panose="02020603050405020304" pitchFamily="18" charset="0"/>
+                <a:cs typeface="Times New Roman" panose="02020603050405020304" pitchFamily="18" charset="0"/>
+              </a:rPr>
+              <a:t>’; $</a:t>
+            </a:r>
+            <a:r>
+              <a:rPr lang="pt-BR" sz="1800" b="1" dirty="0" err="1">
+                <a:solidFill>
+                  <a:schemeClr val="tx1"/>
+                </a:solidFill>
+                <a:latin typeface="Times New Roman" panose="02020603050405020304" pitchFamily="18" charset="0"/>
+                <a:cs typeface="Times New Roman" panose="02020603050405020304" pitchFamily="18" charset="0"/>
+              </a:rPr>
+              <a:t>hostname</a:t>
+            </a:r>
+            <a:r>
+              <a:rPr lang="pt-BR" sz="1800" dirty="0">
+                <a:solidFill>
+                  <a:schemeClr val="tx1"/>
+                </a:solidFill>
+                <a:latin typeface="Times New Roman" panose="02020603050405020304" pitchFamily="18" charset="0"/>
+                <a:cs typeface="Times New Roman" panose="02020603050405020304" pitchFamily="18" charset="0"/>
+              </a:rPr>
+              <a:t> = </a:t>
+            </a:r>
+            <a:r>
+              <a:rPr lang="pt-BR" sz="1800" dirty="0">
+                <a:solidFill>
+                  <a:srgbClr val="FF0000"/>
+                </a:solidFill>
+                <a:latin typeface="Times New Roman" panose="02020603050405020304" pitchFamily="18" charset="0"/>
+                <a:cs typeface="Times New Roman" panose="02020603050405020304" pitchFamily="18" charset="0"/>
+              </a:rPr>
+              <a:t>'</a:t>
+            </a:r>
+            <a:r>
+              <a:rPr lang="pt-BR" sz="1800" dirty="0" err="1">
+                <a:solidFill>
+                  <a:srgbClr val="FF0000"/>
+                </a:solidFill>
+                <a:latin typeface="Times New Roman" panose="02020603050405020304" pitchFamily="18" charset="0"/>
+                <a:cs typeface="Times New Roman" panose="02020603050405020304" pitchFamily="18" charset="0"/>
+              </a:rPr>
+              <a:t>mysql:host</a:t>
+            </a:r>
+            <a:r>
+              <a:rPr lang="pt-BR" sz="1800" dirty="0">
+                <a:solidFill>
+                  <a:srgbClr val="FF0000"/>
+                </a:solidFill>
+                <a:latin typeface="Times New Roman" panose="02020603050405020304" pitchFamily="18" charset="0"/>
+                <a:cs typeface="Times New Roman" panose="02020603050405020304" pitchFamily="18" charset="0"/>
+              </a:rPr>
+              <a:t>=localhost:3306;</a:t>
+            </a:r>
+            <a:r>
+              <a:rPr lang="pt-BR" sz="1800" dirty="0">
+                <a:solidFill>
+                  <a:schemeClr val="tx1"/>
+                </a:solidFill>
+                <a:latin typeface="Times New Roman" panose="02020603050405020304" pitchFamily="18" charset="0"/>
+                <a:cs typeface="Times New Roman" panose="02020603050405020304" pitchFamily="18" charset="0"/>
+              </a:rPr>
+              <a:t>' . $</a:t>
+            </a:r>
+            <a:r>
+              <a:rPr lang="pt-BR" sz="1800" b="1" dirty="0" err="1">
+                <a:solidFill>
+                  <a:schemeClr val="tx1"/>
+                </a:solidFill>
+                <a:latin typeface="Times New Roman" panose="02020603050405020304" pitchFamily="18" charset="0"/>
+                <a:cs typeface="Times New Roman" panose="02020603050405020304" pitchFamily="18" charset="0"/>
+              </a:rPr>
+              <a:t>database</a:t>
+            </a:r>
+            <a:r>
+              <a:rPr lang="pt-BR" sz="1800" dirty="0">
+                <a:solidFill>
+                  <a:schemeClr val="tx1"/>
+                </a:solidFill>
+                <a:latin typeface="Times New Roman" panose="02020603050405020304" pitchFamily="18" charset="0"/>
+                <a:cs typeface="Times New Roman" panose="02020603050405020304" pitchFamily="18" charset="0"/>
+              </a:rPr>
+              <a:t>; </a:t>
+            </a:r>
+          </a:p>
+          <a:p>
+            <a:pPr marL="0" indent="0" algn="just">
+              <a:buNone/>
+            </a:pPr>
+            <a:r>
+              <a:rPr lang="pt-BR" sz="1800" dirty="0">
+                <a:solidFill>
+                  <a:schemeClr val="tx1"/>
+                </a:solidFill>
+                <a:latin typeface="Times New Roman" panose="02020603050405020304" pitchFamily="18" charset="0"/>
+                <a:cs typeface="Times New Roman" panose="02020603050405020304" pitchFamily="18" charset="0"/>
+              </a:rPr>
+              <a:t>   $</a:t>
+            </a:r>
+            <a:r>
+              <a:rPr lang="pt-BR" sz="1800" b="1" dirty="0" err="1">
+                <a:solidFill>
+                  <a:schemeClr val="tx1"/>
+                </a:solidFill>
+                <a:latin typeface="Times New Roman" panose="02020603050405020304" pitchFamily="18" charset="0"/>
+                <a:cs typeface="Times New Roman" panose="02020603050405020304" pitchFamily="18" charset="0"/>
+              </a:rPr>
+              <a:t>username</a:t>
+            </a:r>
+            <a:r>
+              <a:rPr lang="pt-BR" sz="1800" dirty="0">
+                <a:solidFill>
+                  <a:schemeClr val="tx1"/>
+                </a:solidFill>
+                <a:latin typeface="Times New Roman" panose="02020603050405020304" pitchFamily="18" charset="0"/>
+                <a:cs typeface="Times New Roman" panose="02020603050405020304" pitchFamily="18" charset="0"/>
+              </a:rPr>
+              <a:t> = ‘</a:t>
+            </a:r>
+            <a:r>
+              <a:rPr lang="pt-BR" sz="1800" b="1" dirty="0">
+                <a:solidFill>
+                  <a:srgbClr val="FF0000"/>
+                </a:solidFill>
+                <a:latin typeface="Times New Roman" panose="02020603050405020304" pitchFamily="18" charset="0"/>
+                <a:cs typeface="Times New Roman" panose="02020603050405020304" pitchFamily="18" charset="0"/>
+              </a:rPr>
+              <a:t>???</a:t>
+            </a:r>
+            <a:r>
+              <a:rPr lang="pt-BR" sz="1800" dirty="0">
+                <a:solidFill>
+                  <a:schemeClr val="tx1"/>
+                </a:solidFill>
+                <a:latin typeface="Times New Roman" panose="02020603050405020304" pitchFamily="18" charset="0"/>
+                <a:cs typeface="Times New Roman" panose="02020603050405020304" pitchFamily="18" charset="0"/>
+              </a:rPr>
+              <a:t>’; $</a:t>
+            </a:r>
+            <a:r>
+              <a:rPr lang="pt-BR" sz="1800" b="1" dirty="0" err="1">
+                <a:solidFill>
+                  <a:schemeClr val="tx1"/>
+                </a:solidFill>
+                <a:latin typeface="Times New Roman" panose="02020603050405020304" pitchFamily="18" charset="0"/>
+                <a:cs typeface="Times New Roman" panose="02020603050405020304" pitchFamily="18" charset="0"/>
+              </a:rPr>
+              <a:t>password</a:t>
+            </a:r>
+            <a:r>
+              <a:rPr lang="pt-BR" sz="1800" dirty="0">
+                <a:solidFill>
+                  <a:schemeClr val="tx1"/>
+                </a:solidFill>
+                <a:latin typeface="Times New Roman" panose="02020603050405020304" pitchFamily="18" charset="0"/>
+                <a:cs typeface="Times New Roman" panose="02020603050405020304" pitchFamily="18" charset="0"/>
+              </a:rPr>
+              <a:t> = ‘</a:t>
+            </a:r>
+            <a:r>
+              <a:rPr lang="pt-BR" sz="1800" b="1" dirty="0">
+                <a:solidFill>
+                  <a:srgbClr val="FF0000"/>
+                </a:solidFill>
+                <a:latin typeface="Times New Roman" panose="02020603050405020304" pitchFamily="18" charset="0"/>
+                <a:cs typeface="Times New Roman" panose="02020603050405020304" pitchFamily="18" charset="0"/>
+              </a:rPr>
+              <a:t>???</a:t>
+            </a:r>
+            <a:r>
+              <a:rPr lang="pt-BR" sz="1800" dirty="0">
+                <a:solidFill>
+                  <a:schemeClr val="tx1"/>
+                </a:solidFill>
+                <a:latin typeface="Times New Roman" panose="02020603050405020304" pitchFamily="18" charset="0"/>
+                <a:cs typeface="Times New Roman" panose="02020603050405020304" pitchFamily="18" charset="0"/>
+              </a:rPr>
+              <a:t>’;</a:t>
+            </a:r>
+          </a:p>
+          <a:p>
+            <a:pPr marL="0" indent="0" algn="just">
+              <a:buNone/>
+            </a:pPr>
+            <a:r>
+              <a:rPr lang="pt-BR" sz="1800" b="1" dirty="0">
+                <a:solidFill>
+                  <a:schemeClr val="tx1"/>
+                </a:solidFill>
+                <a:latin typeface="Times New Roman" panose="02020603050405020304" pitchFamily="18" charset="0"/>
+                <a:cs typeface="Times New Roman" panose="02020603050405020304" pitchFamily="18" charset="0"/>
+              </a:rPr>
+              <a:t>   </a:t>
+            </a:r>
+            <a:r>
+              <a:rPr lang="pt-BR" sz="1800" b="1" dirty="0" err="1">
+                <a:solidFill>
+                  <a:schemeClr val="tx1"/>
+                </a:solidFill>
+                <a:latin typeface="Times New Roman" panose="02020603050405020304" pitchFamily="18" charset="0"/>
+                <a:cs typeface="Times New Roman" panose="02020603050405020304" pitchFamily="18" charset="0"/>
+              </a:rPr>
+              <a:t>try</a:t>
+            </a:r>
+            <a:r>
+              <a:rPr lang="pt-BR" sz="1800" dirty="0">
+                <a:solidFill>
+                  <a:schemeClr val="tx1"/>
+                </a:solidFill>
+                <a:latin typeface="Times New Roman" panose="02020603050405020304" pitchFamily="18" charset="0"/>
+                <a:cs typeface="Times New Roman" panose="02020603050405020304" pitchFamily="18" charset="0"/>
+              </a:rPr>
+              <a:t> {  </a:t>
+            </a:r>
+            <a:r>
+              <a:rPr lang="pt-BR" sz="1800" b="1" dirty="0">
+                <a:solidFill>
+                  <a:srgbClr val="0070C0"/>
+                </a:solidFill>
+                <a:latin typeface="Times New Roman" panose="02020603050405020304" pitchFamily="18" charset="0"/>
+                <a:cs typeface="Times New Roman" panose="02020603050405020304" pitchFamily="18" charset="0"/>
+              </a:rPr>
+              <a:t>// Connection </a:t>
+            </a:r>
+            <a:r>
+              <a:rPr lang="pt-BR" sz="1800" b="1" dirty="0" err="1">
+                <a:solidFill>
+                  <a:srgbClr val="0070C0"/>
+                </a:solidFill>
+                <a:latin typeface="Times New Roman" panose="02020603050405020304" pitchFamily="18" charset="0"/>
+                <a:cs typeface="Times New Roman" panose="02020603050405020304" pitchFamily="18" charset="0"/>
+              </a:rPr>
+              <a:t>with</a:t>
+            </a:r>
+            <a:r>
+              <a:rPr lang="pt-BR" sz="1800" b="1" dirty="0">
+                <a:solidFill>
+                  <a:srgbClr val="0070C0"/>
+                </a:solidFill>
+                <a:latin typeface="Times New Roman" panose="02020603050405020304" pitchFamily="18" charset="0"/>
+                <a:cs typeface="Times New Roman" panose="02020603050405020304" pitchFamily="18" charset="0"/>
+              </a:rPr>
+              <a:t> PDO</a:t>
+            </a:r>
+          </a:p>
+          <a:p>
+            <a:pPr marL="0" indent="0" algn="just">
+              <a:buNone/>
+            </a:pPr>
+            <a:r>
+              <a:rPr lang="pt-BR" sz="1800" dirty="0">
+                <a:solidFill>
+                  <a:schemeClr val="tx1"/>
+                </a:solidFill>
+                <a:latin typeface="Times New Roman" panose="02020603050405020304" pitchFamily="18" charset="0"/>
+                <a:cs typeface="Times New Roman" panose="02020603050405020304" pitchFamily="18" charset="0"/>
+              </a:rPr>
+              <a:t>     $</a:t>
+            </a:r>
+            <a:r>
+              <a:rPr lang="pt-BR" sz="1800" dirty="0" err="1">
+                <a:solidFill>
+                  <a:schemeClr val="tx1"/>
+                </a:solidFill>
+                <a:latin typeface="Times New Roman" panose="02020603050405020304" pitchFamily="18" charset="0"/>
+                <a:cs typeface="Times New Roman" panose="02020603050405020304" pitchFamily="18" charset="0"/>
+              </a:rPr>
+              <a:t>conn</a:t>
+            </a:r>
+            <a:r>
+              <a:rPr lang="pt-BR" sz="1800" dirty="0">
+                <a:solidFill>
+                  <a:schemeClr val="tx1"/>
+                </a:solidFill>
+                <a:latin typeface="Times New Roman" panose="02020603050405020304" pitchFamily="18" charset="0"/>
+                <a:cs typeface="Times New Roman" panose="02020603050405020304" pitchFamily="18" charset="0"/>
+              </a:rPr>
+              <a:t> = </a:t>
+            </a:r>
+            <a:r>
+              <a:rPr lang="pt-BR" sz="1800" b="1" dirty="0">
+                <a:solidFill>
+                  <a:srgbClr val="FF0000"/>
+                </a:solidFill>
+                <a:latin typeface="Times New Roman" panose="02020603050405020304" pitchFamily="18" charset="0"/>
+                <a:cs typeface="Times New Roman" panose="02020603050405020304" pitchFamily="18" charset="0"/>
+              </a:rPr>
+              <a:t>new PDO</a:t>
+            </a:r>
+            <a:r>
+              <a:rPr lang="pt-BR" sz="1800" dirty="0">
+                <a:solidFill>
+                  <a:schemeClr val="tx1"/>
+                </a:solidFill>
+                <a:latin typeface="Times New Roman" panose="02020603050405020304" pitchFamily="18" charset="0"/>
+                <a:cs typeface="Times New Roman" panose="02020603050405020304" pitchFamily="18" charset="0"/>
+              </a:rPr>
+              <a:t>($</a:t>
+            </a:r>
+            <a:r>
+              <a:rPr lang="pt-BR" sz="1800" b="1" dirty="0" err="1">
+                <a:solidFill>
+                  <a:schemeClr val="tx1"/>
+                </a:solidFill>
+                <a:latin typeface="Times New Roman" panose="02020603050405020304" pitchFamily="18" charset="0"/>
+                <a:cs typeface="Times New Roman" panose="02020603050405020304" pitchFamily="18" charset="0"/>
+              </a:rPr>
+              <a:t>hostname</a:t>
+            </a:r>
+            <a:r>
+              <a:rPr lang="pt-BR" sz="1800" dirty="0">
+                <a:solidFill>
+                  <a:schemeClr val="tx1"/>
+                </a:solidFill>
+                <a:latin typeface="Times New Roman" panose="02020603050405020304" pitchFamily="18" charset="0"/>
+                <a:cs typeface="Times New Roman" panose="02020603050405020304" pitchFamily="18" charset="0"/>
+              </a:rPr>
+              <a:t>, $</a:t>
+            </a:r>
+            <a:r>
+              <a:rPr lang="pt-BR" sz="1800" b="1" dirty="0" err="1">
+                <a:solidFill>
+                  <a:schemeClr val="tx1"/>
+                </a:solidFill>
+                <a:latin typeface="Times New Roman" panose="02020603050405020304" pitchFamily="18" charset="0"/>
+                <a:cs typeface="Times New Roman" panose="02020603050405020304" pitchFamily="18" charset="0"/>
+              </a:rPr>
+              <a:t>username</a:t>
+            </a:r>
+            <a:r>
+              <a:rPr lang="pt-BR" sz="1800" dirty="0">
+                <a:solidFill>
+                  <a:schemeClr val="tx1"/>
+                </a:solidFill>
+                <a:latin typeface="Times New Roman" panose="02020603050405020304" pitchFamily="18" charset="0"/>
+                <a:cs typeface="Times New Roman" panose="02020603050405020304" pitchFamily="18" charset="0"/>
+              </a:rPr>
+              <a:t>, $</a:t>
+            </a:r>
+            <a:r>
+              <a:rPr lang="pt-BR" sz="1800" b="1" dirty="0" err="1">
+                <a:solidFill>
+                  <a:schemeClr val="tx1"/>
+                </a:solidFill>
+                <a:latin typeface="Times New Roman" panose="02020603050405020304" pitchFamily="18" charset="0"/>
+                <a:cs typeface="Times New Roman" panose="02020603050405020304" pitchFamily="18" charset="0"/>
+              </a:rPr>
+              <a:t>password</a:t>
+            </a:r>
+            <a:r>
+              <a:rPr lang="pt-BR" sz="1800" dirty="0">
+                <a:solidFill>
+                  <a:schemeClr val="tx1"/>
+                </a:solidFill>
+                <a:latin typeface="Times New Roman" panose="02020603050405020304" pitchFamily="18" charset="0"/>
+                <a:cs typeface="Times New Roman" panose="02020603050405020304" pitchFamily="18" charset="0"/>
+              </a:rPr>
+              <a:t>);</a:t>
+            </a:r>
+          </a:p>
+          <a:p>
+            <a:pPr marL="0" indent="0" algn="just">
+              <a:buNone/>
+            </a:pPr>
+            <a:r>
+              <a:rPr lang="pt-BR" sz="1800" dirty="0">
+                <a:solidFill>
+                  <a:schemeClr val="tx1"/>
+                </a:solidFill>
+                <a:latin typeface="Times New Roman" panose="02020603050405020304" pitchFamily="18" charset="0"/>
+                <a:cs typeface="Times New Roman" panose="02020603050405020304" pitchFamily="18" charset="0"/>
+              </a:rPr>
+              <a:t>     $</a:t>
+            </a:r>
+            <a:r>
+              <a:rPr lang="pt-BR" sz="1800" dirty="0" err="1">
+                <a:solidFill>
+                  <a:schemeClr val="tx1"/>
+                </a:solidFill>
+                <a:latin typeface="Times New Roman" panose="02020603050405020304" pitchFamily="18" charset="0"/>
+                <a:cs typeface="Times New Roman" panose="02020603050405020304" pitchFamily="18" charset="0"/>
+              </a:rPr>
+              <a:t>conn</a:t>
+            </a:r>
+            <a:r>
+              <a:rPr lang="pt-BR" sz="1800" dirty="0">
+                <a:solidFill>
+                  <a:schemeClr val="tx1"/>
+                </a:solidFill>
+                <a:latin typeface="Times New Roman" panose="02020603050405020304" pitchFamily="18" charset="0"/>
+                <a:cs typeface="Times New Roman" panose="02020603050405020304" pitchFamily="18" charset="0"/>
+              </a:rPr>
+              <a:t>-&gt;</a:t>
+            </a:r>
+            <a:r>
+              <a:rPr lang="pt-BR" sz="1800" b="1" dirty="0" err="1">
+                <a:solidFill>
+                  <a:schemeClr val="tx1"/>
+                </a:solidFill>
+                <a:latin typeface="Times New Roman" panose="02020603050405020304" pitchFamily="18" charset="0"/>
+                <a:cs typeface="Times New Roman" panose="02020603050405020304" pitchFamily="18" charset="0"/>
+              </a:rPr>
+              <a:t>setAttribute</a:t>
+            </a:r>
+            <a:r>
+              <a:rPr lang="pt-BR" sz="1800" dirty="0">
+                <a:solidFill>
+                  <a:schemeClr val="tx1"/>
+                </a:solidFill>
+                <a:latin typeface="Times New Roman" panose="02020603050405020304" pitchFamily="18" charset="0"/>
+                <a:cs typeface="Times New Roman" panose="02020603050405020304" pitchFamily="18" charset="0"/>
+              </a:rPr>
+              <a:t>(</a:t>
+            </a:r>
+            <a:r>
+              <a:rPr lang="pt-BR" sz="1800" b="1" dirty="0">
+                <a:solidFill>
+                  <a:srgbClr val="FF0000"/>
+                </a:solidFill>
+                <a:latin typeface="Times New Roman" panose="02020603050405020304" pitchFamily="18" charset="0"/>
+                <a:cs typeface="Times New Roman" panose="02020603050405020304" pitchFamily="18" charset="0"/>
+              </a:rPr>
+              <a:t>PDO::ATTR_ERRMODE</a:t>
+            </a:r>
+            <a:r>
+              <a:rPr lang="pt-BR" sz="1800" dirty="0">
+                <a:solidFill>
+                  <a:schemeClr val="tx1"/>
+                </a:solidFill>
+                <a:latin typeface="Times New Roman" panose="02020603050405020304" pitchFamily="18" charset="0"/>
+                <a:cs typeface="Times New Roman" panose="02020603050405020304" pitchFamily="18" charset="0"/>
+              </a:rPr>
+              <a:t>, PDO::ERRMODE_EXCEPTION);</a:t>
+            </a:r>
+          </a:p>
+          <a:p>
+            <a:pPr marL="0" indent="0" algn="just">
+              <a:buNone/>
+            </a:pPr>
+            <a:r>
+              <a:rPr lang="pt-BR" sz="1800" dirty="0">
+                <a:solidFill>
+                  <a:schemeClr val="tx1"/>
+                </a:solidFill>
+                <a:latin typeface="Times New Roman" panose="02020603050405020304" pitchFamily="18" charset="0"/>
+                <a:cs typeface="Times New Roman" panose="02020603050405020304" pitchFamily="18" charset="0"/>
+              </a:rPr>
+              <a:t>     $</a:t>
+            </a:r>
+            <a:r>
+              <a:rPr lang="pt-BR" sz="1800" dirty="0" err="1">
+                <a:solidFill>
+                  <a:schemeClr val="tx1"/>
+                </a:solidFill>
+                <a:latin typeface="Times New Roman" panose="02020603050405020304" pitchFamily="18" charset="0"/>
+                <a:cs typeface="Times New Roman" panose="02020603050405020304" pitchFamily="18" charset="0"/>
+              </a:rPr>
+              <a:t>conn</a:t>
+            </a:r>
+            <a:r>
+              <a:rPr lang="pt-BR" sz="1800" dirty="0">
+                <a:solidFill>
+                  <a:schemeClr val="tx1"/>
+                </a:solidFill>
+                <a:latin typeface="Times New Roman" panose="02020603050405020304" pitchFamily="18" charset="0"/>
+                <a:cs typeface="Times New Roman" panose="02020603050405020304" pitchFamily="18" charset="0"/>
+              </a:rPr>
+              <a:t>-&gt;</a:t>
+            </a:r>
+            <a:r>
+              <a:rPr lang="pt-BR" sz="1800" b="1" dirty="0" err="1">
+                <a:solidFill>
+                  <a:schemeClr val="tx1"/>
+                </a:solidFill>
+                <a:latin typeface="Times New Roman" panose="02020603050405020304" pitchFamily="18" charset="0"/>
+                <a:cs typeface="Times New Roman" panose="02020603050405020304" pitchFamily="18" charset="0"/>
+              </a:rPr>
+              <a:t>setAttribute</a:t>
+            </a:r>
+            <a:r>
+              <a:rPr lang="pt-BR" sz="1800" dirty="0">
+                <a:solidFill>
+                  <a:schemeClr val="tx1"/>
+                </a:solidFill>
+                <a:latin typeface="Times New Roman" panose="02020603050405020304" pitchFamily="18" charset="0"/>
+                <a:cs typeface="Times New Roman" panose="02020603050405020304" pitchFamily="18" charset="0"/>
+              </a:rPr>
+              <a:t>(</a:t>
+            </a:r>
+            <a:r>
+              <a:rPr lang="pt-BR" sz="1800" b="1" dirty="0">
+                <a:solidFill>
+                  <a:srgbClr val="FF0000"/>
+                </a:solidFill>
+                <a:latin typeface="Times New Roman" panose="02020603050405020304" pitchFamily="18" charset="0"/>
+                <a:cs typeface="Times New Roman" panose="02020603050405020304" pitchFamily="18" charset="0"/>
+              </a:rPr>
+              <a:t>PDO::MYSQL_ATTR_INIT_COMMAND</a:t>
+            </a:r>
+            <a:r>
+              <a:rPr lang="pt-BR" sz="1800" dirty="0">
+                <a:solidFill>
+                  <a:schemeClr val="tx1"/>
+                </a:solidFill>
+                <a:latin typeface="Times New Roman" panose="02020603050405020304" pitchFamily="18" charset="0"/>
+                <a:cs typeface="Times New Roman" panose="02020603050405020304" pitchFamily="18" charset="0"/>
+              </a:rPr>
+              <a:t>, "SET NAMES 'utf8'");</a:t>
+            </a:r>
+          </a:p>
+          <a:p>
+            <a:pPr marL="0" indent="0" algn="just">
+              <a:buNone/>
+            </a:pPr>
+            <a:r>
+              <a:rPr lang="pt-BR" sz="1800" dirty="0">
+                <a:solidFill>
+                  <a:schemeClr val="tx1"/>
+                </a:solidFill>
+                <a:latin typeface="Times New Roman" panose="02020603050405020304" pitchFamily="18" charset="0"/>
+                <a:cs typeface="Times New Roman" panose="02020603050405020304" pitchFamily="18" charset="0"/>
+              </a:rPr>
+              <a:t>     // </a:t>
+            </a:r>
+            <a:r>
+              <a:rPr lang="pt-BR" sz="1800" b="1" dirty="0" err="1">
+                <a:solidFill>
+                  <a:schemeClr val="tx1"/>
+                </a:solidFill>
+                <a:latin typeface="Times New Roman" panose="02020603050405020304" pitchFamily="18" charset="0"/>
+                <a:cs typeface="Times New Roman" panose="02020603050405020304" pitchFamily="18" charset="0"/>
+              </a:rPr>
+              <a:t>echo</a:t>
+            </a:r>
+            <a:r>
+              <a:rPr lang="pt-BR" sz="1800" dirty="0">
+                <a:solidFill>
+                  <a:schemeClr val="tx1"/>
+                </a:solidFill>
+                <a:latin typeface="Times New Roman" panose="02020603050405020304" pitchFamily="18" charset="0"/>
+                <a:cs typeface="Times New Roman" panose="02020603050405020304" pitchFamily="18" charset="0"/>
+              </a:rPr>
+              <a:t> "</a:t>
+            </a:r>
+            <a:r>
+              <a:rPr lang="pt-BR" sz="1800" dirty="0" err="1">
+                <a:solidFill>
+                  <a:schemeClr val="tx1"/>
+                </a:solidFill>
+                <a:latin typeface="Times New Roman" panose="02020603050405020304" pitchFamily="18" charset="0"/>
+                <a:cs typeface="Times New Roman" panose="02020603050405020304" pitchFamily="18" charset="0"/>
+              </a:rPr>
+              <a:t>Connected</a:t>
+            </a:r>
+            <a:r>
+              <a:rPr lang="pt-BR" sz="1800" dirty="0">
                 <a:solidFill>
                   <a:schemeClr val="tx1"/>
                 </a:solidFill>
@@ -35590,17 +36310,17 @@
               <a:t> </a:t>
             </a:r>
             <a:r>
-              <a:rPr lang="pt-BR" sz="2000" dirty="0" err="1">
-                <a:solidFill>
-                  <a:schemeClr val="tx1"/>
-                </a:solidFill>
-                <a:latin typeface="Times New Roman" panose="02020603050405020304" pitchFamily="18" charset="0"/>
-                <a:cs typeface="Times New Roman" panose="02020603050405020304" pitchFamily="18" charset="0"/>
-              </a:rPr>
-              <a:t>department</a:t>
-            </a:r>
-            <a:r>
-              <a:rPr lang="pt-BR" sz="2000" dirty="0">
+              <a:rPr lang="pt-BR" sz="1800" dirty="0" err="1">
+                <a:solidFill>
+                  <a:schemeClr val="tx1"/>
+                </a:solidFill>
+                <a:latin typeface="Times New Roman" panose="02020603050405020304" pitchFamily="18" charset="0"/>
+                <a:cs typeface="Times New Roman" panose="02020603050405020304" pitchFamily="18" charset="0"/>
+              </a:rPr>
+              <a:t>successfully</a:t>
+            </a:r>
+            <a:r>
+              <a:rPr lang="pt-BR" sz="1800" dirty="0">
                 <a:solidFill>
                   <a:schemeClr val="tx1"/>
                 </a:solidFill>
@@ -35615,341 +36335,214 @@
               <a:buNone/>
             </a:pPr>
             <a:r>
-              <a:rPr lang="pt-BR" sz="2000" dirty="0">
-                <a:solidFill>
-                  <a:schemeClr val="tx1"/>
-                </a:solidFill>
-                <a:latin typeface="Times New Roman" panose="02020603050405020304" pitchFamily="18" charset="0"/>
-                <a:cs typeface="Times New Roman" panose="02020603050405020304" pitchFamily="18" charset="0"/>
-              </a:rPr>
-              <a:t>    $</a:t>
-            </a:r>
-            <a:r>
-              <a:rPr lang="pt-BR" sz="2000" b="1" dirty="0">
-                <a:solidFill>
-                  <a:schemeClr val="tx1"/>
-                </a:solidFill>
-                <a:latin typeface="Times New Roman" panose="02020603050405020304" pitchFamily="18" charset="0"/>
-                <a:cs typeface="Times New Roman" panose="02020603050405020304" pitchFamily="18" charset="0"/>
-              </a:rPr>
-              <a:t>resultado</a:t>
-            </a:r>
-            <a:r>
-              <a:rPr lang="pt-BR" sz="2000" dirty="0">
-                <a:solidFill>
-                  <a:schemeClr val="tx1"/>
-                </a:solidFill>
-                <a:latin typeface="Times New Roman" panose="02020603050405020304" pitchFamily="18" charset="0"/>
-                <a:cs typeface="Times New Roman" panose="02020603050405020304" pitchFamily="18" charset="0"/>
-              </a:rPr>
-              <a:t> = </a:t>
-            </a:r>
-            <a:r>
-              <a:rPr lang="pt-BR" sz="2000" b="1" dirty="0" err="1">
+              <a:rPr lang="pt-BR" sz="1800" dirty="0">
+                <a:solidFill>
+                  <a:schemeClr val="tx1"/>
+                </a:solidFill>
+                <a:latin typeface="Times New Roman" panose="02020603050405020304" pitchFamily="18" charset="0"/>
+                <a:cs typeface="Times New Roman" panose="02020603050405020304" pitchFamily="18" charset="0"/>
+              </a:rPr>
+              <a:t>   } </a:t>
+            </a:r>
+            <a:r>
+              <a:rPr lang="pt-BR" sz="1800" b="1" dirty="0">
+                <a:solidFill>
+                  <a:schemeClr val="tx1"/>
+                </a:solidFill>
+                <a:latin typeface="Times New Roman" panose="02020603050405020304" pitchFamily="18" charset="0"/>
+                <a:cs typeface="Times New Roman" panose="02020603050405020304" pitchFamily="18" charset="0"/>
+              </a:rPr>
+              <a:t>catch</a:t>
+            </a:r>
+            <a:r>
+              <a:rPr lang="pt-BR" sz="1800" dirty="0">
+                <a:solidFill>
+                  <a:schemeClr val="tx1"/>
+                </a:solidFill>
+                <a:latin typeface="Times New Roman" panose="02020603050405020304" pitchFamily="18" charset="0"/>
+                <a:cs typeface="Times New Roman" panose="02020603050405020304" pitchFamily="18" charset="0"/>
+              </a:rPr>
+              <a:t> (</a:t>
+            </a:r>
+            <a:r>
+              <a:rPr lang="pt-BR" sz="1800" b="1" dirty="0" err="1">
                 <a:solidFill>
                   <a:srgbClr val="FF0000"/>
                 </a:solidFill>
                 <a:latin typeface="Times New Roman" panose="02020603050405020304" pitchFamily="18" charset="0"/>
                 <a:cs typeface="Times New Roman" panose="02020603050405020304" pitchFamily="18" charset="0"/>
               </a:rPr>
-              <a:t>mysqli_query</a:t>
-            </a:r>
-            <a:r>
-              <a:rPr lang="pt-BR" sz="2000" dirty="0">
-                <a:solidFill>
-                  <a:schemeClr val="tx1"/>
-                </a:solidFill>
-                <a:latin typeface="Times New Roman" panose="02020603050405020304" pitchFamily="18" charset="0"/>
-                <a:cs typeface="Times New Roman" panose="02020603050405020304" pitchFamily="18" charset="0"/>
-              </a:rPr>
-              <a:t>($</a:t>
-            </a:r>
-            <a:r>
-              <a:rPr lang="pt-BR" sz="2000" b="1" dirty="0" err="1">
-                <a:solidFill>
-                  <a:schemeClr val="tx1"/>
-                </a:solidFill>
-                <a:latin typeface="Times New Roman" panose="02020603050405020304" pitchFamily="18" charset="0"/>
-                <a:cs typeface="Times New Roman" panose="02020603050405020304" pitchFamily="18" charset="0"/>
-              </a:rPr>
-              <a:t>conn</a:t>
-            </a:r>
-            <a:r>
-              <a:rPr lang="pt-BR" sz="2000" dirty="0">
-                <a:solidFill>
-                  <a:schemeClr val="tx1"/>
-                </a:solidFill>
-                <a:latin typeface="Times New Roman" panose="02020603050405020304" pitchFamily="18" charset="0"/>
-                <a:cs typeface="Times New Roman" panose="02020603050405020304" pitchFamily="18" charset="0"/>
-              </a:rPr>
-              <a:t>, $</a:t>
-            </a:r>
-            <a:r>
-              <a:rPr lang="pt-BR" sz="2000" b="1" dirty="0" err="1">
-                <a:solidFill>
-                  <a:schemeClr val="tx1"/>
-                </a:solidFill>
-                <a:latin typeface="Times New Roman" panose="02020603050405020304" pitchFamily="18" charset="0"/>
-                <a:cs typeface="Times New Roman" panose="02020603050405020304" pitchFamily="18" charset="0"/>
-              </a:rPr>
-              <a:t>sql</a:t>
-            </a:r>
-            <a:r>
-              <a:rPr lang="pt-BR" sz="2000" dirty="0">
-                <a:solidFill>
-                  <a:schemeClr val="tx1"/>
-                </a:solidFill>
-                <a:latin typeface="Times New Roman" panose="02020603050405020304" pitchFamily="18" charset="0"/>
-                <a:cs typeface="Times New Roman" panose="02020603050405020304" pitchFamily="18" charset="0"/>
-              </a:rPr>
-              <a:t>) </a:t>
-            </a:r>
-            <a:r>
-              <a:rPr lang="pt-BR" sz="2000" b="1" dirty="0" err="1">
-                <a:solidFill>
-                  <a:schemeClr val="tx1"/>
-                </a:solidFill>
-                <a:latin typeface="Times New Roman" panose="02020603050405020304" pitchFamily="18" charset="0"/>
-                <a:cs typeface="Times New Roman" panose="02020603050405020304" pitchFamily="18" charset="0"/>
-              </a:rPr>
-              <a:t>or</a:t>
-            </a:r>
-            <a:r>
-              <a:rPr lang="pt-BR" sz="2000" dirty="0">
-                <a:solidFill>
-                  <a:schemeClr val="tx1"/>
-                </a:solidFill>
-                <a:latin typeface="Times New Roman" panose="02020603050405020304" pitchFamily="18" charset="0"/>
-                <a:cs typeface="Times New Roman" panose="02020603050405020304" pitchFamily="18" charset="0"/>
-              </a:rPr>
-              <a:t> </a:t>
-            </a:r>
-          </a:p>
-          <a:p>
-            <a:pPr marL="0" indent="0" algn="just">
-              <a:buNone/>
-            </a:pPr>
-            <a:r>
-              <a:rPr lang="pt-BR" sz="2000" b="1" dirty="0">
-                <a:solidFill>
-                  <a:schemeClr val="tx1"/>
-                </a:solidFill>
-                <a:latin typeface="Times New Roman" panose="02020603050405020304" pitchFamily="18" charset="0"/>
-                <a:cs typeface="Times New Roman" panose="02020603050405020304" pitchFamily="18" charset="0"/>
-              </a:rPr>
-              <a:t>				  die</a:t>
-            </a:r>
-            <a:r>
-              <a:rPr lang="pt-BR" sz="2000" dirty="0">
-                <a:solidFill>
-                  <a:schemeClr val="tx1"/>
-                </a:solidFill>
-                <a:latin typeface="Times New Roman" panose="02020603050405020304" pitchFamily="18" charset="0"/>
-                <a:cs typeface="Times New Roman" panose="02020603050405020304" pitchFamily="18" charset="0"/>
-              </a:rPr>
-              <a:t>("Erro ao retornar dados");</a:t>
-            </a:r>
-          </a:p>
-          <a:p>
-            <a:pPr marL="0" indent="0" algn="just">
-              <a:buNone/>
-            </a:pPr>
-            <a:r>
-              <a:rPr lang="pt-BR" sz="2000" dirty="0">
-                <a:solidFill>
-                  <a:schemeClr val="tx1"/>
-                </a:solidFill>
-                <a:latin typeface="Times New Roman" panose="02020603050405020304" pitchFamily="18" charset="0"/>
-                <a:cs typeface="Times New Roman" panose="02020603050405020304" pitchFamily="18" charset="0"/>
-              </a:rPr>
-              <a:t>    // </a:t>
-            </a:r>
-            <a:r>
-              <a:rPr lang="pt-BR" sz="2000" b="1" dirty="0">
-                <a:solidFill>
-                  <a:schemeClr val="tx1"/>
-                </a:solidFill>
-                <a:latin typeface="Times New Roman" panose="02020603050405020304" pitchFamily="18" charset="0"/>
-                <a:cs typeface="Times New Roman" panose="02020603050405020304" pitchFamily="18" charset="0"/>
-              </a:rPr>
-              <a:t>Obtendo os dados por meio de um loop </a:t>
-            </a:r>
-            <a:r>
-              <a:rPr lang="pt-BR" sz="2000" b="1" dirty="0" err="1">
-                <a:solidFill>
-                  <a:schemeClr val="tx1"/>
-                </a:solidFill>
-                <a:latin typeface="Times New Roman" panose="02020603050405020304" pitchFamily="18" charset="0"/>
-                <a:cs typeface="Times New Roman" panose="02020603050405020304" pitchFamily="18" charset="0"/>
-              </a:rPr>
-              <a:t>while</a:t>
-            </a:r>
-            <a:endParaRPr lang="pt-BR" sz="2000" b="1" dirty="0">
-              <a:solidFill>
-                <a:schemeClr val="tx1"/>
-              </a:solidFill>
-              <a:latin typeface="Times New Roman" panose="02020603050405020304" pitchFamily="18" charset="0"/>
-              <a:cs typeface="Times New Roman" panose="02020603050405020304" pitchFamily="18" charset="0"/>
-            </a:endParaRPr>
-          </a:p>
-          <a:p>
-            <a:pPr marL="0" indent="0" algn="just">
-              <a:buNone/>
-            </a:pPr>
-            <a:r>
-              <a:rPr lang="pt-BR" sz="2000" dirty="0">
-                <a:solidFill>
-                  <a:schemeClr val="tx1"/>
-                </a:solidFill>
-                <a:latin typeface="Times New Roman" panose="02020603050405020304" pitchFamily="18" charset="0"/>
-                <a:cs typeface="Times New Roman" panose="02020603050405020304" pitchFamily="18" charset="0"/>
-              </a:rPr>
-              <a:t>    </a:t>
-            </a:r>
-            <a:r>
-              <a:rPr lang="pt-BR" sz="2000" b="1" dirty="0" err="1">
-                <a:solidFill>
-                  <a:schemeClr val="tx1"/>
-                </a:solidFill>
-                <a:latin typeface="Times New Roman" panose="02020603050405020304" pitchFamily="18" charset="0"/>
-                <a:cs typeface="Times New Roman" panose="02020603050405020304" pitchFamily="18" charset="0"/>
-              </a:rPr>
-              <a:t>while</a:t>
-            </a:r>
-            <a:r>
-              <a:rPr lang="pt-BR" sz="2000" dirty="0">
-                <a:solidFill>
-                  <a:schemeClr val="tx1"/>
-                </a:solidFill>
-                <a:latin typeface="Times New Roman" panose="02020603050405020304" pitchFamily="18" charset="0"/>
-                <a:cs typeface="Times New Roman" panose="02020603050405020304" pitchFamily="18" charset="0"/>
-              </a:rPr>
-              <a:t> ($registro = </a:t>
-            </a:r>
-            <a:r>
-              <a:rPr lang="pt-BR" sz="2000" b="1" dirty="0" err="1">
+              <a:t>PDOException</a:t>
+            </a:r>
+            <a:r>
+              <a:rPr lang="pt-BR" sz="1800" dirty="0">
+                <a:solidFill>
+                  <a:schemeClr val="tx1"/>
+                </a:solidFill>
+                <a:latin typeface="Times New Roman" panose="02020603050405020304" pitchFamily="18" charset="0"/>
+                <a:cs typeface="Times New Roman" panose="02020603050405020304" pitchFamily="18" charset="0"/>
+              </a:rPr>
+              <a:t> $e) { // </a:t>
+            </a:r>
+            <a:r>
+              <a:rPr lang="pt-BR" sz="1800" b="1" dirty="0">
                 <a:solidFill>
                   <a:srgbClr val="FF0000"/>
                 </a:solidFill>
                 <a:latin typeface="Times New Roman" panose="02020603050405020304" pitchFamily="18" charset="0"/>
                 <a:cs typeface="Times New Roman" panose="02020603050405020304" pitchFamily="18" charset="0"/>
               </a:rPr>
-              <a:t>mysqli_fetch_array</a:t>
-            </a:r>
-            <a:r>
-              <a:rPr lang="pt-BR" sz="2000" dirty="0">
-                <a:solidFill>
-                  <a:schemeClr val="tx1"/>
-                </a:solidFill>
-                <a:latin typeface="Times New Roman" panose="02020603050405020304" pitchFamily="18" charset="0"/>
-                <a:cs typeface="Times New Roman" panose="02020603050405020304" pitchFamily="18" charset="0"/>
-              </a:rPr>
-              <a:t>($resultado)) {</a:t>
-            </a:r>
-          </a:p>
-          <a:p>
-            <a:pPr marL="0" indent="0" algn="just">
-              <a:buNone/>
-            </a:pPr>
-            <a:r>
-              <a:rPr lang="pt-BR" sz="2000" dirty="0">
-                <a:solidFill>
-                  <a:schemeClr val="tx1"/>
-                </a:solidFill>
-                <a:latin typeface="Times New Roman" panose="02020603050405020304" pitchFamily="18" charset="0"/>
-                <a:cs typeface="Times New Roman" panose="02020603050405020304" pitchFamily="18" charset="0"/>
-              </a:rPr>
-              <a:t>      $id = $registro['ID'];</a:t>
-            </a:r>
-          </a:p>
-          <a:p>
-            <a:pPr marL="0" indent="0" algn="just">
-              <a:buNone/>
-            </a:pPr>
-            <a:r>
-              <a:rPr lang="pt-BR" sz="2000" dirty="0">
-                <a:solidFill>
-                  <a:schemeClr val="tx1"/>
-                </a:solidFill>
-                <a:latin typeface="Times New Roman" panose="02020603050405020304" pitchFamily="18" charset="0"/>
-                <a:cs typeface="Times New Roman" panose="02020603050405020304" pitchFamily="18" charset="0"/>
-              </a:rPr>
-              <a:t>      $</a:t>
-            </a:r>
-            <a:r>
-              <a:rPr lang="pt-BR" sz="2000" dirty="0" err="1">
-                <a:solidFill>
-                  <a:schemeClr val="tx1"/>
-                </a:solidFill>
-                <a:latin typeface="Times New Roman" panose="02020603050405020304" pitchFamily="18" charset="0"/>
-                <a:cs typeface="Times New Roman" panose="02020603050405020304" pitchFamily="18" charset="0"/>
-              </a:rPr>
-              <a:t>name</a:t>
-            </a:r>
-            <a:r>
-              <a:rPr lang="pt-BR" sz="2000" dirty="0">
-                <a:solidFill>
-                  <a:schemeClr val="tx1"/>
-                </a:solidFill>
-                <a:latin typeface="Times New Roman" panose="02020603050405020304" pitchFamily="18" charset="0"/>
-                <a:cs typeface="Times New Roman" panose="02020603050405020304" pitchFamily="18" charset="0"/>
-              </a:rPr>
-              <a:t> = $registro['NAME’]; </a:t>
-            </a:r>
-          </a:p>
-          <a:p>
-            <a:pPr marL="0" indent="0" algn="just">
-              <a:buNone/>
-            </a:pPr>
-            <a:r>
-              <a:rPr lang="pt-BR" sz="2000" dirty="0">
-                <a:solidFill>
-                  <a:schemeClr val="tx1"/>
-                </a:solidFill>
-                <a:latin typeface="Times New Roman" panose="02020603050405020304" pitchFamily="18" charset="0"/>
-                <a:cs typeface="Times New Roman" panose="02020603050405020304" pitchFamily="18" charset="0"/>
-              </a:rPr>
-              <a:t>    } </a:t>
-            </a:r>
-            <a:r>
-              <a:rPr lang="pt-BR" sz="2000" b="1" dirty="0" err="1">
-                <a:solidFill>
-                  <a:srgbClr val="FF0000"/>
-                </a:solidFill>
-                <a:latin typeface="Times New Roman" panose="02020603050405020304" pitchFamily="18" charset="0"/>
-                <a:cs typeface="Times New Roman" panose="02020603050405020304" pitchFamily="18" charset="0"/>
-              </a:rPr>
-              <a:t>mysqli_close</a:t>
-            </a:r>
-            <a:r>
-              <a:rPr lang="pt-BR" sz="2000" dirty="0">
-                <a:solidFill>
-                  <a:schemeClr val="tx1"/>
-                </a:solidFill>
-                <a:latin typeface="Times New Roman" panose="02020603050405020304" pitchFamily="18" charset="0"/>
-                <a:cs typeface="Times New Roman" panose="02020603050405020304" pitchFamily="18" charset="0"/>
-              </a:rPr>
-              <a:t>($</a:t>
-            </a:r>
-            <a:r>
-              <a:rPr lang="pt-BR" sz="2000" dirty="0" err="1">
-                <a:solidFill>
-                  <a:schemeClr val="tx1"/>
-                </a:solidFill>
-                <a:latin typeface="Times New Roman" panose="02020603050405020304" pitchFamily="18" charset="0"/>
-                <a:cs typeface="Times New Roman" panose="02020603050405020304" pitchFamily="18" charset="0"/>
-              </a:rPr>
-              <a:t>conn</a:t>
-            </a:r>
-            <a:r>
-              <a:rPr lang="pt-BR" sz="2000" dirty="0">
-                <a:solidFill>
-                  <a:schemeClr val="tx1"/>
-                </a:solidFill>
-                <a:latin typeface="Times New Roman" panose="02020603050405020304" pitchFamily="18" charset="0"/>
-                <a:cs typeface="Times New Roman" panose="02020603050405020304" pitchFamily="18" charset="0"/>
-              </a:rPr>
-              <a:t>);</a:t>
+              <a:t>die</a:t>
+            </a:r>
+            <a:r>
+              <a:rPr lang="pt-BR" sz="1800" b="1" dirty="0">
+                <a:solidFill>
+                  <a:schemeClr val="tx1"/>
+                </a:solidFill>
+                <a:latin typeface="Times New Roman" panose="02020603050405020304" pitchFamily="18" charset="0"/>
+                <a:cs typeface="Times New Roman" panose="02020603050405020304" pitchFamily="18" charset="0"/>
+              </a:rPr>
+              <a:t> equivalente ao </a:t>
+            </a:r>
+            <a:r>
+              <a:rPr lang="pt-BR" sz="1800" b="1" dirty="0" err="1">
+                <a:solidFill>
+                  <a:schemeClr val="tx1"/>
+                </a:solidFill>
+                <a:latin typeface="Times New Roman" panose="02020603050405020304" pitchFamily="18" charset="0"/>
+                <a:cs typeface="Times New Roman" panose="02020603050405020304" pitchFamily="18" charset="0"/>
+              </a:rPr>
+              <a:t>exit</a:t>
+            </a:r>
+            <a:r>
+              <a:rPr lang="pt-BR" sz="1800" b="1" dirty="0">
+                <a:solidFill>
+                  <a:schemeClr val="tx1"/>
+                </a:solidFill>
+                <a:latin typeface="Times New Roman" panose="02020603050405020304" pitchFamily="18" charset="0"/>
+                <a:cs typeface="Times New Roman" panose="02020603050405020304" pitchFamily="18" charset="0"/>
+              </a:rPr>
+              <a:t>;</a:t>
+            </a:r>
+          </a:p>
+          <a:p>
+            <a:pPr marL="0" indent="0" algn="just">
+              <a:buNone/>
+            </a:pPr>
+            <a:r>
+              <a:rPr lang="pt-BR" sz="1800" dirty="0">
+                <a:solidFill>
+                  <a:schemeClr val="tx1"/>
+                </a:solidFill>
+                <a:latin typeface="Times New Roman" panose="02020603050405020304" pitchFamily="18" charset="0"/>
+                <a:cs typeface="Times New Roman" panose="02020603050405020304" pitchFamily="18" charset="0"/>
+              </a:rPr>
+              <a:t>  	</a:t>
+            </a:r>
+            <a:r>
+              <a:rPr lang="pt-BR" sz="1800" b="1" dirty="0">
+                <a:solidFill>
+                  <a:schemeClr val="tx1"/>
+                </a:solidFill>
+                <a:latin typeface="Times New Roman" panose="02020603050405020304" pitchFamily="18" charset="0"/>
+                <a:cs typeface="Times New Roman" panose="02020603050405020304" pitchFamily="18" charset="0"/>
+              </a:rPr>
+              <a:t>die</a:t>
+            </a:r>
+            <a:r>
+              <a:rPr lang="pt-BR" sz="1800" dirty="0">
+                <a:solidFill>
+                  <a:schemeClr val="tx1"/>
+                </a:solidFill>
+                <a:latin typeface="Times New Roman" panose="02020603050405020304" pitchFamily="18" charset="0"/>
+                <a:cs typeface="Times New Roman" panose="02020603050405020304" pitchFamily="18" charset="0"/>
+              </a:rPr>
+              <a:t>("Falha na Conexão com o BD MySQL!!!"); // . $e-&gt;</a:t>
+            </a:r>
+            <a:r>
+              <a:rPr lang="pt-BR" sz="1800" b="1" dirty="0" err="1">
+                <a:solidFill>
+                  <a:schemeClr val="tx1"/>
+                </a:solidFill>
+                <a:latin typeface="Times New Roman" panose="02020603050405020304" pitchFamily="18" charset="0"/>
+                <a:cs typeface="Times New Roman" panose="02020603050405020304" pitchFamily="18" charset="0"/>
+              </a:rPr>
+              <a:t>getMessage</a:t>
+            </a:r>
+            <a:r>
+              <a:rPr lang="pt-BR" sz="1800" dirty="0">
+                <a:solidFill>
+                  <a:schemeClr val="tx1"/>
+                </a:solidFill>
+                <a:latin typeface="Times New Roman" panose="02020603050405020304" pitchFamily="18" charset="0"/>
+                <a:cs typeface="Times New Roman" panose="02020603050405020304" pitchFamily="18" charset="0"/>
+              </a:rPr>
+              <a:t>()</a:t>
+            </a:r>
+          </a:p>
+          <a:p>
+            <a:pPr marL="0" indent="0" algn="just">
+              <a:buNone/>
+            </a:pPr>
+            <a:r>
+              <a:rPr lang="pt-BR" sz="1800" dirty="0">
+                <a:solidFill>
+                  <a:schemeClr val="tx1"/>
+                </a:solidFill>
+                <a:latin typeface="Times New Roman" panose="02020603050405020304" pitchFamily="18" charset="0"/>
+                <a:cs typeface="Times New Roman" panose="02020603050405020304" pitchFamily="18" charset="0"/>
+              </a:rPr>
+              <a:t>      } </a:t>
+            </a:r>
+            <a:r>
+              <a:rPr lang="pt-BR" sz="1800" b="1" dirty="0">
+                <a:solidFill>
+                  <a:schemeClr val="tx1"/>
+                </a:solidFill>
+                <a:latin typeface="Times New Roman" panose="02020603050405020304" pitchFamily="18" charset="0"/>
+                <a:cs typeface="Times New Roman" panose="02020603050405020304" pitchFamily="18" charset="0"/>
+              </a:rPr>
+              <a:t>?&gt; //  </a:t>
+            </a:r>
+            <a:r>
+              <a:rPr lang="pt-BR" sz="1800" b="1" dirty="0" err="1">
+                <a:solidFill>
+                  <a:schemeClr val="tx1"/>
+                </a:solidFill>
+                <a:latin typeface="Times New Roman" panose="02020603050405020304" pitchFamily="18" charset="0"/>
+                <a:cs typeface="Times New Roman" panose="02020603050405020304" pitchFamily="18" charset="0"/>
+              </a:rPr>
+              <a:t>print_r</a:t>
+            </a:r>
+            <a:r>
+              <a:rPr lang="pt-BR" sz="1800" b="1" dirty="0">
+                <a:solidFill>
+                  <a:schemeClr val="tx1"/>
+                </a:solidFill>
+                <a:latin typeface="Times New Roman" panose="02020603050405020304" pitchFamily="18" charset="0"/>
+                <a:cs typeface="Times New Roman" panose="02020603050405020304" pitchFamily="18" charset="0"/>
+              </a:rPr>
+              <a:t>(PDO::</a:t>
+            </a:r>
+            <a:r>
+              <a:rPr lang="pt-BR" sz="1800" b="1" dirty="0" err="1">
+                <a:solidFill>
+                  <a:schemeClr val="tx1"/>
+                </a:solidFill>
+                <a:latin typeface="Times New Roman" panose="02020603050405020304" pitchFamily="18" charset="0"/>
+                <a:cs typeface="Times New Roman" panose="02020603050405020304" pitchFamily="18" charset="0"/>
+              </a:rPr>
+              <a:t>getAvailableDrivers</a:t>
+            </a:r>
+            <a:r>
+              <a:rPr lang="pt-BR" sz="1800" b="1" dirty="0">
+                <a:solidFill>
+                  <a:schemeClr val="tx1"/>
+                </a:solidFill>
+                <a:latin typeface="Times New Roman" panose="02020603050405020304" pitchFamily="18" charset="0"/>
+                <a:cs typeface="Times New Roman" panose="02020603050405020304" pitchFamily="18" charset="0"/>
+              </a:rPr>
+              <a:t>());</a:t>
             </a:r>
           </a:p>
         </p:txBody>
@@ -35957,7 +36550,7 @@
     </p:spTree>
     <p:extLst>
       <p:ext uri="{BB962C8B-B14F-4D97-AF65-F5344CB8AC3E}">
-        <p14:creationId xmlns:p14="http://schemas.microsoft.com/office/powerpoint/2010/main" val="1423707929"/>
+        <p14:creationId xmlns:p14="http://schemas.microsoft.com/office/powerpoint/2010/main" val="1180827381"/>
       </p:ext>
     </p:extLst>
   </p:cSld>
@@ -36787,24 +37380,29 @@
                   <a:srgbClr val="0070C0"/>
                 </a:solidFill>
               </a:rPr>
-              <a:t>PHP – MySQL </a:t>
+              <a:t>PHP – MySQL Consulta </a:t>
+            </a:r>
+            <a:r>
+              <a:rPr lang="en-US" b="1" dirty="0">
+                <a:solidFill>
+                  <a:srgbClr val="FF0000"/>
+                </a:solidFill>
+              </a:rPr>
+              <a:t>with </a:t>
             </a:r>
             <a:r>
               <a:rPr lang="en-US" b="1" dirty="0" err="1">
                 <a:solidFill>
-                  <a:srgbClr val="0070C0"/>
-                </a:solidFill>
-              </a:rPr>
-              <a:t>Transações</a:t>
-            </a:r>
-            <a:r>
-              <a:rPr lang="en-US" b="1" dirty="0">
-                <a:solidFill>
-                  <a:srgbClr val="0070C0"/>
-                </a:solidFill>
-              </a:rPr>
-              <a:t> Insert</a:t>
-            </a:r>
+                  <a:srgbClr val="FF0000"/>
+                </a:solidFill>
+              </a:rPr>
+              <a:t>mysqli</a:t>
+            </a:r>
+            <a:endParaRPr lang="en-US" b="1" dirty="0">
+              <a:solidFill>
+                <a:srgbClr val="FF0000"/>
+              </a:solidFill>
+            </a:endParaRPr>
           </a:p>
         </p:txBody>
       </p:sp>
@@ -37338,7 +37936,7 @@
     </p:spTree>
     <p:extLst>
       <p:ext uri="{BB962C8B-B14F-4D97-AF65-F5344CB8AC3E}">
-        <p14:creationId xmlns:p14="http://schemas.microsoft.com/office/powerpoint/2010/main" val="3021969552"/>
+        <p14:creationId xmlns:p14="http://schemas.microsoft.com/office/powerpoint/2010/main" val="1423707929"/>
       </p:ext>
     </p:extLst>
   </p:cSld>
@@ -37394,23 +37992,15 @@
                   <a:srgbClr val="0070C0"/>
                 </a:solidFill>
               </a:rPr>
-              <a:t>PHP – MySQL </a:t>
-            </a:r>
-            <a:r>
-              <a:rPr lang="en-US" b="1" dirty="0" err="1">
-                <a:solidFill>
-                  <a:srgbClr val="0070C0"/>
-                </a:solidFill>
-              </a:rPr>
-              <a:t>Transações</a:t>
+              <a:t>PHP – MySQL Consulta </a:t>
             </a:r>
             <a:r>
               <a:rPr lang="en-US" b="1" dirty="0">
                 <a:solidFill>
-                  <a:srgbClr val="0070C0"/>
-                </a:solidFill>
-              </a:rPr>
-              <a:t> Update</a:t>
+                  <a:srgbClr val="FF0000"/>
+                </a:solidFill>
+              </a:rPr>
+              <a:t>with PDO</a:t>
             </a:r>
           </a:p>
         </p:txBody>
@@ -37448,42 +38038,42 @@
                 <a:latin typeface="Times New Roman" panose="02020603050405020304" pitchFamily="18" charset="0"/>
                 <a:cs typeface="Times New Roman" panose="02020603050405020304" pitchFamily="18" charset="0"/>
               </a:rPr>
-              <a:t>&lt;!-- </a:t>
+              <a:t>&lt;?</a:t>
+            </a:r>
+            <a:r>
+              <a:rPr lang="pt-BR" sz="2000" b="1" dirty="0" err="1">
+                <a:solidFill>
+                  <a:srgbClr val="0070C0"/>
+                </a:solidFill>
+                <a:latin typeface="Times New Roman" panose="02020603050405020304" pitchFamily="18" charset="0"/>
+                <a:cs typeface="Times New Roman" panose="02020603050405020304" pitchFamily="18" charset="0"/>
+              </a:rPr>
+              <a:t>php</a:t>
             </a:r>
             <a:r>
               <a:rPr lang="pt-BR" sz="2000" b="1" dirty="0">
                 <a:solidFill>
-                  <a:schemeClr val="tx1"/>
-                </a:solidFill>
-                <a:latin typeface="Times New Roman" panose="02020603050405020304" pitchFamily="18" charset="0"/>
-                <a:cs typeface="Times New Roman" panose="02020603050405020304" pitchFamily="18" charset="0"/>
-              </a:rPr>
-              <a:t>Preenchendo a tabela com os dados do banco:</a:t>
-            </a:r>
-            <a:r>
-              <a:rPr lang="pt-BR" sz="2000" dirty="0">
-                <a:solidFill>
-                  <a:schemeClr val="tx1"/>
-                </a:solidFill>
-                <a:latin typeface="Times New Roman" panose="02020603050405020304" pitchFamily="18" charset="0"/>
-                <a:cs typeface="Times New Roman" panose="02020603050405020304" pitchFamily="18" charset="0"/>
-              </a:rPr>
-              <a:t> --&gt;</a:t>
-            </a:r>
-          </a:p>
-          <a:p>
-            <a:pPr marL="0" indent="0" algn="just">
-              <a:buNone/>
-            </a:pPr>
-            <a:r>
-              <a:rPr lang="pt-BR" sz="2000" dirty="0">
-                <a:solidFill>
-                  <a:schemeClr val="tx1"/>
-                </a:solidFill>
-                <a:latin typeface="Times New Roman" panose="02020603050405020304" pitchFamily="18" charset="0"/>
-                <a:cs typeface="Times New Roman" panose="02020603050405020304" pitchFamily="18" charset="0"/>
-              </a:rPr>
-              <a:t>&lt;?</a:t>
+                  <a:srgbClr val="0070C0"/>
+                </a:solidFill>
+                <a:latin typeface="Times New Roman" panose="02020603050405020304" pitchFamily="18" charset="0"/>
+                <a:cs typeface="Times New Roman" panose="02020603050405020304" pitchFamily="18" charset="0"/>
+              </a:rPr>
+              <a:t> </a:t>
+            </a:r>
+          </a:p>
+          <a:p>
+            <a:pPr marL="0" indent="0" algn="just">
+              <a:buNone/>
+            </a:pPr>
+            <a:r>
+              <a:rPr lang="pt-BR" sz="2000" b="1" dirty="0">
+                <a:solidFill>
+                  <a:srgbClr val="0070C0"/>
+                </a:solidFill>
+                <a:latin typeface="Times New Roman" panose="02020603050405020304" pitchFamily="18" charset="0"/>
+                <a:cs typeface="Times New Roman" panose="02020603050405020304" pitchFamily="18" charset="0"/>
+              </a:rPr>
+              <a:t>    </a:t>
             </a:r>
             <a:r>
               <a:rPr lang="pt-BR" sz="2000" b="1" dirty="0" err="1">
@@ -37493,286 +38083,39 @@
                 <a:latin typeface="Times New Roman" panose="02020603050405020304" pitchFamily="18" charset="0"/>
                 <a:cs typeface="Times New Roman" panose="02020603050405020304" pitchFamily="18" charset="0"/>
               </a:rPr>
-              <a:t>php</a:t>
-            </a:r>
-            <a:endParaRPr lang="pt-BR" sz="2000" b="1" dirty="0">
-              <a:solidFill>
-                <a:srgbClr val="0070C0"/>
-              </a:solidFill>
-              <a:latin typeface="Times New Roman" panose="02020603050405020304" pitchFamily="18" charset="0"/>
-              <a:cs typeface="Times New Roman" panose="02020603050405020304" pitchFamily="18" charset="0"/>
-            </a:endParaRPr>
-          </a:p>
-          <a:p>
-            <a:pPr marL="0" indent="0" algn="just">
-              <a:buNone/>
-            </a:pPr>
-            <a:r>
-              <a:rPr lang="pt-BR" sz="2000" dirty="0">
-                <a:solidFill>
-                  <a:schemeClr val="tx1"/>
-                </a:solidFill>
-                <a:latin typeface="Times New Roman" panose="02020603050405020304" pitchFamily="18" charset="0"/>
-                <a:cs typeface="Times New Roman" panose="02020603050405020304" pitchFamily="18" charset="0"/>
-              </a:rPr>
-              <a:t>    $</a:t>
+              <a:t>include_once</a:t>
+            </a:r>
+            <a:r>
+              <a:rPr lang="pt-BR" sz="2000" b="1" dirty="0">
+                <a:solidFill>
+                  <a:srgbClr val="0070C0"/>
+                </a:solidFill>
+                <a:latin typeface="Times New Roman" panose="02020603050405020304" pitchFamily="18" charset="0"/>
+                <a:cs typeface="Times New Roman" panose="02020603050405020304" pitchFamily="18" charset="0"/>
+              </a:rPr>
+              <a:t>("</a:t>
             </a:r>
             <a:r>
               <a:rPr lang="pt-BR" sz="2000" b="1" dirty="0" err="1">
                 <a:solidFill>
-                  <a:schemeClr val="tx1"/>
-                </a:solidFill>
-                <a:latin typeface="Times New Roman" panose="02020603050405020304" pitchFamily="18" charset="0"/>
-                <a:cs typeface="Times New Roman" panose="02020603050405020304" pitchFamily="18" charset="0"/>
-              </a:rPr>
-              <a:t>sql</a:t>
-            </a:r>
-            <a:r>
-              <a:rPr lang="pt-BR" sz="2000" dirty="0">
-                <a:solidFill>
-                  <a:schemeClr val="tx1"/>
-                </a:solidFill>
-                <a:latin typeface="Times New Roman" panose="02020603050405020304" pitchFamily="18" charset="0"/>
-                <a:cs typeface="Times New Roman" panose="02020603050405020304" pitchFamily="18" charset="0"/>
-              </a:rPr>
-              <a:t> = "</a:t>
-            </a:r>
-            <a:r>
-              <a:rPr lang="pt-BR" sz="2000" b="1" dirty="0" err="1">
-                <a:solidFill>
-                  <a:schemeClr val="tx1"/>
-                </a:solidFill>
-                <a:latin typeface="Times New Roman" panose="02020603050405020304" pitchFamily="18" charset="0"/>
-                <a:cs typeface="Times New Roman" panose="02020603050405020304" pitchFamily="18" charset="0"/>
-              </a:rPr>
-              <a:t>select</a:t>
-            </a:r>
-            <a:r>
-              <a:rPr lang="pt-BR" sz="2000" dirty="0">
-                <a:solidFill>
-                  <a:schemeClr val="tx1"/>
-                </a:solidFill>
-                <a:latin typeface="Times New Roman" panose="02020603050405020304" pitchFamily="18" charset="0"/>
-                <a:cs typeface="Times New Roman" panose="02020603050405020304" pitchFamily="18" charset="0"/>
-              </a:rPr>
-              <a:t> ID, NAME </a:t>
-            </a:r>
-            <a:r>
-              <a:rPr lang="pt-BR" sz="2000" b="1" dirty="0" err="1">
-                <a:solidFill>
-                  <a:schemeClr val="tx1"/>
-                </a:solidFill>
-                <a:latin typeface="Times New Roman" panose="02020603050405020304" pitchFamily="18" charset="0"/>
-                <a:cs typeface="Times New Roman" panose="02020603050405020304" pitchFamily="18" charset="0"/>
-              </a:rPr>
-              <a:t>from</a:t>
-            </a:r>
-            <a:r>
-              <a:rPr lang="pt-BR" sz="2000" dirty="0">
-                <a:solidFill>
-                  <a:schemeClr val="tx1"/>
-                </a:solidFill>
-                <a:latin typeface="Times New Roman" panose="02020603050405020304" pitchFamily="18" charset="0"/>
-                <a:cs typeface="Times New Roman" panose="02020603050405020304" pitchFamily="18" charset="0"/>
-              </a:rPr>
-              <a:t> </a:t>
-            </a:r>
-            <a:r>
-              <a:rPr lang="pt-BR" sz="2000" dirty="0" err="1">
-                <a:solidFill>
-                  <a:schemeClr val="tx1"/>
-                </a:solidFill>
-                <a:latin typeface="Times New Roman" panose="02020603050405020304" pitchFamily="18" charset="0"/>
-                <a:cs typeface="Times New Roman" panose="02020603050405020304" pitchFamily="18" charset="0"/>
-              </a:rPr>
-              <a:t>department</a:t>
-            </a:r>
-            <a:r>
-              <a:rPr lang="pt-BR" sz="2000" dirty="0">
-                <a:solidFill>
-                  <a:schemeClr val="tx1"/>
-                </a:solidFill>
-                <a:latin typeface="Times New Roman" panose="02020603050405020304" pitchFamily="18" charset="0"/>
-                <a:cs typeface="Times New Roman" panose="02020603050405020304" pitchFamily="18" charset="0"/>
-              </a:rPr>
-              <a:t>";</a:t>
-            </a:r>
-          </a:p>
-          <a:p>
-            <a:pPr marL="0" indent="0" algn="just">
-              <a:buNone/>
-            </a:pPr>
-            <a:r>
-              <a:rPr lang="pt-BR" sz="2000" dirty="0">
-                <a:solidFill>
-                  <a:schemeClr val="tx1"/>
-                </a:solidFill>
-                <a:latin typeface="Times New Roman" panose="02020603050405020304" pitchFamily="18" charset="0"/>
-                <a:cs typeface="Times New Roman" panose="02020603050405020304" pitchFamily="18" charset="0"/>
-              </a:rPr>
-              <a:t>    $</a:t>
+                  <a:srgbClr val="0070C0"/>
+                </a:solidFill>
+                <a:latin typeface="Times New Roman" panose="02020603050405020304" pitchFamily="18" charset="0"/>
+                <a:cs typeface="Times New Roman" panose="02020603050405020304" pitchFamily="18" charset="0"/>
+              </a:rPr>
+              <a:t>connPDO.php</a:t>
             </a:r>
             <a:r>
               <a:rPr lang="pt-BR" sz="2000" b="1" dirty="0">
                 <a:solidFill>
-                  <a:schemeClr val="tx1"/>
-                </a:solidFill>
-                <a:latin typeface="Times New Roman" panose="02020603050405020304" pitchFamily="18" charset="0"/>
-                <a:cs typeface="Times New Roman" panose="02020603050405020304" pitchFamily="18" charset="0"/>
-              </a:rPr>
-              <a:t>resultado</a:t>
-            </a:r>
-            <a:r>
-              <a:rPr lang="pt-BR" sz="2000" dirty="0">
-                <a:solidFill>
-                  <a:schemeClr val="tx1"/>
-                </a:solidFill>
-                <a:latin typeface="Times New Roman" panose="02020603050405020304" pitchFamily="18" charset="0"/>
-                <a:cs typeface="Times New Roman" panose="02020603050405020304" pitchFamily="18" charset="0"/>
-              </a:rPr>
-              <a:t> = </a:t>
-            </a:r>
-            <a:r>
-              <a:rPr lang="pt-BR" sz="2000" b="1" dirty="0" err="1">
-                <a:solidFill>
-                  <a:srgbClr val="FF0000"/>
-                </a:solidFill>
-                <a:latin typeface="Times New Roman" panose="02020603050405020304" pitchFamily="18" charset="0"/>
-                <a:cs typeface="Times New Roman" panose="02020603050405020304" pitchFamily="18" charset="0"/>
-              </a:rPr>
-              <a:t>mysqli_query</a:t>
-            </a:r>
-            <a:r>
-              <a:rPr lang="pt-BR" sz="2000" dirty="0">
-                <a:solidFill>
-                  <a:schemeClr val="tx1"/>
-                </a:solidFill>
-                <a:latin typeface="Times New Roman" panose="02020603050405020304" pitchFamily="18" charset="0"/>
-                <a:cs typeface="Times New Roman" panose="02020603050405020304" pitchFamily="18" charset="0"/>
-              </a:rPr>
-              <a:t>($</a:t>
-            </a:r>
-            <a:r>
-              <a:rPr lang="pt-BR" sz="2000" b="1" dirty="0" err="1">
-                <a:solidFill>
-                  <a:schemeClr val="tx1"/>
-                </a:solidFill>
-                <a:latin typeface="Times New Roman" panose="02020603050405020304" pitchFamily="18" charset="0"/>
-                <a:cs typeface="Times New Roman" panose="02020603050405020304" pitchFamily="18" charset="0"/>
-              </a:rPr>
-              <a:t>conn</a:t>
-            </a:r>
-            <a:r>
-              <a:rPr lang="pt-BR" sz="2000" dirty="0">
-                <a:solidFill>
-                  <a:schemeClr val="tx1"/>
-                </a:solidFill>
-                <a:latin typeface="Times New Roman" panose="02020603050405020304" pitchFamily="18" charset="0"/>
-                <a:cs typeface="Times New Roman" panose="02020603050405020304" pitchFamily="18" charset="0"/>
-              </a:rPr>
-              <a:t>, $</a:t>
-            </a:r>
-            <a:r>
-              <a:rPr lang="pt-BR" sz="2000" b="1" dirty="0" err="1">
-                <a:solidFill>
-                  <a:schemeClr val="tx1"/>
-                </a:solidFill>
-                <a:latin typeface="Times New Roman" panose="02020603050405020304" pitchFamily="18" charset="0"/>
-                <a:cs typeface="Times New Roman" panose="02020603050405020304" pitchFamily="18" charset="0"/>
-              </a:rPr>
-              <a:t>sql</a:t>
-            </a:r>
-            <a:r>
-              <a:rPr lang="pt-BR" sz="2000" dirty="0">
-                <a:solidFill>
-                  <a:schemeClr val="tx1"/>
-                </a:solidFill>
-                <a:latin typeface="Times New Roman" panose="02020603050405020304" pitchFamily="18" charset="0"/>
-                <a:cs typeface="Times New Roman" panose="02020603050405020304" pitchFamily="18" charset="0"/>
-              </a:rPr>
-              <a:t>) </a:t>
-            </a:r>
-            <a:r>
-              <a:rPr lang="pt-BR" sz="2000" b="1" dirty="0" err="1">
-                <a:solidFill>
-                  <a:schemeClr val="tx1"/>
-                </a:solidFill>
-                <a:latin typeface="Times New Roman" panose="02020603050405020304" pitchFamily="18" charset="0"/>
-                <a:cs typeface="Times New Roman" panose="02020603050405020304" pitchFamily="18" charset="0"/>
-              </a:rPr>
-              <a:t>or</a:t>
-            </a:r>
-            <a:r>
-              <a:rPr lang="pt-BR" sz="2000" dirty="0">
-                <a:solidFill>
-                  <a:schemeClr val="tx1"/>
-                </a:solidFill>
-                <a:latin typeface="Times New Roman" panose="02020603050405020304" pitchFamily="18" charset="0"/>
-                <a:cs typeface="Times New Roman" panose="02020603050405020304" pitchFamily="18" charset="0"/>
-              </a:rPr>
-              <a:t> </a:t>
-            </a:r>
-          </a:p>
-          <a:p>
-            <a:pPr marL="0" indent="0" algn="just">
-              <a:buNone/>
-            </a:pPr>
-            <a:r>
-              <a:rPr lang="pt-BR" sz="2000" b="1" dirty="0">
-                <a:solidFill>
-                  <a:schemeClr val="tx1"/>
-                </a:solidFill>
-                <a:latin typeface="Times New Roman" panose="02020603050405020304" pitchFamily="18" charset="0"/>
-                <a:cs typeface="Times New Roman" panose="02020603050405020304" pitchFamily="18" charset="0"/>
-              </a:rPr>
-              <a:t>				  die</a:t>
-            </a:r>
-            <a:r>
-              <a:rPr lang="pt-BR" sz="2000" dirty="0">
-                <a:solidFill>
-                  <a:schemeClr val="tx1"/>
-                </a:solidFill>
-                <a:latin typeface="Times New Roman" panose="02020603050405020304" pitchFamily="18" charset="0"/>
-                <a:cs typeface="Times New Roman" panose="02020603050405020304" pitchFamily="18" charset="0"/>
-              </a:rPr>
-              <a:t>("Erro ao retornar dados");</a:t>
-            </a:r>
-          </a:p>
-          <a:p>
-            <a:pPr marL="0" indent="0" algn="just">
-              <a:buNone/>
-            </a:pPr>
-            <a:r>
-              <a:rPr lang="pt-BR" sz="2000" dirty="0">
-                <a:solidFill>
-                  <a:schemeClr val="tx1"/>
-                </a:solidFill>
-                <a:latin typeface="Times New Roman" panose="02020603050405020304" pitchFamily="18" charset="0"/>
-                <a:cs typeface="Times New Roman" panose="02020603050405020304" pitchFamily="18" charset="0"/>
-              </a:rPr>
-              <a:t>    // </a:t>
-            </a:r>
-            <a:r>
-              <a:rPr lang="pt-BR" sz="2000" b="1" dirty="0">
-                <a:solidFill>
-                  <a:schemeClr val="tx1"/>
-                </a:solidFill>
-                <a:latin typeface="Times New Roman" panose="02020603050405020304" pitchFamily="18" charset="0"/>
-                <a:cs typeface="Times New Roman" panose="02020603050405020304" pitchFamily="18" charset="0"/>
-              </a:rPr>
-              <a:t>Obtendo os dados por meio de um loop </a:t>
-            </a:r>
-            <a:r>
-              <a:rPr lang="pt-BR" sz="2000" b="1" dirty="0" err="1">
-                <a:solidFill>
-                  <a:schemeClr val="tx1"/>
-                </a:solidFill>
-                <a:latin typeface="Times New Roman" panose="02020603050405020304" pitchFamily="18" charset="0"/>
-                <a:cs typeface="Times New Roman" panose="02020603050405020304" pitchFamily="18" charset="0"/>
-              </a:rPr>
-              <a:t>while</a:t>
-            </a:r>
-            <a:endParaRPr lang="pt-BR" sz="2000" b="1" dirty="0">
+                  <a:srgbClr val="0070C0"/>
+                </a:solidFill>
+                <a:latin typeface="Times New Roman" panose="02020603050405020304" pitchFamily="18" charset="0"/>
+                <a:cs typeface="Times New Roman" panose="02020603050405020304" pitchFamily="18" charset="0"/>
+              </a:rPr>
+              <a:t>");</a:t>
+            </a:r>
+            <a:endParaRPr lang="pt-BR" sz="2000" dirty="0">
               <a:solidFill>
                 <a:schemeClr val="tx1"/>
               </a:solidFill>
@@ -37792,6 +38135,203 @@
                 <a:latin typeface="Times New Roman" panose="02020603050405020304" pitchFamily="18" charset="0"/>
                 <a:cs typeface="Times New Roman" panose="02020603050405020304" pitchFamily="18" charset="0"/>
               </a:rPr>
+              <a:t>    $</a:t>
+            </a:r>
+            <a:r>
+              <a:rPr lang="pt-BR" sz="2000" b="1" dirty="0" err="1">
+                <a:solidFill>
+                  <a:schemeClr val="tx1"/>
+                </a:solidFill>
+                <a:latin typeface="Times New Roman" panose="02020603050405020304" pitchFamily="18" charset="0"/>
+                <a:cs typeface="Times New Roman" panose="02020603050405020304" pitchFamily="18" charset="0"/>
+              </a:rPr>
+              <a:t>sqlStatment</a:t>
+            </a:r>
+            <a:r>
+              <a:rPr lang="pt-BR" sz="2000" dirty="0">
+                <a:solidFill>
+                  <a:schemeClr val="tx1"/>
+                </a:solidFill>
+                <a:latin typeface="Times New Roman" panose="02020603050405020304" pitchFamily="18" charset="0"/>
+                <a:cs typeface="Times New Roman" panose="02020603050405020304" pitchFamily="18" charset="0"/>
+              </a:rPr>
+              <a:t> = $</a:t>
+            </a:r>
+            <a:r>
+              <a:rPr lang="pt-BR" sz="2000" b="1" dirty="0" err="1">
+                <a:solidFill>
+                  <a:schemeClr val="tx1"/>
+                </a:solidFill>
+                <a:latin typeface="Times New Roman" panose="02020603050405020304" pitchFamily="18" charset="0"/>
+                <a:cs typeface="Times New Roman" panose="02020603050405020304" pitchFamily="18" charset="0"/>
+              </a:rPr>
+              <a:t>conn</a:t>
+            </a:r>
+            <a:r>
+              <a:rPr lang="pt-BR" sz="2000" dirty="0">
+                <a:solidFill>
+                  <a:schemeClr val="tx1"/>
+                </a:solidFill>
+                <a:latin typeface="Times New Roman" panose="02020603050405020304" pitchFamily="18" charset="0"/>
+                <a:cs typeface="Times New Roman" panose="02020603050405020304" pitchFamily="18" charset="0"/>
+              </a:rPr>
+              <a:t>-&gt;</a:t>
+            </a:r>
+            <a:r>
+              <a:rPr lang="pt-BR" sz="2000" b="1" dirty="0">
+                <a:solidFill>
+                  <a:srgbClr val="FF0000"/>
+                </a:solidFill>
+                <a:latin typeface="Times New Roman" panose="02020603050405020304" pitchFamily="18" charset="0"/>
+                <a:cs typeface="Times New Roman" panose="02020603050405020304" pitchFamily="18" charset="0"/>
+              </a:rPr>
+              <a:t>query</a:t>
+            </a:r>
+            <a:r>
+              <a:rPr lang="pt-BR" sz="2000" dirty="0">
+                <a:solidFill>
+                  <a:schemeClr val="tx1"/>
+                </a:solidFill>
+                <a:latin typeface="Times New Roman" panose="02020603050405020304" pitchFamily="18" charset="0"/>
+                <a:cs typeface="Times New Roman" panose="02020603050405020304" pitchFamily="18" charset="0"/>
+              </a:rPr>
+              <a:t>("</a:t>
+            </a:r>
+            <a:r>
+              <a:rPr lang="pt-BR" sz="2000" dirty="0" err="1">
+                <a:solidFill>
+                  <a:schemeClr val="tx1"/>
+                </a:solidFill>
+                <a:latin typeface="Times New Roman" panose="02020603050405020304" pitchFamily="18" charset="0"/>
+                <a:cs typeface="Times New Roman" panose="02020603050405020304" pitchFamily="18" charset="0"/>
+              </a:rPr>
+              <a:t>select</a:t>
+            </a:r>
+            <a:r>
+              <a:rPr lang="pt-BR" sz="2000" dirty="0">
+                <a:solidFill>
+                  <a:schemeClr val="tx1"/>
+                </a:solidFill>
+                <a:latin typeface="Times New Roman" panose="02020603050405020304" pitchFamily="18" charset="0"/>
+                <a:cs typeface="Times New Roman" panose="02020603050405020304" pitchFamily="18" charset="0"/>
+              </a:rPr>
+              <a:t> </a:t>
+            </a:r>
+            <a:r>
+              <a:rPr lang="pt-BR" sz="2000" b="1" dirty="0">
+                <a:solidFill>
+                  <a:srgbClr val="FF0000"/>
+                </a:solidFill>
+                <a:latin typeface="Times New Roman" panose="02020603050405020304" pitchFamily="18" charset="0"/>
+                <a:cs typeface="Times New Roman" panose="02020603050405020304" pitchFamily="18" charset="0"/>
+              </a:rPr>
+              <a:t>ID, NAME</a:t>
+            </a:r>
+            <a:r>
+              <a:rPr lang="pt-BR" sz="2000" dirty="0">
+                <a:solidFill>
+                  <a:schemeClr val="tx1"/>
+                </a:solidFill>
+                <a:latin typeface="Times New Roman" panose="02020603050405020304" pitchFamily="18" charset="0"/>
+                <a:cs typeface="Times New Roman" panose="02020603050405020304" pitchFamily="18" charset="0"/>
+              </a:rPr>
+              <a:t> </a:t>
+            </a:r>
+            <a:r>
+              <a:rPr lang="pt-BR" sz="2000" dirty="0" err="1">
+                <a:solidFill>
+                  <a:schemeClr val="tx1"/>
+                </a:solidFill>
+                <a:latin typeface="Times New Roman" panose="02020603050405020304" pitchFamily="18" charset="0"/>
+                <a:cs typeface="Times New Roman" panose="02020603050405020304" pitchFamily="18" charset="0"/>
+              </a:rPr>
+              <a:t>from</a:t>
+            </a:r>
+            <a:r>
+              <a:rPr lang="pt-BR" sz="2000" dirty="0">
+                <a:solidFill>
+                  <a:schemeClr val="tx1"/>
+                </a:solidFill>
+                <a:latin typeface="Times New Roman" panose="02020603050405020304" pitchFamily="18" charset="0"/>
+                <a:cs typeface="Times New Roman" panose="02020603050405020304" pitchFamily="18" charset="0"/>
+              </a:rPr>
+              <a:t> </a:t>
+            </a:r>
+            <a:r>
+              <a:rPr lang="pt-BR" sz="2000" dirty="0" err="1">
+                <a:solidFill>
+                  <a:schemeClr val="tx1"/>
+                </a:solidFill>
+                <a:latin typeface="Times New Roman" panose="02020603050405020304" pitchFamily="18" charset="0"/>
+                <a:cs typeface="Times New Roman" panose="02020603050405020304" pitchFamily="18" charset="0"/>
+              </a:rPr>
+              <a:t>department</a:t>
+            </a:r>
+            <a:r>
+              <a:rPr lang="pt-BR" sz="2000" dirty="0">
+                <a:solidFill>
+                  <a:schemeClr val="tx1"/>
+                </a:solidFill>
+                <a:latin typeface="Times New Roman" panose="02020603050405020304" pitchFamily="18" charset="0"/>
+                <a:cs typeface="Times New Roman" panose="02020603050405020304" pitchFamily="18" charset="0"/>
+              </a:rPr>
+              <a:t>");</a:t>
+            </a:r>
+          </a:p>
+          <a:p>
+            <a:pPr marL="0" indent="0" algn="just">
+              <a:buNone/>
+            </a:pPr>
+            <a:r>
+              <a:rPr lang="pt-BR" sz="2000" dirty="0">
+                <a:solidFill>
+                  <a:schemeClr val="tx1"/>
+                </a:solidFill>
+                <a:latin typeface="Times New Roman" panose="02020603050405020304" pitchFamily="18" charset="0"/>
+                <a:cs typeface="Times New Roman" panose="02020603050405020304" pitchFamily="18" charset="0"/>
+              </a:rPr>
+              <a:t>    // </a:t>
+            </a:r>
+            <a:r>
+              <a:rPr lang="pt-BR" sz="2000" b="1" dirty="0">
+                <a:solidFill>
+                  <a:srgbClr val="FF0000"/>
+                </a:solidFill>
+                <a:latin typeface="Times New Roman" panose="02020603050405020304" pitchFamily="18" charset="0"/>
+                <a:cs typeface="Times New Roman" panose="02020603050405020304" pitchFamily="18" charset="0"/>
+              </a:rPr>
+              <a:t>Obtendo os dados por meio de um loop </a:t>
+            </a:r>
+            <a:r>
+              <a:rPr lang="pt-BR" sz="2000" b="1" dirty="0" err="1">
+                <a:solidFill>
+                  <a:srgbClr val="FF0000"/>
+                </a:solidFill>
+                <a:latin typeface="Times New Roman" panose="02020603050405020304" pitchFamily="18" charset="0"/>
+                <a:cs typeface="Times New Roman" panose="02020603050405020304" pitchFamily="18" charset="0"/>
+              </a:rPr>
+              <a:t>while</a:t>
+            </a:r>
+            <a:endParaRPr lang="pt-BR" sz="2000" b="1" dirty="0">
+              <a:solidFill>
+                <a:srgbClr val="FF0000"/>
+              </a:solidFill>
+              <a:latin typeface="Times New Roman" panose="02020603050405020304" pitchFamily="18" charset="0"/>
+              <a:cs typeface="Times New Roman" panose="02020603050405020304" pitchFamily="18" charset="0"/>
+            </a:endParaRPr>
+          </a:p>
+          <a:p>
+            <a:pPr marL="0" indent="0" algn="just">
+              <a:buNone/>
+            </a:pPr>
+            <a:r>
+              <a:rPr lang="pt-BR" sz="2000" dirty="0">
+                <a:solidFill>
+                  <a:schemeClr val="tx1"/>
+                </a:solidFill>
+                <a:latin typeface="Times New Roman" panose="02020603050405020304" pitchFamily="18" charset="0"/>
+                <a:cs typeface="Times New Roman" panose="02020603050405020304" pitchFamily="18" charset="0"/>
+              </a:rPr>
               <a:t>    </a:t>
             </a:r>
             <a:r>
@@ -37812,17 +38352,57 @@
                 <a:latin typeface="Times New Roman" panose="02020603050405020304" pitchFamily="18" charset="0"/>
                 <a:cs typeface="Times New Roman" panose="02020603050405020304" pitchFamily="18" charset="0"/>
               </a:rPr>
-              <a:t> ($registro = </a:t>
+              <a:t> ($</a:t>
+            </a:r>
+            <a:r>
+              <a:rPr lang="pt-BR" sz="2000" b="1" dirty="0">
+                <a:solidFill>
+                  <a:srgbClr val="0070C0"/>
+                </a:solidFill>
+                <a:latin typeface="Times New Roman" panose="02020603050405020304" pitchFamily="18" charset="0"/>
+                <a:cs typeface="Times New Roman" panose="02020603050405020304" pitchFamily="18" charset="0"/>
+              </a:rPr>
+              <a:t>registro</a:t>
+            </a:r>
+            <a:r>
+              <a:rPr lang="pt-BR" sz="2000" dirty="0">
+                <a:solidFill>
+                  <a:schemeClr val="tx1"/>
+                </a:solidFill>
+                <a:latin typeface="Times New Roman" panose="02020603050405020304" pitchFamily="18" charset="0"/>
+                <a:cs typeface="Times New Roman" panose="02020603050405020304" pitchFamily="18" charset="0"/>
+              </a:rPr>
+              <a:t> = $</a:t>
             </a:r>
             <a:r>
               <a:rPr lang="pt-BR" sz="2000" b="1" dirty="0" err="1">
                 <a:solidFill>
+                  <a:schemeClr val="tx1"/>
+                </a:solidFill>
+                <a:latin typeface="Times New Roman" panose="02020603050405020304" pitchFamily="18" charset="0"/>
+                <a:cs typeface="Times New Roman" panose="02020603050405020304" pitchFamily="18" charset="0"/>
+              </a:rPr>
+              <a:t>sqlStatment</a:t>
+            </a:r>
+            <a:r>
+              <a:rPr lang="pt-BR" sz="2000" dirty="0">
+                <a:solidFill>
+                  <a:schemeClr val="tx1"/>
+                </a:solidFill>
+                <a:latin typeface="Times New Roman" panose="02020603050405020304" pitchFamily="18" charset="0"/>
+                <a:cs typeface="Times New Roman" panose="02020603050405020304" pitchFamily="18" charset="0"/>
+              </a:rPr>
+              <a:t>-&gt;</a:t>
+            </a:r>
+            <a:r>
+              <a:rPr lang="pt-BR" sz="2000" b="1" dirty="0" err="1">
+                <a:solidFill>
                   <a:srgbClr val="FF0000"/>
                 </a:solidFill>
                 <a:latin typeface="Times New Roman" panose="02020603050405020304" pitchFamily="18" charset="0"/>
                 <a:cs typeface="Times New Roman" panose="02020603050405020304" pitchFamily="18" charset="0"/>
               </a:rPr>
-              <a:t>mysqli_fetch_array</a:t>
+              <a:t>fetch</a:t>
             </a:r>
             <a:r>
               <a:rPr lang="pt-BR" sz="2000" dirty="0">
@@ -37832,13 +38412,18 @@
                 <a:latin typeface="Times New Roman" panose="02020603050405020304" pitchFamily="18" charset="0"/>
                 <a:cs typeface="Times New Roman" panose="02020603050405020304" pitchFamily="18" charset="0"/>
               </a:rPr>
-              <a:t>($resultado)) {</a:t>
-            </a:r>
-          </a:p>
-          <a:p>
-            <a:pPr marL="0" indent="0" algn="just">
-              <a:buNone/>
-            </a:pPr>
+              <a:t>(</a:t>
+            </a:r>
+            <a:r>
+              <a:rPr lang="pt-BR" sz="2000" b="1" dirty="0">
+                <a:solidFill>
+                  <a:schemeClr val="tx1"/>
+                </a:solidFill>
+                <a:latin typeface="Times New Roman" panose="02020603050405020304" pitchFamily="18" charset="0"/>
+                <a:cs typeface="Times New Roman" panose="02020603050405020304" pitchFamily="18" charset="0"/>
+              </a:rPr>
+              <a:t>PDO::FETCH_ASSOC</a:t>
+            </a:r>
             <a:r>
               <a:rPr lang="pt-BR" sz="2000" dirty="0">
                 <a:solidFill>
@@ -37847,7 +38432,7 @@
                 <a:latin typeface="Times New Roman" panose="02020603050405020304" pitchFamily="18" charset="0"/>
                 <a:cs typeface="Times New Roman" panose="02020603050405020304" pitchFamily="18" charset="0"/>
               </a:rPr>
-              <a:t>      $id = $registro['ID'];</a:t>
+              <a:t>)) {</a:t>
             </a:r>
           </a:p>
           <a:p>
@@ -37862,10 +38447,65 @@
                 <a:latin typeface="Times New Roman" panose="02020603050405020304" pitchFamily="18" charset="0"/>
                 <a:cs typeface="Times New Roman" panose="02020603050405020304" pitchFamily="18" charset="0"/>
               </a:rPr>
-              <a:t>      $</a:t>
-            </a:r>
-            <a:r>
-              <a:rPr lang="pt-BR" sz="2000" dirty="0" err="1">
+              <a:t>	 $</a:t>
+            </a:r>
+            <a:r>
+              <a:rPr lang="pt-BR" sz="2000" b="1" dirty="0">
+                <a:solidFill>
+                  <a:schemeClr val="tx1"/>
+                </a:solidFill>
+                <a:latin typeface="Times New Roman" panose="02020603050405020304" pitchFamily="18" charset="0"/>
+                <a:cs typeface="Times New Roman" panose="02020603050405020304" pitchFamily="18" charset="0"/>
+              </a:rPr>
+              <a:t>id</a:t>
+            </a:r>
+            <a:r>
+              <a:rPr lang="pt-BR" sz="2000" dirty="0">
+                <a:solidFill>
+                  <a:schemeClr val="tx1"/>
+                </a:solidFill>
+                <a:latin typeface="Times New Roman" panose="02020603050405020304" pitchFamily="18" charset="0"/>
+                <a:cs typeface="Times New Roman" panose="02020603050405020304" pitchFamily="18" charset="0"/>
+              </a:rPr>
+              <a:t> = $registro[</a:t>
+            </a:r>
+            <a:r>
+              <a:rPr lang="pt-BR" sz="2000" b="1" dirty="0">
+                <a:solidFill>
+                  <a:srgbClr val="FF0000"/>
+                </a:solidFill>
+                <a:latin typeface="Times New Roman" panose="02020603050405020304" pitchFamily="18" charset="0"/>
+                <a:cs typeface="Times New Roman" panose="02020603050405020304" pitchFamily="18" charset="0"/>
+              </a:rPr>
+              <a:t>'ID</a:t>
+            </a:r>
+            <a:r>
+              <a:rPr lang="pt-BR" sz="2000" dirty="0">
+                <a:solidFill>
+                  <a:schemeClr val="tx1"/>
+                </a:solidFill>
+                <a:latin typeface="Times New Roman" panose="02020603050405020304" pitchFamily="18" charset="0"/>
+                <a:cs typeface="Times New Roman" panose="02020603050405020304" pitchFamily="18" charset="0"/>
+              </a:rPr>
+              <a:t>'];</a:t>
+            </a:r>
+          </a:p>
+          <a:p>
+            <a:pPr marL="0" indent="0" algn="just">
+              <a:buNone/>
+            </a:pPr>
+            <a:r>
+              <a:rPr lang="pt-BR" sz="2000" dirty="0">
+                <a:solidFill>
+                  <a:schemeClr val="tx1"/>
+                </a:solidFill>
+                <a:latin typeface="Times New Roman" panose="02020603050405020304" pitchFamily="18" charset="0"/>
+                <a:cs typeface="Times New Roman" panose="02020603050405020304" pitchFamily="18" charset="0"/>
+              </a:rPr>
+              <a:t>        $</a:t>
+            </a:r>
+            <a:r>
+              <a:rPr lang="pt-BR" sz="2000" b="1" dirty="0" err="1">
                 <a:solidFill>
                   <a:schemeClr val="tx1"/>
                 </a:solidFill>
@@ -37882,13 +38522,18 @@
                 <a:latin typeface="Times New Roman" panose="02020603050405020304" pitchFamily="18" charset="0"/>
                 <a:cs typeface="Times New Roman" panose="02020603050405020304" pitchFamily="18" charset="0"/>
               </a:rPr>
-              <a:t> = $registro['NAME’]; </a:t>
-            </a:r>
-          </a:p>
-          <a:p>
-            <a:pPr marL="0" indent="0" algn="just">
-              <a:buNone/>
-            </a:pPr>
+              <a:t> = $registro[</a:t>
+            </a:r>
+            <a:r>
+              <a:rPr lang="pt-BR" sz="2000" b="1" dirty="0">
+                <a:solidFill>
+                  <a:srgbClr val="FF0000"/>
+                </a:solidFill>
+                <a:latin typeface="Times New Roman" panose="02020603050405020304" pitchFamily="18" charset="0"/>
+                <a:cs typeface="Times New Roman" panose="02020603050405020304" pitchFamily="18" charset="0"/>
+              </a:rPr>
+              <a:t>'NAME</a:t>
+            </a:r>
             <a:r>
               <a:rPr lang="pt-BR" sz="2000" dirty="0">
                 <a:solidFill>
@@ -37897,18 +38542,113 @@
                 <a:latin typeface="Times New Roman" panose="02020603050405020304" pitchFamily="18" charset="0"/>
                 <a:cs typeface="Times New Roman" panose="02020603050405020304" pitchFamily="18" charset="0"/>
               </a:rPr>
-              <a:t>    } </a:t>
+              <a:t>'];   </a:t>
+            </a:r>
+          </a:p>
+          <a:p>
+            <a:pPr marL="0" indent="0" algn="just">
+              <a:buNone/>
+            </a:pPr>
+            <a:r>
+              <a:rPr lang="pt-BR" sz="2000" dirty="0">
+                <a:solidFill>
+                  <a:schemeClr val="tx1"/>
+                </a:solidFill>
+                <a:latin typeface="Times New Roman" panose="02020603050405020304" pitchFamily="18" charset="0"/>
+                <a:cs typeface="Times New Roman" panose="02020603050405020304" pitchFamily="18" charset="0"/>
+              </a:rPr>
+              <a:t>   	</a:t>
             </a:r>
             <a:r>
               <a:rPr lang="pt-BR" sz="2000" b="1" dirty="0" err="1">
                 <a:solidFill>
+                  <a:schemeClr val="tx1"/>
+                </a:solidFill>
+                <a:latin typeface="Times New Roman" panose="02020603050405020304" pitchFamily="18" charset="0"/>
+                <a:cs typeface="Times New Roman" panose="02020603050405020304" pitchFamily="18" charset="0"/>
+              </a:rPr>
+              <a:t>echo</a:t>
+            </a:r>
+            <a:r>
+              <a:rPr lang="pt-BR" sz="2000" dirty="0">
+                <a:solidFill>
+                  <a:schemeClr val="tx1"/>
+                </a:solidFill>
+                <a:latin typeface="Times New Roman" panose="02020603050405020304" pitchFamily="18" charset="0"/>
+                <a:cs typeface="Times New Roman" panose="02020603050405020304" pitchFamily="18" charset="0"/>
+              </a:rPr>
+              <a:t> "&lt;p&gt;{$</a:t>
+            </a:r>
+            <a:r>
+              <a:rPr lang="pt-BR" sz="2000" b="1" dirty="0">
+                <a:solidFill>
+                  <a:srgbClr val="0070C0"/>
+                </a:solidFill>
+                <a:latin typeface="Times New Roman" panose="02020603050405020304" pitchFamily="18" charset="0"/>
+                <a:cs typeface="Times New Roman" panose="02020603050405020304" pitchFamily="18" charset="0"/>
+              </a:rPr>
+              <a:t>registro</a:t>
+            </a:r>
+            <a:r>
+              <a:rPr lang="pt-BR" sz="2000" dirty="0">
+                <a:solidFill>
+                  <a:schemeClr val="tx1"/>
+                </a:solidFill>
+                <a:latin typeface="Times New Roman" panose="02020603050405020304" pitchFamily="18" charset="0"/>
+                <a:cs typeface="Times New Roman" panose="02020603050405020304" pitchFamily="18" charset="0"/>
+              </a:rPr>
+              <a:t>['ID']} {$</a:t>
+            </a:r>
+            <a:r>
+              <a:rPr lang="pt-BR" sz="2000" b="1" dirty="0">
+                <a:solidFill>
+                  <a:srgbClr val="0070C0"/>
+                </a:solidFill>
+                <a:latin typeface="Times New Roman" panose="02020603050405020304" pitchFamily="18" charset="0"/>
+                <a:cs typeface="Times New Roman" panose="02020603050405020304" pitchFamily="18" charset="0"/>
+              </a:rPr>
+              <a:t>registro</a:t>
+            </a:r>
+            <a:r>
+              <a:rPr lang="pt-BR" sz="2000" dirty="0">
+                <a:solidFill>
+                  <a:schemeClr val="tx1"/>
+                </a:solidFill>
+                <a:latin typeface="Times New Roman" panose="02020603050405020304" pitchFamily="18" charset="0"/>
+                <a:cs typeface="Times New Roman" panose="02020603050405020304" pitchFamily="18" charset="0"/>
+              </a:rPr>
+              <a:t>['NAME']}&lt;/p&gt;";</a:t>
+            </a:r>
+          </a:p>
+          <a:p>
+            <a:pPr marL="0" indent="0" algn="just">
+              <a:buNone/>
+            </a:pPr>
+            <a:r>
+              <a:rPr lang="pt-BR" sz="2000" dirty="0">
+                <a:solidFill>
+                  <a:schemeClr val="tx1"/>
+                </a:solidFill>
+                <a:latin typeface="Times New Roman" panose="02020603050405020304" pitchFamily="18" charset="0"/>
+                <a:cs typeface="Times New Roman" panose="02020603050405020304" pitchFamily="18" charset="0"/>
+              </a:rPr>
+              <a:t>    // </a:t>
+            </a:r>
+            <a:r>
+              <a:rPr lang="pt-BR" sz="2000" b="1" dirty="0">
+                <a:solidFill>
                   <a:srgbClr val="FF0000"/>
                 </a:solidFill>
                 <a:latin typeface="Times New Roman" panose="02020603050405020304" pitchFamily="18" charset="0"/>
                 <a:cs typeface="Times New Roman" panose="02020603050405020304" pitchFamily="18" charset="0"/>
               </a:rPr>
-              <a:t>mysqli_close</a:t>
-            </a:r>
+              <a:t>Fecha a conexão com o BD </a:t>
+            </a:r>
+          </a:p>
+          <a:p>
+            <a:pPr marL="0" indent="0" algn="just">
+              <a:buNone/>
+            </a:pPr>
             <a:r>
               <a:rPr lang="pt-BR" sz="2000" dirty="0">
                 <a:solidFill>
@@ -37917,10 +38657,10 @@
                 <a:latin typeface="Times New Roman" panose="02020603050405020304" pitchFamily="18" charset="0"/>
                 <a:cs typeface="Times New Roman" panose="02020603050405020304" pitchFamily="18" charset="0"/>
               </a:rPr>
-              <a:t>($</a:t>
-            </a:r>
-            <a:r>
-              <a:rPr lang="pt-BR" sz="2000" dirty="0" err="1">
+              <a:t>     $</a:t>
+            </a:r>
+            <a:r>
+              <a:rPr lang="pt-BR" sz="2000" b="1" dirty="0" err="1">
                 <a:solidFill>
                   <a:schemeClr val="tx1"/>
                 </a:solidFill>
@@ -37937,7 +38677,17 @@
                 <a:latin typeface="Times New Roman" panose="02020603050405020304" pitchFamily="18" charset="0"/>
                 <a:cs typeface="Times New Roman" panose="02020603050405020304" pitchFamily="18" charset="0"/>
               </a:rPr>
-              <a:t>);</a:t>
+              <a:t> = NULL;   </a:t>
+            </a:r>
+            <a:r>
+              <a:rPr lang="pt-BR" sz="2000" b="1" dirty="0">
+                <a:solidFill>
+                  <a:schemeClr val="tx1"/>
+                </a:solidFill>
+                <a:latin typeface="Times New Roman" panose="02020603050405020304" pitchFamily="18" charset="0"/>
+                <a:cs typeface="Times New Roman" panose="02020603050405020304" pitchFamily="18" charset="0"/>
+              </a:rPr>
+              <a:t>?&gt;</a:t>
             </a:r>
           </a:p>
         </p:txBody>
@@ -37945,7 +38695,7 @@
     </p:spTree>
     <p:extLst>
       <p:ext uri="{BB962C8B-B14F-4D97-AF65-F5344CB8AC3E}">
-        <p14:creationId xmlns:p14="http://schemas.microsoft.com/office/powerpoint/2010/main" val="3592111837"/>
+        <p14:creationId xmlns:p14="http://schemas.microsoft.com/office/powerpoint/2010/main" val="3107394851"/>
       </p:ext>
     </p:extLst>
   </p:cSld>
@@ -38017,7 +38767,7 @@
                   <a:srgbClr val="0070C0"/>
                 </a:solidFill>
               </a:rPr>
-              <a:t> Delete</a:t>
+              <a:t> Insert</a:t>
             </a:r>
           </a:p>
         </p:txBody>
@@ -38048,44 +38798,9 @@
               <a:buNone/>
             </a:pPr>
             <a:r>
-              <a:rPr lang="pt-BR" sz="2000" dirty="0">
-                <a:solidFill>
-                  <a:schemeClr val="tx1"/>
-                </a:solidFill>
-                <a:latin typeface="Times New Roman" panose="02020603050405020304" pitchFamily="18" charset="0"/>
-                <a:cs typeface="Times New Roman" panose="02020603050405020304" pitchFamily="18" charset="0"/>
-              </a:rPr>
-              <a:t>&lt;!-- </a:t>
-            </a:r>
-            <a:r>
-              <a:rPr lang="pt-BR" sz="2000" b="1" dirty="0">
-                <a:solidFill>
-                  <a:schemeClr val="tx1"/>
-                </a:solidFill>
-                <a:latin typeface="Times New Roman" panose="02020603050405020304" pitchFamily="18" charset="0"/>
-                <a:cs typeface="Times New Roman" panose="02020603050405020304" pitchFamily="18" charset="0"/>
-              </a:rPr>
-              <a:t>Preenchendo a tabela com os dados do banco:</a:t>
-            </a:r>
-            <a:r>
-              <a:rPr lang="pt-BR" sz="2000" dirty="0">
-                <a:solidFill>
-                  <a:schemeClr val="tx1"/>
-                </a:solidFill>
-                <a:latin typeface="Times New Roman" panose="02020603050405020304" pitchFamily="18" charset="0"/>
-                <a:cs typeface="Times New Roman" panose="02020603050405020304" pitchFamily="18" charset="0"/>
-              </a:rPr>
-              <a:t> --&gt;</a:t>
-            </a:r>
-          </a:p>
-          <a:p>
-            <a:pPr marL="0" indent="0" algn="just">
-              <a:buNone/>
-            </a:pPr>
-            <a:r>
-              <a:rPr lang="pt-BR" sz="2000" dirty="0">
-                <a:solidFill>
-                  <a:schemeClr val="tx1"/>
+              <a:rPr lang="pt-BR" sz="1800" b="1" dirty="0">
+                <a:solidFill>
+                  <a:srgbClr val="0070C0"/>
                 </a:solidFill>
                 <a:latin typeface="Times New Roman" panose="02020603050405020304" pitchFamily="18" charset="0"/>
                 <a:cs typeface="Times New Roman" panose="02020603050405020304" pitchFamily="18" charset="0"/>
@@ -38093,7 +38808,7 @@
               <a:t>&lt;?</a:t>
             </a:r>
             <a:r>
-              <a:rPr lang="pt-BR" sz="2000" b="1" dirty="0" err="1">
+              <a:rPr lang="pt-BR" sz="1800" b="1" dirty="0" err="1">
                 <a:solidFill>
                   <a:srgbClr val="0070C0"/>
                 </a:solidFill>
@@ -38102,40 +38817,378 @@
               </a:rPr>
               <a:t>php</a:t>
             </a:r>
-            <a:endParaRPr lang="pt-BR" sz="2000" b="1" dirty="0">
-              <a:solidFill>
-                <a:srgbClr val="0070C0"/>
-              </a:solidFill>
-              <a:latin typeface="Times New Roman" panose="02020603050405020304" pitchFamily="18" charset="0"/>
-              <a:cs typeface="Times New Roman" panose="02020603050405020304" pitchFamily="18" charset="0"/>
-            </a:endParaRPr>
-          </a:p>
-          <a:p>
-            <a:pPr marL="0" indent="0" algn="just">
-              <a:buNone/>
-            </a:pPr>
-            <a:r>
-              <a:rPr lang="pt-BR" sz="2000" dirty="0">
-                <a:solidFill>
-                  <a:schemeClr val="tx1"/>
-                </a:solidFill>
-                <a:latin typeface="Times New Roman" panose="02020603050405020304" pitchFamily="18" charset="0"/>
-                <a:cs typeface="Times New Roman" panose="02020603050405020304" pitchFamily="18" charset="0"/>
-              </a:rPr>
-              <a:t>    $</a:t>
-            </a:r>
-            <a:r>
-              <a:rPr lang="pt-BR" sz="2000" b="1" dirty="0" err="1">
-                <a:solidFill>
-                  <a:schemeClr val="tx1"/>
-                </a:solidFill>
-                <a:latin typeface="Times New Roman" panose="02020603050405020304" pitchFamily="18" charset="0"/>
-                <a:cs typeface="Times New Roman" panose="02020603050405020304" pitchFamily="18" charset="0"/>
-              </a:rPr>
-              <a:t>sql</a:t>
-            </a:r>
-            <a:r>
-              <a:rPr lang="pt-BR" sz="2000" dirty="0">
+            <a:r>
+              <a:rPr lang="pt-BR" sz="1800" b="1" dirty="0">
+                <a:solidFill>
+                  <a:srgbClr val="0070C0"/>
+                </a:solidFill>
+                <a:latin typeface="Times New Roman" panose="02020603050405020304" pitchFamily="18" charset="0"/>
+                <a:cs typeface="Times New Roman" panose="02020603050405020304" pitchFamily="18" charset="0"/>
+              </a:rPr>
+              <a:t> </a:t>
+            </a:r>
+            <a:r>
+              <a:rPr lang="pt-BR" sz="1800" dirty="0">
+                <a:solidFill>
+                  <a:schemeClr val="tx1"/>
+                </a:solidFill>
+                <a:latin typeface="Times New Roman" panose="02020603050405020304" pitchFamily="18" charset="0"/>
+                <a:cs typeface="Times New Roman" panose="02020603050405020304" pitchFamily="18" charset="0"/>
+              </a:rPr>
+              <a:t>// </a:t>
+            </a:r>
+            <a:r>
+              <a:rPr lang="pt-BR" sz="1800" b="1" dirty="0">
+                <a:solidFill>
+                  <a:schemeClr val="tx1"/>
+                </a:solidFill>
+                <a:latin typeface="Times New Roman" panose="02020603050405020304" pitchFamily="18" charset="0"/>
+                <a:cs typeface="Times New Roman" panose="02020603050405020304" pitchFamily="18" charset="0"/>
+              </a:rPr>
+              <a:t>Inserindo no BD</a:t>
+            </a:r>
+          </a:p>
+          <a:p>
+            <a:pPr marL="0" indent="0" algn="just">
+              <a:buNone/>
+            </a:pPr>
+            <a:r>
+              <a:rPr lang="pt-BR" sz="1800" dirty="0">
+                <a:solidFill>
+                  <a:schemeClr val="tx1"/>
+                </a:solidFill>
+                <a:latin typeface="Times New Roman" panose="02020603050405020304" pitchFamily="18" charset="0"/>
+                <a:cs typeface="Times New Roman" panose="02020603050405020304" pitchFamily="18" charset="0"/>
+              </a:rPr>
+              <a:t>  </a:t>
+            </a:r>
+            <a:r>
+              <a:rPr lang="pt-BR" sz="1800" b="1" dirty="0" err="1">
+                <a:solidFill>
+                  <a:schemeClr val="tx1"/>
+                </a:solidFill>
+                <a:latin typeface="Times New Roman" panose="02020603050405020304" pitchFamily="18" charset="0"/>
+                <a:cs typeface="Times New Roman" panose="02020603050405020304" pitchFamily="18" charset="0"/>
+              </a:rPr>
+              <a:t>try</a:t>
+            </a:r>
+            <a:r>
+              <a:rPr lang="pt-BR" sz="1800" dirty="0">
+                <a:solidFill>
+                  <a:schemeClr val="tx1"/>
+                </a:solidFill>
+                <a:latin typeface="Times New Roman" panose="02020603050405020304" pitchFamily="18" charset="0"/>
+                <a:cs typeface="Times New Roman" panose="02020603050405020304" pitchFamily="18" charset="0"/>
+              </a:rPr>
+              <a:t> {</a:t>
+            </a:r>
+          </a:p>
+          <a:p>
+            <a:pPr marL="0" indent="0" algn="just">
+              <a:buNone/>
+            </a:pPr>
+            <a:r>
+              <a:rPr lang="pt-BR" sz="1800" dirty="0">
+                <a:solidFill>
+                  <a:schemeClr val="tx1"/>
+                </a:solidFill>
+                <a:latin typeface="Times New Roman" panose="02020603050405020304" pitchFamily="18" charset="0"/>
+                <a:cs typeface="Times New Roman" panose="02020603050405020304" pitchFamily="18" charset="0"/>
+              </a:rPr>
+              <a:t>	</a:t>
+            </a:r>
+            <a:r>
+              <a:rPr lang="pt-BR" sz="1800" b="1" dirty="0" err="1">
+                <a:solidFill>
+                  <a:srgbClr val="0070C0"/>
+                </a:solidFill>
+                <a:latin typeface="Times New Roman" panose="02020603050405020304" pitchFamily="18" charset="0"/>
+                <a:cs typeface="Times New Roman" panose="02020603050405020304" pitchFamily="18" charset="0"/>
+              </a:rPr>
+              <a:t>include_once</a:t>
+            </a:r>
+            <a:r>
+              <a:rPr lang="pt-BR" sz="1800" b="1" dirty="0">
+                <a:solidFill>
+                  <a:srgbClr val="0070C0"/>
+                </a:solidFill>
+                <a:latin typeface="Times New Roman" panose="02020603050405020304" pitchFamily="18" charset="0"/>
+                <a:cs typeface="Times New Roman" panose="02020603050405020304" pitchFamily="18" charset="0"/>
+              </a:rPr>
+              <a:t>("</a:t>
+            </a:r>
+            <a:r>
+              <a:rPr lang="pt-BR" sz="1800" b="1" dirty="0" err="1">
+                <a:solidFill>
+                  <a:srgbClr val="0070C0"/>
+                </a:solidFill>
+                <a:latin typeface="Times New Roman" panose="02020603050405020304" pitchFamily="18" charset="0"/>
+                <a:cs typeface="Times New Roman" panose="02020603050405020304" pitchFamily="18" charset="0"/>
+              </a:rPr>
+              <a:t>connPDO.php</a:t>
+            </a:r>
+            <a:r>
+              <a:rPr lang="pt-BR" sz="1800" b="1" dirty="0">
+                <a:solidFill>
+                  <a:srgbClr val="0070C0"/>
+                </a:solidFill>
+                <a:latin typeface="Times New Roman" panose="02020603050405020304" pitchFamily="18" charset="0"/>
+                <a:cs typeface="Times New Roman" panose="02020603050405020304" pitchFamily="18" charset="0"/>
+              </a:rPr>
+              <a:t>"); </a:t>
+            </a:r>
+            <a:r>
+              <a:rPr lang="pt-BR" sz="1800" dirty="0">
+                <a:solidFill>
+                  <a:schemeClr val="tx1"/>
+                </a:solidFill>
+                <a:latin typeface="Times New Roman" panose="02020603050405020304" pitchFamily="18" charset="0"/>
+                <a:cs typeface="Times New Roman" panose="02020603050405020304" pitchFamily="18" charset="0"/>
+              </a:rPr>
+              <a:t>// </a:t>
+            </a:r>
+            <a:r>
+              <a:rPr lang="pt-BR" sz="1800" b="1" dirty="0">
+                <a:solidFill>
+                  <a:schemeClr val="tx1"/>
+                </a:solidFill>
+                <a:latin typeface="Times New Roman" panose="02020603050405020304" pitchFamily="18" charset="0"/>
+                <a:cs typeface="Times New Roman" panose="02020603050405020304" pitchFamily="18" charset="0"/>
+              </a:rPr>
+              <a:t>Conectando ao banco de dados</a:t>
+            </a:r>
+          </a:p>
+          <a:p>
+            <a:pPr marL="0" indent="0" algn="just">
+              <a:buNone/>
+            </a:pPr>
+            <a:r>
+              <a:rPr lang="pt-BR" sz="1800" dirty="0">
+                <a:solidFill>
+                  <a:schemeClr val="tx1"/>
+                </a:solidFill>
+                <a:latin typeface="Times New Roman" panose="02020603050405020304" pitchFamily="18" charset="0"/>
+                <a:cs typeface="Times New Roman" panose="02020603050405020304" pitchFamily="18" charset="0"/>
+              </a:rPr>
+              <a:t>    	</a:t>
+            </a:r>
+            <a:r>
+              <a:rPr lang="pt-BR" sz="1800" b="1" dirty="0">
+                <a:solidFill>
+                  <a:schemeClr val="tx1"/>
+                </a:solidFill>
+                <a:latin typeface="Times New Roman" panose="02020603050405020304" pitchFamily="18" charset="0"/>
+                <a:cs typeface="Times New Roman" panose="02020603050405020304" pitchFamily="18" charset="0"/>
+              </a:rPr>
+              <a:t>//</a:t>
+            </a:r>
+            <a:r>
+              <a:rPr lang="pt-BR" sz="1800" dirty="0">
+                <a:solidFill>
+                  <a:schemeClr val="tx1"/>
+                </a:solidFill>
+                <a:latin typeface="Times New Roman" panose="02020603050405020304" pitchFamily="18" charset="0"/>
+                <a:cs typeface="Times New Roman" panose="02020603050405020304" pitchFamily="18" charset="0"/>
+              </a:rPr>
+              <a:t> $</a:t>
+            </a:r>
+            <a:r>
+              <a:rPr lang="pt-BR" sz="1800" b="1" dirty="0" err="1">
+                <a:solidFill>
+                  <a:srgbClr val="FF0000"/>
+                </a:solidFill>
+                <a:latin typeface="Times New Roman" panose="02020603050405020304" pitchFamily="18" charset="0"/>
+                <a:cs typeface="Times New Roman" panose="02020603050405020304" pitchFamily="18" charset="0"/>
+              </a:rPr>
+              <a:t>sqlStatment</a:t>
+            </a:r>
+            <a:r>
+              <a:rPr lang="pt-BR" sz="1800" dirty="0">
+                <a:solidFill>
+                  <a:schemeClr val="tx1"/>
+                </a:solidFill>
+                <a:latin typeface="Times New Roman" panose="02020603050405020304" pitchFamily="18" charset="0"/>
+                <a:cs typeface="Times New Roman" panose="02020603050405020304" pitchFamily="18" charset="0"/>
+              </a:rPr>
+              <a:t> = $</a:t>
+            </a:r>
+            <a:r>
+              <a:rPr lang="pt-BR" sz="1800" b="1" dirty="0" err="1">
+                <a:solidFill>
+                  <a:schemeClr val="tx1"/>
+                </a:solidFill>
+                <a:latin typeface="Times New Roman" panose="02020603050405020304" pitchFamily="18" charset="0"/>
+                <a:cs typeface="Times New Roman" panose="02020603050405020304" pitchFamily="18" charset="0"/>
+              </a:rPr>
+              <a:t>conn</a:t>
+            </a:r>
+            <a:r>
+              <a:rPr lang="pt-BR" sz="1800" b="1" dirty="0">
+                <a:solidFill>
+                  <a:schemeClr val="tx1"/>
+                </a:solidFill>
+                <a:latin typeface="Times New Roman" panose="02020603050405020304" pitchFamily="18" charset="0"/>
+                <a:cs typeface="Times New Roman" panose="02020603050405020304" pitchFamily="18" charset="0"/>
+              </a:rPr>
+              <a:t>-</a:t>
+            </a:r>
+            <a:r>
+              <a:rPr lang="pt-BR" sz="1800" dirty="0">
+                <a:solidFill>
+                  <a:schemeClr val="tx1"/>
+                </a:solidFill>
+                <a:latin typeface="Times New Roman" panose="02020603050405020304" pitchFamily="18" charset="0"/>
+                <a:cs typeface="Times New Roman" panose="02020603050405020304" pitchFamily="18" charset="0"/>
+              </a:rPr>
+              <a:t>&gt;</a:t>
+            </a:r>
+            <a:r>
+              <a:rPr lang="pt-BR" sz="1800" b="1" dirty="0">
+                <a:solidFill>
+                  <a:srgbClr val="FF0000"/>
+                </a:solidFill>
+                <a:latin typeface="Times New Roman" panose="02020603050405020304" pitchFamily="18" charset="0"/>
+                <a:cs typeface="Times New Roman" panose="02020603050405020304" pitchFamily="18" charset="0"/>
+              </a:rPr>
+              <a:t>query</a:t>
+            </a:r>
+            <a:r>
+              <a:rPr lang="pt-BR" sz="1800" dirty="0">
+                <a:solidFill>
+                  <a:schemeClr val="tx1"/>
+                </a:solidFill>
+                <a:latin typeface="Times New Roman" panose="02020603050405020304" pitchFamily="18" charset="0"/>
+                <a:cs typeface="Times New Roman" panose="02020603050405020304" pitchFamily="18" charset="0"/>
+              </a:rPr>
+              <a:t>("</a:t>
+            </a:r>
+            <a:r>
+              <a:rPr lang="pt-BR" sz="1800" b="1" dirty="0" err="1">
+                <a:solidFill>
+                  <a:schemeClr val="tx1"/>
+                </a:solidFill>
+                <a:latin typeface="Times New Roman" panose="02020603050405020304" pitchFamily="18" charset="0"/>
+                <a:cs typeface="Times New Roman" panose="02020603050405020304" pitchFamily="18" charset="0"/>
+              </a:rPr>
+              <a:t>insert</a:t>
+            </a:r>
+            <a:r>
+              <a:rPr lang="pt-BR" sz="1800" dirty="0">
+                <a:solidFill>
+                  <a:schemeClr val="tx1"/>
+                </a:solidFill>
+                <a:latin typeface="Times New Roman" panose="02020603050405020304" pitchFamily="18" charset="0"/>
+                <a:cs typeface="Times New Roman" panose="02020603050405020304" pitchFamily="18" charset="0"/>
+              </a:rPr>
+              <a:t> </a:t>
+            </a:r>
+            <a:r>
+              <a:rPr lang="pt-BR" sz="1800" b="1" dirty="0" err="1">
+                <a:solidFill>
+                  <a:schemeClr val="tx1"/>
+                </a:solidFill>
+                <a:latin typeface="Times New Roman" panose="02020603050405020304" pitchFamily="18" charset="0"/>
+                <a:cs typeface="Times New Roman" panose="02020603050405020304" pitchFamily="18" charset="0"/>
+              </a:rPr>
+              <a:t>into</a:t>
+            </a:r>
+            <a:r>
+              <a:rPr lang="pt-BR" sz="1800" dirty="0">
+                <a:solidFill>
+                  <a:schemeClr val="tx1"/>
+                </a:solidFill>
+                <a:latin typeface="Times New Roman" panose="02020603050405020304" pitchFamily="18" charset="0"/>
+                <a:cs typeface="Times New Roman" panose="02020603050405020304" pitchFamily="18" charset="0"/>
+              </a:rPr>
+              <a:t> </a:t>
+            </a:r>
+            <a:r>
+              <a:rPr lang="pt-BR" sz="1800" dirty="0" err="1">
+                <a:solidFill>
+                  <a:schemeClr val="tx1"/>
+                </a:solidFill>
+                <a:latin typeface="Times New Roman" panose="02020603050405020304" pitchFamily="18" charset="0"/>
+                <a:cs typeface="Times New Roman" panose="02020603050405020304" pitchFamily="18" charset="0"/>
+              </a:rPr>
+              <a:t>department</a:t>
+            </a:r>
+            <a:r>
+              <a:rPr lang="pt-BR" sz="1800" dirty="0">
+                <a:solidFill>
+                  <a:schemeClr val="tx1"/>
+                </a:solidFill>
+                <a:latin typeface="Times New Roman" panose="02020603050405020304" pitchFamily="18" charset="0"/>
+                <a:cs typeface="Times New Roman" panose="02020603050405020304" pitchFamily="18" charset="0"/>
+              </a:rPr>
+              <a:t> (NAME) </a:t>
+            </a:r>
+            <a:r>
+              <a:rPr lang="pt-BR" sz="1800" b="1" dirty="0" err="1">
+                <a:solidFill>
+                  <a:schemeClr val="tx1"/>
+                </a:solidFill>
+                <a:latin typeface="Times New Roman" panose="02020603050405020304" pitchFamily="18" charset="0"/>
+                <a:cs typeface="Times New Roman" panose="02020603050405020304" pitchFamily="18" charset="0"/>
+              </a:rPr>
+              <a:t>values</a:t>
+            </a:r>
+            <a:r>
+              <a:rPr lang="pt-BR" sz="1800" dirty="0">
+                <a:solidFill>
+                  <a:schemeClr val="tx1"/>
+                </a:solidFill>
+                <a:latin typeface="Times New Roman" panose="02020603050405020304" pitchFamily="18" charset="0"/>
+                <a:cs typeface="Times New Roman" panose="02020603050405020304" pitchFamily="18" charset="0"/>
+              </a:rPr>
+              <a:t> ('</a:t>
+            </a:r>
+            <a:r>
+              <a:rPr lang="pt-BR" sz="1800" dirty="0" err="1">
+                <a:solidFill>
+                  <a:schemeClr val="tx1"/>
+                </a:solidFill>
+                <a:latin typeface="Times New Roman" panose="02020603050405020304" pitchFamily="18" charset="0"/>
+                <a:cs typeface="Times New Roman" panose="02020603050405020304" pitchFamily="18" charset="0"/>
+              </a:rPr>
+              <a:t>DepProva</a:t>
+            </a:r>
+            <a:r>
+              <a:rPr lang="pt-BR" sz="1800" dirty="0">
+                <a:solidFill>
+                  <a:schemeClr val="tx1"/>
+                </a:solidFill>
+                <a:latin typeface="Times New Roman" panose="02020603050405020304" pitchFamily="18" charset="0"/>
+                <a:cs typeface="Times New Roman" panose="02020603050405020304" pitchFamily="18" charset="0"/>
+              </a:rPr>
+              <a:t>')");</a:t>
+            </a:r>
+          </a:p>
+          <a:p>
+            <a:pPr marL="0" indent="0" algn="just">
+              <a:buNone/>
+            </a:pPr>
+            <a:r>
+              <a:rPr lang="en-US" sz="1800" dirty="0">
+                <a:solidFill>
+                  <a:schemeClr val="tx1"/>
+                </a:solidFill>
+                <a:latin typeface="Times New Roman" panose="02020603050405020304" pitchFamily="18" charset="0"/>
+                <a:cs typeface="Times New Roman" panose="02020603050405020304" pitchFamily="18" charset="0"/>
+              </a:rPr>
+              <a:t> 	$</a:t>
+            </a:r>
+            <a:r>
+              <a:rPr lang="en-US" sz="1800" b="1" dirty="0" err="1">
+                <a:solidFill>
+                  <a:srgbClr val="FF0000"/>
+                </a:solidFill>
+                <a:latin typeface="Times New Roman" panose="02020603050405020304" pitchFamily="18" charset="0"/>
+                <a:cs typeface="Times New Roman" panose="02020603050405020304" pitchFamily="18" charset="0"/>
+              </a:rPr>
+              <a:t>sqlStatment</a:t>
+            </a:r>
+            <a:r>
+              <a:rPr lang="en-US" sz="1800" dirty="0">
                 <a:solidFill>
                   <a:schemeClr val="tx1"/>
                 </a:solidFill>
@@ -38145,37 +39198,17 @@
               <a:t> = "</a:t>
             </a:r>
             <a:r>
-              <a:rPr lang="pt-BR" sz="2000" b="1" dirty="0" err="1">
-                <a:solidFill>
-                  <a:schemeClr val="tx1"/>
-                </a:solidFill>
-                <a:latin typeface="Times New Roman" panose="02020603050405020304" pitchFamily="18" charset="0"/>
-                <a:cs typeface="Times New Roman" panose="02020603050405020304" pitchFamily="18" charset="0"/>
-              </a:rPr>
-              <a:t>select</a:t>
-            </a:r>
-            <a:r>
-              <a:rPr lang="pt-BR" sz="2000" dirty="0">
-                <a:solidFill>
-                  <a:schemeClr val="tx1"/>
-                </a:solidFill>
-                <a:latin typeface="Times New Roman" panose="02020603050405020304" pitchFamily="18" charset="0"/>
-                <a:cs typeface="Times New Roman" panose="02020603050405020304" pitchFamily="18" charset="0"/>
-              </a:rPr>
-              <a:t> ID, NAME </a:t>
-            </a:r>
-            <a:r>
-              <a:rPr lang="pt-BR" sz="2000" b="1" dirty="0" err="1">
-                <a:solidFill>
-                  <a:schemeClr val="tx1"/>
-                </a:solidFill>
-                <a:latin typeface="Times New Roman" panose="02020603050405020304" pitchFamily="18" charset="0"/>
-                <a:cs typeface="Times New Roman" panose="02020603050405020304" pitchFamily="18" charset="0"/>
-              </a:rPr>
-              <a:t>from</a:t>
-            </a:r>
-            <a:r>
-              <a:rPr lang="pt-BR" sz="2000" dirty="0">
+              <a:rPr lang="en-US" sz="1800" b="1" dirty="0">
+                <a:solidFill>
+                  <a:schemeClr val="tx1"/>
+                </a:solidFill>
+                <a:latin typeface="Times New Roman" panose="02020603050405020304" pitchFamily="18" charset="0"/>
+                <a:cs typeface="Times New Roman" panose="02020603050405020304" pitchFamily="18" charset="0"/>
+              </a:rPr>
+              <a:t>insert</a:t>
+            </a:r>
+            <a:r>
+              <a:rPr lang="en-US" sz="1800" dirty="0">
                 <a:solidFill>
                   <a:schemeClr val="tx1"/>
                 </a:solidFill>
@@ -38185,52 +39218,367 @@
               <a:t> </a:t>
             </a:r>
             <a:r>
-              <a:rPr lang="pt-BR" sz="2000" dirty="0" err="1">
-                <a:solidFill>
-                  <a:schemeClr val="tx1"/>
-                </a:solidFill>
-                <a:latin typeface="Times New Roman" panose="02020603050405020304" pitchFamily="18" charset="0"/>
-                <a:cs typeface="Times New Roman" panose="02020603050405020304" pitchFamily="18" charset="0"/>
-              </a:rPr>
-              <a:t>department</a:t>
-            </a:r>
-            <a:r>
-              <a:rPr lang="pt-BR" sz="2000" dirty="0">
-                <a:solidFill>
-                  <a:schemeClr val="tx1"/>
-                </a:solidFill>
-                <a:latin typeface="Times New Roman" panose="02020603050405020304" pitchFamily="18" charset="0"/>
-                <a:cs typeface="Times New Roman" panose="02020603050405020304" pitchFamily="18" charset="0"/>
-              </a:rPr>
-              <a:t>";</a:t>
-            </a:r>
-          </a:p>
-          <a:p>
-            <a:pPr marL="0" indent="0" algn="just">
-              <a:buNone/>
-            </a:pPr>
-            <a:r>
-              <a:rPr lang="pt-BR" sz="2000" dirty="0">
-                <a:solidFill>
-                  <a:schemeClr val="tx1"/>
-                </a:solidFill>
-                <a:latin typeface="Times New Roman" panose="02020603050405020304" pitchFamily="18" charset="0"/>
-                <a:cs typeface="Times New Roman" panose="02020603050405020304" pitchFamily="18" charset="0"/>
-              </a:rPr>
-              <a:t>    $</a:t>
-            </a:r>
-            <a:r>
-              <a:rPr lang="pt-BR" sz="2000" b="1" dirty="0">
-                <a:solidFill>
-                  <a:schemeClr val="tx1"/>
-                </a:solidFill>
-                <a:latin typeface="Times New Roman" panose="02020603050405020304" pitchFamily="18" charset="0"/>
-                <a:cs typeface="Times New Roman" panose="02020603050405020304" pitchFamily="18" charset="0"/>
-              </a:rPr>
-              <a:t>resultado</a:t>
-            </a:r>
-            <a:r>
-              <a:rPr lang="pt-BR" sz="2000" dirty="0">
+              <a:rPr lang="en-US" sz="1800" b="1" dirty="0">
+                <a:solidFill>
+                  <a:schemeClr val="tx1"/>
+                </a:solidFill>
+                <a:latin typeface="Times New Roman" panose="02020603050405020304" pitchFamily="18" charset="0"/>
+                <a:cs typeface="Times New Roman" panose="02020603050405020304" pitchFamily="18" charset="0"/>
+              </a:rPr>
+              <a:t>into</a:t>
+            </a:r>
+            <a:r>
+              <a:rPr lang="en-US" sz="1800" dirty="0">
+                <a:solidFill>
+                  <a:schemeClr val="tx1"/>
+                </a:solidFill>
+                <a:latin typeface="Times New Roman" panose="02020603050405020304" pitchFamily="18" charset="0"/>
+                <a:cs typeface="Times New Roman" panose="02020603050405020304" pitchFamily="18" charset="0"/>
+              </a:rPr>
+              <a:t> department (NAME) </a:t>
+            </a:r>
+            <a:r>
+              <a:rPr lang="en-US" sz="1800" b="1" dirty="0">
+                <a:solidFill>
+                  <a:schemeClr val="tx1"/>
+                </a:solidFill>
+                <a:latin typeface="Times New Roman" panose="02020603050405020304" pitchFamily="18" charset="0"/>
+                <a:cs typeface="Times New Roman" panose="02020603050405020304" pitchFamily="18" charset="0"/>
+              </a:rPr>
+              <a:t>values</a:t>
+            </a:r>
+            <a:r>
+              <a:rPr lang="en-US" sz="1800" dirty="0">
+                <a:solidFill>
+                  <a:schemeClr val="tx1"/>
+                </a:solidFill>
+                <a:latin typeface="Times New Roman" panose="02020603050405020304" pitchFamily="18" charset="0"/>
+                <a:cs typeface="Times New Roman" panose="02020603050405020304" pitchFamily="18" charset="0"/>
+              </a:rPr>
+              <a:t> ('</a:t>
+            </a:r>
+            <a:r>
+              <a:rPr lang="en-US" sz="1800" dirty="0" err="1">
+                <a:solidFill>
+                  <a:schemeClr val="tx1"/>
+                </a:solidFill>
+                <a:latin typeface="Times New Roman" panose="02020603050405020304" pitchFamily="18" charset="0"/>
+                <a:cs typeface="Times New Roman" panose="02020603050405020304" pitchFamily="18" charset="0"/>
+              </a:rPr>
+              <a:t>DepProva</a:t>
+            </a:r>
+            <a:r>
+              <a:rPr lang="en-US" sz="1800" dirty="0">
+                <a:solidFill>
+                  <a:schemeClr val="tx1"/>
+                </a:solidFill>
+                <a:latin typeface="Times New Roman" panose="02020603050405020304" pitchFamily="18" charset="0"/>
+                <a:cs typeface="Times New Roman" panose="02020603050405020304" pitchFamily="18" charset="0"/>
+              </a:rPr>
+              <a:t>')";</a:t>
+            </a:r>
+          </a:p>
+          <a:p>
+            <a:pPr marL="0" indent="0" algn="just">
+              <a:buNone/>
+            </a:pPr>
+            <a:r>
+              <a:rPr lang="en-US" sz="1800" dirty="0">
+                <a:solidFill>
+                  <a:schemeClr val="tx1"/>
+                </a:solidFill>
+                <a:latin typeface="Times New Roman" panose="02020603050405020304" pitchFamily="18" charset="0"/>
+                <a:cs typeface="Times New Roman" panose="02020603050405020304" pitchFamily="18" charset="0"/>
+              </a:rPr>
+              <a:t>    	</a:t>
+            </a:r>
+            <a:r>
+              <a:rPr lang="en-US" sz="1800" b="1" dirty="0">
+                <a:solidFill>
+                  <a:schemeClr val="tx1"/>
+                </a:solidFill>
+                <a:latin typeface="Times New Roman" panose="02020603050405020304" pitchFamily="18" charset="0"/>
+                <a:cs typeface="Times New Roman" panose="02020603050405020304" pitchFamily="18" charset="0"/>
+              </a:rPr>
+              <a:t>if</a:t>
+            </a:r>
+            <a:r>
+              <a:rPr lang="en-US" sz="1800" dirty="0">
+                <a:solidFill>
+                  <a:schemeClr val="tx1"/>
+                </a:solidFill>
+                <a:latin typeface="Times New Roman" panose="02020603050405020304" pitchFamily="18" charset="0"/>
+                <a:cs typeface="Times New Roman" panose="02020603050405020304" pitchFamily="18" charset="0"/>
+              </a:rPr>
+              <a:t> ($</a:t>
+            </a:r>
+            <a:r>
+              <a:rPr lang="en-US" sz="1800" b="1" dirty="0">
+                <a:solidFill>
+                  <a:schemeClr val="tx1"/>
+                </a:solidFill>
+                <a:latin typeface="Times New Roman" panose="02020603050405020304" pitchFamily="18" charset="0"/>
+                <a:cs typeface="Times New Roman" panose="02020603050405020304" pitchFamily="18" charset="0"/>
+              </a:rPr>
+              <a:t>conn-</a:t>
+            </a:r>
+            <a:r>
+              <a:rPr lang="en-US" sz="1800" dirty="0">
+                <a:solidFill>
+                  <a:schemeClr val="tx1"/>
+                </a:solidFill>
+                <a:latin typeface="Times New Roman" panose="02020603050405020304" pitchFamily="18" charset="0"/>
+                <a:cs typeface="Times New Roman" panose="02020603050405020304" pitchFamily="18" charset="0"/>
+              </a:rPr>
+              <a:t>&gt;</a:t>
+            </a:r>
+            <a:r>
+              <a:rPr lang="en-US" sz="1800" b="1" dirty="0">
+                <a:solidFill>
+                  <a:srgbClr val="FF0000"/>
+                </a:solidFill>
+                <a:latin typeface="Times New Roman" panose="02020603050405020304" pitchFamily="18" charset="0"/>
+                <a:cs typeface="Times New Roman" panose="02020603050405020304" pitchFamily="18" charset="0"/>
+              </a:rPr>
+              <a:t>query</a:t>
+            </a:r>
+            <a:r>
+              <a:rPr lang="en-US" sz="1800" dirty="0">
+                <a:solidFill>
+                  <a:schemeClr val="tx1"/>
+                </a:solidFill>
+                <a:latin typeface="Times New Roman" panose="02020603050405020304" pitchFamily="18" charset="0"/>
+                <a:cs typeface="Times New Roman" panose="02020603050405020304" pitchFamily="18" charset="0"/>
+              </a:rPr>
+              <a:t>($</a:t>
+            </a:r>
+            <a:r>
+              <a:rPr lang="en-US" sz="1800" b="1" dirty="0" err="1">
+                <a:solidFill>
+                  <a:srgbClr val="FF0000"/>
+                </a:solidFill>
+                <a:latin typeface="Times New Roman" panose="02020603050405020304" pitchFamily="18" charset="0"/>
+                <a:cs typeface="Times New Roman" panose="02020603050405020304" pitchFamily="18" charset="0"/>
+              </a:rPr>
+              <a:t>sqlStatment</a:t>
+            </a:r>
+            <a:r>
+              <a:rPr lang="en-US" sz="1800" dirty="0">
+                <a:solidFill>
+                  <a:schemeClr val="tx1"/>
+                </a:solidFill>
+                <a:latin typeface="Times New Roman" panose="02020603050405020304" pitchFamily="18" charset="0"/>
+                <a:cs typeface="Times New Roman" panose="02020603050405020304" pitchFamily="18" charset="0"/>
+              </a:rPr>
+              <a:t>)) {</a:t>
+            </a:r>
+          </a:p>
+          <a:p>
+            <a:pPr marL="0" indent="0" algn="just">
+              <a:buNone/>
+            </a:pPr>
+            <a:r>
+              <a:rPr lang="en-US" sz="1800" dirty="0">
+                <a:solidFill>
+                  <a:schemeClr val="tx1"/>
+                </a:solidFill>
+                <a:latin typeface="Times New Roman" panose="02020603050405020304" pitchFamily="18" charset="0"/>
+                <a:cs typeface="Times New Roman" panose="02020603050405020304" pitchFamily="18" charset="0"/>
+              </a:rPr>
+              <a:t> </a:t>
+            </a:r>
+            <a:r>
+              <a:rPr lang="pt-BR" sz="1800" dirty="0">
+                <a:solidFill>
+                  <a:schemeClr val="tx1"/>
+                </a:solidFill>
+                <a:latin typeface="Times New Roman" panose="02020603050405020304" pitchFamily="18" charset="0"/>
+                <a:cs typeface="Times New Roman" panose="02020603050405020304" pitchFamily="18" charset="0"/>
+              </a:rPr>
+              <a:t>    	  </a:t>
+            </a:r>
+            <a:r>
+              <a:rPr lang="pt-BR" sz="1800" b="1" dirty="0" err="1">
+                <a:solidFill>
+                  <a:schemeClr val="tx1"/>
+                </a:solidFill>
+                <a:latin typeface="Times New Roman" panose="02020603050405020304" pitchFamily="18" charset="0"/>
+                <a:cs typeface="Times New Roman" panose="02020603050405020304" pitchFamily="18" charset="0"/>
+              </a:rPr>
+              <a:t>echo</a:t>
+            </a:r>
+            <a:r>
+              <a:rPr lang="pt-BR" sz="1800" dirty="0">
+                <a:solidFill>
+                  <a:schemeClr val="tx1"/>
+                </a:solidFill>
+                <a:latin typeface="Times New Roman" panose="02020603050405020304" pitchFamily="18" charset="0"/>
+                <a:cs typeface="Times New Roman" panose="02020603050405020304" pitchFamily="18" charset="0"/>
+              </a:rPr>
+              <a:t> ('Inserido com sucesso!!!’); }</a:t>
+            </a:r>
+          </a:p>
+          <a:p>
+            <a:pPr marL="0" indent="0" algn="just">
+              <a:buNone/>
+            </a:pPr>
+            <a:r>
+              <a:rPr lang="pt-BR" sz="1800" dirty="0">
+                <a:solidFill>
+                  <a:schemeClr val="tx1"/>
+                </a:solidFill>
+                <a:latin typeface="Times New Roman" panose="02020603050405020304" pitchFamily="18" charset="0"/>
+                <a:cs typeface="Times New Roman" panose="02020603050405020304" pitchFamily="18" charset="0"/>
+              </a:rPr>
+              <a:t>  } </a:t>
+            </a:r>
+            <a:r>
+              <a:rPr lang="pt-BR" sz="1800" b="1" dirty="0">
+                <a:solidFill>
+                  <a:schemeClr val="tx1"/>
+                </a:solidFill>
+                <a:latin typeface="Times New Roman" panose="02020603050405020304" pitchFamily="18" charset="0"/>
+                <a:cs typeface="Times New Roman" panose="02020603050405020304" pitchFamily="18" charset="0"/>
+              </a:rPr>
+              <a:t>catch</a:t>
+            </a:r>
+            <a:r>
+              <a:rPr lang="pt-BR" sz="1800" dirty="0">
+                <a:solidFill>
+                  <a:schemeClr val="tx1"/>
+                </a:solidFill>
+                <a:latin typeface="Times New Roman" panose="02020603050405020304" pitchFamily="18" charset="0"/>
+                <a:cs typeface="Times New Roman" panose="02020603050405020304" pitchFamily="18" charset="0"/>
+              </a:rPr>
+              <a:t> (</a:t>
+            </a:r>
+            <a:r>
+              <a:rPr lang="pt-BR" sz="1800" b="1" dirty="0" err="1">
+                <a:solidFill>
+                  <a:srgbClr val="FF0000"/>
+                </a:solidFill>
+                <a:latin typeface="Times New Roman" panose="02020603050405020304" pitchFamily="18" charset="0"/>
+                <a:cs typeface="Times New Roman" panose="02020603050405020304" pitchFamily="18" charset="0"/>
+              </a:rPr>
+              <a:t>PDOException</a:t>
+            </a:r>
+            <a:r>
+              <a:rPr lang="pt-BR" sz="1800" dirty="0">
+                <a:solidFill>
+                  <a:schemeClr val="tx1"/>
+                </a:solidFill>
+                <a:latin typeface="Times New Roman" panose="02020603050405020304" pitchFamily="18" charset="0"/>
+                <a:cs typeface="Times New Roman" panose="02020603050405020304" pitchFamily="18" charset="0"/>
+              </a:rPr>
+              <a:t> $e) {</a:t>
+            </a:r>
+          </a:p>
+          <a:p>
+            <a:pPr marL="0" indent="0" algn="just">
+              <a:buNone/>
+            </a:pPr>
+            <a:r>
+              <a:rPr lang="pt-BR" sz="1800" dirty="0">
+                <a:solidFill>
+                  <a:schemeClr val="tx1"/>
+                </a:solidFill>
+                <a:latin typeface="Times New Roman" panose="02020603050405020304" pitchFamily="18" charset="0"/>
+                <a:cs typeface="Times New Roman" panose="02020603050405020304" pitchFamily="18" charset="0"/>
+              </a:rPr>
+              <a:t>    	</a:t>
+            </a:r>
+            <a:r>
+              <a:rPr lang="pt-BR" sz="1800" b="1" dirty="0">
+                <a:solidFill>
+                  <a:schemeClr val="tx1"/>
+                </a:solidFill>
+                <a:latin typeface="Times New Roman" panose="02020603050405020304" pitchFamily="18" charset="0"/>
+                <a:cs typeface="Times New Roman" panose="02020603050405020304" pitchFamily="18" charset="0"/>
+              </a:rPr>
+              <a:t>die</a:t>
+            </a:r>
+            <a:r>
+              <a:rPr lang="pt-BR" sz="1800" dirty="0">
+                <a:solidFill>
+                  <a:schemeClr val="tx1"/>
+                </a:solidFill>
+                <a:latin typeface="Times New Roman" panose="02020603050405020304" pitchFamily="18" charset="0"/>
+                <a:cs typeface="Times New Roman" panose="02020603050405020304" pitchFamily="18" charset="0"/>
+              </a:rPr>
+              <a:t>("Erro no </a:t>
+            </a:r>
+            <a:r>
+              <a:rPr lang="pt-BR" sz="1800" dirty="0" err="1">
+                <a:solidFill>
+                  <a:schemeClr val="tx1"/>
+                </a:solidFill>
+                <a:latin typeface="Times New Roman" panose="02020603050405020304" pitchFamily="18" charset="0"/>
+                <a:cs typeface="Times New Roman" panose="02020603050405020304" pitchFamily="18" charset="0"/>
+              </a:rPr>
+              <a:t>insert</a:t>
+            </a:r>
+            <a:r>
+              <a:rPr lang="pt-BR" sz="1800" dirty="0">
+                <a:solidFill>
+                  <a:schemeClr val="tx1"/>
+                </a:solidFill>
+                <a:latin typeface="Times New Roman" panose="02020603050405020304" pitchFamily="18" charset="0"/>
+                <a:cs typeface="Times New Roman" panose="02020603050405020304" pitchFamily="18" charset="0"/>
+              </a:rPr>
+              <a:t> no BD");  }</a:t>
+            </a:r>
+          </a:p>
+          <a:p>
+            <a:pPr marL="0" indent="0" algn="just">
+              <a:buNone/>
+            </a:pPr>
+            <a:r>
+              <a:rPr lang="pt-BR" sz="1800" dirty="0">
+                <a:solidFill>
+                  <a:schemeClr val="tx1"/>
+                </a:solidFill>
+                <a:latin typeface="Times New Roman" panose="02020603050405020304" pitchFamily="18" charset="0"/>
+                <a:cs typeface="Times New Roman" panose="02020603050405020304" pitchFamily="18" charset="0"/>
+              </a:rPr>
+              <a:t>  // </a:t>
+            </a:r>
+            <a:r>
+              <a:rPr lang="pt-BR" sz="1800" b="1" dirty="0">
+                <a:solidFill>
+                  <a:srgbClr val="FF0000"/>
+                </a:solidFill>
+                <a:latin typeface="Times New Roman" panose="02020603050405020304" pitchFamily="18" charset="0"/>
+                <a:cs typeface="Times New Roman" panose="02020603050405020304" pitchFamily="18" charset="0"/>
+              </a:rPr>
+              <a:t>Fecha a conexão com o BD </a:t>
+            </a:r>
+          </a:p>
+          <a:p>
+            <a:pPr marL="0" indent="0" algn="just">
+              <a:buNone/>
+            </a:pPr>
+            <a:r>
+              <a:rPr lang="pt-BR" sz="1800" dirty="0">
+                <a:solidFill>
+                  <a:schemeClr val="tx1"/>
+                </a:solidFill>
+                <a:latin typeface="Times New Roman" panose="02020603050405020304" pitchFamily="18" charset="0"/>
+                <a:cs typeface="Times New Roman" panose="02020603050405020304" pitchFamily="18" charset="0"/>
+              </a:rPr>
+              <a:t>  $</a:t>
+            </a:r>
+            <a:r>
+              <a:rPr lang="pt-BR" sz="1800" b="1" dirty="0" err="1">
+                <a:solidFill>
+                  <a:schemeClr val="tx1"/>
+                </a:solidFill>
+                <a:latin typeface="Times New Roman" panose="02020603050405020304" pitchFamily="18" charset="0"/>
+                <a:cs typeface="Times New Roman" panose="02020603050405020304" pitchFamily="18" charset="0"/>
+              </a:rPr>
+              <a:t>conn</a:t>
+            </a:r>
+            <a:r>
+              <a:rPr lang="pt-BR" sz="1800" dirty="0">
                 <a:solidFill>
                   <a:schemeClr val="tx1"/>
                 </a:solidFill>
@@ -38240,311 +39588,34 @@
               <a:t> = </a:t>
             </a:r>
             <a:r>
-              <a:rPr lang="pt-BR" sz="2000" b="1" dirty="0" err="1">
+              <a:rPr lang="pt-BR" sz="1800" b="1" dirty="0">
                 <a:solidFill>
                   <a:srgbClr val="FF0000"/>
                 </a:solidFill>
                 <a:latin typeface="Times New Roman" panose="02020603050405020304" pitchFamily="18" charset="0"/>
                 <a:cs typeface="Times New Roman" panose="02020603050405020304" pitchFamily="18" charset="0"/>
               </a:rPr>
-              <a:t>mysqli_query</a:t>
-            </a:r>
-            <a:r>
-              <a:rPr lang="pt-BR" sz="2000" dirty="0">
-                <a:solidFill>
-                  <a:schemeClr val="tx1"/>
-                </a:solidFill>
-                <a:latin typeface="Times New Roman" panose="02020603050405020304" pitchFamily="18" charset="0"/>
-                <a:cs typeface="Times New Roman" panose="02020603050405020304" pitchFamily="18" charset="0"/>
-              </a:rPr>
-              <a:t>($</a:t>
-            </a:r>
-            <a:r>
-              <a:rPr lang="pt-BR" sz="2000" b="1" dirty="0" err="1">
-                <a:solidFill>
-                  <a:schemeClr val="tx1"/>
-                </a:solidFill>
-                <a:latin typeface="Times New Roman" panose="02020603050405020304" pitchFamily="18" charset="0"/>
-                <a:cs typeface="Times New Roman" panose="02020603050405020304" pitchFamily="18" charset="0"/>
-              </a:rPr>
-              <a:t>conn</a:t>
-            </a:r>
-            <a:r>
-              <a:rPr lang="pt-BR" sz="2000" dirty="0">
-                <a:solidFill>
-                  <a:schemeClr val="tx1"/>
-                </a:solidFill>
-                <a:latin typeface="Times New Roman" panose="02020603050405020304" pitchFamily="18" charset="0"/>
-                <a:cs typeface="Times New Roman" panose="02020603050405020304" pitchFamily="18" charset="0"/>
-              </a:rPr>
-              <a:t>, $</a:t>
-            </a:r>
-            <a:r>
-              <a:rPr lang="pt-BR" sz="2000" b="1" dirty="0" err="1">
-                <a:solidFill>
-                  <a:schemeClr val="tx1"/>
-                </a:solidFill>
-                <a:latin typeface="Times New Roman" panose="02020603050405020304" pitchFamily="18" charset="0"/>
-                <a:cs typeface="Times New Roman" panose="02020603050405020304" pitchFamily="18" charset="0"/>
-              </a:rPr>
-              <a:t>sql</a:t>
-            </a:r>
-            <a:r>
-              <a:rPr lang="pt-BR" sz="2000" dirty="0">
-                <a:solidFill>
-                  <a:schemeClr val="tx1"/>
-                </a:solidFill>
-                <a:latin typeface="Times New Roman" panose="02020603050405020304" pitchFamily="18" charset="0"/>
-                <a:cs typeface="Times New Roman" panose="02020603050405020304" pitchFamily="18" charset="0"/>
-              </a:rPr>
-              <a:t>) </a:t>
-            </a:r>
-            <a:r>
-              <a:rPr lang="pt-BR" sz="2000" b="1" dirty="0" err="1">
-                <a:solidFill>
-                  <a:schemeClr val="tx1"/>
-                </a:solidFill>
-                <a:latin typeface="Times New Roman" panose="02020603050405020304" pitchFamily="18" charset="0"/>
-                <a:cs typeface="Times New Roman" panose="02020603050405020304" pitchFamily="18" charset="0"/>
-              </a:rPr>
-              <a:t>or</a:t>
-            </a:r>
-            <a:r>
-              <a:rPr lang="pt-BR" sz="2000" dirty="0">
-                <a:solidFill>
-                  <a:schemeClr val="tx1"/>
-                </a:solidFill>
-                <a:latin typeface="Times New Roman" panose="02020603050405020304" pitchFamily="18" charset="0"/>
-                <a:cs typeface="Times New Roman" panose="02020603050405020304" pitchFamily="18" charset="0"/>
-              </a:rPr>
-              <a:t> </a:t>
-            </a:r>
-          </a:p>
-          <a:p>
-            <a:pPr marL="0" indent="0" algn="just">
-              <a:buNone/>
-            </a:pPr>
-            <a:r>
-              <a:rPr lang="pt-BR" sz="2000" b="1" dirty="0">
-                <a:solidFill>
-                  <a:schemeClr val="tx1"/>
-                </a:solidFill>
-                <a:latin typeface="Times New Roman" panose="02020603050405020304" pitchFamily="18" charset="0"/>
-                <a:cs typeface="Times New Roman" panose="02020603050405020304" pitchFamily="18" charset="0"/>
-              </a:rPr>
-              <a:t>				  die</a:t>
-            </a:r>
-            <a:r>
-              <a:rPr lang="pt-BR" sz="2000" dirty="0">
-                <a:solidFill>
-                  <a:schemeClr val="tx1"/>
-                </a:solidFill>
-                <a:latin typeface="Times New Roman" panose="02020603050405020304" pitchFamily="18" charset="0"/>
-                <a:cs typeface="Times New Roman" panose="02020603050405020304" pitchFamily="18" charset="0"/>
-              </a:rPr>
-              <a:t>("Erro ao retornar dados");</a:t>
-            </a:r>
-          </a:p>
-          <a:p>
-            <a:pPr marL="0" indent="0" algn="just">
-              <a:buNone/>
-            </a:pPr>
-            <a:r>
-              <a:rPr lang="pt-BR" sz="2000" dirty="0">
-                <a:solidFill>
-                  <a:schemeClr val="tx1"/>
-                </a:solidFill>
-                <a:latin typeface="Times New Roman" panose="02020603050405020304" pitchFamily="18" charset="0"/>
-                <a:cs typeface="Times New Roman" panose="02020603050405020304" pitchFamily="18" charset="0"/>
-              </a:rPr>
-              <a:t>    // </a:t>
-            </a:r>
-            <a:r>
-              <a:rPr lang="pt-BR" sz="2000" b="1" dirty="0">
-                <a:solidFill>
-                  <a:schemeClr val="tx1"/>
-                </a:solidFill>
-                <a:latin typeface="Times New Roman" panose="02020603050405020304" pitchFamily="18" charset="0"/>
-                <a:cs typeface="Times New Roman" panose="02020603050405020304" pitchFamily="18" charset="0"/>
-              </a:rPr>
-              <a:t>Obtendo os dados por meio de um loop </a:t>
-            </a:r>
-            <a:r>
-              <a:rPr lang="pt-BR" sz="2000" b="1" dirty="0" err="1">
-                <a:solidFill>
-                  <a:schemeClr val="tx1"/>
-                </a:solidFill>
-                <a:latin typeface="Times New Roman" panose="02020603050405020304" pitchFamily="18" charset="0"/>
-                <a:cs typeface="Times New Roman" panose="02020603050405020304" pitchFamily="18" charset="0"/>
-              </a:rPr>
-              <a:t>while</a:t>
-            </a:r>
-            <a:endParaRPr lang="pt-BR" sz="2000" b="1" dirty="0">
-              <a:solidFill>
-                <a:schemeClr val="tx1"/>
-              </a:solidFill>
-              <a:latin typeface="Times New Roman" panose="02020603050405020304" pitchFamily="18" charset="0"/>
-              <a:cs typeface="Times New Roman" panose="02020603050405020304" pitchFamily="18" charset="0"/>
-            </a:endParaRPr>
-          </a:p>
-          <a:p>
-            <a:pPr marL="0" indent="0" algn="just">
-              <a:buNone/>
-            </a:pPr>
-            <a:r>
-              <a:rPr lang="pt-BR" sz="2000" dirty="0">
-                <a:solidFill>
-                  <a:schemeClr val="tx1"/>
-                </a:solidFill>
-                <a:latin typeface="Times New Roman" panose="02020603050405020304" pitchFamily="18" charset="0"/>
-                <a:cs typeface="Times New Roman" panose="02020603050405020304" pitchFamily="18" charset="0"/>
-              </a:rPr>
-              <a:t>    </a:t>
-            </a:r>
-            <a:r>
-              <a:rPr lang="pt-BR" sz="2000" b="1" dirty="0" err="1">
-                <a:solidFill>
-                  <a:schemeClr val="tx1"/>
-                </a:solidFill>
-                <a:latin typeface="Times New Roman" panose="02020603050405020304" pitchFamily="18" charset="0"/>
-                <a:cs typeface="Times New Roman" panose="02020603050405020304" pitchFamily="18" charset="0"/>
-              </a:rPr>
-              <a:t>while</a:t>
-            </a:r>
-            <a:r>
-              <a:rPr lang="pt-BR" sz="2000" dirty="0">
-                <a:solidFill>
-                  <a:schemeClr val="tx1"/>
-                </a:solidFill>
-                <a:latin typeface="Times New Roman" panose="02020603050405020304" pitchFamily="18" charset="0"/>
-                <a:cs typeface="Times New Roman" panose="02020603050405020304" pitchFamily="18" charset="0"/>
-              </a:rPr>
-              <a:t> ($registro = </a:t>
-            </a:r>
-            <a:r>
-              <a:rPr lang="pt-BR" sz="2000" b="1" dirty="0" err="1">
-                <a:solidFill>
-                  <a:srgbClr val="FF0000"/>
-                </a:solidFill>
-                <a:latin typeface="Times New Roman" panose="02020603050405020304" pitchFamily="18" charset="0"/>
-                <a:cs typeface="Times New Roman" panose="02020603050405020304" pitchFamily="18" charset="0"/>
-              </a:rPr>
-              <a:t>mysqli_fetch_array</a:t>
-            </a:r>
-            <a:r>
-              <a:rPr lang="pt-BR" sz="2000" dirty="0">
-                <a:solidFill>
-                  <a:schemeClr val="tx1"/>
-                </a:solidFill>
-                <a:latin typeface="Times New Roman" panose="02020603050405020304" pitchFamily="18" charset="0"/>
-                <a:cs typeface="Times New Roman" panose="02020603050405020304" pitchFamily="18" charset="0"/>
-              </a:rPr>
-              <a:t>($resultado)) {</a:t>
-            </a:r>
-          </a:p>
-          <a:p>
-            <a:pPr marL="0" indent="0" algn="just">
-              <a:buNone/>
-            </a:pPr>
-            <a:r>
-              <a:rPr lang="pt-BR" sz="2000" dirty="0">
-                <a:solidFill>
-                  <a:schemeClr val="tx1"/>
-                </a:solidFill>
-                <a:latin typeface="Times New Roman" panose="02020603050405020304" pitchFamily="18" charset="0"/>
-                <a:cs typeface="Times New Roman" panose="02020603050405020304" pitchFamily="18" charset="0"/>
-              </a:rPr>
-              <a:t>      $id = $registro['ID'];</a:t>
-            </a:r>
-          </a:p>
-          <a:p>
-            <a:pPr marL="0" indent="0" algn="just">
-              <a:buNone/>
-            </a:pPr>
-            <a:r>
-              <a:rPr lang="pt-BR" sz="2000" dirty="0">
-                <a:solidFill>
-                  <a:schemeClr val="tx1"/>
-                </a:solidFill>
-                <a:latin typeface="Times New Roman" panose="02020603050405020304" pitchFamily="18" charset="0"/>
-                <a:cs typeface="Times New Roman" panose="02020603050405020304" pitchFamily="18" charset="0"/>
-              </a:rPr>
-              <a:t>      $</a:t>
-            </a:r>
-            <a:r>
-              <a:rPr lang="pt-BR" sz="2000" dirty="0" err="1">
-                <a:solidFill>
-                  <a:schemeClr val="tx1"/>
-                </a:solidFill>
-                <a:latin typeface="Times New Roman" panose="02020603050405020304" pitchFamily="18" charset="0"/>
-                <a:cs typeface="Times New Roman" panose="02020603050405020304" pitchFamily="18" charset="0"/>
-              </a:rPr>
-              <a:t>name</a:t>
-            </a:r>
-            <a:r>
-              <a:rPr lang="pt-BR" sz="2000" dirty="0">
-                <a:solidFill>
-                  <a:schemeClr val="tx1"/>
-                </a:solidFill>
-                <a:latin typeface="Times New Roman" panose="02020603050405020304" pitchFamily="18" charset="0"/>
-                <a:cs typeface="Times New Roman" panose="02020603050405020304" pitchFamily="18" charset="0"/>
-              </a:rPr>
-              <a:t> = $registro['NAME’]; </a:t>
-            </a:r>
-          </a:p>
-          <a:p>
-            <a:pPr marL="0" indent="0" algn="just">
-              <a:buNone/>
-            </a:pPr>
-            <a:r>
-              <a:rPr lang="pt-BR" sz="2000" dirty="0">
-                <a:solidFill>
-                  <a:schemeClr val="tx1"/>
-                </a:solidFill>
-                <a:latin typeface="Times New Roman" panose="02020603050405020304" pitchFamily="18" charset="0"/>
-                <a:cs typeface="Times New Roman" panose="02020603050405020304" pitchFamily="18" charset="0"/>
-              </a:rPr>
-              <a:t>    } </a:t>
-            </a:r>
-            <a:r>
-              <a:rPr lang="pt-BR" sz="2000" b="1" dirty="0" err="1">
-                <a:solidFill>
-                  <a:srgbClr val="FF0000"/>
-                </a:solidFill>
-                <a:latin typeface="Times New Roman" panose="02020603050405020304" pitchFamily="18" charset="0"/>
-                <a:cs typeface="Times New Roman" panose="02020603050405020304" pitchFamily="18" charset="0"/>
-              </a:rPr>
-              <a:t>mysqli_close</a:t>
-            </a:r>
-            <a:r>
-              <a:rPr lang="pt-BR" sz="2000" dirty="0">
-                <a:solidFill>
-                  <a:schemeClr val="tx1"/>
-                </a:solidFill>
-                <a:latin typeface="Times New Roman" panose="02020603050405020304" pitchFamily="18" charset="0"/>
-                <a:cs typeface="Times New Roman" panose="02020603050405020304" pitchFamily="18" charset="0"/>
-              </a:rPr>
-              <a:t>($</a:t>
-            </a:r>
-            <a:r>
-              <a:rPr lang="pt-BR" sz="2000" dirty="0" err="1">
-                <a:solidFill>
-                  <a:schemeClr val="tx1"/>
-                </a:solidFill>
-                <a:latin typeface="Times New Roman" panose="02020603050405020304" pitchFamily="18" charset="0"/>
-                <a:cs typeface="Times New Roman" panose="02020603050405020304" pitchFamily="18" charset="0"/>
-              </a:rPr>
-              <a:t>conn</a:t>
-            </a:r>
-            <a:r>
-              <a:rPr lang="pt-BR" sz="2000" dirty="0">
-                <a:solidFill>
-                  <a:schemeClr val="tx1"/>
-                </a:solidFill>
-                <a:latin typeface="Times New Roman" panose="02020603050405020304" pitchFamily="18" charset="0"/>
-                <a:cs typeface="Times New Roman" panose="02020603050405020304" pitchFamily="18" charset="0"/>
-              </a:rPr>
-              <a:t>);</a:t>
+              <a:t>NULL</a:t>
+            </a:r>
+            <a:r>
+              <a:rPr lang="pt-BR" sz="1800" dirty="0">
+                <a:solidFill>
+                  <a:schemeClr val="tx1"/>
+                </a:solidFill>
+                <a:latin typeface="Times New Roman" panose="02020603050405020304" pitchFamily="18" charset="0"/>
+                <a:cs typeface="Times New Roman" panose="02020603050405020304" pitchFamily="18" charset="0"/>
+              </a:rPr>
+              <a:t>;  </a:t>
+            </a:r>
+            <a:r>
+              <a:rPr lang="pt-BR" sz="1800" b="1" dirty="0">
+                <a:solidFill>
+                  <a:schemeClr val="tx1"/>
+                </a:solidFill>
+                <a:latin typeface="Times New Roman" panose="02020603050405020304" pitchFamily="18" charset="0"/>
+                <a:cs typeface="Times New Roman" panose="02020603050405020304" pitchFamily="18" charset="0"/>
+              </a:rPr>
+              <a:t>?&gt;</a:t>
             </a:r>
           </a:p>
         </p:txBody>
@@ -38552,7 +39623,7 @@
     </p:spTree>
     <p:extLst>
       <p:ext uri="{BB962C8B-B14F-4D97-AF65-F5344CB8AC3E}">
-        <p14:creationId xmlns:p14="http://schemas.microsoft.com/office/powerpoint/2010/main" val="3880359361"/>
+        <p14:creationId xmlns:p14="http://schemas.microsoft.com/office/powerpoint/2010/main" val="3021969552"/>
       </p:ext>
     </p:extLst>
   </p:cSld>
@@ -38603,12 +39674,20 @@
           <a:lstStyle/>
           <a:p>
             <a:r>
+              <a:rPr lang="en-US" b="1" dirty="0">
+                <a:solidFill>
+                  <a:srgbClr val="0070C0"/>
+                </a:solidFill>
+              </a:rPr>
+              <a:t>PHP – MySQL </a:t>
+            </a:r>
+            <a:r>
               <a:rPr lang="en-US" b="1" dirty="0" err="1">
                 <a:solidFill>
                   <a:srgbClr val="0070C0"/>
                 </a:solidFill>
               </a:rPr>
-              <a:t>Leitura</a:t>
+              <a:t>Transações</a:t>
             </a:r>
             <a:r>
               <a:rPr lang="en-US" b="1" dirty="0">
@@ -38616,21 +39695,8 @@
                   <a:srgbClr val="0070C0"/>
                 </a:solidFill>
               </a:rPr>
-              <a:t> </a:t>
-            </a:r>
-            <a:r>
-              <a:rPr lang="en-US" b="1" dirty="0" err="1">
-                <a:solidFill>
-                  <a:srgbClr val="0070C0"/>
-                </a:solidFill>
-              </a:rPr>
-              <a:t>Específica</a:t>
-            </a:r>
-            <a:endParaRPr lang="en-US" b="1" dirty="0">
-              <a:solidFill>
-                <a:srgbClr val="0070C0"/>
-              </a:solidFill>
-            </a:endParaRPr>
+              <a:t> Delete</a:t>
+            </a:r>
           </a:p>
         </p:txBody>
       </p:sp>
@@ -38646,8 +39712,8 @@
         </p:nvSpPr>
         <p:spPr>
           <a:xfrm>
-            <a:off x="142865" y="1012261"/>
-            <a:ext cx="8865056" cy="3835312"/>
+            <a:off x="142865" y="1037312"/>
+            <a:ext cx="8865056" cy="3900208"/>
           </a:xfrm>
         </p:spPr>
         <p:txBody>
@@ -38659,7 +39725,895 @@
             <a:pPr marL="0" indent="0" algn="just">
               <a:buNone/>
             </a:pPr>
-            <a:endParaRPr lang="pt-BR" sz="2000" dirty="0">
+            <a:r>
+              <a:rPr lang="pt-BR" sz="1800" b="1" dirty="0">
+                <a:solidFill>
+                  <a:srgbClr val="0070C0"/>
+                </a:solidFill>
+                <a:latin typeface="Times New Roman" panose="02020603050405020304" pitchFamily="18" charset="0"/>
+                <a:cs typeface="Times New Roman" panose="02020603050405020304" pitchFamily="18" charset="0"/>
+              </a:rPr>
+              <a:t>&lt;?</a:t>
+            </a:r>
+            <a:r>
+              <a:rPr lang="pt-BR" sz="1800" b="1" dirty="0" err="1">
+                <a:solidFill>
+                  <a:srgbClr val="0070C0"/>
+                </a:solidFill>
+                <a:latin typeface="Times New Roman" panose="02020603050405020304" pitchFamily="18" charset="0"/>
+                <a:cs typeface="Times New Roman" panose="02020603050405020304" pitchFamily="18" charset="0"/>
+              </a:rPr>
+              <a:t>php</a:t>
+            </a:r>
+            <a:r>
+              <a:rPr lang="pt-BR" sz="1800" b="1" dirty="0">
+                <a:solidFill>
+                  <a:srgbClr val="0070C0"/>
+                </a:solidFill>
+                <a:latin typeface="Times New Roman" panose="02020603050405020304" pitchFamily="18" charset="0"/>
+                <a:cs typeface="Times New Roman" panose="02020603050405020304" pitchFamily="18" charset="0"/>
+              </a:rPr>
+              <a:t> </a:t>
+            </a:r>
+            <a:r>
+              <a:rPr lang="pt-BR" sz="1800" dirty="0">
+                <a:solidFill>
+                  <a:schemeClr val="tx1"/>
+                </a:solidFill>
+                <a:latin typeface="Times New Roman" panose="02020603050405020304" pitchFamily="18" charset="0"/>
+                <a:cs typeface="Times New Roman" panose="02020603050405020304" pitchFamily="18" charset="0"/>
+              </a:rPr>
+              <a:t>// </a:t>
+            </a:r>
+            <a:r>
+              <a:rPr lang="pt-BR" sz="1800" b="1" dirty="0">
+                <a:solidFill>
+                  <a:schemeClr val="tx1"/>
+                </a:solidFill>
+                <a:latin typeface="Times New Roman" panose="02020603050405020304" pitchFamily="18" charset="0"/>
+                <a:cs typeface="Times New Roman" panose="02020603050405020304" pitchFamily="18" charset="0"/>
+              </a:rPr>
+              <a:t>Deletando no BD</a:t>
+            </a:r>
+          </a:p>
+          <a:p>
+            <a:pPr marL="0" indent="0" algn="just">
+              <a:buNone/>
+            </a:pPr>
+            <a:r>
+              <a:rPr lang="pt-BR" sz="1800" dirty="0">
+                <a:solidFill>
+                  <a:schemeClr val="tx1"/>
+                </a:solidFill>
+                <a:latin typeface="Times New Roman" panose="02020603050405020304" pitchFamily="18" charset="0"/>
+                <a:cs typeface="Times New Roman" panose="02020603050405020304" pitchFamily="18" charset="0"/>
+              </a:rPr>
+              <a:t>  </a:t>
+            </a:r>
+            <a:r>
+              <a:rPr lang="pt-BR" sz="1800" b="1" dirty="0" err="1">
+                <a:solidFill>
+                  <a:schemeClr val="tx1"/>
+                </a:solidFill>
+                <a:latin typeface="Times New Roman" panose="02020603050405020304" pitchFamily="18" charset="0"/>
+                <a:cs typeface="Times New Roman" panose="02020603050405020304" pitchFamily="18" charset="0"/>
+              </a:rPr>
+              <a:t>try</a:t>
+            </a:r>
+            <a:r>
+              <a:rPr lang="pt-BR" sz="1800" dirty="0">
+                <a:solidFill>
+                  <a:schemeClr val="tx1"/>
+                </a:solidFill>
+                <a:latin typeface="Times New Roman" panose="02020603050405020304" pitchFamily="18" charset="0"/>
+                <a:cs typeface="Times New Roman" panose="02020603050405020304" pitchFamily="18" charset="0"/>
+              </a:rPr>
+              <a:t> {</a:t>
+            </a:r>
+          </a:p>
+          <a:p>
+            <a:pPr marL="0" indent="0" algn="just">
+              <a:buNone/>
+            </a:pPr>
+            <a:r>
+              <a:rPr lang="pt-BR" sz="1800" dirty="0">
+                <a:solidFill>
+                  <a:schemeClr val="tx1"/>
+                </a:solidFill>
+                <a:latin typeface="Times New Roman" panose="02020603050405020304" pitchFamily="18" charset="0"/>
+                <a:cs typeface="Times New Roman" panose="02020603050405020304" pitchFamily="18" charset="0"/>
+              </a:rPr>
+              <a:t>	</a:t>
+            </a:r>
+            <a:r>
+              <a:rPr lang="pt-BR" sz="1800" b="1" dirty="0" err="1">
+                <a:solidFill>
+                  <a:srgbClr val="0070C0"/>
+                </a:solidFill>
+                <a:latin typeface="Times New Roman" panose="02020603050405020304" pitchFamily="18" charset="0"/>
+                <a:cs typeface="Times New Roman" panose="02020603050405020304" pitchFamily="18" charset="0"/>
+              </a:rPr>
+              <a:t>include_once</a:t>
+            </a:r>
+            <a:r>
+              <a:rPr lang="pt-BR" sz="1800" b="1" dirty="0">
+                <a:solidFill>
+                  <a:srgbClr val="0070C0"/>
+                </a:solidFill>
+                <a:latin typeface="Times New Roman" panose="02020603050405020304" pitchFamily="18" charset="0"/>
+                <a:cs typeface="Times New Roman" panose="02020603050405020304" pitchFamily="18" charset="0"/>
+              </a:rPr>
+              <a:t>("</a:t>
+            </a:r>
+            <a:r>
+              <a:rPr lang="pt-BR" sz="1800" b="1" dirty="0" err="1">
+                <a:solidFill>
+                  <a:srgbClr val="0070C0"/>
+                </a:solidFill>
+                <a:latin typeface="Times New Roman" panose="02020603050405020304" pitchFamily="18" charset="0"/>
+                <a:cs typeface="Times New Roman" panose="02020603050405020304" pitchFamily="18" charset="0"/>
+              </a:rPr>
+              <a:t>connPDO.php</a:t>
+            </a:r>
+            <a:r>
+              <a:rPr lang="pt-BR" sz="1800" b="1" dirty="0">
+                <a:solidFill>
+                  <a:srgbClr val="0070C0"/>
+                </a:solidFill>
+                <a:latin typeface="Times New Roman" panose="02020603050405020304" pitchFamily="18" charset="0"/>
+                <a:cs typeface="Times New Roman" panose="02020603050405020304" pitchFamily="18" charset="0"/>
+              </a:rPr>
+              <a:t>"); </a:t>
+            </a:r>
+            <a:r>
+              <a:rPr lang="pt-BR" sz="1800" dirty="0">
+                <a:solidFill>
+                  <a:schemeClr val="tx1"/>
+                </a:solidFill>
+                <a:latin typeface="Times New Roman" panose="02020603050405020304" pitchFamily="18" charset="0"/>
+                <a:cs typeface="Times New Roman" panose="02020603050405020304" pitchFamily="18" charset="0"/>
+              </a:rPr>
+              <a:t>// </a:t>
+            </a:r>
+            <a:r>
+              <a:rPr lang="pt-BR" sz="1800" b="1" dirty="0">
+                <a:solidFill>
+                  <a:schemeClr val="tx1"/>
+                </a:solidFill>
+                <a:latin typeface="Times New Roman" panose="02020603050405020304" pitchFamily="18" charset="0"/>
+                <a:cs typeface="Times New Roman" panose="02020603050405020304" pitchFamily="18" charset="0"/>
+              </a:rPr>
+              <a:t>Conectando ao banco de dados</a:t>
+            </a:r>
+          </a:p>
+          <a:p>
+            <a:pPr marL="0" indent="0" algn="just">
+              <a:buNone/>
+            </a:pPr>
+            <a:r>
+              <a:rPr lang="pt-BR" sz="1800" dirty="0">
+                <a:solidFill>
+                  <a:schemeClr val="tx1"/>
+                </a:solidFill>
+                <a:latin typeface="Times New Roman" panose="02020603050405020304" pitchFamily="18" charset="0"/>
+                <a:cs typeface="Times New Roman" panose="02020603050405020304" pitchFamily="18" charset="0"/>
+              </a:rPr>
+              <a:t> 	$</a:t>
+            </a:r>
+            <a:r>
+              <a:rPr lang="pt-BR" sz="1800" b="1" dirty="0" err="1">
+                <a:solidFill>
+                  <a:srgbClr val="FF0000"/>
+                </a:solidFill>
+                <a:latin typeface="Times New Roman" panose="02020603050405020304" pitchFamily="18" charset="0"/>
+                <a:cs typeface="Times New Roman" panose="02020603050405020304" pitchFamily="18" charset="0"/>
+              </a:rPr>
+              <a:t>sql</a:t>
+            </a:r>
+            <a:r>
+              <a:rPr lang="pt-BR" sz="1800" dirty="0">
+                <a:solidFill>
+                  <a:schemeClr val="tx1"/>
+                </a:solidFill>
+                <a:latin typeface="Times New Roman" panose="02020603050405020304" pitchFamily="18" charset="0"/>
+                <a:cs typeface="Times New Roman" panose="02020603050405020304" pitchFamily="18" charset="0"/>
+              </a:rPr>
+              <a:t> = "</a:t>
+            </a:r>
+            <a:r>
+              <a:rPr lang="pt-BR" sz="1800" b="1" dirty="0">
+                <a:solidFill>
+                  <a:schemeClr val="tx1"/>
+                </a:solidFill>
+                <a:latin typeface="Times New Roman" panose="02020603050405020304" pitchFamily="18" charset="0"/>
+                <a:cs typeface="Times New Roman" panose="02020603050405020304" pitchFamily="18" charset="0"/>
+              </a:rPr>
+              <a:t>delete</a:t>
+            </a:r>
+            <a:r>
+              <a:rPr lang="pt-BR" sz="1800" dirty="0">
+                <a:solidFill>
+                  <a:schemeClr val="tx1"/>
+                </a:solidFill>
+                <a:latin typeface="Times New Roman" panose="02020603050405020304" pitchFamily="18" charset="0"/>
+                <a:cs typeface="Times New Roman" panose="02020603050405020304" pitchFamily="18" charset="0"/>
+              </a:rPr>
+              <a:t> </a:t>
+            </a:r>
+            <a:r>
+              <a:rPr lang="pt-BR" sz="1800" b="1" dirty="0" err="1">
+                <a:solidFill>
+                  <a:schemeClr val="tx1"/>
+                </a:solidFill>
+                <a:latin typeface="Times New Roman" panose="02020603050405020304" pitchFamily="18" charset="0"/>
+                <a:cs typeface="Times New Roman" panose="02020603050405020304" pitchFamily="18" charset="0"/>
+              </a:rPr>
+              <a:t>from</a:t>
+            </a:r>
+            <a:r>
+              <a:rPr lang="pt-BR" sz="1800" dirty="0">
+                <a:solidFill>
+                  <a:schemeClr val="tx1"/>
+                </a:solidFill>
+                <a:latin typeface="Times New Roman" panose="02020603050405020304" pitchFamily="18" charset="0"/>
+                <a:cs typeface="Times New Roman" panose="02020603050405020304" pitchFamily="18" charset="0"/>
+              </a:rPr>
+              <a:t> </a:t>
+            </a:r>
+            <a:r>
+              <a:rPr lang="pt-BR" sz="1800" dirty="0" err="1">
+                <a:solidFill>
+                  <a:schemeClr val="tx1"/>
+                </a:solidFill>
+                <a:latin typeface="Times New Roman" panose="02020603050405020304" pitchFamily="18" charset="0"/>
+                <a:cs typeface="Times New Roman" panose="02020603050405020304" pitchFamily="18" charset="0"/>
+              </a:rPr>
+              <a:t>department</a:t>
+            </a:r>
+            <a:r>
+              <a:rPr lang="pt-BR" sz="1800" dirty="0">
+                <a:solidFill>
+                  <a:schemeClr val="tx1"/>
+                </a:solidFill>
+                <a:latin typeface="Times New Roman" panose="02020603050405020304" pitchFamily="18" charset="0"/>
+                <a:cs typeface="Times New Roman" panose="02020603050405020304" pitchFamily="18" charset="0"/>
+              </a:rPr>
+              <a:t> </a:t>
+            </a:r>
+            <a:r>
+              <a:rPr lang="pt-BR" sz="1800" dirty="0" err="1">
+                <a:solidFill>
+                  <a:schemeClr val="tx1"/>
+                </a:solidFill>
+                <a:latin typeface="Times New Roman" panose="02020603050405020304" pitchFamily="18" charset="0"/>
+                <a:cs typeface="Times New Roman" panose="02020603050405020304" pitchFamily="18" charset="0"/>
+              </a:rPr>
+              <a:t>where</a:t>
+            </a:r>
+            <a:r>
+              <a:rPr lang="pt-BR" sz="1800" dirty="0">
+                <a:solidFill>
+                  <a:schemeClr val="tx1"/>
+                </a:solidFill>
+                <a:latin typeface="Times New Roman" panose="02020603050405020304" pitchFamily="18" charset="0"/>
+                <a:cs typeface="Times New Roman" panose="02020603050405020304" pitchFamily="18" charset="0"/>
+              </a:rPr>
+              <a:t> Id = :id";</a:t>
+            </a:r>
+          </a:p>
+          <a:p>
+            <a:pPr marL="0" indent="0" algn="just">
+              <a:buNone/>
+            </a:pPr>
+            <a:r>
+              <a:rPr lang="pt-BR" sz="1800" dirty="0">
+                <a:solidFill>
+                  <a:schemeClr val="tx1"/>
+                </a:solidFill>
+                <a:latin typeface="Times New Roman" panose="02020603050405020304" pitchFamily="18" charset="0"/>
+                <a:cs typeface="Times New Roman" panose="02020603050405020304" pitchFamily="18" charset="0"/>
+              </a:rPr>
+              <a:t>    	$</a:t>
+            </a:r>
+            <a:r>
+              <a:rPr lang="pt-BR" sz="1800" b="1" dirty="0" err="1">
+                <a:solidFill>
+                  <a:schemeClr val="tx1"/>
+                </a:solidFill>
+                <a:latin typeface="Times New Roman" panose="02020603050405020304" pitchFamily="18" charset="0"/>
+                <a:cs typeface="Times New Roman" panose="02020603050405020304" pitchFamily="18" charset="0"/>
+              </a:rPr>
+              <a:t>stmt</a:t>
+            </a:r>
+            <a:r>
+              <a:rPr lang="pt-BR" sz="1800" dirty="0">
+                <a:solidFill>
+                  <a:schemeClr val="tx1"/>
+                </a:solidFill>
+                <a:latin typeface="Times New Roman" panose="02020603050405020304" pitchFamily="18" charset="0"/>
+                <a:cs typeface="Times New Roman" panose="02020603050405020304" pitchFamily="18" charset="0"/>
+              </a:rPr>
+              <a:t> = $</a:t>
+            </a:r>
+            <a:r>
+              <a:rPr lang="pt-BR" sz="1800" b="1" dirty="0" err="1">
+                <a:solidFill>
+                  <a:schemeClr val="tx1"/>
+                </a:solidFill>
+                <a:latin typeface="Times New Roman" panose="02020603050405020304" pitchFamily="18" charset="0"/>
+                <a:cs typeface="Times New Roman" panose="02020603050405020304" pitchFamily="18" charset="0"/>
+              </a:rPr>
+              <a:t>conn</a:t>
+            </a:r>
+            <a:r>
+              <a:rPr lang="pt-BR" sz="1800" b="1" dirty="0">
+                <a:solidFill>
+                  <a:schemeClr val="tx1"/>
+                </a:solidFill>
+                <a:latin typeface="Times New Roman" panose="02020603050405020304" pitchFamily="18" charset="0"/>
+                <a:cs typeface="Times New Roman" panose="02020603050405020304" pitchFamily="18" charset="0"/>
+              </a:rPr>
+              <a:t>-</a:t>
+            </a:r>
+            <a:r>
+              <a:rPr lang="pt-BR" sz="1800" dirty="0">
+                <a:solidFill>
+                  <a:schemeClr val="tx1"/>
+                </a:solidFill>
+                <a:latin typeface="Times New Roman" panose="02020603050405020304" pitchFamily="18" charset="0"/>
+                <a:cs typeface="Times New Roman" panose="02020603050405020304" pitchFamily="18" charset="0"/>
+              </a:rPr>
+              <a:t>&gt;</a:t>
+            </a:r>
+            <a:r>
+              <a:rPr lang="pt-BR" sz="1800" b="1" dirty="0">
+                <a:solidFill>
+                  <a:srgbClr val="FF0000"/>
+                </a:solidFill>
+                <a:latin typeface="Times New Roman" panose="02020603050405020304" pitchFamily="18" charset="0"/>
+                <a:cs typeface="Times New Roman" panose="02020603050405020304" pitchFamily="18" charset="0"/>
+              </a:rPr>
+              <a:t>prepare</a:t>
+            </a:r>
+            <a:r>
+              <a:rPr lang="pt-BR" sz="1800" dirty="0">
+                <a:solidFill>
+                  <a:schemeClr val="tx1"/>
+                </a:solidFill>
+                <a:latin typeface="Times New Roman" panose="02020603050405020304" pitchFamily="18" charset="0"/>
+                <a:cs typeface="Times New Roman" panose="02020603050405020304" pitchFamily="18" charset="0"/>
+              </a:rPr>
+              <a:t>($</a:t>
+            </a:r>
+            <a:r>
+              <a:rPr lang="pt-BR" sz="1800" b="1" dirty="0" err="1">
+                <a:solidFill>
+                  <a:srgbClr val="FF0000"/>
+                </a:solidFill>
+                <a:latin typeface="Times New Roman" panose="02020603050405020304" pitchFamily="18" charset="0"/>
+                <a:cs typeface="Times New Roman" panose="02020603050405020304" pitchFamily="18" charset="0"/>
+              </a:rPr>
+              <a:t>sql</a:t>
+            </a:r>
+            <a:r>
+              <a:rPr lang="pt-BR" sz="1800" dirty="0">
+                <a:solidFill>
+                  <a:schemeClr val="tx1"/>
+                </a:solidFill>
+                <a:latin typeface="Times New Roman" panose="02020603050405020304" pitchFamily="18" charset="0"/>
+                <a:cs typeface="Times New Roman" panose="02020603050405020304" pitchFamily="18" charset="0"/>
+              </a:rPr>
+              <a:t>);</a:t>
+            </a:r>
+          </a:p>
+          <a:p>
+            <a:pPr marL="0" indent="0" algn="just">
+              <a:buNone/>
+            </a:pPr>
+            <a:r>
+              <a:rPr lang="pt-BR" sz="1800" dirty="0">
+                <a:solidFill>
+                  <a:schemeClr val="tx1"/>
+                </a:solidFill>
+                <a:latin typeface="Times New Roman" panose="02020603050405020304" pitchFamily="18" charset="0"/>
+                <a:cs typeface="Times New Roman" panose="02020603050405020304" pitchFamily="18" charset="0"/>
+              </a:rPr>
+              <a:t>    	</a:t>
+            </a:r>
+            <a:r>
+              <a:rPr lang="pt-BR" sz="1800" b="1" dirty="0">
+                <a:solidFill>
+                  <a:schemeClr val="tx1"/>
+                </a:solidFill>
+                <a:latin typeface="Times New Roman" panose="02020603050405020304" pitchFamily="18" charset="0"/>
+                <a:cs typeface="Times New Roman" panose="02020603050405020304" pitchFamily="18" charset="0"/>
+              </a:rPr>
+              <a:t>$id </a:t>
+            </a:r>
+            <a:r>
+              <a:rPr lang="pt-BR" sz="1800" dirty="0">
+                <a:solidFill>
+                  <a:schemeClr val="tx1"/>
+                </a:solidFill>
+                <a:latin typeface="Times New Roman" panose="02020603050405020304" pitchFamily="18" charset="0"/>
+                <a:cs typeface="Times New Roman" panose="02020603050405020304" pitchFamily="18" charset="0"/>
+              </a:rPr>
+              <a:t>= 59; // </a:t>
+            </a:r>
+            <a:r>
+              <a:rPr lang="pt-BR" sz="1800" b="1" dirty="0">
+                <a:solidFill>
+                  <a:schemeClr val="tx1"/>
+                </a:solidFill>
+                <a:latin typeface="Times New Roman" panose="02020603050405020304" pitchFamily="18" charset="0"/>
+                <a:cs typeface="Times New Roman" panose="02020603050405020304" pitchFamily="18" charset="0"/>
+              </a:rPr>
+              <a:t>É o parâmetro que vem do formulário, $_GET[“Id”];</a:t>
+            </a:r>
+          </a:p>
+          <a:p>
+            <a:pPr marL="0" indent="0" algn="just">
+              <a:buNone/>
+            </a:pPr>
+            <a:r>
+              <a:rPr lang="pt-BR" sz="1800" dirty="0">
+                <a:solidFill>
+                  <a:schemeClr val="tx1"/>
+                </a:solidFill>
+                <a:latin typeface="Times New Roman" panose="02020603050405020304" pitchFamily="18" charset="0"/>
+                <a:cs typeface="Times New Roman" panose="02020603050405020304" pitchFamily="18" charset="0"/>
+              </a:rPr>
+              <a:t>    	$</a:t>
+            </a:r>
+            <a:r>
+              <a:rPr lang="pt-BR" sz="1800" dirty="0" err="1">
+                <a:solidFill>
+                  <a:schemeClr val="tx1"/>
+                </a:solidFill>
+                <a:latin typeface="Times New Roman" panose="02020603050405020304" pitchFamily="18" charset="0"/>
+                <a:cs typeface="Times New Roman" panose="02020603050405020304" pitchFamily="18" charset="0"/>
+              </a:rPr>
+              <a:t>stmt</a:t>
+            </a:r>
+            <a:r>
+              <a:rPr lang="pt-BR" sz="1800" dirty="0">
+                <a:solidFill>
+                  <a:schemeClr val="tx1"/>
+                </a:solidFill>
+                <a:latin typeface="Times New Roman" panose="02020603050405020304" pitchFamily="18" charset="0"/>
+                <a:cs typeface="Times New Roman" panose="02020603050405020304" pitchFamily="18" charset="0"/>
+              </a:rPr>
+              <a:t>-&gt;</a:t>
+            </a:r>
+            <a:r>
+              <a:rPr lang="pt-BR" sz="1800" b="1" dirty="0" err="1">
+                <a:solidFill>
+                  <a:srgbClr val="FF0000"/>
+                </a:solidFill>
+                <a:latin typeface="Times New Roman" panose="02020603050405020304" pitchFamily="18" charset="0"/>
+                <a:cs typeface="Times New Roman" panose="02020603050405020304" pitchFamily="18" charset="0"/>
+              </a:rPr>
+              <a:t>bindValue</a:t>
+            </a:r>
+            <a:r>
+              <a:rPr lang="pt-BR" sz="1800" dirty="0">
+                <a:solidFill>
+                  <a:schemeClr val="tx1"/>
+                </a:solidFill>
+                <a:latin typeface="Times New Roman" panose="02020603050405020304" pitchFamily="18" charset="0"/>
+                <a:cs typeface="Times New Roman" panose="02020603050405020304" pitchFamily="18" charset="0"/>
+              </a:rPr>
+              <a:t>(':id', $id); //$</a:t>
+            </a:r>
+            <a:r>
+              <a:rPr lang="pt-BR" sz="1800" dirty="0" err="1">
+                <a:solidFill>
+                  <a:schemeClr val="tx1"/>
+                </a:solidFill>
+                <a:latin typeface="Times New Roman" panose="02020603050405020304" pitchFamily="18" charset="0"/>
+                <a:cs typeface="Times New Roman" panose="02020603050405020304" pitchFamily="18" charset="0"/>
+              </a:rPr>
+              <a:t>stmt</a:t>
+            </a:r>
+            <a:r>
+              <a:rPr lang="pt-BR" sz="1800" dirty="0">
+                <a:solidFill>
+                  <a:schemeClr val="tx1"/>
+                </a:solidFill>
+                <a:latin typeface="Times New Roman" panose="02020603050405020304" pitchFamily="18" charset="0"/>
+                <a:cs typeface="Times New Roman" panose="02020603050405020304" pitchFamily="18" charset="0"/>
+              </a:rPr>
+              <a:t>-&gt;</a:t>
+            </a:r>
+            <a:r>
+              <a:rPr lang="pt-BR" sz="1800" b="1" dirty="0" err="1">
+                <a:solidFill>
+                  <a:schemeClr val="tx1"/>
+                </a:solidFill>
+                <a:latin typeface="Times New Roman" panose="02020603050405020304" pitchFamily="18" charset="0"/>
+                <a:cs typeface="Times New Roman" panose="02020603050405020304" pitchFamily="18" charset="0"/>
+              </a:rPr>
+              <a:t>BindParam</a:t>
+            </a:r>
+            <a:r>
+              <a:rPr lang="pt-BR" sz="1800" dirty="0">
+                <a:solidFill>
+                  <a:schemeClr val="tx1"/>
+                </a:solidFill>
+                <a:latin typeface="Times New Roman" panose="02020603050405020304" pitchFamily="18" charset="0"/>
+                <a:cs typeface="Times New Roman" panose="02020603050405020304" pitchFamily="18" charset="0"/>
+              </a:rPr>
+              <a:t>('</a:t>
+            </a:r>
+            <a:r>
+              <a:rPr lang="pt-BR" sz="1800" b="1" dirty="0">
+                <a:solidFill>
+                  <a:schemeClr val="tx1"/>
+                </a:solidFill>
+                <a:latin typeface="Times New Roman" panose="02020603050405020304" pitchFamily="18" charset="0"/>
+                <a:cs typeface="Times New Roman" panose="02020603050405020304" pitchFamily="18" charset="0"/>
+              </a:rPr>
+              <a:t>id</a:t>
+            </a:r>
+            <a:r>
+              <a:rPr lang="pt-BR" sz="1800" dirty="0">
+                <a:solidFill>
+                  <a:schemeClr val="tx1"/>
+                </a:solidFill>
+                <a:latin typeface="Times New Roman" panose="02020603050405020304" pitchFamily="18" charset="0"/>
+                <a:cs typeface="Times New Roman" panose="02020603050405020304" pitchFamily="18" charset="0"/>
+              </a:rPr>
+              <a:t>', </a:t>
+            </a:r>
+            <a:r>
+              <a:rPr lang="pt-BR" sz="1800" b="1" dirty="0">
+                <a:solidFill>
+                  <a:srgbClr val="FF0000"/>
+                </a:solidFill>
+                <a:latin typeface="Times New Roman" panose="02020603050405020304" pitchFamily="18" charset="0"/>
+                <a:cs typeface="Times New Roman" panose="02020603050405020304" pitchFamily="18" charset="0"/>
+              </a:rPr>
+              <a:t>$id</a:t>
+            </a:r>
+            <a:r>
+              <a:rPr lang="pt-BR" sz="1800" dirty="0">
+                <a:solidFill>
+                  <a:schemeClr val="tx1"/>
+                </a:solidFill>
+                <a:latin typeface="Times New Roman" panose="02020603050405020304" pitchFamily="18" charset="0"/>
+                <a:cs typeface="Times New Roman" panose="02020603050405020304" pitchFamily="18" charset="0"/>
+              </a:rPr>
+              <a:t>, </a:t>
+            </a:r>
+            <a:r>
+              <a:rPr lang="pt-BR" sz="1800" b="1" dirty="0">
+                <a:solidFill>
+                  <a:schemeClr val="tx1"/>
+                </a:solidFill>
+                <a:latin typeface="Times New Roman" panose="02020603050405020304" pitchFamily="18" charset="0"/>
+                <a:cs typeface="Times New Roman" panose="02020603050405020304" pitchFamily="18" charset="0"/>
+              </a:rPr>
+              <a:t>PDO::PARAM_INT</a:t>
+            </a:r>
+            <a:r>
+              <a:rPr lang="pt-BR" sz="1800" dirty="0">
+                <a:solidFill>
+                  <a:schemeClr val="tx1"/>
+                </a:solidFill>
+                <a:latin typeface="Times New Roman" panose="02020603050405020304" pitchFamily="18" charset="0"/>
+                <a:cs typeface="Times New Roman" panose="02020603050405020304" pitchFamily="18" charset="0"/>
+              </a:rPr>
+              <a:t>);</a:t>
+            </a:r>
+          </a:p>
+          <a:p>
+            <a:pPr marL="0" indent="0" algn="just">
+              <a:buNone/>
+            </a:pPr>
+            <a:r>
+              <a:rPr lang="pt-BR" sz="1800" dirty="0">
+                <a:solidFill>
+                  <a:schemeClr val="tx1"/>
+                </a:solidFill>
+                <a:latin typeface="Times New Roman" panose="02020603050405020304" pitchFamily="18" charset="0"/>
+                <a:cs typeface="Times New Roman" panose="02020603050405020304" pitchFamily="18" charset="0"/>
+              </a:rPr>
+              <a:t>    	</a:t>
+            </a:r>
+            <a:r>
+              <a:rPr lang="pt-BR" sz="1800" b="1" dirty="0" err="1">
+                <a:solidFill>
+                  <a:schemeClr val="tx1"/>
+                </a:solidFill>
+                <a:latin typeface="Times New Roman" panose="02020603050405020304" pitchFamily="18" charset="0"/>
+                <a:cs typeface="Times New Roman" panose="02020603050405020304" pitchFamily="18" charset="0"/>
+              </a:rPr>
+              <a:t>if</a:t>
+            </a:r>
+            <a:r>
+              <a:rPr lang="pt-BR" sz="1800" dirty="0">
+                <a:solidFill>
+                  <a:schemeClr val="tx1"/>
+                </a:solidFill>
+                <a:latin typeface="Times New Roman" panose="02020603050405020304" pitchFamily="18" charset="0"/>
+                <a:cs typeface="Times New Roman" panose="02020603050405020304" pitchFamily="18" charset="0"/>
+              </a:rPr>
+              <a:t> ($</a:t>
+            </a:r>
+            <a:r>
+              <a:rPr lang="pt-BR" sz="1800" b="1" dirty="0" err="1">
+                <a:solidFill>
+                  <a:schemeClr val="tx1"/>
+                </a:solidFill>
+                <a:latin typeface="Times New Roman" panose="02020603050405020304" pitchFamily="18" charset="0"/>
+                <a:cs typeface="Times New Roman" panose="02020603050405020304" pitchFamily="18" charset="0"/>
+              </a:rPr>
+              <a:t>stmt</a:t>
+            </a:r>
+            <a:r>
+              <a:rPr lang="pt-BR" sz="1800" b="1" dirty="0">
+                <a:solidFill>
+                  <a:schemeClr val="tx1"/>
+                </a:solidFill>
+                <a:latin typeface="Times New Roman" panose="02020603050405020304" pitchFamily="18" charset="0"/>
+                <a:cs typeface="Times New Roman" panose="02020603050405020304" pitchFamily="18" charset="0"/>
+              </a:rPr>
+              <a:t>-</a:t>
+            </a:r>
+            <a:r>
+              <a:rPr lang="pt-BR" sz="1800" dirty="0">
+                <a:solidFill>
+                  <a:schemeClr val="tx1"/>
+                </a:solidFill>
+                <a:latin typeface="Times New Roman" panose="02020603050405020304" pitchFamily="18" charset="0"/>
+                <a:cs typeface="Times New Roman" panose="02020603050405020304" pitchFamily="18" charset="0"/>
+              </a:rPr>
+              <a:t>&gt;</a:t>
+            </a:r>
+            <a:r>
+              <a:rPr lang="pt-BR" sz="1800" b="1" dirty="0">
+                <a:solidFill>
+                  <a:srgbClr val="FF0000"/>
+                </a:solidFill>
+                <a:latin typeface="Times New Roman" panose="02020603050405020304" pitchFamily="18" charset="0"/>
+                <a:cs typeface="Times New Roman" panose="02020603050405020304" pitchFamily="18" charset="0"/>
+              </a:rPr>
+              <a:t>execute</a:t>
+            </a:r>
+            <a:r>
+              <a:rPr lang="pt-BR" sz="1800" dirty="0">
+                <a:solidFill>
+                  <a:schemeClr val="tx1"/>
+                </a:solidFill>
+                <a:latin typeface="Times New Roman" panose="02020603050405020304" pitchFamily="18" charset="0"/>
+                <a:cs typeface="Times New Roman" panose="02020603050405020304" pitchFamily="18" charset="0"/>
+              </a:rPr>
+              <a:t>() === </a:t>
+            </a:r>
+            <a:r>
+              <a:rPr lang="pt-BR" sz="1800" dirty="0" err="1">
+                <a:solidFill>
+                  <a:schemeClr val="tx1"/>
+                </a:solidFill>
+                <a:latin typeface="Times New Roman" panose="02020603050405020304" pitchFamily="18" charset="0"/>
+                <a:cs typeface="Times New Roman" panose="02020603050405020304" pitchFamily="18" charset="0"/>
+              </a:rPr>
+              <a:t>true</a:t>
+            </a:r>
+            <a:r>
+              <a:rPr lang="pt-BR" sz="1800" dirty="0">
+                <a:solidFill>
+                  <a:schemeClr val="tx1"/>
+                </a:solidFill>
+                <a:latin typeface="Times New Roman" panose="02020603050405020304" pitchFamily="18" charset="0"/>
+                <a:cs typeface="Times New Roman" panose="02020603050405020304" pitchFamily="18" charset="0"/>
+              </a:rPr>
+              <a:t>) {</a:t>
+            </a:r>
+          </a:p>
+          <a:p>
+            <a:pPr marL="0" indent="0" algn="just">
+              <a:buNone/>
+            </a:pPr>
+            <a:r>
+              <a:rPr lang="pt-BR" sz="1800" dirty="0">
+                <a:solidFill>
+                  <a:schemeClr val="tx1"/>
+                </a:solidFill>
+                <a:latin typeface="Times New Roman" panose="02020603050405020304" pitchFamily="18" charset="0"/>
+                <a:cs typeface="Times New Roman" panose="02020603050405020304" pitchFamily="18" charset="0"/>
+              </a:rPr>
+              <a:t>      	    </a:t>
+            </a:r>
+            <a:r>
+              <a:rPr lang="pt-BR" sz="1800" b="1" dirty="0" err="1">
+                <a:solidFill>
+                  <a:schemeClr val="tx1"/>
+                </a:solidFill>
+                <a:latin typeface="Times New Roman" panose="02020603050405020304" pitchFamily="18" charset="0"/>
+                <a:cs typeface="Times New Roman" panose="02020603050405020304" pitchFamily="18" charset="0"/>
+              </a:rPr>
+              <a:t>echo</a:t>
+            </a:r>
+            <a:r>
+              <a:rPr lang="pt-BR" sz="1800" dirty="0">
+                <a:solidFill>
+                  <a:schemeClr val="tx1"/>
+                </a:solidFill>
+                <a:latin typeface="Times New Roman" panose="02020603050405020304" pitchFamily="18" charset="0"/>
+                <a:cs typeface="Times New Roman" panose="02020603050405020304" pitchFamily="18" charset="0"/>
+              </a:rPr>
+              <a:t> ('Excluído com sucesso!!!’); }</a:t>
+            </a:r>
+          </a:p>
+          <a:p>
+            <a:pPr marL="0" indent="0" algn="just">
+              <a:buNone/>
+            </a:pPr>
+            <a:r>
+              <a:rPr lang="pt-BR" sz="1800" dirty="0">
+                <a:solidFill>
+                  <a:schemeClr val="tx1"/>
+                </a:solidFill>
+                <a:latin typeface="Times New Roman" panose="02020603050405020304" pitchFamily="18" charset="0"/>
+                <a:cs typeface="Times New Roman" panose="02020603050405020304" pitchFamily="18" charset="0"/>
+              </a:rPr>
+              <a:t>  }   </a:t>
+            </a:r>
+            <a:r>
+              <a:rPr lang="pt-BR" sz="1800" b="1" dirty="0">
+                <a:solidFill>
+                  <a:schemeClr val="tx1"/>
+                </a:solidFill>
+                <a:latin typeface="Times New Roman" panose="02020603050405020304" pitchFamily="18" charset="0"/>
+                <a:cs typeface="Times New Roman" panose="02020603050405020304" pitchFamily="18" charset="0"/>
+              </a:rPr>
+              <a:t>catch</a:t>
+            </a:r>
+            <a:r>
+              <a:rPr lang="pt-BR" sz="1800" dirty="0">
+                <a:solidFill>
+                  <a:schemeClr val="tx1"/>
+                </a:solidFill>
+                <a:latin typeface="Times New Roman" panose="02020603050405020304" pitchFamily="18" charset="0"/>
+                <a:cs typeface="Times New Roman" panose="02020603050405020304" pitchFamily="18" charset="0"/>
+              </a:rPr>
+              <a:t> (</a:t>
+            </a:r>
+            <a:r>
+              <a:rPr lang="pt-BR" sz="1800" b="1" dirty="0" err="1">
+                <a:solidFill>
+                  <a:srgbClr val="FF0000"/>
+                </a:solidFill>
+                <a:latin typeface="Times New Roman" panose="02020603050405020304" pitchFamily="18" charset="0"/>
+                <a:cs typeface="Times New Roman" panose="02020603050405020304" pitchFamily="18" charset="0"/>
+              </a:rPr>
+              <a:t>PDOException</a:t>
+            </a:r>
+            <a:r>
+              <a:rPr lang="pt-BR" sz="1800" dirty="0">
+                <a:solidFill>
+                  <a:schemeClr val="tx1"/>
+                </a:solidFill>
+                <a:latin typeface="Times New Roman" panose="02020603050405020304" pitchFamily="18" charset="0"/>
+                <a:cs typeface="Times New Roman" panose="02020603050405020304" pitchFamily="18" charset="0"/>
+              </a:rPr>
+              <a:t> $e) { </a:t>
+            </a:r>
+            <a:r>
+              <a:rPr lang="en-US" sz="1800" b="1" dirty="0">
+                <a:solidFill>
+                  <a:schemeClr val="tx1"/>
+                </a:solidFill>
+                <a:latin typeface="Times New Roman" panose="02020603050405020304" pitchFamily="18" charset="0"/>
+                <a:cs typeface="Times New Roman" panose="02020603050405020304" pitchFamily="18" charset="0"/>
+              </a:rPr>
+              <a:t>//</a:t>
+            </a:r>
+            <a:r>
+              <a:rPr lang="en-US" sz="1800" dirty="0">
+                <a:solidFill>
+                  <a:schemeClr val="tx1"/>
+                </a:solidFill>
+                <a:latin typeface="Times New Roman" panose="02020603050405020304" pitchFamily="18" charset="0"/>
+                <a:cs typeface="Times New Roman" panose="02020603050405020304" pitchFamily="18" charset="0"/>
+              </a:rPr>
+              <a:t>  $</a:t>
+            </a:r>
+            <a:r>
+              <a:rPr lang="en-US" sz="1800" b="1" dirty="0">
+                <a:solidFill>
+                  <a:schemeClr val="tx1"/>
+                </a:solidFill>
+                <a:latin typeface="Times New Roman" panose="02020603050405020304" pitchFamily="18" charset="0"/>
+                <a:cs typeface="Times New Roman" panose="02020603050405020304" pitchFamily="18" charset="0"/>
+              </a:rPr>
+              <a:t>row</a:t>
+            </a:r>
+            <a:r>
+              <a:rPr lang="en-US" sz="1800" dirty="0">
+                <a:solidFill>
+                  <a:schemeClr val="tx1"/>
+                </a:solidFill>
+                <a:latin typeface="Times New Roman" panose="02020603050405020304" pitchFamily="18" charset="0"/>
+                <a:cs typeface="Times New Roman" panose="02020603050405020304" pitchFamily="18" charset="0"/>
+              </a:rPr>
+              <a:t> = $</a:t>
+            </a:r>
+            <a:r>
+              <a:rPr lang="en-US" sz="1800" b="1" dirty="0" err="1">
+                <a:solidFill>
+                  <a:schemeClr val="tx1"/>
+                </a:solidFill>
+                <a:latin typeface="Times New Roman" panose="02020603050405020304" pitchFamily="18" charset="0"/>
+                <a:cs typeface="Times New Roman" panose="02020603050405020304" pitchFamily="18" charset="0"/>
+              </a:rPr>
+              <a:t>stmt</a:t>
+            </a:r>
+            <a:r>
+              <a:rPr lang="en-US" sz="1800" b="1" dirty="0">
+                <a:solidFill>
+                  <a:schemeClr val="tx1"/>
+                </a:solidFill>
+                <a:latin typeface="Times New Roman" panose="02020603050405020304" pitchFamily="18" charset="0"/>
+                <a:cs typeface="Times New Roman" panose="02020603050405020304" pitchFamily="18" charset="0"/>
+              </a:rPr>
+              <a:t>-</a:t>
+            </a:r>
+            <a:r>
+              <a:rPr lang="en-US" sz="1800" dirty="0">
+                <a:solidFill>
+                  <a:schemeClr val="tx1"/>
+                </a:solidFill>
+                <a:latin typeface="Times New Roman" panose="02020603050405020304" pitchFamily="18" charset="0"/>
+                <a:cs typeface="Times New Roman" panose="02020603050405020304" pitchFamily="18" charset="0"/>
+              </a:rPr>
+              <a:t>&gt;</a:t>
+            </a:r>
+            <a:r>
+              <a:rPr lang="en-US" sz="1800" b="1" dirty="0">
+                <a:solidFill>
+                  <a:schemeClr val="tx1"/>
+                </a:solidFill>
+                <a:latin typeface="Times New Roman" panose="02020603050405020304" pitchFamily="18" charset="0"/>
+                <a:cs typeface="Times New Roman" panose="02020603050405020304" pitchFamily="18" charset="0"/>
+              </a:rPr>
+              <a:t>fetch</a:t>
+            </a:r>
+            <a:r>
+              <a:rPr lang="en-US" sz="1800" dirty="0">
+                <a:solidFill>
+                  <a:schemeClr val="tx1"/>
+                </a:solidFill>
+                <a:latin typeface="Times New Roman" panose="02020603050405020304" pitchFamily="18" charset="0"/>
+                <a:cs typeface="Times New Roman" panose="02020603050405020304" pitchFamily="18" charset="0"/>
+              </a:rPr>
+              <a:t>(</a:t>
+            </a:r>
+            <a:r>
+              <a:rPr lang="en-US" sz="1800" b="1" dirty="0">
+                <a:solidFill>
+                  <a:srgbClr val="FF0000"/>
+                </a:solidFill>
+                <a:latin typeface="Times New Roman" panose="02020603050405020304" pitchFamily="18" charset="0"/>
+                <a:cs typeface="Times New Roman" panose="02020603050405020304" pitchFamily="18" charset="0"/>
+              </a:rPr>
+              <a:t>PDO::FETCH_ASSOC</a:t>
+            </a:r>
+            <a:r>
+              <a:rPr lang="en-US" sz="1800" dirty="0">
+                <a:solidFill>
+                  <a:schemeClr val="tx1"/>
+                </a:solidFill>
+                <a:latin typeface="Times New Roman" panose="02020603050405020304" pitchFamily="18" charset="0"/>
+                <a:cs typeface="Times New Roman" panose="02020603050405020304" pitchFamily="18" charset="0"/>
+              </a:rPr>
+              <a:t>);</a:t>
+            </a:r>
+            <a:endParaRPr lang="pt-BR" sz="1800" dirty="0">
+              <a:solidFill>
+                <a:schemeClr val="tx1"/>
+              </a:solidFill>
               <a:latin typeface="Times New Roman" panose="02020603050405020304" pitchFamily="18" charset="0"/>
               <a:cs typeface="Times New Roman" panose="02020603050405020304" pitchFamily="18" charset="0"/>
             </a:endParaRPr>
@@ -38669,141 +40623,132 @@
               <a:buNone/>
             </a:pPr>
             <a:r>
-              <a:rPr lang="pt-BR" sz="2000" dirty="0">
-                <a:latin typeface="Times New Roman" panose="02020603050405020304" pitchFamily="18" charset="0"/>
-                <a:cs typeface="Times New Roman" panose="02020603050405020304" pitchFamily="18" charset="0"/>
-              </a:rPr>
-              <a:t>[1] </a:t>
-            </a:r>
-            <a:r>
-              <a:rPr lang="pt-BR" sz="2000" b="1" dirty="0">
-                <a:latin typeface="Times New Roman" panose="02020603050405020304" pitchFamily="18" charset="0"/>
-                <a:cs typeface="Times New Roman" panose="02020603050405020304" pitchFamily="18" charset="0"/>
-              </a:rPr>
-              <a:t>PHP</a:t>
-            </a:r>
-          </a:p>
-          <a:p>
-            <a:pPr marL="0" indent="0" algn="just">
-              <a:buNone/>
-            </a:pPr>
-            <a:r>
-              <a:rPr lang="pt-BR" sz="2000" b="1" dirty="0">
-                <a:latin typeface="Times New Roman" panose="02020603050405020304" pitchFamily="18" charset="0"/>
-                <a:cs typeface="Times New Roman" panose="02020603050405020304" pitchFamily="18" charset="0"/>
-              </a:rPr>
-              <a:t>	Disponível em</a:t>
-            </a:r>
-            <a:r>
-              <a:rPr lang="pt-BR" sz="2000" dirty="0">
-                <a:latin typeface="Times New Roman" panose="02020603050405020304" pitchFamily="18" charset="0"/>
-                <a:cs typeface="Times New Roman" panose="02020603050405020304" pitchFamily="18" charset="0"/>
-              </a:rPr>
-              <a:t>: </a:t>
-            </a:r>
-            <a:r>
-              <a:rPr lang="pt-BR" sz="2000" dirty="0">
-                <a:latin typeface="Times New Roman" panose="02020603050405020304" pitchFamily="18" charset="0"/>
-                <a:cs typeface="Times New Roman" panose="02020603050405020304" pitchFamily="18" charset="0"/>
-                <a:hlinkClick r:id="rId3"/>
-              </a:rPr>
-              <a:t>https://www.php.net/</a:t>
-            </a:r>
-            <a:endParaRPr lang="pt-BR" sz="2000" dirty="0">
-              <a:latin typeface="Times New Roman" panose="02020603050405020304" pitchFamily="18" charset="0"/>
-              <a:cs typeface="Times New Roman" panose="02020603050405020304" pitchFamily="18" charset="0"/>
-            </a:endParaRPr>
-          </a:p>
-          <a:p>
-            <a:pPr marL="0" indent="0" algn="just">
-              <a:buNone/>
-            </a:pPr>
-            <a:endParaRPr lang="pt-BR" sz="2000" dirty="0">
-              <a:latin typeface="Times New Roman" panose="02020603050405020304" pitchFamily="18" charset="0"/>
-              <a:cs typeface="Times New Roman" panose="02020603050405020304" pitchFamily="18" charset="0"/>
-            </a:endParaRPr>
-          </a:p>
-          <a:p>
-            <a:pPr marL="0" indent="0" algn="just">
-              <a:buNone/>
-            </a:pPr>
-            <a:endParaRPr lang="pt-BR" sz="2000" dirty="0">
-              <a:latin typeface="Times New Roman" panose="02020603050405020304" pitchFamily="18" charset="0"/>
-              <a:cs typeface="Times New Roman" panose="02020603050405020304" pitchFamily="18" charset="0"/>
-            </a:endParaRPr>
-          </a:p>
-          <a:p>
-            <a:pPr marL="0" indent="0" algn="just">
-              <a:buNone/>
-            </a:pPr>
-            <a:r>
-              <a:rPr lang="pt-BR" sz="2000" dirty="0">
-                <a:latin typeface="Times New Roman" panose="02020603050405020304" pitchFamily="18" charset="0"/>
-                <a:cs typeface="Times New Roman" panose="02020603050405020304" pitchFamily="18" charset="0"/>
-              </a:rPr>
-              <a:t>[2] </a:t>
-            </a:r>
-            <a:r>
-              <a:rPr lang="pt-BR" sz="2000" b="1" dirty="0">
-                <a:latin typeface="Times New Roman" panose="02020603050405020304" pitchFamily="18" charset="0"/>
-                <a:cs typeface="Times New Roman" panose="02020603050405020304" pitchFamily="18" charset="0"/>
-              </a:rPr>
-              <a:t>W3Schools</a:t>
-            </a:r>
-          </a:p>
-          <a:p>
-            <a:pPr marL="0" indent="0" algn="just">
-              <a:buNone/>
-            </a:pPr>
-            <a:r>
-              <a:rPr lang="pt-BR" sz="2000" dirty="0">
-                <a:latin typeface="Times New Roman" panose="02020603050405020304" pitchFamily="18" charset="0"/>
-                <a:cs typeface="Times New Roman" panose="02020603050405020304" pitchFamily="18" charset="0"/>
-              </a:rPr>
-              <a:t>	</a:t>
-            </a:r>
-            <a:r>
-              <a:rPr lang="pt-BR" sz="2000" b="1" dirty="0">
-                <a:latin typeface="Times New Roman" panose="02020603050405020304" pitchFamily="18" charset="0"/>
-                <a:cs typeface="Times New Roman" panose="02020603050405020304" pitchFamily="18" charset="0"/>
-              </a:rPr>
-              <a:t> Disponível em</a:t>
-            </a:r>
-            <a:r>
-              <a:rPr lang="pt-BR" sz="2000" dirty="0">
-                <a:latin typeface="Times New Roman" panose="02020603050405020304" pitchFamily="18" charset="0"/>
-                <a:cs typeface="Times New Roman" panose="02020603050405020304" pitchFamily="18" charset="0"/>
-              </a:rPr>
-              <a:t>: </a:t>
-            </a:r>
-            <a:r>
-              <a:rPr lang="pt-BR" sz="2000" dirty="0">
-                <a:latin typeface="Times New Roman" panose="02020603050405020304" pitchFamily="18" charset="0"/>
-                <a:cs typeface="Times New Roman" panose="02020603050405020304" pitchFamily="18" charset="0"/>
-                <a:hlinkClick r:id="rId4"/>
-              </a:rPr>
-              <a:t>https://www.w3schools.com/php/default.asp</a:t>
-            </a:r>
-            <a:endParaRPr lang="pt-BR" sz="2000" dirty="0">
-              <a:latin typeface="Times New Roman" panose="02020603050405020304" pitchFamily="18" charset="0"/>
-              <a:cs typeface="Times New Roman" panose="02020603050405020304" pitchFamily="18" charset="0"/>
-            </a:endParaRPr>
-          </a:p>
-          <a:p>
-            <a:pPr marL="0" indent="0" algn="just">
-              <a:buNone/>
-            </a:pPr>
-            <a:endParaRPr lang="pt-BR" sz="2000" dirty="0">
-              <a:latin typeface="Times New Roman" panose="02020603050405020304" pitchFamily="18" charset="0"/>
-              <a:cs typeface="Times New Roman" panose="02020603050405020304" pitchFamily="18" charset="0"/>
-            </a:endParaRPr>
+              <a:rPr lang="pt-BR" sz="1800" dirty="0">
+                <a:solidFill>
+                  <a:schemeClr val="tx1"/>
+                </a:solidFill>
+                <a:latin typeface="Times New Roman" panose="02020603050405020304" pitchFamily="18" charset="0"/>
+                <a:cs typeface="Times New Roman" panose="02020603050405020304" pitchFamily="18" charset="0"/>
+              </a:rPr>
+              <a:t>    	        </a:t>
+            </a:r>
+            <a:r>
+              <a:rPr lang="pt-BR" sz="1800" b="1" dirty="0">
+                <a:solidFill>
+                  <a:schemeClr val="tx1"/>
+                </a:solidFill>
+                <a:latin typeface="Times New Roman" panose="02020603050405020304" pitchFamily="18" charset="0"/>
+                <a:cs typeface="Times New Roman" panose="02020603050405020304" pitchFamily="18" charset="0"/>
+              </a:rPr>
+              <a:t>die</a:t>
+            </a:r>
+            <a:r>
+              <a:rPr lang="pt-BR" sz="1800" dirty="0">
+                <a:solidFill>
+                  <a:schemeClr val="tx1"/>
+                </a:solidFill>
+                <a:latin typeface="Times New Roman" panose="02020603050405020304" pitchFamily="18" charset="0"/>
+                <a:cs typeface="Times New Roman" panose="02020603050405020304" pitchFamily="18" charset="0"/>
+              </a:rPr>
+              <a:t>("Erro no delete no BD");  } $</a:t>
+            </a:r>
+            <a:r>
+              <a:rPr lang="pt-BR" sz="1800" b="1" dirty="0" err="1">
+                <a:solidFill>
+                  <a:schemeClr val="tx1"/>
+                </a:solidFill>
+                <a:latin typeface="Times New Roman" panose="02020603050405020304" pitchFamily="18" charset="0"/>
+                <a:cs typeface="Times New Roman" panose="02020603050405020304" pitchFamily="18" charset="0"/>
+              </a:rPr>
+              <a:t>conn</a:t>
+            </a:r>
+            <a:r>
+              <a:rPr lang="pt-BR" sz="1800" dirty="0">
+                <a:solidFill>
+                  <a:schemeClr val="tx1"/>
+                </a:solidFill>
+                <a:latin typeface="Times New Roman" panose="02020603050405020304" pitchFamily="18" charset="0"/>
+                <a:cs typeface="Times New Roman" panose="02020603050405020304" pitchFamily="18" charset="0"/>
+              </a:rPr>
+              <a:t> = </a:t>
+            </a:r>
+            <a:r>
+              <a:rPr lang="pt-BR" sz="1800" b="1" dirty="0">
+                <a:solidFill>
+                  <a:srgbClr val="FF0000"/>
+                </a:solidFill>
+                <a:latin typeface="Times New Roman" panose="02020603050405020304" pitchFamily="18" charset="0"/>
+                <a:cs typeface="Times New Roman" panose="02020603050405020304" pitchFamily="18" charset="0"/>
+              </a:rPr>
+              <a:t>NULL</a:t>
+            </a:r>
+            <a:r>
+              <a:rPr lang="pt-BR" sz="1800" dirty="0">
+                <a:solidFill>
+                  <a:schemeClr val="tx1"/>
+                </a:solidFill>
+                <a:latin typeface="Times New Roman" panose="02020603050405020304" pitchFamily="18" charset="0"/>
+                <a:cs typeface="Times New Roman" panose="02020603050405020304" pitchFamily="18" charset="0"/>
+              </a:rPr>
+              <a:t>;  </a:t>
+            </a:r>
+            <a:r>
+              <a:rPr lang="pt-BR" sz="1800" b="1" dirty="0">
+                <a:solidFill>
+                  <a:schemeClr val="tx1"/>
+                </a:solidFill>
+                <a:latin typeface="Times New Roman" panose="02020603050405020304" pitchFamily="18" charset="0"/>
+                <a:cs typeface="Times New Roman" panose="02020603050405020304" pitchFamily="18" charset="0"/>
+              </a:rPr>
+              <a:t>?&gt; </a:t>
+            </a:r>
+            <a:r>
+              <a:rPr lang="pt-BR" sz="1800" dirty="0">
+                <a:solidFill>
+                  <a:schemeClr val="tx1"/>
+                </a:solidFill>
+                <a:latin typeface="Times New Roman" panose="02020603050405020304" pitchFamily="18" charset="0"/>
+                <a:cs typeface="Times New Roman" panose="02020603050405020304" pitchFamily="18" charset="0"/>
+              </a:rPr>
+              <a:t>// </a:t>
+            </a:r>
+            <a:r>
+              <a:rPr lang="pt-BR" sz="1800" b="1" dirty="0">
+                <a:solidFill>
+                  <a:schemeClr val="tx1"/>
+                </a:solidFill>
+                <a:latin typeface="Times New Roman" panose="02020603050405020304" pitchFamily="18" charset="0"/>
+                <a:cs typeface="Times New Roman" panose="02020603050405020304" pitchFamily="18" charset="0"/>
+              </a:rPr>
+              <a:t>.$e-&gt;</a:t>
+            </a:r>
+            <a:r>
+              <a:rPr lang="pt-BR" sz="1800" b="1" dirty="0" err="1">
+                <a:solidFill>
+                  <a:schemeClr val="tx1"/>
+                </a:solidFill>
+                <a:latin typeface="Times New Roman" panose="02020603050405020304" pitchFamily="18" charset="0"/>
+                <a:cs typeface="Times New Roman" panose="02020603050405020304" pitchFamily="18" charset="0"/>
+              </a:rPr>
+              <a:t>getMessage</a:t>
+            </a:r>
+            <a:r>
+              <a:rPr lang="pt-BR" sz="1800" b="1" dirty="0">
+                <a:solidFill>
+                  <a:schemeClr val="tx1"/>
+                </a:solidFill>
+                <a:latin typeface="Times New Roman" panose="02020603050405020304" pitchFamily="18" charset="0"/>
+                <a:cs typeface="Times New Roman" panose="02020603050405020304" pitchFamily="18" charset="0"/>
+              </a:rPr>
+              <a:t>();</a:t>
+            </a:r>
           </a:p>
         </p:txBody>
       </p:sp>
     </p:spTree>
     <p:extLst>
       <p:ext uri="{BB962C8B-B14F-4D97-AF65-F5344CB8AC3E}">
-        <p14:creationId xmlns:p14="http://schemas.microsoft.com/office/powerpoint/2010/main" val="3680270425"/>
+        <p14:creationId xmlns:p14="http://schemas.microsoft.com/office/powerpoint/2010/main" val="3880359361"/>
       </p:ext>
     </p:extLst>
   </p:cSld>
@@ -38854,12 +40799,20 @@
           <a:lstStyle/>
           <a:p>
             <a:r>
+              <a:rPr lang="en-US" b="1" dirty="0">
+                <a:solidFill>
+                  <a:srgbClr val="0070C0"/>
+                </a:solidFill>
+              </a:rPr>
+              <a:t>PHP – MySQL </a:t>
+            </a:r>
+            <a:r>
               <a:rPr lang="en-US" b="1" dirty="0" err="1">
                 <a:solidFill>
                   <a:srgbClr val="0070C0"/>
                 </a:solidFill>
               </a:rPr>
-              <a:t>Aprenda</a:t>
+              <a:t>Transações</a:t>
             </a:r>
             <a:r>
               <a:rPr lang="en-US" b="1" dirty="0">
@@ -38867,7 +40820,7 @@
                   <a:srgbClr val="0070C0"/>
                 </a:solidFill>
               </a:rPr>
-              <a:t>+</a:t>
+              <a:t> Update</a:t>
             </a:r>
           </a:p>
         </p:txBody>
@@ -38884,8 +40837,8 @@
         </p:nvSpPr>
         <p:spPr>
           <a:xfrm>
-            <a:off x="142865" y="1200151"/>
-            <a:ext cx="8865056" cy="3394472"/>
+            <a:off x="142865" y="1037312"/>
+            <a:ext cx="8865056" cy="3900208"/>
           </a:xfrm>
         </p:spPr>
         <p:txBody>
@@ -38897,185 +40850,763 @@
             <a:pPr marL="0" indent="0" algn="just">
               <a:buNone/>
             </a:pPr>
-            <a:endParaRPr lang="pt-BR" sz="2400" dirty="0">
-              <a:latin typeface="Times New Roman" panose="02020603050405020304" pitchFamily="18" charset="0"/>
-              <a:cs typeface="Times New Roman" panose="02020603050405020304" pitchFamily="18" charset="0"/>
-            </a:endParaRPr>
-          </a:p>
-          <a:p>
-            <a:pPr marL="0" indent="0" algn="just">
-              <a:buNone/>
-            </a:pPr>
-            <a:r>
-              <a:rPr lang="pt-BR" sz="2400" dirty="0">
-                <a:latin typeface="Times New Roman" panose="02020603050405020304" pitchFamily="18" charset="0"/>
-                <a:cs typeface="Times New Roman" panose="02020603050405020304" pitchFamily="18" charset="0"/>
-              </a:rPr>
-              <a:t>[1] Construindo classes no PHP orientado a objetos</a:t>
-            </a:r>
-          </a:p>
-          <a:p>
-            <a:pPr marL="0" indent="0" algn="just">
-              <a:buNone/>
-            </a:pPr>
-            <a:r>
-              <a:rPr lang="pt-BR" sz="2400" dirty="0">
-                <a:latin typeface="Times New Roman" panose="02020603050405020304" pitchFamily="18" charset="0"/>
-                <a:cs typeface="Times New Roman" panose="02020603050405020304" pitchFamily="18" charset="0"/>
-              </a:rPr>
-              <a:t>	</a:t>
-            </a:r>
-            <a:r>
-              <a:rPr lang="pt-BR" sz="2400" dirty="0">
-                <a:latin typeface="Times New Roman" panose="02020603050405020304" pitchFamily="18" charset="0"/>
-                <a:cs typeface="Times New Roman" panose="02020603050405020304" pitchFamily="18" charset="0"/>
-                <a:hlinkClick r:id="rId3"/>
-              </a:rPr>
-              <a:t>https://www.youtube.com/watch?v=xoH1WDI9l0I</a:t>
-            </a:r>
-            <a:endParaRPr lang="pt-BR" sz="2400" dirty="0">
-              <a:latin typeface="Times New Roman" panose="02020603050405020304" pitchFamily="18" charset="0"/>
-              <a:cs typeface="Times New Roman" panose="02020603050405020304" pitchFamily="18" charset="0"/>
-            </a:endParaRPr>
-          </a:p>
-          <a:p>
-            <a:pPr marL="0" indent="0" algn="just">
-              <a:buNone/>
-            </a:pPr>
-            <a:endParaRPr lang="pt-BR" sz="2400" dirty="0">
-              <a:latin typeface="Times New Roman" panose="02020603050405020304" pitchFamily="18" charset="0"/>
-              <a:cs typeface="Times New Roman" panose="02020603050405020304" pitchFamily="18" charset="0"/>
-            </a:endParaRPr>
-          </a:p>
-          <a:p>
-            <a:pPr marL="0" indent="0" algn="just">
-              <a:buNone/>
-            </a:pPr>
-            <a:r>
-              <a:rPr lang="pt-BR" sz="2400" dirty="0">
-                <a:latin typeface="Times New Roman" panose="02020603050405020304" pitchFamily="18" charset="0"/>
-                <a:cs typeface="Times New Roman" panose="02020603050405020304" pitchFamily="18" charset="0"/>
-              </a:rPr>
-              <a:t>[2] </a:t>
-            </a:r>
-            <a:r>
-              <a:rPr lang="pt-BR" sz="2400" dirty="0" err="1">
-                <a:latin typeface="Times New Roman" panose="02020603050405020304" pitchFamily="18" charset="0"/>
-                <a:cs typeface="Times New Roman" panose="02020603050405020304" pitchFamily="18" charset="0"/>
-              </a:rPr>
-              <a:t>Creating</a:t>
-            </a:r>
-            <a:r>
-              <a:rPr lang="pt-BR" sz="2400" dirty="0">
-                <a:latin typeface="Times New Roman" panose="02020603050405020304" pitchFamily="18" charset="0"/>
-                <a:cs typeface="Times New Roman" panose="02020603050405020304" pitchFamily="18" charset="0"/>
-              </a:rPr>
-              <a:t> classes, </a:t>
-            </a:r>
-            <a:r>
-              <a:rPr lang="pt-BR" sz="2400" dirty="0" err="1">
-                <a:latin typeface="Times New Roman" panose="02020603050405020304" pitchFamily="18" charset="0"/>
-                <a:cs typeface="Times New Roman" panose="02020603050405020304" pitchFamily="18" charset="0"/>
-              </a:rPr>
-              <a:t>properties</a:t>
-            </a:r>
-            <a:r>
-              <a:rPr lang="pt-BR" sz="2400" dirty="0">
-                <a:latin typeface="Times New Roman" panose="02020603050405020304" pitchFamily="18" charset="0"/>
-                <a:cs typeface="Times New Roman" panose="02020603050405020304" pitchFamily="18" charset="0"/>
-              </a:rPr>
-              <a:t>, </a:t>
-            </a:r>
-            <a:r>
-              <a:rPr lang="pt-BR" sz="2400" dirty="0" err="1">
-                <a:latin typeface="Times New Roman" panose="02020603050405020304" pitchFamily="18" charset="0"/>
-                <a:cs typeface="Times New Roman" panose="02020603050405020304" pitchFamily="18" charset="0"/>
-              </a:rPr>
-              <a:t>methods</a:t>
-            </a:r>
-            <a:r>
-              <a:rPr lang="pt-BR" sz="2400" dirty="0">
-                <a:latin typeface="Times New Roman" panose="02020603050405020304" pitchFamily="18" charset="0"/>
-                <a:cs typeface="Times New Roman" panose="02020603050405020304" pitchFamily="18" charset="0"/>
-              </a:rPr>
-              <a:t> - OOP in PHP – Part 1</a:t>
-            </a:r>
-          </a:p>
-          <a:p>
-            <a:pPr marL="0" indent="0" algn="just">
-              <a:buNone/>
-            </a:pPr>
-            <a:r>
-              <a:rPr lang="pt-BR" sz="2400" dirty="0">
-                <a:latin typeface="Times New Roman" panose="02020603050405020304" pitchFamily="18" charset="0"/>
-                <a:cs typeface="Times New Roman" panose="02020603050405020304" pitchFamily="18" charset="0"/>
-              </a:rPr>
-              <a:t>	</a:t>
-            </a:r>
-            <a:r>
-              <a:rPr lang="pt-BR" sz="2400" dirty="0">
-                <a:latin typeface="Times New Roman" panose="02020603050405020304" pitchFamily="18" charset="0"/>
-                <a:cs typeface="Times New Roman" panose="02020603050405020304" pitchFamily="18" charset="0"/>
-                <a:hlinkClick r:id="rId4"/>
-              </a:rPr>
-              <a:t>https://www.youtube.com/watch?v=4xvCT7UPY3k</a:t>
-            </a:r>
-            <a:endParaRPr lang="pt-BR" sz="2400" dirty="0">
-              <a:latin typeface="Times New Roman" panose="02020603050405020304" pitchFamily="18" charset="0"/>
-              <a:cs typeface="Times New Roman" panose="02020603050405020304" pitchFamily="18" charset="0"/>
-            </a:endParaRPr>
-          </a:p>
-          <a:p>
-            <a:pPr marL="0" indent="0" algn="just">
-              <a:buNone/>
-            </a:pPr>
-            <a:endParaRPr lang="pt-BR" sz="2400" dirty="0">
-              <a:latin typeface="Times New Roman" panose="02020603050405020304" pitchFamily="18" charset="0"/>
-              <a:cs typeface="Times New Roman" panose="02020603050405020304" pitchFamily="18" charset="0"/>
-            </a:endParaRPr>
-          </a:p>
-          <a:p>
-            <a:pPr marL="0" indent="0" algn="just">
-              <a:buNone/>
-            </a:pPr>
-            <a:endParaRPr lang="pt-BR" sz="2400" dirty="0">
-              <a:latin typeface="Times New Roman" panose="02020603050405020304" pitchFamily="18" charset="0"/>
-              <a:cs typeface="Times New Roman" panose="02020603050405020304" pitchFamily="18" charset="0"/>
-            </a:endParaRPr>
-          </a:p>
-          <a:p>
-            <a:pPr marL="0" indent="0" algn="just">
-              <a:buNone/>
-            </a:pPr>
-            <a:endParaRPr lang="pt-BR" sz="2400" dirty="0">
-              <a:latin typeface="Times New Roman" panose="02020603050405020304" pitchFamily="18" charset="0"/>
-              <a:cs typeface="Times New Roman" panose="02020603050405020304" pitchFamily="18" charset="0"/>
-            </a:endParaRPr>
-          </a:p>
-          <a:p>
-            <a:pPr marL="0" indent="0" algn="just">
-              <a:buNone/>
-            </a:pPr>
-            <a:endParaRPr lang="pt-BR" sz="2400" dirty="0">
-              <a:latin typeface="Times New Roman" panose="02020603050405020304" pitchFamily="18" charset="0"/>
-              <a:cs typeface="Times New Roman" panose="02020603050405020304" pitchFamily="18" charset="0"/>
-            </a:endParaRPr>
-          </a:p>
-          <a:p>
-            <a:pPr marL="0" indent="0" algn="just">
-              <a:buNone/>
-            </a:pPr>
-            <a:endParaRPr lang="pt-BR" sz="2400" dirty="0">
-              <a:latin typeface="Times New Roman" panose="02020603050405020304" pitchFamily="18" charset="0"/>
-              <a:cs typeface="Times New Roman" panose="02020603050405020304" pitchFamily="18" charset="0"/>
-            </a:endParaRPr>
+            <a:r>
+              <a:rPr lang="pt-BR" sz="1800" dirty="0">
+                <a:solidFill>
+                  <a:schemeClr val="tx1"/>
+                </a:solidFill>
+                <a:latin typeface="Times New Roman" panose="02020603050405020304" pitchFamily="18" charset="0"/>
+                <a:cs typeface="Times New Roman" panose="02020603050405020304" pitchFamily="18" charset="0"/>
+              </a:rPr>
+              <a:t>&lt;?</a:t>
+            </a:r>
+            <a:r>
+              <a:rPr lang="pt-BR" sz="1800" b="1" dirty="0" err="1">
+                <a:solidFill>
+                  <a:schemeClr val="tx1"/>
+                </a:solidFill>
+                <a:latin typeface="Times New Roman" panose="02020603050405020304" pitchFamily="18" charset="0"/>
+                <a:cs typeface="Times New Roman" panose="02020603050405020304" pitchFamily="18" charset="0"/>
+              </a:rPr>
+              <a:t>php</a:t>
+            </a:r>
+            <a:r>
+              <a:rPr lang="pt-BR" sz="1800" dirty="0">
+                <a:solidFill>
+                  <a:schemeClr val="tx1"/>
+                </a:solidFill>
+                <a:latin typeface="Times New Roman" panose="02020603050405020304" pitchFamily="18" charset="0"/>
+                <a:cs typeface="Times New Roman" panose="02020603050405020304" pitchFamily="18" charset="0"/>
+              </a:rPr>
+              <a:t> // </a:t>
+            </a:r>
+            <a:r>
+              <a:rPr lang="pt-BR" sz="1800" b="1" dirty="0">
+                <a:solidFill>
+                  <a:schemeClr val="tx1"/>
+                </a:solidFill>
+                <a:latin typeface="Times New Roman" panose="02020603050405020304" pitchFamily="18" charset="0"/>
+                <a:cs typeface="Times New Roman" panose="02020603050405020304" pitchFamily="18" charset="0"/>
+              </a:rPr>
+              <a:t>Atualizando no BD</a:t>
+            </a:r>
+          </a:p>
+          <a:p>
+            <a:pPr marL="0" indent="0" algn="just">
+              <a:buNone/>
+            </a:pPr>
+            <a:r>
+              <a:rPr lang="pt-BR" sz="1800" dirty="0">
+                <a:solidFill>
+                  <a:schemeClr val="tx1"/>
+                </a:solidFill>
+                <a:latin typeface="Times New Roman" panose="02020603050405020304" pitchFamily="18" charset="0"/>
+                <a:cs typeface="Times New Roman" panose="02020603050405020304" pitchFamily="18" charset="0"/>
+              </a:rPr>
+              <a:t>  </a:t>
+            </a:r>
+            <a:r>
+              <a:rPr lang="pt-BR" sz="1800" b="1" dirty="0" err="1">
+                <a:solidFill>
+                  <a:schemeClr val="tx1"/>
+                </a:solidFill>
+                <a:latin typeface="Times New Roman" panose="02020603050405020304" pitchFamily="18" charset="0"/>
+                <a:cs typeface="Times New Roman" panose="02020603050405020304" pitchFamily="18" charset="0"/>
+              </a:rPr>
+              <a:t>try</a:t>
+            </a:r>
+            <a:r>
+              <a:rPr lang="pt-BR" sz="1800" dirty="0">
+                <a:solidFill>
+                  <a:schemeClr val="tx1"/>
+                </a:solidFill>
+                <a:latin typeface="Times New Roman" panose="02020603050405020304" pitchFamily="18" charset="0"/>
+                <a:cs typeface="Times New Roman" panose="02020603050405020304" pitchFamily="18" charset="0"/>
+              </a:rPr>
+              <a:t> {</a:t>
+            </a:r>
+          </a:p>
+          <a:p>
+            <a:pPr marL="0" indent="0" algn="just">
+              <a:buNone/>
+            </a:pPr>
+            <a:r>
+              <a:rPr lang="pt-BR" sz="1800" dirty="0">
+                <a:solidFill>
+                  <a:schemeClr val="tx1"/>
+                </a:solidFill>
+                <a:latin typeface="Times New Roman" panose="02020603050405020304" pitchFamily="18" charset="0"/>
+                <a:cs typeface="Times New Roman" panose="02020603050405020304" pitchFamily="18" charset="0"/>
+              </a:rPr>
+              <a:t>    $</a:t>
+            </a:r>
+            <a:r>
+              <a:rPr lang="pt-BR" sz="1800" b="1" dirty="0" err="1">
+                <a:solidFill>
+                  <a:schemeClr val="tx1"/>
+                </a:solidFill>
+                <a:latin typeface="Times New Roman" panose="02020603050405020304" pitchFamily="18" charset="0"/>
+                <a:cs typeface="Times New Roman" panose="02020603050405020304" pitchFamily="18" charset="0"/>
+              </a:rPr>
+              <a:t>sql</a:t>
+            </a:r>
+            <a:r>
+              <a:rPr lang="pt-BR" sz="1800" dirty="0">
+                <a:solidFill>
+                  <a:schemeClr val="tx1"/>
+                </a:solidFill>
+                <a:latin typeface="Times New Roman" panose="02020603050405020304" pitchFamily="18" charset="0"/>
+                <a:cs typeface="Times New Roman" panose="02020603050405020304" pitchFamily="18" charset="0"/>
+              </a:rPr>
+              <a:t> = "</a:t>
+            </a:r>
+            <a:r>
+              <a:rPr lang="pt-BR" sz="1800" b="1" dirty="0">
+                <a:solidFill>
+                  <a:schemeClr val="tx1"/>
+                </a:solidFill>
+                <a:latin typeface="Times New Roman" panose="02020603050405020304" pitchFamily="18" charset="0"/>
+                <a:cs typeface="Times New Roman" panose="02020603050405020304" pitchFamily="18" charset="0"/>
+              </a:rPr>
+              <a:t>update</a:t>
+            </a:r>
+            <a:r>
+              <a:rPr lang="pt-BR" sz="1800" dirty="0">
+                <a:solidFill>
+                  <a:schemeClr val="tx1"/>
+                </a:solidFill>
+                <a:latin typeface="Times New Roman" panose="02020603050405020304" pitchFamily="18" charset="0"/>
+                <a:cs typeface="Times New Roman" panose="02020603050405020304" pitchFamily="18" charset="0"/>
+              </a:rPr>
+              <a:t> </a:t>
+            </a:r>
+            <a:r>
+              <a:rPr lang="pt-BR" sz="1800" dirty="0" err="1">
+                <a:solidFill>
+                  <a:schemeClr val="tx1"/>
+                </a:solidFill>
+                <a:latin typeface="Times New Roman" panose="02020603050405020304" pitchFamily="18" charset="0"/>
+                <a:cs typeface="Times New Roman" panose="02020603050405020304" pitchFamily="18" charset="0"/>
+              </a:rPr>
+              <a:t>department</a:t>
+            </a:r>
+            <a:r>
+              <a:rPr lang="pt-BR" sz="1800" dirty="0">
+                <a:solidFill>
+                  <a:schemeClr val="tx1"/>
+                </a:solidFill>
+                <a:latin typeface="Times New Roman" panose="02020603050405020304" pitchFamily="18" charset="0"/>
+                <a:cs typeface="Times New Roman" panose="02020603050405020304" pitchFamily="18" charset="0"/>
+              </a:rPr>
+              <a:t> </a:t>
+            </a:r>
+            <a:r>
+              <a:rPr lang="pt-BR" sz="1800" b="1" dirty="0">
+                <a:solidFill>
+                  <a:schemeClr val="tx1"/>
+                </a:solidFill>
+                <a:latin typeface="Times New Roman" panose="02020603050405020304" pitchFamily="18" charset="0"/>
+                <a:cs typeface="Times New Roman" panose="02020603050405020304" pitchFamily="18" charset="0"/>
+              </a:rPr>
+              <a:t>set</a:t>
+            </a:r>
+            <a:r>
+              <a:rPr lang="pt-BR" sz="1800" dirty="0">
+                <a:solidFill>
+                  <a:schemeClr val="tx1"/>
+                </a:solidFill>
+                <a:latin typeface="Times New Roman" panose="02020603050405020304" pitchFamily="18" charset="0"/>
+                <a:cs typeface="Times New Roman" panose="02020603050405020304" pitchFamily="18" charset="0"/>
+              </a:rPr>
+              <a:t> </a:t>
+            </a:r>
+            <a:r>
+              <a:rPr lang="pt-BR" sz="1800" dirty="0" err="1">
+                <a:solidFill>
+                  <a:schemeClr val="tx1"/>
+                </a:solidFill>
+                <a:latin typeface="Times New Roman" panose="02020603050405020304" pitchFamily="18" charset="0"/>
+                <a:cs typeface="Times New Roman" panose="02020603050405020304" pitchFamily="18" charset="0"/>
+              </a:rPr>
+              <a:t>Name</a:t>
+            </a:r>
+            <a:r>
+              <a:rPr lang="pt-BR" sz="1800" dirty="0">
+                <a:solidFill>
+                  <a:schemeClr val="tx1"/>
+                </a:solidFill>
+                <a:latin typeface="Times New Roman" panose="02020603050405020304" pitchFamily="18" charset="0"/>
+                <a:cs typeface="Times New Roman" panose="02020603050405020304" pitchFamily="18" charset="0"/>
+              </a:rPr>
+              <a:t> = '</a:t>
+            </a:r>
+            <a:r>
+              <a:rPr lang="pt-BR" sz="1800" dirty="0" err="1">
+                <a:solidFill>
+                  <a:schemeClr val="tx1"/>
+                </a:solidFill>
+                <a:latin typeface="Times New Roman" panose="02020603050405020304" pitchFamily="18" charset="0"/>
+                <a:cs typeface="Times New Roman" panose="02020603050405020304" pitchFamily="18" charset="0"/>
+              </a:rPr>
+              <a:t>Depart</a:t>
+            </a:r>
+            <a:r>
+              <a:rPr lang="pt-BR" sz="1800" dirty="0">
+                <a:solidFill>
+                  <a:schemeClr val="tx1"/>
+                </a:solidFill>
+                <a:latin typeface="Times New Roman" panose="02020603050405020304" pitchFamily="18" charset="0"/>
+                <a:cs typeface="Times New Roman" panose="02020603050405020304" pitchFamily="18" charset="0"/>
+              </a:rPr>
+              <a:t> Social' </a:t>
+            </a:r>
+            <a:r>
+              <a:rPr lang="pt-BR" sz="1800" b="1" dirty="0" err="1">
+                <a:solidFill>
+                  <a:schemeClr val="tx1"/>
+                </a:solidFill>
+                <a:latin typeface="Times New Roman" panose="02020603050405020304" pitchFamily="18" charset="0"/>
+                <a:cs typeface="Times New Roman" panose="02020603050405020304" pitchFamily="18" charset="0"/>
+              </a:rPr>
+              <a:t>where</a:t>
+            </a:r>
+            <a:r>
+              <a:rPr lang="pt-BR" sz="1800" dirty="0">
+                <a:solidFill>
+                  <a:schemeClr val="tx1"/>
+                </a:solidFill>
+                <a:latin typeface="Times New Roman" panose="02020603050405020304" pitchFamily="18" charset="0"/>
+                <a:cs typeface="Times New Roman" panose="02020603050405020304" pitchFamily="18" charset="0"/>
+              </a:rPr>
+              <a:t> Id = :id";</a:t>
+            </a:r>
+          </a:p>
+          <a:p>
+            <a:pPr marL="0" indent="0" algn="just">
+              <a:buNone/>
+            </a:pPr>
+            <a:r>
+              <a:rPr lang="pt-BR" sz="1800" dirty="0">
+                <a:solidFill>
+                  <a:schemeClr val="tx1"/>
+                </a:solidFill>
+                <a:latin typeface="Times New Roman" panose="02020603050405020304" pitchFamily="18" charset="0"/>
+                <a:cs typeface="Times New Roman" panose="02020603050405020304" pitchFamily="18" charset="0"/>
+              </a:rPr>
+              <a:t>    $</a:t>
+            </a:r>
+            <a:r>
+              <a:rPr lang="pt-BR" sz="1800" b="1" dirty="0" err="1">
+                <a:solidFill>
+                  <a:schemeClr val="tx1"/>
+                </a:solidFill>
+                <a:latin typeface="Times New Roman" panose="02020603050405020304" pitchFamily="18" charset="0"/>
+                <a:cs typeface="Times New Roman" panose="02020603050405020304" pitchFamily="18" charset="0"/>
+              </a:rPr>
+              <a:t>stmt</a:t>
+            </a:r>
+            <a:r>
+              <a:rPr lang="pt-BR" sz="1800" dirty="0">
+                <a:solidFill>
+                  <a:schemeClr val="tx1"/>
+                </a:solidFill>
+                <a:latin typeface="Times New Roman" panose="02020603050405020304" pitchFamily="18" charset="0"/>
+                <a:cs typeface="Times New Roman" panose="02020603050405020304" pitchFamily="18" charset="0"/>
+              </a:rPr>
+              <a:t> = $</a:t>
+            </a:r>
+            <a:r>
+              <a:rPr lang="pt-BR" sz="1800" dirty="0" err="1">
+                <a:solidFill>
+                  <a:schemeClr val="tx1"/>
+                </a:solidFill>
+                <a:latin typeface="Times New Roman" panose="02020603050405020304" pitchFamily="18" charset="0"/>
+                <a:cs typeface="Times New Roman" panose="02020603050405020304" pitchFamily="18" charset="0"/>
+              </a:rPr>
+              <a:t>conn</a:t>
+            </a:r>
+            <a:r>
+              <a:rPr lang="pt-BR" sz="1800" dirty="0">
+                <a:solidFill>
+                  <a:schemeClr val="tx1"/>
+                </a:solidFill>
+                <a:latin typeface="Times New Roman" panose="02020603050405020304" pitchFamily="18" charset="0"/>
+                <a:cs typeface="Times New Roman" panose="02020603050405020304" pitchFamily="18" charset="0"/>
+              </a:rPr>
+              <a:t>-&gt;</a:t>
+            </a:r>
+            <a:r>
+              <a:rPr lang="pt-BR" sz="1800" b="1" dirty="0">
+                <a:solidFill>
+                  <a:srgbClr val="FF0000"/>
+                </a:solidFill>
+                <a:latin typeface="Times New Roman" panose="02020603050405020304" pitchFamily="18" charset="0"/>
+                <a:cs typeface="Times New Roman" panose="02020603050405020304" pitchFamily="18" charset="0"/>
+              </a:rPr>
+              <a:t>prepare</a:t>
+            </a:r>
+            <a:r>
+              <a:rPr lang="pt-BR" sz="1800" dirty="0">
+                <a:solidFill>
+                  <a:schemeClr val="tx1"/>
+                </a:solidFill>
+                <a:latin typeface="Times New Roman" panose="02020603050405020304" pitchFamily="18" charset="0"/>
+                <a:cs typeface="Times New Roman" panose="02020603050405020304" pitchFamily="18" charset="0"/>
+              </a:rPr>
+              <a:t>($</a:t>
+            </a:r>
+            <a:r>
+              <a:rPr lang="pt-BR" sz="1800" b="1" dirty="0" err="1">
+                <a:solidFill>
+                  <a:schemeClr val="tx1"/>
+                </a:solidFill>
+                <a:latin typeface="Times New Roman" panose="02020603050405020304" pitchFamily="18" charset="0"/>
+                <a:cs typeface="Times New Roman" panose="02020603050405020304" pitchFamily="18" charset="0"/>
+              </a:rPr>
+              <a:t>sql</a:t>
+            </a:r>
+            <a:r>
+              <a:rPr lang="pt-BR" sz="1800" dirty="0">
+                <a:solidFill>
+                  <a:schemeClr val="tx1"/>
+                </a:solidFill>
+                <a:latin typeface="Times New Roman" panose="02020603050405020304" pitchFamily="18" charset="0"/>
+                <a:cs typeface="Times New Roman" panose="02020603050405020304" pitchFamily="18" charset="0"/>
+              </a:rPr>
+              <a:t>);</a:t>
+            </a:r>
+          </a:p>
+          <a:p>
+            <a:pPr marL="0" indent="0" algn="just">
+              <a:buNone/>
+            </a:pPr>
+            <a:r>
+              <a:rPr lang="pt-BR" sz="1800" dirty="0">
+                <a:solidFill>
+                  <a:schemeClr val="tx1"/>
+                </a:solidFill>
+                <a:latin typeface="Times New Roman" panose="02020603050405020304" pitchFamily="18" charset="0"/>
+                <a:cs typeface="Times New Roman" panose="02020603050405020304" pitchFamily="18" charset="0"/>
+              </a:rPr>
+              <a:t>    $</a:t>
+            </a:r>
+            <a:r>
+              <a:rPr lang="pt-BR" sz="1800" b="1" dirty="0">
+                <a:solidFill>
+                  <a:schemeClr val="tx1"/>
+                </a:solidFill>
+                <a:latin typeface="Times New Roman" panose="02020603050405020304" pitchFamily="18" charset="0"/>
+                <a:cs typeface="Times New Roman" panose="02020603050405020304" pitchFamily="18" charset="0"/>
+              </a:rPr>
+              <a:t>id</a:t>
+            </a:r>
+            <a:r>
+              <a:rPr lang="pt-BR" sz="1800" dirty="0">
+                <a:solidFill>
+                  <a:schemeClr val="tx1"/>
+                </a:solidFill>
+                <a:latin typeface="Times New Roman" panose="02020603050405020304" pitchFamily="18" charset="0"/>
+                <a:cs typeface="Times New Roman" panose="02020603050405020304" pitchFamily="18" charset="0"/>
+              </a:rPr>
+              <a:t> = 55; // </a:t>
+            </a:r>
+            <a:r>
+              <a:rPr lang="pt-BR" sz="1800" b="1" dirty="0">
+                <a:solidFill>
+                  <a:schemeClr val="tx1"/>
+                </a:solidFill>
+                <a:latin typeface="Times New Roman" panose="02020603050405020304" pitchFamily="18" charset="0"/>
+                <a:cs typeface="Times New Roman" panose="02020603050405020304" pitchFamily="18" charset="0"/>
+              </a:rPr>
+              <a:t>Parâmetro vindo do formulário HTML, $_</a:t>
+            </a:r>
+            <a:r>
+              <a:rPr lang="pt-BR" sz="1800" b="1" dirty="0">
+                <a:solidFill>
+                  <a:srgbClr val="FF0000"/>
+                </a:solidFill>
+                <a:latin typeface="Times New Roman" panose="02020603050405020304" pitchFamily="18" charset="0"/>
+                <a:cs typeface="Times New Roman" panose="02020603050405020304" pitchFamily="18" charset="0"/>
+              </a:rPr>
+              <a:t>GET</a:t>
+            </a:r>
+            <a:r>
+              <a:rPr lang="pt-BR" sz="1800" b="1" dirty="0">
+                <a:solidFill>
+                  <a:schemeClr val="tx1"/>
+                </a:solidFill>
+                <a:latin typeface="Times New Roman" panose="02020603050405020304" pitchFamily="18" charset="0"/>
+                <a:cs typeface="Times New Roman" panose="02020603050405020304" pitchFamily="18" charset="0"/>
+              </a:rPr>
+              <a:t>[“id”] ou $_</a:t>
+            </a:r>
+            <a:r>
+              <a:rPr lang="pt-BR" sz="1800" b="1" dirty="0">
+                <a:solidFill>
+                  <a:srgbClr val="FF0000"/>
+                </a:solidFill>
+                <a:latin typeface="Times New Roman" panose="02020603050405020304" pitchFamily="18" charset="0"/>
+                <a:cs typeface="Times New Roman" panose="02020603050405020304" pitchFamily="18" charset="0"/>
+              </a:rPr>
+              <a:t>POST</a:t>
+            </a:r>
+            <a:r>
+              <a:rPr lang="pt-BR" sz="1800" b="1" dirty="0">
+                <a:solidFill>
+                  <a:schemeClr val="tx1"/>
+                </a:solidFill>
+                <a:latin typeface="Times New Roman" panose="02020603050405020304" pitchFamily="18" charset="0"/>
+                <a:cs typeface="Times New Roman" panose="02020603050405020304" pitchFamily="18" charset="0"/>
+              </a:rPr>
+              <a:t>[“id”]</a:t>
+            </a:r>
+          </a:p>
+          <a:p>
+            <a:pPr marL="0" indent="0" algn="just">
+              <a:buNone/>
+            </a:pPr>
+            <a:r>
+              <a:rPr lang="pt-BR" sz="1800" dirty="0">
+                <a:solidFill>
+                  <a:schemeClr val="tx1"/>
+                </a:solidFill>
+                <a:latin typeface="Times New Roman" panose="02020603050405020304" pitchFamily="18" charset="0"/>
+                <a:cs typeface="Times New Roman" panose="02020603050405020304" pitchFamily="18" charset="0"/>
+              </a:rPr>
+              <a:t>    $</a:t>
+            </a:r>
+            <a:r>
+              <a:rPr lang="pt-BR" sz="1800" b="1" dirty="0" err="1">
+                <a:solidFill>
+                  <a:schemeClr val="tx1"/>
+                </a:solidFill>
+                <a:latin typeface="Times New Roman" panose="02020603050405020304" pitchFamily="18" charset="0"/>
+                <a:cs typeface="Times New Roman" panose="02020603050405020304" pitchFamily="18" charset="0"/>
+              </a:rPr>
+              <a:t>stmt</a:t>
+            </a:r>
+            <a:r>
+              <a:rPr lang="pt-BR" sz="1800" b="1" dirty="0">
+                <a:solidFill>
+                  <a:schemeClr val="tx1"/>
+                </a:solidFill>
+                <a:latin typeface="Times New Roman" panose="02020603050405020304" pitchFamily="18" charset="0"/>
+                <a:cs typeface="Times New Roman" panose="02020603050405020304" pitchFamily="18" charset="0"/>
+              </a:rPr>
+              <a:t>-</a:t>
+            </a:r>
+            <a:r>
+              <a:rPr lang="pt-BR" sz="1800" dirty="0">
+                <a:solidFill>
+                  <a:schemeClr val="tx1"/>
+                </a:solidFill>
+                <a:latin typeface="Times New Roman" panose="02020603050405020304" pitchFamily="18" charset="0"/>
+                <a:cs typeface="Times New Roman" panose="02020603050405020304" pitchFamily="18" charset="0"/>
+              </a:rPr>
+              <a:t>&gt;</a:t>
+            </a:r>
+            <a:r>
+              <a:rPr lang="pt-BR" sz="1800" b="1" dirty="0" err="1">
+                <a:solidFill>
+                  <a:srgbClr val="FF0000"/>
+                </a:solidFill>
+                <a:latin typeface="Times New Roman" panose="02020603050405020304" pitchFamily="18" charset="0"/>
+                <a:cs typeface="Times New Roman" panose="02020603050405020304" pitchFamily="18" charset="0"/>
+              </a:rPr>
+              <a:t>bindValue</a:t>
+            </a:r>
+            <a:r>
+              <a:rPr lang="pt-BR" sz="1800" dirty="0">
+                <a:solidFill>
+                  <a:schemeClr val="tx1"/>
+                </a:solidFill>
+                <a:latin typeface="Times New Roman" panose="02020603050405020304" pitchFamily="18" charset="0"/>
+                <a:cs typeface="Times New Roman" panose="02020603050405020304" pitchFamily="18" charset="0"/>
+              </a:rPr>
+              <a:t>(':id', $id);</a:t>
+            </a:r>
+          </a:p>
+          <a:p>
+            <a:pPr marL="0" indent="0" algn="just">
+              <a:buNone/>
+            </a:pPr>
+            <a:r>
+              <a:rPr lang="pt-BR" sz="1800" dirty="0">
+                <a:solidFill>
+                  <a:schemeClr val="tx1"/>
+                </a:solidFill>
+                <a:latin typeface="Times New Roman" panose="02020603050405020304" pitchFamily="18" charset="0"/>
+                <a:cs typeface="Times New Roman" panose="02020603050405020304" pitchFamily="18" charset="0"/>
+              </a:rPr>
+              <a:t>    </a:t>
+            </a:r>
+            <a:r>
+              <a:rPr lang="pt-BR" sz="1800" b="1" dirty="0" err="1">
+                <a:solidFill>
+                  <a:schemeClr val="tx1"/>
+                </a:solidFill>
+                <a:latin typeface="Times New Roman" panose="02020603050405020304" pitchFamily="18" charset="0"/>
+                <a:cs typeface="Times New Roman" panose="02020603050405020304" pitchFamily="18" charset="0"/>
+              </a:rPr>
+              <a:t>if</a:t>
+            </a:r>
+            <a:r>
+              <a:rPr lang="pt-BR" sz="1800" dirty="0">
+                <a:solidFill>
+                  <a:schemeClr val="tx1"/>
+                </a:solidFill>
+                <a:latin typeface="Times New Roman" panose="02020603050405020304" pitchFamily="18" charset="0"/>
+                <a:cs typeface="Times New Roman" panose="02020603050405020304" pitchFamily="18" charset="0"/>
+              </a:rPr>
+              <a:t> ($</a:t>
+            </a:r>
+            <a:r>
+              <a:rPr lang="pt-BR" sz="1800" b="1" dirty="0" err="1">
+                <a:solidFill>
+                  <a:schemeClr val="tx1"/>
+                </a:solidFill>
+                <a:latin typeface="Times New Roman" panose="02020603050405020304" pitchFamily="18" charset="0"/>
+                <a:cs typeface="Times New Roman" panose="02020603050405020304" pitchFamily="18" charset="0"/>
+              </a:rPr>
+              <a:t>stmt</a:t>
+            </a:r>
+            <a:r>
+              <a:rPr lang="pt-BR" sz="1800" b="1" dirty="0">
+                <a:solidFill>
+                  <a:schemeClr val="tx1"/>
+                </a:solidFill>
+                <a:latin typeface="Times New Roman" panose="02020603050405020304" pitchFamily="18" charset="0"/>
+                <a:cs typeface="Times New Roman" panose="02020603050405020304" pitchFamily="18" charset="0"/>
+              </a:rPr>
+              <a:t>-</a:t>
+            </a:r>
+            <a:r>
+              <a:rPr lang="pt-BR" sz="1800" dirty="0">
+                <a:solidFill>
+                  <a:schemeClr val="tx1"/>
+                </a:solidFill>
+                <a:latin typeface="Times New Roman" panose="02020603050405020304" pitchFamily="18" charset="0"/>
+                <a:cs typeface="Times New Roman" panose="02020603050405020304" pitchFamily="18" charset="0"/>
+              </a:rPr>
+              <a:t>&gt;</a:t>
+            </a:r>
+            <a:r>
+              <a:rPr lang="pt-BR" sz="1800" b="1" dirty="0">
+                <a:solidFill>
+                  <a:srgbClr val="FF0000"/>
+                </a:solidFill>
+                <a:latin typeface="Times New Roman" panose="02020603050405020304" pitchFamily="18" charset="0"/>
+                <a:cs typeface="Times New Roman" panose="02020603050405020304" pitchFamily="18" charset="0"/>
+              </a:rPr>
+              <a:t>execute</a:t>
+            </a:r>
+            <a:r>
+              <a:rPr lang="pt-BR" sz="1800" dirty="0">
+                <a:solidFill>
+                  <a:schemeClr val="tx1"/>
+                </a:solidFill>
+                <a:latin typeface="Times New Roman" panose="02020603050405020304" pitchFamily="18" charset="0"/>
+                <a:cs typeface="Times New Roman" panose="02020603050405020304" pitchFamily="18" charset="0"/>
+              </a:rPr>
+              <a:t>() === </a:t>
+            </a:r>
+            <a:r>
+              <a:rPr lang="pt-BR" sz="1800" b="1" dirty="0" err="1">
+                <a:solidFill>
+                  <a:schemeClr val="tx1"/>
+                </a:solidFill>
+                <a:latin typeface="Times New Roman" panose="02020603050405020304" pitchFamily="18" charset="0"/>
+                <a:cs typeface="Times New Roman" panose="02020603050405020304" pitchFamily="18" charset="0"/>
+              </a:rPr>
+              <a:t>true</a:t>
+            </a:r>
+            <a:r>
+              <a:rPr lang="pt-BR" sz="1800" dirty="0">
+                <a:solidFill>
+                  <a:schemeClr val="tx1"/>
+                </a:solidFill>
+                <a:latin typeface="Times New Roman" panose="02020603050405020304" pitchFamily="18" charset="0"/>
+                <a:cs typeface="Times New Roman" panose="02020603050405020304" pitchFamily="18" charset="0"/>
+              </a:rPr>
+              <a:t>) {</a:t>
+            </a:r>
+          </a:p>
+          <a:p>
+            <a:pPr marL="0" indent="0" algn="just">
+              <a:buNone/>
+            </a:pPr>
+            <a:r>
+              <a:rPr lang="pt-BR" sz="1800" dirty="0">
+                <a:solidFill>
+                  <a:schemeClr val="tx1"/>
+                </a:solidFill>
+                <a:latin typeface="Times New Roman" panose="02020603050405020304" pitchFamily="18" charset="0"/>
+                <a:cs typeface="Times New Roman" panose="02020603050405020304" pitchFamily="18" charset="0"/>
+              </a:rPr>
+              <a:t>      </a:t>
+            </a:r>
+            <a:r>
+              <a:rPr lang="pt-BR" sz="1800" b="1" dirty="0" err="1">
+                <a:solidFill>
+                  <a:schemeClr val="tx1"/>
+                </a:solidFill>
+                <a:latin typeface="Times New Roman" panose="02020603050405020304" pitchFamily="18" charset="0"/>
+                <a:cs typeface="Times New Roman" panose="02020603050405020304" pitchFamily="18" charset="0"/>
+              </a:rPr>
+              <a:t>echo</a:t>
+            </a:r>
+            <a:r>
+              <a:rPr lang="pt-BR" sz="1800" dirty="0">
+                <a:solidFill>
+                  <a:schemeClr val="tx1"/>
+                </a:solidFill>
+                <a:latin typeface="Times New Roman" panose="02020603050405020304" pitchFamily="18" charset="0"/>
+                <a:cs typeface="Times New Roman" panose="02020603050405020304" pitchFamily="18" charset="0"/>
+              </a:rPr>
+              <a:t> ('Alterado com sucesso!!!');</a:t>
+            </a:r>
+          </a:p>
+          <a:p>
+            <a:pPr marL="0" indent="0" algn="just">
+              <a:buNone/>
+            </a:pPr>
+            <a:r>
+              <a:rPr lang="pt-BR" sz="1800" dirty="0">
+                <a:solidFill>
+                  <a:schemeClr val="tx1"/>
+                </a:solidFill>
+                <a:latin typeface="Times New Roman" panose="02020603050405020304" pitchFamily="18" charset="0"/>
+                <a:cs typeface="Times New Roman" panose="02020603050405020304" pitchFamily="18" charset="0"/>
+              </a:rPr>
+              <a:t>    }</a:t>
+            </a:r>
+          </a:p>
+          <a:p>
+            <a:pPr marL="0" indent="0" algn="just">
+              <a:buNone/>
+            </a:pPr>
+            <a:r>
+              <a:rPr lang="pt-BR" sz="1800" dirty="0">
+                <a:solidFill>
+                  <a:schemeClr val="tx1"/>
+                </a:solidFill>
+                <a:latin typeface="Times New Roman" panose="02020603050405020304" pitchFamily="18" charset="0"/>
+                <a:cs typeface="Times New Roman" panose="02020603050405020304" pitchFamily="18" charset="0"/>
+              </a:rPr>
+              <a:t>  } </a:t>
+            </a:r>
+            <a:r>
+              <a:rPr lang="pt-BR" sz="1800" b="1" dirty="0">
+                <a:solidFill>
+                  <a:schemeClr val="tx1"/>
+                </a:solidFill>
+                <a:latin typeface="Times New Roman" panose="02020603050405020304" pitchFamily="18" charset="0"/>
+                <a:cs typeface="Times New Roman" panose="02020603050405020304" pitchFamily="18" charset="0"/>
+              </a:rPr>
+              <a:t>catch</a:t>
+            </a:r>
+            <a:r>
+              <a:rPr lang="pt-BR" sz="1800" dirty="0">
+                <a:solidFill>
+                  <a:schemeClr val="tx1"/>
+                </a:solidFill>
+                <a:latin typeface="Times New Roman" panose="02020603050405020304" pitchFamily="18" charset="0"/>
+                <a:cs typeface="Times New Roman" panose="02020603050405020304" pitchFamily="18" charset="0"/>
+              </a:rPr>
+              <a:t> (</a:t>
+            </a:r>
+            <a:r>
+              <a:rPr lang="pt-BR" sz="1800" b="1" dirty="0" err="1">
+                <a:solidFill>
+                  <a:srgbClr val="FF0000"/>
+                </a:solidFill>
+                <a:latin typeface="Times New Roman" panose="02020603050405020304" pitchFamily="18" charset="0"/>
+                <a:cs typeface="Times New Roman" panose="02020603050405020304" pitchFamily="18" charset="0"/>
+              </a:rPr>
+              <a:t>PDOException</a:t>
+            </a:r>
+            <a:r>
+              <a:rPr lang="pt-BR" sz="1800" dirty="0">
+                <a:solidFill>
+                  <a:schemeClr val="tx1"/>
+                </a:solidFill>
+                <a:latin typeface="Times New Roman" panose="02020603050405020304" pitchFamily="18" charset="0"/>
+                <a:cs typeface="Times New Roman" panose="02020603050405020304" pitchFamily="18" charset="0"/>
+              </a:rPr>
+              <a:t> $e) {</a:t>
+            </a:r>
+          </a:p>
+          <a:p>
+            <a:pPr marL="0" indent="0" algn="just">
+              <a:buNone/>
+            </a:pPr>
+            <a:r>
+              <a:rPr lang="pt-BR" sz="1800" dirty="0">
+                <a:solidFill>
+                  <a:schemeClr val="tx1"/>
+                </a:solidFill>
+                <a:latin typeface="Times New Roman" panose="02020603050405020304" pitchFamily="18" charset="0"/>
+                <a:cs typeface="Times New Roman" panose="02020603050405020304" pitchFamily="18" charset="0"/>
+              </a:rPr>
+              <a:t>        </a:t>
+            </a:r>
+            <a:r>
+              <a:rPr lang="pt-BR" sz="1800" b="1" dirty="0">
+                <a:solidFill>
+                  <a:schemeClr val="tx1"/>
+                </a:solidFill>
+                <a:latin typeface="Times New Roman" panose="02020603050405020304" pitchFamily="18" charset="0"/>
+                <a:cs typeface="Times New Roman" panose="02020603050405020304" pitchFamily="18" charset="0"/>
+              </a:rPr>
+              <a:t>die</a:t>
+            </a:r>
+            <a:r>
+              <a:rPr lang="pt-BR" sz="1800" dirty="0">
+                <a:solidFill>
+                  <a:schemeClr val="tx1"/>
+                </a:solidFill>
+                <a:latin typeface="Times New Roman" panose="02020603050405020304" pitchFamily="18" charset="0"/>
+                <a:cs typeface="Times New Roman" panose="02020603050405020304" pitchFamily="18" charset="0"/>
+              </a:rPr>
+              <a:t>("Erro na atualização no BD"); } $</a:t>
+            </a:r>
+            <a:r>
+              <a:rPr lang="pt-BR" sz="1800" b="1" dirty="0" err="1">
+                <a:solidFill>
+                  <a:schemeClr val="tx1"/>
+                </a:solidFill>
+                <a:latin typeface="Times New Roman" panose="02020603050405020304" pitchFamily="18" charset="0"/>
+                <a:cs typeface="Times New Roman" panose="02020603050405020304" pitchFamily="18" charset="0"/>
+              </a:rPr>
+              <a:t>conn</a:t>
+            </a:r>
+            <a:r>
+              <a:rPr lang="pt-BR" sz="1800" dirty="0">
+                <a:solidFill>
+                  <a:schemeClr val="tx1"/>
+                </a:solidFill>
+                <a:latin typeface="Times New Roman" panose="02020603050405020304" pitchFamily="18" charset="0"/>
+                <a:cs typeface="Times New Roman" panose="02020603050405020304" pitchFamily="18" charset="0"/>
+              </a:rPr>
+              <a:t> = NULL;  </a:t>
+            </a:r>
+            <a:r>
+              <a:rPr lang="pt-BR" sz="1800" b="1" dirty="0">
+                <a:solidFill>
+                  <a:schemeClr val="tx1"/>
+                </a:solidFill>
+                <a:latin typeface="Times New Roman" panose="02020603050405020304" pitchFamily="18" charset="0"/>
+                <a:cs typeface="Times New Roman" panose="02020603050405020304" pitchFamily="18" charset="0"/>
+              </a:rPr>
+              <a:t>?&gt;</a:t>
+            </a:r>
           </a:p>
         </p:txBody>
       </p:sp>
     </p:spTree>
     <p:extLst>
       <p:ext uri="{BB962C8B-B14F-4D97-AF65-F5344CB8AC3E}">
-        <p14:creationId xmlns:p14="http://schemas.microsoft.com/office/powerpoint/2010/main" val="2747596967"/>
+        <p14:creationId xmlns:p14="http://schemas.microsoft.com/office/powerpoint/2010/main" val="3592111837"/>
       </p:ext>
     </p:extLst>
   </p:cSld>
@@ -39131,7 +41662,7 @@
                   <a:srgbClr val="0070C0"/>
                 </a:solidFill>
               </a:rPr>
-              <a:t>Dinâmica</a:t>
+              <a:t>Leitura</a:t>
             </a:r>
             <a:r>
               <a:rPr lang="en-US" b="1" dirty="0">
@@ -39139,7 +41670,7 @@
                   <a:srgbClr val="0070C0"/>
                 </a:solidFill>
               </a:rPr>
-              <a:t>/</a:t>
+              <a:t> </a:t>
             </a:r>
             <a:r>
               <a:rPr lang="en-US" b="1" dirty="0" err="1">
@@ -39147,7 +41678,7 @@
                   <a:srgbClr val="0070C0"/>
                 </a:solidFill>
               </a:rPr>
-              <a:t>Atividades</a:t>
+              <a:t>Específica</a:t>
             </a:r>
             <a:endParaRPr lang="en-US" b="1" dirty="0">
               <a:solidFill>
@@ -39169,8 +41700,8 @@
         </p:nvSpPr>
         <p:spPr>
           <a:xfrm>
-            <a:off x="139472" y="1063230"/>
-            <a:ext cx="8865056" cy="3606305"/>
+            <a:off x="142865" y="1012261"/>
+            <a:ext cx="8865056" cy="3835312"/>
           </a:xfrm>
         </p:spPr>
         <p:txBody>
@@ -39179,19 +41710,18 @@
           </a:bodyPr>
           <a:lstStyle/>
           <a:p>
-            <a:pPr algn="just">
-              <a:buFontTx/>
-              <a:buChar char="-"/>
-            </a:pPr>
-            <a:r>
-              <a:rPr lang="pt-BR" dirty="0">
-                <a:latin typeface="Times New Roman" panose="02020603050405020304" pitchFamily="18" charset="0"/>
-                <a:cs typeface="Times New Roman" panose="02020603050405020304" pitchFamily="18" charset="0"/>
-              </a:rPr>
-              <a:t>Exercícios de Fixação </a:t>
-            </a:r>
-            <a:r>
-              <a:rPr lang="pt-BR" b="1" dirty="0">
+            <a:pPr marL="0" indent="0" algn="just">
+              <a:buNone/>
+            </a:pPr>
+            <a:r>
+              <a:rPr lang="pt-BR" sz="2000" dirty="0">
+                <a:latin typeface="Times New Roman" panose="02020603050405020304" pitchFamily="18" charset="0"/>
+                <a:cs typeface="Times New Roman" panose="02020603050405020304" pitchFamily="18" charset="0"/>
+              </a:rPr>
+              <a:t>[1] </a:t>
+            </a:r>
+            <a:r>
+              <a:rPr lang="pt-BR" sz="2000" b="1" dirty="0">
                 <a:latin typeface="Times New Roman" panose="02020603050405020304" pitchFamily="18" charset="0"/>
                 <a:cs typeface="Times New Roman" panose="02020603050405020304" pitchFamily="18" charset="0"/>
               </a:rPr>
@@ -39203,81 +41733,28 @@
               <a:buNone/>
             </a:pPr>
             <a:r>
-              <a:rPr lang="pt-BR" dirty="0">
-                <a:latin typeface="Times New Roman" panose="02020603050405020304" pitchFamily="18" charset="0"/>
-                <a:cs typeface="Times New Roman" panose="02020603050405020304" pitchFamily="18" charset="0"/>
-              </a:rPr>
-              <a:t>	</a:t>
-            </a:r>
-            <a:r>
-              <a:rPr lang="pt-BR" b="1" dirty="0">
-                <a:solidFill>
-                  <a:srgbClr val="FF0000"/>
-                </a:solidFill>
-                <a:latin typeface="Times New Roman" panose="02020603050405020304" pitchFamily="18" charset="0"/>
-                <a:cs typeface="Times New Roman" panose="02020603050405020304" pitchFamily="18" charset="0"/>
-              </a:rPr>
-              <a:t>Desafio em Sala de Aula</a:t>
-            </a:r>
-            <a:r>
-              <a:rPr lang="pt-BR" dirty="0">
-                <a:latin typeface="Times New Roman" panose="02020603050405020304" pitchFamily="18" charset="0"/>
-                <a:cs typeface="Times New Roman" panose="02020603050405020304" pitchFamily="18" charset="0"/>
-              </a:rPr>
-              <a:t>.</a:t>
-            </a:r>
-          </a:p>
-          <a:p>
-            <a:pPr marL="0" indent="0" algn="just">
-              <a:buNone/>
-            </a:pPr>
-            <a:r>
-              <a:rPr lang="pt-BR" dirty="0">
-                <a:latin typeface="Times New Roman" panose="02020603050405020304" pitchFamily="18" charset="0"/>
-                <a:cs typeface="Times New Roman" panose="02020603050405020304" pitchFamily="18" charset="0"/>
-              </a:rPr>
-              <a:t>		</a:t>
-            </a:r>
-          </a:p>
-          <a:p>
-            <a:pPr marL="0" indent="0" algn="just">
-              <a:buNone/>
-            </a:pPr>
-            <a:r>
-              <a:rPr lang="es-ES" dirty="0">
-                <a:latin typeface="Times New Roman" panose="02020603050405020304" pitchFamily="18" charset="0"/>
-                <a:cs typeface="Times New Roman" panose="02020603050405020304" pitchFamily="18" charset="0"/>
-              </a:rPr>
-              <a:t>- </a:t>
-            </a:r>
-            <a:r>
-              <a:rPr lang="es-ES" b="1" dirty="0">
-                <a:latin typeface="Times New Roman" panose="02020603050405020304" pitchFamily="18" charset="0"/>
-                <a:cs typeface="Times New Roman" panose="02020603050405020304" pitchFamily="18" charset="0"/>
-              </a:rPr>
-              <a:t>Quiz</a:t>
-            </a:r>
-            <a:r>
-              <a:rPr lang="es-ES" dirty="0">
-                <a:latin typeface="Times New Roman" panose="02020603050405020304" pitchFamily="18" charset="0"/>
-                <a:cs typeface="Times New Roman" panose="02020603050405020304" pitchFamily="18" charset="0"/>
-              </a:rPr>
-              <a:t> PHP</a:t>
-            </a:r>
-          </a:p>
-          <a:p>
-            <a:pPr marL="0" indent="0" algn="just">
-              <a:buNone/>
-            </a:pPr>
-            <a:r>
-              <a:rPr lang="es-ES" dirty="0">
+              <a:rPr lang="pt-BR" sz="2000" b="1" dirty="0">
+                <a:latin typeface="Times New Roman" panose="02020603050405020304" pitchFamily="18" charset="0"/>
+                <a:cs typeface="Times New Roman" panose="02020603050405020304" pitchFamily="18" charset="0"/>
+              </a:rPr>
+              <a:t>	Disponível em</a:t>
+            </a:r>
+            <a:r>
+              <a:rPr lang="pt-BR" sz="2000" dirty="0">
+                <a:latin typeface="Times New Roman" panose="02020603050405020304" pitchFamily="18" charset="0"/>
+                <a:cs typeface="Times New Roman" panose="02020603050405020304" pitchFamily="18" charset="0"/>
+              </a:rPr>
+              <a:t>: </a:t>
+            </a:r>
+            <a:r>
+              <a:rPr lang="pt-BR" sz="2000" dirty="0">
                 <a:latin typeface="Times New Roman" panose="02020603050405020304" pitchFamily="18" charset="0"/>
                 <a:cs typeface="Times New Roman" panose="02020603050405020304" pitchFamily="18" charset="0"/>
                 <a:hlinkClick r:id="rId3"/>
               </a:rPr>
-              <a:t>https://www.w3schools.com/php/php_quiz.asp</a:t>
-            </a:r>
-            <a:endParaRPr lang="es-ES" dirty="0">
+              <a:t>https://www.php.net/</a:t>
+            </a:r>
+            <a:endParaRPr lang="pt-BR" sz="2000" dirty="0">
               <a:latin typeface="Times New Roman" panose="02020603050405020304" pitchFamily="18" charset="0"/>
               <a:cs typeface="Times New Roman" panose="02020603050405020304" pitchFamily="18" charset="0"/>
             </a:endParaRPr>
@@ -39286,8 +41763,154 @@
             <a:pPr marL="0" indent="0" algn="just">
               <a:buNone/>
             </a:pPr>
-            <a:endParaRPr lang="pt-BR" dirty="0">
-              <a:latin typeface="Calibri" panose="020F0502020204030204" pitchFamily="34" charset="0"/>
+            <a:endParaRPr lang="pt-BR" sz="2000" dirty="0">
+              <a:latin typeface="Times New Roman" panose="02020603050405020304" pitchFamily="18" charset="0"/>
+              <a:cs typeface="Times New Roman" panose="02020603050405020304" pitchFamily="18" charset="0"/>
+            </a:endParaRPr>
+          </a:p>
+          <a:p>
+            <a:pPr marL="0" indent="0" algn="just">
+              <a:buNone/>
+            </a:pPr>
+            <a:r>
+              <a:rPr lang="pt-BR" sz="2000" dirty="0">
+                <a:latin typeface="Times New Roman" panose="02020603050405020304" pitchFamily="18" charset="0"/>
+                <a:cs typeface="Times New Roman" panose="02020603050405020304" pitchFamily="18" charset="0"/>
+              </a:rPr>
+              <a:t>[2] </a:t>
+            </a:r>
+            <a:r>
+              <a:rPr lang="pt-BR" sz="2000" b="1" dirty="0">
+                <a:latin typeface="Times New Roman" panose="02020603050405020304" pitchFamily="18" charset="0"/>
+                <a:cs typeface="Times New Roman" panose="02020603050405020304" pitchFamily="18" charset="0"/>
+              </a:rPr>
+              <a:t>W3Schools</a:t>
+            </a:r>
+          </a:p>
+          <a:p>
+            <a:pPr marL="0" indent="0" algn="just">
+              <a:buNone/>
+            </a:pPr>
+            <a:r>
+              <a:rPr lang="pt-BR" sz="2000" dirty="0">
+                <a:latin typeface="Times New Roman" panose="02020603050405020304" pitchFamily="18" charset="0"/>
+                <a:cs typeface="Times New Roman" panose="02020603050405020304" pitchFamily="18" charset="0"/>
+              </a:rPr>
+              <a:t>	</a:t>
+            </a:r>
+            <a:r>
+              <a:rPr lang="pt-BR" sz="2000" b="1" dirty="0">
+                <a:latin typeface="Times New Roman" panose="02020603050405020304" pitchFamily="18" charset="0"/>
+                <a:cs typeface="Times New Roman" panose="02020603050405020304" pitchFamily="18" charset="0"/>
+              </a:rPr>
+              <a:t> Disponível em</a:t>
+            </a:r>
+            <a:r>
+              <a:rPr lang="pt-BR" sz="2000" dirty="0">
+                <a:latin typeface="Times New Roman" panose="02020603050405020304" pitchFamily="18" charset="0"/>
+                <a:cs typeface="Times New Roman" panose="02020603050405020304" pitchFamily="18" charset="0"/>
+              </a:rPr>
+              <a:t>: </a:t>
+            </a:r>
+            <a:r>
+              <a:rPr lang="pt-BR" sz="2000" dirty="0">
+                <a:latin typeface="Times New Roman" panose="02020603050405020304" pitchFamily="18" charset="0"/>
+                <a:cs typeface="Times New Roman" panose="02020603050405020304" pitchFamily="18" charset="0"/>
+                <a:hlinkClick r:id="rId4"/>
+              </a:rPr>
+              <a:t>https://www.w3schools.com/php/default.asp</a:t>
+            </a:r>
+            <a:endParaRPr lang="pt-BR" sz="2000" dirty="0">
+              <a:latin typeface="Times New Roman" panose="02020603050405020304" pitchFamily="18" charset="0"/>
+              <a:cs typeface="Times New Roman" panose="02020603050405020304" pitchFamily="18" charset="0"/>
+            </a:endParaRPr>
+          </a:p>
+          <a:p>
+            <a:pPr marL="0" indent="0" algn="just">
+              <a:buNone/>
+            </a:pPr>
+            <a:endParaRPr lang="pt-BR" sz="2000" dirty="0">
+              <a:latin typeface="Times New Roman" panose="02020603050405020304" pitchFamily="18" charset="0"/>
+              <a:cs typeface="Times New Roman" panose="02020603050405020304" pitchFamily="18" charset="0"/>
+            </a:endParaRPr>
+          </a:p>
+          <a:p>
+            <a:pPr marL="0" indent="0" algn="just">
+              <a:buNone/>
+            </a:pPr>
+            <a:r>
+              <a:rPr lang="pt-BR" sz="2000" dirty="0">
+                <a:latin typeface="Times New Roman" panose="02020603050405020304" pitchFamily="18" charset="0"/>
+                <a:cs typeface="Times New Roman" panose="02020603050405020304" pitchFamily="18" charset="0"/>
+              </a:rPr>
+              <a:t>[3] </a:t>
+            </a:r>
+            <a:r>
+              <a:rPr lang="pt-BR" sz="2000" b="1" dirty="0" err="1">
+                <a:latin typeface="Times New Roman" panose="02020603050405020304" pitchFamily="18" charset="0"/>
+                <a:cs typeface="Times New Roman" panose="02020603050405020304" pitchFamily="18" charset="0"/>
+              </a:rPr>
+              <a:t>DevMedia</a:t>
+            </a:r>
+            <a:endParaRPr lang="pt-BR" sz="2000" b="1" dirty="0">
+              <a:latin typeface="Times New Roman" panose="02020603050405020304" pitchFamily="18" charset="0"/>
+              <a:cs typeface="Times New Roman" panose="02020603050405020304" pitchFamily="18" charset="0"/>
+            </a:endParaRPr>
+          </a:p>
+          <a:p>
+            <a:pPr marL="0" indent="0" algn="just">
+              <a:buNone/>
+            </a:pPr>
+            <a:r>
+              <a:rPr lang="pt-BR" sz="2000" dirty="0">
+                <a:latin typeface="Times New Roman" panose="02020603050405020304" pitchFamily="18" charset="0"/>
+                <a:cs typeface="Times New Roman" panose="02020603050405020304" pitchFamily="18" charset="0"/>
+              </a:rPr>
+              <a:t>	</a:t>
+            </a:r>
+            <a:r>
+              <a:rPr lang="pt-BR" sz="2000" b="1" dirty="0">
+                <a:latin typeface="Times New Roman" panose="02020603050405020304" pitchFamily="18" charset="0"/>
+                <a:cs typeface="Times New Roman" panose="02020603050405020304" pitchFamily="18" charset="0"/>
+              </a:rPr>
+              <a:t> Disponível em</a:t>
+            </a:r>
+            <a:r>
+              <a:rPr lang="pt-BR" sz="2000" dirty="0">
+                <a:latin typeface="Times New Roman" panose="02020603050405020304" pitchFamily="18" charset="0"/>
+                <a:cs typeface="Times New Roman" panose="02020603050405020304" pitchFamily="18" charset="0"/>
+              </a:rPr>
+              <a:t>: </a:t>
+            </a:r>
+            <a:r>
+              <a:rPr lang="pt-BR" sz="2000" dirty="0">
+                <a:latin typeface="Times New Roman" panose="02020603050405020304" pitchFamily="18" charset="0"/>
+                <a:cs typeface="Times New Roman" panose="02020603050405020304" pitchFamily="18" charset="0"/>
+                <a:hlinkClick r:id="rId5"/>
+              </a:rPr>
+              <a:t>https://www.devmedia.com.br/php-pdo-como-criar-sua-primeira-conexao/39007</a:t>
+            </a:r>
+            <a:endParaRPr lang="pt-BR" sz="2000" dirty="0">
+              <a:latin typeface="Times New Roman" panose="02020603050405020304" pitchFamily="18" charset="0"/>
+              <a:cs typeface="Times New Roman" panose="02020603050405020304" pitchFamily="18" charset="0"/>
+            </a:endParaRPr>
+          </a:p>
+          <a:p>
+            <a:pPr marL="0" indent="0" algn="just">
+              <a:buNone/>
+            </a:pPr>
+            <a:endParaRPr lang="pt-BR" sz="2000" dirty="0">
+              <a:latin typeface="Times New Roman" panose="02020603050405020304" pitchFamily="18" charset="0"/>
+              <a:cs typeface="Times New Roman" panose="02020603050405020304" pitchFamily="18" charset="0"/>
+            </a:endParaRPr>
+          </a:p>
+          <a:p>
+            <a:pPr marL="0" indent="0" algn="just">
+              <a:buNone/>
+            </a:pPr>
+            <a:endParaRPr lang="pt-BR" sz="2000" dirty="0">
+              <a:latin typeface="Times New Roman" panose="02020603050405020304" pitchFamily="18" charset="0"/>
+              <a:cs typeface="Times New Roman" panose="02020603050405020304" pitchFamily="18" charset="0"/>
             </a:endParaRPr>
           </a:p>
         </p:txBody>
@@ -39295,7 +41918,7 @@
     </p:spTree>
     <p:extLst>
       <p:ext uri="{BB962C8B-B14F-4D97-AF65-F5344CB8AC3E}">
-        <p14:creationId xmlns:p14="http://schemas.microsoft.com/office/powerpoint/2010/main" val="2470652989"/>
+        <p14:creationId xmlns:p14="http://schemas.microsoft.com/office/powerpoint/2010/main" val="3680270425"/>
       </p:ext>
     </p:extLst>
   </p:cSld>
@@ -39351,6 +41974,735 @@
                   <a:srgbClr val="0070C0"/>
                 </a:solidFill>
               </a:rPr>
+              <a:t>Outras</a:t>
+            </a:r>
+            <a:r>
+              <a:rPr lang="en-US" b="1" dirty="0">
+                <a:solidFill>
+                  <a:srgbClr val="0070C0"/>
+                </a:solidFill>
+              </a:rPr>
+              <a:t> </a:t>
+            </a:r>
+            <a:r>
+              <a:rPr lang="en-US" b="1" dirty="0" err="1">
+                <a:solidFill>
+                  <a:srgbClr val="0070C0"/>
+                </a:solidFill>
+              </a:rPr>
+              <a:t>Leituras</a:t>
+            </a:r>
+            <a:endParaRPr lang="en-US" b="1" dirty="0">
+              <a:solidFill>
+                <a:srgbClr val="0070C0"/>
+              </a:solidFill>
+            </a:endParaRPr>
+          </a:p>
+        </p:txBody>
+      </p:sp>
+      <p:sp>
+        <p:nvSpPr>
+          <p:cNvPr id="8" name="Text Placeholder 2"/>
+          <p:cNvSpPr>
+            <a:spLocks noGrp="1"/>
+          </p:cNvSpPr>
+          <p:nvPr>
+            <p:ph type="body" sz="half" idx="1"/>
+          </p:nvPr>
+        </p:nvSpPr>
+        <p:spPr>
+          <a:xfrm>
+            <a:off x="142865" y="1012261"/>
+            <a:ext cx="8865056" cy="3835312"/>
+          </a:xfrm>
+        </p:spPr>
+        <p:txBody>
+          <a:bodyPr>
+            <a:noAutofit/>
+          </a:bodyPr>
+          <a:lstStyle/>
+          <a:p>
+            <a:pPr algn="just">
+              <a:buFont typeface="Wingdings" panose="05000000000000000000" pitchFamily="2" charset="2"/>
+              <a:buChar char="§"/>
+            </a:pPr>
+            <a:r>
+              <a:rPr lang="pt-BR" sz="2000" dirty="0">
+                <a:latin typeface="Times New Roman" panose="02020603050405020304" pitchFamily="18" charset="0"/>
+                <a:cs typeface="Times New Roman" panose="02020603050405020304" pitchFamily="18" charset="0"/>
+                <a:hlinkClick r:id="rId3"/>
+              </a:rPr>
+              <a:t>https://www.devmedia.com.br/php-pdo-como-criar-sua-primeira-conexao/39007</a:t>
+            </a:r>
+            <a:endParaRPr lang="pt-BR" sz="2000" dirty="0">
+              <a:latin typeface="Times New Roman" panose="02020603050405020304" pitchFamily="18" charset="0"/>
+              <a:cs typeface="Times New Roman" panose="02020603050405020304" pitchFamily="18" charset="0"/>
+            </a:endParaRPr>
+          </a:p>
+          <a:p>
+            <a:pPr algn="just">
+              <a:buFont typeface="Wingdings" panose="05000000000000000000" pitchFamily="2" charset="2"/>
+              <a:buChar char="§"/>
+            </a:pPr>
+            <a:r>
+              <a:rPr lang="pt-BR" sz="2000" dirty="0">
+                <a:latin typeface="Times New Roman" panose="02020603050405020304" pitchFamily="18" charset="0"/>
+                <a:cs typeface="Times New Roman" panose="02020603050405020304" pitchFamily="18" charset="0"/>
+                <a:hlinkClick r:id="rId4"/>
+              </a:rPr>
+              <a:t>http://www.bosontreinamentos.com.br/php-programming/curso-de-php-consulta-com-pesquisa-de-dados-em-banco-mysql/</a:t>
+            </a:r>
+            <a:endParaRPr lang="pt-BR" sz="2000" dirty="0">
+              <a:latin typeface="Times New Roman" panose="02020603050405020304" pitchFamily="18" charset="0"/>
+              <a:cs typeface="Times New Roman" panose="02020603050405020304" pitchFamily="18" charset="0"/>
+            </a:endParaRPr>
+          </a:p>
+          <a:p>
+            <a:pPr algn="just">
+              <a:buFont typeface="Wingdings" panose="05000000000000000000" pitchFamily="2" charset="2"/>
+              <a:buChar char="§"/>
+            </a:pPr>
+            <a:r>
+              <a:rPr lang="pt-BR" sz="2000" dirty="0">
+                <a:latin typeface="Times New Roman" panose="02020603050405020304" pitchFamily="18" charset="0"/>
+                <a:cs typeface="Times New Roman" panose="02020603050405020304" pitchFamily="18" charset="0"/>
+                <a:hlinkClick r:id="rId5"/>
+              </a:rPr>
+              <a:t>https://www.hostinger.com.br/tutoriais/como-inserir-dados-no-mysql-com-php</a:t>
+            </a:r>
+            <a:endParaRPr lang="pt-BR" sz="2000" dirty="0">
+              <a:latin typeface="Times New Roman" panose="02020603050405020304" pitchFamily="18" charset="0"/>
+              <a:cs typeface="Times New Roman" panose="02020603050405020304" pitchFamily="18" charset="0"/>
+            </a:endParaRPr>
+          </a:p>
+          <a:p>
+            <a:pPr algn="just">
+              <a:buFont typeface="Wingdings" panose="05000000000000000000" pitchFamily="2" charset="2"/>
+              <a:buChar char="§"/>
+            </a:pPr>
+            <a:r>
+              <a:rPr lang="pt-BR" sz="2000" dirty="0">
+                <a:latin typeface="Times New Roman" panose="02020603050405020304" pitchFamily="18" charset="0"/>
+                <a:cs typeface="Times New Roman" panose="02020603050405020304" pitchFamily="18" charset="0"/>
+                <a:hlinkClick r:id="rId6"/>
+              </a:rPr>
+              <a:t>https://monsieurbricole.wordpress.com/2009/10/20/php-how-to-insert-data-into-database-using-pdo-registry-system-in-php/</a:t>
+            </a:r>
+            <a:endParaRPr lang="pt-BR" sz="2000" dirty="0">
+              <a:latin typeface="Times New Roman" panose="02020603050405020304" pitchFamily="18" charset="0"/>
+              <a:cs typeface="Times New Roman" panose="02020603050405020304" pitchFamily="18" charset="0"/>
+            </a:endParaRPr>
+          </a:p>
+          <a:p>
+            <a:pPr algn="just">
+              <a:buFont typeface="Wingdings" panose="05000000000000000000" pitchFamily="2" charset="2"/>
+              <a:buChar char="§"/>
+            </a:pPr>
+            <a:r>
+              <a:rPr lang="pt-BR" sz="2000" dirty="0">
+                <a:latin typeface="Times New Roman" panose="02020603050405020304" pitchFamily="18" charset="0"/>
+                <a:cs typeface="Times New Roman" panose="02020603050405020304" pitchFamily="18" charset="0"/>
+                <a:hlinkClick r:id="rId7"/>
+              </a:rPr>
+              <a:t>https://stackoverflow.com/questions/8640808/php-pdo-prepared-delete-why-does-this-fail</a:t>
+            </a:r>
+            <a:endParaRPr lang="pt-BR" sz="2000" dirty="0">
+              <a:latin typeface="Times New Roman" panose="02020603050405020304" pitchFamily="18" charset="0"/>
+              <a:cs typeface="Times New Roman" panose="02020603050405020304" pitchFamily="18" charset="0"/>
+            </a:endParaRPr>
+          </a:p>
+          <a:p>
+            <a:pPr algn="just">
+              <a:buFont typeface="Wingdings" panose="05000000000000000000" pitchFamily="2" charset="2"/>
+              <a:buChar char="§"/>
+            </a:pPr>
+            <a:r>
+              <a:rPr lang="pt-BR" sz="2000" dirty="0">
+                <a:latin typeface="Times New Roman" panose="02020603050405020304" pitchFamily="18" charset="0"/>
+                <a:cs typeface="Times New Roman" panose="02020603050405020304" pitchFamily="18" charset="0"/>
+                <a:hlinkClick r:id="rId8"/>
+              </a:rPr>
+              <a:t>https://pt.stackoverflow.com/questions/16288/fechar-conex%c3%a3o-pdo</a:t>
+            </a:r>
+            <a:endParaRPr lang="pt-BR" sz="2000" dirty="0">
+              <a:latin typeface="Times New Roman" panose="02020603050405020304" pitchFamily="18" charset="0"/>
+              <a:cs typeface="Times New Roman" panose="02020603050405020304" pitchFamily="18" charset="0"/>
+            </a:endParaRPr>
+          </a:p>
+          <a:p>
+            <a:pPr algn="just">
+              <a:buFont typeface="Wingdings" panose="05000000000000000000" pitchFamily="2" charset="2"/>
+              <a:buChar char="§"/>
+            </a:pPr>
+            <a:r>
+              <a:rPr lang="pt-BR" sz="2000" dirty="0">
+                <a:latin typeface="Times New Roman" panose="02020603050405020304" pitchFamily="18" charset="0"/>
+                <a:cs typeface="Times New Roman" panose="02020603050405020304" pitchFamily="18" charset="0"/>
+                <a:hlinkClick r:id="rId9"/>
+              </a:rPr>
+              <a:t>https://codigosimples.net/2017/02/27/usando-extensao-mssql-para-o-vscode/</a:t>
+            </a:r>
+            <a:r>
+              <a:rPr lang="pt-BR" sz="2000" dirty="0">
+                <a:latin typeface="Times New Roman" panose="02020603050405020304" pitchFamily="18" charset="0"/>
+                <a:cs typeface="Times New Roman" panose="02020603050405020304" pitchFamily="18" charset="0"/>
+              </a:rPr>
+              <a:t> </a:t>
+            </a:r>
+          </a:p>
+        </p:txBody>
+      </p:sp>
+    </p:spTree>
+    <p:extLst>
+      <p:ext uri="{BB962C8B-B14F-4D97-AF65-F5344CB8AC3E}">
+        <p14:creationId xmlns:p14="http://schemas.microsoft.com/office/powerpoint/2010/main" val="3582185216"/>
+      </p:ext>
+    </p:extLst>
+  </p:cSld>
+  <p:clrMapOvr>
+    <a:masterClrMapping/>
+  </p:clrMapOvr>
+  <p:transition spd="med"/>
+</p:sld>
+</file>
+
+<file path=ppt/slides/slide67.xml><?xml version="1.0" encoding="utf-8"?>
+<p:sld xmlns:a="http://schemas.openxmlformats.org/drawingml/2006/main" xmlns:r="http://schemas.openxmlformats.org/officeDocument/2006/relationships" xmlns:p="http://schemas.openxmlformats.org/presentationml/2006/main">
+  <p:cSld>
+    <p:spTree>
+      <p:nvGrpSpPr>
+        <p:cNvPr id="1" name=""/>
+        <p:cNvGrpSpPr/>
+        <p:nvPr/>
+      </p:nvGrpSpPr>
+      <p:grpSpPr>
+        <a:xfrm>
+          <a:off x="0" y="0"/>
+          <a:ext cx="0" cy="0"/>
+          <a:chOff x="0" y="0"/>
+          <a:chExt cx="0" cy="0"/>
+        </a:xfrm>
+      </p:grpSpPr>
+      <p:sp>
+        <p:nvSpPr>
+          <p:cNvPr id="6" name="Title 1"/>
+          <p:cNvSpPr>
+            <a:spLocks noGrp="1"/>
+          </p:cNvSpPr>
+          <p:nvPr>
+            <p:ph type="title"/>
+          </p:nvPr>
+        </p:nvSpPr>
+        <p:spPr>
+          <a:xfrm>
+            <a:off x="457200" y="205980"/>
+            <a:ext cx="8229600" cy="857251"/>
+          </a:xfrm>
+        </p:spPr>
+        <p:txBody>
+          <a:bodyPr>
+            <a:normAutofit/>
+          </a:bodyPr>
+          <a:lstStyle/>
+          <a:p>
+            <a:r>
+              <a:rPr lang="en-US" b="1" dirty="0" err="1">
+                <a:solidFill>
+                  <a:srgbClr val="0070C0"/>
+                </a:solidFill>
+              </a:rPr>
+              <a:t>Aprenda</a:t>
+            </a:r>
+            <a:r>
+              <a:rPr lang="en-US" b="1" dirty="0">
+                <a:solidFill>
+                  <a:srgbClr val="0070C0"/>
+                </a:solidFill>
+              </a:rPr>
+              <a:t>+</a:t>
+            </a:r>
+          </a:p>
+        </p:txBody>
+      </p:sp>
+      <p:sp>
+        <p:nvSpPr>
+          <p:cNvPr id="8" name="Text Placeholder 2"/>
+          <p:cNvSpPr>
+            <a:spLocks noGrp="1"/>
+          </p:cNvSpPr>
+          <p:nvPr>
+            <p:ph type="body" sz="half" idx="1"/>
+          </p:nvPr>
+        </p:nvSpPr>
+        <p:spPr>
+          <a:xfrm>
+            <a:off x="142865" y="1200151"/>
+            <a:ext cx="8865056" cy="3394472"/>
+          </a:xfrm>
+        </p:spPr>
+        <p:txBody>
+          <a:bodyPr>
+            <a:noAutofit/>
+          </a:bodyPr>
+          <a:lstStyle/>
+          <a:p>
+            <a:pPr marL="0" indent="0" algn="just">
+              <a:buNone/>
+            </a:pPr>
+            <a:endParaRPr lang="pt-BR" sz="2400" dirty="0">
+              <a:latin typeface="Times New Roman" panose="02020603050405020304" pitchFamily="18" charset="0"/>
+              <a:cs typeface="Times New Roman" panose="02020603050405020304" pitchFamily="18" charset="0"/>
+            </a:endParaRPr>
+          </a:p>
+          <a:p>
+            <a:pPr marL="0" indent="0" algn="just">
+              <a:buNone/>
+            </a:pPr>
+            <a:r>
+              <a:rPr lang="pt-BR" sz="2400" dirty="0">
+                <a:latin typeface="Times New Roman" panose="02020603050405020304" pitchFamily="18" charset="0"/>
+                <a:cs typeface="Times New Roman" panose="02020603050405020304" pitchFamily="18" charset="0"/>
+              </a:rPr>
+              <a:t>[1] Construindo classes no PHP orientado a objetos</a:t>
+            </a:r>
+          </a:p>
+          <a:p>
+            <a:pPr marL="0" indent="0" algn="just">
+              <a:buNone/>
+            </a:pPr>
+            <a:r>
+              <a:rPr lang="pt-BR" sz="2400" dirty="0">
+                <a:latin typeface="Times New Roman" panose="02020603050405020304" pitchFamily="18" charset="0"/>
+                <a:cs typeface="Times New Roman" panose="02020603050405020304" pitchFamily="18" charset="0"/>
+              </a:rPr>
+              <a:t>	</a:t>
+            </a:r>
+            <a:r>
+              <a:rPr lang="pt-BR" sz="2400" dirty="0">
+                <a:latin typeface="Times New Roman" panose="02020603050405020304" pitchFamily="18" charset="0"/>
+                <a:cs typeface="Times New Roman" panose="02020603050405020304" pitchFamily="18" charset="0"/>
+                <a:hlinkClick r:id="rId3"/>
+              </a:rPr>
+              <a:t>https://www.youtube.com/watch?v=xoH1WDI9l0I</a:t>
+            </a:r>
+            <a:endParaRPr lang="pt-BR" sz="2400" dirty="0">
+              <a:latin typeface="Times New Roman" panose="02020603050405020304" pitchFamily="18" charset="0"/>
+              <a:cs typeface="Times New Roman" panose="02020603050405020304" pitchFamily="18" charset="0"/>
+            </a:endParaRPr>
+          </a:p>
+          <a:p>
+            <a:pPr marL="0" indent="0" algn="just">
+              <a:buNone/>
+            </a:pPr>
+            <a:endParaRPr lang="pt-BR" sz="2400" dirty="0">
+              <a:latin typeface="Times New Roman" panose="02020603050405020304" pitchFamily="18" charset="0"/>
+              <a:cs typeface="Times New Roman" panose="02020603050405020304" pitchFamily="18" charset="0"/>
+            </a:endParaRPr>
+          </a:p>
+          <a:p>
+            <a:pPr marL="0" indent="0" algn="just">
+              <a:buNone/>
+            </a:pPr>
+            <a:r>
+              <a:rPr lang="pt-BR" sz="2400" dirty="0">
+                <a:latin typeface="Times New Roman" panose="02020603050405020304" pitchFamily="18" charset="0"/>
+                <a:cs typeface="Times New Roman" panose="02020603050405020304" pitchFamily="18" charset="0"/>
+              </a:rPr>
+              <a:t>[2] </a:t>
+            </a:r>
+            <a:r>
+              <a:rPr lang="pt-BR" sz="2400" dirty="0" err="1">
+                <a:latin typeface="Times New Roman" panose="02020603050405020304" pitchFamily="18" charset="0"/>
+                <a:cs typeface="Times New Roman" panose="02020603050405020304" pitchFamily="18" charset="0"/>
+              </a:rPr>
+              <a:t>Creating</a:t>
+            </a:r>
+            <a:r>
+              <a:rPr lang="pt-BR" sz="2400" dirty="0">
+                <a:latin typeface="Times New Roman" panose="02020603050405020304" pitchFamily="18" charset="0"/>
+                <a:cs typeface="Times New Roman" panose="02020603050405020304" pitchFamily="18" charset="0"/>
+              </a:rPr>
+              <a:t> classes, </a:t>
+            </a:r>
+            <a:r>
+              <a:rPr lang="pt-BR" sz="2400" dirty="0" err="1">
+                <a:latin typeface="Times New Roman" panose="02020603050405020304" pitchFamily="18" charset="0"/>
+                <a:cs typeface="Times New Roman" panose="02020603050405020304" pitchFamily="18" charset="0"/>
+              </a:rPr>
+              <a:t>properties</a:t>
+            </a:r>
+            <a:r>
+              <a:rPr lang="pt-BR" sz="2400" dirty="0">
+                <a:latin typeface="Times New Roman" panose="02020603050405020304" pitchFamily="18" charset="0"/>
+                <a:cs typeface="Times New Roman" panose="02020603050405020304" pitchFamily="18" charset="0"/>
+              </a:rPr>
+              <a:t>, </a:t>
+            </a:r>
+            <a:r>
+              <a:rPr lang="pt-BR" sz="2400" dirty="0" err="1">
+                <a:latin typeface="Times New Roman" panose="02020603050405020304" pitchFamily="18" charset="0"/>
+                <a:cs typeface="Times New Roman" panose="02020603050405020304" pitchFamily="18" charset="0"/>
+              </a:rPr>
+              <a:t>methods</a:t>
+            </a:r>
+            <a:r>
+              <a:rPr lang="pt-BR" sz="2400" dirty="0">
+                <a:latin typeface="Times New Roman" panose="02020603050405020304" pitchFamily="18" charset="0"/>
+                <a:cs typeface="Times New Roman" panose="02020603050405020304" pitchFamily="18" charset="0"/>
+              </a:rPr>
+              <a:t> - OOP in PHP – Part 1</a:t>
+            </a:r>
+          </a:p>
+          <a:p>
+            <a:pPr marL="0" indent="0" algn="just">
+              <a:buNone/>
+            </a:pPr>
+            <a:r>
+              <a:rPr lang="pt-BR" sz="2400" dirty="0">
+                <a:latin typeface="Times New Roman" panose="02020603050405020304" pitchFamily="18" charset="0"/>
+                <a:cs typeface="Times New Roman" panose="02020603050405020304" pitchFamily="18" charset="0"/>
+              </a:rPr>
+              <a:t>	</a:t>
+            </a:r>
+            <a:r>
+              <a:rPr lang="pt-BR" sz="2400" dirty="0">
+                <a:latin typeface="Times New Roman" panose="02020603050405020304" pitchFamily="18" charset="0"/>
+                <a:cs typeface="Times New Roman" panose="02020603050405020304" pitchFamily="18" charset="0"/>
+                <a:hlinkClick r:id="rId4"/>
+              </a:rPr>
+              <a:t>https://www.youtube.com/watch?v=4xvCT7UPY3k</a:t>
+            </a:r>
+            <a:endParaRPr lang="pt-BR" sz="2400" dirty="0">
+              <a:latin typeface="Times New Roman" panose="02020603050405020304" pitchFamily="18" charset="0"/>
+              <a:cs typeface="Times New Roman" panose="02020603050405020304" pitchFamily="18" charset="0"/>
+            </a:endParaRPr>
+          </a:p>
+          <a:p>
+            <a:pPr marL="0" indent="0" algn="just">
+              <a:buNone/>
+            </a:pPr>
+            <a:endParaRPr lang="pt-BR" sz="2400" dirty="0">
+              <a:latin typeface="Times New Roman" panose="02020603050405020304" pitchFamily="18" charset="0"/>
+              <a:cs typeface="Times New Roman" panose="02020603050405020304" pitchFamily="18" charset="0"/>
+            </a:endParaRPr>
+          </a:p>
+          <a:p>
+            <a:pPr marL="0" indent="0" algn="just">
+              <a:buNone/>
+            </a:pPr>
+            <a:endParaRPr lang="pt-BR" sz="2400" dirty="0">
+              <a:latin typeface="Times New Roman" panose="02020603050405020304" pitchFamily="18" charset="0"/>
+              <a:cs typeface="Times New Roman" panose="02020603050405020304" pitchFamily="18" charset="0"/>
+            </a:endParaRPr>
+          </a:p>
+          <a:p>
+            <a:pPr marL="0" indent="0" algn="just">
+              <a:buNone/>
+            </a:pPr>
+            <a:endParaRPr lang="pt-BR" sz="2400" dirty="0">
+              <a:latin typeface="Times New Roman" panose="02020603050405020304" pitchFamily="18" charset="0"/>
+              <a:cs typeface="Times New Roman" panose="02020603050405020304" pitchFamily="18" charset="0"/>
+            </a:endParaRPr>
+          </a:p>
+          <a:p>
+            <a:pPr marL="0" indent="0" algn="just">
+              <a:buNone/>
+            </a:pPr>
+            <a:endParaRPr lang="pt-BR" sz="2400" dirty="0">
+              <a:latin typeface="Times New Roman" panose="02020603050405020304" pitchFamily="18" charset="0"/>
+              <a:cs typeface="Times New Roman" panose="02020603050405020304" pitchFamily="18" charset="0"/>
+            </a:endParaRPr>
+          </a:p>
+          <a:p>
+            <a:pPr marL="0" indent="0" algn="just">
+              <a:buNone/>
+            </a:pPr>
+            <a:endParaRPr lang="pt-BR" sz="2400" dirty="0">
+              <a:latin typeface="Times New Roman" panose="02020603050405020304" pitchFamily="18" charset="0"/>
+              <a:cs typeface="Times New Roman" panose="02020603050405020304" pitchFamily="18" charset="0"/>
+            </a:endParaRPr>
+          </a:p>
+        </p:txBody>
+      </p:sp>
+    </p:spTree>
+    <p:extLst>
+      <p:ext uri="{BB962C8B-B14F-4D97-AF65-F5344CB8AC3E}">
+        <p14:creationId xmlns:p14="http://schemas.microsoft.com/office/powerpoint/2010/main" val="2747596967"/>
+      </p:ext>
+    </p:extLst>
+  </p:cSld>
+  <p:clrMapOvr>
+    <a:masterClrMapping/>
+  </p:clrMapOvr>
+  <p:transition spd="med"/>
+</p:sld>
+</file>
+
+<file path=ppt/slides/slide68.xml><?xml version="1.0" encoding="utf-8"?>
+<p:sld xmlns:a="http://schemas.openxmlformats.org/drawingml/2006/main" xmlns:r="http://schemas.openxmlformats.org/officeDocument/2006/relationships" xmlns:p="http://schemas.openxmlformats.org/presentationml/2006/main">
+  <p:cSld>
+    <p:spTree>
+      <p:nvGrpSpPr>
+        <p:cNvPr id="1" name=""/>
+        <p:cNvGrpSpPr/>
+        <p:nvPr/>
+      </p:nvGrpSpPr>
+      <p:grpSpPr>
+        <a:xfrm>
+          <a:off x="0" y="0"/>
+          <a:ext cx="0" cy="0"/>
+          <a:chOff x="0" y="0"/>
+          <a:chExt cx="0" cy="0"/>
+        </a:xfrm>
+      </p:grpSpPr>
+      <p:sp>
+        <p:nvSpPr>
+          <p:cNvPr id="6" name="Title 1"/>
+          <p:cNvSpPr>
+            <a:spLocks noGrp="1"/>
+          </p:cNvSpPr>
+          <p:nvPr>
+            <p:ph type="title"/>
+          </p:nvPr>
+        </p:nvSpPr>
+        <p:spPr>
+          <a:xfrm>
+            <a:off x="457200" y="205980"/>
+            <a:ext cx="8229600" cy="857251"/>
+          </a:xfrm>
+        </p:spPr>
+        <p:txBody>
+          <a:bodyPr>
+            <a:normAutofit/>
+          </a:bodyPr>
+          <a:lstStyle/>
+          <a:p>
+            <a:r>
+              <a:rPr lang="en-US" b="1" dirty="0" err="1">
+                <a:solidFill>
+                  <a:srgbClr val="0070C0"/>
+                </a:solidFill>
+              </a:rPr>
+              <a:t>Dinâmica</a:t>
+            </a:r>
+            <a:r>
+              <a:rPr lang="en-US" b="1" dirty="0">
+                <a:solidFill>
+                  <a:srgbClr val="0070C0"/>
+                </a:solidFill>
+              </a:rPr>
+              <a:t>/</a:t>
+            </a:r>
+            <a:r>
+              <a:rPr lang="en-US" b="1" dirty="0" err="1">
+                <a:solidFill>
+                  <a:srgbClr val="0070C0"/>
+                </a:solidFill>
+              </a:rPr>
+              <a:t>Atividades</a:t>
+            </a:r>
+            <a:endParaRPr lang="en-US" b="1" dirty="0">
+              <a:solidFill>
+                <a:srgbClr val="0070C0"/>
+              </a:solidFill>
+            </a:endParaRPr>
+          </a:p>
+        </p:txBody>
+      </p:sp>
+      <p:sp>
+        <p:nvSpPr>
+          <p:cNvPr id="8" name="Text Placeholder 2"/>
+          <p:cNvSpPr>
+            <a:spLocks noGrp="1"/>
+          </p:cNvSpPr>
+          <p:nvPr>
+            <p:ph type="body" sz="half" idx="1"/>
+          </p:nvPr>
+        </p:nvSpPr>
+        <p:spPr>
+          <a:xfrm>
+            <a:off x="139472" y="1063230"/>
+            <a:ext cx="8865056" cy="3606305"/>
+          </a:xfrm>
+        </p:spPr>
+        <p:txBody>
+          <a:bodyPr>
+            <a:noAutofit/>
+          </a:bodyPr>
+          <a:lstStyle/>
+          <a:p>
+            <a:pPr algn="just">
+              <a:buFontTx/>
+              <a:buChar char="-"/>
+            </a:pPr>
+            <a:r>
+              <a:rPr lang="pt-BR" dirty="0">
+                <a:latin typeface="Times New Roman" panose="02020603050405020304" pitchFamily="18" charset="0"/>
+                <a:cs typeface="Times New Roman" panose="02020603050405020304" pitchFamily="18" charset="0"/>
+              </a:rPr>
+              <a:t>Exercícios de Fixação </a:t>
+            </a:r>
+            <a:r>
+              <a:rPr lang="pt-BR" b="1" dirty="0">
+                <a:latin typeface="Times New Roman" panose="02020603050405020304" pitchFamily="18" charset="0"/>
+                <a:cs typeface="Times New Roman" panose="02020603050405020304" pitchFamily="18" charset="0"/>
+              </a:rPr>
+              <a:t>PHP</a:t>
+            </a:r>
+          </a:p>
+          <a:p>
+            <a:pPr marL="0" indent="0" algn="just">
+              <a:buNone/>
+            </a:pPr>
+            <a:r>
+              <a:rPr lang="pt-BR" dirty="0">
+                <a:latin typeface="Times New Roman" panose="02020603050405020304" pitchFamily="18" charset="0"/>
+                <a:cs typeface="Times New Roman" panose="02020603050405020304" pitchFamily="18" charset="0"/>
+              </a:rPr>
+              <a:t>	</a:t>
+            </a:r>
+            <a:r>
+              <a:rPr lang="pt-BR" b="1" dirty="0">
+                <a:solidFill>
+                  <a:srgbClr val="FF0000"/>
+                </a:solidFill>
+                <a:latin typeface="Times New Roman" panose="02020603050405020304" pitchFamily="18" charset="0"/>
+                <a:cs typeface="Times New Roman" panose="02020603050405020304" pitchFamily="18" charset="0"/>
+              </a:rPr>
+              <a:t>Desafio em Sala de Aula</a:t>
+            </a:r>
+            <a:r>
+              <a:rPr lang="pt-BR" dirty="0">
+                <a:latin typeface="Times New Roman" panose="02020603050405020304" pitchFamily="18" charset="0"/>
+                <a:cs typeface="Times New Roman" panose="02020603050405020304" pitchFamily="18" charset="0"/>
+              </a:rPr>
+              <a:t>.</a:t>
+            </a:r>
+          </a:p>
+          <a:p>
+            <a:pPr marL="0" indent="0" algn="just">
+              <a:buNone/>
+            </a:pPr>
+            <a:r>
+              <a:rPr lang="pt-BR" dirty="0">
+                <a:latin typeface="Times New Roman" panose="02020603050405020304" pitchFamily="18" charset="0"/>
+                <a:cs typeface="Times New Roman" panose="02020603050405020304" pitchFamily="18" charset="0"/>
+              </a:rPr>
+              <a:t>		</a:t>
+            </a:r>
+          </a:p>
+          <a:p>
+            <a:pPr marL="0" indent="0" algn="just">
+              <a:buNone/>
+            </a:pPr>
+            <a:r>
+              <a:rPr lang="es-ES" dirty="0">
+                <a:latin typeface="Times New Roman" panose="02020603050405020304" pitchFamily="18" charset="0"/>
+                <a:cs typeface="Times New Roman" panose="02020603050405020304" pitchFamily="18" charset="0"/>
+              </a:rPr>
+              <a:t>- </a:t>
+            </a:r>
+            <a:r>
+              <a:rPr lang="es-ES" b="1" dirty="0">
+                <a:latin typeface="Times New Roman" panose="02020603050405020304" pitchFamily="18" charset="0"/>
+                <a:cs typeface="Times New Roman" panose="02020603050405020304" pitchFamily="18" charset="0"/>
+              </a:rPr>
+              <a:t>Quiz</a:t>
+            </a:r>
+            <a:r>
+              <a:rPr lang="es-ES" dirty="0">
+                <a:latin typeface="Times New Roman" panose="02020603050405020304" pitchFamily="18" charset="0"/>
+                <a:cs typeface="Times New Roman" panose="02020603050405020304" pitchFamily="18" charset="0"/>
+              </a:rPr>
+              <a:t> PHP</a:t>
+            </a:r>
+          </a:p>
+          <a:p>
+            <a:pPr marL="0" indent="0" algn="just">
+              <a:buNone/>
+            </a:pPr>
+            <a:r>
+              <a:rPr lang="es-ES" dirty="0">
+                <a:latin typeface="Times New Roman" panose="02020603050405020304" pitchFamily="18" charset="0"/>
+                <a:cs typeface="Times New Roman" panose="02020603050405020304" pitchFamily="18" charset="0"/>
+                <a:hlinkClick r:id="rId3"/>
+              </a:rPr>
+              <a:t>https://www.w3schools.com/php/php_quiz.asp</a:t>
+            </a:r>
+            <a:endParaRPr lang="es-ES" dirty="0">
+              <a:latin typeface="Times New Roman" panose="02020603050405020304" pitchFamily="18" charset="0"/>
+              <a:cs typeface="Times New Roman" panose="02020603050405020304" pitchFamily="18" charset="0"/>
+            </a:endParaRPr>
+          </a:p>
+          <a:p>
+            <a:pPr marL="0" indent="0" algn="just">
+              <a:buNone/>
+            </a:pPr>
+            <a:endParaRPr lang="pt-BR" dirty="0">
+              <a:latin typeface="Calibri" panose="020F0502020204030204" pitchFamily="34" charset="0"/>
+            </a:endParaRPr>
+          </a:p>
+        </p:txBody>
+      </p:sp>
+    </p:spTree>
+    <p:extLst>
+      <p:ext uri="{BB962C8B-B14F-4D97-AF65-F5344CB8AC3E}">
+        <p14:creationId xmlns:p14="http://schemas.microsoft.com/office/powerpoint/2010/main" val="2470652989"/>
+      </p:ext>
+    </p:extLst>
+  </p:cSld>
+  <p:clrMapOvr>
+    <a:masterClrMapping/>
+  </p:clrMapOvr>
+  <p:transition spd="med"/>
+</p:sld>
+</file>
+
+<file path=ppt/slides/slide69.xml><?xml version="1.0" encoding="utf-8"?>
+<p:sld xmlns:a="http://schemas.openxmlformats.org/drawingml/2006/main" xmlns:r="http://schemas.openxmlformats.org/officeDocument/2006/relationships" xmlns:p="http://schemas.openxmlformats.org/presentationml/2006/main">
+  <p:cSld>
+    <p:spTree>
+      <p:nvGrpSpPr>
+        <p:cNvPr id="1" name=""/>
+        <p:cNvGrpSpPr/>
+        <p:nvPr/>
+      </p:nvGrpSpPr>
+      <p:grpSpPr>
+        <a:xfrm>
+          <a:off x="0" y="0"/>
+          <a:ext cx="0" cy="0"/>
+          <a:chOff x="0" y="0"/>
+          <a:chExt cx="0" cy="0"/>
+        </a:xfrm>
+      </p:grpSpPr>
+      <p:sp>
+        <p:nvSpPr>
+          <p:cNvPr id="6" name="Title 1"/>
+          <p:cNvSpPr>
+            <a:spLocks noGrp="1"/>
+          </p:cNvSpPr>
+          <p:nvPr>
+            <p:ph type="title"/>
+          </p:nvPr>
+        </p:nvSpPr>
+        <p:spPr>
+          <a:xfrm>
+            <a:off x="457200" y="205980"/>
+            <a:ext cx="8229600" cy="857251"/>
+          </a:xfrm>
+        </p:spPr>
+        <p:txBody>
+          <a:bodyPr>
+            <a:normAutofit/>
+          </a:bodyPr>
+          <a:lstStyle/>
+          <a:p>
+            <a:r>
+              <a:rPr lang="en-US" b="1" dirty="0" err="1">
+                <a:solidFill>
+                  <a:srgbClr val="0070C0"/>
+                </a:solidFill>
+              </a:rPr>
               <a:t>Referências</a:t>
             </a:r>
             <a:r>
@@ -39696,7 +43048,317 @@
 </p:sld>
 </file>
 
-<file path=ppt/slides/slide67.xml><?xml version="1.0" encoding="utf-8"?>
+<file path=ppt/slides/slide7.xml><?xml version="1.0" encoding="utf-8"?>
+<p:sld xmlns:a="http://schemas.openxmlformats.org/drawingml/2006/main" xmlns:r="http://schemas.openxmlformats.org/officeDocument/2006/relationships" xmlns:p="http://schemas.openxmlformats.org/presentationml/2006/main">
+  <p:cSld>
+    <p:spTree>
+      <p:nvGrpSpPr>
+        <p:cNvPr id="1" name=""/>
+        <p:cNvGrpSpPr/>
+        <p:nvPr/>
+      </p:nvGrpSpPr>
+      <p:grpSpPr>
+        <a:xfrm>
+          <a:off x="0" y="0"/>
+          <a:ext cx="0" cy="0"/>
+          <a:chOff x="0" y="0"/>
+          <a:chExt cx="0" cy="0"/>
+        </a:xfrm>
+      </p:grpSpPr>
+      <p:sp>
+        <p:nvSpPr>
+          <p:cNvPr id="6" name="Title 1"/>
+          <p:cNvSpPr>
+            <a:spLocks noGrp="1"/>
+          </p:cNvSpPr>
+          <p:nvPr>
+            <p:ph type="title"/>
+          </p:nvPr>
+        </p:nvSpPr>
+        <p:spPr>
+          <a:xfrm>
+            <a:off x="457200" y="155876"/>
+            <a:ext cx="8229600" cy="857251"/>
+          </a:xfrm>
+        </p:spPr>
+        <p:txBody>
+          <a:bodyPr>
+            <a:normAutofit/>
+          </a:bodyPr>
+          <a:lstStyle/>
+          <a:p>
+            <a:r>
+              <a:rPr lang="en-US" b="1" dirty="0">
+                <a:solidFill>
+                  <a:srgbClr val="0070C0"/>
+                </a:solidFill>
+              </a:rPr>
+              <a:t>PHP – </a:t>
+            </a:r>
+            <a:r>
+              <a:rPr lang="en-US" b="1" dirty="0" err="1">
+                <a:solidFill>
+                  <a:srgbClr val="0070C0"/>
+                </a:solidFill>
+              </a:rPr>
+              <a:t>Ambiente</a:t>
+            </a:r>
+            <a:r>
+              <a:rPr lang="en-US" b="1" dirty="0">
+                <a:solidFill>
+                  <a:srgbClr val="0070C0"/>
+                </a:solidFill>
+              </a:rPr>
+              <a:t> VS Code</a:t>
+            </a:r>
+          </a:p>
+        </p:txBody>
+      </p:sp>
+      <p:sp>
+        <p:nvSpPr>
+          <p:cNvPr id="8" name="Text Placeholder 2"/>
+          <p:cNvSpPr>
+            <a:spLocks noGrp="1"/>
+          </p:cNvSpPr>
+          <p:nvPr>
+            <p:ph type="body" sz="half" idx="1"/>
+          </p:nvPr>
+        </p:nvSpPr>
+        <p:spPr>
+          <a:xfrm>
+            <a:off x="142865" y="1037311"/>
+            <a:ext cx="8865056" cy="3950313"/>
+          </a:xfrm>
+        </p:spPr>
+        <p:txBody>
+          <a:bodyPr>
+            <a:noAutofit/>
+          </a:bodyPr>
+          <a:lstStyle/>
+          <a:p>
+            <a:pPr marL="0" indent="0" algn="just">
+              <a:buNone/>
+            </a:pPr>
+            <a:endParaRPr lang="pt-BR" sz="2400" b="1" dirty="0">
+              <a:solidFill>
+                <a:srgbClr val="FF0000"/>
+              </a:solidFill>
+              <a:latin typeface="Times New Roman" panose="02020603050405020304" pitchFamily="18" charset="0"/>
+              <a:cs typeface="Times New Roman" panose="02020603050405020304" pitchFamily="18" charset="0"/>
+            </a:endParaRPr>
+          </a:p>
+          <a:p>
+            <a:pPr marL="0" indent="0" algn="just">
+              <a:buNone/>
+            </a:pPr>
+            <a:endParaRPr lang="pt-BR" sz="2400" b="1" dirty="0">
+              <a:solidFill>
+                <a:schemeClr val="tx1"/>
+              </a:solidFill>
+              <a:latin typeface="Times New Roman" panose="02020603050405020304" pitchFamily="18" charset="0"/>
+              <a:cs typeface="Times New Roman" panose="02020603050405020304" pitchFamily="18" charset="0"/>
+            </a:endParaRPr>
+          </a:p>
+          <a:p>
+            <a:pPr marL="0" indent="0" algn="just">
+              <a:buNone/>
+            </a:pPr>
+            <a:r>
+              <a:rPr lang="pt-BR" sz="2400" dirty="0">
+                <a:solidFill>
+                  <a:schemeClr val="tx1"/>
+                </a:solidFill>
+                <a:latin typeface="Times New Roman" panose="02020603050405020304" pitchFamily="18" charset="0"/>
+                <a:cs typeface="Times New Roman" panose="02020603050405020304" pitchFamily="18" charset="0"/>
+              </a:rPr>
+              <a:t>No </a:t>
+            </a:r>
+            <a:r>
+              <a:rPr lang="pt-BR" sz="2400" b="1" dirty="0" err="1">
+                <a:solidFill>
+                  <a:schemeClr val="tx1"/>
+                </a:solidFill>
+                <a:latin typeface="Times New Roman" panose="02020603050405020304" pitchFamily="18" charset="0"/>
+                <a:cs typeface="Times New Roman" panose="02020603050405020304" pitchFamily="18" charset="0"/>
+              </a:rPr>
+              <a:t>EasyPHP</a:t>
+            </a:r>
+            <a:r>
+              <a:rPr lang="pt-BR" sz="2400" dirty="0">
+                <a:solidFill>
+                  <a:schemeClr val="tx1"/>
+                </a:solidFill>
+                <a:latin typeface="Times New Roman" panose="02020603050405020304" pitchFamily="18" charset="0"/>
+                <a:cs typeface="Times New Roman" panose="02020603050405020304" pitchFamily="18" charset="0"/>
+              </a:rPr>
+              <a:t>: gravar os </a:t>
+            </a:r>
+            <a:r>
+              <a:rPr lang="pt-BR" sz="2400" dirty="0" err="1">
+                <a:solidFill>
+                  <a:schemeClr val="tx1"/>
+                </a:solidFill>
+                <a:latin typeface="Times New Roman" panose="02020603050405020304" pitchFamily="18" charset="0"/>
+                <a:cs typeface="Times New Roman" panose="02020603050405020304" pitchFamily="18" charset="0"/>
+              </a:rPr>
+              <a:t>arquivos.php</a:t>
+            </a:r>
+            <a:r>
+              <a:rPr lang="pt-BR" sz="2400" dirty="0">
+                <a:solidFill>
+                  <a:schemeClr val="tx1"/>
+                </a:solidFill>
+                <a:latin typeface="Times New Roman" panose="02020603050405020304" pitchFamily="18" charset="0"/>
+                <a:cs typeface="Times New Roman" panose="02020603050405020304" pitchFamily="18" charset="0"/>
+              </a:rPr>
+              <a:t> na pasta </a:t>
+            </a:r>
+            <a:r>
+              <a:rPr lang="pt-BR" sz="2400" b="1" dirty="0">
+                <a:solidFill>
+                  <a:srgbClr val="FF0000"/>
+                </a:solidFill>
+                <a:latin typeface="Times New Roman" panose="02020603050405020304" pitchFamily="18" charset="0"/>
+                <a:cs typeface="Times New Roman" panose="02020603050405020304" pitchFamily="18" charset="0"/>
+              </a:rPr>
+              <a:t>data/</a:t>
+            </a:r>
+            <a:r>
+              <a:rPr lang="pt-BR" sz="2400" b="1" dirty="0" err="1">
+                <a:solidFill>
+                  <a:srgbClr val="FF0000"/>
+                </a:solidFill>
+                <a:latin typeface="Times New Roman" panose="02020603050405020304" pitchFamily="18" charset="0"/>
+                <a:cs typeface="Times New Roman" panose="02020603050405020304" pitchFamily="18" charset="0"/>
+              </a:rPr>
+              <a:t>locaweb</a:t>
+            </a:r>
+            <a:r>
+              <a:rPr lang="pt-BR" sz="2400" b="1" dirty="0">
+                <a:solidFill>
+                  <a:srgbClr val="FF0000"/>
+                </a:solidFill>
+                <a:latin typeface="Times New Roman" panose="02020603050405020304" pitchFamily="18" charset="0"/>
+                <a:cs typeface="Times New Roman" panose="02020603050405020304" pitchFamily="18" charset="0"/>
+              </a:rPr>
+              <a:t>/</a:t>
+            </a:r>
+            <a:r>
+              <a:rPr lang="pt-BR" sz="2400" b="1" dirty="0" err="1">
+                <a:solidFill>
+                  <a:srgbClr val="FF0000"/>
+                </a:solidFill>
+                <a:latin typeface="Times New Roman" panose="02020603050405020304" pitchFamily="18" charset="0"/>
+                <a:cs typeface="Times New Roman" panose="02020603050405020304" pitchFamily="18" charset="0"/>
+              </a:rPr>
+              <a:t>projects</a:t>
+            </a:r>
+            <a:r>
+              <a:rPr lang="pt-BR" sz="2400" b="1" dirty="0">
+                <a:solidFill>
+                  <a:schemeClr val="tx1"/>
+                </a:solidFill>
+                <a:latin typeface="Times New Roman" panose="02020603050405020304" pitchFamily="18" charset="0"/>
+                <a:cs typeface="Times New Roman" panose="02020603050405020304" pitchFamily="18" charset="0"/>
+              </a:rPr>
+              <a:t> </a:t>
+            </a:r>
+            <a:r>
+              <a:rPr lang="pt-BR" sz="2400" dirty="0">
+                <a:solidFill>
+                  <a:schemeClr val="tx1"/>
+                </a:solidFill>
+                <a:latin typeface="Times New Roman" panose="02020603050405020304" pitchFamily="18" charset="0"/>
+                <a:cs typeface="Times New Roman" panose="02020603050405020304" pitchFamily="18" charset="0"/>
+              </a:rPr>
+              <a:t>ou </a:t>
+            </a:r>
+            <a:r>
+              <a:rPr lang="pt-BR" sz="2400" b="1" dirty="0" err="1">
+                <a:solidFill>
+                  <a:srgbClr val="FF0000"/>
+                </a:solidFill>
+                <a:latin typeface="Times New Roman" panose="02020603050405020304" pitchFamily="18" charset="0"/>
+                <a:cs typeface="Times New Roman" panose="02020603050405020304" pitchFamily="18" charset="0"/>
+              </a:rPr>
+              <a:t>www</a:t>
+            </a:r>
+            <a:r>
+              <a:rPr lang="pt-BR" sz="2400" dirty="0">
+                <a:solidFill>
+                  <a:schemeClr val="tx1"/>
+                </a:solidFill>
+                <a:latin typeface="Times New Roman" panose="02020603050405020304" pitchFamily="18" charset="0"/>
+                <a:cs typeface="Times New Roman" panose="02020603050405020304" pitchFamily="18" charset="0"/>
+              </a:rPr>
+              <a:t>, depende da versão instalada.</a:t>
+            </a:r>
+          </a:p>
+          <a:p>
+            <a:pPr marL="0" indent="0" algn="just">
+              <a:buNone/>
+            </a:pPr>
+            <a:endParaRPr lang="pt-BR" sz="2400" dirty="0">
+              <a:solidFill>
+                <a:schemeClr val="tx1"/>
+              </a:solidFill>
+              <a:latin typeface="Times New Roman" panose="02020603050405020304" pitchFamily="18" charset="0"/>
+              <a:cs typeface="Times New Roman" panose="02020603050405020304" pitchFamily="18" charset="0"/>
+            </a:endParaRPr>
+          </a:p>
+          <a:p>
+            <a:pPr marL="0" indent="0" algn="just">
+              <a:buNone/>
+            </a:pPr>
+            <a:endParaRPr lang="pt-BR" sz="2400" dirty="0">
+              <a:solidFill>
+                <a:schemeClr val="tx1"/>
+              </a:solidFill>
+              <a:latin typeface="Times New Roman" panose="02020603050405020304" pitchFamily="18" charset="0"/>
+              <a:cs typeface="Times New Roman" panose="02020603050405020304" pitchFamily="18" charset="0"/>
+            </a:endParaRPr>
+          </a:p>
+          <a:p>
+            <a:pPr marL="0" indent="0" algn="just">
+              <a:buNone/>
+            </a:pPr>
+            <a:endParaRPr lang="pt-BR" sz="2400" dirty="0">
+              <a:solidFill>
+                <a:schemeClr val="tx1"/>
+              </a:solidFill>
+              <a:latin typeface="Times New Roman" panose="02020603050405020304" pitchFamily="18" charset="0"/>
+              <a:cs typeface="Times New Roman" panose="02020603050405020304" pitchFamily="18" charset="0"/>
+            </a:endParaRPr>
+          </a:p>
+          <a:p>
+            <a:pPr marL="0" indent="0" algn="just">
+              <a:buNone/>
+            </a:pPr>
+            <a:endParaRPr lang="pt-BR" sz="2400" dirty="0">
+              <a:solidFill>
+                <a:schemeClr val="tx1"/>
+              </a:solidFill>
+              <a:latin typeface="Times New Roman" panose="02020603050405020304" pitchFamily="18" charset="0"/>
+              <a:cs typeface="Times New Roman" panose="02020603050405020304" pitchFamily="18" charset="0"/>
+            </a:endParaRPr>
+          </a:p>
+        </p:txBody>
+      </p:sp>
+    </p:spTree>
+    <p:extLst>
+      <p:ext uri="{BB962C8B-B14F-4D97-AF65-F5344CB8AC3E}">
+        <p14:creationId xmlns:p14="http://schemas.microsoft.com/office/powerpoint/2010/main" val="2397576471"/>
+      </p:ext>
+    </p:extLst>
+  </p:cSld>
+  <p:clrMapOvr>
+    <a:masterClrMapping/>
+  </p:clrMapOvr>
+  <p:transition spd="med"/>
+</p:sld>
+</file>
+
+<file path=ppt/slides/slide70.xml><?xml version="1.0" encoding="utf-8"?>
 <p:sld xmlns:a="http://schemas.openxmlformats.org/drawingml/2006/main" xmlns:r="http://schemas.openxmlformats.org/officeDocument/2006/relationships" xmlns:p="http://schemas.openxmlformats.org/presentationml/2006/main">
   <p:cSld>
     <p:spTree>
@@ -40154,316 +43816,6 @@
         </p:txBody>
       </p:sp>
     </p:spTree>
-  </p:cSld>
-  <p:clrMapOvr>
-    <a:masterClrMapping/>
-  </p:clrMapOvr>
-  <p:transition spd="med"/>
-</p:sld>
-</file>
-
-<file path=ppt/slides/slide7.xml><?xml version="1.0" encoding="utf-8"?>
-<p:sld xmlns:a="http://schemas.openxmlformats.org/drawingml/2006/main" xmlns:r="http://schemas.openxmlformats.org/officeDocument/2006/relationships" xmlns:p="http://schemas.openxmlformats.org/presentationml/2006/main">
-  <p:cSld>
-    <p:spTree>
-      <p:nvGrpSpPr>
-        <p:cNvPr id="1" name=""/>
-        <p:cNvGrpSpPr/>
-        <p:nvPr/>
-      </p:nvGrpSpPr>
-      <p:grpSpPr>
-        <a:xfrm>
-          <a:off x="0" y="0"/>
-          <a:ext cx="0" cy="0"/>
-          <a:chOff x="0" y="0"/>
-          <a:chExt cx="0" cy="0"/>
-        </a:xfrm>
-      </p:grpSpPr>
-      <p:sp>
-        <p:nvSpPr>
-          <p:cNvPr id="6" name="Title 1"/>
-          <p:cNvSpPr>
-            <a:spLocks noGrp="1"/>
-          </p:cNvSpPr>
-          <p:nvPr>
-            <p:ph type="title"/>
-          </p:nvPr>
-        </p:nvSpPr>
-        <p:spPr>
-          <a:xfrm>
-            <a:off x="457200" y="155876"/>
-            <a:ext cx="8229600" cy="857251"/>
-          </a:xfrm>
-        </p:spPr>
-        <p:txBody>
-          <a:bodyPr>
-            <a:normAutofit/>
-          </a:bodyPr>
-          <a:lstStyle/>
-          <a:p>
-            <a:r>
-              <a:rPr lang="en-US" b="1" dirty="0">
-                <a:solidFill>
-                  <a:srgbClr val="0070C0"/>
-                </a:solidFill>
-              </a:rPr>
-              <a:t>PHP – </a:t>
-            </a:r>
-            <a:r>
-              <a:rPr lang="en-US" b="1" dirty="0" err="1">
-                <a:solidFill>
-                  <a:srgbClr val="0070C0"/>
-                </a:solidFill>
-              </a:rPr>
-              <a:t>Ambiente</a:t>
-            </a:r>
-            <a:r>
-              <a:rPr lang="en-US" b="1" dirty="0">
-                <a:solidFill>
-                  <a:srgbClr val="0070C0"/>
-                </a:solidFill>
-              </a:rPr>
-              <a:t> VS Code</a:t>
-            </a:r>
-          </a:p>
-        </p:txBody>
-      </p:sp>
-      <p:sp>
-        <p:nvSpPr>
-          <p:cNvPr id="8" name="Text Placeholder 2"/>
-          <p:cNvSpPr>
-            <a:spLocks noGrp="1"/>
-          </p:cNvSpPr>
-          <p:nvPr>
-            <p:ph type="body" sz="half" idx="1"/>
-          </p:nvPr>
-        </p:nvSpPr>
-        <p:spPr>
-          <a:xfrm>
-            <a:off x="142865" y="1037311"/>
-            <a:ext cx="8865056" cy="3950313"/>
-          </a:xfrm>
-        </p:spPr>
-        <p:txBody>
-          <a:bodyPr>
-            <a:noAutofit/>
-          </a:bodyPr>
-          <a:lstStyle/>
-          <a:p>
-            <a:pPr marL="0" indent="0" algn="just">
-              <a:buNone/>
-            </a:pPr>
-            <a:endParaRPr lang="pt-BR" sz="2400" b="1" dirty="0">
-              <a:solidFill>
-                <a:srgbClr val="FF0000"/>
-              </a:solidFill>
-              <a:latin typeface="Times New Roman" panose="02020603050405020304" pitchFamily="18" charset="0"/>
-              <a:cs typeface="Times New Roman" panose="02020603050405020304" pitchFamily="18" charset="0"/>
-            </a:endParaRPr>
-          </a:p>
-          <a:p>
-            <a:pPr marL="0" indent="0" algn="just">
-              <a:buNone/>
-            </a:pPr>
-            <a:endParaRPr lang="pt-BR" sz="2400" b="1" dirty="0">
-              <a:solidFill>
-                <a:schemeClr val="tx1"/>
-              </a:solidFill>
-              <a:latin typeface="Times New Roman" panose="02020603050405020304" pitchFamily="18" charset="0"/>
-              <a:cs typeface="Times New Roman" panose="02020603050405020304" pitchFamily="18" charset="0"/>
-            </a:endParaRPr>
-          </a:p>
-          <a:p>
-            <a:pPr marL="0" indent="0" algn="just">
-              <a:buNone/>
-            </a:pPr>
-            <a:r>
-              <a:rPr lang="pt-BR" sz="2400" dirty="0">
-                <a:solidFill>
-                  <a:schemeClr val="tx1"/>
-                </a:solidFill>
-                <a:latin typeface="Times New Roman" panose="02020603050405020304" pitchFamily="18" charset="0"/>
-                <a:cs typeface="Times New Roman" panose="02020603050405020304" pitchFamily="18" charset="0"/>
-              </a:rPr>
-              <a:t>No </a:t>
-            </a:r>
-            <a:r>
-              <a:rPr lang="pt-BR" sz="2400" b="1" dirty="0" err="1">
-                <a:solidFill>
-                  <a:schemeClr val="tx1"/>
-                </a:solidFill>
-                <a:latin typeface="Times New Roman" panose="02020603050405020304" pitchFamily="18" charset="0"/>
-                <a:cs typeface="Times New Roman" panose="02020603050405020304" pitchFamily="18" charset="0"/>
-              </a:rPr>
-              <a:t>EasyPHP</a:t>
-            </a:r>
-            <a:r>
-              <a:rPr lang="pt-BR" sz="2400" dirty="0">
-                <a:solidFill>
-                  <a:schemeClr val="tx1"/>
-                </a:solidFill>
-                <a:latin typeface="Times New Roman" panose="02020603050405020304" pitchFamily="18" charset="0"/>
-                <a:cs typeface="Times New Roman" panose="02020603050405020304" pitchFamily="18" charset="0"/>
-              </a:rPr>
-              <a:t>: gravar os </a:t>
-            </a:r>
-            <a:r>
-              <a:rPr lang="pt-BR" sz="2400" dirty="0" err="1">
-                <a:solidFill>
-                  <a:schemeClr val="tx1"/>
-                </a:solidFill>
-                <a:latin typeface="Times New Roman" panose="02020603050405020304" pitchFamily="18" charset="0"/>
-                <a:cs typeface="Times New Roman" panose="02020603050405020304" pitchFamily="18" charset="0"/>
-              </a:rPr>
-              <a:t>arquivos.php</a:t>
-            </a:r>
-            <a:r>
-              <a:rPr lang="pt-BR" sz="2400" dirty="0">
-                <a:solidFill>
-                  <a:schemeClr val="tx1"/>
-                </a:solidFill>
-                <a:latin typeface="Times New Roman" panose="02020603050405020304" pitchFamily="18" charset="0"/>
-                <a:cs typeface="Times New Roman" panose="02020603050405020304" pitchFamily="18" charset="0"/>
-              </a:rPr>
-              <a:t> na pasta </a:t>
-            </a:r>
-            <a:r>
-              <a:rPr lang="pt-BR" sz="2400" b="1" dirty="0">
-                <a:solidFill>
-                  <a:srgbClr val="FF0000"/>
-                </a:solidFill>
-                <a:latin typeface="Times New Roman" panose="02020603050405020304" pitchFamily="18" charset="0"/>
-                <a:cs typeface="Times New Roman" panose="02020603050405020304" pitchFamily="18" charset="0"/>
-              </a:rPr>
-              <a:t>data/</a:t>
-            </a:r>
-            <a:r>
-              <a:rPr lang="pt-BR" sz="2400" b="1" dirty="0" err="1">
-                <a:solidFill>
-                  <a:srgbClr val="FF0000"/>
-                </a:solidFill>
-                <a:latin typeface="Times New Roman" panose="02020603050405020304" pitchFamily="18" charset="0"/>
-                <a:cs typeface="Times New Roman" panose="02020603050405020304" pitchFamily="18" charset="0"/>
-              </a:rPr>
-              <a:t>locaweb</a:t>
-            </a:r>
-            <a:r>
-              <a:rPr lang="pt-BR" sz="2400" b="1" dirty="0">
-                <a:solidFill>
-                  <a:srgbClr val="FF0000"/>
-                </a:solidFill>
-                <a:latin typeface="Times New Roman" panose="02020603050405020304" pitchFamily="18" charset="0"/>
-                <a:cs typeface="Times New Roman" panose="02020603050405020304" pitchFamily="18" charset="0"/>
-              </a:rPr>
-              <a:t>/</a:t>
-            </a:r>
-            <a:r>
-              <a:rPr lang="pt-BR" sz="2400" b="1" dirty="0" err="1">
-                <a:solidFill>
-                  <a:srgbClr val="FF0000"/>
-                </a:solidFill>
-                <a:latin typeface="Times New Roman" panose="02020603050405020304" pitchFamily="18" charset="0"/>
-                <a:cs typeface="Times New Roman" panose="02020603050405020304" pitchFamily="18" charset="0"/>
-              </a:rPr>
-              <a:t>projects</a:t>
-            </a:r>
-            <a:r>
-              <a:rPr lang="pt-BR" sz="2400" b="1" dirty="0">
-                <a:solidFill>
-                  <a:schemeClr val="tx1"/>
-                </a:solidFill>
-                <a:latin typeface="Times New Roman" panose="02020603050405020304" pitchFamily="18" charset="0"/>
-                <a:cs typeface="Times New Roman" panose="02020603050405020304" pitchFamily="18" charset="0"/>
-              </a:rPr>
-              <a:t> </a:t>
-            </a:r>
-            <a:r>
-              <a:rPr lang="pt-BR" sz="2400" dirty="0">
-                <a:solidFill>
-                  <a:schemeClr val="tx1"/>
-                </a:solidFill>
-                <a:latin typeface="Times New Roman" panose="02020603050405020304" pitchFamily="18" charset="0"/>
-                <a:cs typeface="Times New Roman" panose="02020603050405020304" pitchFamily="18" charset="0"/>
-              </a:rPr>
-              <a:t>ou </a:t>
-            </a:r>
-            <a:r>
-              <a:rPr lang="pt-BR" sz="2400" b="1" dirty="0" err="1">
-                <a:solidFill>
-                  <a:srgbClr val="FF0000"/>
-                </a:solidFill>
-                <a:latin typeface="Times New Roman" panose="02020603050405020304" pitchFamily="18" charset="0"/>
-                <a:cs typeface="Times New Roman" panose="02020603050405020304" pitchFamily="18" charset="0"/>
-              </a:rPr>
-              <a:t>www</a:t>
-            </a:r>
-            <a:r>
-              <a:rPr lang="pt-BR" sz="2400" dirty="0">
-                <a:solidFill>
-                  <a:schemeClr val="tx1"/>
-                </a:solidFill>
-                <a:latin typeface="Times New Roman" panose="02020603050405020304" pitchFamily="18" charset="0"/>
-                <a:cs typeface="Times New Roman" panose="02020603050405020304" pitchFamily="18" charset="0"/>
-              </a:rPr>
-              <a:t>, depende da versão instalada.</a:t>
-            </a:r>
-          </a:p>
-          <a:p>
-            <a:pPr marL="0" indent="0" algn="just">
-              <a:buNone/>
-            </a:pPr>
-            <a:endParaRPr lang="pt-BR" sz="2400" dirty="0">
-              <a:solidFill>
-                <a:schemeClr val="tx1"/>
-              </a:solidFill>
-              <a:latin typeface="Times New Roman" panose="02020603050405020304" pitchFamily="18" charset="0"/>
-              <a:cs typeface="Times New Roman" panose="02020603050405020304" pitchFamily="18" charset="0"/>
-            </a:endParaRPr>
-          </a:p>
-          <a:p>
-            <a:pPr marL="0" indent="0" algn="just">
-              <a:buNone/>
-            </a:pPr>
-            <a:endParaRPr lang="pt-BR" sz="2400" dirty="0">
-              <a:solidFill>
-                <a:schemeClr val="tx1"/>
-              </a:solidFill>
-              <a:latin typeface="Times New Roman" panose="02020603050405020304" pitchFamily="18" charset="0"/>
-              <a:cs typeface="Times New Roman" panose="02020603050405020304" pitchFamily="18" charset="0"/>
-            </a:endParaRPr>
-          </a:p>
-          <a:p>
-            <a:pPr marL="0" indent="0" algn="just">
-              <a:buNone/>
-            </a:pPr>
-            <a:endParaRPr lang="pt-BR" sz="2400" dirty="0">
-              <a:solidFill>
-                <a:schemeClr val="tx1"/>
-              </a:solidFill>
-              <a:latin typeface="Times New Roman" panose="02020603050405020304" pitchFamily="18" charset="0"/>
-              <a:cs typeface="Times New Roman" panose="02020603050405020304" pitchFamily="18" charset="0"/>
-            </a:endParaRPr>
-          </a:p>
-          <a:p>
-            <a:pPr marL="0" indent="0" algn="just">
-              <a:buNone/>
-            </a:pPr>
-            <a:endParaRPr lang="pt-BR" sz="2400" dirty="0">
-              <a:solidFill>
-                <a:schemeClr val="tx1"/>
-              </a:solidFill>
-              <a:latin typeface="Times New Roman" panose="02020603050405020304" pitchFamily="18" charset="0"/>
-              <a:cs typeface="Times New Roman" panose="02020603050405020304" pitchFamily="18" charset="0"/>
-            </a:endParaRPr>
-          </a:p>
-        </p:txBody>
-      </p:sp>
-    </p:spTree>
-    <p:extLst>
-      <p:ext uri="{BB962C8B-B14F-4D97-AF65-F5344CB8AC3E}">
-        <p14:creationId xmlns:p14="http://schemas.microsoft.com/office/powerpoint/2010/main" val="2397576471"/>
-      </p:ext>
-    </p:extLst>
   </p:cSld>
   <p:clrMapOvr>
     <a:masterClrMapping/>

--- a/01 Classes/Aula 12 e 13 Desenvolvimento Web PHP - PHP.pptx
+++ b/01 Classes/Aula 12 e 13 Desenvolvimento Web PHP - PHP.pptx
@@ -13,8 +13,8 @@
     <p:sldId id="396" r:id="rId4"/>
     <p:sldId id="404" r:id="rId5"/>
     <p:sldId id="403" r:id="rId6"/>
-    <p:sldId id="405" r:id="rId7"/>
-    <p:sldId id="406" r:id="rId8"/>
+    <p:sldId id="460" r:id="rId7"/>
+    <p:sldId id="405" r:id="rId8"/>
     <p:sldId id="402" r:id="rId9"/>
     <p:sldId id="413" r:id="rId10"/>
     <p:sldId id="398" r:id="rId11"/>
@@ -2797,7 +2797,7 @@
     </p:spTree>
     <p:extLst>
       <p:ext uri="{BB962C8B-B14F-4D97-AF65-F5344CB8AC3E}">
-        <p14:creationId xmlns:p14="http://schemas.microsoft.com/office/powerpoint/2010/main" val="2885963619"/>
+        <p14:creationId xmlns:p14="http://schemas.microsoft.com/office/powerpoint/2010/main" val="2368761610"/>
       </p:ext>
     </p:extLst>
   </p:cSld>
@@ -3523,7 +3523,7 @@
     </p:spTree>
     <p:extLst>
       <p:ext uri="{BB962C8B-B14F-4D97-AF65-F5344CB8AC3E}">
-        <p14:creationId xmlns:p14="http://schemas.microsoft.com/office/powerpoint/2010/main" val="1721036505"/>
+        <p14:creationId xmlns:p14="http://schemas.microsoft.com/office/powerpoint/2010/main" val="2885963619"/>
       </p:ext>
     </p:extLst>
   </p:cSld>
@@ -30284,13 +30284,16 @@
                   <a:srgbClr val="0070C0"/>
                 </a:solidFill>
               </a:rPr>
-              <a:t>Ambiente</a:t>
-            </a:r>
-            <a:endParaRPr lang="en-US" b="1" dirty="0">
-              <a:solidFill>
-                <a:srgbClr val="0070C0"/>
-              </a:solidFill>
-            </a:endParaRPr>
+              <a:t>Exemplos</a:t>
+            </a:r>
+            <a:r>
+              <a:rPr lang="en-US" b="1" dirty="0">
+                <a:solidFill>
+                  <a:srgbClr val="0070C0"/>
+                </a:solidFill>
+              </a:rPr>
+              <a:t> de Ambientes</a:t>
+            </a:r>
           </a:p>
         </p:txBody>
       </p:sp>
@@ -30316,19 +30319,19 @@
           </a:bodyPr>
           <a:lstStyle/>
           <a:p>
-            <a:pPr marL="457200" indent="-457200" algn="just">
-              <a:buFont typeface="+mj-lt"/>
-              <a:buAutoNum type="arabicPeriod"/>
+            <a:pPr marL="0" indent="0" algn="just">
+              <a:buNone/>
             </a:pPr>
             <a:r>
               <a:rPr lang="pt-BR" sz="2400" b="1" dirty="0">
                 <a:solidFill>
-                  <a:srgbClr val="0070C0"/>
-                </a:solidFill>
-                <a:latin typeface="Times New Roman" panose="02020603050405020304" pitchFamily="18" charset="0"/>
-                <a:cs typeface="Times New Roman" panose="02020603050405020304" pitchFamily="18" charset="0"/>
-              </a:rPr>
-              <a:t>X</a:t>
+                  <a:schemeClr val="tx1"/>
+                </a:solidFill>
+                <a:latin typeface="Times New Roman" panose="02020603050405020304" pitchFamily="18" charset="0"/>
+                <a:cs typeface="Times New Roman" panose="02020603050405020304" pitchFamily="18" charset="0"/>
+                <a:hlinkClick r:id="rId3"/>
+              </a:rPr>
+              <a:t>https://www.easyphp.org/</a:t>
             </a:r>
             <a:r>
               <a:rPr lang="pt-BR" sz="2400" b="1" dirty="0">
@@ -30338,37 +30341,38 @@
                 <a:latin typeface="Times New Roman" panose="02020603050405020304" pitchFamily="18" charset="0"/>
                 <a:cs typeface="Times New Roman" panose="02020603050405020304" pitchFamily="18" charset="0"/>
               </a:rPr>
-              <a:t>AMPP: </a:t>
+              <a:t> (</a:t>
+            </a:r>
+            <a:r>
+              <a:rPr lang="pt-BR" sz="2400" b="1" dirty="0" err="1">
+                <a:solidFill>
+                  <a:schemeClr val="tx1"/>
+                </a:solidFill>
+                <a:latin typeface="Times New Roman" panose="02020603050405020304" pitchFamily="18" charset="0"/>
+                <a:cs typeface="Times New Roman" panose="02020603050405020304" pitchFamily="18" charset="0"/>
+              </a:rPr>
+              <a:t>EasyPHP</a:t>
             </a:r>
             <a:r>
               <a:rPr lang="pt-BR" sz="2400" b="1" dirty="0">
                 <a:solidFill>
-                  <a:srgbClr val="FF0000"/>
-                </a:solidFill>
-                <a:latin typeface="Times New Roman" panose="02020603050405020304" pitchFamily="18" charset="0"/>
-                <a:cs typeface="Times New Roman" panose="02020603050405020304" pitchFamily="18" charset="0"/>
-              </a:rPr>
-              <a:t>Apache + </a:t>
-            </a:r>
-            <a:r>
-              <a:rPr lang="pt-BR" sz="2400" b="1" dirty="0" err="1">
-                <a:solidFill>
-                  <a:srgbClr val="FF0000"/>
-                </a:solidFill>
-                <a:latin typeface="Times New Roman" panose="02020603050405020304" pitchFamily="18" charset="0"/>
-                <a:cs typeface="Times New Roman" panose="02020603050405020304" pitchFamily="18" charset="0"/>
-              </a:rPr>
-              <a:t>MariaDB</a:t>
+                  <a:schemeClr val="tx1"/>
+                </a:solidFill>
+                <a:latin typeface="Times New Roman" panose="02020603050405020304" pitchFamily="18" charset="0"/>
+                <a:cs typeface="Times New Roman" panose="02020603050405020304" pitchFamily="18" charset="0"/>
+              </a:rPr>
+              <a:t> </a:t>
             </a:r>
             <a:r>
               <a:rPr lang="pt-BR" sz="2400" b="1" dirty="0">
                 <a:solidFill>
-                  <a:srgbClr val="FF0000"/>
-                </a:solidFill>
-                <a:latin typeface="Times New Roman" panose="02020603050405020304" pitchFamily="18" charset="0"/>
-                <a:cs typeface="Times New Roman" panose="02020603050405020304" pitchFamily="18" charset="0"/>
-              </a:rPr>
-              <a:t> + PHP + Perl (</a:t>
+                  <a:schemeClr val="tx1"/>
+                </a:solidFill>
+                <a:latin typeface="Times New Roman" panose="02020603050405020304" pitchFamily="18" charset="0"/>
+                <a:cs typeface="Times New Roman" panose="02020603050405020304" pitchFamily="18" charset="0"/>
+                <a:sym typeface="Wingdings" panose="05000000000000000000" pitchFamily="2" charset="2"/>
+              </a:rPr>
+              <a:t></a:t>
             </a:r>
             <a:r>
               <a:rPr lang="pt-BR" sz="2400" b="1" dirty="0">
@@ -30378,167 +30382,7 @@
                 <a:latin typeface="Times New Roman" panose="02020603050405020304" pitchFamily="18" charset="0"/>
                 <a:cs typeface="Times New Roman" panose="02020603050405020304" pitchFamily="18" charset="0"/>
               </a:rPr>
-              <a:t>X qualquer SO</a:t>
-            </a:r>
-            <a:r>
-              <a:rPr lang="pt-BR" sz="2400" b="1" dirty="0">
-                <a:solidFill>
-                  <a:srgbClr val="FF0000"/>
-                </a:solidFill>
-                <a:latin typeface="Times New Roman" panose="02020603050405020304" pitchFamily="18" charset="0"/>
-                <a:cs typeface="Times New Roman" panose="02020603050405020304" pitchFamily="18" charset="0"/>
-              </a:rPr>
-              <a:t>)</a:t>
-            </a:r>
-          </a:p>
-          <a:p>
-            <a:pPr marL="0" indent="0" algn="just">
-              <a:buNone/>
-            </a:pPr>
-            <a:r>
-              <a:rPr lang="pt-BR" sz="2400" b="1" dirty="0">
-                <a:solidFill>
-                  <a:srgbClr val="FF0000"/>
-                </a:solidFill>
-                <a:latin typeface="Times New Roman" panose="02020603050405020304" pitchFamily="18" charset="0"/>
-                <a:cs typeface="Times New Roman" panose="02020603050405020304" pitchFamily="18" charset="0"/>
-              </a:rPr>
-              <a:t>	</a:t>
-            </a:r>
-            <a:r>
-              <a:rPr lang="pt-BR" sz="2400" dirty="0">
-                <a:solidFill>
-                  <a:schemeClr val="tx1"/>
-                </a:solidFill>
-                <a:latin typeface="Times New Roman" panose="02020603050405020304" pitchFamily="18" charset="0"/>
-                <a:cs typeface="Times New Roman" panose="02020603050405020304" pitchFamily="18" charset="0"/>
-                <a:hlinkClick r:id="rId3"/>
-              </a:rPr>
-              <a:t>https://www.apachefriends.org/pt_br/index.html</a:t>
-            </a:r>
-            <a:endParaRPr lang="pt-BR" sz="2400" dirty="0">
-              <a:solidFill>
-                <a:schemeClr val="tx1"/>
-              </a:solidFill>
-              <a:latin typeface="Times New Roman" panose="02020603050405020304" pitchFamily="18" charset="0"/>
-              <a:cs typeface="Times New Roman" panose="02020603050405020304" pitchFamily="18" charset="0"/>
-            </a:endParaRPr>
-          </a:p>
-          <a:p>
-            <a:pPr marL="0" indent="0" algn="just">
-              <a:buNone/>
-            </a:pPr>
-            <a:r>
-              <a:rPr lang="pt-BR" sz="2400" dirty="0">
-                <a:solidFill>
-                  <a:schemeClr val="tx1"/>
-                </a:solidFill>
-                <a:latin typeface="Times New Roman" panose="02020603050405020304" pitchFamily="18" charset="0"/>
-                <a:cs typeface="Times New Roman" panose="02020603050405020304" pitchFamily="18" charset="0"/>
-              </a:rPr>
-              <a:t>	Ou </a:t>
-            </a:r>
-            <a:r>
-              <a:rPr lang="pt-BR" sz="2400" b="1" dirty="0">
-                <a:solidFill>
-                  <a:schemeClr val="tx1"/>
-                </a:solidFill>
-                <a:latin typeface="Times New Roman" panose="02020603050405020304" pitchFamily="18" charset="0"/>
-                <a:cs typeface="Times New Roman" panose="02020603050405020304" pitchFamily="18" charset="0"/>
-              </a:rPr>
-              <a:t>Interpretador: </a:t>
-            </a:r>
-            <a:r>
-              <a:rPr lang="pt-BR" sz="2400" dirty="0">
-                <a:solidFill>
-                  <a:schemeClr val="tx1"/>
-                </a:solidFill>
-                <a:latin typeface="Times New Roman" panose="02020603050405020304" pitchFamily="18" charset="0"/>
-                <a:cs typeface="Times New Roman" panose="02020603050405020304" pitchFamily="18" charset="0"/>
-              </a:rPr>
-              <a:t>PHP</a:t>
-            </a:r>
-          </a:p>
-          <a:p>
-            <a:pPr marL="457200" indent="-457200" algn="just">
-              <a:buFont typeface="+mj-lt"/>
-              <a:buAutoNum type="arabicPeriod" startAt="2"/>
-            </a:pPr>
-            <a:r>
-              <a:rPr lang="pt-BR" sz="2400" b="1" dirty="0">
-                <a:solidFill>
-                  <a:schemeClr val="tx1"/>
-                </a:solidFill>
-                <a:latin typeface="Times New Roman" panose="02020603050405020304" pitchFamily="18" charset="0"/>
-                <a:cs typeface="Times New Roman" panose="02020603050405020304" pitchFamily="18" charset="0"/>
-              </a:rPr>
-              <a:t>MYSQL/PostgreSQL:</a:t>
-            </a:r>
-            <a:r>
-              <a:rPr lang="pt-BR" sz="2400" dirty="0">
-                <a:solidFill>
-                  <a:schemeClr val="tx1"/>
-                </a:solidFill>
-                <a:latin typeface="Times New Roman" panose="02020603050405020304" pitchFamily="18" charset="0"/>
-                <a:cs typeface="Times New Roman" panose="02020603050405020304" pitchFamily="18" charset="0"/>
-              </a:rPr>
-              <a:t> Banco de dados</a:t>
-            </a:r>
-          </a:p>
-          <a:p>
-            <a:pPr marL="457200" indent="-457200" algn="just">
-              <a:buFont typeface="+mj-lt"/>
-              <a:buAutoNum type="arabicPeriod" startAt="2"/>
-            </a:pPr>
-            <a:r>
-              <a:rPr lang="pt-BR" sz="2400" b="1" dirty="0">
-                <a:solidFill>
-                  <a:schemeClr val="tx1"/>
-                </a:solidFill>
-                <a:latin typeface="Times New Roman" panose="02020603050405020304" pitchFamily="18" charset="0"/>
-                <a:cs typeface="Times New Roman" panose="02020603050405020304" pitchFamily="18" charset="0"/>
-              </a:rPr>
-              <a:t>IDE: </a:t>
-            </a:r>
-            <a:r>
-              <a:rPr lang="pt-BR" sz="2400" dirty="0" err="1">
-                <a:solidFill>
-                  <a:schemeClr val="tx1"/>
-                </a:solidFill>
-                <a:latin typeface="Times New Roman" panose="02020603050405020304" pitchFamily="18" charset="0"/>
-                <a:cs typeface="Times New Roman" panose="02020603050405020304" pitchFamily="18" charset="0"/>
-              </a:rPr>
-              <a:t>Notepad</a:t>
-            </a:r>
-            <a:r>
-              <a:rPr lang="pt-BR" sz="2400" dirty="0">
-                <a:solidFill>
-                  <a:schemeClr val="tx1"/>
-                </a:solidFill>
-                <a:latin typeface="Times New Roman" panose="02020603050405020304" pitchFamily="18" charset="0"/>
-                <a:cs typeface="Times New Roman" panose="02020603050405020304" pitchFamily="18" charset="0"/>
-              </a:rPr>
-              <a:t>++ (</a:t>
-            </a:r>
-            <a:r>
-              <a:rPr lang="pt-BR" sz="2400" b="1" dirty="0">
-                <a:solidFill>
-                  <a:schemeClr val="tx1"/>
-                </a:solidFill>
-                <a:latin typeface="Times New Roman" panose="02020603050405020304" pitchFamily="18" charset="0"/>
-                <a:cs typeface="Times New Roman" panose="02020603050405020304" pitchFamily="18" charset="0"/>
-              </a:rPr>
-              <a:t>Editor de código</a:t>
-            </a:r>
-            <a:r>
-              <a:rPr lang="pt-BR" sz="2400" dirty="0">
-                <a:solidFill>
-                  <a:schemeClr val="tx1"/>
-                </a:solidFill>
-                <a:latin typeface="Times New Roman" panose="02020603050405020304" pitchFamily="18" charset="0"/>
-                <a:cs typeface="Times New Roman" panose="02020603050405020304" pitchFamily="18" charset="0"/>
-              </a:rPr>
-              <a:t>)</a:t>
+              <a:t> XAMPP); </a:t>
             </a:r>
           </a:p>
           <a:p>
@@ -30558,120 +30402,197 @@
               <a:buNone/>
             </a:pPr>
             <a:r>
+              <a:rPr lang="pt-BR" sz="2400" dirty="0">
+                <a:solidFill>
+                  <a:schemeClr val="tx1"/>
+                </a:solidFill>
+                <a:latin typeface="Times New Roman" panose="02020603050405020304" pitchFamily="18" charset="0"/>
+                <a:cs typeface="Times New Roman" panose="02020603050405020304" pitchFamily="18" charset="0"/>
+              </a:rPr>
+              <a:t>No </a:t>
+            </a:r>
+            <a:r>
+              <a:rPr lang="pt-BR" sz="2400" b="1" dirty="0" err="1">
+                <a:solidFill>
+                  <a:schemeClr val="tx1"/>
+                </a:solidFill>
+                <a:latin typeface="Times New Roman" panose="02020603050405020304" pitchFamily="18" charset="0"/>
+                <a:cs typeface="Times New Roman" panose="02020603050405020304" pitchFamily="18" charset="0"/>
+              </a:rPr>
+              <a:t>EasyPHP</a:t>
+            </a:r>
+            <a:r>
+              <a:rPr lang="pt-BR" sz="2400" dirty="0">
+                <a:solidFill>
+                  <a:schemeClr val="tx1"/>
+                </a:solidFill>
+                <a:latin typeface="Times New Roman" panose="02020603050405020304" pitchFamily="18" charset="0"/>
+                <a:cs typeface="Times New Roman" panose="02020603050405020304" pitchFamily="18" charset="0"/>
+              </a:rPr>
+              <a:t>: gravar os </a:t>
+            </a:r>
+            <a:r>
+              <a:rPr lang="pt-BR" sz="2400" dirty="0" err="1">
+                <a:solidFill>
+                  <a:schemeClr val="tx1"/>
+                </a:solidFill>
+                <a:latin typeface="Times New Roman" panose="02020603050405020304" pitchFamily="18" charset="0"/>
+                <a:cs typeface="Times New Roman" panose="02020603050405020304" pitchFamily="18" charset="0"/>
+              </a:rPr>
+              <a:t>arquivos.php</a:t>
+            </a:r>
+            <a:r>
+              <a:rPr lang="pt-BR" sz="2400" dirty="0">
+                <a:solidFill>
+                  <a:schemeClr val="tx1"/>
+                </a:solidFill>
+                <a:latin typeface="Times New Roman" panose="02020603050405020304" pitchFamily="18" charset="0"/>
+                <a:cs typeface="Times New Roman" panose="02020603050405020304" pitchFamily="18" charset="0"/>
+              </a:rPr>
+              <a:t> na pasta </a:t>
+            </a:r>
+            <a:r>
               <a:rPr lang="pt-BR" sz="2400" b="1" dirty="0">
                 <a:solidFill>
-                  <a:schemeClr val="tx1"/>
-                </a:solidFill>
-                <a:latin typeface="Times New Roman" panose="02020603050405020304" pitchFamily="18" charset="0"/>
-                <a:cs typeface="Times New Roman" panose="02020603050405020304" pitchFamily="18" charset="0"/>
-              </a:rPr>
-              <a:t>Nota: </a:t>
+                  <a:srgbClr val="FF0000"/>
+                </a:solidFill>
+                <a:latin typeface="Times New Roman" panose="02020603050405020304" pitchFamily="18" charset="0"/>
+                <a:cs typeface="Times New Roman" panose="02020603050405020304" pitchFamily="18" charset="0"/>
+              </a:rPr>
+              <a:t>data/</a:t>
+            </a:r>
+            <a:r>
+              <a:rPr lang="pt-BR" sz="2400" b="1" dirty="0" err="1">
+                <a:solidFill>
+                  <a:srgbClr val="FF0000"/>
+                </a:solidFill>
+                <a:latin typeface="Times New Roman" panose="02020603050405020304" pitchFamily="18" charset="0"/>
+                <a:cs typeface="Times New Roman" panose="02020603050405020304" pitchFamily="18" charset="0"/>
+              </a:rPr>
+              <a:t>locaweb</a:t>
             </a:r>
             <a:r>
               <a:rPr lang="pt-BR" sz="2400" b="1" dirty="0">
                 <a:solidFill>
+                  <a:srgbClr val="FF0000"/>
+                </a:solidFill>
+                <a:latin typeface="Times New Roman" panose="02020603050405020304" pitchFamily="18" charset="0"/>
+                <a:cs typeface="Times New Roman" panose="02020603050405020304" pitchFamily="18" charset="0"/>
+              </a:rPr>
+              <a:t>/</a:t>
+            </a:r>
+            <a:r>
+              <a:rPr lang="pt-BR" sz="2400" b="1" dirty="0" err="1">
+                <a:solidFill>
+                  <a:srgbClr val="FF0000"/>
+                </a:solidFill>
+                <a:latin typeface="Times New Roman" panose="02020603050405020304" pitchFamily="18" charset="0"/>
+                <a:cs typeface="Times New Roman" panose="02020603050405020304" pitchFamily="18" charset="0"/>
+              </a:rPr>
+              <a:t>projects</a:t>
+            </a:r>
+            <a:r>
+              <a:rPr lang="pt-BR" sz="2400" b="1" dirty="0">
+                <a:solidFill>
+                  <a:schemeClr val="tx1"/>
+                </a:solidFill>
+                <a:latin typeface="Times New Roman" panose="02020603050405020304" pitchFamily="18" charset="0"/>
+                <a:cs typeface="Times New Roman" panose="02020603050405020304" pitchFamily="18" charset="0"/>
+              </a:rPr>
+              <a:t> </a:t>
+            </a:r>
+            <a:r>
+              <a:rPr lang="pt-BR" sz="2400" dirty="0">
+                <a:solidFill>
+                  <a:schemeClr val="tx1"/>
+                </a:solidFill>
+                <a:latin typeface="Times New Roman" panose="02020603050405020304" pitchFamily="18" charset="0"/>
+                <a:cs typeface="Times New Roman" panose="02020603050405020304" pitchFamily="18" charset="0"/>
+              </a:rPr>
+              <a:t>ou </a:t>
+            </a:r>
+            <a:r>
+              <a:rPr lang="pt-BR" sz="2400" b="1" dirty="0" err="1">
+                <a:solidFill>
+                  <a:srgbClr val="FF0000"/>
+                </a:solidFill>
+                <a:latin typeface="Times New Roman" panose="02020603050405020304" pitchFamily="18" charset="0"/>
+                <a:cs typeface="Times New Roman" panose="02020603050405020304" pitchFamily="18" charset="0"/>
+              </a:rPr>
+              <a:t>www</a:t>
+            </a:r>
+            <a:r>
+              <a:rPr lang="pt-BR" sz="2400" dirty="0">
+                <a:solidFill>
+                  <a:schemeClr val="tx1"/>
+                </a:solidFill>
+                <a:latin typeface="Times New Roman" panose="02020603050405020304" pitchFamily="18" charset="0"/>
+                <a:cs typeface="Times New Roman" panose="02020603050405020304" pitchFamily="18" charset="0"/>
+              </a:rPr>
+              <a:t>, depende da versão instalada.</a:t>
+            </a:r>
+          </a:p>
+          <a:p>
+            <a:pPr marL="0" indent="0" algn="just">
+              <a:buNone/>
+            </a:pPr>
+            <a:endParaRPr lang="pt-BR" sz="2400" b="1" dirty="0">
+              <a:solidFill>
+                <a:schemeClr val="tx1"/>
+              </a:solidFill>
+              <a:latin typeface="Times New Roman" panose="02020603050405020304" pitchFamily="18" charset="0"/>
+              <a:cs typeface="Times New Roman" panose="02020603050405020304" pitchFamily="18" charset="0"/>
+            </a:endParaRPr>
+          </a:p>
+          <a:p>
+            <a:pPr marL="0" indent="0" algn="just">
+              <a:buNone/>
+            </a:pPr>
+            <a:r>
+              <a:rPr lang="pt-BR" sz="2400" b="1" dirty="0" err="1">
+                <a:solidFill>
+                  <a:srgbClr val="FF0000"/>
+                </a:solidFill>
+                <a:latin typeface="Times New Roman" panose="02020603050405020304" pitchFamily="18" charset="0"/>
+                <a:cs typeface="Times New Roman" panose="02020603050405020304" pitchFamily="18" charset="0"/>
+              </a:rPr>
+              <a:t>Laragon</a:t>
+            </a:r>
+            <a:r>
+              <a:rPr lang="pt-BR" sz="2400" b="1" dirty="0">
+                <a:solidFill>
+                  <a:schemeClr val="tx1"/>
+                </a:solidFill>
+                <a:latin typeface="Times New Roman" panose="02020603050405020304" pitchFamily="18" charset="0"/>
+                <a:cs typeface="Times New Roman" panose="02020603050405020304" pitchFamily="18" charset="0"/>
+              </a:rPr>
+              <a:t>;</a:t>
+            </a:r>
+          </a:p>
+          <a:p>
+            <a:pPr marL="0" indent="0" algn="just">
+              <a:buNone/>
+            </a:pPr>
+            <a:endParaRPr lang="pt-BR" sz="2400" b="1" dirty="0">
+              <a:solidFill>
+                <a:schemeClr val="tx1"/>
+              </a:solidFill>
+              <a:latin typeface="Times New Roman" panose="02020603050405020304" pitchFamily="18" charset="0"/>
+              <a:cs typeface="Times New Roman" panose="02020603050405020304" pitchFamily="18" charset="0"/>
+            </a:endParaRPr>
+          </a:p>
+          <a:p>
+            <a:pPr marL="0" indent="0" algn="just">
+              <a:buNone/>
+            </a:pPr>
+            <a:r>
+              <a:rPr lang="pt-BR" sz="2400" b="1" dirty="0">
+                <a:solidFill>
                   <a:schemeClr val="tx1"/>
                 </a:solidFill>
                 <a:latin typeface="Times New Roman" panose="02020603050405020304" pitchFamily="18" charset="0"/>
                 <a:cs typeface="Times New Roman" panose="02020603050405020304" pitchFamily="18" charset="0"/>
                 <a:hlinkClick r:id="rId4"/>
-              </a:rPr>
-              <a:t>https://www.easyphp.org/</a:t>
-            </a:r>
-            <a:r>
-              <a:rPr lang="pt-BR" sz="2400" b="1" dirty="0">
-                <a:solidFill>
-                  <a:schemeClr val="tx1"/>
-                </a:solidFill>
-                <a:latin typeface="Times New Roman" panose="02020603050405020304" pitchFamily="18" charset="0"/>
-                <a:cs typeface="Times New Roman" panose="02020603050405020304" pitchFamily="18" charset="0"/>
-              </a:rPr>
-              <a:t> (</a:t>
-            </a:r>
-            <a:r>
-              <a:rPr lang="pt-BR" sz="2400" b="1" dirty="0" err="1">
-                <a:solidFill>
-                  <a:schemeClr val="tx1"/>
-                </a:solidFill>
-                <a:latin typeface="Times New Roman" panose="02020603050405020304" pitchFamily="18" charset="0"/>
-                <a:cs typeface="Times New Roman" panose="02020603050405020304" pitchFamily="18" charset="0"/>
-              </a:rPr>
-              <a:t>EasyPHP</a:t>
-            </a:r>
-            <a:r>
-              <a:rPr lang="pt-BR" sz="2400" b="1" dirty="0">
-                <a:solidFill>
-                  <a:schemeClr val="tx1"/>
-                </a:solidFill>
-                <a:latin typeface="Times New Roman" panose="02020603050405020304" pitchFamily="18" charset="0"/>
-                <a:cs typeface="Times New Roman" panose="02020603050405020304" pitchFamily="18" charset="0"/>
-              </a:rPr>
-              <a:t> </a:t>
-            </a:r>
-            <a:r>
-              <a:rPr lang="pt-BR" sz="2400" b="1" dirty="0">
-                <a:solidFill>
-                  <a:schemeClr val="tx1"/>
-                </a:solidFill>
-                <a:latin typeface="Times New Roman" panose="02020603050405020304" pitchFamily="18" charset="0"/>
-                <a:cs typeface="Times New Roman" panose="02020603050405020304" pitchFamily="18" charset="0"/>
-                <a:sym typeface="Wingdings" panose="05000000000000000000" pitchFamily="2" charset="2"/>
-              </a:rPr>
-              <a:t></a:t>
-            </a:r>
-            <a:r>
-              <a:rPr lang="pt-BR" sz="2400" b="1" dirty="0">
-                <a:solidFill>
-                  <a:schemeClr val="tx1"/>
-                </a:solidFill>
-                <a:latin typeface="Times New Roman" panose="02020603050405020304" pitchFamily="18" charset="0"/>
-                <a:cs typeface="Times New Roman" panose="02020603050405020304" pitchFamily="18" charset="0"/>
-              </a:rPr>
-              <a:t> XAMPP); </a:t>
-            </a:r>
-            <a:r>
-              <a:rPr lang="pt-BR" sz="2400" b="1" dirty="0" err="1">
-                <a:solidFill>
-                  <a:srgbClr val="FF0000"/>
-                </a:solidFill>
-                <a:latin typeface="Times New Roman" panose="02020603050405020304" pitchFamily="18" charset="0"/>
-                <a:cs typeface="Times New Roman" panose="02020603050405020304" pitchFamily="18" charset="0"/>
-              </a:rPr>
-              <a:t>Laragon</a:t>
-            </a:r>
-            <a:r>
-              <a:rPr lang="pt-BR" sz="2400" b="1" dirty="0">
-                <a:solidFill>
-                  <a:schemeClr val="tx1"/>
-                </a:solidFill>
-                <a:latin typeface="Times New Roman" panose="02020603050405020304" pitchFamily="18" charset="0"/>
-                <a:cs typeface="Times New Roman" panose="02020603050405020304" pitchFamily="18" charset="0"/>
-              </a:rPr>
-              <a:t>;</a:t>
-            </a:r>
-          </a:p>
-          <a:p>
-            <a:pPr marL="0" indent="0" algn="just">
-              <a:buNone/>
-            </a:pPr>
-            <a:r>
-              <a:rPr lang="pt-BR" sz="2400" b="1" dirty="0">
-                <a:solidFill>
-                  <a:schemeClr val="tx1"/>
-                </a:solidFill>
-                <a:latin typeface="Times New Roman" panose="02020603050405020304" pitchFamily="18" charset="0"/>
-                <a:cs typeface="Times New Roman" panose="02020603050405020304" pitchFamily="18" charset="0"/>
-              </a:rPr>
-              <a:t>           </a:t>
-            </a:r>
-            <a:r>
-              <a:rPr lang="pt-BR" sz="2400" b="1" dirty="0">
-                <a:solidFill>
-                  <a:schemeClr val="tx1"/>
-                </a:solidFill>
-                <a:latin typeface="Times New Roman" panose="02020603050405020304" pitchFamily="18" charset="0"/>
-                <a:cs typeface="Times New Roman" panose="02020603050405020304" pitchFamily="18" charset="0"/>
-                <a:hlinkClick r:id="rId5"/>
               </a:rPr>
               <a:t>https://www.jetbrains.com/pt-br/phpstorm/</a:t>
             </a:r>
@@ -36622,8 +36543,21 @@
                   <a:srgbClr val="0070C0"/>
                 </a:solidFill>
               </a:rPr>
-              <a:t> VS Code</a:t>
-            </a:r>
+              <a:t> </a:t>
+            </a:r>
+            <a:r>
+              <a:rPr lang="en-US" b="1" dirty="0" err="1">
+                <a:solidFill>
+                  <a:srgbClr val="0070C0"/>
+                </a:solidFill>
+              </a:rPr>
+              <a:t>Adotado</a:t>
+            </a:r>
+            <a:endParaRPr lang="en-US" b="1" dirty="0">
+              <a:solidFill>
+                <a:srgbClr val="0070C0"/>
+              </a:solidFill>
+            </a:endParaRPr>
           </a:p>
         </p:txBody>
       </p:sp>
@@ -36649,63 +36583,84 @@
           </a:bodyPr>
           <a:lstStyle/>
           <a:p>
-            <a:pPr marL="0" indent="0" algn="just">
-              <a:buNone/>
-            </a:pPr>
-            <a:r>
-              <a:rPr lang="pt-BR" sz="2000" b="1" dirty="0">
+            <a:pPr marL="457200" indent="-457200" algn="just">
+              <a:buFont typeface="+mj-lt"/>
+              <a:buAutoNum type="arabicPeriod"/>
+            </a:pPr>
+            <a:r>
+              <a:rPr lang="pt-BR" sz="2400" b="1" dirty="0">
+                <a:solidFill>
+                  <a:srgbClr val="0070C0"/>
+                </a:solidFill>
+                <a:latin typeface="Times New Roman" panose="02020603050405020304" pitchFamily="18" charset="0"/>
+                <a:cs typeface="Times New Roman" panose="02020603050405020304" pitchFamily="18" charset="0"/>
+              </a:rPr>
+              <a:t>X</a:t>
+            </a:r>
+            <a:r>
+              <a:rPr lang="pt-BR" sz="2400" b="1" dirty="0">
+                <a:solidFill>
+                  <a:schemeClr val="tx1"/>
+                </a:solidFill>
+                <a:latin typeface="Times New Roman" panose="02020603050405020304" pitchFamily="18" charset="0"/>
+                <a:cs typeface="Times New Roman" panose="02020603050405020304" pitchFamily="18" charset="0"/>
+              </a:rPr>
+              <a:t>AMPP: </a:t>
+            </a:r>
+            <a:r>
+              <a:rPr lang="pt-BR" sz="2400" b="1" dirty="0">
                 <a:solidFill>
                   <a:srgbClr val="FF0000"/>
                 </a:solidFill>
                 <a:latin typeface="Times New Roman" panose="02020603050405020304" pitchFamily="18" charset="0"/>
                 <a:cs typeface="Times New Roman" panose="02020603050405020304" pitchFamily="18" charset="0"/>
               </a:rPr>
-              <a:t>- IDE</a:t>
-            </a:r>
-            <a:r>
-              <a:rPr lang="pt-BR" sz="2000" b="1" dirty="0">
-                <a:solidFill>
-                  <a:schemeClr val="tx1"/>
-                </a:solidFill>
-                <a:latin typeface="Times New Roman" panose="02020603050405020304" pitchFamily="18" charset="0"/>
-                <a:cs typeface="Times New Roman" panose="02020603050405020304" pitchFamily="18" charset="0"/>
-              </a:rPr>
-              <a:t>: </a:t>
-            </a:r>
-            <a:r>
-              <a:rPr lang="pt-BR" sz="2000" dirty="0" err="1">
-                <a:solidFill>
-                  <a:schemeClr val="tx1"/>
-                </a:solidFill>
-                <a:latin typeface="Times New Roman" panose="02020603050405020304" pitchFamily="18" charset="0"/>
-                <a:cs typeface="Times New Roman" panose="02020603050405020304" pitchFamily="18" charset="0"/>
-              </a:rPr>
-              <a:t>VSCode</a:t>
-            </a:r>
-            <a:r>
-              <a:rPr lang="pt-BR" sz="2000" dirty="0">
-                <a:solidFill>
-                  <a:schemeClr val="tx1"/>
-                </a:solidFill>
-                <a:latin typeface="Times New Roman" panose="02020603050405020304" pitchFamily="18" charset="0"/>
-                <a:cs typeface="Times New Roman" panose="02020603050405020304" pitchFamily="18" charset="0"/>
-              </a:rPr>
-              <a:t> (</a:t>
-            </a:r>
-            <a:r>
-              <a:rPr lang="pt-BR" sz="2000" b="1" dirty="0">
-                <a:solidFill>
-                  <a:schemeClr val="tx1"/>
-                </a:solidFill>
-                <a:latin typeface="Times New Roman" panose="02020603050405020304" pitchFamily="18" charset="0"/>
-                <a:cs typeface="Times New Roman" panose="02020603050405020304" pitchFamily="18" charset="0"/>
-              </a:rPr>
-              <a:t>Editor de código</a:t>
-            </a:r>
-            <a:r>
-              <a:rPr lang="pt-BR" sz="2000" dirty="0">
-                <a:solidFill>
-                  <a:schemeClr val="tx1"/>
+              <a:t>Apache + </a:t>
+            </a:r>
+            <a:r>
+              <a:rPr lang="pt-BR" sz="2400" b="1" dirty="0" err="1">
+                <a:solidFill>
+                  <a:srgbClr val="FF0000"/>
+                </a:solidFill>
+                <a:latin typeface="Times New Roman" panose="02020603050405020304" pitchFamily="18" charset="0"/>
+                <a:cs typeface="Times New Roman" panose="02020603050405020304" pitchFamily="18" charset="0"/>
+              </a:rPr>
+              <a:t>MariaDB</a:t>
+            </a:r>
+            <a:r>
+              <a:rPr lang="pt-BR" sz="2400" b="1" dirty="0">
+                <a:solidFill>
+                  <a:srgbClr val="FF0000"/>
+                </a:solidFill>
+                <a:latin typeface="Times New Roman" panose="02020603050405020304" pitchFamily="18" charset="0"/>
+                <a:cs typeface="Times New Roman" panose="02020603050405020304" pitchFamily="18" charset="0"/>
+              </a:rPr>
+              <a:t> + PHP + Perl (</a:t>
+            </a:r>
+            <a:r>
+              <a:rPr lang="pt-BR" sz="2400" b="1" dirty="0">
+                <a:solidFill>
+                  <a:srgbClr val="0070C0"/>
+                </a:solidFill>
+                <a:latin typeface="Times New Roman" panose="02020603050405020304" pitchFamily="18" charset="0"/>
+                <a:cs typeface="Times New Roman" panose="02020603050405020304" pitchFamily="18" charset="0"/>
+              </a:rPr>
+              <a:t>X</a:t>
+            </a:r>
+            <a:r>
+              <a:rPr lang="pt-BR" sz="2400" b="1" dirty="0">
+                <a:solidFill>
+                  <a:schemeClr val="tx1"/>
+                </a:solidFill>
+                <a:latin typeface="Times New Roman" panose="02020603050405020304" pitchFamily="18" charset="0"/>
+                <a:cs typeface="Times New Roman" panose="02020603050405020304" pitchFamily="18" charset="0"/>
+              </a:rPr>
+              <a:t> qualquer SO</a:t>
+            </a:r>
+            <a:r>
+              <a:rPr lang="pt-BR" sz="2400" b="1" dirty="0">
+                <a:solidFill>
+                  <a:srgbClr val="FF0000"/>
                 </a:solidFill>
                 <a:latin typeface="Times New Roman" panose="02020603050405020304" pitchFamily="18" charset="0"/>
                 <a:cs typeface="Times New Roman" panose="02020603050405020304" pitchFamily="18" charset="0"/>
@@ -36718,62 +36673,105 @@
               <a:buNone/>
             </a:pPr>
             <a:r>
-              <a:rPr lang="pt-BR" sz="2000" b="1" dirty="0">
-                <a:solidFill>
-                  <a:schemeClr val="tx1"/>
-                </a:solidFill>
-                <a:latin typeface="Times New Roman" panose="02020603050405020304" pitchFamily="18" charset="0"/>
-                <a:cs typeface="Times New Roman" panose="02020603050405020304" pitchFamily="18" charset="0"/>
-              </a:rPr>
-              <a:t>	1. </a:t>
-            </a:r>
-            <a:r>
-              <a:rPr lang="pt-BR" sz="2000" b="1" dirty="0">
+              <a:rPr lang="pt-BR" sz="2400" b="1" dirty="0">
                 <a:solidFill>
                   <a:srgbClr val="FF0000"/>
                 </a:solidFill>
                 <a:latin typeface="Times New Roman" panose="02020603050405020304" pitchFamily="18" charset="0"/>
                 <a:cs typeface="Times New Roman" panose="02020603050405020304" pitchFamily="18" charset="0"/>
               </a:rPr>
-              <a:t>Extensões Gerais</a:t>
-            </a:r>
-            <a:r>
-              <a:rPr lang="pt-BR" sz="2000" b="1" dirty="0">
-                <a:solidFill>
-                  <a:schemeClr val="tx1"/>
-                </a:solidFill>
-                <a:latin typeface="Times New Roman" panose="02020603050405020304" pitchFamily="18" charset="0"/>
-                <a:cs typeface="Times New Roman" panose="02020603050405020304" pitchFamily="18" charset="0"/>
-              </a:rPr>
-              <a:t>: </a:t>
-            </a:r>
-          </a:p>
-          <a:p>
-            <a:pPr marL="0" indent="0" algn="just">
-              <a:buNone/>
-            </a:pPr>
-            <a:r>
-              <a:rPr lang="pt-BR" sz="2000" b="1" dirty="0">
-                <a:solidFill>
-                  <a:schemeClr val="tx1"/>
-                </a:solidFill>
-                <a:latin typeface="Times New Roman" panose="02020603050405020304" pitchFamily="18" charset="0"/>
-                <a:cs typeface="Times New Roman" panose="02020603050405020304" pitchFamily="18" charset="0"/>
-              </a:rPr>
-              <a:t>	    </a:t>
-            </a:r>
-            <a:r>
-              <a:rPr lang="pt-BR" sz="2000" b="1" dirty="0" err="1">
-                <a:solidFill>
-                  <a:schemeClr val="tx1"/>
-                </a:solidFill>
-                <a:latin typeface="Times New Roman" panose="02020603050405020304" pitchFamily="18" charset="0"/>
-                <a:cs typeface="Times New Roman" panose="02020603050405020304" pitchFamily="18" charset="0"/>
-              </a:rPr>
-              <a:t>code</a:t>
-            </a:r>
-            <a:r>
-              <a:rPr lang="pt-BR" sz="2000" b="1" dirty="0">
+              <a:t>	</a:t>
+            </a:r>
+            <a:r>
+              <a:rPr lang="pt-BR" sz="2400" dirty="0">
+                <a:solidFill>
+                  <a:schemeClr val="tx1"/>
+                </a:solidFill>
+                <a:latin typeface="Times New Roman" panose="02020603050405020304" pitchFamily="18" charset="0"/>
+                <a:cs typeface="Times New Roman" panose="02020603050405020304" pitchFamily="18" charset="0"/>
+                <a:hlinkClick r:id="rId3"/>
+              </a:rPr>
+              <a:t>https://www.apachefriends.org/pt_br/index.html</a:t>
+            </a:r>
+            <a:r>
+              <a:rPr lang="pt-BR" sz="2400" dirty="0">
+                <a:solidFill>
+                  <a:schemeClr val="tx1"/>
+                </a:solidFill>
+                <a:latin typeface="Times New Roman" panose="02020603050405020304" pitchFamily="18" charset="0"/>
+                <a:cs typeface="Times New Roman" panose="02020603050405020304" pitchFamily="18" charset="0"/>
+              </a:rPr>
+              <a:t>/</a:t>
+            </a:r>
+          </a:p>
+          <a:p>
+            <a:pPr marL="0" indent="0" algn="just">
+              <a:buNone/>
+            </a:pPr>
+            <a:r>
+              <a:rPr lang="pt-BR" sz="2400" dirty="0">
+                <a:solidFill>
+                  <a:schemeClr val="tx1"/>
+                </a:solidFill>
+                <a:latin typeface="Times New Roman" panose="02020603050405020304" pitchFamily="18" charset="0"/>
+                <a:cs typeface="Times New Roman" panose="02020603050405020304" pitchFamily="18" charset="0"/>
+              </a:rPr>
+              <a:t>	</a:t>
+            </a:r>
+          </a:p>
+          <a:p>
+            <a:pPr marL="457200" indent="-457200" algn="just">
+              <a:buFont typeface="+mj-lt"/>
+              <a:buAutoNum type="arabicPeriod" startAt="2"/>
+            </a:pPr>
+            <a:r>
+              <a:rPr lang="pt-BR" sz="2400" b="1" dirty="0">
+                <a:solidFill>
+                  <a:schemeClr val="tx1"/>
+                </a:solidFill>
+                <a:latin typeface="Times New Roman" panose="02020603050405020304" pitchFamily="18" charset="0"/>
+                <a:cs typeface="Times New Roman" panose="02020603050405020304" pitchFamily="18" charset="0"/>
+              </a:rPr>
+              <a:t>MYSQL:</a:t>
+            </a:r>
+            <a:r>
+              <a:rPr lang="pt-BR" sz="2400" dirty="0">
+                <a:solidFill>
+                  <a:schemeClr val="tx1"/>
+                </a:solidFill>
+                <a:latin typeface="Times New Roman" panose="02020603050405020304" pitchFamily="18" charset="0"/>
+                <a:cs typeface="Times New Roman" panose="02020603050405020304" pitchFamily="18" charset="0"/>
+              </a:rPr>
+              <a:t> Banco de dados</a:t>
+            </a:r>
+          </a:p>
+          <a:p>
+            <a:pPr marL="0" indent="0" algn="just">
+              <a:buNone/>
+            </a:pPr>
+            <a:r>
+              <a:rPr lang="pt-BR" sz="2400" dirty="0">
+                <a:solidFill>
+                  <a:schemeClr val="tx1"/>
+                </a:solidFill>
+                <a:latin typeface="Times New Roman" panose="02020603050405020304" pitchFamily="18" charset="0"/>
+                <a:cs typeface="Times New Roman" panose="02020603050405020304" pitchFamily="18" charset="0"/>
+              </a:rPr>
+              <a:t>	</a:t>
+            </a:r>
+            <a:r>
+              <a:rPr lang="pt-BR" sz="2400" dirty="0">
+                <a:solidFill>
+                  <a:schemeClr val="tx1"/>
+                </a:solidFill>
+                <a:latin typeface="Times New Roman" panose="02020603050405020304" pitchFamily="18" charset="0"/>
+                <a:cs typeface="Times New Roman" panose="02020603050405020304" pitchFamily="18" charset="0"/>
+                <a:hlinkClick r:id="rId4"/>
+              </a:rPr>
+              <a:t>https://dev.mysql.com/downloads/</a:t>
+            </a:r>
+            <a:r>
+              <a:rPr lang="pt-BR" sz="2400" dirty="0">
                 <a:solidFill>
                   <a:schemeClr val="tx1"/>
                 </a:solidFill>
@@ -36782,267 +36780,12 @@
               </a:rPr>
               <a:t> </a:t>
             </a:r>
-            <a:r>
-              <a:rPr lang="pt-BR" sz="2000" b="1" dirty="0" err="1">
-                <a:solidFill>
-                  <a:schemeClr val="tx1"/>
-                </a:solidFill>
-                <a:latin typeface="Times New Roman" panose="02020603050405020304" pitchFamily="18" charset="0"/>
-                <a:cs typeface="Times New Roman" panose="02020603050405020304" pitchFamily="18" charset="0"/>
-              </a:rPr>
-              <a:t>Runner</a:t>
-            </a:r>
-            <a:r>
-              <a:rPr lang="pt-BR" sz="2000" b="1" dirty="0">
-                <a:solidFill>
-                  <a:schemeClr val="tx1"/>
-                </a:solidFill>
-                <a:latin typeface="Times New Roman" panose="02020603050405020304" pitchFamily="18" charset="0"/>
-                <a:cs typeface="Times New Roman" panose="02020603050405020304" pitchFamily="18" charset="0"/>
-              </a:rPr>
-              <a:t>; </a:t>
-            </a:r>
-            <a:r>
-              <a:rPr lang="pt-BR" sz="2000" b="1" dirty="0" err="1">
-                <a:solidFill>
-                  <a:schemeClr val="tx1"/>
-                </a:solidFill>
-                <a:latin typeface="Times New Roman" panose="02020603050405020304" pitchFamily="18" charset="0"/>
-                <a:cs typeface="Times New Roman" panose="02020603050405020304" pitchFamily="18" charset="0"/>
-              </a:rPr>
-              <a:t>DotEnv</a:t>
-            </a:r>
-            <a:r>
-              <a:rPr lang="pt-BR" sz="2000" b="1" dirty="0">
-                <a:solidFill>
-                  <a:schemeClr val="tx1"/>
-                </a:solidFill>
-                <a:latin typeface="Times New Roman" panose="02020603050405020304" pitchFamily="18" charset="0"/>
-                <a:cs typeface="Times New Roman" panose="02020603050405020304" pitchFamily="18" charset="0"/>
-              </a:rPr>
-              <a:t> (.</a:t>
-            </a:r>
-            <a:r>
-              <a:rPr lang="pt-BR" sz="2000" b="1" dirty="0" err="1">
-                <a:solidFill>
-                  <a:schemeClr val="tx1"/>
-                </a:solidFill>
-                <a:latin typeface="Times New Roman" panose="02020603050405020304" pitchFamily="18" charset="0"/>
-                <a:cs typeface="Times New Roman" panose="02020603050405020304" pitchFamily="18" charset="0"/>
-              </a:rPr>
-              <a:t>env</a:t>
-            </a:r>
-            <a:r>
-              <a:rPr lang="pt-BR" sz="2000" b="1" dirty="0">
-                <a:solidFill>
-                  <a:schemeClr val="tx1"/>
-                </a:solidFill>
-                <a:latin typeface="Times New Roman" panose="02020603050405020304" pitchFamily="18" charset="0"/>
-                <a:cs typeface="Times New Roman" panose="02020603050405020304" pitchFamily="18" charset="0"/>
-              </a:rPr>
-              <a:t> = </a:t>
-            </a:r>
-            <a:r>
-              <a:rPr lang="pt-BR" sz="2000" dirty="0">
-                <a:solidFill>
-                  <a:schemeClr val="tx1"/>
-                </a:solidFill>
-                <a:latin typeface="Times New Roman" panose="02020603050405020304" pitchFamily="18" charset="0"/>
-                <a:cs typeface="Times New Roman" panose="02020603050405020304" pitchFamily="18" charset="0"/>
-              </a:rPr>
-              <a:t>variáveis de ambiente</a:t>
-            </a:r>
-            <a:r>
-              <a:rPr lang="pt-BR" sz="2000" b="1" dirty="0">
-                <a:solidFill>
-                  <a:schemeClr val="tx1"/>
-                </a:solidFill>
-                <a:latin typeface="Times New Roman" panose="02020603050405020304" pitchFamily="18" charset="0"/>
-                <a:cs typeface="Times New Roman" panose="02020603050405020304" pitchFamily="18" charset="0"/>
-              </a:rPr>
-              <a:t>); </a:t>
-            </a:r>
-            <a:r>
-              <a:rPr lang="pt-BR" sz="2000" b="1" dirty="0" err="1">
-                <a:solidFill>
-                  <a:schemeClr val="tx1"/>
-                </a:solidFill>
-                <a:latin typeface="Times New Roman" panose="02020603050405020304" pitchFamily="18" charset="0"/>
-                <a:cs typeface="Times New Roman" panose="02020603050405020304" pitchFamily="18" charset="0"/>
-              </a:rPr>
-              <a:t>EditorConfig</a:t>
-            </a:r>
-            <a:r>
-              <a:rPr lang="pt-BR" sz="2000" b="1" dirty="0">
-                <a:solidFill>
-                  <a:schemeClr val="tx1"/>
-                </a:solidFill>
-                <a:latin typeface="Times New Roman" panose="02020603050405020304" pitchFamily="18" charset="0"/>
-                <a:cs typeface="Times New Roman" panose="02020603050405020304" pitchFamily="18" charset="0"/>
-              </a:rPr>
-              <a:t> for VS </a:t>
-            </a:r>
-            <a:r>
-              <a:rPr lang="pt-BR" sz="2000" b="1" dirty="0" err="1">
-                <a:solidFill>
-                  <a:schemeClr val="tx1"/>
-                </a:solidFill>
-                <a:latin typeface="Times New Roman" panose="02020603050405020304" pitchFamily="18" charset="0"/>
-                <a:cs typeface="Times New Roman" panose="02020603050405020304" pitchFamily="18" charset="0"/>
-              </a:rPr>
-              <a:t>Code</a:t>
-            </a:r>
-            <a:r>
-              <a:rPr lang="pt-BR" sz="2000" b="1" dirty="0">
-                <a:solidFill>
-                  <a:schemeClr val="tx1"/>
-                </a:solidFill>
-                <a:latin typeface="Times New Roman" panose="02020603050405020304" pitchFamily="18" charset="0"/>
-                <a:cs typeface="Times New Roman" panose="02020603050405020304" pitchFamily="18" charset="0"/>
-              </a:rPr>
-              <a:t> (</a:t>
-            </a:r>
-            <a:r>
-              <a:rPr lang="pt-BR" sz="2000" dirty="0">
-                <a:solidFill>
-                  <a:schemeClr val="tx1"/>
-                </a:solidFill>
-                <a:latin typeface="Times New Roman" panose="02020603050405020304" pitchFamily="18" charset="0"/>
-                <a:cs typeface="Times New Roman" panose="02020603050405020304" pitchFamily="18" charset="0"/>
-              </a:rPr>
-              <a:t>.</a:t>
-            </a:r>
-            <a:r>
-              <a:rPr lang="pt-BR" sz="2000" dirty="0" err="1">
-                <a:solidFill>
-                  <a:schemeClr val="tx1"/>
-                </a:solidFill>
-                <a:latin typeface="Times New Roman" panose="02020603050405020304" pitchFamily="18" charset="0"/>
-                <a:cs typeface="Times New Roman" panose="02020603050405020304" pitchFamily="18" charset="0"/>
-              </a:rPr>
-              <a:t>editorconfig</a:t>
-            </a:r>
-            <a:r>
-              <a:rPr lang="pt-BR" sz="2000" b="1" dirty="0">
-                <a:solidFill>
-                  <a:schemeClr val="tx1"/>
-                </a:solidFill>
-                <a:latin typeface="Times New Roman" panose="02020603050405020304" pitchFamily="18" charset="0"/>
-                <a:cs typeface="Times New Roman" panose="02020603050405020304" pitchFamily="18" charset="0"/>
-              </a:rPr>
-              <a:t>)</a:t>
-            </a:r>
-          </a:p>
-          <a:p>
-            <a:pPr marL="0" indent="0" algn="just">
-              <a:buNone/>
-            </a:pPr>
-            <a:r>
-              <a:rPr lang="pt-BR" sz="2000" b="1" dirty="0">
-                <a:solidFill>
-                  <a:srgbClr val="FF0000"/>
-                </a:solidFill>
-                <a:latin typeface="Times New Roman" panose="02020603050405020304" pitchFamily="18" charset="0"/>
-                <a:cs typeface="Times New Roman" panose="02020603050405020304" pitchFamily="18" charset="0"/>
-              </a:rPr>
-              <a:t> 	2. Extensões Gerais PHP:</a:t>
-            </a:r>
-          </a:p>
-          <a:p>
-            <a:pPr marL="0" indent="0" algn="just">
-              <a:buNone/>
-            </a:pPr>
-            <a:r>
-              <a:rPr lang="pt-BR" sz="2000" b="1" dirty="0">
-                <a:solidFill>
-                  <a:srgbClr val="FF0000"/>
-                </a:solidFill>
-                <a:latin typeface="Times New Roman" panose="02020603050405020304" pitchFamily="18" charset="0"/>
-                <a:cs typeface="Times New Roman" panose="02020603050405020304" pitchFamily="18" charset="0"/>
-              </a:rPr>
-              <a:t>	    </a:t>
-            </a:r>
-            <a:r>
-              <a:rPr lang="pt-BR" sz="2000" b="1" dirty="0">
-                <a:solidFill>
-                  <a:schemeClr val="tx1"/>
-                </a:solidFill>
-                <a:latin typeface="Times New Roman" panose="02020603050405020304" pitchFamily="18" charset="0"/>
-                <a:cs typeface="Times New Roman" panose="02020603050405020304" pitchFamily="18" charset="0"/>
-              </a:rPr>
-              <a:t>PHP</a:t>
-            </a:r>
-            <a:r>
-              <a:rPr lang="pt-BR" sz="2000" dirty="0">
-                <a:solidFill>
-                  <a:schemeClr val="tx1"/>
-                </a:solidFill>
-                <a:latin typeface="Times New Roman" panose="02020603050405020304" pitchFamily="18" charset="0"/>
-                <a:cs typeface="Times New Roman" panose="02020603050405020304" pitchFamily="18" charset="0"/>
-              </a:rPr>
-              <a:t> </a:t>
-            </a:r>
-            <a:r>
-              <a:rPr lang="pt-BR" sz="2000" b="1" dirty="0" err="1">
-                <a:solidFill>
-                  <a:srgbClr val="FF0000"/>
-                </a:solidFill>
-                <a:latin typeface="Times New Roman" panose="02020603050405020304" pitchFamily="18" charset="0"/>
-                <a:cs typeface="Times New Roman" panose="02020603050405020304" pitchFamily="18" charset="0"/>
-              </a:rPr>
-              <a:t>Intelephense</a:t>
-            </a:r>
-            <a:r>
-              <a:rPr lang="pt-BR" sz="2000" b="1" dirty="0">
-                <a:solidFill>
-                  <a:srgbClr val="FF0000"/>
-                </a:solidFill>
-                <a:latin typeface="Times New Roman" panose="02020603050405020304" pitchFamily="18" charset="0"/>
-                <a:cs typeface="Times New Roman" panose="02020603050405020304" pitchFamily="18" charset="0"/>
-              </a:rPr>
-              <a:t>;</a:t>
-            </a:r>
-            <a:r>
-              <a:rPr lang="pt-BR" sz="2000" b="1" dirty="0">
-                <a:solidFill>
-                  <a:schemeClr val="tx1"/>
-                </a:solidFill>
-                <a:latin typeface="Times New Roman" panose="02020603050405020304" pitchFamily="18" charset="0"/>
-                <a:cs typeface="Times New Roman" panose="02020603050405020304" pitchFamily="18" charset="0"/>
-              </a:rPr>
-              <a:t> PHP Debug; PHP </a:t>
-            </a:r>
-            <a:r>
-              <a:rPr lang="pt-BR" sz="2000" b="1" dirty="0" err="1">
-                <a:solidFill>
-                  <a:schemeClr val="tx1"/>
-                </a:solidFill>
-                <a:latin typeface="Times New Roman" panose="02020603050405020304" pitchFamily="18" charset="0"/>
-                <a:cs typeface="Times New Roman" panose="02020603050405020304" pitchFamily="18" charset="0"/>
-              </a:rPr>
-              <a:t>Getters</a:t>
-            </a:r>
-            <a:r>
-              <a:rPr lang="pt-BR" sz="2000" b="1" dirty="0">
-                <a:solidFill>
-                  <a:schemeClr val="tx1"/>
-                </a:solidFill>
-                <a:latin typeface="Times New Roman" panose="02020603050405020304" pitchFamily="18" charset="0"/>
-                <a:cs typeface="Times New Roman" panose="02020603050405020304" pitchFamily="18" charset="0"/>
-              </a:rPr>
-              <a:t> e </a:t>
-            </a:r>
-            <a:r>
-              <a:rPr lang="pt-BR" sz="2000" b="1" dirty="0" err="1">
-                <a:solidFill>
-                  <a:schemeClr val="tx1"/>
-                </a:solidFill>
-                <a:latin typeface="Times New Roman" panose="02020603050405020304" pitchFamily="18" charset="0"/>
-                <a:cs typeface="Times New Roman" panose="02020603050405020304" pitchFamily="18" charset="0"/>
-              </a:rPr>
-              <a:t>Setters</a:t>
-            </a:r>
-            <a:endParaRPr lang="pt-BR" sz="2000" dirty="0">
+          </a:p>
+          <a:p>
+            <a:pPr marL="0" indent="0" algn="just">
+              <a:buNone/>
+            </a:pPr>
+            <a:endParaRPr lang="pt-BR" sz="2400" dirty="0">
               <a:solidFill>
                 <a:schemeClr val="tx1"/>
               </a:solidFill>
@@ -37051,255 +36794,122 @@
             </a:endParaRPr>
           </a:p>
           <a:p>
-            <a:pPr marL="447675" lvl="1" indent="0" algn="just">
-              <a:buNone/>
-            </a:pPr>
-            <a:r>
-              <a:rPr lang="pt-BR" sz="2000" dirty="0">
-                <a:solidFill>
-                  <a:schemeClr val="tx1"/>
-                </a:solidFill>
-                <a:latin typeface="Times New Roman" panose="02020603050405020304" pitchFamily="18" charset="0"/>
-                <a:cs typeface="Times New Roman" panose="02020603050405020304" pitchFamily="18" charset="0"/>
-              </a:rPr>
-              <a:t> // PHP =&gt; </a:t>
-            </a:r>
-            <a:r>
-              <a:rPr lang="pt-BR" sz="2000" dirty="0" err="1">
-                <a:solidFill>
-                  <a:schemeClr val="tx1"/>
-                </a:solidFill>
-                <a:latin typeface="Times New Roman" panose="02020603050405020304" pitchFamily="18" charset="0"/>
-                <a:cs typeface="Times New Roman" panose="02020603050405020304" pitchFamily="18" charset="0"/>
-              </a:rPr>
-              <a:t>ctrl+shift+p</a:t>
-            </a:r>
-            <a:r>
-              <a:rPr lang="pt-BR" sz="2000" dirty="0">
-                <a:solidFill>
-                  <a:schemeClr val="tx1"/>
-                </a:solidFill>
-                <a:latin typeface="Times New Roman" panose="02020603050405020304" pitchFamily="18" charset="0"/>
-                <a:cs typeface="Times New Roman" panose="02020603050405020304" pitchFamily="18" charset="0"/>
-              </a:rPr>
-              <a:t> = settings (</a:t>
-            </a:r>
-            <a:r>
-              <a:rPr lang="pt-BR" sz="2000" b="1" dirty="0">
+            <a:pPr marL="457200" indent="-457200" algn="just">
+              <a:buFont typeface="+mj-lt"/>
+              <a:buAutoNum type="arabicPeriod" startAt="3"/>
+            </a:pPr>
+            <a:r>
+              <a:rPr lang="pt-BR" sz="2400" b="1" dirty="0">
+                <a:solidFill>
+                  <a:schemeClr val="tx1"/>
+                </a:solidFill>
+                <a:latin typeface="Times New Roman" panose="02020603050405020304" pitchFamily="18" charset="0"/>
+                <a:cs typeface="Times New Roman" panose="02020603050405020304" pitchFamily="18" charset="0"/>
+              </a:rPr>
+              <a:t>IDE: </a:t>
+            </a:r>
+            <a:r>
+              <a:rPr lang="pt-BR" sz="2400" b="1" dirty="0" err="1">
+                <a:solidFill>
+                  <a:schemeClr val="tx1"/>
+                </a:solidFill>
+                <a:latin typeface="Times New Roman" panose="02020603050405020304" pitchFamily="18" charset="0"/>
+                <a:cs typeface="Times New Roman" panose="02020603050405020304" pitchFamily="18" charset="0"/>
+              </a:rPr>
+              <a:t>VSCode</a:t>
+            </a:r>
+            <a:r>
+              <a:rPr lang="pt-BR" sz="2400" b="1" dirty="0">
+                <a:solidFill>
+                  <a:schemeClr val="tx1"/>
+                </a:solidFill>
+                <a:latin typeface="Times New Roman" panose="02020603050405020304" pitchFamily="18" charset="0"/>
+                <a:cs typeface="Times New Roman" panose="02020603050405020304" pitchFamily="18" charset="0"/>
+              </a:rPr>
+              <a:t> </a:t>
+            </a:r>
+            <a:r>
+              <a:rPr lang="pt-BR" sz="2400" b="1" dirty="0">
                 <a:solidFill>
                   <a:srgbClr val="FF0000"/>
                 </a:solidFill>
                 <a:latin typeface="Times New Roman" panose="02020603050405020304" pitchFamily="18" charset="0"/>
                 <a:cs typeface="Times New Roman" panose="02020603050405020304" pitchFamily="18" charset="0"/>
               </a:rPr>
-              <a:t>acrescentar</a:t>
-            </a:r>
-            <a:r>
-              <a:rPr lang="pt-BR" sz="2000" dirty="0">
-                <a:solidFill>
-                  <a:schemeClr val="tx1"/>
-                </a:solidFill>
-                <a:latin typeface="Times New Roman" panose="02020603050405020304" pitchFamily="18" charset="0"/>
-                <a:cs typeface="Times New Roman" panose="02020603050405020304" pitchFamily="18" charset="0"/>
-              </a:rPr>
-              <a:t> na configuração: </a:t>
-            </a:r>
-            <a:r>
-              <a:rPr lang="pt-BR" sz="2000" b="1" dirty="0" err="1">
-                <a:solidFill>
-                  <a:schemeClr val="tx1"/>
-                </a:solidFill>
-                <a:latin typeface="Times New Roman" panose="02020603050405020304" pitchFamily="18" charset="0"/>
-                <a:cs typeface="Times New Roman" panose="02020603050405020304" pitchFamily="18" charset="0"/>
-              </a:rPr>
-              <a:t>settings.json</a:t>
-            </a:r>
-            <a:r>
-              <a:rPr lang="pt-BR" sz="2000" dirty="0">
-                <a:solidFill>
-                  <a:schemeClr val="tx1"/>
-                </a:solidFill>
-                <a:latin typeface="Times New Roman" panose="02020603050405020304" pitchFamily="18" charset="0"/>
-                <a:cs typeface="Times New Roman" panose="02020603050405020304" pitchFamily="18" charset="0"/>
-              </a:rPr>
-              <a:t>)</a:t>
-            </a:r>
-          </a:p>
-          <a:p>
-            <a:pPr marL="447675" lvl="1" indent="0" algn="just">
-              <a:buNone/>
-            </a:pPr>
-            <a:r>
-              <a:rPr lang="pt-BR" sz="2000" dirty="0">
-                <a:solidFill>
-                  <a:schemeClr val="tx1"/>
-                </a:solidFill>
-                <a:latin typeface="Times New Roman" panose="02020603050405020304" pitchFamily="18" charset="0"/>
-                <a:cs typeface="Times New Roman" panose="02020603050405020304" pitchFamily="18" charset="0"/>
-              </a:rPr>
-              <a:t>  "</a:t>
-            </a:r>
-            <a:r>
-              <a:rPr lang="pt-BR" sz="2000" dirty="0" err="1">
-                <a:solidFill>
-                  <a:schemeClr val="tx1"/>
-                </a:solidFill>
-                <a:latin typeface="Times New Roman" panose="02020603050405020304" pitchFamily="18" charset="0"/>
-                <a:cs typeface="Times New Roman" panose="02020603050405020304" pitchFamily="18" charset="0"/>
-              </a:rPr>
-              <a:t>php.validate.executablePath</a:t>
-            </a:r>
-            <a:r>
-              <a:rPr lang="pt-BR" sz="2000" dirty="0">
-                <a:solidFill>
-                  <a:schemeClr val="tx1"/>
-                </a:solidFill>
-                <a:latin typeface="Times New Roman" panose="02020603050405020304" pitchFamily="18" charset="0"/>
-                <a:cs typeface="Times New Roman" panose="02020603050405020304" pitchFamily="18" charset="0"/>
-              </a:rPr>
-              <a:t>": </a:t>
-            </a:r>
-            <a:r>
-              <a:rPr lang="pt-BR" sz="2000">
-                <a:solidFill>
-                  <a:schemeClr val="tx1"/>
-                </a:solidFill>
-                <a:latin typeface="Times New Roman" panose="02020603050405020304" pitchFamily="18" charset="0"/>
-                <a:cs typeface="Times New Roman" panose="02020603050405020304" pitchFamily="18" charset="0"/>
-              </a:rPr>
-              <a:t>“c</a:t>
-            </a:r>
-            <a:r>
-              <a:rPr lang="pt-BR" sz="2000" b="1">
-                <a:solidFill>
-                  <a:schemeClr val="tx1"/>
-                </a:solidFill>
-                <a:latin typeface="Times New Roman" panose="02020603050405020304" pitchFamily="18" charset="0"/>
-                <a:cs typeface="Times New Roman" panose="02020603050405020304" pitchFamily="18" charset="0"/>
-              </a:rPr>
-              <a:t>:\\</a:t>
-            </a:r>
-            <a:r>
-              <a:rPr lang="pt-BR" sz="2000" b="1" dirty="0">
-                <a:solidFill>
-                  <a:schemeClr val="tx1"/>
-                </a:solidFill>
-                <a:latin typeface="Times New Roman" panose="02020603050405020304" pitchFamily="18" charset="0"/>
-                <a:cs typeface="Times New Roman" panose="02020603050405020304" pitchFamily="18" charset="0"/>
-              </a:rPr>
-              <a:t>xampp\\php\\php.exe</a:t>
-            </a:r>
-            <a:r>
-              <a:rPr lang="pt-BR" sz="2000" dirty="0">
-                <a:solidFill>
-                  <a:schemeClr val="tx1"/>
-                </a:solidFill>
-                <a:latin typeface="Times New Roman" panose="02020603050405020304" pitchFamily="18" charset="0"/>
-                <a:cs typeface="Times New Roman" panose="02020603050405020304" pitchFamily="18" charset="0"/>
-              </a:rPr>
-              <a:t>",</a:t>
-            </a:r>
-          </a:p>
-          <a:p>
-            <a:pPr marL="447675" lvl="1" indent="0" algn="just">
-              <a:buNone/>
-            </a:pPr>
-            <a:r>
-              <a:rPr lang="pt-BR" sz="2000" dirty="0">
-                <a:solidFill>
-                  <a:schemeClr val="tx1"/>
-                </a:solidFill>
-                <a:latin typeface="Times New Roman" panose="02020603050405020304" pitchFamily="18" charset="0"/>
-                <a:cs typeface="Times New Roman" panose="02020603050405020304" pitchFamily="18" charset="0"/>
-              </a:rPr>
-              <a:t>  "</a:t>
-            </a:r>
-            <a:r>
-              <a:rPr lang="pt-BR" sz="2000" dirty="0" err="1">
-                <a:solidFill>
-                  <a:schemeClr val="tx1"/>
-                </a:solidFill>
-                <a:latin typeface="Times New Roman" panose="02020603050405020304" pitchFamily="18" charset="0"/>
-                <a:cs typeface="Times New Roman" panose="02020603050405020304" pitchFamily="18" charset="0"/>
-              </a:rPr>
-              <a:t>php.suggest.basic</a:t>
-            </a:r>
-            <a:r>
-              <a:rPr lang="pt-BR" sz="2000" dirty="0">
-                <a:solidFill>
-                  <a:schemeClr val="tx1"/>
-                </a:solidFill>
-                <a:latin typeface="Times New Roman" panose="02020603050405020304" pitchFamily="18" charset="0"/>
-                <a:cs typeface="Times New Roman" panose="02020603050405020304" pitchFamily="18" charset="0"/>
-              </a:rPr>
-              <a:t>": </a:t>
-            </a:r>
-            <a:r>
-              <a:rPr lang="pt-BR" sz="2000" b="1" dirty="0">
-                <a:solidFill>
-                  <a:schemeClr val="tx1"/>
-                </a:solidFill>
-                <a:latin typeface="Times New Roman" panose="02020603050405020304" pitchFamily="18" charset="0"/>
-                <a:cs typeface="Times New Roman" panose="02020603050405020304" pitchFamily="18" charset="0"/>
-              </a:rPr>
-              <a:t>false</a:t>
-            </a:r>
-            <a:r>
-              <a:rPr lang="pt-BR" sz="2000" dirty="0">
-                <a:solidFill>
-                  <a:schemeClr val="tx1"/>
-                </a:solidFill>
-                <a:latin typeface="Times New Roman" panose="02020603050405020304" pitchFamily="18" charset="0"/>
-                <a:cs typeface="Times New Roman" panose="02020603050405020304" pitchFamily="18" charset="0"/>
-              </a:rPr>
-              <a:t>,</a:t>
-            </a:r>
-          </a:p>
-          <a:p>
-            <a:pPr marL="447675" lvl="1" indent="0" algn="just">
-              <a:buNone/>
-            </a:pPr>
-            <a:r>
-              <a:rPr lang="pt-BR" sz="2000" dirty="0">
-                <a:solidFill>
-                  <a:schemeClr val="tx1"/>
-                </a:solidFill>
-                <a:latin typeface="Times New Roman" panose="02020603050405020304" pitchFamily="18" charset="0"/>
-                <a:cs typeface="Times New Roman" panose="02020603050405020304" pitchFamily="18" charset="0"/>
-              </a:rPr>
-              <a:t>  "</a:t>
-            </a:r>
-            <a:r>
-              <a:rPr lang="pt-BR" sz="2000" dirty="0" err="1">
-                <a:solidFill>
-                  <a:schemeClr val="tx1"/>
-                </a:solidFill>
-                <a:latin typeface="Times New Roman" panose="02020603050405020304" pitchFamily="18" charset="0"/>
-                <a:cs typeface="Times New Roman" panose="02020603050405020304" pitchFamily="18" charset="0"/>
-              </a:rPr>
-              <a:t>http.proxyAuthorization</a:t>
-            </a:r>
-            <a:r>
-              <a:rPr lang="pt-BR" sz="2000" dirty="0">
-                <a:solidFill>
-                  <a:schemeClr val="tx1"/>
-                </a:solidFill>
-                <a:latin typeface="Times New Roman" panose="02020603050405020304" pitchFamily="18" charset="0"/>
-                <a:cs typeface="Times New Roman" panose="02020603050405020304" pitchFamily="18" charset="0"/>
-              </a:rPr>
-              <a:t>": </a:t>
-            </a:r>
-            <a:r>
-              <a:rPr lang="pt-BR" sz="2000" b="1" dirty="0" err="1">
-                <a:solidFill>
-                  <a:schemeClr val="tx1"/>
-                </a:solidFill>
-                <a:latin typeface="Times New Roman" panose="02020603050405020304" pitchFamily="18" charset="0"/>
-                <a:cs typeface="Times New Roman" panose="02020603050405020304" pitchFamily="18" charset="0"/>
-              </a:rPr>
-              <a:t>null</a:t>
-            </a:r>
-            <a:endParaRPr lang="pt-BR" sz="2000" b="1" dirty="0">
+              <a:t>ou</a:t>
+            </a:r>
+            <a:r>
+              <a:rPr lang="pt-BR" sz="2400" b="1" dirty="0">
+                <a:solidFill>
+                  <a:schemeClr val="tx1"/>
+                </a:solidFill>
+                <a:latin typeface="Times New Roman" panose="02020603050405020304" pitchFamily="18" charset="0"/>
+                <a:cs typeface="Times New Roman" panose="02020603050405020304" pitchFamily="18" charset="0"/>
+              </a:rPr>
+              <a:t> </a:t>
+            </a:r>
+            <a:r>
+              <a:rPr lang="pt-BR" sz="2400" b="1" dirty="0" err="1">
+                <a:solidFill>
+                  <a:schemeClr val="tx1"/>
+                </a:solidFill>
+                <a:latin typeface="Times New Roman" panose="02020603050405020304" pitchFamily="18" charset="0"/>
+                <a:cs typeface="Times New Roman" panose="02020603050405020304" pitchFamily="18" charset="0"/>
+              </a:rPr>
+              <a:t>Notepad</a:t>
+            </a:r>
+            <a:r>
+              <a:rPr lang="pt-BR" sz="2400" b="1" dirty="0">
+                <a:solidFill>
+                  <a:schemeClr val="tx1"/>
+                </a:solidFill>
+                <a:latin typeface="Times New Roman" panose="02020603050405020304" pitchFamily="18" charset="0"/>
+                <a:cs typeface="Times New Roman" panose="02020603050405020304" pitchFamily="18" charset="0"/>
+              </a:rPr>
+              <a:t>++ (Editor de código)</a:t>
+            </a:r>
+          </a:p>
+          <a:p>
+            <a:pPr marL="0" indent="0" algn="just">
+              <a:buNone/>
+            </a:pPr>
+            <a:r>
+              <a:rPr lang="pt-BR" sz="2400" dirty="0">
+                <a:solidFill>
+                  <a:schemeClr val="tx1"/>
+                </a:solidFill>
+                <a:latin typeface="Times New Roman" panose="02020603050405020304" pitchFamily="18" charset="0"/>
+                <a:cs typeface="Times New Roman" panose="02020603050405020304" pitchFamily="18" charset="0"/>
+              </a:rPr>
+              <a:t>	</a:t>
+            </a:r>
+            <a:r>
+              <a:rPr lang="pt-BR" sz="2400" dirty="0">
+                <a:solidFill>
+                  <a:schemeClr val="tx1"/>
+                </a:solidFill>
+                <a:latin typeface="Times New Roman" panose="02020603050405020304" pitchFamily="18" charset="0"/>
+                <a:cs typeface="Times New Roman" panose="02020603050405020304" pitchFamily="18" charset="0"/>
+                <a:hlinkClick r:id="rId5"/>
+              </a:rPr>
+              <a:t>https://code.visualstudio.com/Download</a:t>
+            </a:r>
+            <a:r>
+              <a:rPr lang="pt-BR" sz="2400" dirty="0">
+                <a:solidFill>
+                  <a:schemeClr val="tx1"/>
+                </a:solidFill>
+                <a:latin typeface="Times New Roman" panose="02020603050405020304" pitchFamily="18" charset="0"/>
+                <a:cs typeface="Times New Roman" panose="02020603050405020304" pitchFamily="18" charset="0"/>
+              </a:rPr>
+              <a:t>/</a:t>
+            </a:r>
+          </a:p>
+          <a:p>
+            <a:pPr marL="0" indent="0" algn="just">
+              <a:buNone/>
+            </a:pPr>
+            <a:endParaRPr lang="pt-BR" sz="2400" dirty="0">
               <a:solidFill>
                 <a:schemeClr val="tx1"/>
               </a:solidFill>
@@ -37307,24 +36917,12 @@
               <a:cs typeface="Times New Roman" panose="02020603050405020304" pitchFamily="18" charset="0"/>
             </a:endParaRPr>
           </a:p>
-          <a:p>
-            <a:pPr marL="0" indent="0" algn="just">
-              <a:buNone/>
-            </a:pPr>
-            <a:endParaRPr lang="pt-BR" sz="2000" dirty="0">
-              <a:solidFill>
-                <a:schemeClr val="tx1"/>
-              </a:solidFill>
-              <a:latin typeface="Times New Roman" panose="02020603050405020304" pitchFamily="18" charset="0"/>
-              <a:cs typeface="Times New Roman" panose="02020603050405020304" pitchFamily="18" charset="0"/>
-            </a:endParaRPr>
-          </a:p>
         </p:txBody>
       </p:sp>
     </p:spTree>
     <p:extLst>
       <p:ext uri="{BB962C8B-B14F-4D97-AF65-F5344CB8AC3E}">
-        <p14:creationId xmlns:p14="http://schemas.microsoft.com/office/powerpoint/2010/main" val="3722562167"/>
+        <p14:creationId xmlns:p14="http://schemas.microsoft.com/office/powerpoint/2010/main" val="1521405116"/>
       </p:ext>
     </p:extLst>
   </p:cSld>
@@ -43139,7 +42737,417 @@
             <a:pPr marL="0" indent="0" algn="just">
               <a:buNone/>
             </a:pPr>
-            <a:endParaRPr lang="pt-BR" sz="2400" b="1" dirty="0">
+            <a:r>
+              <a:rPr lang="pt-BR" sz="2000" b="1" dirty="0">
+                <a:solidFill>
+                  <a:srgbClr val="FF0000"/>
+                </a:solidFill>
+                <a:latin typeface="Times New Roman" panose="02020603050405020304" pitchFamily="18" charset="0"/>
+                <a:cs typeface="Times New Roman" panose="02020603050405020304" pitchFamily="18" charset="0"/>
+              </a:rPr>
+              <a:t>- IDE</a:t>
+            </a:r>
+            <a:r>
+              <a:rPr lang="pt-BR" sz="2000" b="1" dirty="0">
+                <a:solidFill>
+                  <a:schemeClr val="tx1"/>
+                </a:solidFill>
+                <a:latin typeface="Times New Roman" panose="02020603050405020304" pitchFamily="18" charset="0"/>
+                <a:cs typeface="Times New Roman" panose="02020603050405020304" pitchFamily="18" charset="0"/>
+              </a:rPr>
+              <a:t>: </a:t>
+            </a:r>
+            <a:r>
+              <a:rPr lang="pt-BR" sz="2000" dirty="0" err="1">
+                <a:solidFill>
+                  <a:schemeClr val="tx1"/>
+                </a:solidFill>
+                <a:latin typeface="Times New Roman" panose="02020603050405020304" pitchFamily="18" charset="0"/>
+                <a:cs typeface="Times New Roman" panose="02020603050405020304" pitchFamily="18" charset="0"/>
+              </a:rPr>
+              <a:t>VSCode</a:t>
+            </a:r>
+            <a:r>
+              <a:rPr lang="pt-BR" sz="2000" dirty="0">
+                <a:solidFill>
+                  <a:schemeClr val="tx1"/>
+                </a:solidFill>
+                <a:latin typeface="Times New Roman" panose="02020603050405020304" pitchFamily="18" charset="0"/>
+                <a:cs typeface="Times New Roman" panose="02020603050405020304" pitchFamily="18" charset="0"/>
+              </a:rPr>
+              <a:t> (</a:t>
+            </a:r>
+            <a:r>
+              <a:rPr lang="pt-BR" sz="2000" b="1" dirty="0">
+                <a:solidFill>
+                  <a:schemeClr val="tx1"/>
+                </a:solidFill>
+                <a:latin typeface="Times New Roman" panose="02020603050405020304" pitchFamily="18" charset="0"/>
+                <a:cs typeface="Times New Roman" panose="02020603050405020304" pitchFamily="18" charset="0"/>
+              </a:rPr>
+              <a:t>Editor de código</a:t>
+            </a:r>
+            <a:r>
+              <a:rPr lang="pt-BR" sz="2000" dirty="0">
+                <a:solidFill>
+                  <a:schemeClr val="tx1"/>
+                </a:solidFill>
+                <a:latin typeface="Times New Roman" panose="02020603050405020304" pitchFamily="18" charset="0"/>
+                <a:cs typeface="Times New Roman" panose="02020603050405020304" pitchFamily="18" charset="0"/>
+              </a:rPr>
+              <a:t>)</a:t>
+            </a:r>
+          </a:p>
+          <a:p>
+            <a:pPr marL="0" indent="0" algn="just">
+              <a:buNone/>
+            </a:pPr>
+            <a:r>
+              <a:rPr lang="pt-BR" sz="2000" b="1" dirty="0">
+                <a:solidFill>
+                  <a:schemeClr val="tx1"/>
+                </a:solidFill>
+                <a:latin typeface="Times New Roman" panose="02020603050405020304" pitchFamily="18" charset="0"/>
+                <a:cs typeface="Times New Roman" panose="02020603050405020304" pitchFamily="18" charset="0"/>
+              </a:rPr>
+              <a:t>	1. </a:t>
+            </a:r>
+            <a:r>
+              <a:rPr lang="pt-BR" sz="2000" b="1" dirty="0">
+                <a:solidFill>
+                  <a:srgbClr val="FF0000"/>
+                </a:solidFill>
+                <a:latin typeface="Times New Roman" panose="02020603050405020304" pitchFamily="18" charset="0"/>
+                <a:cs typeface="Times New Roman" panose="02020603050405020304" pitchFamily="18" charset="0"/>
+              </a:rPr>
+              <a:t>Extensões Gerais</a:t>
+            </a:r>
+            <a:r>
+              <a:rPr lang="pt-BR" sz="2000" b="1" dirty="0">
+                <a:solidFill>
+                  <a:schemeClr val="tx1"/>
+                </a:solidFill>
+                <a:latin typeface="Times New Roman" panose="02020603050405020304" pitchFamily="18" charset="0"/>
+                <a:cs typeface="Times New Roman" panose="02020603050405020304" pitchFamily="18" charset="0"/>
+              </a:rPr>
+              <a:t>: </a:t>
+            </a:r>
+          </a:p>
+          <a:p>
+            <a:pPr marL="0" indent="0" algn="just">
+              <a:buNone/>
+            </a:pPr>
+            <a:r>
+              <a:rPr lang="pt-BR" sz="2000" b="1" dirty="0">
+                <a:solidFill>
+                  <a:schemeClr val="tx1"/>
+                </a:solidFill>
+                <a:latin typeface="Times New Roman" panose="02020603050405020304" pitchFamily="18" charset="0"/>
+                <a:cs typeface="Times New Roman" panose="02020603050405020304" pitchFamily="18" charset="0"/>
+              </a:rPr>
+              <a:t>	    </a:t>
+            </a:r>
+            <a:r>
+              <a:rPr lang="pt-BR" sz="2000" b="1" dirty="0" err="1">
+                <a:solidFill>
+                  <a:schemeClr val="tx1"/>
+                </a:solidFill>
+                <a:latin typeface="Times New Roman" panose="02020603050405020304" pitchFamily="18" charset="0"/>
+                <a:cs typeface="Times New Roman" panose="02020603050405020304" pitchFamily="18" charset="0"/>
+              </a:rPr>
+              <a:t>code</a:t>
+            </a:r>
+            <a:r>
+              <a:rPr lang="pt-BR" sz="2000" b="1" dirty="0">
+                <a:solidFill>
+                  <a:schemeClr val="tx1"/>
+                </a:solidFill>
+                <a:latin typeface="Times New Roman" panose="02020603050405020304" pitchFamily="18" charset="0"/>
+                <a:cs typeface="Times New Roman" panose="02020603050405020304" pitchFamily="18" charset="0"/>
+              </a:rPr>
+              <a:t> </a:t>
+            </a:r>
+            <a:r>
+              <a:rPr lang="pt-BR" sz="2000" b="1" dirty="0" err="1">
+                <a:solidFill>
+                  <a:schemeClr val="tx1"/>
+                </a:solidFill>
+                <a:latin typeface="Times New Roman" panose="02020603050405020304" pitchFamily="18" charset="0"/>
+                <a:cs typeface="Times New Roman" panose="02020603050405020304" pitchFamily="18" charset="0"/>
+              </a:rPr>
+              <a:t>Runner</a:t>
+            </a:r>
+            <a:r>
+              <a:rPr lang="pt-BR" sz="2000" b="1" dirty="0">
+                <a:solidFill>
+                  <a:schemeClr val="tx1"/>
+                </a:solidFill>
+                <a:latin typeface="Times New Roman" panose="02020603050405020304" pitchFamily="18" charset="0"/>
+                <a:cs typeface="Times New Roman" panose="02020603050405020304" pitchFamily="18" charset="0"/>
+              </a:rPr>
+              <a:t>; </a:t>
+            </a:r>
+            <a:r>
+              <a:rPr lang="pt-BR" sz="2000" b="1" dirty="0" err="1">
+                <a:solidFill>
+                  <a:schemeClr val="tx1"/>
+                </a:solidFill>
+                <a:latin typeface="Times New Roman" panose="02020603050405020304" pitchFamily="18" charset="0"/>
+                <a:cs typeface="Times New Roman" panose="02020603050405020304" pitchFamily="18" charset="0"/>
+              </a:rPr>
+              <a:t>DotEnv</a:t>
+            </a:r>
+            <a:r>
+              <a:rPr lang="pt-BR" sz="2000" b="1" dirty="0">
+                <a:solidFill>
+                  <a:schemeClr val="tx1"/>
+                </a:solidFill>
+                <a:latin typeface="Times New Roman" panose="02020603050405020304" pitchFamily="18" charset="0"/>
+                <a:cs typeface="Times New Roman" panose="02020603050405020304" pitchFamily="18" charset="0"/>
+              </a:rPr>
+              <a:t> (.</a:t>
+            </a:r>
+            <a:r>
+              <a:rPr lang="pt-BR" sz="2000" b="1" dirty="0" err="1">
+                <a:solidFill>
+                  <a:schemeClr val="tx1"/>
+                </a:solidFill>
+                <a:latin typeface="Times New Roman" panose="02020603050405020304" pitchFamily="18" charset="0"/>
+                <a:cs typeface="Times New Roman" panose="02020603050405020304" pitchFamily="18" charset="0"/>
+              </a:rPr>
+              <a:t>env</a:t>
+            </a:r>
+            <a:r>
+              <a:rPr lang="pt-BR" sz="2000" b="1" dirty="0">
+                <a:solidFill>
+                  <a:schemeClr val="tx1"/>
+                </a:solidFill>
+                <a:latin typeface="Times New Roman" panose="02020603050405020304" pitchFamily="18" charset="0"/>
+                <a:cs typeface="Times New Roman" panose="02020603050405020304" pitchFamily="18" charset="0"/>
+              </a:rPr>
+              <a:t> = </a:t>
+            </a:r>
+            <a:r>
+              <a:rPr lang="pt-BR" sz="2000" dirty="0">
+                <a:solidFill>
+                  <a:schemeClr val="tx1"/>
+                </a:solidFill>
+                <a:latin typeface="Times New Roman" panose="02020603050405020304" pitchFamily="18" charset="0"/>
+                <a:cs typeface="Times New Roman" panose="02020603050405020304" pitchFamily="18" charset="0"/>
+              </a:rPr>
+              <a:t>variáveis de ambiente</a:t>
+            </a:r>
+            <a:r>
+              <a:rPr lang="pt-BR" sz="2000" b="1" dirty="0">
+                <a:solidFill>
+                  <a:schemeClr val="tx1"/>
+                </a:solidFill>
+                <a:latin typeface="Times New Roman" panose="02020603050405020304" pitchFamily="18" charset="0"/>
+                <a:cs typeface="Times New Roman" panose="02020603050405020304" pitchFamily="18" charset="0"/>
+              </a:rPr>
+              <a:t>); </a:t>
+            </a:r>
+            <a:r>
+              <a:rPr lang="pt-BR" sz="2000" b="1" dirty="0" err="1">
+                <a:solidFill>
+                  <a:schemeClr val="tx1"/>
+                </a:solidFill>
+                <a:latin typeface="Times New Roman" panose="02020603050405020304" pitchFamily="18" charset="0"/>
+                <a:cs typeface="Times New Roman" panose="02020603050405020304" pitchFamily="18" charset="0"/>
+              </a:rPr>
+              <a:t>EditorConfig</a:t>
+            </a:r>
+            <a:r>
+              <a:rPr lang="pt-BR" sz="2000" b="1" dirty="0">
+                <a:solidFill>
+                  <a:schemeClr val="tx1"/>
+                </a:solidFill>
+                <a:latin typeface="Times New Roman" panose="02020603050405020304" pitchFamily="18" charset="0"/>
+                <a:cs typeface="Times New Roman" panose="02020603050405020304" pitchFamily="18" charset="0"/>
+              </a:rPr>
+              <a:t> for VS </a:t>
+            </a:r>
+            <a:r>
+              <a:rPr lang="pt-BR" sz="2000" b="1" dirty="0" err="1">
+                <a:solidFill>
+                  <a:schemeClr val="tx1"/>
+                </a:solidFill>
+                <a:latin typeface="Times New Roman" panose="02020603050405020304" pitchFamily="18" charset="0"/>
+                <a:cs typeface="Times New Roman" panose="02020603050405020304" pitchFamily="18" charset="0"/>
+              </a:rPr>
+              <a:t>Code</a:t>
+            </a:r>
+            <a:r>
+              <a:rPr lang="pt-BR" sz="2000" b="1" dirty="0">
+                <a:solidFill>
+                  <a:schemeClr val="tx1"/>
+                </a:solidFill>
+                <a:latin typeface="Times New Roman" panose="02020603050405020304" pitchFamily="18" charset="0"/>
+                <a:cs typeface="Times New Roman" panose="02020603050405020304" pitchFamily="18" charset="0"/>
+              </a:rPr>
+              <a:t> (</a:t>
+            </a:r>
+            <a:r>
+              <a:rPr lang="pt-BR" sz="2000" dirty="0">
+                <a:solidFill>
+                  <a:schemeClr val="tx1"/>
+                </a:solidFill>
+                <a:latin typeface="Times New Roman" panose="02020603050405020304" pitchFamily="18" charset="0"/>
+                <a:cs typeface="Times New Roman" panose="02020603050405020304" pitchFamily="18" charset="0"/>
+              </a:rPr>
+              <a:t>.</a:t>
+            </a:r>
+            <a:r>
+              <a:rPr lang="pt-BR" sz="2000" dirty="0" err="1">
+                <a:solidFill>
+                  <a:schemeClr val="tx1"/>
+                </a:solidFill>
+                <a:latin typeface="Times New Roman" panose="02020603050405020304" pitchFamily="18" charset="0"/>
+                <a:cs typeface="Times New Roman" panose="02020603050405020304" pitchFamily="18" charset="0"/>
+              </a:rPr>
+              <a:t>editorconfig</a:t>
+            </a:r>
+            <a:r>
+              <a:rPr lang="pt-BR" sz="2000" b="1" dirty="0">
+                <a:solidFill>
+                  <a:schemeClr val="tx1"/>
+                </a:solidFill>
+                <a:latin typeface="Times New Roman" panose="02020603050405020304" pitchFamily="18" charset="0"/>
+                <a:cs typeface="Times New Roman" panose="02020603050405020304" pitchFamily="18" charset="0"/>
+              </a:rPr>
+              <a:t>)</a:t>
+            </a:r>
+          </a:p>
+          <a:p>
+            <a:pPr marL="0" indent="0" algn="just">
+              <a:buNone/>
+            </a:pPr>
+            <a:r>
+              <a:rPr lang="pt-BR" sz="2000" b="1" dirty="0">
+                <a:solidFill>
+                  <a:srgbClr val="FF0000"/>
+                </a:solidFill>
+                <a:latin typeface="Times New Roman" panose="02020603050405020304" pitchFamily="18" charset="0"/>
+                <a:cs typeface="Times New Roman" panose="02020603050405020304" pitchFamily="18" charset="0"/>
+              </a:rPr>
+              <a:t> 	2. Extensões Gerais PHP:</a:t>
+            </a:r>
+          </a:p>
+          <a:p>
+            <a:pPr marL="0" indent="0" algn="just">
+              <a:buNone/>
+            </a:pPr>
+            <a:r>
+              <a:rPr lang="pt-BR" sz="2000" b="1" dirty="0">
+                <a:solidFill>
+                  <a:srgbClr val="FF0000"/>
+                </a:solidFill>
+                <a:latin typeface="Times New Roman" panose="02020603050405020304" pitchFamily="18" charset="0"/>
+                <a:cs typeface="Times New Roman" panose="02020603050405020304" pitchFamily="18" charset="0"/>
+              </a:rPr>
+              <a:t>	    </a:t>
+            </a:r>
+            <a:r>
+              <a:rPr lang="pt-BR" sz="2000" b="1" dirty="0">
+                <a:solidFill>
+                  <a:schemeClr val="tx1"/>
+                </a:solidFill>
+                <a:latin typeface="Times New Roman" panose="02020603050405020304" pitchFamily="18" charset="0"/>
+                <a:cs typeface="Times New Roman" panose="02020603050405020304" pitchFamily="18" charset="0"/>
+              </a:rPr>
+              <a:t>PHP</a:t>
+            </a:r>
+            <a:r>
+              <a:rPr lang="pt-BR" sz="2000" dirty="0">
+                <a:solidFill>
+                  <a:schemeClr val="tx1"/>
+                </a:solidFill>
+                <a:latin typeface="Times New Roman" panose="02020603050405020304" pitchFamily="18" charset="0"/>
+                <a:cs typeface="Times New Roman" panose="02020603050405020304" pitchFamily="18" charset="0"/>
+              </a:rPr>
+              <a:t> </a:t>
+            </a:r>
+            <a:r>
+              <a:rPr lang="pt-BR" sz="2000" b="1" dirty="0" err="1">
+                <a:solidFill>
+                  <a:srgbClr val="FF0000"/>
+                </a:solidFill>
+                <a:latin typeface="Times New Roman" panose="02020603050405020304" pitchFamily="18" charset="0"/>
+                <a:cs typeface="Times New Roman" panose="02020603050405020304" pitchFamily="18" charset="0"/>
+              </a:rPr>
+              <a:t>Intelephense</a:t>
+            </a:r>
+            <a:r>
+              <a:rPr lang="pt-BR" sz="2000" b="1" dirty="0">
+                <a:solidFill>
+                  <a:srgbClr val="FF0000"/>
+                </a:solidFill>
+                <a:latin typeface="Times New Roman" panose="02020603050405020304" pitchFamily="18" charset="0"/>
+                <a:cs typeface="Times New Roman" panose="02020603050405020304" pitchFamily="18" charset="0"/>
+              </a:rPr>
+              <a:t>;</a:t>
+            </a:r>
+            <a:r>
+              <a:rPr lang="pt-BR" sz="2000" b="1" dirty="0">
+                <a:solidFill>
+                  <a:schemeClr val="tx1"/>
+                </a:solidFill>
+                <a:latin typeface="Times New Roman" panose="02020603050405020304" pitchFamily="18" charset="0"/>
+                <a:cs typeface="Times New Roman" panose="02020603050405020304" pitchFamily="18" charset="0"/>
+              </a:rPr>
+              <a:t> PHP </a:t>
+            </a:r>
+            <a:r>
+              <a:rPr lang="pt-BR" sz="2000" b="1" dirty="0">
+                <a:solidFill>
+                  <a:srgbClr val="FF0000"/>
+                </a:solidFill>
+                <a:latin typeface="Times New Roman" panose="02020603050405020304" pitchFamily="18" charset="0"/>
+                <a:cs typeface="Times New Roman" panose="02020603050405020304" pitchFamily="18" charset="0"/>
+              </a:rPr>
+              <a:t>Debug</a:t>
+            </a:r>
+            <a:r>
+              <a:rPr lang="pt-BR" sz="2000" b="1" dirty="0">
+                <a:solidFill>
+                  <a:schemeClr val="tx1"/>
+                </a:solidFill>
+                <a:latin typeface="Times New Roman" panose="02020603050405020304" pitchFamily="18" charset="0"/>
+                <a:cs typeface="Times New Roman" panose="02020603050405020304" pitchFamily="18" charset="0"/>
+              </a:rPr>
+              <a:t>; PHP </a:t>
+            </a:r>
+            <a:r>
+              <a:rPr lang="pt-BR" sz="2000" b="1" dirty="0" err="1">
+                <a:solidFill>
+                  <a:srgbClr val="FF0000"/>
+                </a:solidFill>
+                <a:latin typeface="Times New Roman" panose="02020603050405020304" pitchFamily="18" charset="0"/>
+                <a:cs typeface="Times New Roman" panose="02020603050405020304" pitchFamily="18" charset="0"/>
+              </a:rPr>
+              <a:t>Getters</a:t>
+            </a:r>
+            <a:r>
+              <a:rPr lang="pt-BR" sz="2000" b="1" dirty="0">
+                <a:solidFill>
+                  <a:srgbClr val="FF0000"/>
+                </a:solidFill>
+                <a:latin typeface="Times New Roman" panose="02020603050405020304" pitchFamily="18" charset="0"/>
+                <a:cs typeface="Times New Roman" panose="02020603050405020304" pitchFamily="18" charset="0"/>
+              </a:rPr>
+              <a:t> e </a:t>
+            </a:r>
+            <a:r>
+              <a:rPr lang="pt-BR" sz="2000" b="1" dirty="0" err="1">
+                <a:solidFill>
+                  <a:srgbClr val="FF0000"/>
+                </a:solidFill>
+                <a:latin typeface="Times New Roman" panose="02020603050405020304" pitchFamily="18" charset="0"/>
+                <a:cs typeface="Times New Roman" panose="02020603050405020304" pitchFamily="18" charset="0"/>
+              </a:rPr>
+              <a:t>Setters</a:t>
+            </a:r>
+            <a:endParaRPr lang="pt-BR" sz="2000" dirty="0">
               <a:solidFill>
                 <a:srgbClr val="FF0000"/>
               </a:solidFill>
@@ -43148,10 +43156,305 @@
             </a:endParaRPr>
           </a:p>
           <a:p>
-            <a:pPr marL="0" indent="0" algn="just">
-              <a:buNone/>
-            </a:pPr>
-            <a:endParaRPr lang="pt-BR" sz="2400" b="1" dirty="0">
+            <a:pPr marL="447675" lvl="1" indent="0" algn="just">
+              <a:buNone/>
+            </a:pPr>
+            <a:r>
+              <a:rPr lang="pt-BR" sz="2000" dirty="0">
+                <a:solidFill>
+                  <a:schemeClr val="tx1"/>
+                </a:solidFill>
+                <a:latin typeface="Times New Roman" panose="02020603050405020304" pitchFamily="18" charset="0"/>
+                <a:cs typeface="Times New Roman" panose="02020603050405020304" pitchFamily="18" charset="0"/>
+              </a:rPr>
+              <a:t> // </a:t>
+            </a:r>
+            <a:r>
+              <a:rPr lang="pt-BR" sz="2000" b="1" dirty="0">
+                <a:solidFill>
+                  <a:srgbClr val="0070C0"/>
+                </a:solidFill>
+                <a:latin typeface="Times New Roman" panose="02020603050405020304" pitchFamily="18" charset="0"/>
+                <a:cs typeface="Times New Roman" panose="02020603050405020304" pitchFamily="18" charset="0"/>
+              </a:rPr>
+              <a:t>PHP =&gt; </a:t>
+            </a:r>
+            <a:r>
+              <a:rPr lang="pt-BR" sz="2000" b="1" dirty="0" err="1">
+                <a:solidFill>
+                  <a:srgbClr val="0070C0"/>
+                </a:solidFill>
+                <a:latin typeface="Times New Roman" panose="02020603050405020304" pitchFamily="18" charset="0"/>
+                <a:cs typeface="Times New Roman" panose="02020603050405020304" pitchFamily="18" charset="0"/>
+              </a:rPr>
+              <a:t>ctrl+shift+p</a:t>
+            </a:r>
+            <a:r>
+              <a:rPr lang="pt-BR" sz="2000" b="1" dirty="0">
+                <a:solidFill>
+                  <a:srgbClr val="0070C0"/>
+                </a:solidFill>
+                <a:latin typeface="Times New Roman" panose="02020603050405020304" pitchFamily="18" charset="0"/>
+                <a:cs typeface="Times New Roman" panose="02020603050405020304" pitchFamily="18" charset="0"/>
+              </a:rPr>
+              <a:t> </a:t>
+            </a:r>
+            <a:r>
+              <a:rPr lang="pt-BR" sz="2000" dirty="0">
+                <a:solidFill>
+                  <a:schemeClr val="tx1"/>
+                </a:solidFill>
+                <a:latin typeface="Times New Roman" panose="02020603050405020304" pitchFamily="18" charset="0"/>
+                <a:cs typeface="Times New Roman" panose="02020603050405020304" pitchFamily="18" charset="0"/>
+              </a:rPr>
+              <a:t>= </a:t>
+            </a:r>
+            <a:r>
+              <a:rPr lang="pt-BR" sz="2000" b="1" dirty="0">
+                <a:solidFill>
+                  <a:schemeClr val="tx1"/>
+                </a:solidFill>
+                <a:latin typeface="Times New Roman" panose="02020603050405020304" pitchFamily="18" charset="0"/>
+                <a:cs typeface="Times New Roman" panose="02020603050405020304" pitchFamily="18" charset="0"/>
+              </a:rPr>
+              <a:t>settings</a:t>
+            </a:r>
+            <a:r>
+              <a:rPr lang="pt-BR" sz="2000" dirty="0">
+                <a:solidFill>
+                  <a:schemeClr val="tx1"/>
+                </a:solidFill>
+                <a:latin typeface="Times New Roman" panose="02020603050405020304" pitchFamily="18" charset="0"/>
+                <a:cs typeface="Times New Roman" panose="02020603050405020304" pitchFamily="18" charset="0"/>
+              </a:rPr>
+              <a:t> (</a:t>
+            </a:r>
+            <a:r>
+              <a:rPr lang="pt-BR" sz="2000" b="1" dirty="0">
+                <a:solidFill>
+                  <a:srgbClr val="FF0000"/>
+                </a:solidFill>
+                <a:latin typeface="Times New Roman" panose="02020603050405020304" pitchFamily="18" charset="0"/>
+                <a:cs typeface="Times New Roman" panose="02020603050405020304" pitchFamily="18" charset="0"/>
+              </a:rPr>
+              <a:t>acrescentar</a:t>
+            </a:r>
+            <a:r>
+              <a:rPr lang="pt-BR" sz="2000" dirty="0">
+                <a:solidFill>
+                  <a:schemeClr val="tx1"/>
+                </a:solidFill>
+                <a:latin typeface="Times New Roman" panose="02020603050405020304" pitchFamily="18" charset="0"/>
+                <a:cs typeface="Times New Roman" panose="02020603050405020304" pitchFamily="18" charset="0"/>
+              </a:rPr>
+              <a:t> na configuração: </a:t>
+            </a:r>
+            <a:r>
+              <a:rPr lang="pt-BR" sz="2000" b="1" dirty="0" err="1">
+                <a:solidFill>
+                  <a:schemeClr val="tx1"/>
+                </a:solidFill>
+                <a:latin typeface="Times New Roman" panose="02020603050405020304" pitchFamily="18" charset="0"/>
+                <a:cs typeface="Times New Roman" panose="02020603050405020304" pitchFamily="18" charset="0"/>
+              </a:rPr>
+              <a:t>settings.json</a:t>
+            </a:r>
+            <a:r>
+              <a:rPr lang="pt-BR" sz="2000" dirty="0">
+                <a:solidFill>
+                  <a:schemeClr val="tx1"/>
+                </a:solidFill>
+                <a:latin typeface="Times New Roman" panose="02020603050405020304" pitchFamily="18" charset="0"/>
+                <a:cs typeface="Times New Roman" panose="02020603050405020304" pitchFamily="18" charset="0"/>
+              </a:rPr>
+              <a:t>)</a:t>
+            </a:r>
+          </a:p>
+          <a:p>
+            <a:pPr marL="447675" lvl="1" indent="0" algn="just">
+              <a:buNone/>
+            </a:pPr>
+            <a:r>
+              <a:rPr lang="pt-BR" sz="2000" dirty="0">
+                <a:solidFill>
+                  <a:schemeClr val="tx1"/>
+                </a:solidFill>
+                <a:latin typeface="Times New Roman" panose="02020603050405020304" pitchFamily="18" charset="0"/>
+                <a:cs typeface="Times New Roman" panose="02020603050405020304" pitchFamily="18" charset="0"/>
+              </a:rPr>
+              <a:t>  "</a:t>
+            </a:r>
+            <a:r>
+              <a:rPr lang="pt-BR" sz="2000" dirty="0" err="1">
+                <a:solidFill>
+                  <a:schemeClr val="tx1"/>
+                </a:solidFill>
+                <a:latin typeface="Times New Roman" panose="02020603050405020304" pitchFamily="18" charset="0"/>
+                <a:cs typeface="Times New Roman" panose="02020603050405020304" pitchFamily="18" charset="0"/>
+              </a:rPr>
+              <a:t>php.validate.</a:t>
+            </a:r>
+            <a:r>
+              <a:rPr lang="pt-BR" sz="2000" b="1" dirty="0" err="1">
+                <a:solidFill>
+                  <a:srgbClr val="FF0000"/>
+                </a:solidFill>
+                <a:latin typeface="Times New Roman" panose="02020603050405020304" pitchFamily="18" charset="0"/>
+                <a:cs typeface="Times New Roman" panose="02020603050405020304" pitchFamily="18" charset="0"/>
+              </a:rPr>
+              <a:t>executablePath</a:t>
+            </a:r>
+            <a:r>
+              <a:rPr lang="pt-BR" sz="2000" dirty="0">
+                <a:solidFill>
+                  <a:schemeClr val="tx1"/>
+                </a:solidFill>
+                <a:latin typeface="Times New Roman" panose="02020603050405020304" pitchFamily="18" charset="0"/>
+                <a:cs typeface="Times New Roman" panose="02020603050405020304" pitchFamily="18" charset="0"/>
+              </a:rPr>
+              <a:t>": “c</a:t>
+            </a:r>
+            <a:r>
+              <a:rPr lang="pt-BR" sz="2000" b="1" dirty="0">
+                <a:solidFill>
+                  <a:schemeClr val="tx1"/>
+                </a:solidFill>
+                <a:latin typeface="Times New Roman" panose="02020603050405020304" pitchFamily="18" charset="0"/>
+                <a:cs typeface="Times New Roman" panose="02020603050405020304" pitchFamily="18" charset="0"/>
+              </a:rPr>
+              <a:t>:\\xampp\\php\\php.exe</a:t>
+            </a:r>
+            <a:r>
+              <a:rPr lang="pt-BR" sz="2000" dirty="0">
+                <a:solidFill>
+                  <a:schemeClr val="tx1"/>
+                </a:solidFill>
+                <a:latin typeface="Times New Roman" panose="02020603050405020304" pitchFamily="18" charset="0"/>
+                <a:cs typeface="Times New Roman" panose="02020603050405020304" pitchFamily="18" charset="0"/>
+              </a:rPr>
+              <a:t>",</a:t>
+            </a:r>
+          </a:p>
+          <a:p>
+            <a:pPr marL="447675" lvl="1" indent="0" algn="just">
+              <a:buNone/>
+            </a:pPr>
+            <a:r>
+              <a:rPr lang="pt-BR" sz="2000" dirty="0">
+                <a:solidFill>
+                  <a:schemeClr val="tx1"/>
+                </a:solidFill>
+                <a:latin typeface="Times New Roman" panose="02020603050405020304" pitchFamily="18" charset="0"/>
+                <a:cs typeface="Times New Roman" panose="02020603050405020304" pitchFamily="18" charset="0"/>
+              </a:rPr>
+              <a:t>  "</a:t>
+            </a:r>
+            <a:r>
+              <a:rPr lang="pt-BR" sz="2000" dirty="0" err="1">
+                <a:solidFill>
+                  <a:schemeClr val="tx1"/>
+                </a:solidFill>
+                <a:latin typeface="Times New Roman" panose="02020603050405020304" pitchFamily="18" charset="0"/>
+                <a:cs typeface="Times New Roman" panose="02020603050405020304" pitchFamily="18" charset="0"/>
+              </a:rPr>
+              <a:t>php.suggest.</a:t>
+            </a:r>
+            <a:r>
+              <a:rPr lang="pt-BR" sz="2000" b="1" dirty="0" err="1">
+                <a:solidFill>
+                  <a:srgbClr val="FF0000"/>
+                </a:solidFill>
+                <a:latin typeface="Times New Roman" panose="02020603050405020304" pitchFamily="18" charset="0"/>
+                <a:cs typeface="Times New Roman" panose="02020603050405020304" pitchFamily="18" charset="0"/>
+              </a:rPr>
+              <a:t>basic</a:t>
+            </a:r>
+            <a:r>
+              <a:rPr lang="pt-BR" sz="2000" dirty="0">
+                <a:solidFill>
+                  <a:schemeClr val="tx1"/>
+                </a:solidFill>
+                <a:latin typeface="Times New Roman" panose="02020603050405020304" pitchFamily="18" charset="0"/>
+                <a:cs typeface="Times New Roman" panose="02020603050405020304" pitchFamily="18" charset="0"/>
+              </a:rPr>
+              <a:t>": </a:t>
+            </a:r>
+            <a:r>
+              <a:rPr lang="pt-BR" sz="2000" b="1" dirty="0">
+                <a:solidFill>
+                  <a:schemeClr val="tx1"/>
+                </a:solidFill>
+                <a:latin typeface="Times New Roman" panose="02020603050405020304" pitchFamily="18" charset="0"/>
+                <a:cs typeface="Times New Roman" panose="02020603050405020304" pitchFamily="18" charset="0"/>
+              </a:rPr>
+              <a:t>false</a:t>
+            </a:r>
+            <a:r>
+              <a:rPr lang="pt-BR" sz="2000" dirty="0">
+                <a:solidFill>
+                  <a:schemeClr val="tx1"/>
+                </a:solidFill>
+                <a:latin typeface="Times New Roman" panose="02020603050405020304" pitchFamily="18" charset="0"/>
+                <a:cs typeface="Times New Roman" panose="02020603050405020304" pitchFamily="18" charset="0"/>
+              </a:rPr>
+              <a:t>,</a:t>
+            </a:r>
+          </a:p>
+          <a:p>
+            <a:pPr marL="447675" lvl="1" indent="0" algn="just">
+              <a:buNone/>
+            </a:pPr>
+            <a:r>
+              <a:rPr lang="pt-BR" sz="2000" dirty="0">
+                <a:solidFill>
+                  <a:schemeClr val="tx1"/>
+                </a:solidFill>
+                <a:latin typeface="Times New Roman" panose="02020603050405020304" pitchFamily="18" charset="0"/>
+                <a:cs typeface="Times New Roman" panose="02020603050405020304" pitchFamily="18" charset="0"/>
+              </a:rPr>
+              <a:t>  "</a:t>
+            </a:r>
+            <a:r>
+              <a:rPr lang="pt-BR" sz="2000" dirty="0" err="1">
+                <a:solidFill>
+                  <a:schemeClr val="tx1"/>
+                </a:solidFill>
+                <a:latin typeface="Times New Roman" panose="02020603050405020304" pitchFamily="18" charset="0"/>
+                <a:cs typeface="Times New Roman" panose="02020603050405020304" pitchFamily="18" charset="0"/>
+              </a:rPr>
+              <a:t>http.</a:t>
+            </a:r>
+            <a:r>
+              <a:rPr lang="pt-BR" sz="2000" b="1" dirty="0" err="1">
+                <a:solidFill>
+                  <a:srgbClr val="FF0000"/>
+                </a:solidFill>
+                <a:latin typeface="Times New Roman" panose="02020603050405020304" pitchFamily="18" charset="0"/>
+                <a:cs typeface="Times New Roman" panose="02020603050405020304" pitchFamily="18" charset="0"/>
+              </a:rPr>
+              <a:t>proxyAuthorization</a:t>
+            </a:r>
+            <a:r>
+              <a:rPr lang="pt-BR" sz="2000" dirty="0">
+                <a:solidFill>
+                  <a:schemeClr val="tx1"/>
+                </a:solidFill>
+                <a:latin typeface="Times New Roman" panose="02020603050405020304" pitchFamily="18" charset="0"/>
+                <a:cs typeface="Times New Roman" panose="02020603050405020304" pitchFamily="18" charset="0"/>
+              </a:rPr>
+              <a:t>": </a:t>
+            </a:r>
+            <a:r>
+              <a:rPr lang="pt-BR" sz="2000" b="1" dirty="0" err="1">
+                <a:solidFill>
+                  <a:schemeClr val="tx1"/>
+                </a:solidFill>
+                <a:latin typeface="Times New Roman" panose="02020603050405020304" pitchFamily="18" charset="0"/>
+                <a:cs typeface="Times New Roman" panose="02020603050405020304" pitchFamily="18" charset="0"/>
+              </a:rPr>
+              <a:t>null</a:t>
+            </a:r>
+            <a:endParaRPr lang="pt-BR" sz="2000" b="1" dirty="0">
               <a:solidFill>
                 <a:schemeClr val="tx1"/>
               </a:solidFill>
@@ -43163,142 +43466,7 @@
             <a:pPr marL="0" indent="0" algn="just">
               <a:buNone/>
             </a:pPr>
-            <a:r>
-              <a:rPr lang="pt-BR" sz="2400" dirty="0">
-                <a:solidFill>
-                  <a:schemeClr val="tx1"/>
-                </a:solidFill>
-                <a:latin typeface="Times New Roman" panose="02020603050405020304" pitchFamily="18" charset="0"/>
-                <a:cs typeface="Times New Roman" panose="02020603050405020304" pitchFamily="18" charset="0"/>
-              </a:rPr>
-              <a:t>No </a:t>
-            </a:r>
-            <a:r>
-              <a:rPr lang="pt-BR" sz="2400" b="1" dirty="0" err="1">
-                <a:solidFill>
-                  <a:schemeClr val="tx1"/>
-                </a:solidFill>
-                <a:latin typeface="Times New Roman" panose="02020603050405020304" pitchFamily="18" charset="0"/>
-                <a:cs typeface="Times New Roman" panose="02020603050405020304" pitchFamily="18" charset="0"/>
-              </a:rPr>
-              <a:t>EasyPHP</a:t>
-            </a:r>
-            <a:r>
-              <a:rPr lang="pt-BR" sz="2400" dirty="0">
-                <a:solidFill>
-                  <a:schemeClr val="tx1"/>
-                </a:solidFill>
-                <a:latin typeface="Times New Roman" panose="02020603050405020304" pitchFamily="18" charset="0"/>
-                <a:cs typeface="Times New Roman" panose="02020603050405020304" pitchFamily="18" charset="0"/>
-              </a:rPr>
-              <a:t>: gravar os </a:t>
-            </a:r>
-            <a:r>
-              <a:rPr lang="pt-BR" sz="2400" dirty="0" err="1">
-                <a:solidFill>
-                  <a:schemeClr val="tx1"/>
-                </a:solidFill>
-                <a:latin typeface="Times New Roman" panose="02020603050405020304" pitchFamily="18" charset="0"/>
-                <a:cs typeface="Times New Roman" panose="02020603050405020304" pitchFamily="18" charset="0"/>
-              </a:rPr>
-              <a:t>arquivos.php</a:t>
-            </a:r>
-            <a:r>
-              <a:rPr lang="pt-BR" sz="2400" dirty="0">
-                <a:solidFill>
-                  <a:schemeClr val="tx1"/>
-                </a:solidFill>
-                <a:latin typeface="Times New Roman" panose="02020603050405020304" pitchFamily="18" charset="0"/>
-                <a:cs typeface="Times New Roman" panose="02020603050405020304" pitchFamily="18" charset="0"/>
-              </a:rPr>
-              <a:t> na pasta </a:t>
-            </a:r>
-            <a:r>
-              <a:rPr lang="pt-BR" sz="2400" b="1" dirty="0">
-                <a:solidFill>
-                  <a:srgbClr val="FF0000"/>
-                </a:solidFill>
-                <a:latin typeface="Times New Roman" panose="02020603050405020304" pitchFamily="18" charset="0"/>
-                <a:cs typeface="Times New Roman" panose="02020603050405020304" pitchFamily="18" charset="0"/>
-              </a:rPr>
-              <a:t>data/</a:t>
-            </a:r>
-            <a:r>
-              <a:rPr lang="pt-BR" sz="2400" b="1" dirty="0" err="1">
-                <a:solidFill>
-                  <a:srgbClr val="FF0000"/>
-                </a:solidFill>
-                <a:latin typeface="Times New Roman" panose="02020603050405020304" pitchFamily="18" charset="0"/>
-                <a:cs typeface="Times New Roman" panose="02020603050405020304" pitchFamily="18" charset="0"/>
-              </a:rPr>
-              <a:t>locaweb</a:t>
-            </a:r>
-            <a:r>
-              <a:rPr lang="pt-BR" sz="2400" b="1" dirty="0">
-                <a:solidFill>
-                  <a:srgbClr val="FF0000"/>
-                </a:solidFill>
-                <a:latin typeface="Times New Roman" panose="02020603050405020304" pitchFamily="18" charset="0"/>
-                <a:cs typeface="Times New Roman" panose="02020603050405020304" pitchFamily="18" charset="0"/>
-              </a:rPr>
-              <a:t>/</a:t>
-            </a:r>
-            <a:r>
-              <a:rPr lang="pt-BR" sz="2400" b="1" dirty="0" err="1">
-                <a:solidFill>
-                  <a:srgbClr val="FF0000"/>
-                </a:solidFill>
-                <a:latin typeface="Times New Roman" panose="02020603050405020304" pitchFamily="18" charset="0"/>
-                <a:cs typeface="Times New Roman" panose="02020603050405020304" pitchFamily="18" charset="0"/>
-              </a:rPr>
-              <a:t>projects</a:t>
-            </a:r>
-            <a:r>
-              <a:rPr lang="pt-BR" sz="2400" b="1" dirty="0">
-                <a:solidFill>
-                  <a:schemeClr val="tx1"/>
-                </a:solidFill>
-                <a:latin typeface="Times New Roman" panose="02020603050405020304" pitchFamily="18" charset="0"/>
-                <a:cs typeface="Times New Roman" panose="02020603050405020304" pitchFamily="18" charset="0"/>
-              </a:rPr>
-              <a:t> </a:t>
-            </a:r>
-            <a:r>
-              <a:rPr lang="pt-BR" sz="2400" dirty="0">
-                <a:solidFill>
-                  <a:schemeClr val="tx1"/>
-                </a:solidFill>
-                <a:latin typeface="Times New Roman" panose="02020603050405020304" pitchFamily="18" charset="0"/>
-                <a:cs typeface="Times New Roman" panose="02020603050405020304" pitchFamily="18" charset="0"/>
-              </a:rPr>
-              <a:t>ou </a:t>
-            </a:r>
-            <a:r>
-              <a:rPr lang="pt-BR" sz="2400" b="1" dirty="0" err="1">
-                <a:solidFill>
-                  <a:srgbClr val="FF0000"/>
-                </a:solidFill>
-                <a:latin typeface="Times New Roman" panose="02020603050405020304" pitchFamily="18" charset="0"/>
-                <a:cs typeface="Times New Roman" panose="02020603050405020304" pitchFamily="18" charset="0"/>
-              </a:rPr>
-              <a:t>www</a:t>
-            </a:r>
-            <a:r>
-              <a:rPr lang="pt-BR" sz="2400" dirty="0">
-                <a:solidFill>
-                  <a:schemeClr val="tx1"/>
-                </a:solidFill>
-                <a:latin typeface="Times New Roman" panose="02020603050405020304" pitchFamily="18" charset="0"/>
-                <a:cs typeface="Times New Roman" panose="02020603050405020304" pitchFamily="18" charset="0"/>
-              </a:rPr>
-              <a:t>, depende da versão instalada.</a:t>
-            </a:r>
-          </a:p>
-          <a:p>
-            <a:pPr marL="0" indent="0" algn="just">
-              <a:buNone/>
-            </a:pPr>
-            <a:endParaRPr lang="pt-BR" sz="2400" dirty="0">
+            <a:endParaRPr lang="pt-BR" sz="2000" dirty="0">
               <a:solidFill>
                 <a:schemeClr val="tx1"/>
               </a:solidFill>
@@ -43306,48 +43474,12 @@
               <a:cs typeface="Times New Roman" panose="02020603050405020304" pitchFamily="18" charset="0"/>
             </a:endParaRPr>
           </a:p>
-          <a:p>
-            <a:pPr marL="0" indent="0" algn="just">
-              <a:buNone/>
-            </a:pPr>
-            <a:endParaRPr lang="pt-BR" sz="2400" dirty="0">
-              <a:solidFill>
-                <a:schemeClr val="tx1"/>
-              </a:solidFill>
-              <a:latin typeface="Times New Roman" panose="02020603050405020304" pitchFamily="18" charset="0"/>
-              <a:cs typeface="Times New Roman" panose="02020603050405020304" pitchFamily="18" charset="0"/>
-            </a:endParaRPr>
-          </a:p>
-          <a:p>
-            <a:pPr marL="0" indent="0" algn="just">
-              <a:buNone/>
-            </a:pPr>
-            <a:endParaRPr lang="pt-BR" sz="2400" dirty="0">
-              <a:solidFill>
-                <a:schemeClr val="tx1"/>
-              </a:solidFill>
-              <a:latin typeface="Times New Roman" panose="02020603050405020304" pitchFamily="18" charset="0"/>
-              <a:cs typeface="Times New Roman" panose="02020603050405020304" pitchFamily="18" charset="0"/>
-            </a:endParaRPr>
-          </a:p>
-          <a:p>
-            <a:pPr marL="0" indent="0" algn="just">
-              <a:buNone/>
-            </a:pPr>
-            <a:endParaRPr lang="pt-BR" sz="2400" dirty="0">
-              <a:solidFill>
-                <a:schemeClr val="tx1"/>
-              </a:solidFill>
-              <a:latin typeface="Times New Roman" panose="02020603050405020304" pitchFamily="18" charset="0"/>
-              <a:cs typeface="Times New Roman" panose="02020603050405020304" pitchFamily="18" charset="0"/>
-            </a:endParaRPr>
-          </a:p>
         </p:txBody>
       </p:sp>
     </p:spTree>
     <p:extLst>
       <p:ext uri="{BB962C8B-B14F-4D97-AF65-F5344CB8AC3E}">
-        <p14:creationId xmlns:p14="http://schemas.microsoft.com/office/powerpoint/2010/main" val="2397576471"/>
+        <p14:creationId xmlns:p14="http://schemas.microsoft.com/office/powerpoint/2010/main" val="3722562167"/>
       </p:ext>
     </p:extLst>
   </p:cSld>
@@ -44036,7 +44168,7 @@
               <a:t>: Para executar um arquivo em PHP no browser, </a:t>
             </a:r>
             <a:r>
-              <a:rPr lang="pt-BR" sz="2400" dirty="0" err="1">
+              <a:rPr lang="pt-BR" sz="2400" b="1" dirty="0" err="1">
                 <a:solidFill>
                   <a:schemeClr val="tx1"/>
                 </a:solidFill>

--- a/01 Classes/Aula 12 e 13 Desenvolvimento Web PHP - PHP.pptx
+++ b/01 Classes/Aula 12 e 13 Desenvolvimento Web PHP - PHP.pptx
@@ -31364,7 +31364,7 @@
               <a:t>-&gt;</a:t>
             </a:r>
             <a:r>
-              <a:rPr lang="en-US" sz="2000" dirty="0" err="1">
+              <a:rPr lang="en-US" sz="2000" b="1" dirty="0" err="1">
                 <a:solidFill>
                   <a:schemeClr val="tx1"/>
                 </a:solidFill>
@@ -38215,8 +38215,25 @@
                 <a:latin typeface="Times New Roman" panose="02020603050405020304" pitchFamily="18" charset="0"/>
                 <a:cs typeface="Times New Roman" panose="02020603050405020304" pitchFamily="18" charset="0"/>
               </a:rPr>
-              <a:t>['NAME']}&lt;/p&gt;";</a:t>
-            </a:r>
+              <a:t>['NAME']}&lt;/</a:t>
+            </a:r>
+            <a:r>
+              <a:rPr lang="pt-BR" sz="2000">
+                <a:solidFill>
+                  <a:schemeClr val="tx1"/>
+                </a:solidFill>
+                <a:latin typeface="Times New Roman" panose="02020603050405020304" pitchFamily="18" charset="0"/>
+                <a:cs typeface="Times New Roman" panose="02020603050405020304" pitchFamily="18" charset="0"/>
+              </a:rPr>
+              <a:t>p&gt;"; }</a:t>
+            </a:r>
+            <a:endParaRPr lang="pt-BR" sz="2000" dirty="0">
+              <a:solidFill>
+                <a:schemeClr val="tx1"/>
+              </a:solidFill>
+              <a:latin typeface="Times New Roman" panose="02020603050405020304" pitchFamily="18" charset="0"/>
+              <a:cs typeface="Times New Roman" panose="02020603050405020304" pitchFamily="18" charset="0"/>
+            </a:endParaRPr>
           </a:p>
           <a:p>
             <a:pPr marL="0" indent="0" algn="just">
@@ -38833,7 +38850,37 @@
                 <a:latin typeface="Times New Roman" panose="02020603050405020304" pitchFamily="18" charset="0"/>
                 <a:cs typeface="Times New Roman" panose="02020603050405020304" pitchFamily="18" charset="0"/>
               </a:rPr>
-              <a:t> department (NAME) </a:t>
+              <a:t> </a:t>
+            </a:r>
+            <a:r>
+              <a:rPr lang="en-US" sz="1800" b="1" dirty="0" err="1">
+                <a:solidFill>
+                  <a:srgbClr val="FF0000"/>
+                </a:solidFill>
+                <a:latin typeface="Times New Roman" panose="02020603050405020304" pitchFamily="18" charset="0"/>
+                <a:cs typeface="Times New Roman" panose="02020603050405020304" pitchFamily="18" charset="0"/>
+              </a:rPr>
+              <a:t>DBNAME.</a:t>
+            </a:r>
+            <a:r>
+              <a:rPr lang="en-US" sz="1800" dirty="0" err="1">
+                <a:solidFill>
+                  <a:schemeClr val="tx1"/>
+                </a:solidFill>
+                <a:latin typeface="Times New Roman" panose="02020603050405020304" pitchFamily="18" charset="0"/>
+                <a:cs typeface="Times New Roman" panose="02020603050405020304" pitchFamily="18" charset="0"/>
+              </a:rPr>
+              <a:t>department</a:t>
+            </a:r>
+            <a:r>
+              <a:rPr lang="en-US" sz="1800" dirty="0">
+                <a:solidFill>
+                  <a:schemeClr val="tx1"/>
+                </a:solidFill>
+                <a:latin typeface="Times New Roman" panose="02020603050405020304" pitchFamily="18" charset="0"/>
+                <a:cs typeface="Times New Roman" panose="02020603050405020304" pitchFamily="18" charset="0"/>
+              </a:rPr>
+              <a:t> (NAME) </a:t>
             </a:r>
             <a:r>
               <a:rPr lang="en-US" sz="1800" b="1" dirty="0">

--- a/01 Classes/Aula 12 e 13 Desenvolvimento Web PHP - PHP.pptx
+++ b/01 Classes/Aula 12 e 13 Desenvolvimento Web PHP - PHP.pptx
@@ -5,7 +5,7 @@
     <p:sldMasterId id="2147483648" r:id="rId1"/>
   </p:sldMasterIdLst>
   <p:notesMasterIdLst>
-    <p:notesMasterId r:id="rId77"/>
+    <p:notesMasterId r:id="rId78"/>
   </p:notesMasterIdLst>
   <p:sldIdLst>
     <p:sldId id="256" r:id="rId2"/>
@@ -77,12 +77,13 @@
     <p:sldId id="454" r:id="rId68"/>
     <p:sldId id="456" r:id="rId69"/>
     <p:sldId id="455" r:id="rId70"/>
-    <p:sldId id="333" r:id="rId71"/>
-    <p:sldId id="459" r:id="rId72"/>
-    <p:sldId id="323" r:id="rId73"/>
-    <p:sldId id="334" r:id="rId74"/>
-    <p:sldId id="337" r:id="rId75"/>
-    <p:sldId id="309" r:id="rId76"/>
+    <p:sldId id="466" r:id="rId71"/>
+    <p:sldId id="333" r:id="rId72"/>
+    <p:sldId id="459" r:id="rId73"/>
+    <p:sldId id="323" r:id="rId74"/>
+    <p:sldId id="334" r:id="rId75"/>
+    <p:sldId id="337" r:id="rId76"/>
+    <p:sldId id="309" r:id="rId77"/>
   </p:sldIdLst>
   <p:sldSz cx="9144000" cy="5143500" type="screen16x9"/>
   <p:notesSz cx="6858000" cy="9144000"/>
@@ -4848,7 +4849,7 @@
     </p:spTree>
     <p:extLst>
       <p:ext uri="{BB962C8B-B14F-4D97-AF65-F5344CB8AC3E}">
-        <p14:creationId xmlns:p14="http://schemas.microsoft.com/office/powerpoint/2010/main" val="585304384"/>
+        <p14:creationId xmlns:p14="http://schemas.microsoft.com/office/powerpoint/2010/main" val="3021117740"/>
       </p:ext>
     </p:extLst>
   </p:cSld>
@@ -4914,7 +4915,7 @@
     </p:spTree>
     <p:extLst>
       <p:ext uri="{BB962C8B-B14F-4D97-AF65-F5344CB8AC3E}">
-        <p14:creationId xmlns:p14="http://schemas.microsoft.com/office/powerpoint/2010/main" val="654888718"/>
+        <p14:creationId xmlns:p14="http://schemas.microsoft.com/office/powerpoint/2010/main" val="585304384"/>
       </p:ext>
     </p:extLst>
   </p:cSld>
@@ -5046,7 +5047,7 @@
     </p:spTree>
     <p:extLst>
       <p:ext uri="{BB962C8B-B14F-4D97-AF65-F5344CB8AC3E}">
-        <p14:creationId xmlns:p14="http://schemas.microsoft.com/office/powerpoint/2010/main" val="2709569597"/>
+        <p14:creationId xmlns:p14="http://schemas.microsoft.com/office/powerpoint/2010/main" val="654888718"/>
       </p:ext>
     </p:extLst>
   </p:cSld>
@@ -5112,6 +5113,72 @@
     </p:spTree>
     <p:extLst>
       <p:ext uri="{BB962C8B-B14F-4D97-AF65-F5344CB8AC3E}">
+        <p14:creationId xmlns:p14="http://schemas.microsoft.com/office/powerpoint/2010/main" val="2709569597"/>
+      </p:ext>
+    </p:extLst>
+  </p:cSld>
+  <p:clrMapOvr>
+    <a:masterClrMapping/>
+  </p:clrMapOvr>
+</p:notes>
+</file>
+
+<file path=ppt/notesSlides/notesSlide72.xml><?xml version="1.0" encoding="utf-8"?>
+<p:notes xmlns:a="http://schemas.openxmlformats.org/drawingml/2006/main" xmlns:r="http://schemas.openxmlformats.org/officeDocument/2006/relationships" xmlns:p="http://schemas.openxmlformats.org/presentationml/2006/main">
+  <p:cSld>
+    <p:spTree>
+      <p:nvGrpSpPr>
+        <p:cNvPr id="1" name=""/>
+        <p:cNvGrpSpPr/>
+        <p:nvPr/>
+      </p:nvGrpSpPr>
+      <p:grpSpPr>
+        <a:xfrm>
+          <a:off x="0" y="0"/>
+          <a:ext cx="0" cy="0"/>
+          <a:chOff x="0" y="0"/>
+          <a:chExt cx="0" cy="0"/>
+        </a:xfrm>
+      </p:grpSpPr>
+      <p:sp>
+        <p:nvSpPr>
+          <p:cNvPr id="2" name="Espaço Reservado para Imagem de Slide 1"/>
+          <p:cNvSpPr>
+            <a:spLocks noGrp="1" noRot="1" noChangeAspect="1"/>
+          </p:cNvSpPr>
+          <p:nvPr>
+            <p:ph type="sldImg"/>
+          </p:nvPr>
+        </p:nvSpPr>
+        <p:spPr>
+          <a:xfrm>
+            <a:off x="381000" y="685800"/>
+            <a:ext cx="6096000" cy="3429000"/>
+          </a:xfrm>
+        </p:spPr>
+      </p:sp>
+      <p:sp>
+        <p:nvSpPr>
+          <p:cNvPr id="3" name="Espaço Reservado para Anotações 2"/>
+          <p:cNvSpPr>
+            <a:spLocks noGrp="1"/>
+          </p:cNvSpPr>
+          <p:nvPr>
+            <p:ph type="body" idx="1"/>
+          </p:nvPr>
+        </p:nvSpPr>
+        <p:spPr/>
+        <p:txBody>
+          <a:bodyPr/>
+          <a:lstStyle/>
+          <a:p>
+            <a:endParaRPr lang="pt-BR" dirty="0"/>
+          </a:p>
+        </p:txBody>
+      </p:sp>
+    </p:spTree>
+    <p:extLst>
+      <p:ext uri="{BB962C8B-B14F-4D97-AF65-F5344CB8AC3E}">
         <p14:creationId xmlns:p14="http://schemas.microsoft.com/office/powerpoint/2010/main" val="2296249050"/>
       </p:ext>
     </p:extLst>
@@ -5122,7 +5189,7 @@
 </p:notes>
 </file>
 
-<file path=ppt/notesSlides/notesSlide72.xml><?xml version="1.0" encoding="utf-8"?>
+<file path=ppt/notesSlides/notesSlide73.xml><?xml version="1.0" encoding="utf-8"?>
 <p:notes xmlns:a="http://schemas.openxmlformats.org/drawingml/2006/main" xmlns:r="http://schemas.openxmlformats.org/officeDocument/2006/relationships" xmlns:p="http://schemas.openxmlformats.org/presentationml/2006/main">
   <p:cSld>
     <p:spTree>
@@ -35870,6 +35937,234 @@
               <a:cs typeface="Times New Roman" panose="02020603050405020304" pitchFamily="18" charset="0"/>
             </a:endParaRPr>
           </a:p>
+          <a:p>
+            <a:pPr marL="0" indent="0" algn="just">
+              <a:buNone/>
+            </a:pPr>
+            <a:endParaRPr lang="pt-BR" sz="2400" dirty="0">
+              <a:solidFill>
+                <a:schemeClr val="tx1"/>
+              </a:solidFill>
+              <a:latin typeface="Times New Roman" panose="02020603050405020304" pitchFamily="18" charset="0"/>
+              <a:cs typeface="Times New Roman" panose="02020603050405020304" pitchFamily="18" charset="0"/>
+            </a:endParaRPr>
+          </a:p>
+          <a:p>
+            <a:pPr marL="0" indent="0" algn="just">
+              <a:buNone/>
+            </a:pPr>
+            <a:endParaRPr lang="pt-BR" sz="2400" dirty="0">
+              <a:solidFill>
+                <a:schemeClr val="tx1"/>
+              </a:solidFill>
+              <a:latin typeface="Times New Roman" panose="02020603050405020304" pitchFamily="18" charset="0"/>
+              <a:cs typeface="Times New Roman" panose="02020603050405020304" pitchFamily="18" charset="0"/>
+            </a:endParaRPr>
+          </a:p>
+          <a:p>
+            <a:pPr marL="0" indent="0" algn="just">
+              <a:buNone/>
+            </a:pPr>
+            <a:endParaRPr lang="pt-BR" sz="2400" dirty="0">
+              <a:solidFill>
+                <a:schemeClr val="tx1"/>
+              </a:solidFill>
+              <a:latin typeface="Times New Roman" panose="02020603050405020304" pitchFamily="18" charset="0"/>
+              <a:cs typeface="Times New Roman" panose="02020603050405020304" pitchFamily="18" charset="0"/>
+            </a:endParaRPr>
+          </a:p>
+          <a:p>
+            <a:pPr marL="0" indent="0" algn="just">
+              <a:buNone/>
+            </a:pPr>
+            <a:endParaRPr lang="pt-BR" sz="2400" dirty="0">
+              <a:solidFill>
+                <a:schemeClr val="tx1"/>
+              </a:solidFill>
+              <a:latin typeface="Times New Roman" panose="02020603050405020304" pitchFamily="18" charset="0"/>
+              <a:cs typeface="Times New Roman" panose="02020603050405020304" pitchFamily="18" charset="0"/>
+            </a:endParaRPr>
+          </a:p>
+          <a:p>
+            <a:pPr marL="0" indent="0" algn="just">
+              <a:buNone/>
+            </a:pPr>
+            <a:endParaRPr lang="pt-BR" sz="2400" dirty="0">
+              <a:solidFill>
+                <a:schemeClr val="tx1"/>
+              </a:solidFill>
+              <a:latin typeface="Times New Roman" panose="02020603050405020304" pitchFamily="18" charset="0"/>
+              <a:cs typeface="Times New Roman" panose="02020603050405020304" pitchFamily="18" charset="0"/>
+            </a:endParaRPr>
+          </a:p>
+          <a:p>
+            <a:pPr marL="0" indent="0" algn="just">
+              <a:buNone/>
+            </a:pPr>
+            <a:endParaRPr lang="pt-BR" sz="2400" dirty="0">
+              <a:solidFill>
+                <a:schemeClr val="tx1"/>
+              </a:solidFill>
+              <a:latin typeface="Times New Roman" panose="02020603050405020304" pitchFamily="18" charset="0"/>
+              <a:cs typeface="Times New Roman" panose="02020603050405020304" pitchFamily="18" charset="0"/>
+            </a:endParaRPr>
+          </a:p>
+          <a:p>
+            <a:pPr marL="0" indent="0" algn="just">
+              <a:buNone/>
+            </a:pPr>
+            <a:endParaRPr lang="pt-BR" sz="1400" dirty="0">
+              <a:solidFill>
+                <a:schemeClr val="tx1"/>
+              </a:solidFill>
+              <a:latin typeface="Times New Roman" panose="02020603050405020304" pitchFamily="18" charset="0"/>
+              <a:cs typeface="Times New Roman" panose="02020603050405020304" pitchFamily="18" charset="0"/>
+            </a:endParaRPr>
+          </a:p>
+          <a:p>
+            <a:pPr marL="0" indent="0" algn="just">
+              <a:buNone/>
+            </a:pPr>
+            <a:r>
+              <a:rPr lang="pt-BR" sz="1400" dirty="0" err="1">
+                <a:solidFill>
+                  <a:schemeClr val="tx1"/>
+                </a:solidFill>
+                <a:latin typeface="Times New Roman" panose="02020603050405020304" pitchFamily="18" charset="0"/>
+                <a:cs typeface="Times New Roman" panose="02020603050405020304" pitchFamily="18" charset="0"/>
+              </a:rPr>
+              <a:t>Controller</a:t>
+            </a:r>
+            <a:r>
+              <a:rPr lang="pt-BR" sz="1400" dirty="0">
+                <a:solidFill>
+                  <a:schemeClr val="tx1"/>
+                </a:solidFill>
+                <a:latin typeface="Times New Roman" panose="02020603050405020304" pitchFamily="18" charset="0"/>
+                <a:cs typeface="Times New Roman" panose="02020603050405020304" pitchFamily="18" charset="0"/>
+              </a:rPr>
+              <a:t>(</a:t>
+            </a:r>
+            <a:r>
+              <a:rPr lang="pt-BR" sz="1400" b="1" dirty="0">
+                <a:solidFill>
+                  <a:srgbClr val="FF0000"/>
+                </a:solidFill>
+                <a:latin typeface="Times New Roman" panose="02020603050405020304" pitchFamily="18" charset="0"/>
+                <a:cs typeface="Times New Roman" panose="02020603050405020304" pitchFamily="18" charset="0"/>
+              </a:rPr>
+              <a:t>API REST</a:t>
+            </a:r>
+            <a:r>
+              <a:rPr lang="pt-BR" sz="1400" dirty="0">
+                <a:solidFill>
+                  <a:schemeClr val="tx1"/>
+                </a:solidFill>
+                <a:latin typeface="Times New Roman" panose="02020603050405020304" pitchFamily="18" charset="0"/>
+                <a:cs typeface="Times New Roman" panose="02020603050405020304" pitchFamily="18" charset="0"/>
+              </a:rPr>
+              <a:t>); </a:t>
+            </a:r>
+            <a:r>
+              <a:rPr lang="pt-BR" sz="1400" dirty="0" err="1">
+                <a:solidFill>
+                  <a:schemeClr val="tx1"/>
+                </a:solidFill>
+                <a:latin typeface="Times New Roman" panose="02020603050405020304" pitchFamily="18" charset="0"/>
+                <a:cs typeface="Times New Roman" panose="02020603050405020304" pitchFamily="18" charset="0"/>
+              </a:rPr>
+              <a:t>View</a:t>
+            </a:r>
+            <a:r>
+              <a:rPr lang="pt-BR" sz="1400" dirty="0">
+                <a:solidFill>
+                  <a:schemeClr val="tx1"/>
+                </a:solidFill>
+                <a:latin typeface="Times New Roman" panose="02020603050405020304" pitchFamily="18" charset="0"/>
+                <a:cs typeface="Times New Roman" panose="02020603050405020304" pitchFamily="18" charset="0"/>
+              </a:rPr>
+              <a:t>(JSON; </a:t>
+            </a:r>
+            <a:r>
+              <a:rPr lang="pt-BR" sz="1400" dirty="0" err="1">
+                <a:solidFill>
+                  <a:schemeClr val="tx1"/>
+                </a:solidFill>
+                <a:latin typeface="Times New Roman" panose="02020603050405020304" pitchFamily="18" charset="0"/>
+                <a:cs typeface="Times New Roman" panose="02020603050405020304" pitchFamily="18" charset="0"/>
+              </a:rPr>
+              <a:t>schemas</a:t>
+            </a:r>
+            <a:r>
+              <a:rPr lang="pt-BR" sz="1400" dirty="0">
+                <a:solidFill>
+                  <a:schemeClr val="tx1"/>
+                </a:solidFill>
+                <a:latin typeface="Times New Roman" panose="02020603050405020304" pitchFamily="18" charset="0"/>
+                <a:cs typeface="Times New Roman" panose="02020603050405020304" pitchFamily="18" charset="0"/>
+              </a:rPr>
+              <a:t>, XML); Model(entidades, RN, persistência). – </a:t>
+            </a:r>
+            <a:r>
+              <a:rPr lang="pt-BR" sz="1400" b="1" dirty="0" err="1">
+                <a:solidFill>
+                  <a:srgbClr val="FF0000"/>
+                </a:solidFill>
+                <a:latin typeface="Times New Roman" panose="02020603050405020304" pitchFamily="18" charset="0"/>
+                <a:cs typeface="Times New Roman" panose="02020603050405020304" pitchFamily="18" charset="0"/>
+              </a:rPr>
+              <a:t>backend</a:t>
+            </a:r>
+            <a:endParaRPr lang="pt-BR" sz="1400" b="1" dirty="0">
+              <a:solidFill>
+                <a:srgbClr val="FF0000"/>
+              </a:solidFill>
+              <a:latin typeface="Times New Roman" panose="02020603050405020304" pitchFamily="18" charset="0"/>
+              <a:cs typeface="Times New Roman" panose="02020603050405020304" pitchFamily="18" charset="0"/>
+            </a:endParaRPr>
+          </a:p>
+          <a:p>
+            <a:pPr marL="0" indent="0" algn="just">
+              <a:buNone/>
+            </a:pPr>
+            <a:r>
+              <a:rPr lang="pt-BR" sz="1400" b="1" dirty="0">
+                <a:solidFill>
+                  <a:srgbClr val="FF0000"/>
+                </a:solidFill>
+                <a:latin typeface="Times New Roman" panose="02020603050405020304" pitchFamily="18" charset="0"/>
+                <a:cs typeface="Times New Roman" panose="02020603050405020304" pitchFamily="18" charset="0"/>
+              </a:rPr>
+              <a:t>Veja</a:t>
+            </a:r>
+            <a:r>
+              <a:rPr lang="pt-BR" sz="1400" dirty="0">
+                <a:solidFill>
+                  <a:schemeClr val="tx1"/>
+                </a:solidFill>
+                <a:latin typeface="Times New Roman" panose="02020603050405020304" pitchFamily="18" charset="0"/>
+                <a:cs typeface="Times New Roman" panose="02020603050405020304" pitchFamily="18" charset="0"/>
+              </a:rPr>
+              <a:t>: </a:t>
+            </a:r>
+            <a:r>
+              <a:rPr lang="pt-BR" sz="1200" dirty="0">
+                <a:solidFill>
+                  <a:schemeClr val="tx1"/>
+                </a:solidFill>
+                <a:latin typeface="Times New Roman" panose="02020603050405020304" pitchFamily="18" charset="0"/>
+                <a:cs typeface="Times New Roman" panose="02020603050405020304" pitchFamily="18" charset="0"/>
+              </a:rPr>
+              <a:t>https://edisciplinas.usp.br/pluginfile.php/4632609/mod_resource/content/1/5%20Arquitetura%20MVC.pdf</a:t>
+            </a:r>
+            <a:endParaRPr lang="pt-BR" sz="1200" b="1" dirty="0">
+              <a:solidFill>
+                <a:srgbClr val="FF0000"/>
+              </a:solidFill>
+              <a:latin typeface="Times New Roman" panose="02020603050405020304" pitchFamily="18" charset="0"/>
+              <a:cs typeface="Times New Roman" panose="02020603050405020304" pitchFamily="18" charset="0"/>
+            </a:endParaRPr>
+          </a:p>
         </p:txBody>
       </p:sp>
       <p:pic>
@@ -43839,12 +44134,20 @@
           <a:lstStyle/>
           <a:p>
             <a:r>
+              <a:rPr lang="en-US" b="1" dirty="0">
+                <a:solidFill>
+                  <a:srgbClr val="0070C0"/>
+                </a:solidFill>
+              </a:rPr>
+              <a:t>PHP – </a:t>
+            </a:r>
+            <a:r>
               <a:rPr lang="en-US" b="1" dirty="0" err="1">
                 <a:solidFill>
                   <a:srgbClr val="0070C0"/>
                 </a:solidFill>
               </a:rPr>
-              <a:t>Leitura</a:t>
+              <a:t>Estrutura</a:t>
             </a:r>
             <a:r>
               <a:rPr lang="en-US" b="1" dirty="0">
@@ -43852,7 +44155,7 @@
                   <a:srgbClr val="0070C0"/>
                 </a:solidFill>
               </a:rPr>
-              <a:t> </a:t>
+              <a:t> de Pastas </a:t>
             </a:r>
             <a:r>
               <a:rPr lang="en-US" b="1" dirty="0" err="1">
@@ -43860,7 +44163,7 @@
                   <a:srgbClr val="0070C0"/>
                 </a:solidFill>
               </a:rPr>
-              <a:t>Específica</a:t>
+              <a:t>Exemplo</a:t>
             </a:r>
             <a:endParaRPr lang="en-US" b="1" dirty="0">
               <a:solidFill>
@@ -43882,8 +44185,8 @@
         </p:nvSpPr>
         <p:spPr>
           <a:xfrm>
-            <a:off x="142865" y="1012261"/>
-            <a:ext cx="8865056" cy="3835312"/>
+            <a:off x="142865" y="1037312"/>
+            <a:ext cx="8865056" cy="3900208"/>
           </a:xfrm>
         </p:spPr>
         <p:txBody>
@@ -43892,117 +44195,852 @@
           </a:bodyPr>
           <a:lstStyle/>
           <a:p>
-            <a:pPr marL="0" indent="0" algn="just">
-              <a:buNone/>
-            </a:pPr>
-            <a:r>
-              <a:rPr lang="pt-BR" sz="2000" dirty="0">
-                <a:latin typeface="Times New Roman" panose="02020603050405020304" pitchFamily="18" charset="0"/>
-                <a:cs typeface="Times New Roman" panose="02020603050405020304" pitchFamily="18" charset="0"/>
-              </a:rPr>
-              <a:t>[1] </a:t>
-            </a:r>
-            <a:r>
-              <a:rPr lang="pt-BR" sz="2000" b="1" dirty="0">
-                <a:latin typeface="Times New Roman" panose="02020603050405020304" pitchFamily="18" charset="0"/>
-                <a:cs typeface="Times New Roman" panose="02020603050405020304" pitchFamily="18" charset="0"/>
-              </a:rPr>
-              <a:t>PHP</a:t>
-            </a:r>
-          </a:p>
-          <a:p>
-            <a:pPr marL="0" indent="0" algn="just">
-              <a:buNone/>
-            </a:pPr>
-            <a:r>
-              <a:rPr lang="pt-BR" sz="2000" b="1" dirty="0">
-                <a:latin typeface="Times New Roman" panose="02020603050405020304" pitchFamily="18" charset="0"/>
-                <a:cs typeface="Times New Roman" panose="02020603050405020304" pitchFamily="18" charset="0"/>
-              </a:rPr>
-              <a:t>	Disponível em</a:t>
-            </a:r>
-            <a:r>
-              <a:rPr lang="pt-BR" sz="2000" dirty="0">
-                <a:latin typeface="Times New Roman" panose="02020603050405020304" pitchFamily="18" charset="0"/>
-                <a:cs typeface="Times New Roman" panose="02020603050405020304" pitchFamily="18" charset="0"/>
-              </a:rPr>
-              <a:t>: </a:t>
-            </a:r>
-            <a:r>
-              <a:rPr lang="pt-BR" sz="2000" dirty="0">
-                <a:latin typeface="Times New Roman" panose="02020603050405020304" pitchFamily="18" charset="0"/>
-                <a:cs typeface="Times New Roman" panose="02020603050405020304" pitchFamily="18" charset="0"/>
-                <a:hlinkClick r:id="rId3"/>
-              </a:rPr>
-              <a:t>https://www.php.net/</a:t>
-            </a:r>
-            <a:endParaRPr lang="pt-BR" sz="2000" dirty="0">
+            <a:pPr algn="just">
+              <a:buAutoNum type="arabicPeriod"/>
+            </a:pPr>
+            <a:r>
+              <a:rPr lang="pt-BR" sz="1400" b="1" dirty="0">
+                <a:solidFill>
+                  <a:srgbClr val="FF0000"/>
+                </a:solidFill>
+                <a:latin typeface="Times New Roman" panose="02020603050405020304" pitchFamily="18" charset="0"/>
+                <a:cs typeface="Times New Roman" panose="02020603050405020304" pitchFamily="18" charset="0"/>
+              </a:rPr>
+              <a:t>MVC</a:t>
+            </a:r>
+            <a:r>
+              <a:rPr lang="pt-BR" sz="1400" dirty="0">
+                <a:solidFill>
+                  <a:schemeClr val="tx1"/>
+                </a:solidFill>
+                <a:latin typeface="Times New Roman" panose="02020603050405020304" pitchFamily="18" charset="0"/>
+                <a:cs typeface="Times New Roman" panose="02020603050405020304" pitchFamily="18" charset="0"/>
+              </a:rPr>
+              <a:t> (.</a:t>
+            </a:r>
+            <a:r>
+              <a:rPr lang="pt-BR" sz="1400" dirty="0" err="1">
+                <a:solidFill>
+                  <a:schemeClr val="tx1"/>
+                </a:solidFill>
+                <a:latin typeface="Times New Roman" panose="02020603050405020304" pitchFamily="18" charset="0"/>
+                <a:cs typeface="Times New Roman" panose="02020603050405020304" pitchFamily="18" charset="0"/>
+              </a:rPr>
+              <a:t>gitigone</a:t>
+            </a:r>
+            <a:r>
+              <a:rPr lang="pt-BR" sz="1400" dirty="0">
+                <a:solidFill>
+                  <a:schemeClr val="tx1"/>
+                </a:solidFill>
+                <a:latin typeface="Times New Roman" panose="02020603050405020304" pitchFamily="18" charset="0"/>
+                <a:cs typeface="Times New Roman" panose="02020603050405020304" pitchFamily="18" charset="0"/>
+              </a:rPr>
+              <a:t>; .</a:t>
+            </a:r>
+            <a:r>
+              <a:rPr lang="pt-BR" sz="1400" dirty="0" err="1">
+                <a:solidFill>
+                  <a:schemeClr val="tx1"/>
+                </a:solidFill>
+                <a:latin typeface="Times New Roman" panose="02020603050405020304" pitchFamily="18" charset="0"/>
+                <a:cs typeface="Times New Roman" panose="02020603050405020304" pitchFamily="18" charset="0"/>
+              </a:rPr>
+              <a:t>htaccess</a:t>
+            </a:r>
+            <a:r>
+              <a:rPr lang="pt-BR" sz="1400" dirty="0">
+                <a:solidFill>
+                  <a:schemeClr val="tx1"/>
+                </a:solidFill>
+                <a:latin typeface="Times New Roman" panose="02020603050405020304" pitchFamily="18" charset="0"/>
+                <a:cs typeface="Times New Roman" panose="02020603050405020304" pitchFamily="18" charset="0"/>
+              </a:rPr>
+              <a:t>; .</a:t>
+            </a:r>
+            <a:r>
+              <a:rPr lang="pt-BR" sz="1400" dirty="0" err="1">
+                <a:solidFill>
+                  <a:schemeClr val="tx1"/>
+                </a:solidFill>
+                <a:latin typeface="Times New Roman" panose="02020603050405020304" pitchFamily="18" charset="0"/>
+                <a:cs typeface="Times New Roman" panose="02020603050405020304" pitchFamily="18" charset="0"/>
+              </a:rPr>
+              <a:t>env</a:t>
+            </a:r>
+            <a:r>
+              <a:rPr lang="pt-BR" sz="1400" dirty="0">
+                <a:solidFill>
+                  <a:schemeClr val="tx1"/>
+                </a:solidFill>
+                <a:latin typeface="Times New Roman" panose="02020603050405020304" pitchFamily="18" charset="0"/>
+                <a:cs typeface="Times New Roman" panose="02020603050405020304" pitchFamily="18" charset="0"/>
+              </a:rPr>
+              <a:t>; .</a:t>
+            </a:r>
+            <a:r>
+              <a:rPr lang="pt-BR" sz="1400" dirty="0" err="1">
+                <a:solidFill>
+                  <a:schemeClr val="tx1"/>
+                </a:solidFill>
+                <a:latin typeface="Times New Roman" panose="02020603050405020304" pitchFamily="18" charset="0"/>
+                <a:cs typeface="Times New Roman" panose="02020603050405020304" pitchFamily="18" charset="0"/>
+              </a:rPr>
+              <a:t>env.example</a:t>
+            </a:r>
+            <a:r>
+              <a:rPr lang="pt-BR" sz="1400" dirty="0">
+                <a:solidFill>
+                  <a:schemeClr val="tx1"/>
+                </a:solidFill>
+                <a:latin typeface="Times New Roman" panose="02020603050405020304" pitchFamily="18" charset="0"/>
+                <a:cs typeface="Times New Roman" panose="02020603050405020304" pitchFamily="18" charset="0"/>
+              </a:rPr>
+              <a:t>; .</a:t>
+            </a:r>
+            <a:r>
+              <a:rPr lang="pt-BR" sz="1400" dirty="0" err="1">
+                <a:solidFill>
+                  <a:schemeClr val="tx1"/>
+                </a:solidFill>
+                <a:latin typeface="Times New Roman" panose="02020603050405020304" pitchFamily="18" charset="0"/>
+                <a:cs typeface="Times New Roman" panose="02020603050405020304" pitchFamily="18" charset="0"/>
+              </a:rPr>
+              <a:t>git</a:t>
+            </a:r>
+            <a:r>
+              <a:rPr lang="pt-BR" sz="1400" dirty="0">
+                <a:solidFill>
+                  <a:schemeClr val="tx1"/>
+                </a:solidFill>
+                <a:latin typeface="Times New Roman" panose="02020603050405020304" pitchFamily="18" charset="0"/>
+                <a:cs typeface="Times New Roman" panose="02020603050405020304" pitchFamily="18" charset="0"/>
+              </a:rPr>
+              <a:t>; </a:t>
+            </a:r>
+            <a:r>
+              <a:rPr lang="pt-BR" sz="1400" dirty="0" err="1">
+                <a:solidFill>
+                  <a:schemeClr val="tx1"/>
+                </a:solidFill>
+                <a:latin typeface="Times New Roman" panose="02020603050405020304" pitchFamily="18" charset="0"/>
+                <a:cs typeface="Times New Roman" panose="02020603050405020304" pitchFamily="18" charset="0"/>
+              </a:rPr>
+              <a:t>composer.json</a:t>
+            </a:r>
+            <a:r>
+              <a:rPr lang="pt-BR" sz="1400" dirty="0">
+                <a:solidFill>
+                  <a:schemeClr val="tx1"/>
+                </a:solidFill>
+                <a:latin typeface="Times New Roman" panose="02020603050405020304" pitchFamily="18" charset="0"/>
+                <a:cs typeface="Times New Roman" panose="02020603050405020304" pitchFamily="18" charset="0"/>
+              </a:rPr>
+              <a:t>; </a:t>
+            </a:r>
+            <a:r>
+              <a:rPr lang="pt-BR" sz="1400" dirty="0" err="1">
+                <a:solidFill>
+                  <a:schemeClr val="tx1"/>
+                </a:solidFill>
+                <a:latin typeface="Times New Roman" panose="02020603050405020304" pitchFamily="18" charset="0"/>
+                <a:cs typeface="Times New Roman" panose="02020603050405020304" pitchFamily="18" charset="0"/>
+              </a:rPr>
+              <a:t>composer.lock</a:t>
+            </a:r>
+            <a:r>
+              <a:rPr lang="pt-BR" sz="1400" dirty="0">
+                <a:solidFill>
+                  <a:schemeClr val="tx1"/>
+                </a:solidFill>
+                <a:latin typeface="Times New Roman" panose="02020603050405020304" pitchFamily="18" charset="0"/>
+                <a:cs typeface="Times New Roman" panose="02020603050405020304" pitchFamily="18" charset="0"/>
+              </a:rPr>
+              <a:t>; </a:t>
+            </a:r>
+            <a:r>
+              <a:rPr lang="pt-BR" sz="1400" dirty="0" err="1">
+                <a:solidFill>
+                  <a:schemeClr val="tx1"/>
+                </a:solidFill>
+                <a:latin typeface="Times New Roman" panose="02020603050405020304" pitchFamily="18" charset="0"/>
+                <a:cs typeface="Times New Roman" panose="02020603050405020304" pitchFamily="18" charset="0"/>
+              </a:rPr>
+              <a:t>database;sql</a:t>
+            </a:r>
+            <a:r>
+              <a:rPr lang="pt-BR" sz="1400" dirty="0">
+                <a:solidFill>
+                  <a:schemeClr val="tx1"/>
+                </a:solidFill>
+                <a:latin typeface="Times New Roman" panose="02020603050405020304" pitchFamily="18" charset="0"/>
+                <a:cs typeface="Times New Roman" panose="02020603050405020304" pitchFamily="18" charset="0"/>
+              </a:rPr>
+              <a:t>; </a:t>
+            </a:r>
+            <a:r>
+              <a:rPr lang="pt-BR" sz="1400" dirty="0" err="1">
+                <a:solidFill>
+                  <a:schemeClr val="tx1"/>
+                </a:solidFill>
+                <a:latin typeface="Times New Roman" panose="02020603050405020304" pitchFamily="18" charset="0"/>
+                <a:cs typeface="Times New Roman" panose="02020603050405020304" pitchFamily="18" charset="0"/>
+              </a:rPr>
+              <a:t>index.php</a:t>
+            </a:r>
+            <a:endParaRPr lang="pt-BR" sz="1400" dirty="0">
+              <a:solidFill>
+                <a:schemeClr val="tx1"/>
+              </a:solidFill>
               <a:latin typeface="Times New Roman" panose="02020603050405020304" pitchFamily="18" charset="0"/>
               <a:cs typeface="Times New Roman" panose="02020603050405020304" pitchFamily="18" charset="0"/>
             </a:endParaRPr>
           </a:p>
           <a:p>
-            <a:pPr marL="0" indent="0" algn="just">
-              <a:buNone/>
-            </a:pPr>
-            <a:endParaRPr lang="pt-BR" sz="2000" dirty="0">
+            <a:pPr lvl="1" algn="just">
+              <a:buAutoNum type="arabicPeriod"/>
+            </a:pPr>
+            <a:r>
+              <a:rPr lang="pt-BR" sz="1400" b="1" dirty="0">
+                <a:solidFill>
+                  <a:schemeClr val="tx1"/>
+                </a:solidFill>
+                <a:latin typeface="Times New Roman" panose="02020603050405020304" pitchFamily="18" charset="0"/>
+                <a:cs typeface="Times New Roman" panose="02020603050405020304" pitchFamily="18" charset="0"/>
+              </a:rPr>
+              <a:t>App</a:t>
+            </a:r>
+          </a:p>
+          <a:p>
+            <a:pPr lvl="2" algn="just">
+              <a:buAutoNum type="arabicPeriod"/>
+            </a:pPr>
+            <a:r>
+              <a:rPr lang="pt-BR" sz="1400" dirty="0" err="1">
+                <a:solidFill>
+                  <a:schemeClr val="tx1"/>
+                </a:solidFill>
+                <a:latin typeface="Times New Roman" panose="02020603050405020304" pitchFamily="18" charset="0"/>
+                <a:cs typeface="Times New Roman" panose="02020603050405020304" pitchFamily="18" charset="0"/>
+              </a:rPr>
+              <a:t>Controller</a:t>
+            </a:r>
+            <a:r>
+              <a:rPr lang="pt-BR" sz="1400" dirty="0">
+                <a:solidFill>
+                  <a:schemeClr val="tx1"/>
+                </a:solidFill>
+                <a:latin typeface="Times New Roman" panose="02020603050405020304" pitchFamily="18" charset="0"/>
+                <a:cs typeface="Times New Roman" panose="02020603050405020304" pitchFamily="18" charset="0"/>
+              </a:rPr>
+              <a:t> (</a:t>
+            </a:r>
+            <a:r>
+              <a:rPr lang="pt-BR" sz="1400" dirty="0" err="1">
+                <a:solidFill>
+                  <a:schemeClr val="tx1"/>
+                </a:solidFill>
+                <a:latin typeface="Times New Roman" panose="02020603050405020304" pitchFamily="18" charset="0"/>
+                <a:cs typeface="Times New Roman" panose="02020603050405020304" pitchFamily="18" charset="0"/>
+              </a:rPr>
+              <a:t>clienteController.php</a:t>
+            </a:r>
+            <a:r>
+              <a:rPr lang="pt-BR" sz="1400" dirty="0">
+                <a:solidFill>
+                  <a:schemeClr val="tx1"/>
+                </a:solidFill>
+                <a:latin typeface="Times New Roman" panose="02020603050405020304" pitchFamily="18" charset="0"/>
+                <a:cs typeface="Times New Roman" panose="02020603050405020304" pitchFamily="18" charset="0"/>
+              </a:rPr>
+              <a:t>, </a:t>
+            </a:r>
+            <a:r>
+              <a:rPr lang="pt-BR" sz="1400" dirty="0" err="1">
+                <a:solidFill>
+                  <a:schemeClr val="tx1"/>
+                </a:solidFill>
+                <a:latin typeface="Times New Roman" panose="02020603050405020304" pitchFamily="18" charset="0"/>
+                <a:cs typeface="Times New Roman" panose="02020603050405020304" pitchFamily="18" charset="0"/>
+              </a:rPr>
+              <a:t>fornecedorConttroller.php</a:t>
+            </a:r>
+            <a:r>
+              <a:rPr lang="pt-BR" sz="1400" dirty="0">
+                <a:solidFill>
+                  <a:schemeClr val="tx1"/>
+                </a:solidFill>
+                <a:latin typeface="Times New Roman" panose="02020603050405020304" pitchFamily="18" charset="0"/>
+                <a:cs typeface="Times New Roman" panose="02020603050405020304" pitchFamily="18" charset="0"/>
+              </a:rPr>
+              <a:t>, </a:t>
+            </a:r>
+            <a:r>
+              <a:rPr lang="pt-BR" sz="1400" dirty="0" err="1">
+                <a:solidFill>
+                  <a:schemeClr val="tx1"/>
+                </a:solidFill>
+                <a:latin typeface="Times New Roman" panose="02020603050405020304" pitchFamily="18" charset="0"/>
+                <a:cs typeface="Times New Roman" panose="02020603050405020304" pitchFamily="18" charset="0"/>
+              </a:rPr>
+              <a:t>etc</a:t>
+            </a:r>
+            <a:r>
+              <a:rPr lang="pt-BR" sz="1400" dirty="0">
+                <a:solidFill>
+                  <a:schemeClr val="tx1"/>
+                </a:solidFill>
+                <a:latin typeface="Times New Roman" panose="02020603050405020304" pitchFamily="18" charset="0"/>
+                <a:cs typeface="Times New Roman" panose="02020603050405020304" pitchFamily="18" charset="0"/>
+              </a:rPr>
+              <a:t>) (</a:t>
+            </a:r>
+            <a:r>
+              <a:rPr lang="pt-BR" sz="1400" b="1" dirty="0">
+                <a:solidFill>
+                  <a:schemeClr val="tx1"/>
+                </a:solidFill>
+                <a:latin typeface="Times New Roman" panose="02020603050405020304" pitchFamily="18" charset="0"/>
+                <a:cs typeface="Times New Roman" panose="02020603050405020304" pitchFamily="18" charset="0"/>
+              </a:rPr>
+              <a:t>gerenciador M/V</a:t>
+            </a:r>
+            <a:r>
+              <a:rPr lang="pt-BR" sz="1400" dirty="0">
+                <a:solidFill>
+                  <a:schemeClr val="tx1"/>
+                </a:solidFill>
+                <a:latin typeface="Times New Roman" panose="02020603050405020304" pitchFamily="18" charset="0"/>
+                <a:cs typeface="Times New Roman" panose="02020603050405020304" pitchFamily="18" charset="0"/>
+              </a:rPr>
+              <a:t>) </a:t>
+            </a:r>
+            <a:r>
+              <a:rPr lang="pt-BR" sz="1400" b="1" dirty="0">
+                <a:solidFill>
+                  <a:srgbClr val="FF0000"/>
+                </a:solidFill>
+                <a:latin typeface="Times New Roman" panose="02020603050405020304" pitchFamily="18" charset="0"/>
+                <a:cs typeface="Times New Roman" panose="02020603050405020304" pitchFamily="18" charset="0"/>
+              </a:rPr>
+              <a:t>API REST</a:t>
+            </a:r>
+          </a:p>
+          <a:p>
+            <a:pPr lvl="2" algn="just">
+              <a:buAutoNum type="arabicPeriod"/>
+            </a:pPr>
+            <a:r>
+              <a:rPr lang="pt-BR" sz="1400" dirty="0">
+                <a:solidFill>
+                  <a:schemeClr val="tx1"/>
+                </a:solidFill>
+                <a:latin typeface="Times New Roman" panose="02020603050405020304" pitchFamily="18" charset="0"/>
+                <a:cs typeface="Times New Roman" panose="02020603050405020304" pitchFamily="18" charset="0"/>
+              </a:rPr>
+              <a:t>Model (</a:t>
+            </a:r>
+            <a:r>
+              <a:rPr lang="pt-BR" sz="1400" dirty="0" err="1">
+                <a:solidFill>
+                  <a:schemeClr val="tx1"/>
+                </a:solidFill>
+                <a:latin typeface="Times New Roman" panose="02020603050405020304" pitchFamily="18" charset="0"/>
+                <a:cs typeface="Times New Roman" panose="02020603050405020304" pitchFamily="18" charset="0"/>
+              </a:rPr>
+              <a:t>clienteModel.php</a:t>
+            </a:r>
+            <a:r>
+              <a:rPr lang="pt-BR" sz="1400" dirty="0">
+                <a:solidFill>
+                  <a:schemeClr val="tx1"/>
+                </a:solidFill>
+                <a:latin typeface="Times New Roman" panose="02020603050405020304" pitchFamily="18" charset="0"/>
+                <a:cs typeface="Times New Roman" panose="02020603050405020304" pitchFamily="18" charset="0"/>
+              </a:rPr>
+              <a:t>, </a:t>
+            </a:r>
+            <a:r>
+              <a:rPr lang="pt-BR" sz="1400" dirty="0" err="1">
+                <a:solidFill>
+                  <a:schemeClr val="tx1"/>
+                </a:solidFill>
+                <a:latin typeface="Times New Roman" panose="02020603050405020304" pitchFamily="18" charset="0"/>
+                <a:cs typeface="Times New Roman" panose="02020603050405020304" pitchFamily="18" charset="0"/>
+              </a:rPr>
+              <a:t>fornecedorModel.php</a:t>
+            </a:r>
+            <a:r>
+              <a:rPr lang="pt-BR" sz="1400" dirty="0">
+                <a:solidFill>
+                  <a:schemeClr val="tx1"/>
+                </a:solidFill>
+                <a:latin typeface="Times New Roman" panose="02020603050405020304" pitchFamily="18" charset="0"/>
+                <a:cs typeface="Times New Roman" panose="02020603050405020304" pitchFamily="18" charset="0"/>
+              </a:rPr>
+              <a:t>, </a:t>
+            </a:r>
+            <a:r>
+              <a:rPr lang="pt-BR" sz="1400" dirty="0" err="1">
+                <a:solidFill>
+                  <a:schemeClr val="tx1"/>
+                </a:solidFill>
+                <a:latin typeface="Times New Roman" panose="02020603050405020304" pitchFamily="18" charset="0"/>
+                <a:cs typeface="Times New Roman" panose="02020603050405020304" pitchFamily="18" charset="0"/>
+              </a:rPr>
+              <a:t>etc</a:t>
+            </a:r>
+            <a:r>
+              <a:rPr lang="pt-BR" sz="1400" dirty="0">
+                <a:solidFill>
+                  <a:schemeClr val="tx1"/>
+                </a:solidFill>
+                <a:latin typeface="Times New Roman" panose="02020603050405020304" pitchFamily="18" charset="0"/>
+                <a:cs typeface="Times New Roman" panose="02020603050405020304" pitchFamily="18" charset="0"/>
+              </a:rPr>
+              <a:t>) (</a:t>
+            </a:r>
+            <a:r>
+              <a:rPr lang="pt-BR" sz="1400" b="1" dirty="0">
+                <a:solidFill>
+                  <a:schemeClr val="tx1"/>
+                </a:solidFill>
+                <a:latin typeface="Times New Roman" panose="02020603050405020304" pitchFamily="18" charset="0"/>
+                <a:cs typeface="Times New Roman" panose="02020603050405020304" pitchFamily="18" charset="0"/>
+              </a:rPr>
+              <a:t>DAO, </a:t>
+            </a:r>
+            <a:r>
+              <a:rPr lang="pt-BR" sz="1400" b="1" dirty="0" err="1">
+                <a:solidFill>
+                  <a:schemeClr val="tx1"/>
+                </a:solidFill>
+                <a:latin typeface="Times New Roman" panose="02020603050405020304" pitchFamily="18" charset="0"/>
+                <a:cs typeface="Times New Roman" panose="02020603050405020304" pitchFamily="18" charset="0"/>
+              </a:rPr>
+              <a:t>class</a:t>
+            </a:r>
+            <a:r>
+              <a:rPr lang="pt-BR" sz="1400" b="1" dirty="0">
+                <a:solidFill>
+                  <a:schemeClr val="tx1"/>
+                </a:solidFill>
+                <a:latin typeface="Times New Roman" panose="02020603050405020304" pitchFamily="18" charset="0"/>
+                <a:cs typeface="Times New Roman" panose="02020603050405020304" pitchFamily="18" charset="0"/>
+              </a:rPr>
+              <a:t>, regras de negócio, persistência, </a:t>
+            </a:r>
+            <a:r>
+              <a:rPr lang="pt-BR" sz="1400" b="1" dirty="0" err="1">
+                <a:solidFill>
+                  <a:schemeClr val="tx1"/>
+                </a:solidFill>
+                <a:latin typeface="Times New Roman" panose="02020603050405020304" pitchFamily="18" charset="0"/>
+                <a:cs typeface="Times New Roman" panose="02020603050405020304" pitchFamily="18" charset="0"/>
+              </a:rPr>
+              <a:t>etc</a:t>
+            </a:r>
+            <a:r>
+              <a:rPr lang="pt-BR" sz="1400" dirty="0">
+                <a:solidFill>
+                  <a:schemeClr val="tx1"/>
+                </a:solidFill>
+                <a:latin typeface="Times New Roman" panose="02020603050405020304" pitchFamily="18" charset="0"/>
+                <a:cs typeface="Times New Roman" panose="02020603050405020304" pitchFamily="18" charset="0"/>
+              </a:rPr>
+              <a:t>)</a:t>
+            </a:r>
+          </a:p>
+          <a:p>
+            <a:pPr lvl="2" algn="just">
+              <a:buAutoNum type="arabicPeriod"/>
+            </a:pPr>
+            <a:r>
+              <a:rPr lang="pt-BR" sz="1400" dirty="0" err="1">
+                <a:solidFill>
+                  <a:schemeClr val="tx1"/>
+                </a:solidFill>
+                <a:latin typeface="Times New Roman" panose="02020603050405020304" pitchFamily="18" charset="0"/>
+                <a:cs typeface="Times New Roman" panose="02020603050405020304" pitchFamily="18" charset="0"/>
+              </a:rPr>
+              <a:t>Session</a:t>
+            </a:r>
+            <a:r>
+              <a:rPr lang="pt-BR" sz="1400" dirty="0">
+                <a:solidFill>
+                  <a:schemeClr val="tx1"/>
+                </a:solidFill>
+                <a:latin typeface="Times New Roman" panose="02020603050405020304" pitchFamily="18" charset="0"/>
+                <a:cs typeface="Times New Roman" panose="02020603050405020304" pitchFamily="18" charset="0"/>
+              </a:rPr>
+              <a:t> (</a:t>
+            </a:r>
+            <a:r>
+              <a:rPr lang="pt-BR" sz="1400" b="1" dirty="0">
+                <a:solidFill>
+                  <a:schemeClr val="tx1"/>
+                </a:solidFill>
+                <a:latin typeface="Times New Roman" panose="02020603050405020304" pitchFamily="18" charset="0"/>
+                <a:cs typeface="Times New Roman" panose="02020603050405020304" pitchFamily="18" charset="0"/>
+              </a:rPr>
+              <a:t>controle de sessão</a:t>
+            </a:r>
+            <a:r>
+              <a:rPr lang="pt-BR" sz="1400" dirty="0">
+                <a:solidFill>
+                  <a:schemeClr val="tx1"/>
+                </a:solidFill>
+                <a:latin typeface="Times New Roman" panose="02020603050405020304" pitchFamily="18" charset="0"/>
+                <a:cs typeface="Times New Roman" panose="02020603050405020304" pitchFamily="18" charset="0"/>
+              </a:rPr>
+              <a:t>)</a:t>
+            </a:r>
+          </a:p>
+          <a:p>
+            <a:pPr lvl="2" algn="just">
+              <a:buAutoNum type="arabicPeriod"/>
+            </a:pPr>
+            <a:r>
+              <a:rPr lang="pt-BR" sz="1400" dirty="0" err="1">
+                <a:solidFill>
+                  <a:schemeClr val="tx1"/>
+                </a:solidFill>
+                <a:latin typeface="Times New Roman" panose="02020603050405020304" pitchFamily="18" charset="0"/>
+                <a:cs typeface="Times New Roman" panose="02020603050405020304" pitchFamily="18" charset="0"/>
+              </a:rPr>
+              <a:t>Utils</a:t>
+            </a:r>
+            <a:r>
+              <a:rPr lang="pt-BR" sz="1400" dirty="0">
+                <a:solidFill>
+                  <a:schemeClr val="tx1"/>
+                </a:solidFill>
+                <a:latin typeface="Times New Roman" panose="02020603050405020304" pitchFamily="18" charset="0"/>
+                <a:cs typeface="Times New Roman" panose="02020603050405020304" pitchFamily="18" charset="0"/>
+              </a:rPr>
+              <a:t> (</a:t>
+            </a:r>
+            <a:r>
+              <a:rPr lang="pt-BR" sz="1400" b="1" dirty="0" err="1">
+                <a:solidFill>
+                  <a:schemeClr val="tx1"/>
+                </a:solidFill>
+                <a:latin typeface="Times New Roman" panose="02020603050405020304" pitchFamily="18" charset="0"/>
+                <a:cs typeface="Times New Roman" panose="02020603050405020304" pitchFamily="18" charset="0"/>
+              </a:rPr>
+              <a:t>funtions</a:t>
+            </a:r>
+            <a:r>
+              <a:rPr lang="pt-BR" sz="1400" dirty="0">
+                <a:solidFill>
+                  <a:schemeClr val="tx1"/>
+                </a:solidFill>
+                <a:latin typeface="Times New Roman" panose="02020603050405020304" pitchFamily="18" charset="0"/>
+                <a:cs typeface="Times New Roman" panose="02020603050405020304" pitchFamily="18" charset="0"/>
+              </a:rPr>
+              <a:t>) </a:t>
+            </a:r>
+          </a:p>
+          <a:p>
+            <a:pPr lvl="2" algn="just">
+              <a:buAutoNum type="arabicPeriod"/>
+            </a:pPr>
+            <a:r>
+              <a:rPr lang="pt-BR" sz="1400" dirty="0" err="1">
+                <a:solidFill>
+                  <a:schemeClr val="tx1"/>
+                </a:solidFill>
+                <a:latin typeface="Times New Roman" panose="02020603050405020304" pitchFamily="18" charset="0"/>
+                <a:cs typeface="Times New Roman" panose="02020603050405020304" pitchFamily="18" charset="0"/>
+              </a:rPr>
+              <a:t>Schemas</a:t>
+            </a:r>
+            <a:r>
+              <a:rPr lang="pt-BR" sz="1400" dirty="0">
+                <a:solidFill>
+                  <a:schemeClr val="tx1"/>
+                </a:solidFill>
+                <a:latin typeface="Times New Roman" panose="02020603050405020304" pitchFamily="18" charset="0"/>
+                <a:cs typeface="Times New Roman" panose="02020603050405020304" pitchFamily="18" charset="0"/>
+              </a:rPr>
+              <a:t>/</a:t>
+            </a:r>
+            <a:r>
+              <a:rPr lang="pt-BR" sz="1400" dirty="0" err="1">
+                <a:solidFill>
+                  <a:schemeClr val="tx1"/>
+                </a:solidFill>
+                <a:latin typeface="Times New Roman" panose="02020603050405020304" pitchFamily="18" charset="0"/>
+                <a:cs typeface="Times New Roman" panose="02020603050405020304" pitchFamily="18" charset="0"/>
+              </a:rPr>
+              <a:t>templates</a:t>
+            </a:r>
+            <a:r>
+              <a:rPr lang="pt-BR" sz="1400" dirty="0">
+                <a:solidFill>
+                  <a:schemeClr val="tx1"/>
+                </a:solidFill>
+                <a:latin typeface="Times New Roman" panose="02020603050405020304" pitchFamily="18" charset="0"/>
+                <a:cs typeface="Times New Roman" panose="02020603050405020304" pitchFamily="18" charset="0"/>
+              </a:rPr>
+              <a:t> (</a:t>
+            </a:r>
+            <a:r>
+              <a:rPr lang="pt-BR" sz="1400" b="1" dirty="0" err="1">
+                <a:solidFill>
+                  <a:schemeClr val="tx1"/>
+                </a:solidFill>
+                <a:latin typeface="Times New Roman" panose="02020603050405020304" pitchFamily="18" charset="0"/>
+                <a:cs typeface="Times New Roman" panose="02020603050405020304" pitchFamily="18" charset="0"/>
+              </a:rPr>
+              <a:t>view</a:t>
+            </a:r>
+            <a:r>
+              <a:rPr lang="pt-BR" sz="1400" dirty="0">
+                <a:solidFill>
+                  <a:schemeClr val="tx1"/>
+                </a:solidFill>
+                <a:latin typeface="Times New Roman" panose="02020603050405020304" pitchFamily="18" charset="0"/>
+                <a:cs typeface="Times New Roman" panose="02020603050405020304" pitchFamily="18" charset="0"/>
+              </a:rPr>
+              <a:t>)</a:t>
+            </a:r>
+          </a:p>
+          <a:p>
+            <a:pPr lvl="2" algn="just">
+              <a:buAutoNum type="arabicPeriod"/>
+            </a:pPr>
+            <a:r>
+              <a:rPr lang="pt-BR" sz="1400" dirty="0">
+                <a:solidFill>
+                  <a:schemeClr val="tx1"/>
+                </a:solidFill>
+                <a:latin typeface="Times New Roman" panose="02020603050405020304" pitchFamily="18" charset="0"/>
+                <a:cs typeface="Times New Roman" panose="02020603050405020304" pitchFamily="18" charset="0"/>
+              </a:rPr>
+              <a:t>http</a:t>
+            </a:r>
+          </a:p>
+          <a:p>
+            <a:pPr lvl="3" algn="just">
+              <a:buAutoNum type="arabicPeriod"/>
+            </a:pPr>
+            <a:r>
+              <a:rPr lang="pt-BR" sz="1400" dirty="0">
+                <a:solidFill>
+                  <a:schemeClr val="tx1"/>
+                </a:solidFill>
+                <a:latin typeface="Times New Roman" panose="02020603050405020304" pitchFamily="18" charset="0"/>
+                <a:cs typeface="Times New Roman" panose="02020603050405020304" pitchFamily="18" charset="0"/>
+              </a:rPr>
+              <a:t>Middleware (</a:t>
+            </a:r>
+            <a:r>
+              <a:rPr lang="pt-BR" sz="1400" b="1" dirty="0">
+                <a:solidFill>
+                  <a:schemeClr val="tx1"/>
+                </a:solidFill>
+                <a:latin typeface="Times New Roman" panose="02020603050405020304" pitchFamily="18" charset="0"/>
+                <a:cs typeface="Times New Roman" panose="02020603050405020304" pitchFamily="18" charset="0"/>
+              </a:rPr>
+              <a:t>Aplicação apoio se necessário</a:t>
+            </a:r>
+            <a:r>
+              <a:rPr lang="pt-BR" sz="1400" dirty="0">
+                <a:solidFill>
+                  <a:schemeClr val="tx1"/>
+                </a:solidFill>
+                <a:latin typeface="Times New Roman" panose="02020603050405020304" pitchFamily="18" charset="0"/>
+                <a:cs typeface="Times New Roman" panose="02020603050405020304" pitchFamily="18" charset="0"/>
+              </a:rPr>
+              <a:t>)</a:t>
+            </a:r>
+          </a:p>
+          <a:p>
+            <a:pPr lvl="1" algn="just">
+              <a:buAutoNum type="arabicPeriod"/>
+            </a:pPr>
+            <a:r>
+              <a:rPr lang="pt-BR" sz="1400" dirty="0">
+                <a:solidFill>
+                  <a:schemeClr val="tx1"/>
+                </a:solidFill>
+                <a:latin typeface="Times New Roman" panose="02020603050405020304" pitchFamily="18" charset="0"/>
+                <a:cs typeface="Times New Roman" panose="02020603050405020304" pitchFamily="18" charset="0"/>
+              </a:rPr>
+              <a:t>Includes (</a:t>
+            </a:r>
+            <a:r>
+              <a:rPr lang="pt-BR" sz="1400" b="1" dirty="0">
+                <a:solidFill>
+                  <a:schemeClr val="tx1"/>
+                </a:solidFill>
+                <a:latin typeface="Times New Roman" panose="02020603050405020304" pitchFamily="18" charset="0"/>
+                <a:cs typeface="Times New Roman" panose="02020603050405020304" pitchFamily="18" charset="0"/>
+              </a:rPr>
+              <a:t>bibliotecas do projeto</a:t>
+            </a:r>
+            <a:r>
+              <a:rPr lang="pt-BR" sz="1400" dirty="0">
+                <a:solidFill>
+                  <a:schemeClr val="tx1"/>
+                </a:solidFill>
+                <a:latin typeface="Times New Roman" panose="02020603050405020304" pitchFamily="18" charset="0"/>
+                <a:cs typeface="Times New Roman" panose="02020603050405020304" pitchFamily="18" charset="0"/>
+              </a:rPr>
+              <a:t>)</a:t>
+            </a:r>
+          </a:p>
+          <a:p>
+            <a:pPr lvl="1" algn="just">
+              <a:buAutoNum type="arabicPeriod"/>
+            </a:pPr>
+            <a:r>
+              <a:rPr lang="pt-BR" sz="1400" dirty="0" err="1">
+                <a:solidFill>
+                  <a:schemeClr val="tx1"/>
+                </a:solidFill>
+                <a:latin typeface="Times New Roman" panose="02020603050405020304" pitchFamily="18" charset="0"/>
+                <a:cs typeface="Times New Roman" panose="02020603050405020304" pitchFamily="18" charset="0"/>
+              </a:rPr>
+              <a:t>Resources</a:t>
+            </a:r>
+            <a:r>
+              <a:rPr lang="pt-BR" sz="1400" dirty="0">
+                <a:solidFill>
+                  <a:schemeClr val="tx1"/>
+                </a:solidFill>
+                <a:latin typeface="Times New Roman" panose="02020603050405020304" pitchFamily="18" charset="0"/>
+                <a:cs typeface="Times New Roman" panose="02020603050405020304" pitchFamily="18" charset="0"/>
+              </a:rPr>
+              <a:t> (recursos da aplicação – </a:t>
+            </a:r>
+            <a:r>
+              <a:rPr lang="pt-BR" sz="1400" b="1" dirty="0" err="1">
+                <a:solidFill>
+                  <a:schemeClr val="tx1"/>
+                </a:solidFill>
+                <a:latin typeface="Times New Roman" panose="02020603050405020304" pitchFamily="18" charset="0"/>
+                <a:cs typeface="Times New Roman" panose="02020603050405020304" pitchFamily="18" charset="0"/>
+              </a:rPr>
+              <a:t>endpoints</a:t>
+            </a:r>
+            <a:r>
+              <a:rPr lang="pt-BR" sz="1400" b="1" dirty="0">
+                <a:solidFill>
+                  <a:schemeClr val="tx1"/>
+                </a:solidFill>
+                <a:latin typeface="Times New Roman" panose="02020603050405020304" pitchFamily="18" charset="0"/>
+                <a:cs typeface="Times New Roman" panose="02020603050405020304" pitchFamily="18" charset="0"/>
+              </a:rPr>
+              <a:t>)</a:t>
+            </a:r>
+            <a:endParaRPr lang="pt-BR" sz="1400" dirty="0">
+              <a:solidFill>
+                <a:schemeClr val="tx1"/>
+              </a:solidFill>
               <a:latin typeface="Times New Roman" panose="02020603050405020304" pitchFamily="18" charset="0"/>
               <a:cs typeface="Times New Roman" panose="02020603050405020304" pitchFamily="18" charset="0"/>
             </a:endParaRPr>
           </a:p>
           <a:p>
-            <a:pPr marL="0" indent="0" algn="just">
-              <a:buNone/>
-            </a:pPr>
-            <a:r>
-              <a:rPr lang="pt-BR" sz="2000" dirty="0">
-                <a:latin typeface="Times New Roman" panose="02020603050405020304" pitchFamily="18" charset="0"/>
-                <a:cs typeface="Times New Roman" panose="02020603050405020304" pitchFamily="18" charset="0"/>
-              </a:rPr>
-              <a:t>[2] </a:t>
-            </a:r>
-            <a:r>
-              <a:rPr lang="pt-BR" sz="2000" b="1" dirty="0">
-                <a:latin typeface="Times New Roman" panose="02020603050405020304" pitchFamily="18" charset="0"/>
-                <a:cs typeface="Times New Roman" panose="02020603050405020304" pitchFamily="18" charset="0"/>
-              </a:rPr>
-              <a:t>W3Schools</a:t>
-            </a:r>
-          </a:p>
-          <a:p>
-            <a:pPr marL="0" indent="0" algn="just">
-              <a:buNone/>
-            </a:pPr>
-            <a:r>
-              <a:rPr lang="pt-BR" sz="2000" dirty="0">
-                <a:latin typeface="Times New Roman" panose="02020603050405020304" pitchFamily="18" charset="0"/>
-                <a:cs typeface="Times New Roman" panose="02020603050405020304" pitchFamily="18" charset="0"/>
-              </a:rPr>
-              <a:t>	</a:t>
-            </a:r>
-            <a:r>
-              <a:rPr lang="pt-BR" sz="2000" b="1" dirty="0">
-                <a:latin typeface="Times New Roman" panose="02020603050405020304" pitchFamily="18" charset="0"/>
-                <a:cs typeface="Times New Roman" panose="02020603050405020304" pitchFamily="18" charset="0"/>
-              </a:rPr>
-              <a:t> Disponível em</a:t>
-            </a:r>
-            <a:r>
-              <a:rPr lang="pt-BR" sz="2000" dirty="0">
-                <a:latin typeface="Times New Roman" panose="02020603050405020304" pitchFamily="18" charset="0"/>
-                <a:cs typeface="Times New Roman" panose="02020603050405020304" pitchFamily="18" charset="0"/>
-              </a:rPr>
-              <a:t>: </a:t>
-            </a:r>
-            <a:r>
-              <a:rPr lang="pt-BR" sz="2000" dirty="0">
-                <a:latin typeface="Times New Roman" panose="02020603050405020304" pitchFamily="18" charset="0"/>
-                <a:cs typeface="Times New Roman" panose="02020603050405020304" pitchFamily="18" charset="0"/>
-                <a:hlinkClick r:id="rId4"/>
-              </a:rPr>
-              <a:t>https://www.w3schools.com/php/default.asp</a:t>
-            </a:r>
-            <a:endParaRPr lang="pt-BR" sz="2000" dirty="0">
+            <a:pPr lvl="1" algn="just">
+              <a:buAutoNum type="arabicPeriod"/>
+            </a:pPr>
+            <a:r>
+              <a:rPr lang="pt-BR" sz="1400" dirty="0" err="1">
+                <a:solidFill>
+                  <a:schemeClr val="tx1"/>
+                </a:solidFill>
+                <a:latin typeface="Times New Roman" panose="02020603050405020304" pitchFamily="18" charset="0"/>
+                <a:cs typeface="Times New Roman" panose="02020603050405020304" pitchFamily="18" charset="0"/>
+              </a:rPr>
+              <a:t>Routes</a:t>
+            </a:r>
+            <a:r>
+              <a:rPr lang="pt-BR" sz="1400" dirty="0">
+                <a:solidFill>
+                  <a:schemeClr val="tx1"/>
+                </a:solidFill>
+                <a:latin typeface="Times New Roman" panose="02020603050405020304" pitchFamily="18" charset="0"/>
+                <a:cs typeface="Times New Roman" panose="02020603050405020304" pitchFamily="18" charset="0"/>
+              </a:rPr>
+              <a:t>  (</a:t>
+            </a:r>
+            <a:r>
+              <a:rPr lang="pt-BR" sz="1400" b="1" dirty="0" err="1">
+                <a:solidFill>
+                  <a:schemeClr val="tx1"/>
+                </a:solidFill>
+                <a:latin typeface="Times New Roman" panose="02020603050405020304" pitchFamily="18" charset="0"/>
+                <a:cs typeface="Times New Roman" panose="02020603050405020304" pitchFamily="18" charset="0"/>
+              </a:rPr>
+              <a:t>endpoints</a:t>
+            </a:r>
+            <a:r>
+              <a:rPr lang="pt-BR" sz="1400" dirty="0">
+                <a:solidFill>
+                  <a:schemeClr val="tx1"/>
+                </a:solidFill>
+                <a:latin typeface="Times New Roman" panose="02020603050405020304" pitchFamily="18" charset="0"/>
+                <a:cs typeface="Times New Roman" panose="02020603050405020304" pitchFamily="18" charset="0"/>
+              </a:rPr>
+              <a:t>)</a:t>
+            </a:r>
+          </a:p>
+          <a:p>
+            <a:pPr lvl="1" algn="just">
+              <a:buAutoNum type="arabicPeriod"/>
+            </a:pPr>
+            <a:r>
+              <a:rPr lang="pt-BR" sz="1400" dirty="0" err="1">
+                <a:solidFill>
+                  <a:schemeClr val="tx1"/>
+                </a:solidFill>
+                <a:latin typeface="Times New Roman" panose="02020603050405020304" pitchFamily="18" charset="0"/>
+                <a:cs typeface="Times New Roman" panose="02020603050405020304" pitchFamily="18" charset="0"/>
+              </a:rPr>
+              <a:t>Vendor</a:t>
+            </a:r>
+            <a:r>
+              <a:rPr lang="pt-BR" sz="1400" dirty="0">
+                <a:solidFill>
+                  <a:schemeClr val="tx1"/>
+                </a:solidFill>
+                <a:latin typeface="Times New Roman" panose="02020603050405020304" pitchFamily="18" charset="0"/>
+                <a:cs typeface="Times New Roman" panose="02020603050405020304" pitchFamily="18" charset="0"/>
+              </a:rPr>
+              <a:t> (</a:t>
+            </a:r>
+            <a:r>
+              <a:rPr lang="pt-BR" sz="1400" b="1" dirty="0">
+                <a:solidFill>
+                  <a:schemeClr val="tx1"/>
+                </a:solidFill>
+                <a:latin typeface="Times New Roman" panose="02020603050405020304" pitchFamily="18" charset="0"/>
+                <a:cs typeface="Times New Roman" panose="02020603050405020304" pitchFamily="18" charset="0"/>
+              </a:rPr>
+              <a:t>dependência do projeto com componentes de terceiros, se for o caso...</a:t>
+            </a:r>
+            <a:r>
+              <a:rPr lang="pt-BR" sz="1400" dirty="0">
+                <a:solidFill>
+                  <a:schemeClr val="tx1"/>
+                </a:solidFill>
+                <a:latin typeface="Times New Roman" panose="02020603050405020304" pitchFamily="18" charset="0"/>
+                <a:cs typeface="Times New Roman" panose="02020603050405020304" pitchFamily="18" charset="0"/>
+              </a:rPr>
+              <a:t>)</a:t>
+            </a:r>
+          </a:p>
+          <a:p>
+            <a:pPr lvl="1" algn="just">
+              <a:buAutoNum type="arabicPeriod"/>
+            </a:pPr>
+            <a:endParaRPr lang="pt-BR" sz="1400" dirty="0">
+              <a:solidFill>
+                <a:schemeClr val="tx1"/>
+              </a:solidFill>
               <a:latin typeface="Times New Roman" panose="02020603050405020304" pitchFamily="18" charset="0"/>
               <a:cs typeface="Times New Roman" panose="02020603050405020304" pitchFamily="18" charset="0"/>
             </a:endParaRPr>
@@ -44011,7 +45049,10 @@
             <a:pPr marL="0" indent="0" algn="just">
               <a:buNone/>
             </a:pPr>
-            <a:endParaRPr lang="pt-BR" sz="2000" dirty="0">
+            <a:endParaRPr lang="pt-BR" sz="1400" dirty="0">
+              <a:solidFill>
+                <a:schemeClr val="tx1"/>
+              </a:solidFill>
               <a:latin typeface="Times New Roman" panose="02020603050405020304" pitchFamily="18" charset="0"/>
               <a:cs typeface="Times New Roman" panose="02020603050405020304" pitchFamily="18" charset="0"/>
             </a:endParaRPr>
@@ -44020,77 +45061,10 @@
             <a:pPr marL="0" indent="0" algn="just">
               <a:buNone/>
             </a:pPr>
-            <a:r>
-              <a:rPr lang="pt-BR" sz="2000" dirty="0">
-                <a:latin typeface="Times New Roman" panose="02020603050405020304" pitchFamily="18" charset="0"/>
-                <a:cs typeface="Times New Roman" panose="02020603050405020304" pitchFamily="18" charset="0"/>
-              </a:rPr>
-              <a:t>[3] </a:t>
-            </a:r>
-            <a:r>
-              <a:rPr lang="pt-BR" sz="2000" b="1" dirty="0" err="1">
-                <a:latin typeface="Times New Roman" panose="02020603050405020304" pitchFamily="18" charset="0"/>
-                <a:cs typeface="Times New Roman" panose="02020603050405020304" pitchFamily="18" charset="0"/>
-              </a:rPr>
-              <a:t>DevMedia</a:t>
-            </a:r>
-            <a:endParaRPr lang="pt-BR" sz="2000" b="1" dirty="0">
-              <a:latin typeface="Times New Roman" panose="02020603050405020304" pitchFamily="18" charset="0"/>
-              <a:cs typeface="Times New Roman" panose="02020603050405020304" pitchFamily="18" charset="0"/>
-            </a:endParaRPr>
-          </a:p>
-          <a:p>
-            <a:pPr marL="0" indent="0" algn="just">
-              <a:buNone/>
-            </a:pPr>
-            <a:r>
-              <a:rPr lang="pt-BR" sz="2000" dirty="0">
-                <a:latin typeface="Times New Roman" panose="02020603050405020304" pitchFamily="18" charset="0"/>
-                <a:cs typeface="Times New Roman" panose="02020603050405020304" pitchFamily="18" charset="0"/>
-              </a:rPr>
-              <a:t>	</a:t>
-            </a:r>
-            <a:r>
-              <a:rPr lang="pt-BR" sz="2000" b="1" dirty="0">
-                <a:latin typeface="Times New Roman" panose="02020603050405020304" pitchFamily="18" charset="0"/>
-                <a:cs typeface="Times New Roman" panose="02020603050405020304" pitchFamily="18" charset="0"/>
-              </a:rPr>
-              <a:t> Disponível em</a:t>
-            </a:r>
-            <a:r>
-              <a:rPr lang="pt-BR" sz="2000" dirty="0">
-                <a:latin typeface="Times New Roman" panose="02020603050405020304" pitchFamily="18" charset="0"/>
-                <a:cs typeface="Times New Roman" panose="02020603050405020304" pitchFamily="18" charset="0"/>
-              </a:rPr>
-              <a:t>: </a:t>
-            </a:r>
-            <a:r>
-              <a:rPr lang="pt-BR" sz="2000" dirty="0">
-                <a:latin typeface="Times New Roman" panose="02020603050405020304" pitchFamily="18" charset="0"/>
-                <a:cs typeface="Times New Roman" panose="02020603050405020304" pitchFamily="18" charset="0"/>
-                <a:hlinkClick r:id="rId5"/>
-              </a:rPr>
-              <a:t>https://www.devmedia.com.br/php-pdo-como-criar-sua-primeira-conexao/39007</a:t>
-            </a:r>
-            <a:endParaRPr lang="pt-BR" sz="2000" dirty="0">
-              <a:latin typeface="Times New Roman" panose="02020603050405020304" pitchFamily="18" charset="0"/>
-              <a:cs typeface="Times New Roman" panose="02020603050405020304" pitchFamily="18" charset="0"/>
-            </a:endParaRPr>
-          </a:p>
-          <a:p>
-            <a:pPr marL="0" indent="0" algn="just">
-              <a:buNone/>
-            </a:pPr>
-            <a:endParaRPr lang="pt-BR" sz="2000" dirty="0">
-              <a:latin typeface="Times New Roman" panose="02020603050405020304" pitchFamily="18" charset="0"/>
-              <a:cs typeface="Times New Roman" panose="02020603050405020304" pitchFamily="18" charset="0"/>
-            </a:endParaRPr>
-          </a:p>
-          <a:p>
-            <a:pPr marL="0" indent="0" algn="just">
-              <a:buNone/>
-            </a:pPr>
-            <a:endParaRPr lang="pt-BR" sz="2000" dirty="0">
+            <a:endParaRPr lang="pt-BR" sz="1400" dirty="0">
+              <a:solidFill>
+                <a:schemeClr val="tx1"/>
+              </a:solidFill>
               <a:latin typeface="Times New Roman" panose="02020603050405020304" pitchFamily="18" charset="0"/>
               <a:cs typeface="Times New Roman" panose="02020603050405020304" pitchFamily="18" charset="0"/>
             </a:endParaRPr>
@@ -44100,7 +45074,7 @@
     </p:spTree>
     <p:extLst>
       <p:ext uri="{BB962C8B-B14F-4D97-AF65-F5344CB8AC3E}">
-        <p14:creationId xmlns:p14="http://schemas.microsoft.com/office/powerpoint/2010/main" val="3680270425"/>
+        <p14:creationId xmlns:p14="http://schemas.microsoft.com/office/powerpoint/2010/main" val="3439317978"/>
       </p:ext>
     </p:extLst>
   </p:cSld>
@@ -44156,7 +45130,7 @@
                   <a:srgbClr val="0070C0"/>
                 </a:solidFill>
               </a:rPr>
-              <a:t>Outras</a:t>
+              <a:t>Leitura</a:t>
             </a:r>
             <a:r>
               <a:rPr lang="en-US" b="1" dirty="0">
@@ -44172,7 +45146,7 @@
                   <a:srgbClr val="0070C0"/>
                 </a:solidFill>
               </a:rPr>
-              <a:t>Leituras</a:t>
+              <a:t>Específica</a:t>
             </a:r>
             <a:endParaRPr lang="en-US" b="1" dirty="0">
               <a:solidFill>
@@ -44204,17 +45178,49 @@
           </a:bodyPr>
           <a:lstStyle/>
           <a:p>
-            <a:pPr algn="just">
-              <a:buFont typeface="Wingdings" panose="05000000000000000000" pitchFamily="2" charset="2"/>
-              <a:buChar char="§"/>
+            <a:pPr marL="0" indent="0" algn="just">
+              <a:buNone/>
             </a:pPr>
             <a:r>
               <a:rPr lang="pt-BR" sz="2000" dirty="0">
                 <a:latin typeface="Times New Roman" panose="02020603050405020304" pitchFamily="18" charset="0"/>
                 <a:cs typeface="Times New Roman" panose="02020603050405020304" pitchFamily="18" charset="0"/>
+              </a:rPr>
+              <a:t>[1] </a:t>
+            </a:r>
+            <a:r>
+              <a:rPr lang="pt-BR" sz="2000" b="1" dirty="0">
+                <a:latin typeface="Times New Roman" panose="02020603050405020304" pitchFamily="18" charset="0"/>
+                <a:cs typeface="Times New Roman" panose="02020603050405020304" pitchFamily="18" charset="0"/>
+              </a:rPr>
+              <a:t>PHP</a:t>
+            </a:r>
+          </a:p>
+          <a:p>
+            <a:pPr marL="0" indent="0" algn="just">
+              <a:buNone/>
+            </a:pPr>
+            <a:r>
+              <a:rPr lang="pt-BR" sz="2000" b="1" dirty="0">
+                <a:latin typeface="Times New Roman" panose="02020603050405020304" pitchFamily="18" charset="0"/>
+                <a:cs typeface="Times New Roman" panose="02020603050405020304" pitchFamily="18" charset="0"/>
+              </a:rPr>
+              <a:t>	Disponível em</a:t>
+            </a:r>
+            <a:r>
+              <a:rPr lang="pt-BR" sz="2000" dirty="0">
+                <a:latin typeface="Times New Roman" panose="02020603050405020304" pitchFamily="18" charset="0"/>
+                <a:cs typeface="Times New Roman" panose="02020603050405020304" pitchFamily="18" charset="0"/>
+              </a:rPr>
+              <a:t>: </a:t>
+            </a:r>
+            <a:r>
+              <a:rPr lang="pt-BR" sz="2000" dirty="0">
+                <a:latin typeface="Times New Roman" panose="02020603050405020304" pitchFamily="18" charset="0"/>
+                <a:cs typeface="Times New Roman" panose="02020603050405020304" pitchFamily="18" charset="0"/>
                 <a:hlinkClick r:id="rId3"/>
               </a:rPr>
-              <a:t>https://www.devmedia.com.br/php-pdo-como-criar-sua-primeira-conexao/39007</a:t>
+              <a:t>https://www.php.net/</a:t>
             </a:r>
             <a:endParaRPr lang="pt-BR" sz="2000" dirty="0">
               <a:latin typeface="Times New Roman" panose="02020603050405020304" pitchFamily="18" charset="0"/>
@@ -44222,35 +45228,65 @@
             </a:endParaRPr>
           </a:p>
           <a:p>
-            <a:pPr algn="just">
-              <a:buFont typeface="Wingdings" panose="05000000000000000000" pitchFamily="2" charset="2"/>
-              <a:buChar char="§"/>
-            </a:pPr>
-            <a:r>
-              <a:rPr lang="pt-BR" sz="2000" dirty="0">
-                <a:latin typeface="Times New Roman" panose="02020603050405020304" pitchFamily="18" charset="0"/>
-                <a:cs typeface="Times New Roman" panose="02020603050405020304" pitchFamily="18" charset="0"/>
-                <a:hlinkClick r:id="rId4"/>
-              </a:rPr>
-              <a:t>http://www.bosontreinamentos.com.br/php-programming/curso-de-php-consulta-com-pesquisa-de-dados-em-banco-mysql/</a:t>
-            </a:r>
+            <a:pPr marL="0" indent="0" algn="just">
+              <a:buNone/>
+            </a:pPr>
             <a:endParaRPr lang="pt-BR" sz="2000" dirty="0">
               <a:latin typeface="Times New Roman" panose="02020603050405020304" pitchFamily="18" charset="0"/>
               <a:cs typeface="Times New Roman" panose="02020603050405020304" pitchFamily="18" charset="0"/>
             </a:endParaRPr>
           </a:p>
           <a:p>
-            <a:pPr algn="just">
-              <a:buFont typeface="Wingdings" panose="05000000000000000000" pitchFamily="2" charset="2"/>
-              <a:buChar char="§"/>
+            <a:pPr marL="0" indent="0" algn="just">
+              <a:buNone/>
             </a:pPr>
             <a:r>
               <a:rPr lang="pt-BR" sz="2000" dirty="0">
                 <a:latin typeface="Times New Roman" panose="02020603050405020304" pitchFamily="18" charset="0"/>
                 <a:cs typeface="Times New Roman" panose="02020603050405020304" pitchFamily="18" charset="0"/>
-                <a:hlinkClick r:id="rId5"/>
-              </a:rPr>
-              <a:t>https://www.hostinger.com.br/tutoriais/como-inserir-dados-no-mysql-com-php</a:t>
+              </a:rPr>
+              <a:t>[2] </a:t>
+            </a:r>
+            <a:r>
+              <a:rPr lang="pt-BR" sz="2000" b="1" dirty="0">
+                <a:latin typeface="Times New Roman" panose="02020603050405020304" pitchFamily="18" charset="0"/>
+                <a:cs typeface="Times New Roman" panose="02020603050405020304" pitchFamily="18" charset="0"/>
+              </a:rPr>
+              <a:t>W3Schools</a:t>
+            </a:r>
+          </a:p>
+          <a:p>
+            <a:pPr marL="0" indent="0" algn="just">
+              <a:buNone/>
+            </a:pPr>
+            <a:r>
+              <a:rPr lang="pt-BR" sz="2000" dirty="0">
+                <a:latin typeface="Times New Roman" panose="02020603050405020304" pitchFamily="18" charset="0"/>
+                <a:cs typeface="Times New Roman" panose="02020603050405020304" pitchFamily="18" charset="0"/>
+              </a:rPr>
+              <a:t>	</a:t>
+            </a:r>
+            <a:r>
+              <a:rPr lang="pt-BR" sz="2000" b="1" dirty="0">
+                <a:latin typeface="Times New Roman" panose="02020603050405020304" pitchFamily="18" charset="0"/>
+                <a:cs typeface="Times New Roman" panose="02020603050405020304" pitchFamily="18" charset="0"/>
+              </a:rPr>
+              <a:t> Disponível em</a:t>
+            </a:r>
+            <a:r>
+              <a:rPr lang="pt-BR" sz="2000" dirty="0">
+                <a:latin typeface="Times New Roman" panose="02020603050405020304" pitchFamily="18" charset="0"/>
+                <a:cs typeface="Times New Roman" panose="02020603050405020304" pitchFamily="18" charset="0"/>
+              </a:rPr>
+              <a:t>: </a:t>
+            </a:r>
+            <a:r>
+              <a:rPr lang="pt-BR" sz="2000" dirty="0">
+                <a:latin typeface="Times New Roman" panose="02020603050405020304" pitchFamily="18" charset="0"/>
+                <a:cs typeface="Times New Roman" panose="02020603050405020304" pitchFamily="18" charset="0"/>
+                <a:hlinkClick r:id="rId4"/>
+              </a:rPr>
+              <a:t>https://www.w3schools.com/php/default.asp</a:t>
             </a:r>
             <a:endParaRPr lang="pt-BR" sz="2000" dirty="0">
               <a:latin typeface="Times New Roman" panose="02020603050405020304" pitchFamily="18" charset="0"/>
@@ -44258,35 +45294,69 @@
             </a:endParaRPr>
           </a:p>
           <a:p>
-            <a:pPr algn="just">
-              <a:buFont typeface="Wingdings" panose="05000000000000000000" pitchFamily="2" charset="2"/>
-              <a:buChar char="§"/>
-            </a:pPr>
-            <a:r>
-              <a:rPr lang="pt-BR" sz="2000" dirty="0">
-                <a:latin typeface="Times New Roman" panose="02020603050405020304" pitchFamily="18" charset="0"/>
-                <a:cs typeface="Times New Roman" panose="02020603050405020304" pitchFamily="18" charset="0"/>
-                <a:hlinkClick r:id="rId6"/>
-              </a:rPr>
-              <a:t>https://monsieurbricole.wordpress.com/2009/10/20/php-how-to-insert-data-into-database-using-pdo-registry-system-in-php/</a:t>
-            </a:r>
+            <a:pPr marL="0" indent="0" algn="just">
+              <a:buNone/>
+            </a:pPr>
             <a:endParaRPr lang="pt-BR" sz="2000" dirty="0">
               <a:latin typeface="Times New Roman" panose="02020603050405020304" pitchFamily="18" charset="0"/>
               <a:cs typeface="Times New Roman" panose="02020603050405020304" pitchFamily="18" charset="0"/>
             </a:endParaRPr>
           </a:p>
           <a:p>
-            <a:pPr algn="just">
-              <a:buFont typeface="Wingdings" panose="05000000000000000000" pitchFamily="2" charset="2"/>
-              <a:buChar char="§"/>
+            <a:pPr marL="0" indent="0" algn="just">
+              <a:buNone/>
             </a:pPr>
             <a:r>
               <a:rPr lang="pt-BR" sz="2000" dirty="0">
                 <a:latin typeface="Times New Roman" panose="02020603050405020304" pitchFamily="18" charset="0"/>
                 <a:cs typeface="Times New Roman" panose="02020603050405020304" pitchFamily="18" charset="0"/>
-                <a:hlinkClick r:id="rId7"/>
-              </a:rPr>
-              <a:t>https://stackoverflow.com/questions/8640808/php-pdo-prepared-delete-why-does-this-fail</a:t>
+              </a:rPr>
+              <a:t>[3] </a:t>
+            </a:r>
+            <a:r>
+              <a:rPr lang="pt-BR" sz="2000" b="1" dirty="0" err="1">
+                <a:latin typeface="Times New Roman" panose="02020603050405020304" pitchFamily="18" charset="0"/>
+                <a:cs typeface="Times New Roman" panose="02020603050405020304" pitchFamily="18" charset="0"/>
+              </a:rPr>
+              <a:t>DevMedia</a:t>
+            </a:r>
+            <a:endParaRPr lang="pt-BR" sz="2000" b="1" dirty="0">
+              <a:latin typeface="Times New Roman" panose="02020603050405020304" pitchFamily="18" charset="0"/>
+              <a:cs typeface="Times New Roman" panose="02020603050405020304" pitchFamily="18" charset="0"/>
+            </a:endParaRPr>
+          </a:p>
+          <a:p>
+            <a:pPr marL="0" indent="0" algn="just">
+              <a:buNone/>
+            </a:pPr>
+            <a:r>
+              <a:rPr lang="pt-BR" sz="2000" dirty="0">
+                <a:latin typeface="Times New Roman" panose="02020603050405020304" pitchFamily="18" charset="0"/>
+                <a:cs typeface="Times New Roman" panose="02020603050405020304" pitchFamily="18" charset="0"/>
+              </a:rPr>
+              <a:t>	</a:t>
+            </a:r>
+            <a:r>
+              <a:rPr lang="pt-BR" sz="2000" b="1" dirty="0">
+                <a:latin typeface="Times New Roman" panose="02020603050405020304" pitchFamily="18" charset="0"/>
+                <a:cs typeface="Times New Roman" panose="02020603050405020304" pitchFamily="18" charset="0"/>
+              </a:rPr>
+              <a:t> Disponível em</a:t>
+            </a:r>
+            <a:r>
+              <a:rPr lang="pt-BR" sz="2000" dirty="0">
+                <a:latin typeface="Times New Roman" panose="02020603050405020304" pitchFamily="18" charset="0"/>
+                <a:cs typeface="Times New Roman" panose="02020603050405020304" pitchFamily="18" charset="0"/>
+              </a:rPr>
+              <a:t>: </a:t>
+            </a:r>
+            <a:r>
+              <a:rPr lang="pt-BR" sz="2000" dirty="0">
+                <a:latin typeface="Times New Roman" panose="02020603050405020304" pitchFamily="18" charset="0"/>
+                <a:cs typeface="Times New Roman" panose="02020603050405020304" pitchFamily="18" charset="0"/>
+                <a:hlinkClick r:id="rId5"/>
+              </a:rPr>
+              <a:t>https://www.devmedia.com.br/php-pdo-como-criar-sua-primeira-conexao/39007</a:t>
             </a:r>
             <a:endParaRPr lang="pt-BR" sz="2000" dirty="0">
               <a:latin typeface="Times New Roman" panose="02020603050405020304" pitchFamily="18" charset="0"/>
@@ -44294,50 +45364,29 @@
             </a:endParaRPr>
           </a:p>
           <a:p>
-            <a:pPr algn="just">
-              <a:buFont typeface="Wingdings" panose="05000000000000000000" pitchFamily="2" charset="2"/>
-              <a:buChar char="§"/>
-            </a:pPr>
-            <a:r>
-              <a:rPr lang="pt-BR" sz="2000" dirty="0">
-                <a:latin typeface="Times New Roman" panose="02020603050405020304" pitchFamily="18" charset="0"/>
-                <a:cs typeface="Times New Roman" panose="02020603050405020304" pitchFamily="18" charset="0"/>
-                <a:hlinkClick r:id="rId8"/>
-              </a:rPr>
-              <a:t>https://pt.stackoverflow.com/questions/16288/fechar-conex%c3%a3o-pdo</a:t>
-            </a:r>
+            <a:pPr marL="0" indent="0" algn="just">
+              <a:buNone/>
+            </a:pPr>
             <a:endParaRPr lang="pt-BR" sz="2000" dirty="0">
               <a:latin typeface="Times New Roman" panose="02020603050405020304" pitchFamily="18" charset="0"/>
               <a:cs typeface="Times New Roman" panose="02020603050405020304" pitchFamily="18" charset="0"/>
             </a:endParaRPr>
           </a:p>
           <a:p>
-            <a:pPr algn="just">
-              <a:buFont typeface="Wingdings" panose="05000000000000000000" pitchFamily="2" charset="2"/>
-              <a:buChar char="§"/>
-            </a:pPr>
-            <a:r>
-              <a:rPr lang="pt-BR" sz="2000" dirty="0">
-                <a:latin typeface="Times New Roman" panose="02020603050405020304" pitchFamily="18" charset="0"/>
-                <a:cs typeface="Times New Roman" panose="02020603050405020304" pitchFamily="18" charset="0"/>
-                <a:hlinkClick r:id="rId9"/>
-              </a:rPr>
-              <a:t>https://codigosimples.net/2017/02/27/usando-extensao-mssql-para-o-vscode/</a:t>
-            </a:r>
-            <a:r>
-              <a:rPr lang="pt-BR" sz="2000" dirty="0">
-                <a:latin typeface="Times New Roman" panose="02020603050405020304" pitchFamily="18" charset="0"/>
-                <a:cs typeface="Times New Roman" panose="02020603050405020304" pitchFamily="18" charset="0"/>
-              </a:rPr>
-              <a:t> </a:t>
-            </a:r>
+            <a:pPr marL="0" indent="0" algn="just">
+              <a:buNone/>
+            </a:pPr>
+            <a:endParaRPr lang="pt-BR" sz="2000" dirty="0">
+              <a:latin typeface="Times New Roman" panose="02020603050405020304" pitchFamily="18" charset="0"/>
+              <a:cs typeface="Times New Roman" panose="02020603050405020304" pitchFamily="18" charset="0"/>
+            </a:endParaRPr>
           </a:p>
         </p:txBody>
       </p:sp>
     </p:spTree>
     <p:extLst>
       <p:ext uri="{BB962C8B-B14F-4D97-AF65-F5344CB8AC3E}">
-        <p14:creationId xmlns:p14="http://schemas.microsoft.com/office/powerpoint/2010/main" val="3582185216"/>
+        <p14:creationId xmlns:p14="http://schemas.microsoft.com/office/powerpoint/2010/main" val="3680270425"/>
       </p:ext>
     </p:extLst>
   </p:cSld>
@@ -44393,7 +45442,7 @@
                   <a:srgbClr val="0070C0"/>
                 </a:solidFill>
               </a:rPr>
-              <a:t>Aprenda</a:t>
+              <a:t>Outras</a:t>
             </a:r>
             <a:r>
               <a:rPr lang="en-US" b="1" dirty="0">
@@ -44401,8 +45450,21 @@
                   <a:srgbClr val="0070C0"/>
                 </a:solidFill>
               </a:rPr>
-              <a:t>+</a:t>
-            </a:r>
+              <a:t> </a:t>
+            </a:r>
+            <a:r>
+              <a:rPr lang="en-US" b="1" dirty="0" err="1">
+                <a:solidFill>
+                  <a:srgbClr val="0070C0"/>
+                </a:solidFill>
+              </a:rPr>
+              <a:t>Leituras</a:t>
+            </a:r>
+            <a:endParaRPr lang="en-US" b="1" dirty="0">
+              <a:solidFill>
+                <a:srgbClr val="0070C0"/>
+              </a:solidFill>
+            </a:endParaRPr>
           </a:p>
         </p:txBody>
       </p:sp>
@@ -44418,8 +45480,8 @@
         </p:nvSpPr>
         <p:spPr>
           <a:xfrm>
-            <a:off x="142865" y="1200151"/>
-            <a:ext cx="8865056" cy="3394472"/>
+            <a:off x="142865" y="1012261"/>
+            <a:ext cx="8865056" cy="3835312"/>
           </a:xfrm>
         </p:spPr>
         <p:txBody>
@@ -44428,188 +45490,140 @@
           </a:bodyPr>
           <a:lstStyle/>
           <a:p>
-            <a:pPr marL="0" indent="0" algn="just">
-              <a:buNone/>
-            </a:pPr>
-            <a:endParaRPr lang="pt-BR" sz="2400" dirty="0">
+            <a:pPr algn="just">
+              <a:buFont typeface="Wingdings" panose="05000000000000000000" pitchFamily="2" charset="2"/>
+              <a:buChar char="§"/>
+            </a:pPr>
+            <a:r>
+              <a:rPr lang="pt-BR" sz="2000" dirty="0">
+                <a:latin typeface="Times New Roman" panose="02020603050405020304" pitchFamily="18" charset="0"/>
+                <a:cs typeface="Times New Roman" panose="02020603050405020304" pitchFamily="18" charset="0"/>
+                <a:hlinkClick r:id="rId3"/>
+              </a:rPr>
+              <a:t>https://www.devmedia.com.br/php-pdo-como-criar-sua-primeira-conexao/39007</a:t>
+            </a:r>
+            <a:endParaRPr lang="pt-BR" sz="2000" dirty="0">
               <a:latin typeface="Times New Roman" panose="02020603050405020304" pitchFamily="18" charset="0"/>
               <a:cs typeface="Times New Roman" panose="02020603050405020304" pitchFamily="18" charset="0"/>
             </a:endParaRPr>
           </a:p>
           <a:p>
-            <a:pPr marL="0" indent="0" algn="just">
-              <a:buNone/>
-            </a:pPr>
-            <a:r>
-              <a:rPr lang="pt-BR" sz="2400" dirty="0">
-                <a:latin typeface="Times New Roman" panose="02020603050405020304" pitchFamily="18" charset="0"/>
-                <a:cs typeface="Times New Roman" panose="02020603050405020304" pitchFamily="18" charset="0"/>
-              </a:rPr>
-              <a:t>[1] Construindo classes no PHP orientado a objetos</a:t>
-            </a:r>
-          </a:p>
-          <a:p>
-            <a:pPr marL="0" indent="0" algn="just">
-              <a:buNone/>
-            </a:pPr>
-            <a:r>
-              <a:rPr lang="pt-BR" sz="2400" dirty="0">
-                <a:latin typeface="Times New Roman" panose="02020603050405020304" pitchFamily="18" charset="0"/>
-                <a:cs typeface="Times New Roman" panose="02020603050405020304" pitchFamily="18" charset="0"/>
-              </a:rPr>
-              <a:t>	</a:t>
-            </a:r>
-            <a:r>
-              <a:rPr lang="pt-BR" sz="2400" dirty="0">
-                <a:latin typeface="Times New Roman" panose="02020603050405020304" pitchFamily="18" charset="0"/>
-                <a:cs typeface="Times New Roman" panose="02020603050405020304" pitchFamily="18" charset="0"/>
-                <a:hlinkClick r:id="rId3"/>
-              </a:rPr>
-              <a:t>https://www.youtube.com/watch?v=xoH1WDI9l0I</a:t>
-            </a:r>
-            <a:endParaRPr lang="pt-BR" sz="2400" dirty="0">
+            <a:pPr algn="just">
+              <a:buFont typeface="Wingdings" panose="05000000000000000000" pitchFamily="2" charset="2"/>
+              <a:buChar char="§"/>
+            </a:pPr>
+            <a:r>
+              <a:rPr lang="pt-BR" sz="2000" dirty="0">
+                <a:latin typeface="Times New Roman" panose="02020603050405020304" pitchFamily="18" charset="0"/>
+                <a:cs typeface="Times New Roman" panose="02020603050405020304" pitchFamily="18" charset="0"/>
+                <a:hlinkClick r:id="rId4"/>
+              </a:rPr>
+              <a:t>http://www.bosontreinamentos.com.br/php-programming/curso-de-php-consulta-com-pesquisa-de-dados-em-banco-mysql/</a:t>
+            </a:r>
+            <a:endParaRPr lang="pt-BR" sz="2000" dirty="0">
               <a:latin typeface="Times New Roman" panose="02020603050405020304" pitchFamily="18" charset="0"/>
               <a:cs typeface="Times New Roman" panose="02020603050405020304" pitchFamily="18" charset="0"/>
             </a:endParaRPr>
           </a:p>
           <a:p>
-            <a:pPr marL="0" indent="0" algn="just">
-              <a:buNone/>
-            </a:pPr>
-            <a:endParaRPr lang="pt-BR" sz="2400" dirty="0">
+            <a:pPr algn="just">
+              <a:buFont typeface="Wingdings" panose="05000000000000000000" pitchFamily="2" charset="2"/>
+              <a:buChar char="§"/>
+            </a:pPr>
+            <a:r>
+              <a:rPr lang="pt-BR" sz="2000" dirty="0">
+                <a:latin typeface="Times New Roman" panose="02020603050405020304" pitchFamily="18" charset="0"/>
+                <a:cs typeface="Times New Roman" panose="02020603050405020304" pitchFamily="18" charset="0"/>
+                <a:hlinkClick r:id="rId5"/>
+              </a:rPr>
+              <a:t>https://www.hostinger.com.br/tutoriais/como-inserir-dados-no-mysql-com-php</a:t>
+            </a:r>
+            <a:endParaRPr lang="pt-BR" sz="2000" dirty="0">
               <a:latin typeface="Times New Roman" panose="02020603050405020304" pitchFamily="18" charset="0"/>
               <a:cs typeface="Times New Roman" panose="02020603050405020304" pitchFamily="18" charset="0"/>
             </a:endParaRPr>
           </a:p>
           <a:p>
-            <a:pPr marL="0" indent="0" algn="just">
-              <a:buNone/>
-            </a:pPr>
-            <a:r>
-              <a:rPr lang="pt-BR" sz="2400" dirty="0">
-                <a:latin typeface="Times New Roman" panose="02020603050405020304" pitchFamily="18" charset="0"/>
-                <a:cs typeface="Times New Roman" panose="02020603050405020304" pitchFamily="18" charset="0"/>
-              </a:rPr>
-              <a:t>[2] </a:t>
-            </a:r>
-            <a:r>
-              <a:rPr lang="pt-BR" sz="2400" dirty="0" err="1">
-                <a:latin typeface="Times New Roman" panose="02020603050405020304" pitchFamily="18" charset="0"/>
-                <a:cs typeface="Times New Roman" panose="02020603050405020304" pitchFamily="18" charset="0"/>
-              </a:rPr>
-              <a:t>Creating</a:t>
-            </a:r>
-            <a:r>
-              <a:rPr lang="pt-BR" sz="2400" dirty="0">
-                <a:latin typeface="Times New Roman" panose="02020603050405020304" pitchFamily="18" charset="0"/>
-                <a:cs typeface="Times New Roman" panose="02020603050405020304" pitchFamily="18" charset="0"/>
-              </a:rPr>
-              <a:t> classes, </a:t>
-            </a:r>
-            <a:r>
-              <a:rPr lang="pt-BR" sz="2400" dirty="0" err="1">
-                <a:latin typeface="Times New Roman" panose="02020603050405020304" pitchFamily="18" charset="0"/>
-                <a:cs typeface="Times New Roman" panose="02020603050405020304" pitchFamily="18" charset="0"/>
-              </a:rPr>
-              <a:t>properties</a:t>
-            </a:r>
-            <a:r>
-              <a:rPr lang="pt-BR" sz="2400" dirty="0">
-                <a:latin typeface="Times New Roman" panose="02020603050405020304" pitchFamily="18" charset="0"/>
-                <a:cs typeface="Times New Roman" panose="02020603050405020304" pitchFamily="18" charset="0"/>
-              </a:rPr>
-              <a:t>, </a:t>
-            </a:r>
-            <a:r>
-              <a:rPr lang="pt-BR" sz="2400" dirty="0" err="1">
-                <a:latin typeface="Times New Roman" panose="02020603050405020304" pitchFamily="18" charset="0"/>
-                <a:cs typeface="Times New Roman" panose="02020603050405020304" pitchFamily="18" charset="0"/>
-              </a:rPr>
-              <a:t>methods</a:t>
-            </a:r>
-            <a:r>
-              <a:rPr lang="pt-BR" sz="2400" dirty="0">
-                <a:latin typeface="Times New Roman" panose="02020603050405020304" pitchFamily="18" charset="0"/>
-                <a:cs typeface="Times New Roman" panose="02020603050405020304" pitchFamily="18" charset="0"/>
-              </a:rPr>
-              <a:t> - OOP in PHP – Part 1</a:t>
-            </a:r>
-          </a:p>
-          <a:p>
-            <a:pPr marL="0" indent="0" algn="just">
-              <a:buNone/>
-            </a:pPr>
-            <a:r>
-              <a:rPr lang="pt-BR" sz="2400" dirty="0">
-                <a:latin typeface="Times New Roman" panose="02020603050405020304" pitchFamily="18" charset="0"/>
-                <a:cs typeface="Times New Roman" panose="02020603050405020304" pitchFamily="18" charset="0"/>
-              </a:rPr>
-              <a:t>	</a:t>
-            </a:r>
-            <a:r>
-              <a:rPr lang="pt-BR" sz="2400" dirty="0">
-                <a:latin typeface="Times New Roman" panose="02020603050405020304" pitchFamily="18" charset="0"/>
-                <a:cs typeface="Times New Roman" panose="02020603050405020304" pitchFamily="18" charset="0"/>
-                <a:hlinkClick r:id="rId4"/>
-              </a:rPr>
-              <a:t>https://www.youtube.com/watch?v=4xvCT7UPY3k</a:t>
-            </a:r>
-            <a:endParaRPr lang="pt-BR" sz="2400" dirty="0">
+            <a:pPr algn="just">
+              <a:buFont typeface="Wingdings" panose="05000000000000000000" pitchFamily="2" charset="2"/>
+              <a:buChar char="§"/>
+            </a:pPr>
+            <a:r>
+              <a:rPr lang="pt-BR" sz="2000" dirty="0">
+                <a:latin typeface="Times New Roman" panose="02020603050405020304" pitchFamily="18" charset="0"/>
+                <a:cs typeface="Times New Roman" panose="02020603050405020304" pitchFamily="18" charset="0"/>
+                <a:hlinkClick r:id="rId6"/>
+              </a:rPr>
+              <a:t>https://monsieurbricole.wordpress.com/2009/10/20/php-how-to-insert-data-into-database-using-pdo-registry-system-in-php/</a:t>
+            </a:r>
+            <a:endParaRPr lang="pt-BR" sz="2000" dirty="0">
               <a:latin typeface="Times New Roman" panose="02020603050405020304" pitchFamily="18" charset="0"/>
               <a:cs typeface="Times New Roman" panose="02020603050405020304" pitchFamily="18" charset="0"/>
             </a:endParaRPr>
           </a:p>
           <a:p>
-            <a:pPr marL="0" indent="0" algn="just">
-              <a:buNone/>
-            </a:pPr>
-            <a:endParaRPr lang="pt-BR" sz="2400" dirty="0">
+            <a:pPr algn="just">
+              <a:buFont typeface="Wingdings" panose="05000000000000000000" pitchFamily="2" charset="2"/>
+              <a:buChar char="§"/>
+            </a:pPr>
+            <a:r>
+              <a:rPr lang="pt-BR" sz="2000" dirty="0">
+                <a:latin typeface="Times New Roman" panose="02020603050405020304" pitchFamily="18" charset="0"/>
+                <a:cs typeface="Times New Roman" panose="02020603050405020304" pitchFamily="18" charset="0"/>
+                <a:hlinkClick r:id="rId7"/>
+              </a:rPr>
+              <a:t>https://stackoverflow.com/questions/8640808/php-pdo-prepared-delete-why-does-this-fail</a:t>
+            </a:r>
+            <a:endParaRPr lang="pt-BR" sz="2000" dirty="0">
               <a:latin typeface="Times New Roman" panose="02020603050405020304" pitchFamily="18" charset="0"/>
               <a:cs typeface="Times New Roman" panose="02020603050405020304" pitchFamily="18" charset="0"/>
             </a:endParaRPr>
           </a:p>
           <a:p>
-            <a:pPr marL="0" indent="0" algn="just">
-              <a:buNone/>
-            </a:pPr>
-            <a:endParaRPr lang="pt-BR" sz="2400" dirty="0">
+            <a:pPr algn="just">
+              <a:buFont typeface="Wingdings" panose="05000000000000000000" pitchFamily="2" charset="2"/>
+              <a:buChar char="§"/>
+            </a:pPr>
+            <a:r>
+              <a:rPr lang="pt-BR" sz="2000" dirty="0">
+                <a:latin typeface="Times New Roman" panose="02020603050405020304" pitchFamily="18" charset="0"/>
+                <a:cs typeface="Times New Roman" panose="02020603050405020304" pitchFamily="18" charset="0"/>
+                <a:hlinkClick r:id="rId8"/>
+              </a:rPr>
+              <a:t>https://pt.stackoverflow.com/questions/16288/fechar-conex%c3%a3o-pdo</a:t>
+            </a:r>
+            <a:endParaRPr lang="pt-BR" sz="2000" dirty="0">
               <a:latin typeface="Times New Roman" panose="02020603050405020304" pitchFamily="18" charset="0"/>
               <a:cs typeface="Times New Roman" panose="02020603050405020304" pitchFamily="18" charset="0"/>
             </a:endParaRPr>
           </a:p>
           <a:p>
-            <a:pPr marL="0" indent="0" algn="just">
-              <a:buNone/>
-            </a:pPr>
-            <a:endParaRPr lang="pt-BR" sz="2400" dirty="0">
-              <a:latin typeface="Times New Roman" panose="02020603050405020304" pitchFamily="18" charset="0"/>
-              <a:cs typeface="Times New Roman" panose="02020603050405020304" pitchFamily="18" charset="0"/>
-            </a:endParaRPr>
-          </a:p>
-          <a:p>
-            <a:pPr marL="0" indent="0" algn="just">
-              <a:buNone/>
-            </a:pPr>
-            <a:endParaRPr lang="pt-BR" sz="2400" dirty="0">
-              <a:latin typeface="Times New Roman" panose="02020603050405020304" pitchFamily="18" charset="0"/>
-              <a:cs typeface="Times New Roman" panose="02020603050405020304" pitchFamily="18" charset="0"/>
-            </a:endParaRPr>
-          </a:p>
-          <a:p>
-            <a:pPr marL="0" indent="0" algn="just">
-              <a:buNone/>
-            </a:pPr>
-            <a:endParaRPr lang="pt-BR" sz="2400" dirty="0">
-              <a:latin typeface="Times New Roman" panose="02020603050405020304" pitchFamily="18" charset="0"/>
-              <a:cs typeface="Times New Roman" panose="02020603050405020304" pitchFamily="18" charset="0"/>
-            </a:endParaRPr>
+            <a:pPr algn="just">
+              <a:buFont typeface="Wingdings" panose="05000000000000000000" pitchFamily="2" charset="2"/>
+              <a:buChar char="§"/>
+            </a:pPr>
+            <a:r>
+              <a:rPr lang="pt-BR" sz="2000" dirty="0">
+                <a:latin typeface="Times New Roman" panose="02020603050405020304" pitchFamily="18" charset="0"/>
+                <a:cs typeface="Times New Roman" panose="02020603050405020304" pitchFamily="18" charset="0"/>
+                <a:hlinkClick r:id="rId9"/>
+              </a:rPr>
+              <a:t>https://codigosimples.net/2017/02/27/usando-extensao-mssql-para-o-vscode/</a:t>
+            </a:r>
+            <a:r>
+              <a:rPr lang="pt-BR" sz="2000" dirty="0">
+                <a:latin typeface="Times New Roman" panose="02020603050405020304" pitchFamily="18" charset="0"/>
+                <a:cs typeface="Times New Roman" panose="02020603050405020304" pitchFamily="18" charset="0"/>
+              </a:rPr>
+              <a:t> </a:t>
+            </a:r>
           </a:p>
         </p:txBody>
       </p:sp>
     </p:spTree>
     <p:extLst>
       <p:ext uri="{BB962C8B-B14F-4D97-AF65-F5344CB8AC3E}">
-        <p14:creationId xmlns:p14="http://schemas.microsoft.com/office/powerpoint/2010/main" val="2747596967"/>
+        <p14:creationId xmlns:p14="http://schemas.microsoft.com/office/powerpoint/2010/main" val="3582185216"/>
       </p:ext>
     </p:extLst>
   </p:cSld>
@@ -44665,7 +45679,7 @@
                   <a:srgbClr val="0070C0"/>
                 </a:solidFill>
               </a:rPr>
-              <a:t>Dinâmica</a:t>
+              <a:t>Aprenda</a:t>
             </a:r>
             <a:r>
               <a:rPr lang="en-US" b="1" dirty="0">
@@ -44673,21 +45687,8 @@
                   <a:srgbClr val="0070C0"/>
                 </a:solidFill>
               </a:rPr>
-              <a:t>/</a:t>
-            </a:r>
-            <a:r>
-              <a:rPr lang="en-US" b="1" dirty="0" err="1">
-                <a:solidFill>
-                  <a:srgbClr val="0070C0"/>
-                </a:solidFill>
-              </a:rPr>
-              <a:t>Atividades</a:t>
-            </a:r>
-            <a:endParaRPr lang="en-US" b="1" dirty="0">
-              <a:solidFill>
-                <a:srgbClr val="0070C0"/>
-              </a:solidFill>
-            </a:endParaRPr>
+              <a:t>+</a:t>
+            </a:r>
           </a:p>
         </p:txBody>
       </p:sp>
@@ -44703,8 +45704,8 @@
         </p:nvSpPr>
         <p:spPr>
           <a:xfrm>
-            <a:off x="139472" y="1063230"/>
-            <a:ext cx="8865056" cy="3606305"/>
+            <a:off x="142865" y="1200151"/>
+            <a:ext cx="8865056" cy="3394472"/>
           </a:xfrm>
         </p:spPr>
         <p:txBody>
@@ -44713,105 +45714,10 @@
           </a:bodyPr>
           <a:lstStyle/>
           <a:p>
-            <a:pPr algn="just">
-              <a:buFontTx/>
-              <a:buChar char="-"/>
-            </a:pPr>
-            <a:r>
-              <a:rPr lang="pt-BR" dirty="0">
-                <a:latin typeface="Times New Roman" panose="02020603050405020304" pitchFamily="18" charset="0"/>
-                <a:cs typeface="Times New Roman" panose="02020603050405020304" pitchFamily="18" charset="0"/>
-              </a:rPr>
-              <a:t>Exercícios de Fixação </a:t>
-            </a:r>
-            <a:r>
-              <a:rPr lang="pt-BR" b="1" dirty="0">
-                <a:latin typeface="Times New Roman" panose="02020603050405020304" pitchFamily="18" charset="0"/>
-                <a:cs typeface="Times New Roman" panose="02020603050405020304" pitchFamily="18" charset="0"/>
-              </a:rPr>
-              <a:t>PHP</a:t>
-            </a:r>
-          </a:p>
-          <a:p>
-            <a:pPr marL="0" indent="0" algn="just">
-              <a:buNone/>
-            </a:pPr>
-            <a:r>
-              <a:rPr lang="pt-BR" dirty="0">
-                <a:latin typeface="Times New Roman" panose="02020603050405020304" pitchFamily="18" charset="0"/>
-                <a:cs typeface="Times New Roman" panose="02020603050405020304" pitchFamily="18" charset="0"/>
-              </a:rPr>
-              <a:t>	</a:t>
-            </a:r>
-            <a:r>
-              <a:rPr lang="pt-BR" b="1" dirty="0">
-                <a:solidFill>
-                  <a:srgbClr val="FF0000"/>
-                </a:solidFill>
-                <a:latin typeface="Times New Roman" panose="02020603050405020304" pitchFamily="18" charset="0"/>
-                <a:cs typeface="Times New Roman" panose="02020603050405020304" pitchFamily="18" charset="0"/>
-              </a:rPr>
-              <a:t>Desafio em Sala de Aula</a:t>
-            </a:r>
-            <a:r>
-              <a:rPr lang="pt-BR" dirty="0">
-                <a:latin typeface="Times New Roman" panose="02020603050405020304" pitchFamily="18" charset="0"/>
-                <a:cs typeface="Times New Roman" panose="02020603050405020304" pitchFamily="18" charset="0"/>
-              </a:rPr>
-              <a:t>.</a:t>
-            </a:r>
-          </a:p>
-          <a:p>
-            <a:pPr marL="0" indent="0" algn="just">
-              <a:buNone/>
-            </a:pPr>
-            <a:r>
-              <a:rPr lang="pt-BR" dirty="0">
-                <a:latin typeface="Times New Roman" panose="02020603050405020304" pitchFamily="18" charset="0"/>
-                <a:cs typeface="Times New Roman" panose="02020603050405020304" pitchFamily="18" charset="0"/>
-              </a:rPr>
-              <a:t>		</a:t>
-            </a:r>
-          </a:p>
-          <a:p>
-            <a:pPr marL="0" indent="0" algn="just">
-              <a:buNone/>
-            </a:pPr>
-            <a:r>
-              <a:rPr lang="es-ES" dirty="0">
-                <a:latin typeface="Times New Roman" panose="02020603050405020304" pitchFamily="18" charset="0"/>
-                <a:cs typeface="Times New Roman" panose="02020603050405020304" pitchFamily="18" charset="0"/>
-              </a:rPr>
-              <a:t>- </a:t>
-            </a:r>
-            <a:r>
-              <a:rPr lang="es-ES" b="1" dirty="0">
-                <a:latin typeface="Times New Roman" panose="02020603050405020304" pitchFamily="18" charset="0"/>
-                <a:cs typeface="Times New Roman" panose="02020603050405020304" pitchFamily="18" charset="0"/>
-              </a:rPr>
-              <a:t>Quiz</a:t>
-            </a:r>
-            <a:r>
-              <a:rPr lang="es-ES" dirty="0">
-                <a:latin typeface="Times New Roman" panose="02020603050405020304" pitchFamily="18" charset="0"/>
-                <a:cs typeface="Times New Roman" panose="02020603050405020304" pitchFamily="18" charset="0"/>
-              </a:rPr>
-              <a:t> PHP</a:t>
-            </a:r>
-          </a:p>
-          <a:p>
-            <a:pPr marL="0" indent="0" algn="just">
-              <a:buNone/>
-            </a:pPr>
-            <a:r>
-              <a:rPr lang="es-ES" dirty="0">
-                <a:latin typeface="Times New Roman" panose="02020603050405020304" pitchFamily="18" charset="0"/>
-                <a:cs typeface="Times New Roman" panose="02020603050405020304" pitchFamily="18" charset="0"/>
-                <a:hlinkClick r:id="rId3"/>
-              </a:rPr>
-              <a:t>https://www.w3schools.com/php/php_quiz.asp</a:t>
-            </a:r>
-            <a:endParaRPr lang="es-ES" dirty="0">
+            <a:pPr marL="0" indent="0" algn="just">
+              <a:buNone/>
+            </a:pPr>
+            <a:endParaRPr lang="pt-BR" sz="2400" dirty="0">
               <a:latin typeface="Times New Roman" panose="02020603050405020304" pitchFamily="18" charset="0"/>
               <a:cs typeface="Times New Roman" panose="02020603050405020304" pitchFamily="18" charset="0"/>
             </a:endParaRPr>
@@ -44820,8 +45726,168 @@
             <a:pPr marL="0" indent="0" algn="just">
               <a:buNone/>
             </a:pPr>
-            <a:endParaRPr lang="pt-BR" dirty="0">
-              <a:latin typeface="Calibri" panose="020F0502020204030204" pitchFamily="34" charset="0"/>
+            <a:r>
+              <a:rPr lang="pt-BR" sz="2400" dirty="0">
+                <a:latin typeface="Times New Roman" panose="02020603050405020304" pitchFamily="18" charset="0"/>
+                <a:cs typeface="Times New Roman" panose="02020603050405020304" pitchFamily="18" charset="0"/>
+              </a:rPr>
+              <a:t>[1] Construindo classes no PHP orientado a objetos</a:t>
+            </a:r>
+          </a:p>
+          <a:p>
+            <a:pPr marL="0" indent="0" algn="just">
+              <a:buNone/>
+            </a:pPr>
+            <a:r>
+              <a:rPr lang="pt-BR" sz="2400" dirty="0">
+                <a:latin typeface="Times New Roman" panose="02020603050405020304" pitchFamily="18" charset="0"/>
+                <a:cs typeface="Times New Roman" panose="02020603050405020304" pitchFamily="18" charset="0"/>
+              </a:rPr>
+              <a:t>	</a:t>
+            </a:r>
+            <a:r>
+              <a:rPr lang="pt-BR" sz="2400" dirty="0">
+                <a:latin typeface="Times New Roman" panose="02020603050405020304" pitchFamily="18" charset="0"/>
+                <a:cs typeface="Times New Roman" panose="02020603050405020304" pitchFamily="18" charset="0"/>
+                <a:hlinkClick r:id="rId3"/>
+              </a:rPr>
+              <a:t>https://www.youtube.com/watch?v=xoH1WDI9l0I</a:t>
+            </a:r>
+            <a:endParaRPr lang="pt-BR" sz="2400" dirty="0">
+              <a:latin typeface="Times New Roman" panose="02020603050405020304" pitchFamily="18" charset="0"/>
+              <a:cs typeface="Times New Roman" panose="02020603050405020304" pitchFamily="18" charset="0"/>
+            </a:endParaRPr>
+          </a:p>
+          <a:p>
+            <a:pPr marL="0" indent="0" algn="just">
+              <a:buNone/>
+            </a:pPr>
+            <a:endParaRPr lang="pt-BR" sz="2400" dirty="0">
+              <a:latin typeface="Times New Roman" panose="02020603050405020304" pitchFamily="18" charset="0"/>
+              <a:cs typeface="Times New Roman" panose="02020603050405020304" pitchFamily="18" charset="0"/>
+            </a:endParaRPr>
+          </a:p>
+          <a:p>
+            <a:pPr marL="0" indent="0" algn="just">
+              <a:buNone/>
+            </a:pPr>
+            <a:r>
+              <a:rPr lang="pt-BR" sz="2400" dirty="0">
+                <a:latin typeface="Times New Roman" panose="02020603050405020304" pitchFamily="18" charset="0"/>
+                <a:cs typeface="Times New Roman" panose="02020603050405020304" pitchFamily="18" charset="0"/>
+              </a:rPr>
+              <a:t>[2] </a:t>
+            </a:r>
+            <a:r>
+              <a:rPr lang="pt-BR" sz="2400" dirty="0" err="1">
+                <a:latin typeface="Times New Roman" panose="02020603050405020304" pitchFamily="18" charset="0"/>
+                <a:cs typeface="Times New Roman" panose="02020603050405020304" pitchFamily="18" charset="0"/>
+              </a:rPr>
+              <a:t>Creating</a:t>
+            </a:r>
+            <a:r>
+              <a:rPr lang="pt-BR" sz="2400" dirty="0">
+                <a:latin typeface="Times New Roman" panose="02020603050405020304" pitchFamily="18" charset="0"/>
+                <a:cs typeface="Times New Roman" panose="02020603050405020304" pitchFamily="18" charset="0"/>
+              </a:rPr>
+              <a:t> classes, </a:t>
+            </a:r>
+            <a:r>
+              <a:rPr lang="pt-BR" sz="2400" dirty="0" err="1">
+                <a:latin typeface="Times New Roman" panose="02020603050405020304" pitchFamily="18" charset="0"/>
+                <a:cs typeface="Times New Roman" panose="02020603050405020304" pitchFamily="18" charset="0"/>
+              </a:rPr>
+              <a:t>properties</a:t>
+            </a:r>
+            <a:r>
+              <a:rPr lang="pt-BR" sz="2400" dirty="0">
+                <a:latin typeface="Times New Roman" panose="02020603050405020304" pitchFamily="18" charset="0"/>
+                <a:cs typeface="Times New Roman" panose="02020603050405020304" pitchFamily="18" charset="0"/>
+              </a:rPr>
+              <a:t>, </a:t>
+            </a:r>
+            <a:r>
+              <a:rPr lang="pt-BR" sz="2400" dirty="0" err="1">
+                <a:latin typeface="Times New Roman" panose="02020603050405020304" pitchFamily="18" charset="0"/>
+                <a:cs typeface="Times New Roman" panose="02020603050405020304" pitchFamily="18" charset="0"/>
+              </a:rPr>
+              <a:t>methods</a:t>
+            </a:r>
+            <a:r>
+              <a:rPr lang="pt-BR" sz="2400" dirty="0">
+                <a:latin typeface="Times New Roman" panose="02020603050405020304" pitchFamily="18" charset="0"/>
+                <a:cs typeface="Times New Roman" panose="02020603050405020304" pitchFamily="18" charset="0"/>
+              </a:rPr>
+              <a:t> - OOP in PHP – Part 1</a:t>
+            </a:r>
+          </a:p>
+          <a:p>
+            <a:pPr marL="0" indent="0" algn="just">
+              <a:buNone/>
+            </a:pPr>
+            <a:r>
+              <a:rPr lang="pt-BR" sz="2400" dirty="0">
+                <a:latin typeface="Times New Roman" panose="02020603050405020304" pitchFamily="18" charset="0"/>
+                <a:cs typeface="Times New Roman" panose="02020603050405020304" pitchFamily="18" charset="0"/>
+              </a:rPr>
+              <a:t>	</a:t>
+            </a:r>
+            <a:r>
+              <a:rPr lang="pt-BR" sz="2400" dirty="0">
+                <a:latin typeface="Times New Roman" panose="02020603050405020304" pitchFamily="18" charset="0"/>
+                <a:cs typeface="Times New Roman" panose="02020603050405020304" pitchFamily="18" charset="0"/>
+                <a:hlinkClick r:id="rId4"/>
+              </a:rPr>
+              <a:t>https://www.youtube.com/watch?v=4xvCT7UPY3k</a:t>
+            </a:r>
+            <a:endParaRPr lang="pt-BR" sz="2400" dirty="0">
+              <a:latin typeface="Times New Roman" panose="02020603050405020304" pitchFamily="18" charset="0"/>
+              <a:cs typeface="Times New Roman" panose="02020603050405020304" pitchFamily="18" charset="0"/>
+            </a:endParaRPr>
+          </a:p>
+          <a:p>
+            <a:pPr marL="0" indent="0" algn="just">
+              <a:buNone/>
+            </a:pPr>
+            <a:endParaRPr lang="pt-BR" sz="2400" dirty="0">
+              <a:latin typeface="Times New Roman" panose="02020603050405020304" pitchFamily="18" charset="0"/>
+              <a:cs typeface="Times New Roman" panose="02020603050405020304" pitchFamily="18" charset="0"/>
+            </a:endParaRPr>
+          </a:p>
+          <a:p>
+            <a:pPr marL="0" indent="0" algn="just">
+              <a:buNone/>
+            </a:pPr>
+            <a:endParaRPr lang="pt-BR" sz="2400" dirty="0">
+              <a:latin typeface="Times New Roman" panose="02020603050405020304" pitchFamily="18" charset="0"/>
+              <a:cs typeface="Times New Roman" panose="02020603050405020304" pitchFamily="18" charset="0"/>
+            </a:endParaRPr>
+          </a:p>
+          <a:p>
+            <a:pPr marL="0" indent="0" algn="just">
+              <a:buNone/>
+            </a:pPr>
+            <a:endParaRPr lang="pt-BR" sz="2400" dirty="0">
+              <a:latin typeface="Times New Roman" panose="02020603050405020304" pitchFamily="18" charset="0"/>
+              <a:cs typeface="Times New Roman" panose="02020603050405020304" pitchFamily="18" charset="0"/>
+            </a:endParaRPr>
+          </a:p>
+          <a:p>
+            <a:pPr marL="0" indent="0" algn="just">
+              <a:buNone/>
+            </a:pPr>
+            <a:endParaRPr lang="pt-BR" sz="2400" dirty="0">
+              <a:latin typeface="Times New Roman" panose="02020603050405020304" pitchFamily="18" charset="0"/>
+              <a:cs typeface="Times New Roman" panose="02020603050405020304" pitchFamily="18" charset="0"/>
+            </a:endParaRPr>
+          </a:p>
+          <a:p>
+            <a:pPr marL="0" indent="0" algn="just">
+              <a:buNone/>
+            </a:pPr>
+            <a:endParaRPr lang="pt-BR" sz="2400" dirty="0">
+              <a:latin typeface="Times New Roman" panose="02020603050405020304" pitchFamily="18" charset="0"/>
+              <a:cs typeface="Times New Roman" panose="02020603050405020304" pitchFamily="18" charset="0"/>
             </a:endParaRPr>
           </a:p>
         </p:txBody>
@@ -44829,7 +45895,7 @@
     </p:spTree>
     <p:extLst>
       <p:ext uri="{BB962C8B-B14F-4D97-AF65-F5344CB8AC3E}">
-        <p14:creationId xmlns:p14="http://schemas.microsoft.com/office/powerpoint/2010/main" val="2470652989"/>
+        <p14:creationId xmlns:p14="http://schemas.microsoft.com/office/powerpoint/2010/main" val="2747596967"/>
       </p:ext>
     </p:extLst>
   </p:cSld>
@@ -44885,6 +45951,226 @@
                   <a:srgbClr val="0070C0"/>
                 </a:solidFill>
               </a:rPr>
+              <a:t>Dinâmica</a:t>
+            </a:r>
+            <a:r>
+              <a:rPr lang="en-US" b="1" dirty="0">
+                <a:solidFill>
+                  <a:srgbClr val="0070C0"/>
+                </a:solidFill>
+              </a:rPr>
+              <a:t>/</a:t>
+            </a:r>
+            <a:r>
+              <a:rPr lang="en-US" b="1" dirty="0" err="1">
+                <a:solidFill>
+                  <a:srgbClr val="0070C0"/>
+                </a:solidFill>
+              </a:rPr>
+              <a:t>Atividades</a:t>
+            </a:r>
+            <a:endParaRPr lang="en-US" b="1" dirty="0">
+              <a:solidFill>
+                <a:srgbClr val="0070C0"/>
+              </a:solidFill>
+            </a:endParaRPr>
+          </a:p>
+        </p:txBody>
+      </p:sp>
+      <p:sp>
+        <p:nvSpPr>
+          <p:cNvPr id="8" name="Text Placeholder 2"/>
+          <p:cNvSpPr>
+            <a:spLocks noGrp="1"/>
+          </p:cNvSpPr>
+          <p:nvPr>
+            <p:ph type="body" sz="half" idx="1"/>
+          </p:nvPr>
+        </p:nvSpPr>
+        <p:spPr>
+          <a:xfrm>
+            <a:off x="139472" y="1063230"/>
+            <a:ext cx="8865056" cy="3606305"/>
+          </a:xfrm>
+        </p:spPr>
+        <p:txBody>
+          <a:bodyPr>
+            <a:noAutofit/>
+          </a:bodyPr>
+          <a:lstStyle/>
+          <a:p>
+            <a:pPr algn="just">
+              <a:buFontTx/>
+              <a:buChar char="-"/>
+            </a:pPr>
+            <a:r>
+              <a:rPr lang="pt-BR" dirty="0">
+                <a:latin typeface="Times New Roman" panose="02020603050405020304" pitchFamily="18" charset="0"/>
+                <a:cs typeface="Times New Roman" panose="02020603050405020304" pitchFamily="18" charset="0"/>
+              </a:rPr>
+              <a:t>Exercícios de Fixação </a:t>
+            </a:r>
+            <a:r>
+              <a:rPr lang="pt-BR" b="1" dirty="0">
+                <a:latin typeface="Times New Roman" panose="02020603050405020304" pitchFamily="18" charset="0"/>
+                <a:cs typeface="Times New Roman" panose="02020603050405020304" pitchFamily="18" charset="0"/>
+              </a:rPr>
+              <a:t>PHP</a:t>
+            </a:r>
+          </a:p>
+          <a:p>
+            <a:pPr marL="0" indent="0" algn="just">
+              <a:buNone/>
+            </a:pPr>
+            <a:r>
+              <a:rPr lang="pt-BR" dirty="0">
+                <a:latin typeface="Times New Roman" panose="02020603050405020304" pitchFamily="18" charset="0"/>
+                <a:cs typeface="Times New Roman" panose="02020603050405020304" pitchFamily="18" charset="0"/>
+              </a:rPr>
+              <a:t>	</a:t>
+            </a:r>
+            <a:r>
+              <a:rPr lang="pt-BR" b="1" dirty="0">
+                <a:solidFill>
+                  <a:srgbClr val="FF0000"/>
+                </a:solidFill>
+                <a:latin typeface="Times New Roman" panose="02020603050405020304" pitchFamily="18" charset="0"/>
+                <a:cs typeface="Times New Roman" panose="02020603050405020304" pitchFamily="18" charset="0"/>
+              </a:rPr>
+              <a:t>Desafio em Sala de Aula</a:t>
+            </a:r>
+            <a:r>
+              <a:rPr lang="pt-BR" dirty="0">
+                <a:latin typeface="Times New Roman" panose="02020603050405020304" pitchFamily="18" charset="0"/>
+                <a:cs typeface="Times New Roman" panose="02020603050405020304" pitchFamily="18" charset="0"/>
+              </a:rPr>
+              <a:t>.</a:t>
+            </a:r>
+          </a:p>
+          <a:p>
+            <a:pPr marL="0" indent="0" algn="just">
+              <a:buNone/>
+            </a:pPr>
+            <a:r>
+              <a:rPr lang="pt-BR" dirty="0">
+                <a:latin typeface="Times New Roman" panose="02020603050405020304" pitchFamily="18" charset="0"/>
+                <a:cs typeface="Times New Roman" panose="02020603050405020304" pitchFamily="18" charset="0"/>
+              </a:rPr>
+              <a:t>		</a:t>
+            </a:r>
+          </a:p>
+          <a:p>
+            <a:pPr marL="0" indent="0" algn="just">
+              <a:buNone/>
+            </a:pPr>
+            <a:r>
+              <a:rPr lang="es-ES" dirty="0">
+                <a:latin typeface="Times New Roman" panose="02020603050405020304" pitchFamily="18" charset="0"/>
+                <a:cs typeface="Times New Roman" panose="02020603050405020304" pitchFamily="18" charset="0"/>
+              </a:rPr>
+              <a:t>- </a:t>
+            </a:r>
+            <a:r>
+              <a:rPr lang="es-ES" b="1" dirty="0">
+                <a:latin typeface="Times New Roman" panose="02020603050405020304" pitchFamily="18" charset="0"/>
+                <a:cs typeface="Times New Roman" panose="02020603050405020304" pitchFamily="18" charset="0"/>
+              </a:rPr>
+              <a:t>Quiz</a:t>
+            </a:r>
+            <a:r>
+              <a:rPr lang="es-ES" dirty="0">
+                <a:latin typeface="Times New Roman" panose="02020603050405020304" pitchFamily="18" charset="0"/>
+                <a:cs typeface="Times New Roman" panose="02020603050405020304" pitchFamily="18" charset="0"/>
+              </a:rPr>
+              <a:t> PHP</a:t>
+            </a:r>
+          </a:p>
+          <a:p>
+            <a:pPr marL="0" indent="0" algn="just">
+              <a:buNone/>
+            </a:pPr>
+            <a:r>
+              <a:rPr lang="es-ES" dirty="0">
+                <a:latin typeface="Times New Roman" panose="02020603050405020304" pitchFamily="18" charset="0"/>
+                <a:cs typeface="Times New Roman" panose="02020603050405020304" pitchFamily="18" charset="0"/>
+                <a:hlinkClick r:id="rId3"/>
+              </a:rPr>
+              <a:t>https://www.w3schools.com/php/php_quiz.asp</a:t>
+            </a:r>
+            <a:endParaRPr lang="es-ES" dirty="0">
+              <a:latin typeface="Times New Roman" panose="02020603050405020304" pitchFamily="18" charset="0"/>
+              <a:cs typeface="Times New Roman" panose="02020603050405020304" pitchFamily="18" charset="0"/>
+            </a:endParaRPr>
+          </a:p>
+          <a:p>
+            <a:pPr marL="0" indent="0" algn="just">
+              <a:buNone/>
+            </a:pPr>
+            <a:endParaRPr lang="pt-BR" dirty="0">
+              <a:latin typeface="Calibri" panose="020F0502020204030204" pitchFamily="34" charset="0"/>
+            </a:endParaRPr>
+          </a:p>
+        </p:txBody>
+      </p:sp>
+    </p:spTree>
+    <p:extLst>
+      <p:ext uri="{BB962C8B-B14F-4D97-AF65-F5344CB8AC3E}">
+        <p14:creationId xmlns:p14="http://schemas.microsoft.com/office/powerpoint/2010/main" val="2470652989"/>
+      </p:ext>
+    </p:extLst>
+  </p:cSld>
+  <p:clrMapOvr>
+    <a:masterClrMapping/>
+  </p:clrMapOvr>
+  <p:transition spd="med"/>
+</p:sld>
+</file>
+
+<file path=ppt/slides/slide75.xml><?xml version="1.0" encoding="utf-8"?>
+<p:sld xmlns:a="http://schemas.openxmlformats.org/drawingml/2006/main" xmlns:r="http://schemas.openxmlformats.org/officeDocument/2006/relationships" xmlns:p="http://schemas.openxmlformats.org/presentationml/2006/main">
+  <p:cSld>
+    <p:spTree>
+      <p:nvGrpSpPr>
+        <p:cNvPr id="1" name=""/>
+        <p:cNvGrpSpPr/>
+        <p:nvPr/>
+      </p:nvGrpSpPr>
+      <p:grpSpPr>
+        <a:xfrm>
+          <a:off x="0" y="0"/>
+          <a:ext cx="0" cy="0"/>
+          <a:chOff x="0" y="0"/>
+          <a:chExt cx="0" cy="0"/>
+        </a:xfrm>
+      </p:grpSpPr>
+      <p:sp>
+        <p:nvSpPr>
+          <p:cNvPr id="6" name="Title 1"/>
+          <p:cNvSpPr>
+            <a:spLocks noGrp="1"/>
+          </p:cNvSpPr>
+          <p:nvPr>
+            <p:ph type="title"/>
+          </p:nvPr>
+        </p:nvSpPr>
+        <p:spPr>
+          <a:xfrm>
+            <a:off x="457200" y="205980"/>
+            <a:ext cx="8229600" cy="857251"/>
+          </a:xfrm>
+        </p:spPr>
+        <p:txBody>
+          <a:bodyPr>
+            <a:normAutofit/>
+          </a:bodyPr>
+          <a:lstStyle/>
+          <a:p>
+            <a:r>
+              <a:rPr lang="en-US" b="1" dirty="0" err="1">
+                <a:solidFill>
+                  <a:srgbClr val="0070C0"/>
+                </a:solidFill>
+              </a:rPr>
               <a:t>Referências</a:t>
             </a:r>
             <a:r>
@@ -45230,7 +46516,7 @@
 </p:sld>
 </file>
 
-<file path=ppt/slides/slide75.xml><?xml version="1.0" encoding="utf-8"?>
+<file path=ppt/slides/slide76.xml><?xml version="1.0" encoding="utf-8"?>
 <p:sld xmlns:a="http://schemas.openxmlformats.org/drawingml/2006/main" xmlns:r="http://schemas.openxmlformats.org/officeDocument/2006/relationships" xmlns:p="http://schemas.openxmlformats.org/presentationml/2006/main">
   <p:cSld>
     <p:spTree>
